--- a/Präsentationen/Projektpräsentation/Project proposal Rift Wingsuit V2.pptx
+++ b/Präsentationen/Projektpräsentation/Project proposal Rift Wingsuit V2.pptx
@@ -5,7 +5,7 @@
     <p:sldMasterId id="2147483660" r:id="rId1"/>
   </p:sldMasterIdLst>
   <p:notesMasterIdLst>
-    <p:notesMasterId r:id="rId19"/>
+    <p:notesMasterId r:id="rId22"/>
   </p:notesMasterIdLst>
   <p:sldIdLst>
     <p:sldId id="272" r:id="rId2"/>
@@ -19,12 +19,15 @@
     <p:sldId id="294" r:id="rId10"/>
     <p:sldId id="308" r:id="rId11"/>
     <p:sldId id="286" r:id="rId12"/>
-    <p:sldId id="314" r:id="rId13"/>
-    <p:sldId id="310" r:id="rId14"/>
-    <p:sldId id="315" r:id="rId15"/>
-    <p:sldId id="270" r:id="rId16"/>
-    <p:sldId id="280" r:id="rId17"/>
-    <p:sldId id="279" r:id="rId18"/>
+    <p:sldId id="317" r:id="rId13"/>
+    <p:sldId id="314" r:id="rId14"/>
+    <p:sldId id="318" r:id="rId15"/>
+    <p:sldId id="310" r:id="rId16"/>
+    <p:sldId id="315" r:id="rId17"/>
+    <p:sldId id="319" r:id="rId18"/>
+    <p:sldId id="270" r:id="rId19"/>
+    <p:sldId id="280" r:id="rId20"/>
+    <p:sldId id="279" r:id="rId21"/>
   </p:sldIdLst>
   <p:sldSz cx="9144000" cy="5715000" type="screen16x10"/>
   <p:notesSz cx="6858000" cy="9144000"/>
@@ -123,6 +126,22 @@
       </a:defRPr>
     </a:lvl9pPr>
   </p:defaultTextStyle>
+  <p:extLst>
+    <p:ext uri="{EFAFB233-063F-42B5-8137-9DF3F51BA10A}">
+      <p15:sldGuideLst xmlns:p15="http://schemas.microsoft.com/office/powerpoint/2012/main">
+        <p15:guide id="1" orient="horz" pos="1800">
+          <p15:clr>
+            <a:srgbClr val="A4A3A4"/>
+          </p15:clr>
+        </p15:guide>
+        <p15:guide id="2" pos="2880">
+          <p15:clr>
+            <a:srgbClr val="A4A3A4"/>
+          </p15:clr>
+        </p15:guide>
+      </p15:sldGuideLst>
+    </p:ext>
+  </p:extLst>
 </p:presentation>
 </file>
 
@@ -209,7 +228,7 @@
             <a:fld id="{243825A9-FBEC-4183-9E10-7EA49C7B85FB}" type="datetimeFigureOut">
               <a:rPr lang="de-DE" smtClean="0"/>
               <a:pPr/>
-              <a:t>12.05.2016</a:t>
+              <a:t>16.05.2016</a:t>
             </a:fld>
             <a:endParaRPr lang="de-DE"/>
           </a:p>
@@ -275,38 +294,37 @@
           <a:p>
             <a:pPr lvl="0"/>
             <a:r>
-              <a:rPr lang="de-DE" smtClean="0"/>
+              <a:rPr lang="de-DE"/>
               <a:t>Textmasterformate durch Klicken bearbeiten</a:t>
             </a:r>
           </a:p>
           <a:p>
             <a:pPr lvl="1"/>
             <a:r>
-              <a:rPr lang="de-DE" smtClean="0"/>
+              <a:rPr lang="de-DE"/>
               <a:t>Zweite Ebene</a:t>
             </a:r>
           </a:p>
           <a:p>
             <a:pPr lvl="2"/>
             <a:r>
-              <a:rPr lang="de-DE" smtClean="0"/>
+              <a:rPr lang="de-DE"/>
               <a:t>Dritte Ebene</a:t>
             </a:r>
           </a:p>
           <a:p>
             <a:pPr lvl="3"/>
             <a:r>
-              <a:rPr lang="de-DE" smtClean="0"/>
+              <a:rPr lang="de-DE"/>
               <a:t>Vierte Ebene</a:t>
             </a:r>
           </a:p>
           <a:p>
             <a:pPr lvl="4"/>
             <a:r>
-              <a:rPr lang="de-DE" smtClean="0"/>
+              <a:rPr lang="de-DE"/>
               <a:t>Fünfte Ebene</a:t>
             </a:r>
-            <a:endParaRPr lang="de-DE"/>
           </a:p>
         </p:txBody>
       </p:sp>
@@ -522,11 +540,11 @@
           <a:lstStyle/>
           <a:p>
             <a:r>
-              <a:rPr lang="de-DE" dirty="0" smtClean="0"/>
+              <a:rPr lang="de-DE" dirty="0"/>
               <a:t>Rotation-Lock-X =&gt; Es</a:t>
             </a:r>
             <a:r>
-              <a:rPr lang="de-DE" baseline="0" dirty="0" smtClean="0"/>
+              <a:rPr lang="de-DE" baseline="0" dirty="0"/>
               <a:t> kann nicht übersteuert werden</a:t>
             </a:r>
             <a:endParaRPr lang="de-DE" dirty="0"/>
@@ -653,7 +671,7 @@
           </a:lstStyle>
           <a:p>
             <a:r>
-              <a:rPr kumimoji="0" lang="de-DE" smtClean="0"/>
+              <a:rPr kumimoji="0" lang="de-DE"/>
               <a:t>Titelmasterformat durch Klicken bearbeiten</a:t>
             </a:r>
             <a:endParaRPr kumimoji="0" lang="en-US"/>
@@ -714,7 +732,7 @@
           </a:lstStyle>
           <a:p>
             <a:r>
-              <a:rPr kumimoji="0" lang="de-DE" smtClean="0"/>
+              <a:rPr kumimoji="0" lang="de-DE"/>
               <a:t>Formatvorlage des Untertitelmasters durch Klicken bearbeiten</a:t>
             </a:r>
             <a:endParaRPr kumimoji="0" lang="en-US"/>
@@ -739,7 +757,7 @@
             <a:fld id="{E3D2E8C1-5FD7-4691-AB68-D6297B4D5F43}" type="datetime1">
               <a:rPr lang="de-DE" smtClean="0"/>
               <a:pPr/>
-              <a:t>12.05.2016</a:t>
+              <a:t>16.05.2016</a:t>
             </a:fld>
             <a:endParaRPr lang="de-DE"/>
           </a:p>
@@ -829,7 +847,7 @@
           <a:lstStyle/>
           <a:p>
             <a:r>
-              <a:rPr kumimoji="0" lang="de-DE" smtClean="0"/>
+              <a:rPr kumimoji="0" lang="de-DE"/>
               <a:t>Titelmasterformat durch Klicken bearbeiten</a:t>
             </a:r>
             <a:endParaRPr kumimoji="0" lang="en-US"/>
@@ -853,35 +871,35 @@
           <a:p>
             <a:pPr lvl="0" eaLnBrk="1" latinLnBrk="0" hangingPunct="1"/>
             <a:r>
-              <a:rPr lang="de-DE" smtClean="0"/>
+              <a:rPr lang="de-DE"/>
               <a:t>Textmasterformate durch Klicken bearbeiten</a:t>
             </a:r>
           </a:p>
           <a:p>
             <a:pPr lvl="1" eaLnBrk="1" latinLnBrk="0" hangingPunct="1"/>
             <a:r>
-              <a:rPr lang="de-DE" smtClean="0"/>
+              <a:rPr lang="de-DE"/>
               <a:t>Zweite Ebene</a:t>
             </a:r>
           </a:p>
           <a:p>
             <a:pPr lvl="2" eaLnBrk="1" latinLnBrk="0" hangingPunct="1"/>
             <a:r>
-              <a:rPr lang="de-DE" smtClean="0"/>
+              <a:rPr lang="de-DE"/>
               <a:t>Dritte Ebene</a:t>
             </a:r>
           </a:p>
           <a:p>
             <a:pPr lvl="3" eaLnBrk="1" latinLnBrk="0" hangingPunct="1"/>
             <a:r>
-              <a:rPr lang="de-DE" smtClean="0"/>
+              <a:rPr lang="de-DE"/>
               <a:t>Vierte Ebene</a:t>
             </a:r>
           </a:p>
           <a:p>
             <a:pPr lvl="4" eaLnBrk="1" latinLnBrk="0" hangingPunct="1"/>
             <a:r>
-              <a:rPr lang="de-DE" smtClean="0"/>
+              <a:rPr lang="de-DE"/>
               <a:t>Fünfte Ebene</a:t>
             </a:r>
             <a:endParaRPr kumimoji="0" lang="en-US"/>
@@ -906,7 +924,7 @@
             <a:fld id="{6555916C-EC3E-4A59-A202-E3BDAC789789}" type="datetime1">
               <a:rPr lang="de-DE" smtClean="0"/>
               <a:pPr/>
-              <a:t>12.05.2016</a:t>
+              <a:t>16.05.2016</a:t>
             </a:fld>
             <a:endParaRPr lang="de-DE"/>
           </a:p>
@@ -1001,7 +1019,7 @@
           <a:lstStyle/>
           <a:p>
             <a:r>
-              <a:rPr kumimoji="0" lang="de-DE" smtClean="0"/>
+              <a:rPr kumimoji="0" lang="de-DE"/>
               <a:t>Titelmasterformat durch Klicken bearbeiten</a:t>
             </a:r>
             <a:endParaRPr kumimoji="0" lang="en-US"/>
@@ -1030,35 +1048,35 @@
           <a:p>
             <a:pPr lvl="0" eaLnBrk="1" latinLnBrk="0" hangingPunct="1"/>
             <a:r>
-              <a:rPr lang="de-DE" smtClean="0"/>
+              <a:rPr lang="de-DE"/>
               <a:t>Textmasterformate durch Klicken bearbeiten</a:t>
             </a:r>
           </a:p>
           <a:p>
             <a:pPr lvl="1" eaLnBrk="1" latinLnBrk="0" hangingPunct="1"/>
             <a:r>
-              <a:rPr lang="de-DE" smtClean="0"/>
+              <a:rPr lang="de-DE"/>
               <a:t>Zweite Ebene</a:t>
             </a:r>
           </a:p>
           <a:p>
             <a:pPr lvl="2" eaLnBrk="1" latinLnBrk="0" hangingPunct="1"/>
             <a:r>
-              <a:rPr lang="de-DE" smtClean="0"/>
+              <a:rPr lang="de-DE"/>
               <a:t>Dritte Ebene</a:t>
             </a:r>
           </a:p>
           <a:p>
             <a:pPr lvl="3" eaLnBrk="1" latinLnBrk="0" hangingPunct="1"/>
             <a:r>
-              <a:rPr lang="de-DE" smtClean="0"/>
+              <a:rPr lang="de-DE"/>
               <a:t>Vierte Ebene</a:t>
             </a:r>
           </a:p>
           <a:p>
             <a:pPr lvl="4" eaLnBrk="1" latinLnBrk="0" hangingPunct="1"/>
             <a:r>
-              <a:rPr lang="de-DE" smtClean="0"/>
+              <a:rPr lang="de-DE"/>
               <a:t>Fünfte Ebene</a:t>
             </a:r>
             <a:endParaRPr kumimoji="0" lang="en-US"/>
@@ -1083,7 +1101,7 @@
             <a:fld id="{B0BAAC96-984A-4C42-A65C-1E30F77A26C5}" type="datetime1">
               <a:rPr lang="de-DE" smtClean="0"/>
               <a:pPr/>
-              <a:t>12.05.2016</a:t>
+              <a:t>16.05.2016</a:t>
             </a:fld>
             <a:endParaRPr lang="de-DE"/>
           </a:p>
@@ -1173,7 +1191,7 @@
           <a:lstStyle/>
           <a:p>
             <a:r>
-              <a:rPr kumimoji="0" lang="de-DE" smtClean="0"/>
+              <a:rPr kumimoji="0" lang="de-DE"/>
               <a:t>Titelmasterformat durch Klicken bearbeiten</a:t>
             </a:r>
             <a:endParaRPr kumimoji="0" lang="en-US"/>
@@ -1197,35 +1215,35 @@
           <a:p>
             <a:pPr lvl="0" eaLnBrk="1" latinLnBrk="0" hangingPunct="1"/>
             <a:r>
-              <a:rPr lang="de-DE" smtClean="0"/>
+              <a:rPr lang="de-DE"/>
               <a:t>Textmasterformate durch Klicken bearbeiten</a:t>
             </a:r>
           </a:p>
           <a:p>
             <a:pPr lvl="1" eaLnBrk="1" latinLnBrk="0" hangingPunct="1"/>
             <a:r>
-              <a:rPr lang="de-DE" smtClean="0"/>
+              <a:rPr lang="de-DE"/>
               <a:t>Zweite Ebene</a:t>
             </a:r>
           </a:p>
           <a:p>
             <a:pPr lvl="2" eaLnBrk="1" latinLnBrk="0" hangingPunct="1"/>
             <a:r>
-              <a:rPr lang="de-DE" smtClean="0"/>
+              <a:rPr lang="de-DE"/>
               <a:t>Dritte Ebene</a:t>
             </a:r>
           </a:p>
           <a:p>
             <a:pPr lvl="3" eaLnBrk="1" latinLnBrk="0" hangingPunct="1"/>
             <a:r>
-              <a:rPr lang="de-DE" smtClean="0"/>
+              <a:rPr lang="de-DE"/>
               <a:t>Vierte Ebene</a:t>
             </a:r>
           </a:p>
           <a:p>
             <a:pPr lvl="4" eaLnBrk="1" latinLnBrk="0" hangingPunct="1"/>
             <a:r>
-              <a:rPr lang="de-DE" smtClean="0"/>
+              <a:rPr lang="de-DE"/>
               <a:t>Fünfte Ebene</a:t>
             </a:r>
             <a:endParaRPr kumimoji="0" lang="en-US"/>
@@ -1250,7 +1268,7 @@
             <a:fld id="{0AF80EA2-653E-48EB-A275-D811A53BA918}" type="datetime1">
               <a:rPr lang="de-DE" smtClean="0"/>
               <a:pPr/>
-              <a:t>12.05.2016</a:t>
+              <a:t>16.05.2016</a:t>
             </a:fld>
             <a:endParaRPr lang="de-DE"/>
           </a:p>
@@ -1392,7 +1410,7 @@
           </a:lstStyle>
           <a:p>
             <a:r>
-              <a:rPr kumimoji="0" lang="de-DE" smtClean="0"/>
+              <a:rPr kumimoji="0" lang="de-DE"/>
               <a:t>Titelmasterformat durch Klicken bearbeiten</a:t>
             </a:r>
             <a:endParaRPr kumimoji="0" lang="en-US"/>
@@ -1470,7 +1488,7 @@
           <a:p>
             <a:pPr lvl="0" eaLnBrk="1" latinLnBrk="0" hangingPunct="1"/>
             <a:r>
-              <a:rPr kumimoji="0" lang="de-DE" smtClean="0"/>
+              <a:rPr kumimoji="0" lang="de-DE"/>
               <a:t>Textmasterformate durch Klicken bearbeiten</a:t>
             </a:r>
           </a:p>
@@ -1494,7 +1512,7 @@
             <a:fld id="{E5BD76EC-8BFC-4DBC-81BC-788FF00AD01A}" type="datetime1">
               <a:rPr lang="de-DE" smtClean="0"/>
               <a:pPr/>
-              <a:t>12.05.2016</a:t>
+              <a:t>16.05.2016</a:t>
             </a:fld>
             <a:endParaRPr lang="de-DE"/>
           </a:p>
@@ -1589,7 +1607,7 @@
           <a:lstStyle/>
           <a:p>
             <a:r>
-              <a:rPr kumimoji="0" lang="de-DE" smtClean="0"/>
+              <a:rPr kumimoji="0" lang="de-DE"/>
               <a:t>Titelmasterformat durch Klicken bearbeiten</a:t>
             </a:r>
             <a:endParaRPr kumimoji="0" lang="en-US"/>
@@ -1634,35 +1652,35 @@
           <a:p>
             <a:pPr lvl="0" eaLnBrk="1" latinLnBrk="0" hangingPunct="1"/>
             <a:r>
-              <a:rPr lang="de-DE" smtClean="0"/>
+              <a:rPr lang="de-DE"/>
               <a:t>Textmasterformate durch Klicken bearbeiten</a:t>
             </a:r>
           </a:p>
           <a:p>
             <a:pPr lvl="1" eaLnBrk="1" latinLnBrk="0" hangingPunct="1"/>
             <a:r>
-              <a:rPr lang="de-DE" smtClean="0"/>
+              <a:rPr lang="de-DE"/>
               <a:t>Zweite Ebene</a:t>
             </a:r>
           </a:p>
           <a:p>
             <a:pPr lvl="2" eaLnBrk="1" latinLnBrk="0" hangingPunct="1"/>
             <a:r>
-              <a:rPr lang="de-DE" smtClean="0"/>
+              <a:rPr lang="de-DE"/>
               <a:t>Dritte Ebene</a:t>
             </a:r>
           </a:p>
           <a:p>
             <a:pPr lvl="3" eaLnBrk="1" latinLnBrk="0" hangingPunct="1"/>
             <a:r>
-              <a:rPr lang="de-DE" smtClean="0"/>
+              <a:rPr lang="de-DE"/>
               <a:t>Vierte Ebene</a:t>
             </a:r>
           </a:p>
           <a:p>
             <a:pPr lvl="4" eaLnBrk="1" latinLnBrk="0" hangingPunct="1"/>
             <a:r>
-              <a:rPr lang="de-DE" smtClean="0"/>
+              <a:rPr lang="de-DE"/>
               <a:t>Fünfte Ebene</a:t>
             </a:r>
             <a:endParaRPr kumimoji="0" lang="en-US"/>
@@ -1707,35 +1725,35 @@
           <a:p>
             <a:pPr lvl="0" eaLnBrk="1" latinLnBrk="0" hangingPunct="1"/>
             <a:r>
-              <a:rPr lang="de-DE" smtClean="0"/>
+              <a:rPr lang="de-DE"/>
               <a:t>Textmasterformate durch Klicken bearbeiten</a:t>
             </a:r>
           </a:p>
           <a:p>
             <a:pPr lvl="1" eaLnBrk="1" latinLnBrk="0" hangingPunct="1"/>
             <a:r>
-              <a:rPr lang="de-DE" smtClean="0"/>
+              <a:rPr lang="de-DE"/>
               <a:t>Zweite Ebene</a:t>
             </a:r>
           </a:p>
           <a:p>
             <a:pPr lvl="2" eaLnBrk="1" latinLnBrk="0" hangingPunct="1"/>
             <a:r>
-              <a:rPr lang="de-DE" smtClean="0"/>
+              <a:rPr lang="de-DE"/>
               <a:t>Dritte Ebene</a:t>
             </a:r>
           </a:p>
           <a:p>
             <a:pPr lvl="3" eaLnBrk="1" latinLnBrk="0" hangingPunct="1"/>
             <a:r>
-              <a:rPr lang="de-DE" smtClean="0"/>
+              <a:rPr lang="de-DE"/>
               <a:t>Vierte Ebene</a:t>
             </a:r>
           </a:p>
           <a:p>
             <a:pPr lvl="4" eaLnBrk="1" latinLnBrk="0" hangingPunct="1"/>
             <a:r>
-              <a:rPr lang="de-DE" smtClean="0"/>
+              <a:rPr lang="de-DE"/>
               <a:t>Fünfte Ebene</a:t>
             </a:r>
             <a:endParaRPr kumimoji="0" lang="en-US"/>
@@ -1760,7 +1778,7 @@
             <a:fld id="{42D10058-B0DA-4CAD-91DA-40F8A0FB6522}" type="datetime1">
               <a:rPr lang="de-DE" smtClean="0"/>
               <a:pPr/>
-              <a:t>12.05.2016</a:t>
+              <a:t>16.05.2016</a:t>
             </a:fld>
             <a:endParaRPr lang="de-DE"/>
           </a:p>
@@ -1859,7 +1877,7 @@
           </a:lstStyle>
           <a:p>
             <a:r>
-              <a:rPr kumimoji="0" lang="de-DE" smtClean="0"/>
+              <a:rPr kumimoji="0" lang="de-DE"/>
               <a:t>Titelmasterformat durch Klicken bearbeiten</a:t>
             </a:r>
             <a:endParaRPr kumimoji="0" lang="en-US"/>
@@ -1916,7 +1934,7 @@
           <a:p>
             <a:pPr lvl="0" eaLnBrk="1" latinLnBrk="0" hangingPunct="1"/>
             <a:r>
-              <a:rPr kumimoji="0" lang="de-DE" smtClean="0"/>
+              <a:rPr kumimoji="0" lang="de-DE"/>
               <a:t>Textmasterformate durch Klicken bearbeiten</a:t>
             </a:r>
           </a:p>
@@ -1970,7 +1988,7 @@
           <a:p>
             <a:pPr lvl="0" eaLnBrk="1" latinLnBrk="0" hangingPunct="1"/>
             <a:r>
-              <a:rPr kumimoji="0" lang="de-DE" smtClean="0"/>
+              <a:rPr kumimoji="0" lang="de-DE"/>
               <a:t>Textmasterformate durch Klicken bearbeiten</a:t>
             </a:r>
           </a:p>
@@ -2014,35 +2032,35 @@
           <a:p>
             <a:pPr lvl="0" eaLnBrk="1" latinLnBrk="0" hangingPunct="1"/>
             <a:r>
-              <a:rPr lang="de-DE" smtClean="0"/>
+              <a:rPr lang="de-DE"/>
               <a:t>Textmasterformate durch Klicken bearbeiten</a:t>
             </a:r>
           </a:p>
           <a:p>
             <a:pPr lvl="1" eaLnBrk="1" latinLnBrk="0" hangingPunct="1"/>
             <a:r>
-              <a:rPr lang="de-DE" smtClean="0"/>
+              <a:rPr lang="de-DE"/>
               <a:t>Zweite Ebene</a:t>
             </a:r>
           </a:p>
           <a:p>
             <a:pPr lvl="2" eaLnBrk="1" latinLnBrk="0" hangingPunct="1"/>
             <a:r>
-              <a:rPr lang="de-DE" smtClean="0"/>
+              <a:rPr lang="de-DE"/>
               <a:t>Dritte Ebene</a:t>
             </a:r>
           </a:p>
           <a:p>
             <a:pPr lvl="3" eaLnBrk="1" latinLnBrk="0" hangingPunct="1"/>
             <a:r>
-              <a:rPr lang="de-DE" smtClean="0"/>
+              <a:rPr lang="de-DE"/>
               <a:t>Vierte Ebene</a:t>
             </a:r>
           </a:p>
           <a:p>
             <a:pPr lvl="4" eaLnBrk="1" latinLnBrk="0" hangingPunct="1"/>
             <a:r>
-              <a:rPr lang="de-DE" smtClean="0"/>
+              <a:rPr lang="de-DE"/>
               <a:t>Fünfte Ebene</a:t>
             </a:r>
             <a:endParaRPr kumimoji="0" lang="en-US"/>
@@ -2087,35 +2105,35 @@
           <a:p>
             <a:pPr lvl="0" eaLnBrk="1" latinLnBrk="0" hangingPunct="1"/>
             <a:r>
-              <a:rPr lang="de-DE" smtClean="0"/>
+              <a:rPr lang="de-DE"/>
               <a:t>Textmasterformate durch Klicken bearbeiten</a:t>
             </a:r>
           </a:p>
           <a:p>
             <a:pPr lvl="1" eaLnBrk="1" latinLnBrk="0" hangingPunct="1"/>
             <a:r>
-              <a:rPr lang="de-DE" smtClean="0"/>
+              <a:rPr lang="de-DE"/>
               <a:t>Zweite Ebene</a:t>
             </a:r>
           </a:p>
           <a:p>
             <a:pPr lvl="2" eaLnBrk="1" latinLnBrk="0" hangingPunct="1"/>
             <a:r>
-              <a:rPr lang="de-DE" smtClean="0"/>
+              <a:rPr lang="de-DE"/>
               <a:t>Dritte Ebene</a:t>
             </a:r>
           </a:p>
           <a:p>
             <a:pPr lvl="3" eaLnBrk="1" latinLnBrk="0" hangingPunct="1"/>
             <a:r>
-              <a:rPr lang="de-DE" smtClean="0"/>
+              <a:rPr lang="de-DE"/>
               <a:t>Vierte Ebene</a:t>
             </a:r>
           </a:p>
           <a:p>
             <a:pPr lvl="4" eaLnBrk="1" latinLnBrk="0" hangingPunct="1"/>
             <a:r>
-              <a:rPr lang="de-DE" smtClean="0"/>
+              <a:rPr lang="de-DE"/>
               <a:t>Fünfte Ebene</a:t>
             </a:r>
             <a:endParaRPr kumimoji="0" lang="en-US"/>
@@ -2140,7 +2158,7 @@
             <a:fld id="{30F2673F-3B0B-4E2B-A302-85F12C63CE58}" type="datetime1">
               <a:rPr lang="de-DE" smtClean="0"/>
               <a:pPr/>
-              <a:t>12.05.2016</a:t>
+              <a:t>16.05.2016</a:t>
             </a:fld>
             <a:endParaRPr lang="de-DE"/>
           </a:p>
@@ -2267,7 +2285,7 @@
           </a:lstStyle>
           <a:p>
             <a:r>
-              <a:rPr kumimoji="0" lang="de-DE" smtClean="0"/>
+              <a:rPr kumimoji="0" lang="de-DE"/>
               <a:t>Titelmasterformat durch Klicken bearbeiten</a:t>
             </a:r>
             <a:endParaRPr kumimoji="0" lang="en-US"/>
@@ -2292,7 +2310,7 @@
             <a:fld id="{99C24A88-FE37-415B-BBD5-612EBB0081EA}" type="datetime1">
               <a:rPr lang="de-DE" smtClean="0"/>
               <a:pPr/>
-              <a:t>12.05.2016</a:t>
+              <a:t>16.05.2016</a:t>
             </a:fld>
             <a:endParaRPr lang="de-DE"/>
           </a:p>
@@ -2384,7 +2402,7 @@
             <a:fld id="{D4BBCC0C-5DC1-47B9-9437-A552677B599E}" type="datetime1">
               <a:rPr lang="de-DE" smtClean="0"/>
               <a:pPr/>
-              <a:t>12.05.2016</a:t>
+              <a:t>16.05.2016</a:t>
             </a:fld>
             <a:endParaRPr lang="de-DE"/>
           </a:p>
@@ -2500,7 +2518,7 @@
           </a:lstStyle>
           <a:p>
             <a:r>
-              <a:rPr kumimoji="0" lang="de-DE" smtClean="0"/>
+              <a:rPr kumimoji="0" lang="de-DE"/>
               <a:t>Titelmasterformat durch Klicken bearbeiten</a:t>
             </a:r>
             <a:endParaRPr kumimoji="0" lang="en-US"/>
@@ -2550,7 +2568,7 @@
           <a:p>
             <a:pPr lvl="0" eaLnBrk="1" latinLnBrk="0" hangingPunct="1"/>
             <a:r>
-              <a:rPr kumimoji="0" lang="de-DE" smtClean="0"/>
+              <a:rPr kumimoji="0" lang="de-DE"/>
               <a:t>Textmasterformate durch Klicken bearbeiten</a:t>
             </a:r>
           </a:p>
@@ -2594,35 +2612,35 @@
           <a:p>
             <a:pPr lvl="0" eaLnBrk="1" latinLnBrk="0" hangingPunct="1"/>
             <a:r>
-              <a:rPr lang="de-DE" smtClean="0"/>
+              <a:rPr lang="de-DE"/>
               <a:t>Textmasterformate durch Klicken bearbeiten</a:t>
             </a:r>
           </a:p>
           <a:p>
             <a:pPr lvl="1" eaLnBrk="1" latinLnBrk="0" hangingPunct="1"/>
             <a:r>
-              <a:rPr lang="de-DE" smtClean="0"/>
+              <a:rPr lang="de-DE"/>
               <a:t>Zweite Ebene</a:t>
             </a:r>
           </a:p>
           <a:p>
             <a:pPr lvl="2" eaLnBrk="1" latinLnBrk="0" hangingPunct="1"/>
             <a:r>
-              <a:rPr lang="de-DE" smtClean="0"/>
+              <a:rPr lang="de-DE"/>
               <a:t>Dritte Ebene</a:t>
             </a:r>
           </a:p>
           <a:p>
             <a:pPr lvl="3" eaLnBrk="1" latinLnBrk="0" hangingPunct="1"/>
             <a:r>
-              <a:rPr lang="de-DE" smtClean="0"/>
+              <a:rPr lang="de-DE"/>
               <a:t>Vierte Ebene</a:t>
             </a:r>
           </a:p>
           <a:p>
             <a:pPr lvl="4" eaLnBrk="1" latinLnBrk="0" hangingPunct="1"/>
             <a:r>
-              <a:rPr lang="de-DE" smtClean="0"/>
+              <a:rPr lang="de-DE"/>
               <a:t>Fünfte Ebene</a:t>
             </a:r>
             <a:endParaRPr kumimoji="0" lang="en-US"/>
@@ -2647,7 +2665,7 @@
             <a:fld id="{5D8961AA-03AC-4A6B-AD4E-C8A3670A08F8}" type="datetime1">
               <a:rPr lang="de-DE" smtClean="0"/>
               <a:pPr/>
-              <a:t>12.05.2016</a:t>
+              <a:t>16.05.2016</a:t>
             </a:fld>
             <a:endParaRPr lang="de-DE"/>
           </a:p>
@@ -2863,7 +2881,7 @@
           </a:lstStyle>
           <a:p>
             <a:r>
-              <a:rPr kumimoji="0" lang="de-DE" smtClean="0"/>
+              <a:rPr kumimoji="0" lang="de-DE"/>
               <a:t>Titelmasterformat durch Klicken bearbeiten</a:t>
             </a:r>
             <a:endParaRPr kumimoji="0" lang="en-US"/>
@@ -2913,7 +2931,7 @@
           <a:p>
             <a:pPr lvl="0" eaLnBrk="1" latinLnBrk="0" hangingPunct="1"/>
             <a:r>
-              <a:rPr kumimoji="0" lang="de-DE" smtClean="0"/>
+              <a:rPr kumimoji="0" lang="de-DE"/>
               <a:t>Textmasterformate durch Klicken bearbeiten</a:t>
             </a:r>
           </a:p>
@@ -2937,7 +2955,7 @@
             <a:fld id="{9565BAF1-4771-44D7-80BB-E70855042F1C}" type="datetime1">
               <a:rPr lang="de-DE" smtClean="0"/>
               <a:pPr/>
-              <a:t>12.05.2016</a:t>
+              <a:t>16.05.2016</a:t>
             </a:fld>
             <a:endParaRPr lang="de-DE"/>
           </a:p>
@@ -3030,7 +3048,7 @@
           </a:lstStyle>
           <a:p>
             <a:r>
-              <a:rPr kumimoji="0" lang="de-DE" smtClean="0"/>
+              <a:rPr kumimoji="0" lang="de-DE"/>
               <a:t>Bild durch Klicken auf Symbol hinzufügen</a:t>
             </a:r>
             <a:endParaRPr kumimoji="0" lang="en-US" dirty="0"/>
@@ -3605,7 +3623,7 @@
           <a:lstStyle/>
           <a:p>
             <a:r>
-              <a:rPr kumimoji="0" lang="de-DE" smtClean="0"/>
+              <a:rPr kumimoji="0" lang="de-DE"/>
               <a:t>Titelmasterformat durch Klicken bearbeiten</a:t>
             </a:r>
             <a:endParaRPr kumimoji="0" lang="en-US"/>
@@ -3639,35 +3657,35 @@
           <a:p>
             <a:pPr lvl="0" eaLnBrk="1" latinLnBrk="0" hangingPunct="1"/>
             <a:r>
-              <a:rPr kumimoji="0" lang="de-DE" smtClean="0"/>
+              <a:rPr kumimoji="0" lang="de-DE"/>
               <a:t>Textmasterformate durch Klicken bearbeiten</a:t>
             </a:r>
           </a:p>
           <a:p>
             <a:pPr lvl="1" eaLnBrk="1" latinLnBrk="0" hangingPunct="1"/>
             <a:r>
-              <a:rPr kumimoji="0" lang="de-DE" smtClean="0"/>
+              <a:rPr kumimoji="0" lang="de-DE"/>
               <a:t>Zweite Ebene</a:t>
             </a:r>
           </a:p>
           <a:p>
             <a:pPr lvl="2" eaLnBrk="1" latinLnBrk="0" hangingPunct="1"/>
             <a:r>
-              <a:rPr kumimoji="0" lang="de-DE" smtClean="0"/>
+              <a:rPr kumimoji="0" lang="de-DE"/>
               <a:t>Dritte Ebene</a:t>
             </a:r>
           </a:p>
           <a:p>
             <a:pPr lvl="3" eaLnBrk="1" latinLnBrk="0" hangingPunct="1"/>
             <a:r>
-              <a:rPr kumimoji="0" lang="de-DE" smtClean="0"/>
+              <a:rPr kumimoji="0" lang="de-DE"/>
               <a:t>Vierte Ebene</a:t>
             </a:r>
           </a:p>
           <a:p>
             <a:pPr lvl="4" eaLnBrk="1" latinLnBrk="0" hangingPunct="1"/>
             <a:r>
-              <a:rPr kumimoji="0" lang="de-DE" smtClean="0"/>
+              <a:rPr kumimoji="0" lang="de-DE"/>
               <a:t>Fünfte Ebene</a:t>
             </a:r>
             <a:endParaRPr kumimoji="0" lang="en-US"/>
@@ -3710,7 +3728,7 @@
             <a:fld id="{48B16CC1-F4AA-4BAA-A083-6C6353824805}" type="datetime1">
               <a:rPr lang="de-DE" smtClean="0"/>
               <a:pPr/>
-              <a:t>12.05.2016</a:t>
+              <a:t>16.05.2016</a:t>
             </a:fld>
             <a:endParaRPr lang="de-DE"/>
           </a:p>
@@ -4354,7 +4372,7 @@
           <a:p>
             <a:pPr algn="ctr"/>
             <a:r>
-              <a:rPr lang="de-DE" sz="5000" dirty="0" smtClean="0">
+              <a:rPr lang="de-DE" sz="5000" dirty="0">
                 <a:effectLst>
                   <a:outerShdw blurRad="38100" dist="38100" dir="2700000" algn="tl">
                     <a:srgbClr val="000000">
@@ -4366,7 +4384,7 @@
               <a:t>Rift </a:t>
             </a:r>
             <a:r>
-              <a:rPr lang="de-DE" sz="5000" dirty="0" err="1" smtClean="0">
+              <a:rPr lang="de-DE" sz="5000" dirty="0" err="1">
                 <a:effectLst>
                   <a:outerShdw blurRad="38100" dist="38100" dir="2700000" algn="tl">
                     <a:srgbClr val="000000">
@@ -4445,7 +4463,7 @@
               <a:defRPr/>
             </a:pPr>
             <a:r>
-              <a:rPr kumimoji="0" lang="de-DE" sz="2100" b="1" i="0" u="none" strike="noStrike" kern="1200" cap="none" spc="0" normalizeH="0" baseline="0" noProof="0" dirty="0" smtClean="0">
+              <a:rPr kumimoji="0" lang="de-DE" sz="2100" b="1" i="0" u="none" strike="noStrike" kern="1200" cap="none" spc="0" normalizeH="0" baseline="0" noProof="0" dirty="0">
                 <a:ln>
                   <a:noFill/>
                 </a:ln>
@@ -4471,7 +4489,7 @@
               <a:t>Sebastian Nickel, Jonas</a:t>
             </a:r>
             <a:r>
-              <a:rPr kumimoji="0" lang="de-DE" sz="2100" b="1" i="0" u="none" strike="noStrike" kern="1200" cap="none" spc="0" normalizeH="0" noProof="0" dirty="0" smtClean="0">
+              <a:rPr kumimoji="0" lang="de-DE" sz="2100" b="1" i="0" u="none" strike="noStrike" kern="1200" cap="none" spc="0" normalizeH="0" noProof="0" dirty="0">
                 <a:ln>
                   <a:noFill/>
                 </a:ln>
@@ -4497,7 +4515,7 @@
               <a:t> Kleinkauf, </a:t>
             </a:r>
             <a:br>
-              <a:rPr kumimoji="0" lang="de-DE" sz="2100" b="1" i="0" u="none" strike="noStrike" kern="1200" cap="none" spc="0" normalizeH="0" noProof="0" dirty="0" smtClean="0">
+              <a:rPr kumimoji="0" lang="de-DE" sz="2100" b="1" i="0" u="none" strike="noStrike" kern="1200" cap="none" spc="0" normalizeH="0" noProof="0" dirty="0">
                 <a:ln>
                   <a:noFill/>
                 </a:ln>
@@ -4522,7 +4540,7 @@
               </a:rPr>
             </a:br>
             <a:r>
-              <a:rPr kumimoji="0" lang="de-DE" sz="2100" b="1" i="0" u="none" strike="noStrike" kern="1200" cap="none" spc="0" normalizeH="0" baseline="0" noProof="0" dirty="0" smtClean="0">
+              <a:rPr kumimoji="0" lang="de-DE" sz="2100" b="1" i="0" u="none" strike="noStrike" kern="1200" cap="none" spc="0" normalizeH="0" baseline="0" noProof="0" dirty="0">
                 <a:ln>
                   <a:noFill/>
                 </a:ln>
@@ -4548,7 +4566,7 @@
               <a:t>Andreas Dietze, Manuel Schmitt, Sascha</a:t>
             </a:r>
             <a:r>
-              <a:rPr kumimoji="0" lang="de-DE" sz="2100" b="1" i="0" u="none" strike="noStrike" kern="1200" cap="none" spc="0" normalizeH="0" noProof="0" dirty="0" smtClean="0">
+              <a:rPr kumimoji="0" lang="de-DE" sz="2100" b="1" i="0" u="none" strike="noStrike" kern="1200" cap="none" spc="0" normalizeH="0" noProof="0" dirty="0">
                 <a:ln>
                   <a:noFill/>
                 </a:ln>
@@ -4574,7 +4592,7 @@
               <a:t> </a:t>
             </a:r>
             <a:r>
-              <a:rPr kumimoji="0" lang="de-DE" sz="2100" b="1" i="0" u="none" strike="noStrike" kern="1200" cap="none" spc="0" normalizeH="0" noProof="0" dirty="0" err="1" smtClean="0">
+              <a:rPr kumimoji="0" lang="de-DE" sz="2100" b="1" i="0" u="none" strike="noStrike" kern="1200" cap="none" spc="0" normalizeH="0" noProof="0" dirty="0" err="1">
                 <a:ln>
                   <a:noFill/>
                 </a:ln>
@@ -4599,7 +4617,7 @@
               </a:rPr>
               <a:t>Ibach</a:t>
             </a:r>
-            <a:endParaRPr kumimoji="0" lang="de-DE" sz="2100" b="1" i="0" u="none" strike="noStrike" kern="1200" cap="none" spc="0" normalizeH="0" baseline="0" noProof="0" dirty="0" smtClean="0">
+            <a:endParaRPr kumimoji="0" lang="de-DE" sz="2100" b="1" i="0" u="none" strike="noStrike" kern="1200" cap="none" spc="0" normalizeH="0" baseline="0" noProof="0" dirty="0">
               <a:ln>
                 <a:noFill/>
               </a:ln>
@@ -4698,13 +4716,6 @@
   <p:clrMapOvr>
     <a:masterClrMapping/>
   </p:clrMapOvr>
-  <p:timing>
-    <p:tnLst>
-      <p:par>
-        <p:cTn id="1" dur="indefinite" restart="never" nodeType="tmRoot"/>
-      </p:par>
-    </p:tnLst>
-  </p:timing>
 </p:sld>
 </file>
 
@@ -4749,14 +4760,13 @@
           <a:p>
             <a:pPr algn="ctr"/>
             <a:r>
-              <a:rPr lang="de-DE" dirty="0" err="1" smtClean="0"/>
+              <a:rPr lang="de-DE" dirty="0" err="1"/>
               <a:t>Responsibilities</a:t>
             </a:r>
             <a:r>
-              <a:rPr lang="de-DE" dirty="0" smtClean="0"/>
+              <a:rPr lang="de-DE" dirty="0"/>
               <a:t> (Assistent)</a:t>
             </a:r>
-            <a:endParaRPr lang="de-DE" dirty="0"/>
           </a:p>
         </p:txBody>
       </p:sp>
@@ -4783,131 +4793,114 @@
           <a:lstStyle/>
           <a:p>
             <a:r>
-              <a:rPr lang="de-DE" dirty="0" err="1" smtClean="0"/>
+              <a:rPr lang="de-DE" dirty="0" err="1"/>
               <a:t>Oculus</a:t>
             </a:r>
             <a:r>
-              <a:rPr lang="de-DE" dirty="0" smtClean="0"/>
+              <a:rPr lang="de-DE" dirty="0"/>
               <a:t> DK2 / Vive </a:t>
             </a:r>
-            <a:endParaRPr lang="de-DE" dirty="0" smtClean="0"/>
           </a:p>
           <a:p>
             <a:pPr lvl="1"/>
             <a:r>
-              <a:rPr lang="de-DE" dirty="0" smtClean="0"/>
+              <a:rPr lang="de-DE" dirty="0"/>
               <a:t>Sascha </a:t>
             </a:r>
             <a:r>
-              <a:rPr lang="de-DE" dirty="0" err="1" smtClean="0"/>
+              <a:rPr lang="de-DE" dirty="0" err="1"/>
               <a:t>Ibach</a:t>
             </a:r>
             <a:r>
-              <a:rPr lang="de-DE" dirty="0" smtClean="0"/>
+              <a:rPr lang="de-DE" dirty="0"/>
               <a:t> (A. Dietze)</a:t>
             </a:r>
-            <a:endParaRPr lang="de-DE" dirty="0" smtClean="0"/>
-          </a:p>
-          <a:p>
-            <a:r>
-              <a:rPr lang="de-DE" dirty="0" err="1" smtClean="0"/>
+          </a:p>
+          <a:p>
+            <a:r>
+              <a:rPr lang="de-DE" dirty="0" err="1"/>
               <a:t>Kinect</a:t>
             </a:r>
             <a:r>
-              <a:rPr lang="de-DE" dirty="0" smtClean="0"/>
+              <a:rPr lang="de-DE" dirty="0"/>
+              <a:t> V1/V2</a:t>
+            </a:r>
+          </a:p>
+          <a:p>
+            <a:pPr lvl="1"/>
+            <a:r>
+              <a:rPr lang="de-DE" dirty="0"/>
+              <a:t>Andreas Dietze (wer?)</a:t>
+            </a:r>
+          </a:p>
+          <a:p>
+            <a:r>
+              <a:rPr lang="de-DE" dirty="0" err="1"/>
+              <a:t>Flyphysics</a:t>
+            </a:r>
+            <a:endParaRPr lang="de-DE" dirty="0"/>
+          </a:p>
+          <a:p>
+            <a:pPr lvl="1"/>
+            <a:r>
+              <a:rPr lang="de-DE" dirty="0"/>
+              <a:t>Andreas Dietze (S. Nickel)</a:t>
+            </a:r>
+          </a:p>
+          <a:p>
+            <a:r>
+              <a:rPr lang="de-DE" dirty="0"/>
+              <a:t>Player model</a:t>
+            </a:r>
+          </a:p>
+          <a:p>
+            <a:pPr lvl="1"/>
+            <a:r>
+              <a:rPr lang="de-DE" dirty="0"/>
+              <a:t>Jonas Kleinkauf (wer?)</a:t>
+            </a:r>
+          </a:p>
+          <a:p>
+            <a:r>
+              <a:rPr lang="de-DE" dirty="0"/>
+              <a:t>World </a:t>
+            </a:r>
+            <a:r>
+              <a:rPr lang="de-DE" dirty="0" err="1"/>
+              <a:t>and</a:t>
+            </a:r>
+            <a:r>
+              <a:rPr lang="de-DE" dirty="0"/>
               <a:t> </a:t>
             </a:r>
             <a:r>
-              <a:rPr lang="de-DE" dirty="0" smtClean="0"/>
-              <a:t>V1/V2</a:t>
-            </a:r>
+              <a:rPr lang="de-DE" dirty="0" err="1"/>
+              <a:t>ambiance</a:t>
+            </a:r>
+            <a:endParaRPr lang="de-DE" dirty="0"/>
           </a:p>
           <a:p>
             <a:pPr lvl="1"/>
             <a:r>
-              <a:rPr lang="de-DE" dirty="0" smtClean="0"/>
-              <a:t>Andreas Dietze (wer?)</a:t>
-            </a:r>
-            <a:endParaRPr lang="de-DE" dirty="0" smtClean="0"/>
-          </a:p>
-          <a:p>
-            <a:r>
-              <a:rPr lang="de-DE" dirty="0" err="1" smtClean="0"/>
-              <a:t>Flyphysics</a:t>
-            </a:r>
-            <a:endParaRPr lang="de-DE" dirty="0" smtClean="0"/>
+              <a:rPr lang="de-DE" dirty="0"/>
+              <a:t>Jonas Kleinkauf (M. Schmitt)</a:t>
+            </a:r>
+          </a:p>
+          <a:p>
+            <a:r>
+              <a:rPr lang="de-DE" dirty="0"/>
+              <a:t>Post </a:t>
+            </a:r>
+            <a:r>
+              <a:rPr lang="de-DE" dirty="0" err="1"/>
+              <a:t>processing</a:t>
+            </a:r>
+            <a:endParaRPr lang="de-DE" dirty="0"/>
           </a:p>
           <a:p>
             <a:pPr lvl="1"/>
             <a:r>
-              <a:rPr lang="de-DE" dirty="0" smtClean="0"/>
-              <a:t>Andreas Dietze (</a:t>
-            </a:r>
-            <a:r>
-              <a:rPr lang="de-DE" dirty="0" smtClean="0"/>
-              <a:t>S. Nickel)</a:t>
-            </a:r>
-            <a:endParaRPr lang="de-DE" dirty="0" smtClean="0"/>
-          </a:p>
-          <a:p>
-            <a:r>
-              <a:rPr lang="de-DE" dirty="0" smtClean="0"/>
-              <a:t>Player </a:t>
-            </a:r>
-            <a:r>
-              <a:rPr lang="de-DE" dirty="0" smtClean="0"/>
-              <a:t>model</a:t>
-            </a:r>
-          </a:p>
-          <a:p>
-            <a:pPr lvl="1"/>
-            <a:r>
-              <a:rPr lang="de-DE" dirty="0" smtClean="0"/>
-              <a:t>Jonas Kleinkauf (wer?)</a:t>
-            </a:r>
-            <a:endParaRPr lang="de-DE" dirty="0" smtClean="0"/>
-          </a:p>
-          <a:p>
-            <a:r>
-              <a:rPr lang="de-DE" dirty="0" smtClean="0"/>
-              <a:t>World </a:t>
-            </a:r>
-            <a:r>
-              <a:rPr lang="de-DE" dirty="0" err="1" smtClean="0"/>
-              <a:t>and</a:t>
-            </a:r>
-            <a:r>
-              <a:rPr lang="de-DE" dirty="0" smtClean="0"/>
-              <a:t> </a:t>
-            </a:r>
-            <a:r>
-              <a:rPr lang="de-DE" dirty="0" err="1" smtClean="0"/>
-              <a:t>ambiance</a:t>
-            </a:r>
-            <a:endParaRPr lang="de-DE" dirty="0" smtClean="0"/>
-          </a:p>
-          <a:p>
-            <a:pPr lvl="1"/>
-            <a:r>
-              <a:rPr lang="de-DE" dirty="0" smtClean="0"/>
-              <a:t>Jonas Kleinkauf (M. Schmitt)</a:t>
-            </a:r>
-          </a:p>
-          <a:p>
-            <a:r>
-              <a:rPr lang="de-DE" dirty="0" smtClean="0"/>
-              <a:t>Post </a:t>
-            </a:r>
-            <a:r>
-              <a:rPr lang="de-DE" dirty="0" err="1" smtClean="0"/>
-              <a:t>processing</a:t>
-            </a:r>
-            <a:endParaRPr lang="de-DE" dirty="0" smtClean="0"/>
-          </a:p>
-          <a:p>
-            <a:pPr lvl="1"/>
-            <a:r>
-              <a:rPr lang="de-DE" dirty="0" smtClean="0"/>
+              <a:rPr lang="de-DE" dirty="0"/>
               <a:t>Sebastian Nickel (J.K. ; M.S.)</a:t>
             </a:r>
           </a:p>
@@ -4915,22 +4908,22 @@
             <a:pPr>
               <a:buNone/>
             </a:pPr>
-            <a:endParaRPr lang="de-DE" dirty="0" smtClean="0"/>
-          </a:p>
-          <a:p>
-            <a:endParaRPr lang="de-DE" dirty="0" smtClean="0"/>
-          </a:p>
-          <a:p>
-            <a:endParaRPr lang="de-DE" dirty="0" smtClean="0"/>
-          </a:p>
-          <a:p>
-            <a:endParaRPr lang="de-DE" dirty="0" smtClean="0"/>
+            <a:endParaRPr lang="de-DE" dirty="0"/>
+          </a:p>
+          <a:p>
+            <a:endParaRPr lang="de-DE" dirty="0"/>
+          </a:p>
+          <a:p>
+            <a:endParaRPr lang="de-DE" dirty="0"/>
+          </a:p>
+          <a:p>
+            <a:endParaRPr lang="de-DE" dirty="0"/>
           </a:p>
           <a:p>
             <a:pPr>
               <a:buNone/>
             </a:pPr>
-            <a:endParaRPr lang="de-DE" dirty="0" smtClean="0"/>
+            <a:endParaRPr lang="de-DE" dirty="0"/>
           </a:p>
           <a:p>
             <a:endParaRPr lang="de-DE" dirty="0"/>
@@ -4960,120 +4953,111 @@
           <a:lstStyle/>
           <a:p>
             <a:r>
-              <a:rPr lang="de-DE" dirty="0" smtClean="0"/>
+              <a:rPr lang="de-DE" dirty="0"/>
               <a:t>Audio</a:t>
             </a:r>
           </a:p>
           <a:p>
             <a:pPr lvl="1"/>
             <a:r>
-              <a:rPr lang="de-DE" dirty="0" smtClean="0"/>
+              <a:rPr lang="de-DE" dirty="0"/>
               <a:t>Jonas Kleinkauf (A. Dietze)</a:t>
             </a:r>
-            <a:endParaRPr lang="de-DE" dirty="0" smtClean="0"/>
-          </a:p>
-          <a:p>
-            <a:r>
-              <a:rPr lang="de-DE" dirty="0" err="1" smtClean="0"/>
+          </a:p>
+          <a:p>
+            <a:r>
+              <a:rPr lang="de-DE" dirty="0" err="1"/>
               <a:t>Menues</a:t>
             </a:r>
-            <a:endParaRPr lang="de-DE" dirty="0" smtClean="0"/>
+            <a:endParaRPr lang="de-DE" dirty="0"/>
           </a:p>
           <a:p>
             <a:pPr lvl="1"/>
             <a:r>
-              <a:rPr lang="de-DE" dirty="0" smtClean="0"/>
+              <a:rPr lang="de-DE" dirty="0"/>
               <a:t>Manuel Schmitt (wer?)</a:t>
             </a:r>
-            <a:endParaRPr lang="de-DE" dirty="0" smtClean="0"/>
-          </a:p>
-          <a:p>
-            <a:r>
-              <a:rPr lang="de-DE" dirty="0" err="1" smtClean="0"/>
+          </a:p>
+          <a:p>
+            <a:r>
+              <a:rPr lang="de-DE" dirty="0" err="1"/>
               <a:t>Gamelogics</a:t>
             </a:r>
-            <a:endParaRPr lang="de-DE" dirty="0" smtClean="0"/>
+            <a:endParaRPr lang="de-DE" dirty="0"/>
           </a:p>
           <a:p>
             <a:pPr lvl="1"/>
             <a:r>
-              <a:rPr lang="de-DE" dirty="0" smtClean="0"/>
+              <a:rPr lang="de-DE" dirty="0"/>
               <a:t>Jonas Kleinkauf (Comp. </a:t>
             </a:r>
             <a:r>
-              <a:rPr lang="de-DE" dirty="0" err="1" smtClean="0"/>
+              <a:rPr lang="de-DE" dirty="0" err="1"/>
               <a:t>Grp</a:t>
             </a:r>
             <a:r>
-              <a:rPr lang="de-DE" dirty="0" smtClean="0"/>
+              <a:rPr lang="de-DE" dirty="0"/>
               <a:t>.)</a:t>
             </a:r>
-            <a:endParaRPr lang="de-DE" dirty="0" smtClean="0"/>
-          </a:p>
-          <a:p>
-            <a:r>
-              <a:rPr lang="de-DE" dirty="0" err="1" smtClean="0"/>
+          </a:p>
+          <a:p>
+            <a:r>
+              <a:rPr lang="de-DE" dirty="0" err="1"/>
               <a:t>Documentation</a:t>
             </a:r>
             <a:r>
-              <a:rPr lang="de-DE" dirty="0" smtClean="0"/>
+              <a:rPr lang="de-DE" dirty="0"/>
               <a:t> </a:t>
             </a:r>
             <a:r>
-              <a:rPr lang="de-DE" dirty="0" err="1" smtClean="0"/>
+              <a:rPr lang="de-DE" dirty="0" err="1"/>
               <a:t>and</a:t>
             </a:r>
             <a:r>
-              <a:rPr lang="de-DE" dirty="0" smtClean="0"/>
-              <a:t> User </a:t>
-            </a:r>
-            <a:r>
-              <a:rPr lang="de-DE" dirty="0" smtClean="0"/>
-              <a:t>Guide</a:t>
+              <a:rPr lang="de-DE" dirty="0"/>
+              <a:t> User Guide</a:t>
             </a:r>
           </a:p>
           <a:p>
             <a:pPr lvl="1"/>
             <a:r>
-              <a:rPr lang="de-DE" dirty="0" smtClean="0"/>
+              <a:rPr lang="de-DE" dirty="0"/>
               <a:t>Andreas Dietze (M. Schmitt)</a:t>
             </a:r>
-            <a:endParaRPr lang="de-DE" dirty="0" smtClean="0"/>
-          </a:p>
-          <a:p>
-            <a:r>
-              <a:rPr lang="de-DE" dirty="0" err="1" smtClean="0"/>
+          </a:p>
+          <a:p>
+            <a:r>
+              <a:rPr lang="de-DE" dirty="0" err="1"/>
               <a:t>Simplified</a:t>
             </a:r>
             <a:r>
-              <a:rPr lang="de-DE" dirty="0" smtClean="0"/>
+              <a:rPr lang="de-DE" dirty="0"/>
               <a:t> </a:t>
             </a:r>
             <a:r>
-              <a:rPr lang="de-DE" dirty="0" err="1" smtClean="0"/>
+              <a:rPr lang="de-DE" dirty="0" err="1"/>
               <a:t>handling</a:t>
             </a:r>
-            <a:endParaRPr lang="de-DE" dirty="0" smtClean="0"/>
+            <a:endParaRPr lang="de-DE" dirty="0"/>
           </a:p>
           <a:p>
             <a:pPr lvl="1"/>
             <a:r>
-              <a:rPr lang="de-DE" dirty="0" smtClean="0"/>
+              <a:rPr lang="de-DE" dirty="0"/>
               <a:t>Sascha </a:t>
             </a:r>
             <a:r>
-              <a:rPr lang="de-DE" dirty="0" err="1" smtClean="0"/>
+              <a:rPr lang="de-DE" dirty="0" err="1"/>
               <a:t>Ibach</a:t>
             </a:r>
             <a:r>
-              <a:rPr lang="de-DE" dirty="0" smtClean="0"/>
+              <a:rPr lang="de-DE" dirty="0"/>
               <a:t> (wer?)</a:t>
             </a:r>
-            <a:endParaRPr lang="de-DE" dirty="0" smtClean="0"/>
           </a:p>
           <a:p>
             <a:pPr lvl="1"/>
-            <a:endParaRPr lang="de-DE" dirty="0" smtClean="0"/>
+            <a:endParaRPr lang="de-DE" dirty="0"/>
           </a:p>
           <a:p>
             <a:endParaRPr lang="de-DE" dirty="0"/>
@@ -5109,13 +5093,6 @@
   <p:clrMapOvr>
     <a:masterClrMapping/>
   </p:clrMapOvr>
-  <p:timing>
-    <p:tnLst>
-      <p:par>
-        <p:cTn id="1" dur="indefinite" restart="never" nodeType="tmRoot"/>
-      </p:par>
-    </p:tnLst>
-  </p:timing>
 </p:sld>
 </file>
 
@@ -5155,7 +5132,7 @@
           <a:p>
             <a:pPr algn="ctr"/>
             <a:r>
-              <a:rPr lang="de-DE" dirty="0" err="1" smtClean="0">
+              <a:rPr lang="de-DE" dirty="0" err="1">
                 <a:solidFill>
                   <a:srgbClr val="FF0000"/>
                 </a:solidFill>
@@ -5163,18 +5140,13 @@
               <a:t>Milestone</a:t>
             </a:r>
             <a:r>
-              <a:rPr lang="de-DE" dirty="0" smtClean="0">
+              <a:rPr lang="de-DE" dirty="0">
                 <a:solidFill>
                   <a:srgbClr val="FF0000"/>
                 </a:solidFill>
               </a:rPr>
               <a:t> 1</a:t>
             </a:r>
-            <a:endParaRPr lang="de-DE" dirty="0">
-              <a:solidFill>
-                <a:srgbClr val="FF0000"/>
-              </a:solidFill>
-            </a:endParaRPr>
           </a:p>
         </p:txBody>
       </p:sp>
@@ -5195,13 +5167,13 @@
           </a:bodyPr>
           <a:lstStyle/>
           <a:p>
-            <a:endParaRPr lang="de-DE" dirty="0" smtClean="0"/>
+            <a:endParaRPr lang="de-DE" dirty="0"/>
           </a:p>
           <a:p>
             <a:pPr>
               <a:buNone/>
             </a:pPr>
-            <a:endParaRPr lang="de-DE" dirty="0" smtClean="0"/>
+            <a:endParaRPr lang="de-DE" dirty="0"/>
           </a:p>
           <a:p>
             <a:endParaRPr lang="de-DE" dirty="0"/>
@@ -5251,8 +5223,20 @@
                 <a:tableStyleId>{5C22544A-7EE6-4342-B048-85BDC9FD1C3A}</a:tableStyleId>
               </a:tblPr>
               <a:tblGrid>
-                <a:gridCol w="1584176"/>
-                <a:gridCol w="6480721"/>
+                <a:gridCol w="1584176">
+                  <a:extLst>
+                    <a:ext uri="{9D8B030D-6E8A-4147-A177-3AD203B41FA5}">
+                      <a16:colId xmlns:a16="http://schemas.microsoft.com/office/drawing/2014/main" val="20000"/>
+                    </a:ext>
+                  </a:extLst>
+                </a:gridCol>
+                <a:gridCol w="6480721">
+                  <a:extLst>
+                    <a:ext uri="{9D8B030D-6E8A-4147-A177-3AD203B41FA5}">
+                      <a16:colId xmlns:a16="http://schemas.microsoft.com/office/drawing/2014/main" val="20001"/>
+                    </a:ext>
+                  </a:extLst>
+                </a:gridCol>
               </a:tblGrid>
               <a:tr h="370840">
                 <a:tc>
@@ -5262,7 +5246,7 @@
                     <a:p>
                       <a:pPr algn="ctr"/>
                       <a:r>
-                        <a:rPr lang="de-DE" sz="1800" dirty="0" err="1" smtClean="0"/>
+                        <a:rPr lang="de-DE" sz="1800" dirty="0" err="1"/>
                         <a:t>Week</a:t>
                       </a:r>
                       <a:endParaRPr lang="de-DE" sz="1800" dirty="0"/>
@@ -5277,11 +5261,11 @@
                     <a:p>
                       <a:pPr algn="ctr"/>
                       <a:r>
-                        <a:rPr lang="de-DE" sz="1800" dirty="0" smtClean="0"/>
+                        <a:rPr lang="de-DE" sz="1800" dirty="0"/>
                         <a:t>Andreas</a:t>
                       </a:r>
                       <a:r>
-                        <a:rPr lang="de-DE" sz="1800" baseline="0" dirty="0" smtClean="0"/>
+                        <a:rPr lang="de-DE" sz="1800" baseline="0" dirty="0"/>
                         <a:t> Dietze</a:t>
                       </a:r>
                       <a:endParaRPr lang="de-DE" sz="1800" dirty="0"/>
@@ -5289,6 +5273,11 @@
                   </a:txBody>
                   <a:tcPr/>
                 </a:tc>
+                <a:extLst>
+                  <a:ext uri="{0D108BD9-81ED-4DB2-BD59-A6C34878D82A}">
+                    <a16:rowId xmlns:a16="http://schemas.microsoft.com/office/drawing/2014/main" val="10000"/>
+                  </a:ext>
+                </a:extLst>
               </a:tr>
               <a:tr h="370840">
                 <a:tc>
@@ -5298,10 +5287,9 @@
                     <a:p>
                       <a:pPr algn="l"/>
                       <a:r>
-                        <a:rPr lang="de-DE" sz="1800" dirty="0" smtClean="0"/>
+                        <a:rPr lang="de-DE" sz="1800" dirty="0"/>
                         <a:t>05.12 – 05.19</a:t>
                       </a:r>
-                      <a:endParaRPr lang="de-DE" sz="1800" dirty="0"/>
                     </a:p>
                   </a:txBody>
                   <a:tcPr/>
@@ -5316,46 +5304,46 @@
                         <a:buChar char="•"/>
                       </a:pPr>
                       <a:r>
-                        <a:rPr lang="de-DE" sz="1800" dirty="0" smtClean="0"/>
+                        <a:rPr lang="de-DE" sz="1800" dirty="0"/>
                         <a:t> Project clean </a:t>
                       </a:r>
                       <a:r>
-                        <a:rPr lang="de-DE" sz="1800" dirty="0" err="1" smtClean="0"/>
+                        <a:rPr lang="de-DE" sz="1800" dirty="0" err="1"/>
                         <a:t>up</a:t>
                       </a:r>
                       <a:r>
-                        <a:rPr lang="de-DE" sz="1800" dirty="0" smtClean="0"/>
+                        <a:rPr lang="de-DE" sz="1800" dirty="0"/>
                         <a:t> </a:t>
                       </a:r>
                       <a:r>
-                        <a:rPr lang="de-DE" sz="1800" dirty="0" err="1" smtClean="0"/>
+                        <a:rPr lang="de-DE" sz="1800" dirty="0" err="1"/>
                         <a:t>and</a:t>
                       </a:r>
                       <a:r>
-                        <a:rPr lang="de-DE" sz="1800" dirty="0" smtClean="0"/>
+                        <a:rPr lang="de-DE" sz="1800" dirty="0"/>
                         <a:t> </a:t>
                       </a:r>
                       <a:r>
-                        <a:rPr lang="de-DE" sz="1800" dirty="0" err="1" smtClean="0"/>
+                        <a:rPr lang="de-DE" sz="1800" dirty="0" err="1"/>
                         <a:t>initial</a:t>
                       </a:r>
                       <a:r>
-                        <a:rPr lang="de-DE" sz="1800" dirty="0" smtClean="0"/>
+                        <a:rPr lang="de-DE" sz="1800" dirty="0"/>
                         <a:t> </a:t>
                       </a:r>
                       <a:r>
-                        <a:rPr lang="de-DE" sz="1800" dirty="0" err="1" smtClean="0"/>
+                        <a:rPr lang="de-DE" sz="1800" dirty="0" err="1"/>
                         <a:t>git</a:t>
                       </a:r>
                       <a:r>
-                        <a:rPr lang="de-DE" sz="1800" dirty="0" smtClean="0"/>
+                        <a:rPr lang="de-DE" sz="1800" dirty="0"/>
                         <a:t> </a:t>
                       </a:r>
                       <a:r>
-                        <a:rPr lang="de-DE" sz="1800" dirty="0" err="1" smtClean="0"/>
+                        <a:rPr lang="de-DE" sz="1800" dirty="0" err="1"/>
                         <a:t>uplaod</a:t>
                       </a:r>
-                      <a:endParaRPr lang="de-DE" sz="1800" dirty="0" smtClean="0"/>
+                      <a:endParaRPr lang="de-DE" sz="1800" dirty="0"/>
                     </a:p>
                     <a:p>
                       <a:pPr lvl="0">
@@ -5363,47 +5351,47 @@
                         <a:buChar char="•"/>
                       </a:pPr>
                       <a:r>
-                        <a:rPr lang="de-DE" sz="1800" dirty="0" smtClean="0"/>
+                        <a:rPr lang="de-DE" sz="1800" dirty="0"/>
                         <a:t> </a:t>
                       </a:r>
                       <a:r>
-                        <a:rPr lang="de-DE" sz="1800" dirty="0" err="1" smtClean="0"/>
+                        <a:rPr lang="de-DE" sz="1800" dirty="0" err="1"/>
                         <a:t>Compatibility</a:t>
                       </a:r>
                       <a:r>
-                        <a:rPr lang="de-DE" sz="1800" dirty="0" smtClean="0"/>
+                        <a:rPr lang="de-DE" sz="1800" dirty="0"/>
                         <a:t> </a:t>
                       </a:r>
                       <a:r>
-                        <a:rPr lang="de-DE" sz="1800" dirty="0" err="1" smtClean="0"/>
+                        <a:rPr lang="de-DE" sz="1800" dirty="0" err="1"/>
                         <a:t>test</a:t>
                       </a:r>
                       <a:r>
-                        <a:rPr lang="de-DE" sz="1800" dirty="0" smtClean="0"/>
+                        <a:rPr lang="de-DE" sz="1800" dirty="0"/>
                         <a:t> </a:t>
                       </a:r>
                       <a:r>
-                        <a:rPr lang="de-DE" sz="1800" dirty="0" err="1" smtClean="0"/>
+                        <a:rPr lang="de-DE" sz="1800" dirty="0" err="1"/>
                         <a:t>with</a:t>
                       </a:r>
                       <a:r>
-                        <a:rPr lang="de-DE" sz="1800" dirty="0" smtClean="0"/>
+                        <a:rPr lang="de-DE" sz="1800" dirty="0"/>
                         <a:t> </a:t>
                       </a:r>
                       <a:r>
-                        <a:rPr lang="de-DE" sz="1800" dirty="0" err="1" smtClean="0"/>
+                        <a:rPr lang="de-DE" sz="1800" dirty="0" err="1"/>
                         <a:t>Kinect</a:t>
                       </a:r>
                       <a:r>
-                        <a:rPr lang="de-DE" sz="1800" dirty="0" smtClean="0"/>
+                        <a:rPr lang="de-DE" sz="1800" dirty="0"/>
                         <a:t> V2 (min </a:t>
                       </a:r>
                       <a:r>
-                        <a:rPr lang="de-DE" sz="1800" dirty="0" err="1" smtClean="0"/>
+                        <a:rPr lang="de-DE" sz="1800" dirty="0" err="1"/>
                         <a:t>win</a:t>
                       </a:r>
                       <a:r>
-                        <a:rPr lang="de-DE" sz="1800" dirty="0" smtClean="0"/>
+                        <a:rPr lang="de-DE" sz="1800" dirty="0"/>
                         <a:t> 8 :/ )</a:t>
                       </a:r>
                     </a:p>
@@ -5413,58 +5401,63 @@
                         <a:buChar char="•"/>
                       </a:pPr>
                       <a:r>
-                        <a:rPr lang="de-DE" sz="1800" dirty="0" smtClean="0"/>
+                        <a:rPr lang="de-DE" sz="1800" dirty="0"/>
                         <a:t> Setup </a:t>
                       </a:r>
                       <a:r>
-                        <a:rPr lang="de-DE" sz="1800" dirty="0" err="1" smtClean="0"/>
+                        <a:rPr lang="de-DE" sz="1800" dirty="0" err="1"/>
                         <a:t>to</a:t>
                       </a:r>
                       <a:r>
-                        <a:rPr lang="de-DE" sz="1800" dirty="0" smtClean="0"/>
+                        <a:rPr lang="de-DE" sz="1800" dirty="0"/>
                         <a:t> </a:t>
                       </a:r>
                       <a:r>
-                        <a:rPr lang="de-DE" sz="1800" dirty="0" err="1" smtClean="0"/>
+                        <a:rPr lang="de-DE" sz="1800" dirty="0" err="1"/>
                         <a:t>old</a:t>
                       </a:r>
                       <a:r>
-                        <a:rPr lang="de-DE" sz="1800" dirty="0" smtClean="0"/>
+                        <a:rPr lang="de-DE" sz="1800" dirty="0"/>
                         <a:t> </a:t>
                       </a:r>
                       <a:r>
-                        <a:rPr lang="de-DE" sz="1800" dirty="0" err="1" smtClean="0"/>
+                        <a:rPr lang="de-DE" sz="1800" dirty="0" err="1"/>
                         <a:t>working</a:t>
                       </a:r>
                       <a:r>
-                        <a:rPr lang="de-DE" sz="1800" dirty="0" smtClean="0"/>
+                        <a:rPr lang="de-DE" sz="1800" dirty="0"/>
                         <a:t> </a:t>
                       </a:r>
                       <a:r>
-                        <a:rPr lang="de-DE" sz="1800" dirty="0" err="1" smtClean="0"/>
+                        <a:rPr lang="de-DE" sz="1800" dirty="0" err="1"/>
                         <a:t>state</a:t>
                       </a:r>
                       <a:r>
-                        <a:rPr lang="de-DE" sz="1800" dirty="0" smtClean="0"/>
+                        <a:rPr lang="de-DE" sz="1800" dirty="0"/>
                         <a:t> </a:t>
                       </a:r>
                       <a:r>
-                        <a:rPr lang="de-DE" sz="1800" dirty="0" err="1" smtClean="0"/>
+                        <a:rPr lang="de-DE" sz="1800" dirty="0" err="1"/>
                         <a:t>with</a:t>
                       </a:r>
                       <a:r>
-                        <a:rPr lang="de-DE" sz="1800" dirty="0" smtClean="0"/>
+                        <a:rPr lang="de-DE" sz="1800" dirty="0"/>
                         <a:t> </a:t>
                       </a:r>
                       <a:r>
-                        <a:rPr lang="de-DE" sz="1800" dirty="0" err="1" smtClean="0"/>
+                        <a:rPr lang="de-DE" sz="1800" dirty="0" err="1"/>
                         <a:t>client</a:t>
                       </a:r>
-                      <a:endParaRPr lang="de-DE" sz="1800" dirty="0" smtClean="0"/>
+                      <a:endParaRPr lang="de-DE" sz="1800" dirty="0"/>
                     </a:p>
                   </a:txBody>
                   <a:tcPr/>
                 </a:tc>
+                <a:extLst>
+                  <a:ext uri="{0D108BD9-81ED-4DB2-BD59-A6C34878D82A}">
+                    <a16:rowId xmlns:a16="http://schemas.microsoft.com/office/drawing/2014/main" val="10001"/>
+                  </a:ext>
+                </a:extLst>
               </a:tr>
               <a:tr h="370840">
                 <a:tc>
@@ -5474,10 +5467,9 @@
                     <a:p>
                       <a:pPr algn="l"/>
                       <a:r>
-                        <a:rPr lang="de-DE" sz="1800" dirty="0" smtClean="0"/>
+                        <a:rPr lang="de-DE" sz="1800" dirty="0"/>
                         <a:t>05.19 – 05.26</a:t>
                       </a:r>
-                      <a:endParaRPr lang="de-DE" sz="1800" dirty="0"/>
                     </a:p>
                   </a:txBody>
                   <a:tcPr/>
@@ -5492,39 +5484,39 @@
                         <a:buChar char="•"/>
                       </a:pPr>
                       <a:r>
-                        <a:rPr lang="de-DE" sz="1800" dirty="0" smtClean="0"/>
+                        <a:rPr lang="de-DE" sz="1800" dirty="0"/>
                         <a:t> Setup </a:t>
                       </a:r>
                       <a:r>
-                        <a:rPr lang="de-DE" sz="1800" dirty="0" err="1" smtClean="0"/>
+                        <a:rPr lang="de-DE" sz="1800" dirty="0" err="1"/>
                         <a:t>project</a:t>
                       </a:r>
                       <a:r>
-                        <a:rPr lang="de-DE" sz="1800" dirty="0" smtClean="0"/>
+                        <a:rPr lang="de-DE" sz="1800" dirty="0"/>
                         <a:t> (</a:t>
                       </a:r>
                       <a:r>
-                        <a:rPr lang="de-DE" sz="1800" dirty="0" err="1" smtClean="0"/>
+                        <a:rPr lang="de-DE" sz="1800" dirty="0" err="1"/>
                         <a:t>interaction</a:t>
                       </a:r>
                       <a:r>
-                        <a:rPr lang="de-DE" sz="1800" dirty="0" smtClean="0"/>
+                        <a:rPr lang="de-DE" sz="1800" dirty="0"/>
                         <a:t> </a:t>
                       </a:r>
                       <a:r>
-                        <a:rPr lang="de-DE" sz="1800" dirty="0" err="1" smtClean="0"/>
+                        <a:rPr lang="de-DE" sz="1800" dirty="0" err="1"/>
                         <a:t>laboratory</a:t>
                       </a:r>
                       <a:r>
-                        <a:rPr lang="de-DE" sz="1800" dirty="0" smtClean="0"/>
+                        <a:rPr lang="de-DE" sz="1800" dirty="0"/>
                         <a:t>) </a:t>
                       </a:r>
                       <a:r>
-                        <a:rPr lang="de-DE" sz="1800" dirty="0" err="1" smtClean="0"/>
+                        <a:rPr lang="de-DE" sz="1800" dirty="0" err="1"/>
                         <a:t>for</a:t>
                       </a:r>
                       <a:r>
-                        <a:rPr lang="de-DE" sz="1800" dirty="0" smtClean="0"/>
+                        <a:rPr lang="de-DE" sz="1800" dirty="0"/>
                         <a:t> 09.06</a:t>
                       </a:r>
                     </a:p>
@@ -5534,38 +5526,38 @@
                         <a:buChar char="•"/>
                       </a:pPr>
                       <a:r>
-                        <a:rPr lang="de-DE" sz="1800" dirty="0" smtClean="0"/>
+                        <a:rPr lang="de-DE" sz="1800" dirty="0"/>
                         <a:t> </a:t>
                       </a:r>
                       <a:r>
-                        <a:rPr lang="de-DE" sz="1800" dirty="0" err="1" smtClean="0"/>
+                        <a:rPr lang="de-DE" sz="1800" dirty="0" err="1"/>
                         <a:t>Location</a:t>
                       </a:r>
                       <a:r>
-                        <a:rPr lang="de-DE" sz="1800" dirty="0" smtClean="0"/>
+                        <a:rPr lang="de-DE" sz="1800" dirty="0"/>
                         <a:t> </a:t>
                       </a:r>
                       <a:r>
-                        <a:rPr lang="de-DE" sz="1800" dirty="0" err="1" smtClean="0"/>
+                        <a:rPr lang="de-DE" sz="1800" dirty="0" err="1"/>
                         <a:t>and</a:t>
                       </a:r>
                       <a:r>
-                        <a:rPr lang="de-DE" sz="1800" dirty="0" smtClean="0"/>
+                        <a:rPr lang="de-DE" sz="1800" dirty="0"/>
                         <a:t> </a:t>
                       </a:r>
                       <a:r>
-                        <a:rPr lang="de-DE" sz="1800" dirty="0" err="1" smtClean="0"/>
+                        <a:rPr lang="de-DE" sz="1800" dirty="0" err="1"/>
                         <a:t>setup</a:t>
                       </a:r>
                       <a:r>
-                        <a:rPr lang="de-DE" sz="1800" dirty="0" smtClean="0"/>
+                        <a:rPr lang="de-DE" sz="1800" dirty="0"/>
                         <a:t> </a:t>
                       </a:r>
                       <a:r>
-                        <a:rPr lang="de-DE" sz="1800" dirty="0" err="1" smtClean="0"/>
+                        <a:rPr lang="de-DE" sz="1800" dirty="0" err="1"/>
                         <a:t>improvement</a:t>
                       </a:r>
-                      <a:endParaRPr lang="de-DE" sz="1800" dirty="0" smtClean="0"/>
+                      <a:endParaRPr lang="de-DE" sz="1800" dirty="0"/>
                     </a:p>
                     <a:p>
                       <a:pPr lvl="0">
@@ -5573,34 +5565,39 @@
                         <a:buChar char="•"/>
                       </a:pPr>
                       <a:r>
-                        <a:rPr lang="de-DE" sz="1800" dirty="0" smtClean="0"/>
+                        <a:rPr lang="de-DE" sz="1800" dirty="0"/>
                         <a:t> Check out </a:t>
                       </a:r>
                       <a:r>
-                        <a:rPr lang="de-DE" sz="1800" dirty="0" err="1" smtClean="0"/>
+                        <a:rPr lang="de-DE" sz="1800" dirty="0" err="1"/>
                         <a:t>new</a:t>
                       </a:r>
                       <a:r>
-                        <a:rPr lang="de-DE" sz="1800" dirty="0" smtClean="0"/>
+                        <a:rPr lang="de-DE" sz="1800" dirty="0"/>
                         <a:t> </a:t>
                       </a:r>
                       <a:r>
-                        <a:rPr lang="de-DE" sz="1800" dirty="0" err="1" smtClean="0"/>
+                        <a:rPr lang="de-DE" sz="1800" dirty="0" err="1"/>
                         <a:t>world</a:t>
                       </a:r>
                       <a:r>
-                        <a:rPr lang="de-DE" sz="1800" dirty="0" smtClean="0"/>
+                        <a:rPr lang="de-DE" sz="1800" dirty="0"/>
                         <a:t> </a:t>
                       </a:r>
                       <a:r>
-                        <a:rPr lang="de-DE" sz="1800" dirty="0" err="1" smtClean="0"/>
+                        <a:rPr lang="de-DE" sz="1800" dirty="0" err="1"/>
                         <a:t>assets</a:t>
                       </a:r>
-                      <a:endParaRPr lang="de-DE" sz="1800" dirty="0" smtClean="0"/>
+                      <a:endParaRPr lang="de-DE" sz="1800" dirty="0"/>
                     </a:p>
                   </a:txBody>
                   <a:tcPr/>
                 </a:tc>
+                <a:extLst>
+                  <a:ext uri="{0D108BD9-81ED-4DB2-BD59-A6C34878D82A}">
+                    <a16:rowId xmlns:a16="http://schemas.microsoft.com/office/drawing/2014/main" val="10002"/>
+                  </a:ext>
+                </a:extLst>
               </a:tr>
               <a:tr h="370840">
                 <a:tc>
@@ -5610,10 +5607,9 @@
                     <a:p>
                       <a:pPr algn="l"/>
                       <a:r>
-                        <a:rPr lang="de-DE" sz="1800" dirty="0" smtClean="0"/>
+                        <a:rPr lang="de-DE" sz="1800" dirty="0"/>
                         <a:t>05.26 – 06.02</a:t>
                       </a:r>
-                      <a:endParaRPr lang="de-DE" sz="1800" dirty="0"/>
                     </a:p>
                   </a:txBody>
                   <a:tcPr/>
@@ -5628,39 +5624,39 @@
                         <a:buChar char="•"/>
                       </a:pPr>
                       <a:r>
-                        <a:rPr lang="de-DE" sz="1800" dirty="0" smtClean="0"/>
+                        <a:rPr lang="de-DE" sz="1800" dirty="0"/>
                         <a:t> Setup </a:t>
                       </a:r>
                       <a:r>
-                        <a:rPr lang="de-DE" sz="1800" dirty="0" err="1" smtClean="0"/>
+                        <a:rPr lang="de-DE" sz="1800" dirty="0" err="1"/>
                         <a:t>project</a:t>
                       </a:r>
                       <a:r>
-                        <a:rPr lang="de-DE" sz="1800" dirty="0" smtClean="0"/>
+                        <a:rPr lang="de-DE" sz="1800" dirty="0"/>
                         <a:t> (</a:t>
                       </a:r>
                       <a:r>
-                        <a:rPr lang="de-DE" sz="1800" dirty="0" err="1" smtClean="0"/>
+                        <a:rPr lang="de-DE" sz="1800" dirty="0" err="1"/>
                         <a:t>interaction</a:t>
                       </a:r>
                       <a:r>
-                        <a:rPr lang="de-DE" sz="1800" dirty="0" smtClean="0"/>
+                        <a:rPr lang="de-DE" sz="1800" dirty="0"/>
                         <a:t> </a:t>
                       </a:r>
                       <a:r>
-                        <a:rPr lang="de-DE" sz="1800" dirty="0" err="1" smtClean="0"/>
+                        <a:rPr lang="de-DE" sz="1800" dirty="0" err="1"/>
                         <a:t>laboratory</a:t>
                       </a:r>
                       <a:r>
-                        <a:rPr lang="de-DE" sz="1800" dirty="0" smtClean="0"/>
+                        <a:rPr lang="de-DE" sz="1800" dirty="0"/>
                         <a:t>) </a:t>
                       </a:r>
                       <a:r>
-                        <a:rPr lang="de-DE" sz="1800" dirty="0" err="1" smtClean="0"/>
+                        <a:rPr lang="de-DE" sz="1800" dirty="0" err="1"/>
                         <a:t>for</a:t>
                       </a:r>
                       <a:r>
-                        <a:rPr lang="de-DE" sz="1800" dirty="0" smtClean="0"/>
+                        <a:rPr lang="de-DE" sz="1800" dirty="0"/>
                         <a:t> 09.06</a:t>
                       </a:r>
                     </a:p>
@@ -5670,53 +5666,58 @@
                         <a:buChar char="•"/>
                       </a:pPr>
                       <a:r>
-                        <a:rPr lang="de-DE" sz="1800" dirty="0" smtClean="0"/>
+                        <a:rPr lang="de-DE" sz="1800" dirty="0"/>
                         <a:t> Vive </a:t>
                       </a:r>
                       <a:r>
-                        <a:rPr lang="de-DE" sz="1800" dirty="0" err="1" smtClean="0"/>
+                        <a:rPr lang="de-DE" sz="1800" dirty="0" err="1"/>
                         <a:t>integration</a:t>
                       </a:r>
                       <a:r>
-                        <a:rPr lang="de-DE" sz="1800" dirty="0" smtClean="0"/>
+                        <a:rPr lang="de-DE" sz="1800" dirty="0"/>
                         <a:t>,</a:t>
                       </a:r>
                       <a:r>
-                        <a:rPr lang="de-DE" sz="1800" baseline="0" dirty="0" smtClean="0"/>
+                        <a:rPr lang="de-DE" sz="1800" baseline="0" dirty="0"/>
                         <a:t> </a:t>
                       </a:r>
                       <a:r>
-                        <a:rPr lang="de-DE" sz="1800" dirty="0" smtClean="0"/>
+                        <a:rPr lang="de-DE" sz="1800" dirty="0"/>
                         <a:t>Vive </a:t>
                       </a:r>
                       <a:r>
-                        <a:rPr lang="de-DE" sz="1800" dirty="0" err="1" smtClean="0"/>
+                        <a:rPr lang="de-DE" sz="1800" dirty="0" err="1"/>
                         <a:t>project</a:t>
                       </a:r>
                       <a:r>
-                        <a:rPr lang="de-DE" sz="1800" dirty="0" smtClean="0"/>
+                        <a:rPr lang="de-DE" sz="1800" dirty="0"/>
                         <a:t> </a:t>
                       </a:r>
                       <a:r>
-                        <a:rPr lang="de-DE" sz="1800" dirty="0" err="1" smtClean="0"/>
+                        <a:rPr lang="de-DE" sz="1800" dirty="0" err="1"/>
                         <a:t>functionality</a:t>
                       </a:r>
                       <a:r>
-                        <a:rPr lang="de-DE" sz="1800" dirty="0" smtClean="0"/>
+                        <a:rPr lang="de-DE" sz="1800" dirty="0"/>
                         <a:t> (</a:t>
                       </a:r>
                       <a:r>
-                        <a:rPr lang="de-DE" sz="1800" dirty="0" err="1" smtClean="0"/>
+                        <a:rPr lang="de-DE" sz="1800" dirty="0" err="1"/>
                         <a:t>visual</a:t>
                       </a:r>
                       <a:r>
-                        <a:rPr lang="de-DE" sz="1800" dirty="0" smtClean="0"/>
+                        <a:rPr lang="de-DE" sz="1800" dirty="0"/>
                         <a:t>)</a:t>
                       </a:r>
                     </a:p>
                   </a:txBody>
                   <a:tcPr/>
                 </a:tc>
+                <a:extLst>
+                  <a:ext uri="{0D108BD9-81ED-4DB2-BD59-A6C34878D82A}">
+                    <a16:rowId xmlns:a16="http://schemas.microsoft.com/office/drawing/2014/main" val="10003"/>
+                  </a:ext>
+                </a:extLst>
               </a:tr>
             </a:tbl>
           </a:graphicData>
@@ -5727,13 +5728,6 @@
   <p:clrMapOvr>
     <a:masterClrMapping/>
   </p:clrMapOvr>
-  <p:timing>
-    <p:tnLst>
-      <p:par>
-        <p:cTn id="1" dur="indefinite" restart="never" nodeType="tmRoot"/>
-      </p:par>
-    </p:tnLst>
-  </p:timing>
 </p:sld>
 </file>
 
@@ -5773,7 +5767,7 @@
           <a:p>
             <a:pPr algn="ctr"/>
             <a:r>
-              <a:rPr lang="de-DE" dirty="0" err="1" smtClean="0">
+              <a:rPr lang="de-DE" dirty="0" err="1">
                 <a:solidFill>
                   <a:srgbClr val="FF0000"/>
                 </a:solidFill>
@@ -5781,18 +5775,387 @@
               <a:t>Milestone</a:t>
             </a:r>
             <a:r>
-              <a:rPr lang="de-DE" dirty="0" smtClean="0">
+              <a:rPr lang="de-DE" dirty="0">
+                <a:solidFill>
+                  <a:srgbClr val="FF0000"/>
+                </a:solidFill>
+              </a:rPr>
+              <a:t> 1</a:t>
+            </a:r>
+          </a:p>
+        </p:txBody>
+      </p:sp>
+      <p:sp>
+        <p:nvSpPr>
+          <p:cNvPr id="9" name="Inhaltsplatzhalter 8"/>
+          <p:cNvSpPr>
+            <a:spLocks noGrp="1"/>
+          </p:cNvSpPr>
+          <p:nvPr>
+            <p:ph idx="1"/>
+          </p:nvPr>
+        </p:nvSpPr>
+        <p:spPr/>
+        <p:txBody>
+          <a:bodyPr>
+            <a:normAutofit/>
+          </a:bodyPr>
+          <a:lstStyle/>
+          <a:p>
+            <a:endParaRPr lang="de-DE" dirty="0"/>
+          </a:p>
+          <a:p>
+            <a:pPr>
+              <a:buNone/>
+            </a:pPr>
+            <a:endParaRPr lang="de-DE" dirty="0"/>
+          </a:p>
+          <a:p>
+            <a:endParaRPr lang="de-DE" dirty="0"/>
+          </a:p>
+        </p:txBody>
+      </p:sp>
+      <p:sp>
+        <p:nvSpPr>
+          <p:cNvPr id="11" name="Foliennummernplatzhalter 10"/>
+          <p:cNvSpPr>
+            <a:spLocks noGrp="1"/>
+          </p:cNvSpPr>
+          <p:nvPr>
+            <p:ph type="sldNum" sz="quarter" idx="12"/>
+          </p:nvPr>
+        </p:nvSpPr>
+        <p:spPr/>
+        <p:txBody>
+          <a:bodyPr/>
+          <a:lstStyle/>
+          <a:p>
+            <a:fld id="{6C6AE60A-B69C-4790-82F7-3882EDF23186}" type="slidenum">
+              <a:rPr lang="de-DE" smtClean="0"/>
+              <a:pPr/>
+              <a:t>12</a:t>
+            </a:fld>
+            <a:endParaRPr lang="de-DE"/>
+          </a:p>
+        </p:txBody>
+      </p:sp>
+      <p:graphicFrame>
+        <p:nvGraphicFramePr>
+          <p:cNvPr id="8" name="Tabelle 7"/>
+          <p:cNvGraphicFramePr>
+            <a:graphicFrameLocks noGrp="1"/>
+          </p:cNvGraphicFramePr>
+          <p:nvPr>
+            <p:extLst>
+              <p:ext uri="{D42A27DB-BD31-4B8C-83A1-F6EECF244321}">
+                <p14:modId xmlns:p14="http://schemas.microsoft.com/office/powerpoint/2010/main" val="62862726"/>
+              </p:ext>
+            </p:extLst>
+          </p:nvPr>
+        </p:nvGraphicFramePr>
+        <p:xfrm>
+          <a:off x="539552" y="1849388"/>
+          <a:ext cx="8064897" cy="2021840"/>
+        </p:xfrm>
+        <a:graphic>
+          <a:graphicData uri="http://schemas.openxmlformats.org/drawingml/2006/table">
+            <a:tbl>
+              <a:tblPr firstRow="1" bandRow="1">
+                <a:tableStyleId>{5C22544A-7EE6-4342-B048-85BDC9FD1C3A}</a:tableStyleId>
+              </a:tblPr>
+              <a:tblGrid>
+                <a:gridCol w="1584176">
+                  <a:extLst>
+                    <a:ext uri="{9D8B030D-6E8A-4147-A177-3AD203B41FA5}">
+                      <a16:colId xmlns:a16="http://schemas.microsoft.com/office/drawing/2014/main" val="20000"/>
+                    </a:ext>
+                  </a:extLst>
+                </a:gridCol>
+                <a:gridCol w="6480721">
+                  <a:extLst>
+                    <a:ext uri="{9D8B030D-6E8A-4147-A177-3AD203B41FA5}">
+                      <a16:colId xmlns:a16="http://schemas.microsoft.com/office/drawing/2014/main" val="20001"/>
+                    </a:ext>
+                  </a:extLst>
+                </a:gridCol>
+              </a:tblGrid>
+              <a:tr h="370840">
+                <a:tc>
+                  <a:txBody>
+                    <a:bodyPr/>
+                    <a:lstStyle/>
+                    <a:p>
+                      <a:pPr algn="ctr"/>
+                      <a:r>
+                        <a:rPr lang="de-DE" sz="1800" dirty="0" err="1"/>
+                        <a:t>Week</a:t>
+                      </a:r>
+                      <a:endParaRPr lang="de-DE" sz="1800" dirty="0"/>
+                    </a:p>
+                  </a:txBody>
+                  <a:tcPr/>
+                </a:tc>
+                <a:tc>
+                  <a:txBody>
+                    <a:bodyPr/>
+                    <a:lstStyle/>
+                    <a:p>
+                      <a:pPr algn="ctr"/>
+                      <a:r>
+                        <a:rPr lang="de-DE" sz="1800" dirty="0"/>
+                        <a:t>Jonas Kleinkauf</a:t>
+                      </a:r>
+                    </a:p>
+                  </a:txBody>
+                  <a:tcPr/>
+                </a:tc>
+                <a:extLst>
+                  <a:ext uri="{0D108BD9-81ED-4DB2-BD59-A6C34878D82A}">
+                    <a16:rowId xmlns:a16="http://schemas.microsoft.com/office/drawing/2014/main" val="10000"/>
+                  </a:ext>
+                </a:extLst>
+              </a:tr>
+              <a:tr h="370840">
+                <a:tc>
+                  <a:txBody>
+                    <a:bodyPr/>
+                    <a:lstStyle/>
+                    <a:p>
+                      <a:pPr algn="l"/>
+                      <a:r>
+                        <a:rPr lang="de-DE" sz="1800" dirty="0"/>
+                        <a:t>05.12 – 05.19</a:t>
+                      </a:r>
+                    </a:p>
+                  </a:txBody>
+                  <a:tcPr/>
+                </a:tc>
+                <a:tc>
+                  <a:txBody>
+                    <a:bodyPr/>
+                    <a:lstStyle/>
+                    <a:p>
+                      <a:pPr lvl="0">
+                        <a:buFont typeface="Arial" pitchFamily="34" charset="0"/>
+                        <a:buChar char="•"/>
+                      </a:pPr>
+                      <a:r>
+                        <a:rPr lang="de-DE" sz="1800" dirty="0"/>
+                        <a:t> </a:t>
+                      </a:r>
+                      <a:r>
+                        <a:rPr lang="en-US" sz="1800" dirty="0"/>
+                        <a:t>Unity Terrain Optimizations, </a:t>
+                      </a:r>
+                    </a:p>
+                    <a:p>
+                      <a:pPr lvl="0">
+                        <a:buFont typeface="Arial" pitchFamily="34" charset="0"/>
+                        <a:buChar char="•"/>
+                      </a:pPr>
+                      <a:r>
+                        <a:rPr lang="en-US" sz="1800" dirty="0"/>
+                        <a:t> Terrain Generation Tests?</a:t>
+                      </a:r>
+                      <a:endParaRPr lang="de-DE" sz="1800" dirty="0"/>
+                    </a:p>
+                  </a:txBody>
+                  <a:tcPr/>
+                </a:tc>
+                <a:extLst>
+                  <a:ext uri="{0D108BD9-81ED-4DB2-BD59-A6C34878D82A}">
+                    <a16:rowId xmlns:a16="http://schemas.microsoft.com/office/drawing/2014/main" val="10001"/>
+                  </a:ext>
+                </a:extLst>
+              </a:tr>
+              <a:tr h="370840">
+                <a:tc>
+                  <a:txBody>
+                    <a:bodyPr/>
+                    <a:lstStyle/>
+                    <a:p>
+                      <a:pPr algn="l"/>
+                      <a:r>
+                        <a:rPr lang="de-DE" sz="1800" dirty="0"/>
+                        <a:t>05.19 – 05.26</a:t>
+                      </a:r>
+                    </a:p>
+                  </a:txBody>
+                  <a:tcPr/>
+                </a:tc>
+                <a:tc>
+                  <a:txBody>
+                    <a:bodyPr/>
+                    <a:lstStyle/>
+                    <a:p>
+                      <a:pPr lvl="0">
+                        <a:buFont typeface="Arial" pitchFamily="34" charset="0"/>
+                        <a:buChar char="•"/>
+                      </a:pPr>
+                      <a:r>
+                        <a:rPr lang="de-DE" sz="1800" dirty="0"/>
+                        <a:t> </a:t>
+                      </a:r>
+                      <a:r>
+                        <a:rPr lang="de-DE" sz="1800" dirty="0" err="1"/>
+                        <a:t>Obstacle</a:t>
+                      </a:r>
+                      <a:r>
+                        <a:rPr lang="de-DE" sz="1800" dirty="0"/>
+                        <a:t> </a:t>
+                      </a:r>
+                      <a:r>
+                        <a:rPr lang="de-DE" sz="1800" dirty="0" err="1"/>
+                        <a:t>Programming</a:t>
+                      </a:r>
+                      <a:r>
+                        <a:rPr lang="de-DE" sz="1800" dirty="0"/>
+                        <a:t>: </a:t>
+                      </a:r>
+                    </a:p>
+                    <a:p>
+                      <a:pPr lvl="1">
+                        <a:buFont typeface="Arial" pitchFamily="34" charset="0"/>
+                        <a:buChar char="•"/>
+                      </a:pPr>
+                      <a:r>
+                        <a:rPr lang="de-DE" sz="1800" dirty="0"/>
+                        <a:t> Action </a:t>
+                      </a:r>
+                      <a:r>
+                        <a:rPr lang="de-DE" sz="1800" dirty="0" err="1"/>
+                        <a:t>Collision</a:t>
+                      </a:r>
+                      <a:r>
+                        <a:rPr lang="de-DE" sz="1800" dirty="0"/>
+                        <a:t>, Bonus Items, </a:t>
+                      </a:r>
+                      <a:r>
+                        <a:rPr lang="de-DE" sz="1800" dirty="0" err="1"/>
+                        <a:t>Updrafts</a:t>
+                      </a:r>
+                      <a:endParaRPr lang="de-DE" sz="1800" dirty="0"/>
+                    </a:p>
+                  </a:txBody>
+                  <a:tcPr/>
+                </a:tc>
+                <a:extLst>
+                  <a:ext uri="{0D108BD9-81ED-4DB2-BD59-A6C34878D82A}">
+                    <a16:rowId xmlns:a16="http://schemas.microsoft.com/office/drawing/2014/main" val="10002"/>
+                  </a:ext>
+                </a:extLst>
+              </a:tr>
+              <a:tr h="370840">
+                <a:tc>
+                  <a:txBody>
+                    <a:bodyPr/>
+                    <a:lstStyle/>
+                    <a:p>
+                      <a:pPr algn="l"/>
+                      <a:r>
+                        <a:rPr lang="de-DE" sz="1800" dirty="0"/>
+                        <a:t>05.26 – 06.02</a:t>
+                      </a:r>
+                    </a:p>
+                  </a:txBody>
+                  <a:tcPr/>
+                </a:tc>
+                <a:tc>
+                  <a:txBody>
+                    <a:bodyPr/>
+                    <a:lstStyle/>
+                    <a:p>
+                      <a:pPr lvl="0">
+                        <a:buFont typeface="Arial" pitchFamily="34" charset="0"/>
+                        <a:buChar char="•"/>
+                      </a:pPr>
+                      <a:r>
+                        <a:rPr lang="de-DE" sz="1800" dirty="0"/>
+                        <a:t> </a:t>
+                      </a:r>
+                      <a:r>
+                        <a:rPr lang="en-US" sz="1800" dirty="0"/>
+                        <a:t>New Level Creation using Terrain Generators</a:t>
+                      </a:r>
+                      <a:endParaRPr lang="de-DE" sz="1800" dirty="0"/>
+                    </a:p>
+                  </a:txBody>
+                  <a:tcPr/>
+                </a:tc>
+                <a:extLst>
+                  <a:ext uri="{0D108BD9-81ED-4DB2-BD59-A6C34878D82A}">
+                    <a16:rowId xmlns:a16="http://schemas.microsoft.com/office/drawing/2014/main" val="10003"/>
+                  </a:ext>
+                </a:extLst>
+              </a:tr>
+            </a:tbl>
+          </a:graphicData>
+        </a:graphic>
+      </p:graphicFrame>
+    </p:spTree>
+    <p:extLst>
+      <p:ext uri="{BB962C8B-B14F-4D97-AF65-F5344CB8AC3E}">
+        <p14:creationId xmlns:p14="http://schemas.microsoft.com/office/powerpoint/2010/main" val="401768939"/>
+      </p:ext>
+    </p:extLst>
+  </p:cSld>
+  <p:clrMapOvr>
+    <a:masterClrMapping/>
+  </p:clrMapOvr>
+</p:sld>
+</file>
+
+<file path=ppt/slides/slide13.xml><?xml version="1.0" encoding="utf-8"?>
+<p:sld xmlns:a="http://schemas.openxmlformats.org/drawingml/2006/main" xmlns:r="http://schemas.openxmlformats.org/officeDocument/2006/relationships" xmlns:p="http://schemas.openxmlformats.org/presentationml/2006/main">
+  <p:cSld>
+    <p:spTree>
+      <p:nvGrpSpPr>
+        <p:cNvPr id="1" name=""/>
+        <p:cNvGrpSpPr/>
+        <p:nvPr/>
+      </p:nvGrpSpPr>
+      <p:grpSpPr>
+        <a:xfrm>
+          <a:off x="0" y="0"/>
+          <a:ext cx="0" cy="0"/>
+          <a:chOff x="0" y="0"/>
+          <a:chExt cx="0" cy="0"/>
+        </a:xfrm>
+      </p:grpSpPr>
+      <p:sp>
+        <p:nvSpPr>
+          <p:cNvPr id="2" name="Titel 1"/>
+          <p:cNvSpPr>
+            <a:spLocks noGrp="1"/>
+          </p:cNvSpPr>
+          <p:nvPr>
+            <p:ph type="title"/>
+          </p:nvPr>
+        </p:nvSpPr>
+        <p:spPr/>
+        <p:txBody>
+          <a:bodyPr>
+            <a:normAutofit/>
+          </a:bodyPr>
+          <a:lstStyle/>
+          <a:p>
+            <a:pPr algn="ctr"/>
+            <a:r>
+              <a:rPr lang="de-DE" dirty="0" err="1">
+                <a:solidFill>
+                  <a:srgbClr val="FF0000"/>
+                </a:solidFill>
+              </a:rPr>
+              <a:t>Milestone</a:t>
+            </a:r>
+            <a:r>
+              <a:rPr lang="de-DE" dirty="0">
                 <a:solidFill>
                   <a:srgbClr val="FF0000"/>
                 </a:solidFill>
               </a:rPr>
               <a:t> 2</a:t>
             </a:r>
-            <a:endParaRPr lang="de-DE" dirty="0">
-              <a:solidFill>
-                <a:srgbClr val="FF0000"/>
-              </a:solidFill>
-            </a:endParaRPr>
           </a:p>
         </p:txBody>
       </p:sp>
@@ -5813,13 +6176,13 @@
           </a:bodyPr>
           <a:lstStyle/>
           <a:p>
-            <a:endParaRPr lang="de-DE" dirty="0" smtClean="0"/>
+            <a:endParaRPr lang="de-DE" dirty="0"/>
           </a:p>
           <a:p>
             <a:pPr>
               <a:buNone/>
             </a:pPr>
-            <a:endParaRPr lang="de-DE" dirty="0" smtClean="0"/>
+            <a:endParaRPr lang="de-DE" dirty="0"/>
           </a:p>
           <a:p>
             <a:endParaRPr lang="de-DE" dirty="0"/>
@@ -5844,7 +6207,7 @@
             <a:fld id="{6C6AE60A-B69C-4790-82F7-3882EDF23186}" type="slidenum">
               <a:rPr lang="de-DE" smtClean="0"/>
               <a:pPr/>
-              <a:t>12</a:t>
+              <a:t>13</a:t>
             </a:fld>
             <a:endParaRPr lang="de-DE"/>
           </a:p>
@@ -5869,8 +6232,20 @@
                 <a:tableStyleId>{5C22544A-7EE6-4342-B048-85BDC9FD1C3A}</a:tableStyleId>
               </a:tblPr>
               <a:tblGrid>
-                <a:gridCol w="1584176"/>
-                <a:gridCol w="6480721"/>
+                <a:gridCol w="1584176">
+                  <a:extLst>
+                    <a:ext uri="{9D8B030D-6E8A-4147-A177-3AD203B41FA5}">
+                      <a16:colId xmlns:a16="http://schemas.microsoft.com/office/drawing/2014/main" val="20000"/>
+                    </a:ext>
+                  </a:extLst>
+                </a:gridCol>
+                <a:gridCol w="6480721">
+                  <a:extLst>
+                    <a:ext uri="{9D8B030D-6E8A-4147-A177-3AD203B41FA5}">
+                      <a16:colId xmlns:a16="http://schemas.microsoft.com/office/drawing/2014/main" val="20001"/>
+                    </a:ext>
+                  </a:extLst>
+                </a:gridCol>
               </a:tblGrid>
               <a:tr h="370840">
                 <a:tc>
@@ -5880,7 +6255,7 @@
                     <a:p>
                       <a:pPr algn="ctr"/>
                       <a:r>
-                        <a:rPr lang="de-DE" sz="1800" dirty="0" err="1" smtClean="0"/>
+                        <a:rPr lang="de-DE" sz="1800" dirty="0" err="1"/>
                         <a:t>Week</a:t>
                       </a:r>
                       <a:endParaRPr lang="de-DE" sz="1800" dirty="0"/>
@@ -5895,11 +6270,11 @@
                     <a:p>
                       <a:pPr algn="ctr"/>
                       <a:r>
-                        <a:rPr lang="de-DE" sz="1800" dirty="0" smtClean="0"/>
+                        <a:rPr lang="de-DE" sz="1800" dirty="0"/>
                         <a:t>Andreas</a:t>
                       </a:r>
                       <a:r>
-                        <a:rPr lang="de-DE" sz="1800" baseline="0" dirty="0" smtClean="0"/>
+                        <a:rPr lang="de-DE" sz="1800" baseline="0" dirty="0"/>
                         <a:t> Dietze</a:t>
                       </a:r>
                       <a:endParaRPr lang="de-DE" sz="1800" dirty="0"/>
@@ -5907,6 +6282,11 @@
                   </a:txBody>
                   <a:tcPr/>
                 </a:tc>
+                <a:extLst>
+                  <a:ext uri="{0D108BD9-81ED-4DB2-BD59-A6C34878D82A}">
+                    <a16:rowId xmlns:a16="http://schemas.microsoft.com/office/drawing/2014/main" val="10000"/>
+                  </a:ext>
+                </a:extLst>
               </a:tr>
               <a:tr h="370840">
                 <a:tc>
@@ -5932,7 +6312,7 @@
                         <a:defRPr/>
                       </a:pPr>
                       <a:r>
-                        <a:rPr lang="de-DE" sz="1800" dirty="0" smtClean="0"/>
+                        <a:rPr lang="de-DE" sz="1800" dirty="0"/>
                         <a:t>06.02 – 06.09</a:t>
                       </a:r>
                     </a:p>
@@ -5949,55 +6329,55 @@
                         <a:buChar char="•"/>
                       </a:pPr>
                       <a:r>
-                        <a:rPr lang="de-DE" sz="1800" dirty="0" smtClean="0"/>
+                        <a:rPr lang="de-DE" sz="1800" dirty="0"/>
                         <a:t> Vive </a:t>
                       </a:r>
                       <a:r>
-                        <a:rPr lang="de-DE" sz="1800" dirty="0" err="1" smtClean="0"/>
+                        <a:rPr lang="de-DE" sz="1800" dirty="0" err="1"/>
                         <a:t>project</a:t>
                       </a:r>
                       <a:r>
-                        <a:rPr lang="de-DE" sz="1800" dirty="0" smtClean="0"/>
+                        <a:rPr lang="de-DE" sz="1800" dirty="0"/>
                         <a:t> </a:t>
                       </a:r>
                       <a:r>
-                        <a:rPr lang="de-DE" sz="1800" dirty="0" err="1" smtClean="0"/>
+                        <a:rPr lang="de-DE" sz="1800" dirty="0" err="1"/>
                         <a:t>functionality</a:t>
                       </a:r>
                       <a:r>
-                        <a:rPr lang="de-DE" sz="1800" dirty="0" smtClean="0"/>
+                        <a:rPr lang="de-DE" sz="1800" dirty="0"/>
                         <a:t> (</a:t>
                       </a:r>
                       <a:r>
-                        <a:rPr lang="de-DE" sz="1800" dirty="0" err="1" smtClean="0"/>
+                        <a:rPr lang="de-DE" sz="1800" dirty="0" err="1"/>
                         <a:t>haptic</a:t>
                       </a:r>
                       <a:r>
-                        <a:rPr lang="de-DE" sz="1800" dirty="0" smtClean="0"/>
+                        <a:rPr lang="de-DE" sz="1800" dirty="0"/>
                         <a:t> </a:t>
                       </a:r>
                       <a:r>
-                        <a:rPr lang="de-DE" sz="1800" dirty="0" err="1" smtClean="0"/>
+                        <a:rPr lang="de-DE" sz="1800" dirty="0" err="1"/>
                         <a:t>and</a:t>
                       </a:r>
                       <a:r>
-                        <a:rPr lang="de-DE" sz="1800" dirty="0" smtClean="0"/>
+                        <a:rPr lang="de-DE" sz="1800" dirty="0"/>
                         <a:t> </a:t>
                       </a:r>
                       <a:r>
-                        <a:rPr lang="de-DE" sz="1800" dirty="0" err="1" smtClean="0"/>
+                        <a:rPr lang="de-DE" sz="1800" dirty="0" err="1"/>
                         <a:t>gesture</a:t>
                       </a:r>
                       <a:r>
-                        <a:rPr lang="de-DE" sz="1800" dirty="0" smtClean="0"/>
+                        <a:rPr lang="de-DE" sz="1800" dirty="0"/>
                         <a:t> </a:t>
                       </a:r>
                       <a:r>
-                        <a:rPr lang="de-DE" sz="1800" dirty="0" err="1" smtClean="0"/>
+                        <a:rPr lang="de-DE" sz="1800" dirty="0" err="1"/>
                         <a:t>tests</a:t>
                       </a:r>
                       <a:r>
-                        <a:rPr lang="de-DE" sz="1800" dirty="0" smtClean="0"/>
+                        <a:rPr lang="de-DE" sz="1800" dirty="0"/>
                         <a:t>)</a:t>
                       </a:r>
                     </a:p>
@@ -6007,22 +6387,22 @@
                         <a:buChar char="•"/>
                       </a:pPr>
                       <a:r>
-                        <a:rPr lang="de-DE" sz="1800" dirty="0" smtClean="0"/>
+                        <a:rPr lang="de-DE" sz="1800" dirty="0"/>
                         <a:t> </a:t>
                       </a:r>
                       <a:r>
-                        <a:rPr lang="de-DE" sz="1800" dirty="0" err="1" smtClean="0"/>
+                        <a:rPr lang="de-DE" sz="1800" dirty="0" err="1"/>
                         <a:t>Kinect</a:t>
                       </a:r>
                       <a:r>
-                        <a:rPr lang="de-DE" sz="1800" dirty="0" smtClean="0"/>
+                        <a:rPr lang="de-DE" sz="1800" dirty="0"/>
                         <a:t> </a:t>
                       </a:r>
                       <a:r>
-                        <a:rPr lang="de-DE" sz="1800" dirty="0" err="1" smtClean="0"/>
+                        <a:rPr lang="de-DE" sz="1800" dirty="0" err="1"/>
                         <a:t>improvement</a:t>
                       </a:r>
-                      <a:endParaRPr lang="de-DE" sz="1800" dirty="0" smtClean="0"/>
+                      <a:endParaRPr lang="de-DE" sz="1800" dirty="0"/>
                     </a:p>
                     <a:p>
                       <a:pPr lvl="0">
@@ -6030,50 +6410,55 @@
                         <a:buChar char="•"/>
                       </a:pPr>
                       <a:r>
-                        <a:rPr lang="de-DE" sz="1800" dirty="0" smtClean="0"/>
+                        <a:rPr lang="de-DE" sz="1800" dirty="0"/>
                         <a:t> </a:t>
                       </a:r>
                       <a:r>
-                        <a:rPr lang="de-DE" sz="1800" dirty="0" err="1" smtClean="0"/>
+                        <a:rPr lang="de-DE" sz="1800" dirty="0" err="1"/>
                         <a:t>Balancing</a:t>
                       </a:r>
                       <a:r>
-                        <a:rPr lang="de-DE" sz="1800" dirty="0" smtClean="0"/>
+                        <a:rPr lang="de-DE" sz="1800" dirty="0"/>
                         <a:t> </a:t>
                       </a:r>
                       <a:r>
-                        <a:rPr lang="de-DE" sz="1800" dirty="0" err="1" smtClean="0"/>
+                        <a:rPr lang="de-DE" sz="1800" dirty="0" err="1"/>
                         <a:t>the</a:t>
                       </a:r>
                       <a:r>
-                        <a:rPr lang="de-DE" sz="1800" dirty="0" smtClean="0"/>
+                        <a:rPr lang="de-DE" sz="1800" dirty="0"/>
                         <a:t> </a:t>
                       </a:r>
                       <a:r>
-                        <a:rPr lang="de-DE" sz="1800" dirty="0" err="1" smtClean="0"/>
+                        <a:rPr lang="de-DE" sz="1800" dirty="0" err="1"/>
                         <a:t>new</a:t>
                       </a:r>
                       <a:r>
-                        <a:rPr lang="de-DE" sz="1800" dirty="0" smtClean="0"/>
+                        <a:rPr lang="de-DE" sz="1800" dirty="0"/>
                         <a:t> </a:t>
                       </a:r>
                       <a:r>
-                        <a:rPr lang="de-DE" sz="1800" dirty="0" err="1" smtClean="0"/>
+                        <a:rPr lang="de-DE" sz="1800" dirty="0" err="1"/>
                         <a:t>developed</a:t>
                       </a:r>
                       <a:r>
-                        <a:rPr lang="de-DE" sz="1800" dirty="0" smtClean="0"/>
+                        <a:rPr lang="de-DE" sz="1800" dirty="0"/>
                         <a:t> </a:t>
                       </a:r>
                       <a:r>
-                        <a:rPr lang="de-DE" sz="1800" dirty="0" err="1" smtClean="0"/>
+                        <a:rPr lang="de-DE" sz="1800" dirty="0" err="1"/>
                         <a:t>features</a:t>
                       </a:r>
-                      <a:endParaRPr lang="de-DE" sz="1800" dirty="0" smtClean="0"/>
+                      <a:endParaRPr lang="de-DE" sz="1800" dirty="0"/>
                     </a:p>
                   </a:txBody>
                   <a:tcPr/>
                 </a:tc>
+                <a:extLst>
+                  <a:ext uri="{0D108BD9-81ED-4DB2-BD59-A6C34878D82A}">
+                    <a16:rowId xmlns:a16="http://schemas.microsoft.com/office/drawing/2014/main" val="10001"/>
+                  </a:ext>
+                </a:extLst>
               </a:tr>
               <a:tr h="370840">
                 <a:tc>
@@ -6099,7 +6484,7 @@
                         <a:defRPr/>
                       </a:pPr>
                       <a:r>
-                        <a:rPr lang="de-DE" sz="1800" dirty="0" smtClean="0"/>
+                        <a:rPr lang="de-DE" sz="1800" dirty="0"/>
                         <a:t>06.09 – 06.16</a:t>
                       </a:r>
                     </a:p>
@@ -6116,46 +6501,46 @@
                         <a:buChar char="•"/>
                       </a:pPr>
                       <a:r>
-                        <a:rPr lang="de-DE" sz="1800" dirty="0" smtClean="0"/>
+                        <a:rPr lang="de-DE" sz="1800" dirty="0"/>
                         <a:t> Vive</a:t>
                       </a:r>
                       <a:r>
-                        <a:rPr lang="de-DE" sz="1800" baseline="0" dirty="0" smtClean="0"/>
+                        <a:rPr lang="de-DE" sz="1800" baseline="0" dirty="0"/>
                         <a:t> </a:t>
                       </a:r>
                       <a:r>
-                        <a:rPr lang="de-DE" sz="1800" baseline="0" dirty="0" err="1" smtClean="0"/>
+                        <a:rPr lang="de-DE" sz="1800" baseline="0" dirty="0" err="1"/>
                         <a:t>location</a:t>
                       </a:r>
                       <a:r>
-                        <a:rPr lang="de-DE" sz="1800" baseline="0" dirty="0" smtClean="0"/>
+                        <a:rPr lang="de-DE" sz="1800" baseline="0" dirty="0"/>
                         <a:t> </a:t>
                       </a:r>
                       <a:r>
-                        <a:rPr lang="de-DE" sz="1800" baseline="0" dirty="0" err="1" smtClean="0"/>
+                        <a:rPr lang="de-DE" sz="1800" baseline="0" dirty="0" err="1"/>
                         <a:t>and</a:t>
                       </a:r>
                       <a:r>
-                        <a:rPr lang="de-DE" sz="1800" baseline="0" dirty="0" smtClean="0"/>
+                        <a:rPr lang="de-DE" sz="1800" baseline="0" dirty="0"/>
                         <a:t> </a:t>
                       </a:r>
                       <a:r>
-                        <a:rPr lang="de-DE" sz="1800" baseline="0" dirty="0" err="1" smtClean="0"/>
+                        <a:rPr lang="de-DE" sz="1800" baseline="0" dirty="0" err="1"/>
                         <a:t>setup</a:t>
                       </a:r>
                       <a:r>
-                        <a:rPr lang="de-DE" sz="1800" baseline="0" dirty="0" smtClean="0"/>
+                        <a:rPr lang="de-DE" sz="1800" baseline="0" dirty="0"/>
                         <a:t> </a:t>
                       </a:r>
                       <a:r>
-                        <a:rPr lang="de-DE" sz="1800" baseline="0" dirty="0" err="1" smtClean="0"/>
+                        <a:rPr lang="de-DE" sz="1800" baseline="0" dirty="0" err="1"/>
                         <a:t>improvement</a:t>
                       </a:r>
                       <a:r>
-                        <a:rPr lang="de-DE" sz="1800" baseline="0" dirty="0" smtClean="0"/>
+                        <a:rPr lang="de-DE" sz="1800" baseline="0" dirty="0"/>
                         <a:t> </a:t>
                       </a:r>
-                      <a:endParaRPr lang="de-DE" sz="1800" dirty="0" smtClean="0"/>
+                      <a:endParaRPr lang="de-DE" sz="1800" dirty="0"/>
                     </a:p>
                     <a:p>
                       <a:pPr lvl="0">
@@ -6163,14 +6548,14 @@
                         <a:buChar char="•"/>
                       </a:pPr>
                       <a:r>
-                        <a:rPr lang="de-DE" sz="1800" dirty="0" smtClean="0"/>
+                        <a:rPr lang="de-DE" sz="1800" dirty="0"/>
                         <a:t> Fly </a:t>
                       </a:r>
                       <a:r>
-                        <a:rPr lang="de-DE" sz="1800" dirty="0" err="1" smtClean="0"/>
+                        <a:rPr lang="de-DE" sz="1800" dirty="0" err="1"/>
                         <a:t>physics</a:t>
                       </a:r>
-                      <a:endParaRPr lang="de-DE" sz="1800" dirty="0" smtClean="0"/>
+                      <a:endParaRPr lang="de-DE" sz="1800" dirty="0"/>
                     </a:p>
                     <a:p>
                       <a:pPr lvl="0">
@@ -6178,18 +6563,23 @@
                         <a:buChar char="•"/>
                       </a:pPr>
                       <a:r>
-                        <a:rPr lang="de-DE" sz="1800" dirty="0" smtClean="0"/>
+                        <a:rPr lang="de-DE" sz="1800" dirty="0"/>
                         <a:t> </a:t>
                       </a:r>
                       <a:r>
-                        <a:rPr lang="de-DE" sz="1800" dirty="0" err="1" smtClean="0"/>
+                        <a:rPr lang="de-DE" sz="1800" dirty="0" err="1"/>
                         <a:t>Documentation</a:t>
                       </a:r>
-                      <a:endParaRPr lang="de-DE" sz="1800" dirty="0" smtClean="0"/>
+                      <a:endParaRPr lang="de-DE" sz="1800" dirty="0"/>
                     </a:p>
                   </a:txBody>
                   <a:tcPr/>
                 </a:tc>
+                <a:extLst>
+                  <a:ext uri="{0D108BD9-81ED-4DB2-BD59-A6C34878D82A}">
+                    <a16:rowId xmlns:a16="http://schemas.microsoft.com/office/drawing/2014/main" val="10002"/>
+                  </a:ext>
+                </a:extLst>
               </a:tr>
               <a:tr h="370840">
                 <a:tc>
@@ -6215,14 +6605,14 @@
                         <a:defRPr/>
                       </a:pPr>
                       <a:r>
-                        <a:rPr lang="de-DE" sz="1800" dirty="0" smtClean="0"/>
+                        <a:rPr lang="de-DE" sz="1800" dirty="0"/>
                         <a:t>06.16</a:t>
                       </a:r>
                       <a:r>
-                        <a:rPr lang="de-DE" sz="1800" baseline="0" dirty="0" smtClean="0"/>
+                        <a:rPr lang="de-DE" sz="1800" baseline="0" dirty="0"/>
                         <a:t> – 06.23</a:t>
                       </a:r>
-                      <a:endParaRPr lang="de-DE" sz="1800" dirty="0" smtClean="0"/>
+                      <a:endParaRPr lang="de-DE" sz="1800" dirty="0"/>
                     </a:p>
                   </a:txBody>
                   <a:tcPr/>
@@ -6237,14 +6627,14 @@
                         <a:buChar char="•"/>
                       </a:pPr>
                       <a:r>
-                        <a:rPr lang="de-DE" sz="1800" dirty="0" smtClean="0"/>
+                        <a:rPr lang="de-DE" sz="1800" dirty="0"/>
                         <a:t> Fly </a:t>
                       </a:r>
                       <a:r>
-                        <a:rPr lang="de-DE" sz="1800" dirty="0" err="1" smtClean="0"/>
+                        <a:rPr lang="de-DE" sz="1800" dirty="0" err="1"/>
                         <a:t>physics</a:t>
                       </a:r>
-                      <a:endParaRPr lang="de-DE" sz="1800" dirty="0" smtClean="0"/>
+                      <a:endParaRPr lang="de-DE" sz="1800" dirty="0"/>
                     </a:p>
                     <a:p>
                       <a:pPr lvl="0">
@@ -6252,14 +6642,14 @@
                         <a:buChar char="•"/>
                       </a:pPr>
                       <a:r>
-                        <a:rPr lang="de-DE" sz="1800" dirty="0" smtClean="0"/>
+                        <a:rPr lang="de-DE" sz="1800" dirty="0"/>
                         <a:t> </a:t>
                       </a:r>
                       <a:r>
-                        <a:rPr lang="de-DE" sz="1800" dirty="0" err="1" smtClean="0"/>
+                        <a:rPr lang="de-DE" sz="1800" dirty="0" err="1"/>
                         <a:t>Documentation</a:t>
                       </a:r>
-                      <a:endParaRPr lang="de-DE" sz="1800" dirty="0" smtClean="0"/>
+                      <a:endParaRPr lang="de-DE" sz="1800" dirty="0"/>
                     </a:p>
                     <a:p>
                       <a:pPr lvl="0">
@@ -6267,13 +6657,18 @@
                         <a:buChar char="•"/>
                       </a:pPr>
                       <a:r>
-                        <a:rPr lang="de-DE" sz="1800" dirty="0" smtClean="0"/>
+                        <a:rPr lang="de-DE" sz="1800" dirty="0"/>
                         <a:t> User Guide</a:t>
                       </a:r>
                     </a:p>
                   </a:txBody>
                   <a:tcPr/>
                 </a:tc>
+                <a:extLst>
+                  <a:ext uri="{0D108BD9-81ED-4DB2-BD59-A6C34878D82A}">
+                    <a16:rowId xmlns:a16="http://schemas.microsoft.com/office/drawing/2014/main" val="10003"/>
+                  </a:ext>
+                </a:extLst>
               </a:tr>
             </a:tbl>
           </a:graphicData>
@@ -6284,217 +6679,6 @@
   <p:clrMapOvr>
     <a:masterClrMapping/>
   </p:clrMapOvr>
-  <p:timing>
-    <p:tnLst>
-      <p:par>
-        <p:cTn id="1" dur="indefinite" restart="never" nodeType="tmRoot"/>
-      </p:par>
-    </p:tnLst>
-  </p:timing>
-</p:sld>
-</file>
-
-<file path=ppt/slides/slide13.xml><?xml version="1.0" encoding="utf-8"?>
-<p:sld xmlns:a="http://schemas.openxmlformats.org/drawingml/2006/main" xmlns:r="http://schemas.openxmlformats.org/officeDocument/2006/relationships" xmlns:p="http://schemas.openxmlformats.org/presentationml/2006/main">
-  <p:cSld>
-    <p:spTree>
-      <p:nvGrpSpPr>
-        <p:cNvPr id="1" name=""/>
-        <p:cNvGrpSpPr/>
-        <p:nvPr/>
-      </p:nvGrpSpPr>
-      <p:grpSpPr>
-        <a:xfrm>
-          <a:off x="0" y="0"/>
-          <a:ext cx="0" cy="0"/>
-          <a:chOff x="0" y="0"/>
-          <a:chExt cx="0" cy="0"/>
-        </a:xfrm>
-      </p:grpSpPr>
-      <p:sp>
-        <p:nvSpPr>
-          <p:cNvPr id="2" name="Titel 1"/>
-          <p:cNvSpPr>
-            <a:spLocks noGrp="1"/>
-          </p:cNvSpPr>
-          <p:nvPr>
-            <p:ph type="title"/>
-          </p:nvPr>
-        </p:nvSpPr>
-        <p:spPr/>
-        <p:txBody>
-          <a:bodyPr/>
-          <a:lstStyle/>
-          <a:p>
-            <a:pPr algn="ctr"/>
-            <a:r>
-              <a:rPr lang="de-DE" dirty="0" err="1" smtClean="0">
-                <a:solidFill>
-                  <a:srgbClr val="FF0000"/>
-                </a:solidFill>
-              </a:rPr>
-              <a:t>Exams</a:t>
-            </a:r>
-            <a:endParaRPr lang="de-DE" dirty="0"/>
-          </a:p>
-        </p:txBody>
-      </p:sp>
-      <p:sp>
-        <p:nvSpPr>
-          <p:cNvPr id="3" name="Inhaltsplatzhalter 2"/>
-          <p:cNvSpPr>
-            <a:spLocks noGrp="1"/>
-          </p:cNvSpPr>
-          <p:nvPr>
-            <p:ph idx="1"/>
-          </p:nvPr>
-        </p:nvSpPr>
-        <p:spPr/>
-        <p:txBody>
-          <a:bodyPr>
-            <a:normAutofit/>
-          </a:bodyPr>
-          <a:lstStyle/>
-          <a:p>
-            <a:r>
-              <a:rPr lang="de-DE" sz="2400" dirty="0" smtClean="0"/>
-              <a:t>16.07.2016 - 30.07.2016 </a:t>
-            </a:r>
-            <a:r>
-              <a:rPr lang="de-DE" sz="2400" dirty="0" err="1" smtClean="0"/>
-              <a:t>and</a:t>
-            </a:r>
-            <a:r>
-              <a:rPr lang="de-DE" sz="2400" dirty="0" smtClean="0"/>
-              <a:t> 12.09.2016 </a:t>
-            </a:r>
-            <a:r>
-              <a:rPr lang="de-DE" sz="2400" dirty="0" smtClean="0"/>
-              <a:t>- 24.09.2016</a:t>
-            </a:r>
-          </a:p>
-          <a:p>
-            <a:pPr lvl="1"/>
-            <a:r>
-              <a:rPr lang="de-DE" dirty="0" err="1" smtClean="0"/>
-              <a:t>Exam</a:t>
-            </a:r>
-            <a:r>
-              <a:rPr lang="de-DE" dirty="0" smtClean="0"/>
-              <a:t> </a:t>
-            </a:r>
-            <a:r>
-              <a:rPr lang="de-DE" dirty="0" err="1" smtClean="0"/>
-              <a:t>and</a:t>
-            </a:r>
-            <a:r>
-              <a:rPr lang="de-DE" dirty="0" smtClean="0"/>
-              <a:t> </a:t>
-            </a:r>
-            <a:r>
-              <a:rPr lang="de-DE" dirty="0" err="1" smtClean="0"/>
-              <a:t>preperation</a:t>
-            </a:r>
-            <a:r>
-              <a:rPr lang="de-DE" dirty="0" smtClean="0"/>
-              <a:t> </a:t>
-            </a:r>
-            <a:r>
-              <a:rPr lang="de-DE" dirty="0" smtClean="0"/>
-              <a:t>23.06 - 30.07 </a:t>
-            </a:r>
-            <a:endParaRPr lang="de-DE" dirty="0" smtClean="0"/>
-          </a:p>
-          <a:p>
-            <a:pPr lvl="1"/>
-            <a:r>
-              <a:rPr lang="de-DE" dirty="0" smtClean="0"/>
-              <a:t>Sec. </a:t>
-            </a:r>
-            <a:r>
-              <a:rPr lang="de-DE" dirty="0" err="1" smtClean="0"/>
-              <a:t>e</a:t>
-            </a:r>
-            <a:r>
-              <a:rPr lang="de-DE" dirty="0" err="1" smtClean="0"/>
-              <a:t>xam</a:t>
-            </a:r>
-            <a:r>
-              <a:rPr lang="de-DE" dirty="0" smtClean="0"/>
-              <a:t> </a:t>
-            </a:r>
-            <a:r>
-              <a:rPr lang="de-DE" dirty="0" err="1" smtClean="0"/>
-              <a:t>phase</a:t>
-            </a:r>
-            <a:r>
-              <a:rPr lang="de-DE" dirty="0" smtClean="0"/>
-              <a:t> -&gt; individual </a:t>
-            </a:r>
-            <a:r>
-              <a:rPr lang="de-DE" dirty="0" err="1" smtClean="0"/>
-              <a:t>schedule</a:t>
-            </a:r>
-            <a:endParaRPr lang="de-DE" dirty="0" smtClean="0"/>
-          </a:p>
-          <a:p>
-            <a:endParaRPr lang="de-DE" dirty="0" smtClean="0"/>
-          </a:p>
-          <a:p>
-            <a:pPr lvl="1"/>
-            <a:endParaRPr lang="de-DE" dirty="0" smtClean="0"/>
-          </a:p>
-          <a:p>
-            <a:pPr lvl="1"/>
-            <a:endParaRPr lang="de-DE" sz="2200" dirty="0" smtClean="0"/>
-          </a:p>
-          <a:p>
-            <a:endParaRPr lang="de-DE" sz="2400" dirty="0" smtClean="0"/>
-          </a:p>
-          <a:p>
-            <a:endParaRPr lang="de-DE" sz="2400" dirty="0" smtClean="0"/>
-          </a:p>
-          <a:p>
-            <a:endParaRPr lang="de-DE" dirty="0"/>
-          </a:p>
-        </p:txBody>
-      </p:sp>
-      <p:sp>
-        <p:nvSpPr>
-          <p:cNvPr id="4" name="Foliennummernplatzhalter 3"/>
-          <p:cNvSpPr>
-            <a:spLocks noGrp="1"/>
-          </p:cNvSpPr>
-          <p:nvPr>
-            <p:ph type="sldNum" sz="quarter" idx="12"/>
-          </p:nvPr>
-        </p:nvSpPr>
-        <p:spPr/>
-        <p:txBody>
-          <a:bodyPr/>
-          <a:lstStyle/>
-          <a:p>
-            <a:fld id="{6C6AE60A-B69C-4790-82F7-3882EDF23186}" type="slidenum">
-              <a:rPr lang="de-DE" smtClean="0"/>
-              <a:pPr/>
-              <a:t>13</a:t>
-            </a:fld>
-            <a:endParaRPr lang="de-DE"/>
-          </a:p>
-        </p:txBody>
-      </p:sp>
-    </p:spTree>
-  </p:cSld>
-  <p:clrMapOvr>
-    <a:masterClrMapping/>
-  </p:clrMapOvr>
-  <p:timing>
-    <p:tnLst>
-      <p:par>
-        <p:cTn id="1" dur="indefinite" restart="never" nodeType="tmRoot"/>
-      </p:par>
-    </p:tnLst>
-  </p:timing>
 </p:sld>
 </file>
 
@@ -6534,7 +6718,7 @@
           <a:p>
             <a:pPr algn="ctr"/>
             <a:r>
-              <a:rPr lang="de-DE" dirty="0" err="1" smtClean="0">
+              <a:rPr lang="de-DE" dirty="0" err="1">
                 <a:solidFill>
                   <a:srgbClr val="FF0000"/>
                 </a:solidFill>
@@ -6542,18 +6726,657 @@
               <a:t>Milestone</a:t>
             </a:r>
             <a:r>
-              <a:rPr lang="de-DE" dirty="0" smtClean="0">
+              <a:rPr lang="de-DE" dirty="0">
+                <a:solidFill>
+                  <a:srgbClr val="FF0000"/>
+                </a:solidFill>
+              </a:rPr>
+              <a:t> 2</a:t>
+            </a:r>
+          </a:p>
+        </p:txBody>
+      </p:sp>
+      <p:sp>
+        <p:nvSpPr>
+          <p:cNvPr id="9" name="Inhaltsplatzhalter 8"/>
+          <p:cNvSpPr>
+            <a:spLocks noGrp="1"/>
+          </p:cNvSpPr>
+          <p:nvPr>
+            <p:ph idx="1"/>
+          </p:nvPr>
+        </p:nvSpPr>
+        <p:spPr/>
+        <p:txBody>
+          <a:bodyPr>
+            <a:normAutofit/>
+          </a:bodyPr>
+          <a:lstStyle/>
+          <a:p>
+            <a:endParaRPr lang="de-DE" dirty="0"/>
+          </a:p>
+          <a:p>
+            <a:pPr>
+              <a:buNone/>
+            </a:pPr>
+            <a:endParaRPr lang="de-DE" dirty="0"/>
+          </a:p>
+          <a:p>
+            <a:endParaRPr lang="de-DE" dirty="0"/>
+          </a:p>
+        </p:txBody>
+      </p:sp>
+      <p:sp>
+        <p:nvSpPr>
+          <p:cNvPr id="11" name="Foliennummernplatzhalter 10"/>
+          <p:cNvSpPr>
+            <a:spLocks noGrp="1"/>
+          </p:cNvSpPr>
+          <p:nvPr>
+            <p:ph type="sldNum" sz="quarter" idx="12"/>
+          </p:nvPr>
+        </p:nvSpPr>
+        <p:spPr/>
+        <p:txBody>
+          <a:bodyPr/>
+          <a:lstStyle/>
+          <a:p>
+            <a:fld id="{6C6AE60A-B69C-4790-82F7-3882EDF23186}" type="slidenum">
+              <a:rPr lang="de-DE" smtClean="0"/>
+              <a:pPr/>
+              <a:t>14</a:t>
+            </a:fld>
+            <a:endParaRPr lang="de-DE"/>
+          </a:p>
+        </p:txBody>
+      </p:sp>
+      <p:graphicFrame>
+        <p:nvGraphicFramePr>
+          <p:cNvPr id="8" name="Tabelle 7"/>
+          <p:cNvGraphicFramePr>
+            <a:graphicFrameLocks noGrp="1"/>
+          </p:cNvGraphicFramePr>
+          <p:nvPr>
+            <p:extLst>
+              <p:ext uri="{D42A27DB-BD31-4B8C-83A1-F6EECF244321}">
+                <p14:modId xmlns:p14="http://schemas.microsoft.com/office/powerpoint/2010/main" val="3528518649"/>
+              </p:ext>
+            </p:extLst>
+          </p:nvPr>
+        </p:nvGraphicFramePr>
+        <p:xfrm>
+          <a:off x="539552" y="1849388"/>
+          <a:ext cx="8064897" cy="2021840"/>
+        </p:xfrm>
+        <a:graphic>
+          <a:graphicData uri="http://schemas.openxmlformats.org/drawingml/2006/table">
+            <a:tbl>
+              <a:tblPr firstRow="1" bandRow="1">
+                <a:tableStyleId>{5C22544A-7EE6-4342-B048-85BDC9FD1C3A}</a:tableStyleId>
+              </a:tblPr>
+              <a:tblGrid>
+                <a:gridCol w="1584176">
+                  <a:extLst>
+                    <a:ext uri="{9D8B030D-6E8A-4147-A177-3AD203B41FA5}">
+                      <a16:colId xmlns:a16="http://schemas.microsoft.com/office/drawing/2014/main" val="20000"/>
+                    </a:ext>
+                  </a:extLst>
+                </a:gridCol>
+                <a:gridCol w="6480721">
+                  <a:extLst>
+                    <a:ext uri="{9D8B030D-6E8A-4147-A177-3AD203B41FA5}">
+                      <a16:colId xmlns:a16="http://schemas.microsoft.com/office/drawing/2014/main" val="20001"/>
+                    </a:ext>
+                  </a:extLst>
+                </a:gridCol>
+              </a:tblGrid>
+              <a:tr h="370840">
+                <a:tc>
+                  <a:txBody>
+                    <a:bodyPr/>
+                    <a:lstStyle/>
+                    <a:p>
+                      <a:pPr algn="ctr"/>
+                      <a:r>
+                        <a:rPr lang="de-DE" sz="1800" dirty="0" err="1"/>
+                        <a:t>Week</a:t>
+                      </a:r>
+                      <a:endParaRPr lang="de-DE" sz="1800" dirty="0"/>
+                    </a:p>
+                  </a:txBody>
+                  <a:tcPr/>
+                </a:tc>
+                <a:tc>
+                  <a:txBody>
+                    <a:bodyPr/>
+                    <a:lstStyle/>
+                    <a:p>
+                      <a:pPr algn="ctr"/>
+                      <a:r>
+                        <a:rPr lang="de-DE" sz="1800" dirty="0"/>
+                        <a:t>Jonas Kleinkauf</a:t>
+                      </a:r>
+                    </a:p>
+                  </a:txBody>
+                  <a:tcPr/>
+                </a:tc>
+                <a:extLst>
+                  <a:ext uri="{0D108BD9-81ED-4DB2-BD59-A6C34878D82A}">
+                    <a16:rowId xmlns:a16="http://schemas.microsoft.com/office/drawing/2014/main" val="10000"/>
+                  </a:ext>
+                </a:extLst>
+              </a:tr>
+              <a:tr h="370840">
+                <a:tc>
+                  <a:txBody>
+                    <a:bodyPr/>
+                    <a:lstStyle/>
+                    <a:p>
+                      <a:pPr marL="0" marR="0" indent="0" algn="l" defTabSz="914400" rtl="0" eaLnBrk="1" fontAlgn="auto" latinLnBrk="0" hangingPunct="1">
+                        <a:lnSpc>
+                          <a:spcPct val="100000"/>
+                        </a:lnSpc>
+                        <a:spcBef>
+                          <a:spcPts val="0"/>
+                        </a:spcBef>
+                        <a:spcAft>
+                          <a:spcPts val="0"/>
+                        </a:spcAft>
+                        <a:buClrTx/>
+                        <a:buSzTx/>
+                        <a:buFontTx/>
+                        <a:buNone/>
+                        <a:tabLst/>
+                        <a:defRPr/>
+                      </a:pPr>
+                      <a:r>
+                        <a:rPr lang="de-DE" sz="1800" dirty="0"/>
+                        <a:t>06.02 – 06.09</a:t>
+                      </a:r>
+                    </a:p>
+                  </a:txBody>
+                  <a:tcPr/>
+                </a:tc>
+                <a:tc>
+                  <a:txBody>
+                    <a:bodyPr/>
+                    <a:lstStyle/>
+                    <a:p>
+                      <a:pPr lvl="0">
+                        <a:buFont typeface="Arial" pitchFamily="34" charset="0"/>
+                        <a:buChar char="•"/>
+                      </a:pPr>
+                      <a:r>
+                        <a:rPr lang="de-DE" sz="1800" dirty="0"/>
+                        <a:t> Level Design + </a:t>
+                      </a:r>
+                      <a:r>
+                        <a:rPr lang="de-DE" sz="1800" dirty="0" err="1"/>
+                        <a:t>Programming</a:t>
+                      </a:r>
+                      <a:r>
+                        <a:rPr lang="de-DE" sz="1800" dirty="0"/>
+                        <a:t>, </a:t>
+                      </a:r>
+                    </a:p>
+                    <a:p>
+                      <a:pPr lvl="1">
+                        <a:buFont typeface="Arial" pitchFamily="34" charset="0"/>
+                        <a:buChar char="•"/>
+                      </a:pPr>
+                      <a:r>
+                        <a:rPr lang="de-DE" sz="1800" dirty="0"/>
+                        <a:t> </a:t>
+                      </a:r>
+                      <a:r>
+                        <a:rPr lang="de-DE" sz="1800" dirty="0" err="1"/>
+                        <a:t>Obstacle</a:t>
+                      </a:r>
+                      <a:r>
+                        <a:rPr lang="de-DE" sz="1800" dirty="0"/>
+                        <a:t> Placement, Player Path</a:t>
+                      </a:r>
+                    </a:p>
+                  </a:txBody>
+                  <a:tcPr/>
+                </a:tc>
+                <a:extLst>
+                  <a:ext uri="{0D108BD9-81ED-4DB2-BD59-A6C34878D82A}">
+                    <a16:rowId xmlns:a16="http://schemas.microsoft.com/office/drawing/2014/main" val="10001"/>
+                  </a:ext>
+                </a:extLst>
+              </a:tr>
+              <a:tr h="370840">
+                <a:tc>
+                  <a:txBody>
+                    <a:bodyPr/>
+                    <a:lstStyle/>
+                    <a:p>
+                      <a:pPr marL="0" marR="0" indent="0" algn="l" defTabSz="914400" rtl="0" eaLnBrk="1" fontAlgn="auto" latinLnBrk="0" hangingPunct="1">
+                        <a:lnSpc>
+                          <a:spcPct val="100000"/>
+                        </a:lnSpc>
+                        <a:spcBef>
+                          <a:spcPts val="0"/>
+                        </a:spcBef>
+                        <a:spcAft>
+                          <a:spcPts val="0"/>
+                        </a:spcAft>
+                        <a:buClrTx/>
+                        <a:buSzTx/>
+                        <a:buFontTx/>
+                        <a:buNone/>
+                        <a:tabLst/>
+                        <a:defRPr/>
+                      </a:pPr>
+                      <a:r>
+                        <a:rPr lang="de-DE" sz="1800" dirty="0"/>
+                        <a:t>06.09 – 06.16</a:t>
+                      </a:r>
+                    </a:p>
+                  </a:txBody>
+                  <a:tcPr/>
+                </a:tc>
+                <a:tc>
+                  <a:txBody>
+                    <a:bodyPr/>
+                    <a:lstStyle/>
+                    <a:p>
+                      <a:pPr lvl="0">
+                        <a:buFont typeface="Arial" pitchFamily="34" charset="0"/>
+                        <a:buChar char="•"/>
+                      </a:pPr>
+                      <a:r>
+                        <a:rPr lang="de-DE" sz="1800" dirty="0"/>
+                        <a:t> </a:t>
+                      </a:r>
+                      <a:r>
+                        <a:rPr lang="de-DE" sz="1800" dirty="0" err="1"/>
+                        <a:t>Make</a:t>
+                      </a:r>
+                      <a:r>
+                        <a:rPr lang="de-DE" sz="1800" dirty="0"/>
+                        <a:t> </a:t>
+                      </a:r>
+                      <a:r>
+                        <a:rPr lang="de-DE" sz="1800" dirty="0" err="1"/>
+                        <a:t>the</a:t>
+                      </a:r>
+                      <a:r>
+                        <a:rPr lang="de-DE" sz="1800" dirty="0"/>
+                        <a:t> Game </a:t>
+                      </a:r>
+                      <a:r>
+                        <a:rPr lang="de-DE" sz="1800" dirty="0" err="1"/>
+                        <a:t>more</a:t>
+                      </a:r>
+                      <a:r>
+                        <a:rPr lang="de-DE" sz="1800" dirty="0"/>
+                        <a:t> </a:t>
+                      </a:r>
+                      <a:r>
+                        <a:rPr lang="de-DE" sz="1800" dirty="0" err="1"/>
+                        <a:t>interesting</a:t>
+                      </a:r>
+                      <a:r>
+                        <a:rPr lang="de-DE" sz="1800" dirty="0"/>
+                        <a:t> </a:t>
+                      </a:r>
+                      <a:r>
+                        <a:rPr lang="de-DE" sz="1800" dirty="0" err="1"/>
+                        <a:t>to</a:t>
+                      </a:r>
+                      <a:r>
+                        <a:rPr lang="de-DE" sz="1800" dirty="0"/>
+                        <a:t> Play: </a:t>
+                      </a:r>
+                      <a:r>
+                        <a:rPr lang="de-DE" sz="1800" dirty="0" err="1"/>
+                        <a:t>Secrets</a:t>
+                      </a:r>
+                      <a:r>
+                        <a:rPr lang="de-DE" sz="1800" dirty="0"/>
+                        <a:t>, </a:t>
+                      </a:r>
+                      <a:r>
+                        <a:rPr lang="de-DE" sz="1800" dirty="0" err="1"/>
+                        <a:t>Collectibles</a:t>
+                      </a:r>
+                      <a:r>
+                        <a:rPr lang="de-DE" sz="1800" baseline="0" dirty="0"/>
+                        <a:t>, World </a:t>
+                      </a:r>
+                      <a:r>
+                        <a:rPr lang="de-DE" sz="1800" baseline="0" dirty="0" err="1"/>
+                        <a:t>Refinement</a:t>
+                      </a:r>
+                      <a:endParaRPr lang="de-DE" sz="1800" dirty="0"/>
+                    </a:p>
+                  </a:txBody>
+                  <a:tcPr/>
+                </a:tc>
+                <a:extLst>
+                  <a:ext uri="{0D108BD9-81ED-4DB2-BD59-A6C34878D82A}">
+                    <a16:rowId xmlns:a16="http://schemas.microsoft.com/office/drawing/2014/main" val="10002"/>
+                  </a:ext>
+                </a:extLst>
+              </a:tr>
+              <a:tr h="370840">
+                <a:tc>
+                  <a:txBody>
+                    <a:bodyPr/>
+                    <a:lstStyle/>
+                    <a:p>
+                      <a:pPr marL="0" marR="0" indent="0" algn="l" defTabSz="914400" rtl="0" eaLnBrk="1" fontAlgn="auto" latinLnBrk="0" hangingPunct="1">
+                        <a:lnSpc>
+                          <a:spcPct val="100000"/>
+                        </a:lnSpc>
+                        <a:spcBef>
+                          <a:spcPts val="0"/>
+                        </a:spcBef>
+                        <a:spcAft>
+                          <a:spcPts val="0"/>
+                        </a:spcAft>
+                        <a:buClrTx/>
+                        <a:buSzTx/>
+                        <a:buFontTx/>
+                        <a:buNone/>
+                        <a:tabLst/>
+                        <a:defRPr/>
+                      </a:pPr>
+                      <a:r>
+                        <a:rPr lang="de-DE" sz="1800" dirty="0"/>
+                        <a:t>06.16</a:t>
+                      </a:r>
+                      <a:r>
+                        <a:rPr lang="de-DE" sz="1800" baseline="0" dirty="0"/>
+                        <a:t> – 06.23</a:t>
+                      </a:r>
+                      <a:endParaRPr lang="de-DE" sz="1800" dirty="0"/>
+                    </a:p>
+                  </a:txBody>
+                  <a:tcPr/>
+                </a:tc>
+                <a:tc>
+                  <a:txBody>
+                    <a:bodyPr/>
+                    <a:lstStyle/>
+                    <a:p>
+                      <a:pPr lvl="0">
+                        <a:buFont typeface="Arial" pitchFamily="34" charset="0"/>
+                        <a:buChar char="•"/>
+                      </a:pPr>
+                      <a:r>
+                        <a:rPr lang="de-DE" sz="1800" dirty="0"/>
+                        <a:t> </a:t>
+                      </a:r>
+                      <a:r>
+                        <a:rPr lang="en-US" sz="1800" dirty="0"/>
+                        <a:t>Player Model refinement, Rigging, Texturing</a:t>
+                      </a:r>
+                      <a:endParaRPr lang="de-DE" sz="1800" dirty="0"/>
+                    </a:p>
+                  </a:txBody>
+                  <a:tcPr/>
+                </a:tc>
+                <a:extLst>
+                  <a:ext uri="{0D108BD9-81ED-4DB2-BD59-A6C34878D82A}">
+                    <a16:rowId xmlns:a16="http://schemas.microsoft.com/office/drawing/2014/main" val="10003"/>
+                  </a:ext>
+                </a:extLst>
+              </a:tr>
+            </a:tbl>
+          </a:graphicData>
+        </a:graphic>
+      </p:graphicFrame>
+    </p:spTree>
+    <p:extLst>
+      <p:ext uri="{BB962C8B-B14F-4D97-AF65-F5344CB8AC3E}">
+        <p14:creationId xmlns:p14="http://schemas.microsoft.com/office/powerpoint/2010/main" val="4058254611"/>
+      </p:ext>
+    </p:extLst>
+  </p:cSld>
+  <p:clrMapOvr>
+    <a:masterClrMapping/>
+  </p:clrMapOvr>
+</p:sld>
+</file>
+
+<file path=ppt/slides/slide15.xml><?xml version="1.0" encoding="utf-8"?>
+<p:sld xmlns:a="http://schemas.openxmlformats.org/drawingml/2006/main" xmlns:r="http://schemas.openxmlformats.org/officeDocument/2006/relationships" xmlns:p="http://schemas.openxmlformats.org/presentationml/2006/main">
+  <p:cSld>
+    <p:spTree>
+      <p:nvGrpSpPr>
+        <p:cNvPr id="1" name=""/>
+        <p:cNvGrpSpPr/>
+        <p:nvPr/>
+      </p:nvGrpSpPr>
+      <p:grpSpPr>
+        <a:xfrm>
+          <a:off x="0" y="0"/>
+          <a:ext cx="0" cy="0"/>
+          <a:chOff x="0" y="0"/>
+          <a:chExt cx="0" cy="0"/>
+        </a:xfrm>
+      </p:grpSpPr>
+      <p:sp>
+        <p:nvSpPr>
+          <p:cNvPr id="2" name="Titel 1"/>
+          <p:cNvSpPr>
+            <a:spLocks noGrp="1"/>
+          </p:cNvSpPr>
+          <p:nvPr>
+            <p:ph type="title"/>
+          </p:nvPr>
+        </p:nvSpPr>
+        <p:spPr/>
+        <p:txBody>
+          <a:bodyPr/>
+          <a:lstStyle/>
+          <a:p>
+            <a:pPr algn="ctr"/>
+            <a:r>
+              <a:rPr lang="de-DE" dirty="0" err="1">
+                <a:solidFill>
+                  <a:srgbClr val="FF0000"/>
+                </a:solidFill>
+              </a:rPr>
+              <a:t>Exams</a:t>
+            </a:r>
+            <a:endParaRPr lang="de-DE" dirty="0"/>
+          </a:p>
+        </p:txBody>
+      </p:sp>
+      <p:sp>
+        <p:nvSpPr>
+          <p:cNvPr id="3" name="Inhaltsplatzhalter 2"/>
+          <p:cNvSpPr>
+            <a:spLocks noGrp="1"/>
+          </p:cNvSpPr>
+          <p:nvPr>
+            <p:ph idx="1"/>
+          </p:nvPr>
+        </p:nvSpPr>
+        <p:spPr/>
+        <p:txBody>
+          <a:bodyPr>
+            <a:normAutofit/>
+          </a:bodyPr>
+          <a:lstStyle/>
+          <a:p>
+            <a:r>
+              <a:rPr lang="de-DE" sz="2400" dirty="0"/>
+              <a:t>16.07.2016 - 30.07.2016 </a:t>
+            </a:r>
+            <a:r>
+              <a:rPr lang="de-DE" sz="2400" dirty="0" err="1"/>
+              <a:t>and</a:t>
+            </a:r>
+            <a:r>
+              <a:rPr lang="de-DE" sz="2400" dirty="0"/>
+              <a:t> 12.09.2016 - 24.09.2016</a:t>
+            </a:r>
+          </a:p>
+          <a:p>
+            <a:pPr lvl="1"/>
+            <a:r>
+              <a:rPr lang="de-DE" dirty="0" err="1"/>
+              <a:t>Exam</a:t>
+            </a:r>
+            <a:r>
+              <a:rPr lang="de-DE" dirty="0"/>
+              <a:t> </a:t>
+            </a:r>
+            <a:r>
+              <a:rPr lang="de-DE" dirty="0" err="1"/>
+              <a:t>and</a:t>
+            </a:r>
+            <a:r>
+              <a:rPr lang="de-DE" dirty="0"/>
+              <a:t> </a:t>
+            </a:r>
+            <a:r>
+              <a:rPr lang="de-DE" dirty="0" err="1"/>
+              <a:t>preperation</a:t>
+            </a:r>
+            <a:r>
+              <a:rPr lang="de-DE" dirty="0"/>
+              <a:t> 23.06 - 30.07 </a:t>
+            </a:r>
+          </a:p>
+          <a:p>
+            <a:pPr lvl="1"/>
+            <a:r>
+              <a:rPr lang="de-DE" dirty="0"/>
+              <a:t>Sec. </a:t>
+            </a:r>
+            <a:r>
+              <a:rPr lang="de-DE" dirty="0" err="1"/>
+              <a:t>exam</a:t>
+            </a:r>
+            <a:r>
+              <a:rPr lang="de-DE" dirty="0"/>
+              <a:t> </a:t>
+            </a:r>
+            <a:r>
+              <a:rPr lang="de-DE" dirty="0" err="1"/>
+              <a:t>phase</a:t>
+            </a:r>
+            <a:r>
+              <a:rPr lang="de-DE" dirty="0"/>
+              <a:t> -&gt; individual </a:t>
+            </a:r>
+            <a:r>
+              <a:rPr lang="de-DE" dirty="0" err="1"/>
+              <a:t>schedule</a:t>
+            </a:r>
+            <a:endParaRPr lang="de-DE" dirty="0"/>
+          </a:p>
+          <a:p>
+            <a:endParaRPr lang="de-DE" dirty="0"/>
+          </a:p>
+          <a:p>
+            <a:pPr lvl="1"/>
+            <a:endParaRPr lang="de-DE" dirty="0"/>
+          </a:p>
+          <a:p>
+            <a:pPr lvl="1"/>
+            <a:endParaRPr lang="de-DE" sz="2200" dirty="0"/>
+          </a:p>
+          <a:p>
+            <a:endParaRPr lang="de-DE" sz="2400" dirty="0"/>
+          </a:p>
+          <a:p>
+            <a:endParaRPr lang="de-DE" sz="2400" dirty="0"/>
+          </a:p>
+          <a:p>
+            <a:endParaRPr lang="de-DE" dirty="0"/>
+          </a:p>
+        </p:txBody>
+      </p:sp>
+      <p:sp>
+        <p:nvSpPr>
+          <p:cNvPr id="4" name="Foliennummernplatzhalter 3"/>
+          <p:cNvSpPr>
+            <a:spLocks noGrp="1"/>
+          </p:cNvSpPr>
+          <p:nvPr>
+            <p:ph type="sldNum" sz="quarter" idx="12"/>
+          </p:nvPr>
+        </p:nvSpPr>
+        <p:spPr/>
+        <p:txBody>
+          <a:bodyPr/>
+          <a:lstStyle/>
+          <a:p>
+            <a:fld id="{6C6AE60A-B69C-4790-82F7-3882EDF23186}" type="slidenum">
+              <a:rPr lang="de-DE" smtClean="0"/>
+              <a:pPr/>
+              <a:t>15</a:t>
+            </a:fld>
+            <a:endParaRPr lang="de-DE"/>
+          </a:p>
+        </p:txBody>
+      </p:sp>
+    </p:spTree>
+  </p:cSld>
+  <p:clrMapOvr>
+    <a:masterClrMapping/>
+  </p:clrMapOvr>
+</p:sld>
+</file>
+
+<file path=ppt/slides/slide16.xml><?xml version="1.0" encoding="utf-8"?>
+<p:sld xmlns:a="http://schemas.openxmlformats.org/drawingml/2006/main" xmlns:r="http://schemas.openxmlformats.org/officeDocument/2006/relationships" xmlns:p="http://schemas.openxmlformats.org/presentationml/2006/main">
+  <p:cSld>
+    <p:spTree>
+      <p:nvGrpSpPr>
+        <p:cNvPr id="1" name=""/>
+        <p:cNvGrpSpPr/>
+        <p:nvPr/>
+      </p:nvGrpSpPr>
+      <p:grpSpPr>
+        <a:xfrm>
+          <a:off x="0" y="0"/>
+          <a:ext cx="0" cy="0"/>
+          <a:chOff x="0" y="0"/>
+          <a:chExt cx="0" cy="0"/>
+        </a:xfrm>
+      </p:grpSpPr>
+      <p:sp>
+        <p:nvSpPr>
+          <p:cNvPr id="2" name="Titel 1"/>
+          <p:cNvSpPr>
+            <a:spLocks noGrp="1"/>
+          </p:cNvSpPr>
+          <p:nvPr>
+            <p:ph type="title"/>
+          </p:nvPr>
+        </p:nvSpPr>
+        <p:spPr/>
+        <p:txBody>
+          <a:bodyPr>
+            <a:normAutofit/>
+          </a:bodyPr>
+          <a:lstStyle/>
+          <a:p>
+            <a:pPr algn="ctr"/>
+            <a:r>
+              <a:rPr lang="de-DE" dirty="0" err="1">
+                <a:solidFill>
+                  <a:srgbClr val="FF0000"/>
+                </a:solidFill>
+              </a:rPr>
+              <a:t>Milestone</a:t>
+            </a:r>
+            <a:r>
+              <a:rPr lang="de-DE" dirty="0">
                 <a:solidFill>
                   <a:srgbClr val="FF0000"/>
                 </a:solidFill>
               </a:rPr>
               <a:t> 3</a:t>
             </a:r>
-            <a:endParaRPr lang="de-DE" dirty="0">
-              <a:solidFill>
-                <a:srgbClr val="FF0000"/>
-              </a:solidFill>
-            </a:endParaRPr>
           </a:p>
         </p:txBody>
       </p:sp>
@@ -6574,13 +7397,13 @@
           </a:bodyPr>
           <a:lstStyle/>
           <a:p>
-            <a:endParaRPr lang="de-DE" dirty="0" smtClean="0"/>
+            <a:endParaRPr lang="de-DE" dirty="0"/>
           </a:p>
           <a:p>
             <a:pPr>
               <a:buNone/>
             </a:pPr>
-            <a:endParaRPr lang="de-DE" dirty="0" smtClean="0"/>
+            <a:endParaRPr lang="de-DE" dirty="0"/>
           </a:p>
           <a:p>
             <a:endParaRPr lang="de-DE" dirty="0"/>
@@ -6605,7 +7428,7 @@
             <a:fld id="{6C6AE60A-B69C-4790-82F7-3882EDF23186}" type="slidenum">
               <a:rPr lang="de-DE" smtClean="0"/>
               <a:pPr/>
-              <a:t>14</a:t>
+              <a:t>16</a:t>
             </a:fld>
             <a:endParaRPr lang="de-DE"/>
           </a:p>
@@ -6630,8 +7453,20 @@
                 <a:tableStyleId>{5C22544A-7EE6-4342-B048-85BDC9FD1C3A}</a:tableStyleId>
               </a:tblPr>
               <a:tblGrid>
-                <a:gridCol w="1584176"/>
-                <a:gridCol w="6480721"/>
+                <a:gridCol w="1584176">
+                  <a:extLst>
+                    <a:ext uri="{9D8B030D-6E8A-4147-A177-3AD203B41FA5}">
+                      <a16:colId xmlns:a16="http://schemas.microsoft.com/office/drawing/2014/main" val="20000"/>
+                    </a:ext>
+                  </a:extLst>
+                </a:gridCol>
+                <a:gridCol w="6480721">
+                  <a:extLst>
+                    <a:ext uri="{9D8B030D-6E8A-4147-A177-3AD203B41FA5}">
+                      <a16:colId xmlns:a16="http://schemas.microsoft.com/office/drawing/2014/main" val="20001"/>
+                    </a:ext>
+                  </a:extLst>
+                </a:gridCol>
               </a:tblGrid>
               <a:tr h="370840">
                 <a:tc>
@@ -6641,7 +7476,7 @@
                     <a:p>
                       <a:pPr algn="ctr"/>
                       <a:r>
-                        <a:rPr lang="de-DE" sz="1800" dirty="0" err="1" smtClean="0"/>
+                        <a:rPr lang="de-DE" sz="1800" dirty="0" err="1"/>
                         <a:t>Week</a:t>
                       </a:r>
                       <a:endParaRPr lang="de-DE" sz="1800" dirty="0"/>
@@ -6656,11 +7491,11 @@
                     <a:p>
                       <a:pPr algn="ctr"/>
                       <a:r>
-                        <a:rPr lang="de-DE" sz="1800" dirty="0" smtClean="0"/>
+                        <a:rPr lang="de-DE" sz="1800" dirty="0"/>
                         <a:t>Andreas</a:t>
                       </a:r>
                       <a:r>
-                        <a:rPr lang="de-DE" sz="1800" baseline="0" dirty="0" smtClean="0"/>
+                        <a:rPr lang="de-DE" sz="1800" baseline="0" dirty="0"/>
                         <a:t> Dietze</a:t>
                       </a:r>
                       <a:endParaRPr lang="de-DE" sz="1800" dirty="0"/>
@@ -6668,6 +7503,11 @@
                   </a:txBody>
                   <a:tcPr/>
                 </a:tc>
+                <a:extLst>
+                  <a:ext uri="{0D108BD9-81ED-4DB2-BD59-A6C34878D82A}">
+                    <a16:rowId xmlns:a16="http://schemas.microsoft.com/office/drawing/2014/main" val="10000"/>
+                  </a:ext>
+                </a:extLst>
               </a:tr>
               <a:tr h="370840">
                 <a:tc>
@@ -6677,11 +7517,11 @@
                     <a:p>
                       <a:pPr algn="l"/>
                       <a:r>
-                        <a:rPr lang="de-DE" sz="1800" dirty="0" smtClean="0"/>
+                        <a:rPr lang="de-DE" sz="1800" dirty="0"/>
                         <a:t>08.01</a:t>
                       </a:r>
                       <a:r>
-                        <a:rPr lang="de-DE" sz="1800" baseline="0" dirty="0" smtClean="0"/>
+                        <a:rPr lang="de-DE" sz="1800" baseline="0" dirty="0"/>
                         <a:t> – 08.08</a:t>
                       </a:r>
                       <a:endParaRPr lang="de-DE" sz="1800" dirty="0"/>
@@ -6699,14 +7539,14 @@
                         <a:buChar char="•"/>
                       </a:pPr>
                       <a:r>
-                        <a:rPr lang="de-DE" sz="1800" dirty="0" smtClean="0"/>
+                        <a:rPr lang="de-DE" sz="1800" dirty="0"/>
                         <a:t> Fly </a:t>
                       </a:r>
                       <a:r>
-                        <a:rPr lang="de-DE" sz="1800" dirty="0" err="1" smtClean="0"/>
+                        <a:rPr lang="de-DE" sz="1800" dirty="0" err="1"/>
                         <a:t>physics</a:t>
                       </a:r>
-                      <a:endParaRPr lang="de-DE" sz="1800" dirty="0" smtClean="0"/>
+                      <a:endParaRPr lang="de-DE" sz="1800" dirty="0"/>
                     </a:p>
                     <a:p>
                       <a:pPr lvl="0">
@@ -6714,13 +7554,18 @@
                         <a:buChar char="•"/>
                       </a:pPr>
                       <a:r>
-                        <a:rPr lang="de-DE" sz="1800" dirty="0" smtClean="0"/>
+                        <a:rPr lang="de-DE" sz="1800" dirty="0"/>
                         <a:t> User Guide</a:t>
                       </a:r>
                     </a:p>
                   </a:txBody>
                   <a:tcPr/>
                 </a:tc>
+                <a:extLst>
+                  <a:ext uri="{0D108BD9-81ED-4DB2-BD59-A6C34878D82A}">
+                    <a16:rowId xmlns:a16="http://schemas.microsoft.com/office/drawing/2014/main" val="10001"/>
+                  </a:ext>
+                </a:extLst>
               </a:tr>
               <a:tr h="370840">
                 <a:tc>
@@ -6730,25 +7575,24 @@
                     <a:p>
                       <a:pPr algn="l"/>
                       <a:r>
-                        <a:rPr lang="de-DE" sz="1800" dirty="0" smtClean="0"/>
+                        <a:rPr lang="de-DE" sz="1800" dirty="0"/>
                         <a:t>08.08 – 08.16</a:t>
                       </a:r>
                       <a:br>
-                        <a:rPr lang="de-DE" sz="1800" dirty="0" smtClean="0"/>
+                        <a:rPr lang="de-DE" sz="1800" dirty="0"/>
                       </a:br>
                       <a:r>
-                        <a:rPr lang="de-DE" sz="1800" dirty="0" smtClean="0"/>
+                        <a:rPr lang="de-DE" sz="1800" dirty="0"/>
                         <a:t>(</a:t>
                       </a:r>
                       <a:r>
-                        <a:rPr lang="de-DE" sz="1800" dirty="0" err="1" smtClean="0"/>
+                        <a:rPr lang="de-DE" sz="1800" dirty="0" err="1"/>
                         <a:t>less</a:t>
                       </a:r>
                       <a:r>
-                        <a:rPr lang="de-DE" sz="1800" dirty="0" smtClean="0"/>
+                        <a:rPr lang="de-DE" sz="1800" dirty="0"/>
                         <a:t> time)</a:t>
                       </a:r>
-                      <a:endParaRPr lang="de-DE" sz="1800" dirty="0"/>
                     </a:p>
                   </a:txBody>
                   <a:tcPr/>
@@ -6776,22 +7620,22 @@
                         <a:defRPr/>
                       </a:pPr>
                       <a:r>
-                        <a:rPr lang="de-DE" sz="1800" dirty="0" smtClean="0"/>
+                        <a:rPr lang="de-DE" sz="1800" dirty="0"/>
                         <a:t> Client </a:t>
                       </a:r>
                       <a:r>
-                        <a:rPr lang="de-DE" sz="1800" dirty="0" err="1" smtClean="0"/>
+                        <a:rPr lang="de-DE" sz="1800" dirty="0" err="1"/>
                         <a:t>cam</a:t>
                       </a:r>
                       <a:r>
-                        <a:rPr lang="de-DE" sz="1800" dirty="0" smtClean="0"/>
+                        <a:rPr lang="de-DE" sz="1800" dirty="0"/>
                         <a:t> </a:t>
                       </a:r>
                       <a:r>
-                        <a:rPr lang="de-DE" sz="1800" dirty="0" err="1" smtClean="0"/>
+                        <a:rPr lang="de-DE" sz="1800" dirty="0" err="1"/>
                         <a:t>views</a:t>
                       </a:r>
-                      <a:endParaRPr lang="de-DE" sz="1800" dirty="0" smtClean="0"/>
+                      <a:endParaRPr lang="de-DE" sz="1800" dirty="0"/>
                     </a:p>
                     <a:p>
                       <a:pPr marL="0" marR="0" lvl="1" indent="0" algn="l" defTabSz="914400" rtl="0" eaLnBrk="1" fontAlgn="auto" latinLnBrk="0" hangingPunct="1">
@@ -6812,14 +7656,14 @@
                         <a:defRPr/>
                       </a:pPr>
                       <a:r>
-                        <a:rPr lang="de-DE" sz="1800" baseline="0" dirty="0" smtClean="0"/>
+                        <a:rPr lang="de-DE" sz="1800" baseline="0" dirty="0"/>
                         <a:t> Client </a:t>
                       </a:r>
                       <a:r>
-                        <a:rPr lang="de-DE" sz="1800" baseline="0" dirty="0" err="1" smtClean="0"/>
+                        <a:rPr lang="de-DE" sz="1800" baseline="0" dirty="0" err="1"/>
                         <a:t>audio</a:t>
                       </a:r>
-                      <a:endParaRPr lang="de-DE" sz="1800" dirty="0" smtClean="0"/>
+                      <a:endParaRPr lang="de-DE" sz="1800" dirty="0"/>
                     </a:p>
                     <a:p>
                       <a:pPr marL="0" marR="0" lvl="1" indent="0" algn="l" defTabSz="914400" rtl="0" eaLnBrk="1" fontAlgn="auto" latinLnBrk="0" hangingPunct="1">
@@ -6840,30 +7684,35 @@
                         <a:defRPr/>
                       </a:pPr>
                       <a:r>
-                        <a:rPr lang="de-DE" sz="1800" dirty="0" smtClean="0"/>
+                        <a:rPr lang="de-DE" sz="1800" dirty="0"/>
                         <a:t> Client</a:t>
                       </a:r>
                       <a:r>
-                        <a:rPr lang="de-DE" sz="1800" baseline="0" dirty="0" smtClean="0"/>
+                        <a:rPr lang="de-DE" sz="1800" baseline="0" dirty="0"/>
                         <a:t> </a:t>
                       </a:r>
                       <a:r>
-                        <a:rPr lang="de-DE" sz="1800" baseline="0" dirty="0" err="1" smtClean="0"/>
+                        <a:rPr lang="de-DE" sz="1800" baseline="0" dirty="0" err="1"/>
                         <a:t>handling</a:t>
                       </a:r>
                       <a:r>
-                        <a:rPr lang="de-DE" sz="1800" baseline="0" dirty="0" smtClean="0"/>
+                        <a:rPr lang="de-DE" sz="1800" baseline="0" dirty="0"/>
                         <a:t> </a:t>
                       </a:r>
                       <a:r>
-                        <a:rPr lang="de-DE" sz="1800" baseline="0" dirty="0" err="1" smtClean="0"/>
+                        <a:rPr lang="de-DE" sz="1800" baseline="0" dirty="0" err="1"/>
                         <a:t>improvement</a:t>
                       </a:r>
-                      <a:endParaRPr lang="de-DE" sz="1800" baseline="0" dirty="0" smtClean="0"/>
+                      <a:endParaRPr lang="de-DE" sz="1800" baseline="0" dirty="0"/>
                     </a:p>
                   </a:txBody>
                   <a:tcPr/>
                 </a:tc>
+                <a:extLst>
+                  <a:ext uri="{0D108BD9-81ED-4DB2-BD59-A6C34878D82A}">
+                    <a16:rowId xmlns:a16="http://schemas.microsoft.com/office/drawing/2014/main" val="10002"/>
+                  </a:ext>
+                </a:extLst>
               </a:tr>
               <a:tr h="370840">
                 <a:tc>
@@ -6873,10 +7722,9 @@
                     <a:p>
                       <a:pPr algn="l"/>
                       <a:r>
-                        <a:rPr lang="de-DE" sz="1800" dirty="0" smtClean="0"/>
+                        <a:rPr lang="de-DE" sz="1800" dirty="0"/>
                         <a:t>08.16 – 24.08</a:t>
                       </a:r>
-                      <a:endParaRPr lang="de-DE" sz="1800" dirty="0"/>
                     </a:p>
                   </a:txBody>
                   <a:tcPr/>
@@ -6891,19 +7739,19 @@
                         <a:buChar char="•"/>
                       </a:pPr>
                       <a:r>
-                        <a:rPr lang="de-DE" sz="1800" dirty="0" smtClean="0"/>
+                        <a:rPr lang="de-DE" sz="1800" dirty="0"/>
                         <a:t> Client </a:t>
                       </a:r>
                       <a:r>
-                        <a:rPr lang="de-DE" sz="1800" dirty="0" err="1" smtClean="0"/>
+                        <a:rPr lang="de-DE" sz="1800" dirty="0" err="1"/>
                         <a:t>improvement</a:t>
                       </a:r>
                       <a:r>
-                        <a:rPr lang="de-DE" sz="1800" dirty="0" smtClean="0"/>
+                        <a:rPr lang="de-DE" sz="1800" dirty="0"/>
                         <a:t> </a:t>
                       </a:r>
                       <a:r>
-                        <a:rPr lang="de-DE" sz="1800" dirty="0" err="1" smtClean="0"/>
+                        <a:rPr lang="de-DE" sz="1800" dirty="0" err="1"/>
                         <a:t>buffer</a:t>
                       </a:r>
                       <a:endParaRPr lang="de-DE" sz="1800" dirty="0"/>
@@ -6911,6 +7759,11 @@
                   </a:txBody>
                   <a:tcPr/>
                 </a:tc>
+                <a:extLst>
+                  <a:ext uri="{0D108BD9-81ED-4DB2-BD59-A6C34878D82A}">
+                    <a16:rowId xmlns:a16="http://schemas.microsoft.com/office/drawing/2014/main" val="10003"/>
+                  </a:ext>
+                </a:extLst>
               </a:tr>
               <a:tr h="370840">
                 <a:tc>
@@ -6920,10 +7773,9 @@
                     <a:p>
                       <a:pPr algn="l"/>
                       <a:r>
-                        <a:rPr lang="de-DE" sz="1800" dirty="0" smtClean="0"/>
+                        <a:rPr lang="de-DE" sz="1800" dirty="0"/>
                         <a:t>08.24 – 09.14</a:t>
                       </a:r>
-                      <a:endParaRPr lang="de-DE" sz="1800" dirty="0"/>
                     </a:p>
                   </a:txBody>
                   <a:tcPr/>
@@ -6938,63 +7790,63 @@
                         <a:buChar char="•"/>
                       </a:pPr>
                       <a:r>
-                        <a:rPr lang="de-DE" sz="1800" dirty="0" smtClean="0"/>
+                        <a:rPr lang="de-DE" sz="1800" dirty="0"/>
                         <a:t> </a:t>
                       </a:r>
                       <a:r>
-                        <a:rPr lang="de-DE" sz="1800" dirty="0" err="1" smtClean="0"/>
+                        <a:rPr lang="de-DE" sz="1800" dirty="0" err="1"/>
                         <a:t>Buffer</a:t>
                       </a:r>
                       <a:r>
-                        <a:rPr lang="de-DE" sz="1800" baseline="0" dirty="0" smtClean="0"/>
+                        <a:rPr lang="de-DE" sz="1800" baseline="0" dirty="0"/>
                         <a:t> </a:t>
                       </a:r>
                       <a:r>
-                        <a:rPr lang="de-DE" sz="1800" baseline="0" dirty="0" err="1" smtClean="0"/>
+                        <a:rPr lang="de-DE" sz="1800" baseline="0" dirty="0" err="1"/>
                         <a:t>until</a:t>
                       </a:r>
                       <a:r>
-                        <a:rPr lang="de-DE" sz="1800" baseline="0" dirty="0" smtClean="0"/>
+                        <a:rPr lang="de-DE" sz="1800" baseline="0" dirty="0"/>
                         <a:t> </a:t>
                       </a:r>
                       <a:r>
-                        <a:rPr lang="de-DE" sz="1800" baseline="0" dirty="0" err="1" smtClean="0"/>
+                        <a:rPr lang="de-DE" sz="1800" baseline="0" dirty="0" err="1"/>
                         <a:t>project</a:t>
                       </a:r>
                       <a:r>
-                        <a:rPr lang="de-DE" sz="1800" baseline="0" dirty="0" smtClean="0"/>
+                        <a:rPr lang="de-DE" sz="1800" baseline="0" dirty="0"/>
                         <a:t> end (Fly </a:t>
                       </a:r>
                       <a:r>
-                        <a:rPr lang="de-DE" sz="1800" baseline="0" dirty="0" err="1" smtClean="0"/>
+                        <a:rPr lang="de-DE" sz="1800" baseline="0" dirty="0" err="1"/>
                         <a:t>physics</a:t>
                       </a:r>
                       <a:r>
-                        <a:rPr lang="de-DE" sz="1800" baseline="0" dirty="0" smtClean="0"/>
+                        <a:rPr lang="de-DE" sz="1800" baseline="0" dirty="0"/>
                         <a:t>, </a:t>
                       </a:r>
                       <a:r>
-                        <a:rPr lang="de-DE" sz="1800" baseline="0" dirty="0" err="1" smtClean="0"/>
+                        <a:rPr lang="de-DE" sz="1800" baseline="0" dirty="0" err="1"/>
                         <a:t>game</a:t>
                       </a:r>
                       <a:r>
-                        <a:rPr lang="de-DE" sz="1800" baseline="0" dirty="0" smtClean="0"/>
+                        <a:rPr lang="de-DE" sz="1800" baseline="0" dirty="0"/>
                         <a:t> </a:t>
                       </a:r>
                       <a:r>
-                        <a:rPr lang="de-DE" sz="1800" baseline="0" dirty="0" err="1" smtClean="0"/>
+                        <a:rPr lang="de-DE" sz="1800" baseline="0" dirty="0" err="1"/>
                         <a:t>locigs</a:t>
                       </a:r>
                       <a:r>
-                        <a:rPr lang="de-DE" sz="1800" baseline="0" dirty="0" smtClean="0"/>
+                        <a:rPr lang="de-DE" sz="1800" baseline="0" dirty="0"/>
                         <a:t>, </a:t>
                       </a:r>
                       <a:r>
-                        <a:rPr lang="de-DE" sz="1800" baseline="0" dirty="0" err="1" smtClean="0"/>
+                        <a:rPr lang="de-DE" sz="1800" baseline="0" dirty="0" err="1"/>
                         <a:t>assistant</a:t>
                       </a:r>
                       <a:r>
-                        <a:rPr lang="de-DE" sz="1800" baseline="0" dirty="0" smtClean="0"/>
+                        <a:rPr lang="de-DE" sz="1800" baseline="0" dirty="0"/>
                         <a:t>)</a:t>
                       </a:r>
                       <a:endParaRPr lang="de-DE" sz="1800" dirty="0"/>
@@ -7002,6 +7854,11 @@
                   </a:txBody>
                   <a:tcPr/>
                 </a:tc>
+                <a:extLst>
+                  <a:ext uri="{0D108BD9-81ED-4DB2-BD59-A6C34878D82A}">
+                    <a16:rowId xmlns:a16="http://schemas.microsoft.com/office/drawing/2014/main" val="10004"/>
+                  </a:ext>
+                </a:extLst>
               </a:tr>
             </a:tbl>
           </a:graphicData>
@@ -7012,515 +7869,6 @@
   <p:clrMapOvr>
     <a:masterClrMapping/>
   </p:clrMapOvr>
-  <p:timing>
-    <p:tnLst>
-      <p:par>
-        <p:cTn id="1" dur="indefinite" restart="never" nodeType="tmRoot"/>
-      </p:par>
-    </p:tnLst>
-  </p:timing>
-</p:sld>
-</file>
-
-<file path=ppt/slides/slide15.xml><?xml version="1.0" encoding="utf-8"?>
-<p:sld xmlns:a="http://schemas.openxmlformats.org/drawingml/2006/main" xmlns:r="http://schemas.openxmlformats.org/officeDocument/2006/relationships" xmlns:p="http://schemas.openxmlformats.org/presentationml/2006/main">
-  <p:cSld>
-    <p:spTree>
-      <p:nvGrpSpPr>
-        <p:cNvPr id="1" name=""/>
-        <p:cNvGrpSpPr/>
-        <p:nvPr/>
-      </p:nvGrpSpPr>
-      <p:grpSpPr>
-        <a:xfrm>
-          <a:off x="0" y="0"/>
-          <a:ext cx="0" cy="0"/>
-          <a:chOff x="0" y="0"/>
-          <a:chExt cx="0" cy="0"/>
-        </a:xfrm>
-      </p:grpSpPr>
-      <p:sp>
-        <p:nvSpPr>
-          <p:cNvPr id="2" name="Titel 1"/>
-          <p:cNvSpPr>
-            <a:spLocks noGrp="1"/>
-          </p:cNvSpPr>
-          <p:nvPr>
-            <p:ph type="title"/>
-          </p:nvPr>
-        </p:nvSpPr>
-        <p:spPr/>
-        <p:txBody>
-          <a:bodyPr>
-            <a:normAutofit/>
-          </a:bodyPr>
-          <a:lstStyle/>
-          <a:p>
-            <a:pPr algn="ctr"/>
-            <a:r>
-              <a:rPr lang="de-DE" dirty="0" err="1" smtClean="0"/>
-              <a:t>Risks</a:t>
-            </a:r>
-            <a:endParaRPr lang="de-DE" dirty="0"/>
-          </a:p>
-        </p:txBody>
-      </p:sp>
-      <p:sp>
-        <p:nvSpPr>
-          <p:cNvPr id="9" name="Inhaltsplatzhalter 8"/>
-          <p:cNvSpPr>
-            <a:spLocks noGrp="1"/>
-          </p:cNvSpPr>
-          <p:nvPr>
-            <p:ph sz="half" idx="1"/>
-          </p:nvPr>
-        </p:nvSpPr>
-        <p:spPr/>
-        <p:txBody>
-          <a:bodyPr>
-            <a:normAutofit/>
-          </a:bodyPr>
-          <a:lstStyle/>
-          <a:p>
-            <a:r>
-              <a:rPr lang="de-DE" sz="2400" dirty="0" smtClean="0"/>
-              <a:t>Fly </a:t>
-            </a:r>
-            <a:r>
-              <a:rPr lang="de-DE" sz="2400" dirty="0" err="1" smtClean="0"/>
-              <a:t>physics</a:t>
-            </a:r>
-            <a:endParaRPr lang="de-DE" sz="2400" dirty="0" smtClean="0"/>
-          </a:p>
-          <a:p>
-            <a:pPr lvl="1">
-              <a:buNone/>
-            </a:pPr>
-            <a:endParaRPr lang="de-DE" dirty="0" smtClean="0"/>
-          </a:p>
-          <a:p>
-            <a:r>
-              <a:rPr lang="de-DE" sz="2400" dirty="0" smtClean="0"/>
-              <a:t>Arm </a:t>
-            </a:r>
-            <a:r>
-              <a:rPr lang="de-DE" sz="2400" dirty="0" err="1" smtClean="0"/>
-              <a:t>network</a:t>
-            </a:r>
-            <a:r>
-              <a:rPr lang="de-DE" sz="2400" dirty="0" smtClean="0"/>
-              <a:t> </a:t>
-            </a:r>
-            <a:r>
-              <a:rPr lang="de-DE" sz="2400" dirty="0" err="1" smtClean="0"/>
-              <a:t>transmission</a:t>
-            </a:r>
-            <a:endParaRPr lang="de-DE" sz="2400" dirty="0" smtClean="0"/>
-          </a:p>
-          <a:p>
-            <a:pPr>
-              <a:buNone/>
-            </a:pPr>
-            <a:endParaRPr lang="de-DE" sz="2400" dirty="0" smtClean="0"/>
-          </a:p>
-          <a:p>
-            <a:r>
-              <a:rPr lang="de-DE" sz="2400" dirty="0" smtClean="0"/>
-              <a:t>Post-</a:t>
-            </a:r>
-            <a:r>
-              <a:rPr lang="de-DE" sz="2400" dirty="0" err="1" smtClean="0"/>
-              <a:t>effects</a:t>
-            </a:r>
-            <a:r>
-              <a:rPr lang="de-DE" sz="2400" dirty="0" smtClean="0"/>
-              <a:t> (</a:t>
-            </a:r>
-            <a:r>
-              <a:rPr lang="de-DE" sz="2400" dirty="0" err="1" smtClean="0"/>
-              <a:t>scattering</a:t>
-            </a:r>
-            <a:r>
-              <a:rPr lang="de-DE" sz="2400" dirty="0" smtClean="0"/>
-              <a:t>, </a:t>
-            </a:r>
-            <a:r>
-              <a:rPr lang="de-DE" sz="2400" dirty="0" err="1" smtClean="0"/>
-              <a:t>ambient</a:t>
-            </a:r>
-            <a:r>
-              <a:rPr lang="de-DE" sz="2400" dirty="0" smtClean="0"/>
-              <a:t> </a:t>
-            </a:r>
-            <a:r>
-              <a:rPr lang="de-DE" sz="2400" dirty="0" err="1" smtClean="0"/>
-              <a:t>occlusion</a:t>
-            </a:r>
-            <a:r>
-              <a:rPr lang="de-DE" sz="2400" dirty="0" smtClean="0"/>
-              <a:t>)</a:t>
-            </a:r>
-          </a:p>
-          <a:p>
-            <a:pPr>
-              <a:buNone/>
-            </a:pPr>
-            <a:endParaRPr lang="de-DE" dirty="0" smtClean="0"/>
-          </a:p>
-          <a:p>
-            <a:pPr>
-              <a:buNone/>
-            </a:pPr>
-            <a:endParaRPr lang="de-DE" dirty="0" smtClean="0"/>
-          </a:p>
-          <a:p>
-            <a:pPr>
-              <a:buNone/>
-            </a:pPr>
-            <a:endParaRPr lang="de-DE" dirty="0" smtClean="0"/>
-          </a:p>
-          <a:p>
-            <a:pPr>
-              <a:buNone/>
-            </a:pPr>
-            <a:endParaRPr lang="de-DE" dirty="0" smtClean="0"/>
-          </a:p>
-          <a:p>
-            <a:endParaRPr lang="de-DE" dirty="0"/>
-          </a:p>
-        </p:txBody>
-      </p:sp>
-      <p:sp>
-        <p:nvSpPr>
-          <p:cNvPr id="7" name="Inhaltsplatzhalter 6"/>
-          <p:cNvSpPr>
-            <a:spLocks noGrp="1"/>
-          </p:cNvSpPr>
-          <p:nvPr>
-            <p:ph sz="half" idx="2"/>
-          </p:nvPr>
-        </p:nvSpPr>
-        <p:spPr/>
-        <p:txBody>
-          <a:bodyPr>
-            <a:normAutofit/>
-          </a:bodyPr>
-          <a:lstStyle/>
-          <a:p>
-            <a:r>
-              <a:rPr lang="de-DE" sz="2400" dirty="0" err="1" smtClean="0"/>
-              <a:t>Menues</a:t>
-            </a:r>
-            <a:r>
-              <a:rPr lang="de-DE" sz="2400" dirty="0" smtClean="0"/>
-              <a:t> </a:t>
-            </a:r>
-            <a:r>
-              <a:rPr lang="de-DE" sz="2400" dirty="0" smtClean="0"/>
-              <a:t>(</a:t>
-            </a:r>
-            <a:r>
-              <a:rPr lang="de-DE" sz="2400" dirty="0" err="1" smtClean="0"/>
-              <a:t>Oculus</a:t>
-            </a:r>
-            <a:r>
-              <a:rPr lang="de-DE" sz="2400" dirty="0" smtClean="0"/>
-              <a:t>)</a:t>
-            </a:r>
-          </a:p>
-          <a:p>
-            <a:endParaRPr lang="de-DE" sz="2400" dirty="0" smtClean="0"/>
-          </a:p>
-          <a:p>
-            <a:r>
-              <a:rPr lang="de-DE" sz="2400" dirty="0" err="1" smtClean="0"/>
-              <a:t>Guesture</a:t>
-            </a:r>
-            <a:r>
-              <a:rPr lang="de-DE" sz="2400" dirty="0" smtClean="0"/>
-              <a:t> </a:t>
-            </a:r>
-            <a:r>
-              <a:rPr lang="de-DE" sz="2400" dirty="0" err="1" smtClean="0"/>
-              <a:t>control</a:t>
-            </a:r>
-            <a:endParaRPr lang="de-DE" sz="2400" dirty="0" smtClean="0"/>
-          </a:p>
-          <a:p>
-            <a:pPr>
-              <a:buNone/>
-            </a:pPr>
-            <a:endParaRPr lang="de-DE" sz="2400" dirty="0" smtClean="0"/>
-          </a:p>
-          <a:p>
-            <a:r>
-              <a:rPr lang="de-DE" sz="2400" dirty="0" err="1" smtClean="0"/>
-              <a:t>Suitable</a:t>
-            </a:r>
-            <a:r>
-              <a:rPr lang="de-DE" sz="2400" dirty="0" smtClean="0"/>
-              <a:t> </a:t>
-            </a:r>
-            <a:r>
-              <a:rPr lang="de-DE" sz="2400" dirty="0" err="1" smtClean="0"/>
-              <a:t>for</a:t>
-            </a:r>
-            <a:r>
-              <a:rPr lang="de-DE" sz="2400" dirty="0" smtClean="0"/>
-              <a:t> HS-</a:t>
-            </a:r>
-            <a:r>
-              <a:rPr lang="de-DE" sz="2400" dirty="0" err="1" smtClean="0"/>
-              <a:t>Lan</a:t>
-            </a:r>
-            <a:r>
-              <a:rPr lang="de-DE" sz="2400" dirty="0" smtClean="0"/>
-              <a:t> </a:t>
-            </a:r>
-            <a:r>
-              <a:rPr lang="de-DE" sz="2400" dirty="0" err="1" smtClean="0"/>
-              <a:t>and</a:t>
-            </a:r>
-            <a:r>
-              <a:rPr lang="de-DE" sz="2400" dirty="0" smtClean="0"/>
-              <a:t> Open-Lab</a:t>
-            </a:r>
-          </a:p>
-          <a:p>
-            <a:pPr>
-              <a:buNone/>
-            </a:pPr>
-            <a:endParaRPr lang="de-DE" sz="2400" dirty="0" smtClean="0"/>
-          </a:p>
-        </p:txBody>
-      </p:sp>
-      <p:sp>
-        <p:nvSpPr>
-          <p:cNvPr id="11" name="Foliennummernplatzhalter 10"/>
-          <p:cNvSpPr>
-            <a:spLocks noGrp="1"/>
-          </p:cNvSpPr>
-          <p:nvPr>
-            <p:ph type="sldNum" sz="quarter" idx="12"/>
-          </p:nvPr>
-        </p:nvSpPr>
-        <p:spPr/>
-        <p:txBody>
-          <a:bodyPr/>
-          <a:lstStyle/>
-          <a:p>
-            <a:fld id="{6C6AE60A-B69C-4790-82F7-3882EDF23186}" type="slidenum">
-              <a:rPr lang="de-DE" smtClean="0"/>
-              <a:pPr/>
-              <a:t>15</a:t>
-            </a:fld>
-            <a:endParaRPr lang="de-DE"/>
-          </a:p>
-        </p:txBody>
-      </p:sp>
-    </p:spTree>
-  </p:cSld>
-  <p:clrMapOvr>
-    <a:masterClrMapping/>
-  </p:clrMapOvr>
-  <p:timing>
-    <p:tnLst>
-      <p:par>
-        <p:cTn id="1" dur="indefinite" restart="never" nodeType="tmRoot"/>
-      </p:par>
-    </p:tnLst>
-  </p:timing>
-</p:sld>
-</file>
-
-<file path=ppt/slides/slide16.xml><?xml version="1.0" encoding="utf-8"?>
-<p:sld xmlns:a="http://schemas.openxmlformats.org/drawingml/2006/main" xmlns:r="http://schemas.openxmlformats.org/officeDocument/2006/relationships" xmlns:p="http://schemas.openxmlformats.org/presentationml/2006/main">
-  <p:cSld>
-    <p:spTree>
-      <p:nvGrpSpPr>
-        <p:cNvPr id="1" name=""/>
-        <p:cNvGrpSpPr/>
-        <p:nvPr/>
-      </p:nvGrpSpPr>
-      <p:grpSpPr>
-        <a:xfrm>
-          <a:off x="0" y="0"/>
-          <a:ext cx="0" cy="0"/>
-          <a:chOff x="0" y="0"/>
-          <a:chExt cx="0" cy="0"/>
-        </a:xfrm>
-      </p:grpSpPr>
-      <p:sp>
-        <p:nvSpPr>
-          <p:cNvPr id="2" name="Titel 1"/>
-          <p:cNvSpPr>
-            <a:spLocks noGrp="1"/>
-          </p:cNvSpPr>
-          <p:nvPr>
-            <p:ph type="title"/>
-          </p:nvPr>
-        </p:nvSpPr>
-        <p:spPr/>
-        <p:txBody>
-          <a:bodyPr>
-            <a:normAutofit/>
-          </a:bodyPr>
-          <a:lstStyle/>
-          <a:p>
-            <a:pPr algn="ctr"/>
-            <a:r>
-              <a:rPr lang="de-DE" dirty="0" err="1" smtClean="0"/>
-              <a:t>Github</a:t>
-            </a:r>
-            <a:r>
-              <a:rPr lang="de-DE" dirty="0" smtClean="0"/>
-              <a:t> Version </a:t>
-            </a:r>
-            <a:r>
-              <a:rPr lang="de-DE" dirty="0" err="1" smtClean="0"/>
-              <a:t>Control</a:t>
-            </a:r>
-            <a:endParaRPr lang="de-DE" dirty="0"/>
-          </a:p>
-        </p:txBody>
-      </p:sp>
-      <p:sp>
-        <p:nvSpPr>
-          <p:cNvPr id="9" name="Inhaltsplatzhalter 8"/>
-          <p:cNvSpPr>
-            <a:spLocks noGrp="1"/>
-          </p:cNvSpPr>
-          <p:nvPr>
-            <p:ph sz="half" idx="1"/>
-          </p:nvPr>
-        </p:nvSpPr>
-        <p:spPr>
-          <a:xfrm>
-            <a:off x="457200" y="1600071"/>
-            <a:ext cx="8219256" cy="3695700"/>
-          </a:xfrm>
-        </p:spPr>
-        <p:txBody>
-          <a:bodyPr>
-            <a:normAutofit/>
-          </a:bodyPr>
-          <a:lstStyle/>
-          <a:p>
-            <a:endParaRPr lang="de-DE" dirty="0" smtClean="0">
-              <a:hlinkClick r:id="rId2"/>
-            </a:endParaRPr>
-          </a:p>
-          <a:p>
-            <a:r>
-              <a:rPr lang="de-DE" dirty="0" smtClean="0"/>
-              <a:t>Old </a:t>
-            </a:r>
-            <a:r>
-              <a:rPr lang="de-DE" dirty="0" err="1" smtClean="0"/>
-              <a:t>project</a:t>
-            </a:r>
-            <a:r>
-              <a:rPr lang="de-DE" dirty="0" smtClean="0"/>
-              <a:t> </a:t>
-            </a:r>
-            <a:r>
-              <a:rPr lang="de-DE" dirty="0" err="1" smtClean="0"/>
-              <a:t>source</a:t>
-            </a:r>
-            <a:endParaRPr lang="de-DE" dirty="0" smtClean="0">
-              <a:hlinkClick r:id="rId2"/>
-            </a:endParaRPr>
-          </a:p>
-          <a:p>
-            <a:pPr algn="ctr">
-              <a:buNone/>
-            </a:pPr>
-            <a:r>
-              <a:rPr lang="de-DE" dirty="0" smtClean="0">
-                <a:hlinkClick r:id="rId3"/>
-              </a:rPr>
-              <a:t>https://github.com/andreasdietze/Rift-Wingsuit.git</a:t>
-            </a:r>
-            <a:endParaRPr lang="de-DE" dirty="0" smtClean="0"/>
-          </a:p>
-          <a:p>
-            <a:pPr algn="ctr">
-              <a:buNone/>
-            </a:pPr>
-            <a:endParaRPr lang="de-DE" dirty="0" smtClean="0"/>
-          </a:p>
-          <a:p>
-            <a:r>
-              <a:rPr lang="de-DE" dirty="0" smtClean="0"/>
-              <a:t>New </a:t>
-            </a:r>
-            <a:r>
-              <a:rPr lang="de-DE" dirty="0" err="1" smtClean="0"/>
-              <a:t>project</a:t>
-            </a:r>
-            <a:r>
-              <a:rPr lang="de-DE" dirty="0" smtClean="0"/>
-              <a:t> </a:t>
-            </a:r>
-            <a:r>
-              <a:rPr lang="de-DE" dirty="0" err="1" smtClean="0"/>
-              <a:t>source</a:t>
-            </a:r>
-            <a:endParaRPr lang="de-DE" dirty="0" smtClean="0"/>
-          </a:p>
-          <a:p>
-            <a:pPr algn="ctr">
-              <a:buNone/>
-            </a:pPr>
-            <a:r>
-              <a:rPr lang="de-DE" dirty="0" smtClean="0">
-                <a:hlinkClick r:id="rId4"/>
-              </a:rPr>
-              <a:t>https://github.com/andreasdietze/Rift-WingsuitV2.git</a:t>
-            </a:r>
-            <a:endParaRPr lang="de-DE" dirty="0" smtClean="0"/>
-          </a:p>
-          <a:p>
-            <a:endParaRPr lang="de-DE" dirty="0"/>
-          </a:p>
-        </p:txBody>
-      </p:sp>
-      <p:sp>
-        <p:nvSpPr>
-          <p:cNvPr id="11" name="Foliennummernplatzhalter 10"/>
-          <p:cNvSpPr>
-            <a:spLocks noGrp="1"/>
-          </p:cNvSpPr>
-          <p:nvPr>
-            <p:ph type="sldNum" sz="quarter" idx="12"/>
-          </p:nvPr>
-        </p:nvSpPr>
-        <p:spPr/>
-        <p:txBody>
-          <a:bodyPr/>
-          <a:lstStyle/>
-          <a:p>
-            <a:fld id="{6C6AE60A-B69C-4790-82F7-3882EDF23186}" type="slidenum">
-              <a:rPr lang="de-DE" smtClean="0"/>
-              <a:pPr/>
-              <a:t>16</a:t>
-            </a:fld>
-            <a:endParaRPr lang="de-DE"/>
-          </a:p>
-        </p:txBody>
-      </p:sp>
-    </p:spTree>
-  </p:cSld>
-  <p:clrMapOvr>
-    <a:masterClrMapping/>
-  </p:clrMapOvr>
-  <p:timing>
-    <p:tnLst>
-      <p:par>
-        <p:cTn id="1" dur="indefinite" restart="never" nodeType="tmRoot"/>
-      </p:par>
-    </p:tnLst>
-  </p:timing>
 </p:sld>
 </file>
 
@@ -7543,72 +7891,74 @@
       </p:grpSpPr>
       <p:sp>
         <p:nvSpPr>
-          <p:cNvPr id="6" name="Titel 5"/>
-          <p:cNvSpPr>
-            <a:spLocks noGrp="1"/>
-          </p:cNvSpPr>
-          <p:nvPr>
-            <p:ph type="ctrTitle"/>
-          </p:nvPr>
-        </p:nvSpPr>
-        <p:spPr>
-          <a:xfrm>
-            <a:off x="611560" y="1777380"/>
-            <a:ext cx="7851648" cy="1524000"/>
-          </a:xfrm>
-        </p:spPr>
+          <p:cNvPr id="2" name="Titel 1"/>
+          <p:cNvSpPr>
+            <a:spLocks noGrp="1"/>
+          </p:cNvSpPr>
+          <p:nvPr>
+            <p:ph type="title"/>
+          </p:nvPr>
+        </p:nvSpPr>
+        <p:spPr/>
         <p:txBody>
           <a:bodyPr>
-            <a:normAutofit fontScale="90000"/>
+            <a:normAutofit/>
           </a:bodyPr>
           <a:lstStyle/>
           <a:p>
             <a:pPr algn="ctr"/>
             <a:r>
-              <a:rPr lang="de-DE" dirty="0" err="1" smtClean="0"/>
-              <a:t>Thanks</a:t>
-            </a:r>
-            <a:r>
-              <a:rPr lang="de-DE" dirty="0" smtClean="0"/>
-              <a:t> </a:t>
-            </a:r>
-            <a:r>
-              <a:rPr lang="de-DE" dirty="0" err="1" smtClean="0"/>
-              <a:t>for</a:t>
-            </a:r>
-            <a:r>
-              <a:rPr lang="de-DE" dirty="0" smtClean="0"/>
-              <a:t> </a:t>
-            </a:r>
-            <a:r>
-              <a:rPr lang="de-DE" dirty="0" err="1" smtClean="0"/>
-              <a:t>your</a:t>
-            </a:r>
-            <a:r>
-              <a:rPr lang="de-DE" dirty="0" smtClean="0"/>
-              <a:t> </a:t>
-            </a:r>
-            <a:r>
-              <a:rPr lang="de-DE" dirty="0" err="1" smtClean="0"/>
-              <a:t>attention</a:t>
-            </a:r>
-            <a:r>
-              <a:rPr lang="de-DE" dirty="0" smtClean="0"/>
-              <a:t> </a:t>
-            </a:r>
-            <a:r>
-              <a:rPr lang="de-DE" dirty="0" smtClean="0">
-                <a:sym typeface="Wingdings" pitchFamily="2" charset="2"/>
+              <a:rPr lang="de-DE" dirty="0" err="1">
+                <a:solidFill>
+                  <a:srgbClr val="FF0000"/>
+                </a:solidFill>
               </a:rPr>
-              <a:t></a:t>
-            </a:r>
+              <a:t>Milestone</a:t>
+            </a:r>
+            <a:r>
+              <a:rPr lang="de-DE" dirty="0">
+                <a:solidFill>
+                  <a:srgbClr val="FF0000"/>
+                </a:solidFill>
+              </a:rPr>
+              <a:t> 3</a:t>
+            </a:r>
+          </a:p>
+        </p:txBody>
+      </p:sp>
+      <p:sp>
+        <p:nvSpPr>
+          <p:cNvPr id="9" name="Inhaltsplatzhalter 8"/>
+          <p:cNvSpPr>
+            <a:spLocks noGrp="1"/>
+          </p:cNvSpPr>
+          <p:nvPr>
+            <p:ph idx="1"/>
+          </p:nvPr>
+        </p:nvSpPr>
+        <p:spPr/>
+        <p:txBody>
+          <a:bodyPr>
+            <a:normAutofit/>
+          </a:bodyPr>
+          <a:lstStyle/>
+          <a:p>
             <a:endParaRPr lang="de-DE" dirty="0"/>
           </a:p>
-        </p:txBody>
-      </p:sp>
-      <p:sp>
-        <p:nvSpPr>
-          <p:cNvPr id="5" name="Foliennummernplatzhalter 4"/>
+          <a:p>
+            <a:pPr>
+              <a:buNone/>
+            </a:pPr>
+            <a:endParaRPr lang="de-DE" dirty="0"/>
+          </a:p>
+          <a:p>
+            <a:endParaRPr lang="de-DE" dirty="0"/>
+          </a:p>
+        </p:txBody>
+      </p:sp>
+      <p:sp>
+        <p:nvSpPr>
+          <p:cNvPr id="11" name="Foliennummernplatzhalter 10"/>
           <p:cNvSpPr>
             <a:spLocks noGrp="1"/>
           </p:cNvSpPr>
@@ -7630,18 +7980,977 @@
           </a:p>
         </p:txBody>
       </p:sp>
+      <p:graphicFrame>
+        <p:nvGraphicFramePr>
+          <p:cNvPr id="8" name="Tabelle 7"/>
+          <p:cNvGraphicFramePr>
+            <a:graphicFrameLocks noGrp="1"/>
+          </p:cNvGraphicFramePr>
+          <p:nvPr>
+            <p:extLst>
+              <p:ext uri="{D42A27DB-BD31-4B8C-83A1-F6EECF244321}">
+                <p14:modId xmlns:p14="http://schemas.microsoft.com/office/powerpoint/2010/main" val="1031210796"/>
+              </p:ext>
+            </p:extLst>
+          </p:nvPr>
+        </p:nvGraphicFramePr>
+        <p:xfrm>
+          <a:off x="539552" y="1849388"/>
+          <a:ext cx="8064897" cy="2392680"/>
+        </p:xfrm>
+        <a:graphic>
+          <a:graphicData uri="http://schemas.openxmlformats.org/drawingml/2006/table">
+            <a:tbl>
+              <a:tblPr firstRow="1" bandRow="1">
+                <a:tableStyleId>{5C22544A-7EE6-4342-B048-85BDC9FD1C3A}</a:tableStyleId>
+              </a:tblPr>
+              <a:tblGrid>
+                <a:gridCol w="1584176">
+                  <a:extLst>
+                    <a:ext uri="{9D8B030D-6E8A-4147-A177-3AD203B41FA5}">
+                      <a16:colId xmlns:a16="http://schemas.microsoft.com/office/drawing/2014/main" val="20000"/>
+                    </a:ext>
+                  </a:extLst>
+                </a:gridCol>
+                <a:gridCol w="6480721">
+                  <a:extLst>
+                    <a:ext uri="{9D8B030D-6E8A-4147-A177-3AD203B41FA5}">
+                      <a16:colId xmlns:a16="http://schemas.microsoft.com/office/drawing/2014/main" val="20001"/>
+                    </a:ext>
+                  </a:extLst>
+                </a:gridCol>
+              </a:tblGrid>
+              <a:tr h="370840">
+                <a:tc>
+                  <a:txBody>
+                    <a:bodyPr/>
+                    <a:lstStyle/>
+                    <a:p>
+                      <a:pPr algn="ctr"/>
+                      <a:r>
+                        <a:rPr lang="de-DE" sz="1800" dirty="0" err="1"/>
+                        <a:t>Week</a:t>
+                      </a:r>
+                      <a:endParaRPr lang="de-DE" sz="1800" dirty="0"/>
+                    </a:p>
+                  </a:txBody>
+                  <a:tcPr/>
+                </a:tc>
+                <a:tc>
+                  <a:txBody>
+                    <a:bodyPr/>
+                    <a:lstStyle/>
+                    <a:p>
+                      <a:pPr algn="ctr"/>
+                      <a:r>
+                        <a:rPr lang="de-DE" sz="1800" dirty="0"/>
+                        <a:t>Jonas Kleinkauf</a:t>
+                      </a:r>
+                    </a:p>
+                  </a:txBody>
+                  <a:tcPr/>
+                </a:tc>
+                <a:extLst>
+                  <a:ext uri="{0D108BD9-81ED-4DB2-BD59-A6C34878D82A}">
+                    <a16:rowId xmlns:a16="http://schemas.microsoft.com/office/drawing/2014/main" val="10000"/>
+                  </a:ext>
+                </a:extLst>
+              </a:tr>
+              <a:tr h="370840">
+                <a:tc>
+                  <a:txBody>
+                    <a:bodyPr/>
+                    <a:lstStyle/>
+                    <a:p>
+                      <a:pPr algn="l"/>
+                      <a:r>
+                        <a:rPr lang="de-DE" sz="1800" dirty="0"/>
+                        <a:t>08.01</a:t>
+                      </a:r>
+                      <a:r>
+                        <a:rPr lang="de-DE" sz="1800" baseline="0" dirty="0"/>
+                        <a:t> – 08.08</a:t>
+                      </a:r>
+                      <a:endParaRPr lang="de-DE" sz="1800" dirty="0"/>
+                    </a:p>
+                  </a:txBody>
+                  <a:tcPr/>
+                </a:tc>
+                <a:tc>
+                  <a:txBody>
+                    <a:bodyPr/>
+                    <a:lstStyle/>
+                    <a:p>
+                      <a:pPr lvl="0">
+                        <a:buFont typeface="Arial" pitchFamily="34" charset="0"/>
+                        <a:buChar char="•"/>
+                      </a:pPr>
+                      <a:r>
+                        <a:rPr lang="de-DE" sz="1800" dirty="0"/>
+                        <a:t> </a:t>
+                      </a:r>
+                      <a:r>
+                        <a:rPr lang="en-US" sz="1800" dirty="0"/>
+                        <a:t>Player Model Animations, Integrating Animations with User Input</a:t>
+                      </a:r>
+                      <a:endParaRPr lang="de-DE" sz="1800" dirty="0"/>
+                    </a:p>
+                  </a:txBody>
+                  <a:tcPr/>
+                </a:tc>
+                <a:extLst>
+                  <a:ext uri="{0D108BD9-81ED-4DB2-BD59-A6C34878D82A}">
+                    <a16:rowId xmlns:a16="http://schemas.microsoft.com/office/drawing/2014/main" val="10001"/>
+                  </a:ext>
+                </a:extLst>
+              </a:tr>
+              <a:tr h="370840">
+                <a:tc>
+                  <a:txBody>
+                    <a:bodyPr/>
+                    <a:lstStyle/>
+                    <a:p>
+                      <a:pPr algn="l"/>
+                      <a:r>
+                        <a:rPr lang="de-DE" sz="1800" dirty="0"/>
+                        <a:t>08.08 – 08.16</a:t>
+                      </a:r>
+                    </a:p>
+                  </a:txBody>
+                  <a:tcPr/>
+                </a:tc>
+                <a:tc>
+                  <a:txBody>
+                    <a:bodyPr/>
+                    <a:lstStyle/>
+                    <a:p>
+                      <a:pPr marL="0" marR="0" lvl="1" indent="0" algn="l" defTabSz="914400" rtl="0" eaLnBrk="1" fontAlgn="auto" latinLnBrk="0" hangingPunct="1">
+                        <a:lnSpc>
+                          <a:spcPct val="100000"/>
+                        </a:lnSpc>
+                        <a:spcBef>
+                          <a:spcPts val="0"/>
+                        </a:spcBef>
+                        <a:spcAft>
+                          <a:spcPts val="0"/>
+                        </a:spcAft>
+                        <a:buClrTx/>
+                        <a:buSzTx/>
+                        <a:buFont typeface="Arial" pitchFamily="34" charset="0"/>
+                        <a:buChar char="•"/>
+                        <a:tabLst/>
+                        <a:defRPr/>
+                      </a:pPr>
+                      <a:r>
+                        <a:rPr lang="de-DE" sz="1800" dirty="0"/>
+                        <a:t> </a:t>
+                      </a:r>
+                      <a:r>
+                        <a:rPr lang="en-US" sz="1800" dirty="0"/>
+                        <a:t>Integration of new World + Game objects other works of the project team</a:t>
+                      </a:r>
+                      <a:endParaRPr lang="de-DE" sz="1800" baseline="0" dirty="0"/>
+                    </a:p>
+                  </a:txBody>
+                  <a:tcPr/>
+                </a:tc>
+                <a:extLst>
+                  <a:ext uri="{0D108BD9-81ED-4DB2-BD59-A6C34878D82A}">
+                    <a16:rowId xmlns:a16="http://schemas.microsoft.com/office/drawing/2014/main" val="10002"/>
+                  </a:ext>
+                </a:extLst>
+              </a:tr>
+              <a:tr h="370840">
+                <a:tc>
+                  <a:txBody>
+                    <a:bodyPr/>
+                    <a:lstStyle/>
+                    <a:p>
+                      <a:pPr algn="l"/>
+                      <a:r>
+                        <a:rPr lang="de-DE" sz="1800" dirty="0"/>
+                        <a:t>08.16 – 24.08</a:t>
+                      </a:r>
+                    </a:p>
+                  </a:txBody>
+                  <a:tcPr/>
+                </a:tc>
+                <a:tc>
+                  <a:txBody>
+                    <a:bodyPr/>
+                    <a:lstStyle/>
+                    <a:p>
+                      <a:pPr>
+                        <a:buFont typeface="Arial" pitchFamily="34" charset="0"/>
+                        <a:buChar char="•"/>
+                      </a:pPr>
+                      <a:r>
+                        <a:rPr lang="de-DE" sz="1800" dirty="0"/>
+                        <a:t> </a:t>
+                      </a:r>
+                      <a:r>
+                        <a:rPr lang="de-DE" sz="1800" dirty="0" err="1"/>
+                        <a:t>Producing</a:t>
+                      </a:r>
+                      <a:r>
+                        <a:rPr lang="de-DE" sz="1800" baseline="0" dirty="0"/>
+                        <a:t> Background Music </a:t>
+                      </a:r>
+                      <a:r>
+                        <a:rPr lang="de-DE" sz="1800" baseline="0" dirty="0" err="1"/>
+                        <a:t>and</a:t>
+                      </a:r>
+                      <a:r>
+                        <a:rPr lang="de-DE" sz="1800" baseline="0" dirty="0"/>
+                        <a:t> Sound </a:t>
+                      </a:r>
+                      <a:r>
+                        <a:rPr lang="de-DE" sz="1800" baseline="0" dirty="0" err="1"/>
+                        <a:t>Effects</a:t>
+                      </a:r>
+                      <a:endParaRPr lang="de-DE" sz="1800" dirty="0"/>
+                    </a:p>
+                  </a:txBody>
+                  <a:tcPr/>
+                </a:tc>
+                <a:extLst>
+                  <a:ext uri="{0D108BD9-81ED-4DB2-BD59-A6C34878D82A}">
+                    <a16:rowId xmlns:a16="http://schemas.microsoft.com/office/drawing/2014/main" val="10003"/>
+                  </a:ext>
+                </a:extLst>
+              </a:tr>
+              <a:tr h="370840">
+                <a:tc>
+                  <a:txBody>
+                    <a:bodyPr/>
+                    <a:lstStyle/>
+                    <a:p>
+                      <a:pPr algn="l"/>
+                      <a:r>
+                        <a:rPr lang="de-DE" sz="1800" dirty="0"/>
+                        <a:t>08.24 – 09.14</a:t>
+                      </a:r>
+                    </a:p>
+                  </a:txBody>
+                  <a:tcPr/>
+                </a:tc>
+                <a:tc>
+                  <a:txBody>
+                    <a:bodyPr/>
+                    <a:lstStyle/>
+                    <a:p>
+                      <a:pPr>
+                        <a:buFont typeface="Arial" pitchFamily="34" charset="0"/>
+                        <a:buChar char="•"/>
+                      </a:pPr>
+                      <a:r>
+                        <a:rPr lang="de-DE" sz="1800" dirty="0"/>
+                        <a:t> </a:t>
+                      </a:r>
+                      <a:r>
+                        <a:rPr lang="de-DE" sz="1800" dirty="0" err="1"/>
+                        <a:t>Buffer</a:t>
+                      </a:r>
+                      <a:r>
+                        <a:rPr lang="de-DE" sz="1800" baseline="0" dirty="0"/>
+                        <a:t> </a:t>
+                      </a:r>
+                      <a:r>
+                        <a:rPr lang="de-DE" sz="1800" baseline="0" dirty="0" err="1"/>
+                        <a:t>until</a:t>
+                      </a:r>
+                      <a:r>
+                        <a:rPr lang="de-DE" sz="1800" baseline="0" dirty="0"/>
+                        <a:t> </a:t>
+                      </a:r>
+                      <a:r>
+                        <a:rPr lang="de-DE" sz="1800" baseline="0" dirty="0" err="1"/>
+                        <a:t>project</a:t>
+                      </a:r>
+                      <a:r>
+                        <a:rPr lang="de-DE" sz="1800" baseline="0" dirty="0"/>
+                        <a:t> end (Fly </a:t>
+                      </a:r>
+                      <a:r>
+                        <a:rPr lang="de-DE" sz="1800" baseline="0" dirty="0" err="1"/>
+                        <a:t>physics</a:t>
+                      </a:r>
+                      <a:r>
+                        <a:rPr lang="de-DE" sz="1800" baseline="0" dirty="0"/>
+                        <a:t>, </a:t>
+                      </a:r>
+                      <a:r>
+                        <a:rPr lang="de-DE" sz="1800" baseline="0" dirty="0" err="1"/>
+                        <a:t>game</a:t>
+                      </a:r>
+                      <a:r>
+                        <a:rPr lang="de-DE" sz="1800" baseline="0" dirty="0"/>
+                        <a:t> </a:t>
+                      </a:r>
+                      <a:r>
+                        <a:rPr lang="de-DE" sz="1800" baseline="0" dirty="0" err="1"/>
+                        <a:t>locigs</a:t>
+                      </a:r>
+                      <a:r>
+                        <a:rPr lang="de-DE" sz="1800" baseline="0" dirty="0"/>
+                        <a:t>, </a:t>
+                      </a:r>
+                      <a:r>
+                        <a:rPr lang="de-DE" sz="1800" baseline="0" dirty="0" err="1"/>
+                        <a:t>assistant</a:t>
+                      </a:r>
+                      <a:r>
+                        <a:rPr lang="de-DE" sz="1800" baseline="0" dirty="0"/>
+                        <a:t>)</a:t>
+                      </a:r>
+                      <a:endParaRPr lang="de-DE" sz="1800" dirty="0"/>
+                    </a:p>
+                  </a:txBody>
+                  <a:tcPr/>
+                </a:tc>
+                <a:extLst>
+                  <a:ext uri="{0D108BD9-81ED-4DB2-BD59-A6C34878D82A}">
+                    <a16:rowId xmlns:a16="http://schemas.microsoft.com/office/drawing/2014/main" val="10004"/>
+                  </a:ext>
+                </a:extLst>
+              </a:tr>
+            </a:tbl>
+          </a:graphicData>
+        </a:graphic>
+      </p:graphicFrame>
+    </p:spTree>
+    <p:extLst>
+      <p:ext uri="{BB962C8B-B14F-4D97-AF65-F5344CB8AC3E}">
+        <p14:creationId xmlns:p14="http://schemas.microsoft.com/office/powerpoint/2010/main" val="3532623066"/>
+      </p:ext>
+    </p:extLst>
+  </p:cSld>
+  <p:clrMapOvr>
+    <a:masterClrMapping/>
+  </p:clrMapOvr>
+</p:sld>
+</file>
+
+<file path=ppt/slides/slide18.xml><?xml version="1.0" encoding="utf-8"?>
+<p:sld xmlns:a="http://schemas.openxmlformats.org/drawingml/2006/main" xmlns:r="http://schemas.openxmlformats.org/officeDocument/2006/relationships" xmlns:p="http://schemas.openxmlformats.org/presentationml/2006/main">
+  <p:cSld>
+    <p:spTree>
+      <p:nvGrpSpPr>
+        <p:cNvPr id="1" name=""/>
+        <p:cNvGrpSpPr/>
+        <p:nvPr/>
+      </p:nvGrpSpPr>
+      <p:grpSpPr>
+        <a:xfrm>
+          <a:off x="0" y="0"/>
+          <a:ext cx="0" cy="0"/>
+          <a:chOff x="0" y="0"/>
+          <a:chExt cx="0" cy="0"/>
+        </a:xfrm>
+      </p:grpSpPr>
+      <p:sp>
+        <p:nvSpPr>
+          <p:cNvPr id="2" name="Titel 1"/>
+          <p:cNvSpPr>
+            <a:spLocks noGrp="1"/>
+          </p:cNvSpPr>
+          <p:nvPr>
+            <p:ph type="title"/>
+          </p:nvPr>
+        </p:nvSpPr>
+        <p:spPr/>
+        <p:txBody>
+          <a:bodyPr>
+            <a:normAutofit/>
+          </a:bodyPr>
+          <a:lstStyle/>
+          <a:p>
+            <a:pPr algn="ctr"/>
+            <a:r>
+              <a:rPr lang="de-DE" dirty="0" err="1"/>
+              <a:t>Risks</a:t>
+            </a:r>
+            <a:endParaRPr lang="de-DE" dirty="0"/>
+          </a:p>
+        </p:txBody>
+      </p:sp>
+      <p:sp>
+        <p:nvSpPr>
+          <p:cNvPr id="9" name="Inhaltsplatzhalter 8"/>
+          <p:cNvSpPr>
+            <a:spLocks noGrp="1"/>
+          </p:cNvSpPr>
+          <p:nvPr>
+            <p:ph sz="half" idx="1"/>
+          </p:nvPr>
+        </p:nvSpPr>
+        <p:spPr/>
+        <p:txBody>
+          <a:bodyPr>
+            <a:normAutofit lnSpcReduction="10000"/>
+          </a:bodyPr>
+          <a:lstStyle/>
+          <a:p>
+            <a:r>
+              <a:rPr lang="de-DE" sz="2400" dirty="0"/>
+              <a:t>Fly </a:t>
+            </a:r>
+            <a:r>
+              <a:rPr lang="de-DE" sz="2400" dirty="0" err="1"/>
+              <a:t>physics</a:t>
+            </a:r>
+            <a:r>
+              <a:rPr lang="de-DE" sz="2400" dirty="0"/>
+              <a:t> - </a:t>
+            </a:r>
+            <a:r>
+              <a:rPr lang="de-DE" sz="2400" dirty="0" err="1"/>
+              <a:t>maths</a:t>
+            </a:r>
+            <a:r>
+              <a:rPr lang="de-DE" sz="2400" dirty="0"/>
+              <a:t> </a:t>
+            </a:r>
+            <a:r>
+              <a:rPr lang="de-DE" sz="2400" dirty="0" err="1"/>
+              <a:t>too</a:t>
+            </a:r>
+            <a:r>
+              <a:rPr lang="de-DE" sz="2400" dirty="0"/>
+              <a:t> </a:t>
+            </a:r>
+            <a:r>
+              <a:rPr lang="de-DE" sz="2400" dirty="0" err="1"/>
+              <a:t>complicated</a:t>
+            </a:r>
+            <a:r>
+              <a:rPr lang="de-DE" sz="2400" dirty="0"/>
+              <a:t>?</a:t>
+            </a:r>
+            <a:endParaRPr lang="de-DE" dirty="0"/>
+          </a:p>
+          <a:p>
+            <a:r>
+              <a:rPr lang="de-DE" sz="2400" dirty="0"/>
+              <a:t>Arm </a:t>
+            </a:r>
+            <a:r>
+              <a:rPr lang="de-DE" sz="2400" dirty="0" err="1"/>
+              <a:t>network</a:t>
+            </a:r>
+            <a:r>
+              <a:rPr lang="de-DE" sz="2400" dirty="0"/>
+              <a:t> </a:t>
+            </a:r>
+            <a:r>
+              <a:rPr lang="de-DE" sz="2400" dirty="0" err="1"/>
+              <a:t>transmission</a:t>
+            </a:r>
+            <a:endParaRPr lang="de-DE" sz="2400" dirty="0"/>
+          </a:p>
+          <a:p>
+            <a:r>
+              <a:rPr lang="de-DE" sz="2400" dirty="0"/>
+              <a:t>Post-</a:t>
+            </a:r>
+            <a:r>
+              <a:rPr lang="de-DE" sz="2400" dirty="0" err="1"/>
+              <a:t>effects</a:t>
+            </a:r>
+            <a:r>
+              <a:rPr lang="de-DE" sz="2400" dirty="0"/>
+              <a:t> (</a:t>
+            </a:r>
+            <a:r>
+              <a:rPr lang="de-DE" sz="2400" dirty="0" err="1"/>
+              <a:t>scattering</a:t>
+            </a:r>
+            <a:r>
+              <a:rPr lang="de-DE" sz="2400" dirty="0"/>
+              <a:t>, </a:t>
+            </a:r>
+            <a:r>
+              <a:rPr lang="de-DE" sz="2400" dirty="0" err="1"/>
+              <a:t>ambient</a:t>
+            </a:r>
+            <a:r>
+              <a:rPr lang="de-DE" sz="2400" dirty="0"/>
+              <a:t> </a:t>
+            </a:r>
+            <a:r>
+              <a:rPr lang="de-DE" sz="2400" dirty="0" err="1"/>
+              <a:t>occlusion</a:t>
+            </a:r>
+            <a:r>
+              <a:rPr lang="de-DE" sz="2400" dirty="0"/>
+              <a:t>)</a:t>
+            </a:r>
+          </a:p>
+          <a:p>
+            <a:r>
+              <a:rPr lang="de-DE" sz="2400" dirty="0"/>
+              <a:t>Realtime Performance </a:t>
+            </a:r>
+            <a:r>
+              <a:rPr lang="de-DE" sz="2400" dirty="0" err="1"/>
+              <a:t>Issues</a:t>
+            </a:r>
+            <a:r>
+              <a:rPr lang="de-DE" sz="2400" dirty="0"/>
+              <a:t> </a:t>
+            </a:r>
+            <a:r>
+              <a:rPr lang="de-DE" sz="2400" dirty="0" err="1"/>
+              <a:t>for</a:t>
+            </a:r>
+            <a:r>
+              <a:rPr lang="de-DE" sz="2400" dirty="0"/>
+              <a:t> </a:t>
+            </a:r>
+            <a:r>
+              <a:rPr lang="de-DE" sz="2400" dirty="0" err="1"/>
+              <a:t>slower</a:t>
+            </a:r>
+            <a:r>
+              <a:rPr lang="de-DE" sz="2400" dirty="0"/>
+              <a:t> PCs (Graphics Settings?)</a:t>
+            </a:r>
+          </a:p>
+          <a:p>
+            <a:r>
+              <a:rPr lang="de-DE" sz="2400" dirty="0"/>
+              <a:t>AR Performance Problems</a:t>
+            </a:r>
+            <a:endParaRPr lang="de-DE" dirty="0"/>
+          </a:p>
+          <a:p>
+            <a:pPr>
+              <a:buNone/>
+            </a:pPr>
+            <a:endParaRPr lang="de-DE" dirty="0"/>
+          </a:p>
+          <a:p>
+            <a:pPr>
+              <a:buNone/>
+            </a:pPr>
+            <a:endParaRPr lang="de-DE" dirty="0"/>
+          </a:p>
+          <a:p>
+            <a:pPr>
+              <a:buNone/>
+            </a:pPr>
+            <a:endParaRPr lang="de-DE" dirty="0"/>
+          </a:p>
+          <a:p>
+            <a:endParaRPr lang="de-DE" dirty="0"/>
+          </a:p>
+        </p:txBody>
+      </p:sp>
+      <p:sp>
+        <p:nvSpPr>
+          <p:cNvPr id="7" name="Inhaltsplatzhalter 6"/>
+          <p:cNvSpPr>
+            <a:spLocks noGrp="1"/>
+          </p:cNvSpPr>
+          <p:nvPr>
+            <p:ph sz="half" idx="2"/>
+          </p:nvPr>
+        </p:nvSpPr>
+        <p:spPr/>
+        <p:txBody>
+          <a:bodyPr>
+            <a:normAutofit lnSpcReduction="10000"/>
+          </a:bodyPr>
+          <a:lstStyle/>
+          <a:p>
+            <a:r>
+              <a:rPr lang="de-DE" sz="2400" dirty="0" err="1"/>
+              <a:t>Menues</a:t>
+            </a:r>
+            <a:r>
+              <a:rPr lang="de-DE" sz="2400" dirty="0"/>
+              <a:t> (</a:t>
+            </a:r>
+            <a:r>
+              <a:rPr lang="de-DE" sz="2400" dirty="0" err="1"/>
+              <a:t>Oculus</a:t>
+            </a:r>
+            <a:r>
+              <a:rPr lang="de-DE" sz="2400" dirty="0"/>
+              <a:t>)</a:t>
+            </a:r>
+          </a:p>
+          <a:p>
+            <a:r>
+              <a:rPr lang="de-DE" sz="2400" dirty="0" err="1"/>
+              <a:t>Guesture</a:t>
+            </a:r>
+            <a:r>
+              <a:rPr lang="de-DE" sz="2400" dirty="0"/>
+              <a:t> </a:t>
+            </a:r>
+            <a:r>
+              <a:rPr lang="de-DE" sz="2400" dirty="0" err="1"/>
+              <a:t>control</a:t>
+            </a:r>
+            <a:r>
+              <a:rPr lang="de-DE" sz="2400" dirty="0"/>
+              <a:t> </a:t>
+            </a:r>
+            <a:r>
+              <a:rPr lang="de-DE" sz="2400" dirty="0" err="1"/>
+              <a:t>problems</a:t>
+            </a:r>
+            <a:r>
+              <a:rPr lang="de-DE" sz="2400" dirty="0"/>
+              <a:t> (APIs </a:t>
+            </a:r>
+            <a:r>
+              <a:rPr lang="de-DE" sz="2400" dirty="0" err="1"/>
+              <a:t>for</a:t>
+            </a:r>
+            <a:r>
+              <a:rPr lang="de-DE" sz="2400" dirty="0"/>
+              <a:t> Vive not </a:t>
+            </a:r>
+            <a:r>
+              <a:rPr lang="de-DE" sz="2400" dirty="0" err="1"/>
+              <a:t>tested</a:t>
+            </a:r>
+            <a:r>
+              <a:rPr lang="de-DE" sz="2400" dirty="0"/>
+              <a:t> </a:t>
+            </a:r>
+            <a:r>
+              <a:rPr lang="de-DE" sz="2400" dirty="0" err="1"/>
+              <a:t>yet</a:t>
+            </a:r>
+            <a:r>
+              <a:rPr lang="de-DE" sz="2400" dirty="0"/>
+              <a:t>, </a:t>
+            </a:r>
+            <a:r>
+              <a:rPr lang="de-DE" sz="2400" dirty="0" err="1"/>
+              <a:t>currently</a:t>
+            </a:r>
+            <a:r>
+              <a:rPr lang="de-DE" sz="2400" dirty="0"/>
+              <a:t> </a:t>
+            </a:r>
+            <a:r>
+              <a:rPr lang="de-DE" sz="2400" dirty="0" err="1"/>
+              <a:t>unstable</a:t>
+            </a:r>
+            <a:r>
+              <a:rPr lang="de-DE" sz="2400" dirty="0"/>
+              <a:t> APIs </a:t>
+            </a:r>
+            <a:r>
+              <a:rPr lang="de-DE" sz="2400" dirty="0" err="1"/>
+              <a:t>for</a:t>
+            </a:r>
+            <a:r>
+              <a:rPr lang="de-DE" sz="2400" dirty="0"/>
+              <a:t> Kinect?)</a:t>
+            </a:r>
+          </a:p>
+          <a:p>
+            <a:r>
+              <a:rPr lang="de-DE" sz="2400" dirty="0" err="1"/>
+              <a:t>Suitable</a:t>
+            </a:r>
+            <a:r>
+              <a:rPr lang="de-DE" sz="2400" dirty="0"/>
+              <a:t> </a:t>
+            </a:r>
+            <a:r>
+              <a:rPr lang="de-DE" sz="2400" dirty="0" err="1"/>
+              <a:t>for</a:t>
+            </a:r>
+            <a:r>
+              <a:rPr lang="de-DE" sz="2400" dirty="0"/>
+              <a:t> HS-</a:t>
+            </a:r>
+            <a:r>
+              <a:rPr lang="de-DE" sz="2400" dirty="0" err="1"/>
+              <a:t>Lan</a:t>
+            </a:r>
+            <a:r>
+              <a:rPr lang="de-DE" sz="2400" dirty="0"/>
+              <a:t> </a:t>
+            </a:r>
+            <a:r>
+              <a:rPr lang="de-DE" sz="2400" dirty="0" err="1"/>
+              <a:t>and</a:t>
+            </a:r>
+            <a:r>
+              <a:rPr lang="de-DE" sz="2400" dirty="0"/>
+              <a:t> Open-Lab</a:t>
+            </a:r>
+          </a:p>
+          <a:p>
+            <a:r>
+              <a:rPr lang="de-DE" sz="2400" dirty="0" err="1"/>
+              <a:t>Ofc</a:t>
+            </a:r>
+            <a:r>
+              <a:rPr lang="de-DE" sz="2400" dirty="0"/>
+              <a:t>: </a:t>
+            </a:r>
+            <a:r>
+              <a:rPr lang="de-DE" sz="2400" dirty="0" err="1"/>
+              <a:t>Illness</a:t>
+            </a:r>
+            <a:r>
+              <a:rPr lang="de-DE" sz="2400" dirty="0"/>
+              <a:t> </a:t>
+            </a:r>
+            <a:r>
+              <a:rPr lang="de-DE" sz="2400" dirty="0" err="1"/>
+              <a:t>of</a:t>
+            </a:r>
+            <a:r>
+              <a:rPr lang="de-DE" sz="2400" dirty="0"/>
+              <a:t> Project Members (</a:t>
+            </a:r>
+            <a:r>
+              <a:rPr lang="de-DE" sz="2400" dirty="0" err="1"/>
+              <a:t>workload</a:t>
+            </a:r>
+            <a:r>
+              <a:rPr lang="de-DE" sz="2400" dirty="0"/>
+              <a:t> </a:t>
+            </a:r>
+            <a:r>
+              <a:rPr lang="de-DE" sz="2400" dirty="0" err="1"/>
+              <a:t>balancing</a:t>
+            </a:r>
+            <a:r>
+              <a:rPr lang="de-DE" sz="2400" dirty="0"/>
+              <a:t>)</a:t>
+            </a:r>
+          </a:p>
+          <a:p>
+            <a:pPr>
+              <a:buNone/>
+            </a:pPr>
+            <a:endParaRPr lang="de-DE" sz="2400" dirty="0"/>
+          </a:p>
+        </p:txBody>
+      </p:sp>
+      <p:sp>
+        <p:nvSpPr>
+          <p:cNvPr id="11" name="Foliennummernplatzhalter 10"/>
+          <p:cNvSpPr>
+            <a:spLocks noGrp="1"/>
+          </p:cNvSpPr>
+          <p:nvPr>
+            <p:ph type="sldNum" sz="quarter" idx="12"/>
+          </p:nvPr>
+        </p:nvSpPr>
+        <p:spPr/>
+        <p:txBody>
+          <a:bodyPr/>
+          <a:lstStyle/>
+          <a:p>
+            <a:fld id="{6C6AE60A-B69C-4790-82F7-3882EDF23186}" type="slidenum">
+              <a:rPr lang="de-DE" smtClean="0"/>
+              <a:pPr/>
+              <a:t>18</a:t>
+            </a:fld>
+            <a:endParaRPr lang="de-DE"/>
+          </a:p>
+        </p:txBody>
+      </p:sp>
     </p:spTree>
   </p:cSld>
   <p:clrMapOvr>
     <a:masterClrMapping/>
   </p:clrMapOvr>
-  <p:timing>
-    <p:tnLst>
-      <p:par>
-        <p:cTn id="1" dur="indefinite" restart="never" nodeType="tmRoot"/>
-      </p:par>
-    </p:tnLst>
-  </p:timing>
+</p:sld>
+</file>
+
+<file path=ppt/slides/slide19.xml><?xml version="1.0" encoding="utf-8"?>
+<p:sld xmlns:a="http://schemas.openxmlformats.org/drawingml/2006/main" xmlns:r="http://schemas.openxmlformats.org/officeDocument/2006/relationships" xmlns:p="http://schemas.openxmlformats.org/presentationml/2006/main">
+  <p:cSld>
+    <p:spTree>
+      <p:nvGrpSpPr>
+        <p:cNvPr id="1" name=""/>
+        <p:cNvGrpSpPr/>
+        <p:nvPr/>
+      </p:nvGrpSpPr>
+      <p:grpSpPr>
+        <a:xfrm>
+          <a:off x="0" y="0"/>
+          <a:ext cx="0" cy="0"/>
+          <a:chOff x="0" y="0"/>
+          <a:chExt cx="0" cy="0"/>
+        </a:xfrm>
+      </p:grpSpPr>
+      <p:sp>
+        <p:nvSpPr>
+          <p:cNvPr id="2" name="Titel 1"/>
+          <p:cNvSpPr>
+            <a:spLocks noGrp="1"/>
+          </p:cNvSpPr>
+          <p:nvPr>
+            <p:ph type="title"/>
+          </p:nvPr>
+        </p:nvSpPr>
+        <p:spPr/>
+        <p:txBody>
+          <a:bodyPr>
+            <a:normAutofit/>
+          </a:bodyPr>
+          <a:lstStyle/>
+          <a:p>
+            <a:pPr algn="ctr"/>
+            <a:r>
+              <a:rPr lang="de-DE" dirty="0" err="1"/>
+              <a:t>Github</a:t>
+            </a:r>
+            <a:r>
+              <a:rPr lang="de-DE" dirty="0"/>
+              <a:t> Version </a:t>
+            </a:r>
+            <a:r>
+              <a:rPr lang="de-DE" dirty="0" err="1"/>
+              <a:t>Control</a:t>
+            </a:r>
+            <a:endParaRPr lang="de-DE" dirty="0"/>
+          </a:p>
+        </p:txBody>
+      </p:sp>
+      <p:sp>
+        <p:nvSpPr>
+          <p:cNvPr id="9" name="Inhaltsplatzhalter 8"/>
+          <p:cNvSpPr>
+            <a:spLocks noGrp="1"/>
+          </p:cNvSpPr>
+          <p:nvPr>
+            <p:ph sz="half" idx="1"/>
+          </p:nvPr>
+        </p:nvSpPr>
+        <p:spPr>
+          <a:xfrm>
+            <a:off x="457200" y="1600071"/>
+            <a:ext cx="8219256" cy="3695700"/>
+          </a:xfrm>
+        </p:spPr>
+        <p:txBody>
+          <a:bodyPr>
+            <a:normAutofit/>
+          </a:bodyPr>
+          <a:lstStyle/>
+          <a:p>
+            <a:endParaRPr lang="de-DE" dirty="0">
+              <a:hlinkClick r:id="rId2"/>
+            </a:endParaRPr>
+          </a:p>
+          <a:p>
+            <a:r>
+              <a:rPr lang="de-DE" dirty="0"/>
+              <a:t>Old </a:t>
+            </a:r>
+            <a:r>
+              <a:rPr lang="de-DE" dirty="0" err="1"/>
+              <a:t>project</a:t>
+            </a:r>
+            <a:r>
+              <a:rPr lang="de-DE" dirty="0"/>
+              <a:t> </a:t>
+            </a:r>
+            <a:r>
+              <a:rPr lang="de-DE" dirty="0" err="1"/>
+              <a:t>source</a:t>
+            </a:r>
+            <a:endParaRPr lang="de-DE" dirty="0">
+              <a:hlinkClick r:id="rId2"/>
+            </a:endParaRPr>
+          </a:p>
+          <a:p>
+            <a:pPr algn="ctr">
+              <a:buNone/>
+            </a:pPr>
+            <a:r>
+              <a:rPr lang="de-DE" dirty="0">
+                <a:hlinkClick r:id="rId3"/>
+              </a:rPr>
+              <a:t>https://github.com/andreasdietze/Rift-Wingsuit.git</a:t>
+            </a:r>
+            <a:endParaRPr lang="de-DE" dirty="0"/>
+          </a:p>
+          <a:p>
+            <a:pPr algn="ctr">
+              <a:buNone/>
+            </a:pPr>
+            <a:endParaRPr lang="de-DE" dirty="0"/>
+          </a:p>
+          <a:p>
+            <a:r>
+              <a:rPr lang="de-DE" dirty="0"/>
+              <a:t>New </a:t>
+            </a:r>
+            <a:r>
+              <a:rPr lang="de-DE" dirty="0" err="1"/>
+              <a:t>project</a:t>
+            </a:r>
+            <a:r>
+              <a:rPr lang="de-DE" dirty="0"/>
+              <a:t> </a:t>
+            </a:r>
+            <a:r>
+              <a:rPr lang="de-DE" dirty="0" err="1"/>
+              <a:t>source</a:t>
+            </a:r>
+            <a:endParaRPr lang="de-DE" dirty="0"/>
+          </a:p>
+          <a:p>
+            <a:pPr algn="ctr">
+              <a:buNone/>
+            </a:pPr>
+            <a:r>
+              <a:rPr lang="de-DE" dirty="0">
+                <a:hlinkClick r:id="rId4"/>
+              </a:rPr>
+              <a:t>https://github.com/andreasdietze/Rift-WingsuitV2.git</a:t>
+            </a:r>
+            <a:endParaRPr lang="de-DE" dirty="0"/>
+          </a:p>
+          <a:p>
+            <a:endParaRPr lang="de-DE" dirty="0"/>
+          </a:p>
+        </p:txBody>
+      </p:sp>
+      <p:sp>
+        <p:nvSpPr>
+          <p:cNvPr id="11" name="Foliennummernplatzhalter 10"/>
+          <p:cNvSpPr>
+            <a:spLocks noGrp="1"/>
+          </p:cNvSpPr>
+          <p:nvPr>
+            <p:ph type="sldNum" sz="quarter" idx="12"/>
+          </p:nvPr>
+        </p:nvSpPr>
+        <p:spPr/>
+        <p:txBody>
+          <a:bodyPr/>
+          <a:lstStyle/>
+          <a:p>
+            <a:fld id="{6C6AE60A-B69C-4790-82F7-3882EDF23186}" type="slidenum">
+              <a:rPr lang="de-DE" smtClean="0"/>
+              <a:pPr/>
+              <a:t>19</a:t>
+            </a:fld>
+            <a:endParaRPr lang="de-DE"/>
+          </a:p>
+        </p:txBody>
+      </p:sp>
+    </p:spTree>
+  </p:cSld>
+  <p:clrMapOvr>
+    <a:masterClrMapping/>
+  </p:clrMapOvr>
 </p:sld>
 </file>
 
@@ -7681,10 +8990,9 @@
           <a:p>
             <a:pPr algn="ctr"/>
             <a:r>
-              <a:rPr lang="de-DE" dirty="0" smtClean="0"/>
+              <a:rPr lang="de-DE" dirty="0"/>
               <a:t>Content</a:t>
             </a:r>
-            <a:endParaRPr lang="de-DE" dirty="0"/>
           </a:p>
         </p:txBody>
       </p:sp>
@@ -7711,62 +9019,62 @@
           <a:lstStyle/>
           <a:p>
             <a:r>
-              <a:rPr lang="de-DE" dirty="0" err="1" smtClean="0"/>
+              <a:rPr lang="de-DE" dirty="0" err="1"/>
               <a:t>Summary</a:t>
             </a:r>
-            <a:endParaRPr lang="de-DE" dirty="0" smtClean="0"/>
-          </a:p>
-          <a:p>
-            <a:r>
-              <a:rPr lang="de-DE" dirty="0" smtClean="0"/>
+            <a:endParaRPr lang="de-DE" dirty="0"/>
+          </a:p>
+          <a:p>
+            <a:r>
+              <a:rPr lang="de-DE" dirty="0"/>
               <a:t>Project </a:t>
             </a:r>
             <a:r>
-              <a:rPr lang="de-DE" dirty="0" err="1" smtClean="0"/>
+              <a:rPr lang="de-DE" dirty="0" err="1"/>
               <a:t>presentation</a:t>
             </a:r>
             <a:r>
-              <a:rPr lang="de-DE" dirty="0" smtClean="0"/>
+              <a:rPr lang="de-DE" dirty="0"/>
               <a:t> (pp)</a:t>
             </a:r>
           </a:p>
           <a:p>
             <a:r>
-              <a:rPr lang="de-DE" dirty="0" smtClean="0"/>
+              <a:rPr lang="de-DE" dirty="0"/>
               <a:t>Project </a:t>
             </a:r>
             <a:r>
-              <a:rPr lang="de-DE" dirty="0" err="1" smtClean="0"/>
+              <a:rPr lang="de-DE" dirty="0" err="1"/>
               <a:t>extension</a:t>
             </a:r>
-            <a:endParaRPr lang="de-DE" dirty="0" smtClean="0"/>
-          </a:p>
-          <a:p>
-            <a:r>
-              <a:rPr lang="de-DE" dirty="0" err="1" smtClean="0"/>
+            <a:endParaRPr lang="de-DE" dirty="0"/>
+          </a:p>
+          <a:p>
+            <a:r>
+              <a:rPr lang="de-DE" dirty="0" err="1"/>
               <a:t>Responsibilities</a:t>
             </a:r>
-            <a:endParaRPr lang="de-DE" dirty="0" smtClean="0"/>
-          </a:p>
-          <a:p>
-            <a:r>
-              <a:rPr lang="de-DE" dirty="0" err="1" smtClean="0"/>
+            <a:endParaRPr lang="de-DE" dirty="0"/>
+          </a:p>
+          <a:p>
+            <a:r>
+              <a:rPr lang="de-DE" dirty="0" err="1"/>
               <a:t>Milestones</a:t>
             </a:r>
-            <a:endParaRPr lang="de-DE" dirty="0" smtClean="0"/>
-          </a:p>
-          <a:p>
-            <a:r>
-              <a:rPr lang="de-DE" dirty="0" err="1" smtClean="0"/>
+            <a:endParaRPr lang="de-DE" dirty="0"/>
+          </a:p>
+          <a:p>
+            <a:r>
+              <a:rPr lang="de-DE" dirty="0" err="1"/>
               <a:t>Risks</a:t>
             </a:r>
-            <a:endParaRPr lang="de-DE" dirty="0" smtClean="0"/>
+            <a:endParaRPr lang="de-DE" dirty="0"/>
           </a:p>
           <a:p>
             <a:pPr>
               <a:buNone/>
             </a:pPr>
-            <a:endParaRPr lang="de-DE" dirty="0" smtClean="0"/>
+            <a:endParaRPr lang="de-DE" dirty="0"/>
           </a:p>
           <a:p>
             <a:endParaRPr lang="de-DE" dirty="0"/>
@@ -7802,13 +9110,120 @@
   <p:clrMapOvr>
     <a:masterClrMapping/>
   </p:clrMapOvr>
-  <p:timing>
-    <p:tnLst>
-      <p:par>
-        <p:cTn id="1" dur="indefinite" restart="never" nodeType="tmRoot"/>
-      </p:par>
-    </p:tnLst>
-  </p:timing>
+</p:sld>
+</file>
+
+<file path=ppt/slides/slide20.xml><?xml version="1.0" encoding="utf-8"?>
+<p:sld xmlns:a="http://schemas.openxmlformats.org/drawingml/2006/main" xmlns:r="http://schemas.openxmlformats.org/officeDocument/2006/relationships" xmlns:p="http://schemas.openxmlformats.org/presentationml/2006/main">
+  <p:cSld>
+    <p:spTree>
+      <p:nvGrpSpPr>
+        <p:cNvPr id="1" name=""/>
+        <p:cNvGrpSpPr/>
+        <p:nvPr/>
+      </p:nvGrpSpPr>
+      <p:grpSpPr>
+        <a:xfrm>
+          <a:off x="0" y="0"/>
+          <a:ext cx="0" cy="0"/>
+          <a:chOff x="0" y="0"/>
+          <a:chExt cx="0" cy="0"/>
+        </a:xfrm>
+      </p:grpSpPr>
+      <p:sp>
+        <p:nvSpPr>
+          <p:cNvPr id="6" name="Titel 5"/>
+          <p:cNvSpPr>
+            <a:spLocks noGrp="1"/>
+          </p:cNvSpPr>
+          <p:nvPr>
+            <p:ph type="ctrTitle"/>
+          </p:nvPr>
+        </p:nvSpPr>
+        <p:spPr>
+          <a:xfrm>
+            <a:off x="611560" y="1777380"/>
+            <a:ext cx="7851648" cy="1524000"/>
+          </a:xfrm>
+        </p:spPr>
+        <p:txBody>
+          <a:bodyPr>
+            <a:normAutofit fontScale="90000"/>
+          </a:bodyPr>
+          <a:lstStyle/>
+          <a:p>
+            <a:pPr algn="ctr"/>
+            <a:r>
+              <a:rPr lang="de-DE" dirty="0" err="1"/>
+              <a:t>Thanks</a:t>
+            </a:r>
+            <a:r>
+              <a:rPr lang="de-DE" dirty="0"/>
+              <a:t> </a:t>
+            </a:r>
+            <a:r>
+              <a:rPr lang="de-DE" dirty="0" err="1"/>
+              <a:t>for</a:t>
+            </a:r>
+            <a:r>
+              <a:rPr lang="de-DE" dirty="0"/>
+              <a:t> </a:t>
+            </a:r>
+            <a:r>
+              <a:rPr lang="de-DE" dirty="0" err="1"/>
+              <a:t>your</a:t>
+            </a:r>
+            <a:r>
+              <a:rPr lang="de-DE" dirty="0"/>
+              <a:t> </a:t>
+            </a:r>
+            <a:r>
+              <a:rPr lang="de-DE" dirty="0" err="1"/>
+              <a:t>attention</a:t>
+            </a:r>
+            <a:r>
+              <a:rPr lang="de-DE" dirty="0"/>
+              <a:t> </a:t>
+            </a:r>
+            <a:r>
+              <a:rPr lang="de-DE" dirty="0">
+                <a:sym typeface="Wingdings" pitchFamily="2" charset="2"/>
+              </a:rPr>
+              <a:t></a:t>
+            </a:r>
+            <a:endParaRPr lang="de-DE" dirty="0"/>
+          </a:p>
+        </p:txBody>
+      </p:sp>
+      <p:sp>
+        <p:nvSpPr>
+          <p:cNvPr id="5" name="Foliennummernplatzhalter 4"/>
+          <p:cNvSpPr>
+            <a:spLocks noGrp="1"/>
+          </p:cNvSpPr>
+          <p:nvPr>
+            <p:ph type="sldNum" sz="quarter" idx="12"/>
+          </p:nvPr>
+        </p:nvSpPr>
+        <p:spPr/>
+        <p:txBody>
+          <a:bodyPr/>
+          <a:lstStyle/>
+          <a:p>
+            <a:fld id="{6C6AE60A-B69C-4790-82F7-3882EDF23186}" type="slidenum">
+              <a:rPr lang="de-DE" smtClean="0"/>
+              <a:pPr/>
+              <a:t>20</a:t>
+            </a:fld>
+            <a:endParaRPr lang="de-DE"/>
+          </a:p>
+        </p:txBody>
+      </p:sp>
+    </p:spTree>
+  </p:cSld>
+  <p:clrMapOvr>
+    <a:masterClrMapping/>
+  </p:clrMapOvr>
 </p:sld>
 </file>
 
@@ -7848,7 +9263,7 @@
           <a:p>
             <a:pPr algn="ctr"/>
             <a:r>
-              <a:rPr lang="de-DE" dirty="0" err="1" smtClean="0"/>
+              <a:rPr lang="de-DE" dirty="0" err="1"/>
               <a:t>Summary</a:t>
             </a:r>
             <a:endParaRPr lang="de-DE" dirty="0"/>
@@ -7881,215 +9296,215 @@
               <a:buNone/>
             </a:pPr>
             <a:r>
-              <a:rPr lang="de-DE" dirty="0" smtClean="0"/>
+              <a:rPr lang="de-DE" dirty="0"/>
               <a:t>Rift </a:t>
             </a:r>
             <a:r>
-              <a:rPr lang="de-DE" dirty="0" err="1" smtClean="0"/>
+              <a:rPr lang="de-DE" dirty="0" err="1"/>
               <a:t>Wingsuit</a:t>
             </a:r>
             <a:r>
-              <a:rPr lang="de-DE" dirty="0" smtClean="0"/>
+              <a:rPr lang="de-DE" dirty="0"/>
               <a:t> </a:t>
             </a:r>
             <a:r>
-              <a:rPr lang="de-DE" dirty="0" err="1" smtClean="0"/>
+              <a:rPr lang="de-DE" dirty="0" err="1"/>
               <a:t>offers</a:t>
             </a:r>
             <a:r>
-              <a:rPr lang="de-DE" dirty="0" smtClean="0"/>
+              <a:rPr lang="de-DE" dirty="0"/>
               <a:t> a </a:t>
             </a:r>
             <a:r>
-              <a:rPr lang="de-DE" dirty="0" err="1" smtClean="0"/>
+              <a:rPr lang="de-DE" dirty="0" err="1"/>
               <a:t>realistic</a:t>
             </a:r>
             <a:r>
-              <a:rPr lang="de-DE" dirty="0" smtClean="0"/>
+              <a:rPr lang="de-DE" dirty="0"/>
               <a:t> </a:t>
             </a:r>
             <a:r>
-              <a:rPr lang="de-DE" dirty="0" err="1" smtClean="0"/>
+              <a:rPr lang="de-DE" dirty="0" err="1"/>
               <a:t>world</a:t>
             </a:r>
             <a:r>
-              <a:rPr lang="de-DE" dirty="0" smtClean="0"/>
+              <a:rPr lang="de-DE" dirty="0"/>
               <a:t> </a:t>
             </a:r>
             <a:r>
-              <a:rPr lang="de-DE" dirty="0" err="1" smtClean="0"/>
+              <a:rPr lang="de-DE" dirty="0" err="1"/>
               <a:t>from</a:t>
             </a:r>
             <a:r>
-              <a:rPr lang="de-DE" dirty="0" smtClean="0"/>
+              <a:rPr lang="de-DE" dirty="0"/>
               <a:t> </a:t>
             </a:r>
             <a:r>
-              <a:rPr lang="de-DE" dirty="0" err="1" smtClean="0"/>
+              <a:rPr lang="de-DE" dirty="0" err="1"/>
               <a:t>the</a:t>
             </a:r>
             <a:r>
-              <a:rPr lang="de-DE" dirty="0" smtClean="0"/>
+              <a:rPr lang="de-DE" dirty="0"/>
               <a:t> </a:t>
             </a:r>
             <a:r>
-              <a:rPr lang="de-DE" dirty="0" err="1" smtClean="0"/>
+              <a:rPr lang="de-DE" dirty="0" err="1"/>
               <a:t>perspective</a:t>
             </a:r>
             <a:r>
-              <a:rPr lang="de-DE" dirty="0" smtClean="0"/>
+              <a:rPr lang="de-DE" dirty="0"/>
               <a:t> </a:t>
             </a:r>
             <a:r>
-              <a:rPr lang="de-DE" dirty="0" err="1" smtClean="0"/>
+              <a:rPr lang="de-DE" dirty="0" err="1"/>
               <a:t>of</a:t>
             </a:r>
             <a:r>
-              <a:rPr lang="de-DE" dirty="0" smtClean="0"/>
+              <a:rPr lang="de-DE" dirty="0"/>
               <a:t> </a:t>
             </a:r>
             <a:r>
-              <a:rPr lang="de-DE" dirty="0" err="1" smtClean="0"/>
+              <a:rPr lang="de-DE" dirty="0" err="1"/>
               <a:t>wingsuit</a:t>
             </a:r>
             <a:r>
-              <a:rPr lang="de-DE" dirty="0" smtClean="0"/>
+              <a:rPr lang="de-DE" dirty="0"/>
               <a:t> </a:t>
             </a:r>
             <a:r>
-              <a:rPr lang="de-DE" dirty="0" err="1" smtClean="0"/>
+              <a:rPr lang="de-DE" dirty="0" err="1"/>
               <a:t>sport</a:t>
             </a:r>
             <a:r>
-              <a:rPr lang="de-DE" dirty="0" smtClean="0"/>
+              <a:rPr lang="de-DE" dirty="0"/>
               <a:t>. Experience </a:t>
             </a:r>
             <a:r>
-              <a:rPr lang="de-DE" dirty="0" err="1" smtClean="0"/>
+              <a:rPr lang="de-DE" dirty="0" err="1"/>
               <a:t>the</a:t>
             </a:r>
             <a:r>
-              <a:rPr lang="de-DE" dirty="0" smtClean="0"/>
+              <a:rPr lang="de-DE" dirty="0"/>
               <a:t> </a:t>
             </a:r>
             <a:r>
-              <a:rPr lang="de-DE" dirty="0" err="1" smtClean="0"/>
+              <a:rPr lang="de-DE" dirty="0" err="1"/>
               <a:t>feeling</a:t>
             </a:r>
             <a:r>
-              <a:rPr lang="de-DE" dirty="0" smtClean="0"/>
+              <a:rPr lang="de-DE" dirty="0"/>
               <a:t> </a:t>
             </a:r>
             <a:r>
-              <a:rPr lang="de-DE" dirty="0" err="1" smtClean="0"/>
+              <a:rPr lang="de-DE" dirty="0" err="1"/>
               <a:t>of</a:t>
             </a:r>
             <a:r>
-              <a:rPr lang="de-DE" dirty="0" smtClean="0"/>
+              <a:rPr lang="de-DE" dirty="0"/>
               <a:t> total </a:t>
             </a:r>
             <a:r>
-              <a:rPr lang="de-DE" dirty="0" err="1" smtClean="0"/>
+              <a:rPr lang="de-DE" dirty="0" err="1"/>
               <a:t>freedom</a:t>
             </a:r>
             <a:r>
-              <a:rPr lang="de-DE" dirty="0" smtClean="0"/>
+              <a:rPr lang="de-DE" dirty="0"/>
               <a:t>, </a:t>
             </a:r>
             <a:r>
-              <a:rPr lang="de-DE" dirty="0" err="1" smtClean="0"/>
+              <a:rPr lang="de-DE" dirty="0" err="1"/>
               <a:t>using</a:t>
             </a:r>
             <a:r>
-              <a:rPr lang="de-DE" dirty="0" smtClean="0"/>
+              <a:rPr lang="de-DE" dirty="0"/>
               <a:t> </a:t>
             </a:r>
             <a:r>
-              <a:rPr lang="de-DE" dirty="0" err="1" smtClean="0"/>
+              <a:rPr lang="de-DE" dirty="0" err="1"/>
               <a:t>the</a:t>
             </a:r>
             <a:r>
-              <a:rPr lang="de-DE" dirty="0" smtClean="0"/>
+              <a:rPr lang="de-DE" dirty="0"/>
               <a:t> </a:t>
             </a:r>
             <a:r>
-              <a:rPr lang="de-DE" dirty="0" err="1" smtClean="0"/>
+              <a:rPr lang="de-DE" dirty="0" err="1"/>
               <a:t>Oculus</a:t>
             </a:r>
             <a:r>
-              <a:rPr lang="de-DE" dirty="0" smtClean="0"/>
+              <a:rPr lang="de-DE" dirty="0"/>
               <a:t> Rift </a:t>
             </a:r>
             <a:r>
-              <a:rPr lang="de-DE" dirty="0" err="1" smtClean="0"/>
+              <a:rPr lang="de-DE" dirty="0" err="1"/>
               <a:t>head-mounted</a:t>
             </a:r>
             <a:r>
-              <a:rPr lang="de-DE" dirty="0" smtClean="0"/>
+              <a:rPr lang="de-DE" dirty="0"/>
               <a:t> </a:t>
             </a:r>
             <a:r>
-              <a:rPr lang="de-DE" dirty="0" err="1" smtClean="0"/>
+              <a:rPr lang="de-DE" dirty="0" err="1"/>
               <a:t>display</a:t>
             </a:r>
             <a:r>
-              <a:rPr lang="de-DE" dirty="0" smtClean="0"/>
+              <a:rPr lang="de-DE" dirty="0"/>
               <a:t> in </a:t>
             </a:r>
             <a:r>
-              <a:rPr lang="de-DE" dirty="0" err="1" smtClean="0"/>
+              <a:rPr lang="de-DE" dirty="0" err="1"/>
               <a:t>combination</a:t>
             </a:r>
             <a:r>
-              <a:rPr lang="de-DE" dirty="0" smtClean="0"/>
+              <a:rPr lang="de-DE" dirty="0"/>
               <a:t> </a:t>
             </a:r>
             <a:r>
-              <a:rPr lang="de-DE" dirty="0" err="1" smtClean="0"/>
+              <a:rPr lang="de-DE" dirty="0" err="1"/>
               <a:t>with</a:t>
             </a:r>
             <a:r>
-              <a:rPr lang="de-DE" dirty="0" smtClean="0"/>
+              <a:rPr lang="de-DE" dirty="0"/>
               <a:t> </a:t>
             </a:r>
             <a:r>
-              <a:rPr lang="de-DE" dirty="0" err="1" smtClean="0"/>
+              <a:rPr lang="de-DE" dirty="0" err="1"/>
               <a:t>guesture</a:t>
             </a:r>
             <a:r>
-              <a:rPr lang="de-DE" dirty="0" smtClean="0"/>
+              <a:rPr lang="de-DE" dirty="0"/>
               <a:t> </a:t>
             </a:r>
             <a:r>
-              <a:rPr lang="de-DE" dirty="0" err="1" smtClean="0"/>
+              <a:rPr lang="de-DE" dirty="0" err="1"/>
               <a:t>control</a:t>
             </a:r>
             <a:r>
-              <a:rPr lang="de-DE" dirty="0" smtClean="0"/>
+              <a:rPr lang="de-DE" dirty="0"/>
               <a:t> </a:t>
             </a:r>
             <a:r>
-              <a:rPr lang="de-DE" dirty="0" err="1" smtClean="0"/>
+              <a:rPr lang="de-DE" dirty="0" err="1"/>
               <a:t>for</a:t>
             </a:r>
             <a:r>
-              <a:rPr lang="de-DE" dirty="0" smtClean="0"/>
+              <a:rPr lang="de-DE" dirty="0"/>
               <a:t> </a:t>
             </a:r>
             <a:r>
-              <a:rPr lang="de-DE" dirty="0" err="1" smtClean="0"/>
+              <a:rPr lang="de-DE" dirty="0" err="1"/>
               <a:t>the</a:t>
             </a:r>
             <a:r>
-              <a:rPr lang="de-DE" dirty="0" smtClean="0"/>
+              <a:rPr lang="de-DE" dirty="0"/>
               <a:t> </a:t>
             </a:r>
             <a:r>
-              <a:rPr lang="de-DE" dirty="0" err="1" smtClean="0"/>
+              <a:rPr lang="de-DE" dirty="0" err="1"/>
               <a:t>protagonist</a:t>
             </a:r>
             <a:r>
-              <a:rPr lang="de-DE" dirty="0" smtClean="0"/>
+              <a:rPr lang="de-DE" dirty="0"/>
               <a:t>. </a:t>
             </a:r>
           </a:p>
@@ -8097,42 +9512,42 @@
             <a:pPr algn="just">
               <a:buNone/>
             </a:pPr>
-            <a:endParaRPr lang="de-DE" dirty="0" smtClean="0"/>
+            <a:endParaRPr lang="de-DE" dirty="0"/>
           </a:p>
           <a:p>
             <a:pPr algn="ctr">
               <a:buNone/>
             </a:pPr>
             <a:r>
-              <a:rPr lang="de-DE" dirty="0" err="1" smtClean="0"/>
+              <a:rPr lang="de-DE" dirty="0" err="1"/>
               <a:t>Wingsuit</a:t>
             </a:r>
             <a:r>
-              <a:rPr lang="de-DE" dirty="0" smtClean="0"/>
+              <a:rPr lang="de-DE" dirty="0"/>
               <a:t> </a:t>
             </a:r>
             <a:r>
-              <a:rPr lang="de-DE" dirty="0" err="1" smtClean="0"/>
+              <a:rPr lang="de-DE" dirty="0" err="1"/>
               <a:t>valley</a:t>
             </a:r>
             <a:r>
-              <a:rPr lang="de-DE" dirty="0" smtClean="0"/>
+              <a:rPr lang="de-DE" dirty="0"/>
               <a:t> </a:t>
             </a:r>
             <a:r>
-              <a:rPr lang="de-DE" dirty="0" err="1" smtClean="0"/>
+              <a:rPr lang="de-DE" dirty="0" err="1"/>
               <a:t>awaits</a:t>
             </a:r>
             <a:r>
-              <a:rPr lang="de-DE" dirty="0" smtClean="0"/>
+              <a:rPr lang="de-DE" dirty="0"/>
               <a:t> </a:t>
             </a:r>
             <a:r>
-              <a:rPr lang="de-DE" dirty="0" err="1" smtClean="0"/>
+              <a:rPr lang="de-DE" dirty="0" err="1"/>
               <a:t>you</a:t>
             </a:r>
             <a:r>
-              <a:rPr lang="de-DE" dirty="0" smtClean="0"/>
+              <a:rPr lang="de-DE" dirty="0"/>
               <a:t> !</a:t>
             </a:r>
           </a:p>
@@ -8140,7 +9555,7 @@
             <a:pPr>
               <a:buNone/>
             </a:pPr>
-            <a:endParaRPr lang="de-DE" dirty="0" smtClean="0"/>
+            <a:endParaRPr lang="de-DE" dirty="0"/>
           </a:p>
           <a:p>
             <a:endParaRPr lang="de-DE" dirty="0"/>
@@ -8176,13 +9591,6 @@
   <p:clrMapOvr>
     <a:masterClrMapping/>
   </p:clrMapOvr>
-  <p:timing>
-    <p:tnLst>
-      <p:par>
-        <p:cTn id="1" dur="indefinite" restart="never" nodeType="tmRoot"/>
-      </p:par>
-    </p:tnLst>
-  </p:timing>
 </p:sld>
 </file>
 
@@ -8227,10 +9635,9 @@
           <a:p>
             <a:pPr algn="ctr"/>
             <a:r>
-              <a:rPr lang="de-DE" dirty="0" smtClean="0"/>
+              <a:rPr lang="de-DE" dirty="0"/>
               <a:t>pp - World</a:t>
             </a:r>
-            <a:endParaRPr lang="de-DE" dirty="0"/>
           </a:p>
         </p:txBody>
       </p:sp>
@@ -8257,27 +9664,27 @@
           <a:lstStyle/>
           <a:p>
             <a:r>
-              <a:rPr lang="de-DE" dirty="0" err="1" smtClean="0"/>
+              <a:rPr lang="de-DE" dirty="0" err="1"/>
               <a:t>Developed</a:t>
             </a:r>
             <a:r>
-              <a:rPr lang="de-DE" dirty="0" smtClean="0"/>
+              <a:rPr lang="de-DE" dirty="0"/>
               <a:t> </a:t>
             </a:r>
             <a:r>
-              <a:rPr lang="de-DE" dirty="0" err="1" smtClean="0"/>
+              <a:rPr lang="de-DE" dirty="0" err="1"/>
               <a:t>with</a:t>
             </a:r>
             <a:r>
-              <a:rPr lang="de-DE" dirty="0" smtClean="0"/>
+              <a:rPr lang="de-DE" dirty="0"/>
               <a:t> </a:t>
             </a:r>
             <a:r>
-              <a:rPr lang="de-DE" dirty="0" err="1" smtClean="0"/>
+              <a:rPr lang="de-DE" dirty="0" err="1"/>
               <a:t>Unity</a:t>
             </a:r>
             <a:r>
-              <a:rPr lang="de-DE" dirty="0" smtClean="0"/>
+              <a:rPr lang="de-DE" dirty="0"/>
               <a:t> 3D</a:t>
             </a:r>
           </a:p>
@@ -8285,73 +9692,73 @@
             <a:pPr>
               <a:buNone/>
             </a:pPr>
-            <a:endParaRPr lang="de-DE" dirty="0" smtClean="0"/>
-          </a:p>
-          <a:p>
-            <a:r>
-              <a:rPr lang="de-DE" dirty="0" err="1" smtClean="0"/>
+            <a:endParaRPr lang="de-DE" dirty="0"/>
+          </a:p>
+          <a:p>
+            <a:r>
+              <a:rPr lang="de-DE" dirty="0" err="1"/>
               <a:t>Deployed</a:t>
             </a:r>
             <a:r>
-              <a:rPr lang="de-DE" dirty="0" smtClean="0"/>
+              <a:rPr lang="de-DE" dirty="0"/>
               <a:t> </a:t>
             </a:r>
             <a:r>
-              <a:rPr lang="de-DE" dirty="0" err="1" smtClean="0"/>
+              <a:rPr lang="de-DE" dirty="0" err="1"/>
               <a:t>assets</a:t>
             </a:r>
-            <a:endParaRPr lang="de-DE" dirty="0" smtClean="0"/>
-          </a:p>
-          <a:p>
             <a:endParaRPr lang="de-DE" dirty="0"/>
           </a:p>
           <a:p>
-            <a:r>
-              <a:rPr lang="de-DE" dirty="0" err="1" smtClean="0"/>
+            <a:endParaRPr lang="de-DE" dirty="0"/>
+          </a:p>
+          <a:p>
+            <a:r>
+              <a:rPr lang="de-DE" dirty="0" err="1"/>
               <a:t>Own</a:t>
             </a:r>
             <a:r>
-              <a:rPr lang="de-DE" dirty="0" smtClean="0"/>
+              <a:rPr lang="de-DE" dirty="0"/>
               <a:t> </a:t>
             </a:r>
             <a:r>
-              <a:rPr lang="de-DE" dirty="0" err="1" smtClean="0"/>
+              <a:rPr lang="de-DE" dirty="0" err="1"/>
               <a:t>part</a:t>
             </a:r>
-            <a:endParaRPr lang="de-DE" dirty="0" smtClean="0"/>
+            <a:endParaRPr lang="de-DE" dirty="0"/>
           </a:p>
           <a:p>
             <a:pPr lvl="1"/>
             <a:r>
-              <a:rPr lang="de-DE" dirty="0" smtClean="0"/>
+              <a:rPr lang="de-DE" dirty="0"/>
               <a:t>Scripts</a:t>
             </a:r>
           </a:p>
           <a:p>
             <a:pPr lvl="1"/>
             <a:r>
-              <a:rPr lang="de-DE" dirty="0" smtClean="0"/>
+              <a:rPr lang="de-DE" dirty="0"/>
               <a:t>Vegetation</a:t>
             </a:r>
           </a:p>
           <a:p>
             <a:pPr lvl="1"/>
             <a:r>
-              <a:rPr lang="de-DE" dirty="0" err="1" smtClean="0"/>
+              <a:rPr lang="de-DE" dirty="0" err="1"/>
               <a:t>Water</a:t>
             </a:r>
-            <a:endParaRPr lang="de-DE" dirty="0" smtClean="0"/>
+            <a:endParaRPr lang="de-DE" dirty="0"/>
           </a:p>
           <a:p>
             <a:pPr lvl="1"/>
             <a:r>
-              <a:rPr lang="de-DE" dirty="0" err="1" smtClean="0"/>
+              <a:rPr lang="de-DE" dirty="0" err="1"/>
               <a:t>Ambiance</a:t>
             </a:r>
-            <a:endParaRPr lang="de-DE" dirty="0" smtClean="0"/>
-          </a:p>
-          <a:p>
-            <a:endParaRPr lang="de-DE" dirty="0" smtClean="0"/>
+            <a:endParaRPr lang="de-DE" dirty="0"/>
+          </a:p>
+          <a:p>
+            <a:endParaRPr lang="de-DE" dirty="0"/>
           </a:p>
           <a:p>
             <a:pPr lvl="1"/>
@@ -8361,26 +9768,26 @@
             <a:endParaRPr lang="de-DE" dirty="0"/>
           </a:p>
           <a:p>
-            <a:endParaRPr lang="de-DE" dirty="0" smtClean="0"/>
+            <a:endParaRPr lang="de-DE" dirty="0"/>
           </a:p>
           <a:p>
             <a:pPr lvl="1"/>
-            <a:endParaRPr lang="de-DE" dirty="0" smtClean="0"/>
-          </a:p>
-          <a:p>
-            <a:endParaRPr lang="de-DE" dirty="0" smtClean="0"/>
-          </a:p>
-          <a:p>
-            <a:endParaRPr lang="de-DE" dirty="0" smtClean="0"/>
-          </a:p>
-          <a:p>
-            <a:endParaRPr lang="de-DE" dirty="0" smtClean="0"/>
+            <a:endParaRPr lang="de-DE" dirty="0"/>
+          </a:p>
+          <a:p>
+            <a:endParaRPr lang="de-DE" dirty="0"/>
+          </a:p>
+          <a:p>
+            <a:endParaRPr lang="de-DE" dirty="0"/>
+          </a:p>
+          <a:p>
+            <a:endParaRPr lang="de-DE" dirty="0"/>
           </a:p>
           <a:p>
             <a:pPr>
               <a:buNone/>
             </a:pPr>
-            <a:endParaRPr lang="de-DE" dirty="0" smtClean="0"/>
+            <a:endParaRPr lang="de-DE" dirty="0"/>
           </a:p>
           <a:p>
             <a:endParaRPr lang="de-DE" dirty="0"/>
@@ -8425,7 +9832,7 @@
           <a:blip r:embed="rId2" cstate="print">
             <a:extLst>
               <a:ext uri="{28A0092B-C50C-407E-A947-70E740481C1C}">
-                <a14:useLocalDpi xmlns:a14="http://schemas.microsoft.com/office/drawing/2010/main" xmlns="" val="0"/>
+                <a14:useLocalDpi xmlns:a14="http://schemas.microsoft.com/office/drawing/2010/main" val="0"/>
               </a:ext>
             </a:extLst>
           </a:blip>
@@ -8443,20 +9850,13 @@
     </p:spTree>
     <p:extLst>
       <p:ext uri="{BB962C8B-B14F-4D97-AF65-F5344CB8AC3E}">
-        <p14:creationId xmlns:p14="http://schemas.microsoft.com/office/powerpoint/2010/main" xmlns="" val="3486165658"/>
+        <p14:creationId xmlns:p14="http://schemas.microsoft.com/office/powerpoint/2010/main" val="3486165658"/>
       </p:ext>
     </p:extLst>
   </p:cSld>
   <p:clrMapOvr>
     <a:masterClrMapping/>
   </p:clrMapOvr>
-  <p:timing>
-    <p:tnLst>
-      <p:par>
-        <p:cTn id="1" dur="indefinite" restart="never" nodeType="tmRoot"/>
-      </p:par>
-    </p:tnLst>
-  </p:timing>
 </p:sld>
 </file>
 
@@ -8501,19 +9901,19 @@
           <a:p>
             <a:pPr algn="ctr"/>
             <a:r>
-              <a:rPr lang="de-DE" dirty="0" smtClean="0"/>
+              <a:rPr lang="de-DE" dirty="0"/>
               <a:t>pp – </a:t>
             </a:r>
             <a:r>
-              <a:rPr lang="de-DE" dirty="0" err="1" smtClean="0"/>
+              <a:rPr lang="de-DE" dirty="0" err="1"/>
               <a:t>Kinect</a:t>
             </a:r>
             <a:r>
-              <a:rPr lang="de-DE" dirty="0" smtClean="0"/>
+              <a:rPr lang="de-DE" dirty="0"/>
               <a:t> </a:t>
             </a:r>
             <a:r>
-              <a:rPr lang="de-DE" dirty="0" err="1" smtClean="0"/>
+              <a:rPr lang="de-DE" dirty="0" err="1"/>
               <a:t>control</a:t>
             </a:r>
             <a:endParaRPr lang="de-DE" dirty="0"/>
@@ -8543,107 +9943,107 @@
           <a:lstStyle/>
           <a:p>
             <a:r>
-              <a:rPr lang="de-DE" sz="2400" dirty="0" smtClean="0"/>
+              <a:rPr lang="de-DE" sz="2400" dirty="0"/>
               <a:t>Player </a:t>
             </a:r>
             <a:r>
-              <a:rPr lang="de-DE" sz="2400" dirty="0" err="1" smtClean="0"/>
+              <a:rPr lang="de-DE" sz="2400" dirty="0" err="1"/>
               <a:t>control</a:t>
             </a:r>
             <a:r>
-              <a:rPr lang="de-DE" sz="2400" dirty="0" smtClean="0"/>
+              <a:rPr lang="de-DE" sz="2400" dirty="0"/>
               <a:t> </a:t>
             </a:r>
             <a:r>
-              <a:rPr lang="de-DE" sz="2400" dirty="0" err="1" smtClean="0"/>
+              <a:rPr lang="de-DE" sz="2400" dirty="0" err="1"/>
               <a:t>by</a:t>
             </a:r>
             <a:r>
-              <a:rPr lang="de-DE" sz="2400" dirty="0" smtClean="0"/>
+              <a:rPr lang="de-DE" sz="2400" dirty="0"/>
               <a:t> arm </a:t>
             </a:r>
             <a:r>
-              <a:rPr lang="de-DE" sz="2400" dirty="0" err="1" smtClean="0"/>
+              <a:rPr lang="de-DE" sz="2400" dirty="0" err="1"/>
               <a:t>tracking</a:t>
             </a:r>
             <a:r>
-              <a:rPr lang="de-DE" sz="2400" dirty="0" smtClean="0"/>
+              <a:rPr lang="de-DE" sz="2400" dirty="0"/>
               <a:t>(</a:t>
             </a:r>
             <a:r>
-              <a:rPr lang="de-DE" sz="2400" dirty="0" err="1" smtClean="0"/>
+              <a:rPr lang="de-DE" sz="2400" dirty="0" err="1"/>
               <a:t>Kinect</a:t>
             </a:r>
             <a:r>
-              <a:rPr lang="de-DE" sz="2400" dirty="0" smtClean="0"/>
+              <a:rPr lang="de-DE" sz="2400" dirty="0"/>
               <a:t>):</a:t>
             </a:r>
           </a:p>
           <a:p>
             <a:pPr lvl="1"/>
             <a:r>
-              <a:rPr lang="de-DE" sz="2100" dirty="0" smtClean="0"/>
+              <a:rPr lang="de-DE" sz="2100" dirty="0"/>
               <a:t>X-Axis (</a:t>
             </a:r>
             <a:r>
-              <a:rPr lang="de-DE" sz="2100" dirty="0" err="1" smtClean="0"/>
+              <a:rPr lang="de-DE" sz="2100" dirty="0" err="1"/>
               <a:t>Pitch</a:t>
             </a:r>
             <a:r>
-              <a:rPr lang="de-DE" sz="2100" dirty="0" smtClean="0"/>
+              <a:rPr lang="de-DE" sz="2100" dirty="0"/>
               <a:t>)</a:t>
             </a:r>
           </a:p>
           <a:p>
             <a:pPr lvl="2"/>
             <a:r>
-              <a:rPr lang="de-DE" sz="1800" dirty="0" smtClean="0"/>
+              <a:rPr lang="de-DE" sz="1800" dirty="0"/>
               <a:t>Forward / Back</a:t>
             </a:r>
           </a:p>
           <a:p>
             <a:pPr lvl="1"/>
             <a:r>
-              <a:rPr lang="de-DE" sz="2100" dirty="0" smtClean="0"/>
+              <a:rPr lang="de-DE" sz="2100" dirty="0"/>
               <a:t>Y-Axis(Yaw)</a:t>
             </a:r>
           </a:p>
           <a:p>
             <a:pPr lvl="2"/>
             <a:r>
-              <a:rPr lang="de-DE" sz="1800" dirty="0" err="1" smtClean="0"/>
+              <a:rPr lang="de-DE" sz="1800" dirty="0" err="1"/>
               <a:t>Up</a:t>
             </a:r>
             <a:r>
-              <a:rPr lang="de-DE" sz="1800" dirty="0" smtClean="0"/>
+              <a:rPr lang="de-DE" sz="1800" dirty="0"/>
               <a:t> / Down</a:t>
             </a:r>
           </a:p>
           <a:p>
             <a:pPr lvl="2"/>
-            <a:endParaRPr lang="de-DE" dirty="0" smtClean="0"/>
-          </a:p>
-          <a:p>
-            <a:r>
-              <a:rPr lang="de-DE" sz="2400" dirty="0" err="1" smtClean="0"/>
+            <a:endParaRPr lang="de-DE" dirty="0"/>
+          </a:p>
+          <a:p>
+            <a:r>
+              <a:rPr lang="de-DE" sz="2400" dirty="0" err="1"/>
               <a:t>Right</a:t>
             </a:r>
             <a:r>
-              <a:rPr lang="de-DE" sz="2400" dirty="0" smtClean="0"/>
+              <a:rPr lang="de-DE" sz="2400" dirty="0"/>
               <a:t>-Arm-Tracking</a:t>
             </a:r>
           </a:p>
           <a:p>
-            <a:endParaRPr lang="de-DE" dirty="0" smtClean="0"/>
-          </a:p>
-          <a:p>
-            <a:endParaRPr lang="de-DE" dirty="0" smtClean="0"/>
+            <a:endParaRPr lang="de-DE" dirty="0"/>
+          </a:p>
+          <a:p>
+            <a:endParaRPr lang="de-DE" dirty="0"/>
           </a:p>
           <a:p>
             <a:pPr>
               <a:buNone/>
             </a:pPr>
-            <a:endParaRPr lang="de-DE" dirty="0" smtClean="0"/>
+            <a:endParaRPr lang="de-DE" dirty="0"/>
           </a:p>
           <a:p>
             <a:endParaRPr lang="de-DE" dirty="0"/>
@@ -8705,13 +10105,6 @@
   <p:clrMapOvr>
     <a:masterClrMapping/>
   </p:clrMapOvr>
-  <p:timing>
-    <p:tnLst>
-      <p:par>
-        <p:cTn id="1" dur="indefinite" restart="never" nodeType="tmRoot"/>
-      </p:par>
-    </p:tnLst>
-  </p:timing>
 </p:sld>
 </file>
 
@@ -8756,19 +10149,19 @@
           <a:p>
             <a:pPr algn="ctr"/>
             <a:r>
-              <a:rPr lang="de-DE" dirty="0" smtClean="0"/>
+              <a:rPr lang="de-DE" dirty="0"/>
               <a:t>pp - </a:t>
             </a:r>
             <a:r>
-              <a:rPr lang="de-DE" dirty="0" err="1" smtClean="0"/>
+              <a:rPr lang="de-DE" dirty="0" err="1"/>
               <a:t>Oculus</a:t>
             </a:r>
             <a:r>
-              <a:rPr lang="de-DE" dirty="0" smtClean="0"/>
+              <a:rPr lang="de-DE" dirty="0"/>
               <a:t> Rift </a:t>
             </a:r>
             <a:r>
-              <a:rPr lang="de-DE" dirty="0" err="1" smtClean="0"/>
+              <a:rPr lang="de-DE" dirty="0" err="1"/>
               <a:t>support</a:t>
             </a:r>
             <a:endParaRPr lang="de-DE" dirty="0"/>
@@ -8799,97 +10192,97 @@
           <a:p>
             <a:pPr lvl="0"/>
             <a:r>
-              <a:rPr lang="de-DE" sz="2400" dirty="0" err="1" smtClean="0"/>
+              <a:rPr lang="de-DE" sz="2400" dirty="0" err="1"/>
               <a:t>Using</a:t>
             </a:r>
             <a:r>
-              <a:rPr lang="de-DE" sz="2400" dirty="0" smtClean="0"/>
+              <a:rPr lang="de-DE" sz="2400" dirty="0"/>
               <a:t> </a:t>
             </a:r>
             <a:r>
-              <a:rPr lang="de-DE" sz="2400" dirty="0" err="1" smtClean="0"/>
+              <a:rPr lang="de-DE" sz="2400" dirty="0" err="1"/>
               <a:t>head</a:t>
             </a:r>
             <a:r>
-              <a:rPr lang="de-DE" sz="2400" dirty="0" smtClean="0"/>
+              <a:rPr lang="de-DE" sz="2400" dirty="0"/>
               <a:t> </a:t>
             </a:r>
             <a:r>
-              <a:rPr lang="de-DE" sz="2400" dirty="0" err="1" smtClean="0"/>
+              <a:rPr lang="de-DE" sz="2400" dirty="0" err="1"/>
               <a:t>rotation</a:t>
             </a:r>
             <a:r>
-              <a:rPr lang="de-DE" sz="2400" dirty="0" smtClean="0"/>
+              <a:rPr lang="de-DE" sz="2400" dirty="0"/>
               <a:t> </a:t>
             </a:r>
             <a:r>
-              <a:rPr lang="de-DE" sz="2400" dirty="0" err="1" smtClean="0"/>
+              <a:rPr lang="de-DE" sz="2400" dirty="0" err="1"/>
               <a:t>for</a:t>
             </a:r>
             <a:r>
-              <a:rPr lang="de-DE" sz="2400" dirty="0" smtClean="0"/>
+              <a:rPr lang="de-DE" sz="2400" dirty="0"/>
               <a:t> </a:t>
             </a:r>
             <a:r>
-              <a:rPr lang="de-DE" sz="2400" dirty="0" err="1" smtClean="0"/>
+              <a:rPr lang="de-DE" sz="2400" dirty="0" err="1"/>
               <a:t>first-person-view</a:t>
             </a:r>
-            <a:endParaRPr lang="de-DE" sz="2400" dirty="0" smtClean="0"/>
+            <a:endParaRPr lang="de-DE" sz="2400" dirty="0"/>
           </a:p>
           <a:p>
             <a:pPr lvl="0"/>
-            <a:endParaRPr lang="de-DE" sz="2400" dirty="0" smtClean="0"/>
+            <a:endParaRPr lang="de-DE" sz="2400" dirty="0"/>
           </a:p>
           <a:p>
             <a:pPr lvl="0"/>
             <a:r>
-              <a:rPr lang="de-DE" sz="2400" dirty="0" err="1" smtClean="0"/>
+              <a:rPr lang="de-DE" sz="2400" dirty="0" err="1"/>
               <a:t>To</a:t>
             </a:r>
             <a:r>
-              <a:rPr lang="de-DE" sz="2400" dirty="0" smtClean="0"/>
+              <a:rPr lang="de-DE" sz="2400" dirty="0"/>
               <a:t> </a:t>
             </a:r>
             <a:r>
-              <a:rPr lang="de-DE" sz="2400" dirty="0" err="1" smtClean="0"/>
+              <a:rPr lang="de-DE" sz="2400" dirty="0" err="1"/>
               <a:t>make</a:t>
             </a:r>
             <a:r>
-              <a:rPr lang="de-DE" sz="2400" dirty="0" smtClean="0"/>
+              <a:rPr lang="de-DE" sz="2400" dirty="0"/>
               <a:t> </a:t>
             </a:r>
             <a:r>
-              <a:rPr lang="de-DE" sz="2400" dirty="0" err="1" smtClean="0"/>
+              <a:rPr lang="de-DE" sz="2400" dirty="0" err="1"/>
               <a:t>the</a:t>
             </a:r>
             <a:r>
-              <a:rPr lang="de-DE" sz="2400" dirty="0" smtClean="0"/>
+              <a:rPr lang="de-DE" sz="2400" dirty="0"/>
               <a:t> </a:t>
             </a:r>
             <a:r>
-              <a:rPr lang="de-DE" sz="2400" dirty="0" err="1" smtClean="0"/>
+              <a:rPr lang="de-DE" sz="2400" dirty="0" err="1"/>
               <a:t>game</a:t>
             </a:r>
             <a:r>
-              <a:rPr lang="de-DE" sz="2400" dirty="0" smtClean="0"/>
+              <a:rPr lang="de-DE" sz="2400" dirty="0"/>
               <a:t> </a:t>
             </a:r>
             <a:r>
-              <a:rPr lang="de-DE" sz="2400" dirty="0" err="1" smtClean="0"/>
+              <a:rPr lang="de-DE" sz="2400" dirty="0" err="1"/>
               <a:t>more</a:t>
             </a:r>
             <a:r>
-              <a:rPr lang="de-DE" sz="2400" dirty="0" smtClean="0"/>
+              <a:rPr lang="de-DE" sz="2400" dirty="0"/>
               <a:t> </a:t>
             </a:r>
             <a:r>
-              <a:rPr lang="de-DE" sz="2400" dirty="0" err="1" smtClean="0"/>
+              <a:rPr lang="de-DE" sz="2400" dirty="0" err="1"/>
               <a:t>immversive</a:t>
             </a:r>
-            <a:endParaRPr lang="de-DE" sz="2400" dirty="0" smtClean="0"/>
-          </a:p>
-          <a:p>
-            <a:endParaRPr lang="de-DE" dirty="0" smtClean="0"/>
+            <a:endParaRPr lang="de-DE" sz="2400" dirty="0"/>
+          </a:p>
+          <a:p>
+            <a:endParaRPr lang="de-DE" dirty="0"/>
           </a:p>
         </p:txBody>
       </p:sp>
@@ -8959,7 +10352,7 @@
               <a:tabLst/>
               <a:defRPr/>
             </a:pPr>
-            <a:endParaRPr kumimoji="0" lang="de-DE" sz="2600" b="0" i="0" u="none" strike="noStrike" kern="1200" cap="none" spc="0" normalizeH="0" baseline="0" noProof="0" dirty="0" smtClean="0">
+            <a:endParaRPr kumimoji="0" lang="de-DE" sz="2600" b="0" i="0" u="none" strike="noStrike" kern="1200" cap="none" spc="0" normalizeH="0" baseline="0" noProof="0" dirty="0">
               <a:ln>
                 <a:noFill/>
               </a:ln>
@@ -9007,13 +10400,6 @@
   <p:clrMapOvr>
     <a:masterClrMapping/>
   </p:clrMapOvr>
-  <p:timing>
-    <p:tnLst>
-      <p:par>
-        <p:cTn id="1" dur="indefinite" restart="never" nodeType="tmRoot"/>
-      </p:par>
-    </p:tnLst>
-  </p:timing>
 </p:sld>
 </file>
 
@@ -9058,19 +10444,19 @@
           <a:p>
             <a:pPr algn="ctr"/>
             <a:r>
-              <a:rPr lang="de-DE" dirty="0" smtClean="0"/>
+              <a:rPr lang="de-DE" dirty="0"/>
               <a:t>pp - Server </a:t>
             </a:r>
             <a:r>
-              <a:rPr lang="de-DE" dirty="0" err="1" smtClean="0"/>
+              <a:rPr lang="de-DE" dirty="0" err="1"/>
               <a:t>and</a:t>
             </a:r>
             <a:r>
-              <a:rPr lang="de-DE" dirty="0" smtClean="0"/>
+              <a:rPr lang="de-DE" dirty="0"/>
               <a:t> </a:t>
             </a:r>
             <a:r>
-              <a:rPr lang="de-DE" dirty="0" err="1" smtClean="0"/>
+              <a:rPr lang="de-DE" dirty="0" err="1"/>
               <a:t>client</a:t>
             </a:r>
             <a:endParaRPr lang="de-DE" dirty="0"/>
@@ -9125,170 +10511,170 @@
           <a:p>
             <a:pPr lvl="0"/>
             <a:r>
-              <a:rPr lang="de-DE" sz="2400" dirty="0" err="1" smtClean="0"/>
+              <a:rPr lang="de-DE" sz="2400" dirty="0" err="1"/>
               <a:t>Only</a:t>
             </a:r>
             <a:r>
-              <a:rPr lang="de-DE" sz="2400" dirty="0" smtClean="0"/>
+              <a:rPr lang="de-DE" sz="2400" dirty="0"/>
               <a:t> </a:t>
             </a:r>
             <a:r>
-              <a:rPr lang="de-DE" sz="2400" dirty="0" err="1" smtClean="0"/>
+              <a:rPr lang="de-DE" sz="2400" dirty="0" err="1"/>
               <a:t>used</a:t>
             </a:r>
             <a:r>
-              <a:rPr lang="de-DE" sz="2400" dirty="0" smtClean="0"/>
+              <a:rPr lang="de-DE" sz="2400" dirty="0"/>
               <a:t> </a:t>
             </a:r>
             <a:r>
-              <a:rPr lang="de-DE" sz="2400" dirty="0" err="1" smtClean="0"/>
+              <a:rPr lang="de-DE" sz="2400" dirty="0" err="1"/>
               <a:t>as</a:t>
             </a:r>
             <a:r>
-              <a:rPr lang="de-DE" sz="2400" dirty="0" smtClean="0"/>
+              <a:rPr lang="de-DE" sz="2400" dirty="0"/>
               <a:t> a </a:t>
             </a:r>
             <a:r>
-              <a:rPr lang="de-DE" sz="2400" dirty="0" err="1" smtClean="0"/>
+              <a:rPr lang="de-DE" sz="2400" dirty="0" err="1"/>
               <a:t>spectator</a:t>
             </a:r>
             <a:r>
-              <a:rPr lang="de-DE" sz="2400" dirty="0" smtClean="0"/>
+              <a:rPr lang="de-DE" sz="2400" dirty="0"/>
               <a:t> </a:t>
             </a:r>
             <a:r>
-              <a:rPr lang="de-DE" sz="2400" dirty="0" err="1" smtClean="0"/>
+              <a:rPr lang="de-DE" sz="2400" dirty="0" err="1"/>
               <a:t>client</a:t>
             </a:r>
-            <a:endParaRPr lang="de-DE" sz="2400" dirty="0" smtClean="0"/>
+            <a:endParaRPr lang="de-DE" sz="2400" dirty="0"/>
           </a:p>
           <a:p>
             <a:pPr lvl="0"/>
-            <a:endParaRPr lang="de-DE" sz="2400" dirty="0" smtClean="0"/>
+            <a:endParaRPr lang="de-DE" sz="2400" dirty="0"/>
           </a:p>
           <a:p>
             <a:pPr lvl="0"/>
             <a:r>
-              <a:rPr lang="de-DE" sz="2400" dirty="0" err="1" smtClean="0"/>
+              <a:rPr lang="de-DE" sz="2400" dirty="0" err="1"/>
               <a:t>Used</a:t>
             </a:r>
             <a:r>
-              <a:rPr lang="de-DE" sz="2400" dirty="0" smtClean="0"/>
+              <a:rPr lang="de-DE" sz="2400" dirty="0"/>
               <a:t> </a:t>
             </a:r>
             <a:r>
-              <a:rPr lang="de-DE" sz="2400" dirty="0" err="1" smtClean="0"/>
+              <a:rPr lang="de-DE" sz="2400" dirty="0" err="1"/>
               <a:t>for</a:t>
             </a:r>
             <a:r>
-              <a:rPr lang="de-DE" sz="2400" dirty="0" smtClean="0"/>
+              <a:rPr lang="de-DE" sz="2400" dirty="0"/>
               <a:t> </a:t>
             </a:r>
             <a:r>
-              <a:rPr lang="de-DE" sz="2400" dirty="0" err="1" smtClean="0"/>
+              <a:rPr lang="de-DE" sz="2400" dirty="0" err="1"/>
               <a:t>demonstrational</a:t>
             </a:r>
             <a:r>
-              <a:rPr lang="de-DE" sz="2400" dirty="0" smtClean="0"/>
+              <a:rPr lang="de-DE" sz="2400" dirty="0"/>
               <a:t> </a:t>
             </a:r>
             <a:r>
-              <a:rPr lang="de-DE" sz="2400" dirty="0" err="1" smtClean="0"/>
+              <a:rPr lang="de-DE" sz="2400" dirty="0" err="1"/>
               <a:t>purposes</a:t>
             </a:r>
             <a:r>
-              <a:rPr lang="de-DE" sz="2400" dirty="0" smtClean="0"/>
+              <a:rPr lang="de-DE" sz="2400" dirty="0"/>
               <a:t> </a:t>
             </a:r>
           </a:p>
           <a:p>
             <a:pPr lvl="0"/>
-            <a:endParaRPr lang="de-DE" sz="2400" dirty="0" smtClean="0"/>
+            <a:endParaRPr lang="de-DE" sz="2400" dirty="0"/>
           </a:p>
           <a:p>
             <a:pPr lvl="0"/>
             <a:r>
-              <a:rPr lang="de-DE" sz="2400" dirty="0" err="1" smtClean="0"/>
+              <a:rPr lang="de-DE" sz="2400" dirty="0" err="1"/>
               <a:t>Used</a:t>
             </a:r>
             <a:r>
-              <a:rPr lang="de-DE" sz="2400" dirty="0" smtClean="0"/>
+              <a:rPr lang="de-DE" sz="2400" dirty="0"/>
               <a:t> </a:t>
             </a:r>
             <a:r>
-              <a:rPr lang="de-DE" sz="2400" dirty="0" err="1" smtClean="0"/>
+              <a:rPr lang="de-DE" sz="2400" dirty="0" err="1"/>
               <a:t>to</a:t>
             </a:r>
             <a:r>
-              <a:rPr lang="de-DE" sz="2400" dirty="0" smtClean="0"/>
+              <a:rPr lang="de-DE" sz="2400" dirty="0"/>
               <a:t> </a:t>
             </a:r>
             <a:r>
-              <a:rPr lang="de-DE" sz="2400" dirty="0" err="1" smtClean="0"/>
+              <a:rPr lang="de-DE" sz="2400" dirty="0" err="1"/>
               <a:t>get</a:t>
             </a:r>
             <a:r>
-              <a:rPr lang="de-DE" sz="2400" dirty="0" smtClean="0"/>
+              <a:rPr lang="de-DE" sz="2400" dirty="0"/>
               <a:t> a </a:t>
             </a:r>
             <a:r>
-              <a:rPr lang="de-DE" sz="2400" dirty="0" err="1" smtClean="0"/>
+              <a:rPr lang="de-DE" sz="2400" dirty="0" err="1"/>
               <a:t>better</a:t>
             </a:r>
             <a:r>
-              <a:rPr lang="de-DE" sz="2400" dirty="0" smtClean="0"/>
+              <a:rPr lang="de-DE" sz="2400" dirty="0"/>
               <a:t> </a:t>
             </a:r>
             <a:r>
-              <a:rPr lang="de-DE" sz="2400" dirty="0" err="1" smtClean="0"/>
+              <a:rPr lang="de-DE" sz="2400" dirty="0" err="1"/>
               <a:t>view</a:t>
             </a:r>
             <a:r>
-              <a:rPr lang="de-DE" sz="2400" dirty="0" smtClean="0"/>
+              <a:rPr lang="de-DE" sz="2400" dirty="0"/>
               <a:t> </a:t>
             </a:r>
             <a:r>
-              <a:rPr lang="de-DE" sz="2400" dirty="0" err="1" smtClean="0"/>
+              <a:rPr lang="de-DE" sz="2400" dirty="0" err="1"/>
               <a:t>of</a:t>
             </a:r>
             <a:r>
-              <a:rPr lang="de-DE" sz="2400" dirty="0" smtClean="0"/>
+              <a:rPr lang="de-DE" sz="2400" dirty="0"/>
               <a:t> </a:t>
             </a:r>
             <a:r>
-              <a:rPr lang="de-DE" sz="2400" dirty="0" err="1" smtClean="0"/>
+              <a:rPr lang="de-DE" sz="2400" dirty="0" err="1"/>
               <a:t>the</a:t>
             </a:r>
             <a:r>
-              <a:rPr lang="de-DE" sz="2400" dirty="0" smtClean="0"/>
+              <a:rPr lang="de-DE" sz="2400" dirty="0"/>
               <a:t> </a:t>
             </a:r>
             <a:r>
-              <a:rPr lang="de-DE" sz="2400" dirty="0" err="1" smtClean="0"/>
+              <a:rPr lang="de-DE" sz="2400" dirty="0" err="1"/>
               <a:t>player´s</a:t>
             </a:r>
             <a:r>
-              <a:rPr lang="de-DE" sz="2400" dirty="0" smtClean="0"/>
+              <a:rPr lang="de-DE" sz="2400" dirty="0"/>
               <a:t> </a:t>
             </a:r>
             <a:r>
-              <a:rPr lang="de-DE" sz="2400" dirty="0" err="1" smtClean="0"/>
+              <a:rPr lang="de-DE" sz="2400" dirty="0" err="1"/>
               <a:t>perspective</a:t>
             </a:r>
             <a:r>
-              <a:rPr lang="de-DE" sz="2400" dirty="0" smtClean="0"/>
+              <a:rPr lang="de-DE" sz="2400" dirty="0"/>
               <a:t> (FPV-Transmission)</a:t>
             </a:r>
           </a:p>
           <a:p>
             <a:pPr lvl="0"/>
-            <a:endParaRPr lang="de-DE" sz="2400" dirty="0" smtClean="0"/>
+            <a:endParaRPr lang="de-DE" sz="2400" dirty="0"/>
           </a:p>
           <a:p>
             <a:pPr lvl="1">
               <a:buNone/>
             </a:pPr>
-            <a:endParaRPr lang="de-DE" dirty="0" smtClean="0"/>
+            <a:endParaRPr lang="de-DE" dirty="0"/>
           </a:p>
         </p:txBody>
       </p:sp>
@@ -9349,13 +10735,6 @@
   <p:clrMapOvr>
     <a:masterClrMapping/>
   </p:clrMapOvr>
-  <p:timing>
-    <p:tnLst>
-      <p:par>
-        <p:cTn id="1" dur="indefinite" restart="never" nodeType="tmRoot"/>
-      </p:par>
-    </p:tnLst>
-  </p:timing>
 </p:sld>
 </file>
 
@@ -9393,11 +10772,11 @@
           <a:p>
             <a:pPr algn="ctr"/>
             <a:r>
-              <a:rPr lang="de-DE" dirty="0" smtClean="0"/>
+              <a:rPr lang="de-DE" dirty="0"/>
               <a:t>Project </a:t>
             </a:r>
             <a:r>
-              <a:rPr lang="de-DE" dirty="0" err="1" smtClean="0"/>
+              <a:rPr lang="de-DE" dirty="0" err="1"/>
               <a:t>extensions</a:t>
             </a:r>
             <a:endParaRPr lang="de-DE" dirty="0"/>
@@ -9422,221 +10801,221 @@
           <a:lstStyle/>
           <a:p>
             <a:r>
-              <a:rPr lang="de-DE" sz="2400" dirty="0" smtClean="0"/>
+              <a:rPr lang="de-DE" sz="2400" dirty="0"/>
               <a:t>Fly </a:t>
             </a:r>
             <a:r>
-              <a:rPr lang="de-DE" sz="2400" dirty="0" err="1" smtClean="0"/>
+              <a:rPr lang="de-DE" sz="2400" dirty="0" err="1"/>
               <a:t>physics</a:t>
             </a:r>
-            <a:endParaRPr lang="de-DE" sz="2400" dirty="0" smtClean="0"/>
-          </a:p>
-          <a:p>
-            <a:r>
-              <a:rPr lang="de-DE" sz="2400" dirty="0" smtClean="0"/>
+            <a:endParaRPr lang="de-DE" sz="2400" dirty="0"/>
+          </a:p>
+          <a:p>
+            <a:r>
+              <a:rPr lang="de-DE" sz="2400" dirty="0"/>
               <a:t>Player model (</a:t>
             </a:r>
             <a:r>
-              <a:rPr lang="de-DE" sz="2400" dirty="0" err="1" smtClean="0"/>
+              <a:rPr lang="de-DE" sz="2400" dirty="0" err="1"/>
               <a:t>visible</a:t>
             </a:r>
             <a:r>
-              <a:rPr lang="de-DE" sz="2400" dirty="0" smtClean="0"/>
+              <a:rPr lang="de-DE" sz="2400" dirty="0"/>
               <a:t> arm </a:t>
             </a:r>
             <a:r>
-              <a:rPr lang="de-DE" sz="2400" dirty="0" err="1" smtClean="0"/>
+              <a:rPr lang="de-DE" sz="2400" dirty="0" err="1"/>
               <a:t>movement</a:t>
             </a:r>
             <a:r>
-              <a:rPr lang="de-DE" sz="2400" dirty="0" smtClean="0"/>
+              <a:rPr lang="de-DE" sz="2400" dirty="0"/>
               <a:t>)</a:t>
             </a:r>
           </a:p>
           <a:p>
             <a:r>
-              <a:rPr lang="de-DE" sz="2400" dirty="0" err="1" smtClean="0"/>
+              <a:rPr lang="de-DE" sz="2400" dirty="0" err="1"/>
               <a:t>Effect</a:t>
             </a:r>
             <a:r>
-              <a:rPr lang="de-DE" sz="2400" dirty="0" smtClean="0"/>
+              <a:rPr lang="de-DE" sz="2400" dirty="0"/>
               <a:t>-Events (</a:t>
             </a:r>
             <a:r>
-              <a:rPr lang="de-DE" sz="2400" dirty="0" err="1" smtClean="0"/>
+              <a:rPr lang="de-DE" sz="2400" dirty="0" err="1"/>
               <a:t>flying</a:t>
             </a:r>
             <a:r>
-              <a:rPr lang="de-DE" sz="2400" dirty="0" smtClean="0"/>
+              <a:rPr lang="de-DE" sz="2400" dirty="0"/>
               <a:t> </a:t>
             </a:r>
             <a:r>
-              <a:rPr lang="de-DE" sz="2400" dirty="0" err="1" smtClean="0"/>
+              <a:rPr lang="de-DE" sz="2400" dirty="0" err="1"/>
               <a:t>through</a:t>
             </a:r>
             <a:r>
-              <a:rPr lang="de-DE" sz="2400" dirty="0" smtClean="0"/>
+              <a:rPr lang="de-DE" sz="2400" dirty="0"/>
               <a:t> a </a:t>
             </a:r>
             <a:r>
-              <a:rPr lang="de-DE" sz="2400" dirty="0" err="1" smtClean="0"/>
+              <a:rPr lang="de-DE" sz="2400" dirty="0" err="1"/>
               <a:t>bridge</a:t>
             </a:r>
             <a:r>
-              <a:rPr lang="de-DE" sz="2400" dirty="0" smtClean="0"/>
+              <a:rPr lang="de-DE" sz="2400" dirty="0"/>
               <a:t>)</a:t>
             </a:r>
           </a:p>
           <a:p>
             <a:r>
-              <a:rPr lang="de-DE" sz="2400" dirty="0" err="1" smtClean="0"/>
+              <a:rPr lang="de-DE" sz="2400" dirty="0" err="1"/>
               <a:t>Rework</a:t>
             </a:r>
             <a:r>
-              <a:rPr lang="de-DE" sz="2400" dirty="0" smtClean="0"/>
+              <a:rPr lang="de-DE" sz="2400" dirty="0"/>
               <a:t> </a:t>
             </a:r>
             <a:r>
-              <a:rPr lang="de-DE" sz="2400" dirty="0" err="1" smtClean="0"/>
+              <a:rPr lang="de-DE" sz="2400" dirty="0" err="1"/>
               <a:t>and</a:t>
             </a:r>
             <a:r>
-              <a:rPr lang="de-DE" sz="2400" dirty="0" smtClean="0"/>
+              <a:rPr lang="de-DE" sz="2400" dirty="0"/>
               <a:t>/</a:t>
             </a:r>
             <a:r>
-              <a:rPr lang="de-DE" sz="2400" dirty="0" err="1" smtClean="0"/>
+              <a:rPr lang="de-DE" sz="2400" dirty="0" err="1"/>
               <a:t>or</a:t>
             </a:r>
             <a:r>
-              <a:rPr lang="de-DE" sz="2400" dirty="0" smtClean="0"/>
+              <a:rPr lang="de-DE" sz="2400" dirty="0"/>
               <a:t> </a:t>
             </a:r>
             <a:r>
-              <a:rPr lang="de-DE" sz="2400" dirty="0" err="1" smtClean="0"/>
+              <a:rPr lang="de-DE" sz="2400" dirty="0" err="1"/>
               <a:t>improve</a:t>
             </a:r>
             <a:r>
-              <a:rPr lang="de-DE" sz="2400" dirty="0" smtClean="0"/>
+              <a:rPr lang="de-DE" sz="2400" dirty="0"/>
               <a:t> </a:t>
             </a:r>
             <a:r>
-              <a:rPr lang="de-DE" sz="2400" dirty="0" err="1" smtClean="0"/>
+              <a:rPr lang="de-DE" sz="2400" dirty="0" err="1"/>
               <a:t>kinect</a:t>
             </a:r>
             <a:r>
-              <a:rPr lang="de-DE" sz="2400" dirty="0" smtClean="0"/>
+              <a:rPr lang="de-DE" sz="2400" dirty="0"/>
               <a:t> </a:t>
             </a:r>
             <a:r>
-              <a:rPr lang="de-DE" sz="2400" dirty="0" err="1" smtClean="0"/>
+              <a:rPr lang="de-DE" sz="2400" dirty="0" err="1"/>
               <a:t>control</a:t>
             </a:r>
-            <a:endParaRPr lang="de-DE" sz="2400" dirty="0" smtClean="0"/>
-          </a:p>
-          <a:p>
-            <a:r>
-              <a:rPr lang="de-DE" sz="2400" dirty="0" err="1" smtClean="0"/>
+            <a:endParaRPr lang="de-DE" sz="2400" dirty="0"/>
+          </a:p>
+          <a:p>
+            <a:r>
+              <a:rPr lang="de-DE" sz="2400" dirty="0" err="1"/>
               <a:t>Graphical</a:t>
             </a:r>
             <a:r>
-              <a:rPr lang="de-DE" sz="2400" dirty="0" smtClean="0"/>
+              <a:rPr lang="de-DE" sz="2400" dirty="0"/>
               <a:t> update</a:t>
             </a:r>
           </a:p>
           <a:p>
             <a:pPr lvl="1"/>
             <a:r>
-              <a:rPr lang="de-DE" sz="2100" dirty="0" smtClean="0"/>
+              <a:rPr lang="de-DE" sz="2100" dirty="0"/>
               <a:t>Post-</a:t>
             </a:r>
             <a:r>
-              <a:rPr lang="de-DE" sz="2100" dirty="0" err="1" smtClean="0"/>
+              <a:rPr lang="de-DE" sz="2100" dirty="0" err="1"/>
               <a:t>effects</a:t>
             </a:r>
             <a:r>
-              <a:rPr lang="de-DE" sz="2100" dirty="0" smtClean="0"/>
+              <a:rPr lang="de-DE" sz="2100" dirty="0"/>
               <a:t> (radial </a:t>
             </a:r>
             <a:r>
-              <a:rPr lang="de-DE" sz="2100" dirty="0" err="1" smtClean="0"/>
+              <a:rPr lang="de-DE" sz="2100" dirty="0" err="1"/>
               <a:t>blur</a:t>
             </a:r>
             <a:r>
-              <a:rPr lang="de-DE" sz="2100" dirty="0" smtClean="0"/>
+              <a:rPr lang="de-DE" sz="2100" dirty="0"/>
               <a:t>)</a:t>
             </a:r>
           </a:p>
           <a:p>
             <a:pPr lvl="1"/>
             <a:r>
-              <a:rPr lang="de-DE" sz="2100" dirty="0" err="1" smtClean="0"/>
+              <a:rPr lang="de-DE" sz="2100" dirty="0" err="1"/>
               <a:t>Some</a:t>
             </a:r>
             <a:r>
-              <a:rPr lang="de-DE" sz="2100" dirty="0" smtClean="0"/>
+              <a:rPr lang="de-DE" sz="2100" dirty="0"/>
               <a:t> </a:t>
             </a:r>
             <a:r>
-              <a:rPr lang="de-DE" sz="2100" dirty="0" err="1" smtClean="0"/>
+              <a:rPr lang="de-DE" sz="2100" dirty="0" err="1"/>
               <a:t>terrain</a:t>
             </a:r>
             <a:r>
-              <a:rPr lang="de-DE" sz="2100" dirty="0" smtClean="0"/>
+              <a:rPr lang="de-DE" sz="2100" dirty="0"/>
               <a:t> </a:t>
             </a:r>
             <a:r>
-              <a:rPr lang="de-DE" sz="2100" dirty="0" err="1" smtClean="0"/>
+              <a:rPr lang="de-DE" sz="2100" dirty="0" err="1"/>
               <a:t>and</a:t>
             </a:r>
             <a:r>
-              <a:rPr lang="de-DE" sz="2100" dirty="0" smtClean="0"/>
+              <a:rPr lang="de-DE" sz="2100" dirty="0"/>
               <a:t> </a:t>
             </a:r>
             <a:r>
-              <a:rPr lang="de-DE" sz="2100" dirty="0" err="1" smtClean="0"/>
+              <a:rPr lang="de-DE" sz="2100" dirty="0" err="1"/>
               <a:t>world</a:t>
             </a:r>
             <a:r>
-              <a:rPr lang="de-DE" sz="2100" dirty="0" smtClean="0"/>
+              <a:rPr lang="de-DE" sz="2100" dirty="0"/>
               <a:t> </a:t>
             </a:r>
             <a:r>
-              <a:rPr lang="de-DE" sz="2100" dirty="0" err="1" smtClean="0"/>
+              <a:rPr lang="de-DE" sz="2100" dirty="0" err="1"/>
               <a:t>improvements</a:t>
             </a:r>
             <a:r>
-              <a:rPr lang="de-DE" sz="2100" dirty="0" smtClean="0"/>
+              <a:rPr lang="de-DE" sz="2100" dirty="0"/>
               <a:t> </a:t>
             </a:r>
           </a:p>
           <a:p>
             <a:pPr lvl="2"/>
             <a:r>
-              <a:rPr lang="de-DE" sz="1800" dirty="0" err="1" smtClean="0"/>
+              <a:rPr lang="de-DE" sz="1800" dirty="0" err="1"/>
               <a:t>Clouds</a:t>
             </a:r>
-            <a:endParaRPr lang="de-DE" sz="1800" dirty="0" smtClean="0"/>
+            <a:endParaRPr lang="de-DE" sz="1800" dirty="0"/>
           </a:p>
           <a:p>
             <a:pPr lvl="2"/>
             <a:r>
-              <a:rPr lang="de-DE" sz="1800" dirty="0" err="1" smtClean="0"/>
+              <a:rPr lang="de-DE" sz="1800" dirty="0" err="1"/>
               <a:t>Better</a:t>
             </a:r>
             <a:r>
-              <a:rPr lang="de-DE" sz="1800" dirty="0" smtClean="0"/>
+              <a:rPr lang="de-DE" sz="1800" dirty="0"/>
               <a:t> </a:t>
             </a:r>
             <a:r>
-              <a:rPr lang="de-DE" sz="1800" dirty="0" err="1" smtClean="0"/>
+              <a:rPr lang="de-DE" sz="1800" dirty="0" err="1"/>
               <a:t>lighting</a:t>
             </a:r>
-            <a:endParaRPr lang="de-DE" sz="1800" dirty="0" smtClean="0"/>
+            <a:endParaRPr lang="de-DE" sz="1800" dirty="0"/>
           </a:p>
           <a:p>
             <a:pPr lvl="2"/>
-            <a:endParaRPr lang="de-DE" dirty="0" smtClean="0"/>
+            <a:endParaRPr lang="de-DE" dirty="0"/>
           </a:p>
           <a:p>
             <a:endParaRPr lang="de-DE" dirty="0"/>
@@ -9698,13 +11077,6 @@
   <p:clrMapOvr>
     <a:masterClrMapping/>
   </p:clrMapOvr>
-  <p:timing>
-    <p:tnLst>
-      <p:par>
-        <p:cTn id="1" dur="indefinite" restart="never" nodeType="tmRoot"/>
-      </p:par>
-    </p:tnLst>
-  </p:timing>
 </p:sld>
 </file>
 
@@ -9742,11 +11114,11 @@
           <a:p>
             <a:pPr algn="ctr"/>
             <a:r>
-              <a:rPr lang="de-DE" dirty="0" smtClean="0"/>
+              <a:rPr lang="de-DE" dirty="0"/>
               <a:t>Project </a:t>
             </a:r>
             <a:r>
-              <a:rPr lang="de-DE" dirty="0" err="1" smtClean="0"/>
+              <a:rPr lang="de-DE" dirty="0" err="1"/>
               <a:t>extensions</a:t>
             </a:r>
             <a:endParaRPr lang="de-DE" dirty="0"/>
@@ -9771,196 +11143,196 @@
           <a:lstStyle/>
           <a:p>
             <a:r>
-              <a:rPr lang="de-DE" dirty="0" smtClean="0"/>
+              <a:rPr lang="de-DE" dirty="0"/>
               <a:t>Client </a:t>
             </a:r>
             <a:r>
-              <a:rPr lang="de-DE" dirty="0" err="1" smtClean="0"/>
+              <a:rPr lang="de-DE" dirty="0" err="1"/>
               <a:t>improvment</a:t>
             </a:r>
-            <a:endParaRPr lang="de-DE" dirty="0" smtClean="0"/>
+            <a:endParaRPr lang="de-DE" dirty="0"/>
           </a:p>
           <a:p>
             <a:pPr lvl="1"/>
             <a:r>
-              <a:rPr lang="de-DE" sz="2300" dirty="0" smtClean="0"/>
+              <a:rPr lang="de-DE" sz="2300" dirty="0"/>
               <a:t>Additional </a:t>
             </a:r>
             <a:r>
-              <a:rPr lang="de-DE" sz="2300" dirty="0" err="1" smtClean="0"/>
+              <a:rPr lang="de-DE" sz="2300" dirty="0" err="1"/>
               <a:t>camera</a:t>
             </a:r>
             <a:r>
-              <a:rPr lang="de-DE" sz="2300" dirty="0" smtClean="0"/>
+              <a:rPr lang="de-DE" sz="2300" dirty="0"/>
               <a:t> </a:t>
             </a:r>
             <a:r>
-              <a:rPr lang="de-DE" sz="2300" dirty="0" err="1" smtClean="0"/>
+              <a:rPr lang="de-DE" sz="2300" dirty="0" err="1"/>
               <a:t>styles</a:t>
             </a:r>
-            <a:endParaRPr lang="de-DE" sz="2300" dirty="0" smtClean="0"/>
+            <a:endParaRPr lang="de-DE" sz="2300" dirty="0"/>
           </a:p>
           <a:p>
             <a:pPr lvl="2"/>
             <a:r>
-              <a:rPr lang="de-DE" dirty="0" err="1" smtClean="0"/>
+              <a:rPr lang="de-DE" dirty="0" err="1"/>
               <a:t>Some</a:t>
             </a:r>
             <a:r>
-              <a:rPr lang="de-DE" dirty="0" smtClean="0"/>
+              <a:rPr lang="de-DE" dirty="0"/>
               <a:t> </a:t>
             </a:r>
             <a:r>
-              <a:rPr lang="de-DE" dirty="0" err="1" smtClean="0"/>
+              <a:rPr lang="de-DE" dirty="0" err="1"/>
               <a:t>fly-by-camera</a:t>
             </a:r>
             <a:r>
-              <a:rPr lang="de-DE" dirty="0" smtClean="0"/>
+              <a:rPr lang="de-DE" dirty="0"/>
               <a:t> </a:t>
             </a:r>
             <a:r>
-              <a:rPr lang="de-DE" dirty="0" err="1" smtClean="0"/>
+              <a:rPr lang="de-DE" dirty="0" err="1"/>
               <a:t>styles</a:t>
             </a:r>
-            <a:endParaRPr lang="de-DE" dirty="0" smtClean="0"/>
+            <a:endParaRPr lang="de-DE" dirty="0"/>
           </a:p>
           <a:p>
             <a:pPr lvl="2"/>
             <a:r>
-              <a:rPr lang="de-DE" dirty="0" err="1" smtClean="0"/>
+              <a:rPr lang="de-DE" dirty="0" err="1"/>
               <a:t>Improve</a:t>
             </a:r>
             <a:r>
-              <a:rPr lang="de-DE" dirty="0" smtClean="0"/>
+              <a:rPr lang="de-DE" dirty="0"/>
               <a:t> </a:t>
             </a:r>
             <a:r>
-              <a:rPr lang="de-DE" dirty="0" err="1" smtClean="0"/>
+              <a:rPr lang="de-DE" dirty="0" err="1"/>
               <a:t>existing</a:t>
             </a:r>
             <a:r>
-              <a:rPr lang="de-DE" dirty="0" smtClean="0"/>
+              <a:rPr lang="de-DE" dirty="0"/>
               <a:t> </a:t>
             </a:r>
             <a:r>
-              <a:rPr lang="de-DE" dirty="0" err="1" smtClean="0"/>
+              <a:rPr lang="de-DE" dirty="0" err="1"/>
               <a:t>camera</a:t>
             </a:r>
             <a:r>
-              <a:rPr lang="de-DE" dirty="0" smtClean="0"/>
+              <a:rPr lang="de-DE" dirty="0"/>
               <a:t> </a:t>
             </a:r>
             <a:r>
-              <a:rPr lang="de-DE" dirty="0" err="1" smtClean="0"/>
+              <a:rPr lang="de-DE" dirty="0" err="1"/>
               <a:t>styles</a:t>
             </a:r>
-            <a:endParaRPr lang="de-DE" dirty="0" smtClean="0"/>
+            <a:endParaRPr lang="de-DE" dirty="0"/>
           </a:p>
           <a:p>
             <a:pPr lvl="2">
               <a:buNone/>
             </a:pPr>
-            <a:endParaRPr lang="de-DE" dirty="0" smtClean="0"/>
-          </a:p>
-          <a:p>
-            <a:r>
-              <a:rPr lang="de-DE" dirty="0" err="1" smtClean="0"/>
+            <a:endParaRPr lang="de-DE" dirty="0"/>
+          </a:p>
+          <a:p>
+            <a:r>
+              <a:rPr lang="de-DE" dirty="0" err="1"/>
               <a:t>Menues</a:t>
             </a:r>
             <a:r>
-              <a:rPr lang="de-DE" dirty="0" smtClean="0"/>
+              <a:rPr lang="de-DE" dirty="0"/>
               <a:t> </a:t>
             </a:r>
             <a:r>
-              <a:rPr lang="de-DE" dirty="0" err="1" smtClean="0"/>
+              <a:rPr lang="de-DE" dirty="0" err="1"/>
               <a:t>and</a:t>
             </a:r>
             <a:r>
-              <a:rPr lang="de-DE" dirty="0" smtClean="0"/>
+              <a:rPr lang="de-DE" dirty="0"/>
               <a:t> </a:t>
             </a:r>
             <a:r>
-              <a:rPr lang="de-DE" dirty="0" err="1" smtClean="0"/>
+              <a:rPr lang="de-DE" dirty="0" err="1"/>
               <a:t>simplified</a:t>
             </a:r>
             <a:r>
-              <a:rPr lang="de-DE" dirty="0" smtClean="0"/>
+              <a:rPr lang="de-DE" dirty="0"/>
               <a:t> </a:t>
             </a:r>
             <a:r>
-              <a:rPr lang="de-DE" dirty="0" err="1" smtClean="0"/>
+              <a:rPr lang="de-DE" dirty="0" err="1"/>
               <a:t>handling</a:t>
             </a:r>
-            <a:endParaRPr lang="de-DE" dirty="0" smtClean="0"/>
+            <a:endParaRPr lang="de-DE" dirty="0"/>
           </a:p>
           <a:p>
             <a:pPr lvl="1"/>
             <a:r>
-              <a:rPr lang="de-DE" sz="2300" dirty="0" smtClean="0"/>
+              <a:rPr lang="de-DE" sz="2300" dirty="0"/>
               <a:t>Game </a:t>
             </a:r>
             <a:r>
-              <a:rPr lang="de-DE" sz="2300" dirty="0" err="1" smtClean="0"/>
+              <a:rPr lang="de-DE" sz="2300" dirty="0" err="1"/>
               <a:t>flow</a:t>
             </a:r>
             <a:r>
-              <a:rPr lang="de-DE" sz="2300" dirty="0" smtClean="0"/>
+              <a:rPr lang="de-DE" sz="2300" dirty="0"/>
               <a:t> (</a:t>
             </a:r>
             <a:r>
-              <a:rPr lang="de-DE" sz="2300" dirty="0" err="1" smtClean="0"/>
+              <a:rPr lang="de-DE" sz="2300" dirty="0" err="1"/>
               <a:t>menues</a:t>
             </a:r>
             <a:r>
-              <a:rPr lang="de-DE" sz="2300" dirty="0" smtClean="0"/>
+              <a:rPr lang="de-DE" sz="2300" dirty="0"/>
               <a:t> </a:t>
             </a:r>
             <a:r>
-              <a:rPr lang="de-DE" sz="2300" dirty="0" err="1" smtClean="0"/>
+              <a:rPr lang="de-DE" sz="2300" dirty="0" err="1"/>
               <a:t>and</a:t>
             </a:r>
             <a:r>
-              <a:rPr lang="de-DE" sz="2300" dirty="0" smtClean="0"/>
+              <a:rPr lang="de-DE" sz="2300" dirty="0"/>
               <a:t> </a:t>
             </a:r>
             <a:r>
-              <a:rPr lang="de-DE" sz="2300" dirty="0" err="1" smtClean="0"/>
+              <a:rPr lang="de-DE" sz="2300" dirty="0" err="1"/>
               <a:t>gesture</a:t>
             </a:r>
             <a:r>
-              <a:rPr lang="de-DE" sz="2300" dirty="0" smtClean="0"/>
+              <a:rPr lang="de-DE" sz="2300" dirty="0"/>
               <a:t> </a:t>
             </a:r>
             <a:r>
-              <a:rPr lang="de-DE" sz="2300" dirty="0" err="1" smtClean="0"/>
+              <a:rPr lang="de-DE" sz="2300" dirty="0" err="1"/>
               <a:t>control</a:t>
             </a:r>
             <a:r>
-              <a:rPr lang="de-DE" sz="2300" dirty="0" smtClean="0"/>
+              <a:rPr lang="de-DE" sz="2300" dirty="0"/>
               <a:t> – </a:t>
             </a:r>
             <a:r>
-              <a:rPr lang="de-DE" sz="2300" dirty="0" err="1" smtClean="0"/>
+              <a:rPr lang="de-DE" sz="2300" dirty="0" err="1"/>
               <a:t>maybe</a:t>
             </a:r>
             <a:r>
-              <a:rPr lang="de-DE" sz="2300" dirty="0" smtClean="0"/>
+              <a:rPr lang="de-DE" sz="2300" dirty="0"/>
               <a:t> </a:t>
             </a:r>
             <a:r>
-              <a:rPr lang="de-DE" sz="2300" dirty="0" err="1" smtClean="0"/>
+              <a:rPr lang="de-DE" sz="2300" dirty="0" err="1"/>
               <a:t>makey</a:t>
             </a:r>
             <a:r>
-              <a:rPr lang="de-DE" sz="2300" dirty="0" smtClean="0"/>
+              <a:rPr lang="de-DE" sz="2300" dirty="0"/>
               <a:t> </a:t>
             </a:r>
             <a:r>
-              <a:rPr lang="de-DE" sz="2300" dirty="0" err="1" smtClean="0"/>
+              <a:rPr lang="de-DE" sz="2300" dirty="0" err="1"/>
               <a:t>makey</a:t>
             </a:r>
             <a:r>
-              <a:rPr lang="de-DE" sz="2300" dirty="0" smtClean="0"/>
+              <a:rPr lang="de-DE" sz="2300" dirty="0"/>
               <a:t>)</a:t>
             </a:r>
           </a:p>
@@ -9993,248 +11365,248 @@
           <a:p>
             <a:pPr lvl="1"/>
             <a:r>
-              <a:rPr lang="de-DE" sz="2300" dirty="0" err="1" smtClean="0"/>
+              <a:rPr lang="de-DE" sz="2300" dirty="0" err="1"/>
               <a:t>Improved</a:t>
             </a:r>
             <a:r>
-              <a:rPr lang="de-DE" sz="2300" dirty="0" smtClean="0"/>
+              <a:rPr lang="de-DE" sz="2300" dirty="0"/>
               <a:t> </a:t>
             </a:r>
             <a:r>
-              <a:rPr lang="de-DE" sz="2300" dirty="0" err="1" smtClean="0"/>
+              <a:rPr lang="de-DE" sz="2300" dirty="0" err="1"/>
               <a:t>construction</a:t>
             </a:r>
             <a:r>
-              <a:rPr lang="de-DE" sz="2300" dirty="0" smtClean="0"/>
+              <a:rPr lang="de-DE" sz="2300" dirty="0"/>
               <a:t> </a:t>
             </a:r>
             <a:r>
-              <a:rPr lang="de-DE" sz="2300" dirty="0" err="1" smtClean="0"/>
+              <a:rPr lang="de-DE" sz="2300" dirty="0" err="1"/>
               <a:t>concept</a:t>
             </a:r>
             <a:r>
-              <a:rPr lang="de-DE" sz="2300" dirty="0" smtClean="0"/>
+              <a:rPr lang="de-DE" sz="2300" dirty="0"/>
               <a:t> </a:t>
             </a:r>
           </a:p>
           <a:p>
             <a:pPr lvl="2"/>
             <a:r>
-              <a:rPr lang="de-DE" sz="1900" dirty="0" err="1" smtClean="0"/>
+              <a:rPr lang="de-DE" sz="1900" dirty="0" err="1"/>
               <a:t>Location</a:t>
             </a:r>
             <a:r>
-              <a:rPr lang="de-DE" sz="1900" dirty="0" smtClean="0"/>
+              <a:rPr lang="de-DE" sz="1900" dirty="0"/>
               <a:t> </a:t>
             </a:r>
             <a:r>
-              <a:rPr lang="de-DE" sz="1900" dirty="0" err="1" smtClean="0"/>
+              <a:rPr lang="de-DE" sz="1900" dirty="0" err="1"/>
               <a:t>of</a:t>
             </a:r>
             <a:r>
-              <a:rPr lang="de-DE" sz="1900" dirty="0" smtClean="0"/>
+              <a:rPr lang="de-DE" sz="1900" dirty="0"/>
               <a:t> </a:t>
             </a:r>
             <a:r>
-              <a:rPr lang="de-DE" sz="1900" dirty="0" err="1" smtClean="0"/>
+              <a:rPr lang="de-DE" sz="1900" dirty="0" err="1"/>
               <a:t>kinect</a:t>
             </a:r>
             <a:r>
-              <a:rPr lang="de-DE" sz="1900" dirty="0" smtClean="0"/>
+              <a:rPr lang="de-DE" sz="1900" dirty="0"/>
               <a:t>, </a:t>
             </a:r>
             <a:r>
-              <a:rPr lang="de-DE" sz="1900" dirty="0" err="1" smtClean="0"/>
+              <a:rPr lang="de-DE" sz="1900" dirty="0" err="1"/>
               <a:t>player</a:t>
             </a:r>
             <a:r>
-              <a:rPr lang="de-DE" sz="1900" dirty="0" smtClean="0"/>
+              <a:rPr lang="de-DE" sz="1900" dirty="0"/>
               <a:t>, </a:t>
             </a:r>
             <a:r>
-              <a:rPr lang="de-DE" sz="1900" dirty="0" err="1" smtClean="0"/>
+              <a:rPr lang="de-DE" sz="1900" dirty="0" err="1"/>
               <a:t>spectators</a:t>
             </a:r>
             <a:r>
-              <a:rPr lang="de-DE" sz="1900" dirty="0" smtClean="0"/>
+              <a:rPr lang="de-DE" sz="1900" dirty="0"/>
               <a:t>, etc. </a:t>
             </a:r>
           </a:p>
           <a:p>
             <a:pPr lvl="2"/>
             <a:r>
-              <a:rPr lang="de-DE" sz="1900" dirty="0" err="1" smtClean="0"/>
+              <a:rPr lang="de-DE" sz="1900" dirty="0" err="1"/>
               <a:t>Simplified</a:t>
             </a:r>
             <a:r>
-              <a:rPr lang="de-DE" sz="1900" dirty="0" smtClean="0"/>
+              <a:rPr lang="de-DE" sz="1900" dirty="0"/>
               <a:t> </a:t>
             </a:r>
             <a:r>
-              <a:rPr lang="de-DE" sz="1900" dirty="0" err="1" smtClean="0"/>
+              <a:rPr lang="de-DE" sz="1900" dirty="0" err="1"/>
               <a:t>handling</a:t>
             </a:r>
             <a:r>
-              <a:rPr lang="de-DE" sz="1900" dirty="0" smtClean="0"/>
+              <a:rPr lang="de-DE" sz="1900" dirty="0"/>
               <a:t> </a:t>
             </a:r>
             <a:r>
-              <a:rPr lang="de-DE" sz="1900" dirty="0" err="1" smtClean="0"/>
+              <a:rPr lang="de-DE" sz="1900" dirty="0" err="1"/>
               <a:t>of</a:t>
             </a:r>
             <a:r>
-              <a:rPr lang="de-DE" sz="1900" dirty="0" smtClean="0"/>
+              <a:rPr lang="de-DE" sz="1900" dirty="0"/>
               <a:t> </a:t>
             </a:r>
             <a:r>
-              <a:rPr lang="de-DE" sz="1900" dirty="0" err="1" smtClean="0"/>
+              <a:rPr lang="de-DE" sz="1900" dirty="0" err="1"/>
               <a:t>the</a:t>
             </a:r>
             <a:r>
-              <a:rPr lang="de-DE" sz="1900" dirty="0" smtClean="0"/>
+              <a:rPr lang="de-DE" sz="1900" dirty="0"/>
               <a:t> </a:t>
             </a:r>
             <a:r>
-              <a:rPr lang="de-DE" sz="1900" dirty="0" err="1" smtClean="0"/>
+              <a:rPr lang="de-DE" sz="1900" dirty="0" err="1"/>
               <a:t>game</a:t>
             </a:r>
             <a:r>
-              <a:rPr lang="de-DE" sz="1900" dirty="0" smtClean="0"/>
+              <a:rPr lang="de-DE" sz="1900" dirty="0"/>
               <a:t> </a:t>
             </a:r>
             <a:r>
-              <a:rPr lang="de-DE" sz="1900" dirty="0" err="1" smtClean="0"/>
+              <a:rPr lang="de-DE" sz="1900" dirty="0" err="1"/>
               <a:t>and</a:t>
             </a:r>
             <a:r>
-              <a:rPr lang="de-DE" sz="1900" dirty="0" smtClean="0"/>
+              <a:rPr lang="de-DE" sz="1900" dirty="0"/>
               <a:t> </a:t>
             </a:r>
             <a:r>
-              <a:rPr lang="de-DE" sz="1900" dirty="0" err="1" smtClean="0"/>
+              <a:rPr lang="de-DE" sz="1900" dirty="0" err="1"/>
               <a:t>it´s</a:t>
             </a:r>
             <a:r>
-              <a:rPr lang="de-DE" sz="1900" dirty="0" smtClean="0"/>
+              <a:rPr lang="de-DE" sz="1900" dirty="0"/>
               <a:t> </a:t>
             </a:r>
             <a:r>
-              <a:rPr lang="de-DE" sz="1900" dirty="0" err="1" smtClean="0"/>
+              <a:rPr lang="de-DE" sz="1900" dirty="0" err="1"/>
               <a:t>features</a:t>
             </a:r>
-            <a:endParaRPr lang="de-DE" sz="1900" dirty="0" smtClean="0"/>
+            <a:endParaRPr lang="de-DE" sz="1900" dirty="0"/>
           </a:p>
           <a:p>
             <a:pPr lvl="2">
               <a:buNone/>
             </a:pPr>
-            <a:endParaRPr lang="de-DE" sz="1900" dirty="0" smtClean="0"/>
+            <a:endParaRPr lang="de-DE" sz="1900" dirty="0"/>
           </a:p>
           <a:p>
             <a:pPr lvl="1"/>
             <a:r>
-              <a:rPr lang="de-DE" sz="2300" dirty="0" err="1" smtClean="0"/>
+              <a:rPr lang="de-DE" sz="2300" dirty="0" err="1"/>
               <a:t>Documentation</a:t>
             </a:r>
             <a:r>
-              <a:rPr lang="de-DE" sz="2300" dirty="0" smtClean="0"/>
+              <a:rPr lang="de-DE" sz="2300" dirty="0"/>
               <a:t> </a:t>
             </a:r>
           </a:p>
           <a:p>
             <a:pPr lvl="2"/>
             <a:r>
-              <a:rPr lang="de-DE" sz="1900" dirty="0" smtClean="0"/>
+              <a:rPr lang="de-DE" sz="1900" dirty="0"/>
               <a:t>Frameworks, </a:t>
             </a:r>
             <a:r>
-              <a:rPr lang="de-DE" sz="1900" dirty="0" err="1" smtClean="0"/>
+              <a:rPr lang="de-DE" sz="1900" dirty="0" err="1"/>
               <a:t>Packages</a:t>
             </a:r>
             <a:r>
-              <a:rPr lang="de-DE" sz="1900" dirty="0" smtClean="0"/>
+              <a:rPr lang="de-DE" sz="1900" dirty="0"/>
               <a:t> </a:t>
             </a:r>
           </a:p>
           <a:p>
             <a:pPr lvl="2"/>
             <a:r>
-              <a:rPr lang="de-DE" sz="1900" dirty="0" smtClean="0"/>
+              <a:rPr lang="de-DE" sz="1900" dirty="0"/>
               <a:t>User Guide (</a:t>
             </a:r>
             <a:r>
-              <a:rPr lang="de-DE" sz="1900" dirty="0" err="1" smtClean="0"/>
+              <a:rPr lang="de-DE" sz="1900" dirty="0" err="1"/>
               <a:t>how</a:t>
             </a:r>
             <a:r>
-              <a:rPr lang="de-DE" sz="1900" dirty="0" smtClean="0"/>
+              <a:rPr lang="de-DE" sz="1900" dirty="0"/>
               <a:t> </a:t>
             </a:r>
             <a:r>
-              <a:rPr lang="de-DE" sz="1900" dirty="0" err="1" smtClean="0"/>
+              <a:rPr lang="de-DE" sz="1900" dirty="0" err="1"/>
               <a:t>to</a:t>
             </a:r>
             <a:r>
-              <a:rPr lang="de-DE" sz="1900" dirty="0" smtClean="0"/>
+              <a:rPr lang="de-DE" sz="1900" dirty="0"/>
               <a:t> </a:t>
             </a:r>
             <a:r>
-              <a:rPr lang="de-DE" sz="1900" dirty="0" err="1" smtClean="0"/>
+              <a:rPr lang="de-DE" sz="1900" dirty="0" err="1"/>
               <a:t>get</a:t>
             </a:r>
             <a:r>
-              <a:rPr lang="de-DE" sz="1900" dirty="0" smtClean="0"/>
+              <a:rPr lang="de-DE" sz="1900" dirty="0"/>
               <a:t> </a:t>
             </a:r>
             <a:r>
-              <a:rPr lang="de-DE" sz="1900" dirty="0" err="1" smtClean="0"/>
+              <a:rPr lang="de-DE" sz="1900" dirty="0" err="1"/>
               <a:t>it</a:t>
             </a:r>
             <a:r>
-              <a:rPr lang="de-DE" sz="1900" dirty="0" smtClean="0"/>
+              <a:rPr lang="de-DE" sz="1900" dirty="0"/>
               <a:t> </a:t>
             </a:r>
             <a:r>
-              <a:rPr lang="de-DE" sz="1900" dirty="0" err="1" smtClean="0"/>
+              <a:rPr lang="de-DE" sz="1900" dirty="0" err="1"/>
               <a:t>running</a:t>
             </a:r>
             <a:r>
-              <a:rPr lang="de-DE" sz="1900" dirty="0" smtClean="0"/>
+              <a:rPr lang="de-DE" sz="1900" dirty="0"/>
               <a:t>)</a:t>
             </a:r>
           </a:p>
           <a:p>
             <a:pPr lvl="1"/>
-            <a:endParaRPr lang="de-DE" sz="2300" dirty="0" smtClean="0"/>
+            <a:endParaRPr lang="de-DE" sz="2300" dirty="0"/>
           </a:p>
           <a:p>
             <a:pPr lvl="1"/>
             <a:r>
-              <a:rPr lang="de-DE" sz="2300" dirty="0" smtClean="0"/>
+              <a:rPr lang="de-DE" sz="2300" dirty="0"/>
               <a:t>Goal: </a:t>
             </a:r>
             <a:r>
-              <a:rPr lang="de-DE" sz="2300" dirty="0" err="1" smtClean="0"/>
+              <a:rPr lang="de-DE" sz="2300" dirty="0" err="1"/>
               <a:t>suitable</a:t>
             </a:r>
             <a:r>
-              <a:rPr lang="de-DE" sz="2300" dirty="0" smtClean="0"/>
+              <a:rPr lang="de-DE" sz="2300" dirty="0"/>
               <a:t> </a:t>
             </a:r>
             <a:r>
-              <a:rPr lang="de-DE" sz="2300" dirty="0" err="1" smtClean="0"/>
+              <a:rPr lang="de-DE" sz="2300" dirty="0" err="1"/>
               <a:t>for</a:t>
             </a:r>
             <a:r>
-              <a:rPr lang="de-DE" sz="2300" dirty="0" smtClean="0"/>
+              <a:rPr lang="de-DE" sz="2300" dirty="0"/>
               <a:t> HS-LAN </a:t>
             </a:r>
             <a:r>
-              <a:rPr lang="de-DE" sz="2300" dirty="0" err="1" smtClean="0"/>
+              <a:rPr lang="de-DE" sz="2300" dirty="0" err="1"/>
               <a:t>and</a:t>
             </a:r>
             <a:r>
-              <a:rPr lang="de-DE" sz="2300" dirty="0" smtClean="0"/>
+              <a:rPr lang="de-DE" sz="2300" dirty="0"/>
               <a:t> Open-Lab (HS-Informationstage)</a:t>
             </a:r>
           </a:p>
@@ -10272,13 +11644,6 @@
   <p:clrMapOvr>
     <a:masterClrMapping/>
   </p:clrMapOvr>
-  <p:timing>
-    <p:tnLst>
-      <p:par>
-        <p:cTn id="1" dur="indefinite" restart="never" nodeType="tmRoot"/>
-      </p:par>
-    </p:tnLst>
-  </p:timing>
 </p:sld>
 </file>
 

--- a/Präsentationen/Projektpräsentation/Project proposal Rift Wingsuit V2.pptx
+++ b/Präsentationen/Projektpräsentation/Project proposal Rift Wingsuit V2.pptx
@@ -5,7 +5,7 @@
     <p:sldMasterId id="2147483660" r:id="rId1"/>
   </p:sldMasterIdLst>
   <p:notesMasterIdLst>
-    <p:notesMasterId r:id="rId22"/>
+    <p:notesMasterId r:id="rId25"/>
   </p:notesMasterIdLst>
   <p:sldIdLst>
     <p:sldId id="272" r:id="rId2"/>
@@ -20,14 +20,17 @@
     <p:sldId id="308" r:id="rId11"/>
     <p:sldId id="286" r:id="rId12"/>
     <p:sldId id="317" r:id="rId13"/>
-    <p:sldId id="314" r:id="rId14"/>
-    <p:sldId id="318" r:id="rId15"/>
-    <p:sldId id="310" r:id="rId16"/>
-    <p:sldId id="315" r:id="rId17"/>
-    <p:sldId id="319" r:id="rId18"/>
-    <p:sldId id="270" r:id="rId19"/>
-    <p:sldId id="280" r:id="rId20"/>
-    <p:sldId id="279" r:id="rId21"/>
+    <p:sldId id="321" r:id="rId14"/>
+    <p:sldId id="314" r:id="rId15"/>
+    <p:sldId id="318" r:id="rId16"/>
+    <p:sldId id="322" r:id="rId17"/>
+    <p:sldId id="310" r:id="rId18"/>
+    <p:sldId id="315" r:id="rId19"/>
+    <p:sldId id="319" r:id="rId20"/>
+    <p:sldId id="320" r:id="rId21"/>
+    <p:sldId id="270" r:id="rId22"/>
+    <p:sldId id="280" r:id="rId23"/>
+    <p:sldId id="279" r:id="rId24"/>
   </p:sldIdLst>
   <p:sldSz cx="9144000" cy="5715000" type="screen16x10"/>
   <p:notesSz cx="6858000" cy="9144000"/>
@@ -128,7 +131,7 @@
   </p:defaultTextStyle>
   <p:extLst>
     <p:ext uri="{EFAFB233-063F-42B5-8137-9DF3F51BA10A}">
-      <p15:sldGuideLst xmlns:p15="http://schemas.microsoft.com/office/powerpoint/2012/main">
+      <p15:sldGuideLst xmlns:p15="http://schemas.microsoft.com/office/powerpoint/2012/main" xmlns="">
         <p15:guide id="1" orient="horz" pos="1800">
           <p15:clr>
             <a:srgbClr val="A4A3A4"/>
@@ -228,7 +231,7 @@
             <a:fld id="{243825A9-FBEC-4183-9E10-7EA49C7B85FB}" type="datetimeFigureOut">
               <a:rPr lang="de-DE" smtClean="0"/>
               <a:pPr/>
-              <a:t>16.05.2016</a:t>
+              <a:t>17.05.2016</a:t>
             </a:fld>
             <a:endParaRPr lang="de-DE"/>
           </a:p>
@@ -757,7 +760,7 @@
             <a:fld id="{E3D2E8C1-5FD7-4691-AB68-D6297B4D5F43}" type="datetime1">
               <a:rPr lang="de-DE" smtClean="0"/>
               <a:pPr/>
-              <a:t>16.05.2016</a:t>
+              <a:t>17.05.2016</a:t>
             </a:fld>
             <a:endParaRPr lang="de-DE"/>
           </a:p>
@@ -924,7 +927,7 @@
             <a:fld id="{6555916C-EC3E-4A59-A202-E3BDAC789789}" type="datetime1">
               <a:rPr lang="de-DE" smtClean="0"/>
               <a:pPr/>
-              <a:t>16.05.2016</a:t>
+              <a:t>17.05.2016</a:t>
             </a:fld>
             <a:endParaRPr lang="de-DE"/>
           </a:p>
@@ -1101,7 +1104,7 @@
             <a:fld id="{B0BAAC96-984A-4C42-A65C-1E30F77A26C5}" type="datetime1">
               <a:rPr lang="de-DE" smtClean="0"/>
               <a:pPr/>
-              <a:t>16.05.2016</a:t>
+              <a:t>17.05.2016</a:t>
             </a:fld>
             <a:endParaRPr lang="de-DE"/>
           </a:p>
@@ -1268,7 +1271,7 @@
             <a:fld id="{0AF80EA2-653E-48EB-A275-D811A53BA918}" type="datetime1">
               <a:rPr lang="de-DE" smtClean="0"/>
               <a:pPr/>
-              <a:t>16.05.2016</a:t>
+              <a:t>17.05.2016</a:t>
             </a:fld>
             <a:endParaRPr lang="de-DE"/>
           </a:p>
@@ -1512,7 +1515,7 @@
             <a:fld id="{E5BD76EC-8BFC-4DBC-81BC-788FF00AD01A}" type="datetime1">
               <a:rPr lang="de-DE" smtClean="0"/>
               <a:pPr/>
-              <a:t>16.05.2016</a:t>
+              <a:t>17.05.2016</a:t>
             </a:fld>
             <a:endParaRPr lang="de-DE"/>
           </a:p>
@@ -1778,7 +1781,7 @@
             <a:fld id="{42D10058-B0DA-4CAD-91DA-40F8A0FB6522}" type="datetime1">
               <a:rPr lang="de-DE" smtClean="0"/>
               <a:pPr/>
-              <a:t>16.05.2016</a:t>
+              <a:t>17.05.2016</a:t>
             </a:fld>
             <a:endParaRPr lang="de-DE"/>
           </a:p>
@@ -2158,7 +2161,7 @@
             <a:fld id="{30F2673F-3B0B-4E2B-A302-85F12C63CE58}" type="datetime1">
               <a:rPr lang="de-DE" smtClean="0"/>
               <a:pPr/>
-              <a:t>16.05.2016</a:t>
+              <a:t>17.05.2016</a:t>
             </a:fld>
             <a:endParaRPr lang="de-DE"/>
           </a:p>
@@ -2310,7 +2313,7 @@
             <a:fld id="{99C24A88-FE37-415B-BBD5-612EBB0081EA}" type="datetime1">
               <a:rPr lang="de-DE" smtClean="0"/>
               <a:pPr/>
-              <a:t>16.05.2016</a:t>
+              <a:t>17.05.2016</a:t>
             </a:fld>
             <a:endParaRPr lang="de-DE"/>
           </a:p>
@@ -2402,7 +2405,7 @@
             <a:fld id="{D4BBCC0C-5DC1-47B9-9437-A552677B599E}" type="datetime1">
               <a:rPr lang="de-DE" smtClean="0"/>
               <a:pPr/>
-              <a:t>16.05.2016</a:t>
+              <a:t>17.05.2016</a:t>
             </a:fld>
             <a:endParaRPr lang="de-DE"/>
           </a:p>
@@ -2665,7 +2668,7 @@
             <a:fld id="{5D8961AA-03AC-4A6B-AD4E-C8A3670A08F8}" type="datetime1">
               <a:rPr lang="de-DE" smtClean="0"/>
               <a:pPr/>
-              <a:t>16.05.2016</a:t>
+              <a:t>17.05.2016</a:t>
             </a:fld>
             <a:endParaRPr lang="de-DE"/>
           </a:p>
@@ -2955,7 +2958,7 @@
             <a:fld id="{9565BAF1-4771-44D7-80BB-E70855042F1C}" type="datetime1">
               <a:rPr lang="de-DE" smtClean="0"/>
               <a:pPr/>
-              <a:t>16.05.2016</a:t>
+              <a:t>17.05.2016</a:t>
             </a:fld>
             <a:endParaRPr lang="de-DE"/>
           </a:p>
@@ -3728,7 +3731,7 @@
             <a:fld id="{48B16CC1-F4AA-4BAA-A083-6C6353824805}" type="datetime1">
               <a:rPr lang="de-DE" smtClean="0"/>
               <a:pPr/>
-              <a:t>16.05.2016</a:t>
+              <a:t>17.05.2016</a:t>
             </a:fld>
             <a:endParaRPr lang="de-DE"/>
           </a:p>
@@ -5226,14 +5229,14 @@
                 <a:gridCol w="1584176">
                   <a:extLst>
                     <a:ext uri="{9D8B030D-6E8A-4147-A177-3AD203B41FA5}">
-                      <a16:colId xmlns:a16="http://schemas.microsoft.com/office/drawing/2014/main" val="20000"/>
+                      <a16:colId xmlns:a16="http://schemas.microsoft.com/office/drawing/2014/main" xmlns="" val="20000"/>
                     </a:ext>
                   </a:extLst>
                 </a:gridCol>
                 <a:gridCol w="6480721">
                   <a:extLst>
                     <a:ext uri="{9D8B030D-6E8A-4147-A177-3AD203B41FA5}">
-                      <a16:colId xmlns:a16="http://schemas.microsoft.com/office/drawing/2014/main" val="20001"/>
+                      <a16:colId xmlns:a16="http://schemas.microsoft.com/office/drawing/2014/main" xmlns="" val="20001"/>
                     </a:ext>
                   </a:extLst>
                 </a:gridCol>
@@ -5275,7 +5278,7 @@
                 </a:tc>
                 <a:extLst>
                   <a:ext uri="{0D108BD9-81ED-4DB2-BD59-A6C34878D82A}">
-                    <a16:rowId xmlns:a16="http://schemas.microsoft.com/office/drawing/2014/main" val="10000"/>
+                    <a16:rowId xmlns:a16="http://schemas.microsoft.com/office/drawing/2014/main" xmlns="" val="10000"/>
                   </a:ext>
                 </a:extLst>
               </a:tr>
@@ -5455,7 +5458,7 @@
                 </a:tc>
                 <a:extLst>
                   <a:ext uri="{0D108BD9-81ED-4DB2-BD59-A6C34878D82A}">
-                    <a16:rowId xmlns:a16="http://schemas.microsoft.com/office/drawing/2014/main" val="10001"/>
+                    <a16:rowId xmlns:a16="http://schemas.microsoft.com/office/drawing/2014/main" xmlns="" val="10001"/>
                   </a:ext>
                 </a:extLst>
               </a:tr>
@@ -5595,7 +5598,7 @@
                 </a:tc>
                 <a:extLst>
                   <a:ext uri="{0D108BD9-81ED-4DB2-BD59-A6C34878D82A}">
-                    <a16:rowId xmlns:a16="http://schemas.microsoft.com/office/drawing/2014/main" val="10002"/>
+                    <a16:rowId xmlns:a16="http://schemas.microsoft.com/office/drawing/2014/main" xmlns="" val="10002"/>
                   </a:ext>
                 </a:extLst>
               </a:tr>
@@ -5715,7 +5718,7 @@
                 </a:tc>
                 <a:extLst>
                   <a:ext uri="{0D108BD9-81ED-4DB2-BD59-A6C34878D82A}">
-                    <a16:rowId xmlns:a16="http://schemas.microsoft.com/office/drawing/2014/main" val="10003"/>
+                    <a16:rowId xmlns:a16="http://schemas.microsoft.com/office/drawing/2014/main" xmlns="" val="10003"/>
                   </a:ext>
                 </a:extLst>
               </a:tr>
@@ -5848,7 +5851,7 @@
           <p:nvPr>
             <p:extLst>
               <p:ext uri="{D42A27DB-BD31-4B8C-83A1-F6EECF244321}">
-                <p14:modId xmlns:p14="http://schemas.microsoft.com/office/powerpoint/2010/main" val="62862726"/>
+                <p14:modId xmlns:p14="http://schemas.microsoft.com/office/powerpoint/2010/main" xmlns="" val="62862726"/>
               </p:ext>
             </p:extLst>
           </p:nvPr>
@@ -5867,14 +5870,14 @@
                 <a:gridCol w="1584176">
                   <a:extLst>
                     <a:ext uri="{9D8B030D-6E8A-4147-A177-3AD203B41FA5}">
-                      <a16:colId xmlns:a16="http://schemas.microsoft.com/office/drawing/2014/main" val="20000"/>
+                      <a16:colId xmlns:a16="http://schemas.microsoft.com/office/drawing/2014/main" xmlns="" val="20000"/>
                     </a:ext>
                   </a:extLst>
                 </a:gridCol>
                 <a:gridCol w="6480721">
                   <a:extLst>
                     <a:ext uri="{9D8B030D-6E8A-4147-A177-3AD203B41FA5}">
-                      <a16:colId xmlns:a16="http://schemas.microsoft.com/office/drawing/2014/main" val="20001"/>
+                      <a16:colId xmlns:a16="http://schemas.microsoft.com/office/drawing/2014/main" xmlns="" val="20001"/>
                     </a:ext>
                   </a:extLst>
                 </a:gridCol>
@@ -5911,7 +5914,7 @@
                 </a:tc>
                 <a:extLst>
                   <a:ext uri="{0D108BD9-81ED-4DB2-BD59-A6C34878D82A}">
-                    <a16:rowId xmlns:a16="http://schemas.microsoft.com/office/drawing/2014/main" val="10000"/>
+                    <a16:rowId xmlns:a16="http://schemas.microsoft.com/office/drawing/2014/main" xmlns="" val="10000"/>
                   </a:ext>
                 </a:extLst>
               </a:tr>
@@ -5964,7 +5967,7 @@
                 </a:tc>
                 <a:extLst>
                   <a:ext uri="{0D108BD9-81ED-4DB2-BD59-A6C34878D82A}">
-                    <a16:rowId xmlns:a16="http://schemas.microsoft.com/office/drawing/2014/main" val="10001"/>
+                    <a16:rowId xmlns:a16="http://schemas.microsoft.com/office/drawing/2014/main" xmlns="" val="10001"/>
                   </a:ext>
                 </a:extLst>
               </a:tr>
@@ -6041,7 +6044,7 @@
                 </a:tc>
                 <a:extLst>
                   <a:ext uri="{0D108BD9-81ED-4DB2-BD59-A6C34878D82A}">
-                    <a16:rowId xmlns:a16="http://schemas.microsoft.com/office/drawing/2014/main" val="10002"/>
+                    <a16:rowId xmlns:a16="http://schemas.microsoft.com/office/drawing/2014/main" xmlns="" val="10002"/>
                   </a:ext>
                 </a:extLst>
               </a:tr>
@@ -6084,7 +6087,7 @@
                 </a:tc>
                 <a:extLst>
                   <a:ext uri="{0D108BD9-81ED-4DB2-BD59-A6C34878D82A}">
-                    <a16:rowId xmlns:a16="http://schemas.microsoft.com/office/drawing/2014/main" val="10003"/>
+                    <a16:rowId xmlns:a16="http://schemas.microsoft.com/office/drawing/2014/main" xmlns="" val="10003"/>
                   </a:ext>
                 </a:extLst>
               </a:tr>
@@ -6095,7 +6098,7 @@
     </p:spTree>
     <p:extLst>
       <p:ext uri="{BB962C8B-B14F-4D97-AF65-F5344CB8AC3E}">
-        <p14:creationId xmlns:p14="http://schemas.microsoft.com/office/powerpoint/2010/main" val="401768939"/>
+        <p14:creationId xmlns:p14="http://schemas.microsoft.com/office/powerpoint/2010/main" xmlns="" val="401768939"/>
       </p:ext>
     </p:extLst>
   </p:cSld>
@@ -6154,7 +6157,7 @@
                   <a:srgbClr val="FF0000"/>
                 </a:solidFill>
               </a:rPr>
-              <a:t> 2</a:t>
+              <a:t> 1</a:t>
             </a:r>
           </a:p>
         </p:txBody>
@@ -6208,6 +6211,396 @@
               <a:rPr lang="de-DE" smtClean="0"/>
               <a:pPr/>
               <a:t>13</a:t>
+            </a:fld>
+            <a:endParaRPr lang="de-DE"/>
+          </a:p>
+        </p:txBody>
+      </p:sp>
+      <p:graphicFrame>
+        <p:nvGraphicFramePr>
+          <p:cNvPr id="8" name="Tabelle 7"/>
+          <p:cNvGraphicFramePr>
+            <a:graphicFrameLocks noGrp="1"/>
+          </p:cNvGraphicFramePr>
+          <p:nvPr>
+            <p:extLst>
+              <p:ext uri="{D42A27DB-BD31-4B8C-83A1-F6EECF244321}">
+                <p14:modId xmlns:p14="http://schemas.microsoft.com/office/powerpoint/2010/main" xmlns="" val="62862726"/>
+              </p:ext>
+            </p:extLst>
+          </p:nvPr>
+        </p:nvGraphicFramePr>
+        <p:xfrm>
+          <a:off x="539552" y="1849388"/>
+          <a:ext cx="8064897" cy="1483360"/>
+        </p:xfrm>
+        <a:graphic>
+          <a:graphicData uri="http://schemas.openxmlformats.org/drawingml/2006/table">
+            <a:tbl>
+              <a:tblPr firstRow="1" bandRow="1">
+                <a:tableStyleId>{5C22544A-7EE6-4342-B048-85BDC9FD1C3A}</a:tableStyleId>
+              </a:tblPr>
+              <a:tblGrid>
+                <a:gridCol w="1584176">
+                  <a:extLst>
+                    <a:ext uri="{9D8B030D-6E8A-4147-A177-3AD203B41FA5}">
+                      <a16:colId xmlns:a16="http://schemas.microsoft.com/office/drawing/2014/main" xmlns="" val="20000"/>
+                    </a:ext>
+                  </a:extLst>
+                </a:gridCol>
+                <a:gridCol w="6480721">
+                  <a:extLst>
+                    <a:ext uri="{9D8B030D-6E8A-4147-A177-3AD203B41FA5}">
+                      <a16:colId xmlns:a16="http://schemas.microsoft.com/office/drawing/2014/main" xmlns="" val="20001"/>
+                    </a:ext>
+                  </a:extLst>
+                </a:gridCol>
+              </a:tblGrid>
+              <a:tr h="370840">
+                <a:tc>
+                  <a:txBody>
+                    <a:bodyPr/>
+                    <a:lstStyle/>
+                    <a:p>
+                      <a:pPr algn="ctr"/>
+                      <a:r>
+                        <a:rPr lang="de-DE" sz="1800" dirty="0" err="1"/>
+                        <a:t>Week</a:t>
+                      </a:r>
+                      <a:endParaRPr lang="de-DE" sz="1800" dirty="0"/>
+                    </a:p>
+                  </a:txBody>
+                  <a:tcPr/>
+                </a:tc>
+                <a:tc>
+                  <a:txBody>
+                    <a:bodyPr/>
+                    <a:lstStyle/>
+                    <a:p>
+                      <a:pPr algn="ctr"/>
+                      <a:r>
+                        <a:rPr lang="de-DE" sz="1800" dirty="0" smtClean="0"/>
+                        <a:t>Manuel Schmitt</a:t>
+                      </a:r>
+                    </a:p>
+                  </a:txBody>
+                  <a:tcPr/>
+                </a:tc>
+                <a:extLst>
+                  <a:ext uri="{0D108BD9-81ED-4DB2-BD59-A6C34878D82A}">
+                    <a16:rowId xmlns:a16="http://schemas.microsoft.com/office/drawing/2014/main" xmlns="" val="10000"/>
+                  </a:ext>
+                </a:extLst>
+              </a:tr>
+              <a:tr h="370840">
+                <a:tc>
+                  <a:txBody>
+                    <a:bodyPr/>
+                    <a:lstStyle/>
+                    <a:p>
+                      <a:pPr algn="l"/>
+                      <a:r>
+                        <a:rPr lang="de-DE" sz="1800" dirty="0"/>
+                        <a:t>05.12 – 05.19</a:t>
+                      </a:r>
+                    </a:p>
+                  </a:txBody>
+                  <a:tcPr/>
+                </a:tc>
+                <a:tc>
+                  <a:txBody>
+                    <a:bodyPr/>
+                    <a:lstStyle/>
+                    <a:p>
+                      <a:pPr lvl="0">
+                        <a:buFont typeface="Arial" pitchFamily="34" charset="0"/>
+                        <a:buChar char="•"/>
+                      </a:pPr>
+                      <a:r>
+                        <a:rPr lang="de-DE" sz="1800" dirty="0"/>
+                        <a:t> </a:t>
+                      </a:r>
+                      <a:r>
+                        <a:rPr lang="en-US" sz="1800" dirty="0" smtClean="0"/>
+                        <a:t>Working into the project and Unity Engine</a:t>
+                      </a:r>
+                      <a:endParaRPr lang="en-US" sz="1800" dirty="0"/>
+                    </a:p>
+                  </a:txBody>
+                  <a:tcPr/>
+                </a:tc>
+                <a:extLst>
+                  <a:ext uri="{0D108BD9-81ED-4DB2-BD59-A6C34878D82A}">
+                    <a16:rowId xmlns:a16="http://schemas.microsoft.com/office/drawing/2014/main" xmlns="" val="10001"/>
+                  </a:ext>
+                </a:extLst>
+              </a:tr>
+              <a:tr h="370840">
+                <a:tc>
+                  <a:txBody>
+                    <a:bodyPr/>
+                    <a:lstStyle/>
+                    <a:p>
+                      <a:pPr algn="l"/>
+                      <a:r>
+                        <a:rPr lang="de-DE" sz="1800" dirty="0"/>
+                        <a:t>05.19 – 05.26</a:t>
+                      </a:r>
+                    </a:p>
+                  </a:txBody>
+                  <a:tcPr/>
+                </a:tc>
+                <a:tc>
+                  <a:txBody>
+                    <a:bodyPr/>
+                    <a:lstStyle/>
+                    <a:p>
+                      <a:pPr lvl="0">
+                        <a:buFont typeface="Arial" pitchFamily="34" charset="0"/>
+                        <a:buChar char="•"/>
+                      </a:pPr>
+                      <a:r>
+                        <a:rPr lang="de-DE" sz="1800" dirty="0"/>
+                        <a:t> </a:t>
+                      </a:r>
+                      <a:r>
+                        <a:rPr lang="de-DE" sz="1800" dirty="0" err="1" smtClean="0"/>
+                        <a:t>Creation</a:t>
+                      </a:r>
+                      <a:r>
+                        <a:rPr lang="de-DE" sz="1800" baseline="0" dirty="0" smtClean="0"/>
+                        <a:t> </a:t>
+                      </a:r>
+                      <a:r>
+                        <a:rPr lang="de-DE" sz="1800" baseline="0" dirty="0" err="1" smtClean="0"/>
+                        <a:t>of</a:t>
+                      </a:r>
+                      <a:r>
+                        <a:rPr lang="de-DE" sz="1800" baseline="0" dirty="0" smtClean="0"/>
+                        <a:t> post-</a:t>
+                      </a:r>
+                      <a:r>
+                        <a:rPr lang="de-DE" sz="1800" baseline="0" dirty="0" err="1" smtClean="0"/>
+                        <a:t>processing</a:t>
+                      </a:r>
+                      <a:r>
+                        <a:rPr lang="de-DE" sz="1800" baseline="0" dirty="0" smtClean="0"/>
+                        <a:t> </a:t>
+                      </a:r>
+                      <a:r>
+                        <a:rPr lang="de-DE" sz="1800" baseline="0" dirty="0" err="1" smtClean="0"/>
+                        <a:t>effects</a:t>
+                      </a:r>
+                      <a:r>
+                        <a:rPr lang="de-DE" sz="1800" baseline="0" dirty="0" smtClean="0"/>
+                        <a:t> </a:t>
+                      </a:r>
+                      <a:r>
+                        <a:rPr lang="de-DE" sz="1800" baseline="0" dirty="0" err="1" smtClean="0"/>
+                        <a:t>like</a:t>
+                      </a:r>
+                      <a:r>
+                        <a:rPr lang="de-DE" sz="1800" baseline="0" dirty="0" smtClean="0"/>
+                        <a:t> </a:t>
+                      </a:r>
+                      <a:r>
+                        <a:rPr lang="de-DE" sz="1800" baseline="0" dirty="0" err="1" smtClean="0"/>
+                        <a:t>bloom</a:t>
+                      </a:r>
+                      <a:r>
+                        <a:rPr lang="de-DE" sz="1800" baseline="0" dirty="0" smtClean="0"/>
+                        <a:t> </a:t>
+                      </a:r>
+                      <a:r>
+                        <a:rPr lang="de-DE" sz="1800" baseline="0" dirty="0" err="1" smtClean="0"/>
+                        <a:t>and</a:t>
+                      </a:r>
+                      <a:r>
+                        <a:rPr lang="de-DE" sz="1800" baseline="0" dirty="0" smtClean="0"/>
+                        <a:t> </a:t>
+                      </a:r>
+                      <a:r>
+                        <a:rPr lang="de-DE" sz="1800" baseline="0" dirty="0" err="1" smtClean="0"/>
+                        <a:t>blur</a:t>
+                      </a:r>
+                      <a:endParaRPr lang="de-DE" sz="1800" dirty="0"/>
+                    </a:p>
+                  </a:txBody>
+                  <a:tcPr/>
+                </a:tc>
+                <a:extLst>
+                  <a:ext uri="{0D108BD9-81ED-4DB2-BD59-A6C34878D82A}">
+                    <a16:rowId xmlns:a16="http://schemas.microsoft.com/office/drawing/2014/main" xmlns="" val="10002"/>
+                  </a:ext>
+                </a:extLst>
+              </a:tr>
+              <a:tr h="370840">
+                <a:tc>
+                  <a:txBody>
+                    <a:bodyPr/>
+                    <a:lstStyle/>
+                    <a:p>
+                      <a:pPr algn="l"/>
+                      <a:r>
+                        <a:rPr lang="de-DE" sz="1800" dirty="0"/>
+                        <a:t>05.26 – 06.02</a:t>
+                      </a:r>
+                    </a:p>
+                  </a:txBody>
+                  <a:tcPr/>
+                </a:tc>
+                <a:tc>
+                  <a:txBody>
+                    <a:bodyPr/>
+                    <a:lstStyle/>
+                    <a:p>
+                      <a:pPr lvl="0">
+                        <a:buFont typeface="Arial" pitchFamily="34" charset="0"/>
+                        <a:buChar char="•"/>
+                      </a:pPr>
+                      <a:r>
+                        <a:rPr lang="de-DE" sz="1800" dirty="0"/>
+                        <a:t> </a:t>
+                      </a:r>
+                      <a:r>
+                        <a:rPr lang="en-US" sz="1800" dirty="0" smtClean="0"/>
+                        <a:t>Creation of ambient-occlusion-light</a:t>
+                      </a:r>
+                      <a:r>
+                        <a:rPr lang="en-US" sz="1800" baseline="0" dirty="0" smtClean="0"/>
+                        <a:t> -map</a:t>
+                      </a:r>
+                      <a:endParaRPr lang="de-DE" sz="1800" dirty="0"/>
+                    </a:p>
+                  </a:txBody>
+                  <a:tcPr/>
+                </a:tc>
+                <a:extLst>
+                  <a:ext uri="{0D108BD9-81ED-4DB2-BD59-A6C34878D82A}">
+                    <a16:rowId xmlns:a16="http://schemas.microsoft.com/office/drawing/2014/main" xmlns="" val="10003"/>
+                  </a:ext>
+                </a:extLst>
+              </a:tr>
+            </a:tbl>
+          </a:graphicData>
+        </a:graphic>
+      </p:graphicFrame>
+    </p:spTree>
+    <p:extLst>
+      <p:ext uri="{BB962C8B-B14F-4D97-AF65-F5344CB8AC3E}">
+        <p14:creationId xmlns:p14="http://schemas.microsoft.com/office/powerpoint/2010/main" xmlns="" val="401768939"/>
+      </p:ext>
+    </p:extLst>
+  </p:cSld>
+  <p:clrMapOvr>
+    <a:masterClrMapping/>
+  </p:clrMapOvr>
+</p:sld>
+</file>
+
+<file path=ppt/slides/slide14.xml><?xml version="1.0" encoding="utf-8"?>
+<p:sld xmlns:a="http://schemas.openxmlformats.org/drawingml/2006/main" xmlns:r="http://schemas.openxmlformats.org/officeDocument/2006/relationships" xmlns:p="http://schemas.openxmlformats.org/presentationml/2006/main">
+  <p:cSld>
+    <p:spTree>
+      <p:nvGrpSpPr>
+        <p:cNvPr id="1" name=""/>
+        <p:cNvGrpSpPr/>
+        <p:nvPr/>
+      </p:nvGrpSpPr>
+      <p:grpSpPr>
+        <a:xfrm>
+          <a:off x="0" y="0"/>
+          <a:ext cx="0" cy="0"/>
+          <a:chOff x="0" y="0"/>
+          <a:chExt cx="0" cy="0"/>
+        </a:xfrm>
+      </p:grpSpPr>
+      <p:sp>
+        <p:nvSpPr>
+          <p:cNvPr id="2" name="Titel 1"/>
+          <p:cNvSpPr>
+            <a:spLocks noGrp="1"/>
+          </p:cNvSpPr>
+          <p:nvPr>
+            <p:ph type="title"/>
+          </p:nvPr>
+        </p:nvSpPr>
+        <p:spPr/>
+        <p:txBody>
+          <a:bodyPr>
+            <a:normAutofit/>
+          </a:bodyPr>
+          <a:lstStyle/>
+          <a:p>
+            <a:pPr algn="ctr"/>
+            <a:r>
+              <a:rPr lang="de-DE" dirty="0" err="1">
+                <a:solidFill>
+                  <a:srgbClr val="FF0000"/>
+                </a:solidFill>
+              </a:rPr>
+              <a:t>Milestone</a:t>
+            </a:r>
+            <a:r>
+              <a:rPr lang="de-DE" dirty="0">
+                <a:solidFill>
+                  <a:srgbClr val="FF0000"/>
+                </a:solidFill>
+              </a:rPr>
+              <a:t> 2</a:t>
+            </a:r>
+          </a:p>
+        </p:txBody>
+      </p:sp>
+      <p:sp>
+        <p:nvSpPr>
+          <p:cNvPr id="9" name="Inhaltsplatzhalter 8"/>
+          <p:cNvSpPr>
+            <a:spLocks noGrp="1"/>
+          </p:cNvSpPr>
+          <p:nvPr>
+            <p:ph idx="1"/>
+          </p:nvPr>
+        </p:nvSpPr>
+        <p:spPr/>
+        <p:txBody>
+          <a:bodyPr>
+            <a:normAutofit/>
+          </a:bodyPr>
+          <a:lstStyle/>
+          <a:p>
+            <a:endParaRPr lang="de-DE" dirty="0"/>
+          </a:p>
+          <a:p>
+            <a:pPr>
+              <a:buNone/>
+            </a:pPr>
+            <a:endParaRPr lang="de-DE" dirty="0"/>
+          </a:p>
+          <a:p>
+            <a:endParaRPr lang="de-DE" dirty="0"/>
+          </a:p>
+        </p:txBody>
+      </p:sp>
+      <p:sp>
+        <p:nvSpPr>
+          <p:cNvPr id="11" name="Foliennummernplatzhalter 10"/>
+          <p:cNvSpPr>
+            <a:spLocks noGrp="1"/>
+          </p:cNvSpPr>
+          <p:nvPr>
+            <p:ph type="sldNum" sz="quarter" idx="12"/>
+          </p:nvPr>
+        </p:nvSpPr>
+        <p:spPr/>
+        <p:txBody>
+          <a:bodyPr/>
+          <a:lstStyle/>
+          <a:p>
+            <a:fld id="{6C6AE60A-B69C-4790-82F7-3882EDF23186}" type="slidenum">
+              <a:rPr lang="de-DE" smtClean="0"/>
+              <a:pPr/>
+              <a:t>14</a:t>
             </a:fld>
             <a:endParaRPr lang="de-DE"/>
           </a:p>
@@ -6235,14 +6628,14 @@
                 <a:gridCol w="1584176">
                   <a:extLst>
                     <a:ext uri="{9D8B030D-6E8A-4147-A177-3AD203B41FA5}">
-                      <a16:colId xmlns:a16="http://schemas.microsoft.com/office/drawing/2014/main" val="20000"/>
+                      <a16:colId xmlns:a16="http://schemas.microsoft.com/office/drawing/2014/main" xmlns="" val="20000"/>
                     </a:ext>
                   </a:extLst>
                 </a:gridCol>
                 <a:gridCol w="6480721">
                   <a:extLst>
                     <a:ext uri="{9D8B030D-6E8A-4147-A177-3AD203B41FA5}">
-                      <a16:colId xmlns:a16="http://schemas.microsoft.com/office/drawing/2014/main" val="20001"/>
+                      <a16:colId xmlns:a16="http://schemas.microsoft.com/office/drawing/2014/main" xmlns="" val="20001"/>
                     </a:ext>
                   </a:extLst>
                 </a:gridCol>
@@ -6284,7 +6677,7 @@
                 </a:tc>
                 <a:extLst>
                   <a:ext uri="{0D108BD9-81ED-4DB2-BD59-A6C34878D82A}">
-                    <a16:rowId xmlns:a16="http://schemas.microsoft.com/office/drawing/2014/main" val="10000"/>
+                    <a16:rowId xmlns:a16="http://schemas.microsoft.com/office/drawing/2014/main" xmlns="" val="10000"/>
                   </a:ext>
                 </a:extLst>
               </a:tr>
@@ -6456,7 +6849,7 @@
                 </a:tc>
                 <a:extLst>
                   <a:ext uri="{0D108BD9-81ED-4DB2-BD59-A6C34878D82A}">
-                    <a16:rowId xmlns:a16="http://schemas.microsoft.com/office/drawing/2014/main" val="10001"/>
+                    <a16:rowId xmlns:a16="http://schemas.microsoft.com/office/drawing/2014/main" xmlns="" val="10001"/>
                   </a:ext>
                 </a:extLst>
               </a:tr>
@@ -6577,7 +6970,7 @@
                 </a:tc>
                 <a:extLst>
                   <a:ext uri="{0D108BD9-81ED-4DB2-BD59-A6C34878D82A}">
-                    <a16:rowId xmlns:a16="http://schemas.microsoft.com/office/drawing/2014/main" val="10002"/>
+                    <a16:rowId xmlns:a16="http://schemas.microsoft.com/office/drawing/2014/main" xmlns="" val="10002"/>
                   </a:ext>
                 </a:extLst>
               </a:tr>
@@ -6666,7 +7059,7 @@
                 </a:tc>
                 <a:extLst>
                   <a:ext uri="{0D108BD9-81ED-4DB2-BD59-A6C34878D82A}">
-                    <a16:rowId xmlns:a16="http://schemas.microsoft.com/office/drawing/2014/main" val="10003"/>
+                    <a16:rowId xmlns:a16="http://schemas.microsoft.com/office/drawing/2014/main" xmlns="" val="10003"/>
                   </a:ext>
                 </a:extLst>
               </a:tr>
@@ -6682,7 +7075,7 @@
 </p:sld>
 </file>
 
-<file path=ppt/slides/slide14.xml><?xml version="1.0" encoding="utf-8"?>
+<file path=ppt/slides/slide15.xml><?xml version="1.0" encoding="utf-8"?>
 <p:sld xmlns:a="http://schemas.openxmlformats.org/drawingml/2006/main" xmlns:r="http://schemas.openxmlformats.org/officeDocument/2006/relationships" xmlns:p="http://schemas.openxmlformats.org/presentationml/2006/main">
   <p:cSld>
     <p:spTree>
@@ -6784,7 +7177,7 @@
             <a:fld id="{6C6AE60A-B69C-4790-82F7-3882EDF23186}" type="slidenum">
               <a:rPr lang="de-DE" smtClean="0"/>
               <a:pPr/>
-              <a:t>14</a:t>
+              <a:t>15</a:t>
             </a:fld>
             <a:endParaRPr lang="de-DE"/>
           </a:p>
@@ -6799,7 +7192,7 @@
           <p:nvPr>
             <p:extLst>
               <p:ext uri="{D42A27DB-BD31-4B8C-83A1-F6EECF244321}">
-                <p14:modId xmlns:p14="http://schemas.microsoft.com/office/powerpoint/2010/main" val="3528518649"/>
+                <p14:modId xmlns:p14="http://schemas.microsoft.com/office/powerpoint/2010/main" xmlns="" val="3528518649"/>
               </p:ext>
             </p:extLst>
           </p:nvPr>
@@ -6818,14 +7211,14 @@
                 <a:gridCol w="1584176">
                   <a:extLst>
                     <a:ext uri="{9D8B030D-6E8A-4147-A177-3AD203B41FA5}">
-                      <a16:colId xmlns:a16="http://schemas.microsoft.com/office/drawing/2014/main" val="20000"/>
+                      <a16:colId xmlns:a16="http://schemas.microsoft.com/office/drawing/2014/main" xmlns="" val="20000"/>
                     </a:ext>
                   </a:extLst>
                 </a:gridCol>
                 <a:gridCol w="6480721">
                   <a:extLst>
                     <a:ext uri="{9D8B030D-6E8A-4147-A177-3AD203B41FA5}">
-                      <a16:colId xmlns:a16="http://schemas.microsoft.com/office/drawing/2014/main" val="20001"/>
+                      <a16:colId xmlns:a16="http://schemas.microsoft.com/office/drawing/2014/main" xmlns="" val="20001"/>
                     </a:ext>
                   </a:extLst>
                 </a:gridCol>
@@ -6862,7 +7255,7 @@
                 </a:tc>
                 <a:extLst>
                   <a:ext uri="{0D108BD9-81ED-4DB2-BD59-A6C34878D82A}">
-                    <a16:rowId xmlns:a16="http://schemas.microsoft.com/office/drawing/2014/main" val="10000"/>
+                    <a16:rowId xmlns:a16="http://schemas.microsoft.com/office/drawing/2014/main" xmlns="" val="10000"/>
                   </a:ext>
                 </a:extLst>
               </a:tr>
@@ -6942,7 +7335,7 @@
                 </a:tc>
                 <a:extLst>
                   <a:ext uri="{0D108BD9-81ED-4DB2-BD59-A6C34878D82A}">
-                    <a16:rowId xmlns:a16="http://schemas.microsoft.com/office/drawing/2014/main" val="10001"/>
+                    <a16:rowId xmlns:a16="http://schemas.microsoft.com/office/drawing/2014/main" xmlns="" val="10001"/>
                   </a:ext>
                 </a:extLst>
               </a:tr>
@@ -7057,7 +7450,7 @@
                 </a:tc>
                 <a:extLst>
                   <a:ext uri="{0D108BD9-81ED-4DB2-BD59-A6C34878D82A}">
-                    <a16:rowId xmlns:a16="http://schemas.microsoft.com/office/drawing/2014/main" val="10002"/>
+                    <a16:rowId xmlns:a16="http://schemas.microsoft.com/office/drawing/2014/main" xmlns="" val="10002"/>
                   </a:ext>
                 </a:extLst>
               </a:tr>
@@ -7121,7 +7514,7 @@
                 </a:tc>
                 <a:extLst>
                   <a:ext uri="{0D108BD9-81ED-4DB2-BD59-A6C34878D82A}">
-                    <a16:rowId xmlns:a16="http://schemas.microsoft.com/office/drawing/2014/main" val="10003"/>
+                    <a16:rowId xmlns:a16="http://schemas.microsoft.com/office/drawing/2014/main" xmlns="" val="10003"/>
                   </a:ext>
                 </a:extLst>
               </a:tr>
@@ -7132,193 +7525,9 @@
     </p:spTree>
     <p:extLst>
       <p:ext uri="{BB962C8B-B14F-4D97-AF65-F5344CB8AC3E}">
-        <p14:creationId xmlns:p14="http://schemas.microsoft.com/office/powerpoint/2010/main" val="4058254611"/>
+        <p14:creationId xmlns:p14="http://schemas.microsoft.com/office/powerpoint/2010/main" xmlns="" val="4058254611"/>
       </p:ext>
     </p:extLst>
-  </p:cSld>
-  <p:clrMapOvr>
-    <a:masterClrMapping/>
-  </p:clrMapOvr>
-</p:sld>
-</file>
-
-<file path=ppt/slides/slide15.xml><?xml version="1.0" encoding="utf-8"?>
-<p:sld xmlns:a="http://schemas.openxmlformats.org/drawingml/2006/main" xmlns:r="http://schemas.openxmlformats.org/officeDocument/2006/relationships" xmlns:p="http://schemas.openxmlformats.org/presentationml/2006/main">
-  <p:cSld>
-    <p:spTree>
-      <p:nvGrpSpPr>
-        <p:cNvPr id="1" name=""/>
-        <p:cNvGrpSpPr/>
-        <p:nvPr/>
-      </p:nvGrpSpPr>
-      <p:grpSpPr>
-        <a:xfrm>
-          <a:off x="0" y="0"/>
-          <a:ext cx="0" cy="0"/>
-          <a:chOff x="0" y="0"/>
-          <a:chExt cx="0" cy="0"/>
-        </a:xfrm>
-      </p:grpSpPr>
-      <p:sp>
-        <p:nvSpPr>
-          <p:cNvPr id="2" name="Titel 1"/>
-          <p:cNvSpPr>
-            <a:spLocks noGrp="1"/>
-          </p:cNvSpPr>
-          <p:nvPr>
-            <p:ph type="title"/>
-          </p:nvPr>
-        </p:nvSpPr>
-        <p:spPr/>
-        <p:txBody>
-          <a:bodyPr/>
-          <a:lstStyle/>
-          <a:p>
-            <a:pPr algn="ctr"/>
-            <a:r>
-              <a:rPr lang="de-DE" dirty="0" err="1">
-                <a:solidFill>
-                  <a:srgbClr val="FF0000"/>
-                </a:solidFill>
-              </a:rPr>
-              <a:t>Exams</a:t>
-            </a:r>
-            <a:endParaRPr lang="de-DE" dirty="0"/>
-          </a:p>
-        </p:txBody>
-      </p:sp>
-      <p:sp>
-        <p:nvSpPr>
-          <p:cNvPr id="3" name="Inhaltsplatzhalter 2"/>
-          <p:cNvSpPr>
-            <a:spLocks noGrp="1"/>
-          </p:cNvSpPr>
-          <p:nvPr>
-            <p:ph idx="1"/>
-          </p:nvPr>
-        </p:nvSpPr>
-        <p:spPr/>
-        <p:txBody>
-          <a:bodyPr>
-            <a:normAutofit/>
-          </a:bodyPr>
-          <a:lstStyle/>
-          <a:p>
-            <a:r>
-              <a:rPr lang="de-DE" sz="2400" dirty="0"/>
-              <a:t>16.07.2016 - 30.07.2016 </a:t>
-            </a:r>
-            <a:r>
-              <a:rPr lang="de-DE" sz="2400" dirty="0" err="1"/>
-              <a:t>and</a:t>
-            </a:r>
-            <a:r>
-              <a:rPr lang="de-DE" sz="2400" dirty="0"/>
-              <a:t> 12.09.2016 - 24.09.2016</a:t>
-            </a:r>
-          </a:p>
-          <a:p>
-            <a:pPr lvl="1"/>
-            <a:r>
-              <a:rPr lang="de-DE" dirty="0" err="1"/>
-              <a:t>Exam</a:t>
-            </a:r>
-            <a:r>
-              <a:rPr lang="de-DE" dirty="0"/>
-              <a:t> </a:t>
-            </a:r>
-            <a:r>
-              <a:rPr lang="de-DE" dirty="0" err="1"/>
-              <a:t>and</a:t>
-            </a:r>
-            <a:r>
-              <a:rPr lang="de-DE" dirty="0"/>
-              <a:t> </a:t>
-            </a:r>
-            <a:r>
-              <a:rPr lang="de-DE" dirty="0" err="1"/>
-              <a:t>preperation</a:t>
-            </a:r>
-            <a:r>
-              <a:rPr lang="de-DE" dirty="0"/>
-              <a:t> 23.06 - 30.07 </a:t>
-            </a:r>
-          </a:p>
-          <a:p>
-            <a:pPr lvl="1"/>
-            <a:r>
-              <a:rPr lang="de-DE" dirty="0"/>
-              <a:t>Sec. </a:t>
-            </a:r>
-            <a:r>
-              <a:rPr lang="de-DE" dirty="0" err="1"/>
-              <a:t>exam</a:t>
-            </a:r>
-            <a:r>
-              <a:rPr lang="de-DE" dirty="0"/>
-              <a:t> </a:t>
-            </a:r>
-            <a:r>
-              <a:rPr lang="de-DE" dirty="0" err="1"/>
-              <a:t>phase</a:t>
-            </a:r>
-            <a:r>
-              <a:rPr lang="de-DE" dirty="0"/>
-              <a:t> -&gt; individual </a:t>
-            </a:r>
-            <a:r>
-              <a:rPr lang="de-DE" dirty="0" err="1"/>
-              <a:t>schedule</a:t>
-            </a:r>
-            <a:endParaRPr lang="de-DE" dirty="0"/>
-          </a:p>
-          <a:p>
-            <a:endParaRPr lang="de-DE" dirty="0"/>
-          </a:p>
-          <a:p>
-            <a:pPr lvl="1"/>
-            <a:endParaRPr lang="de-DE" dirty="0"/>
-          </a:p>
-          <a:p>
-            <a:pPr lvl="1"/>
-            <a:endParaRPr lang="de-DE" sz="2200" dirty="0"/>
-          </a:p>
-          <a:p>
-            <a:endParaRPr lang="de-DE" sz="2400" dirty="0"/>
-          </a:p>
-          <a:p>
-            <a:endParaRPr lang="de-DE" sz="2400" dirty="0"/>
-          </a:p>
-          <a:p>
-            <a:endParaRPr lang="de-DE" dirty="0"/>
-          </a:p>
-        </p:txBody>
-      </p:sp>
-      <p:sp>
-        <p:nvSpPr>
-          <p:cNvPr id="4" name="Foliennummernplatzhalter 3"/>
-          <p:cNvSpPr>
-            <a:spLocks noGrp="1"/>
-          </p:cNvSpPr>
-          <p:nvPr>
-            <p:ph type="sldNum" sz="quarter" idx="12"/>
-          </p:nvPr>
-        </p:nvSpPr>
-        <p:spPr/>
-        <p:txBody>
-          <a:bodyPr/>
-          <a:lstStyle/>
-          <a:p>
-            <a:fld id="{6C6AE60A-B69C-4790-82F7-3882EDF23186}" type="slidenum">
-              <a:rPr lang="de-DE" smtClean="0"/>
-              <a:pPr/>
-              <a:t>15</a:t>
-            </a:fld>
-            <a:endParaRPr lang="de-DE"/>
-          </a:p>
-        </p:txBody>
-      </p:sp>
-    </p:spTree>
   </p:cSld>
   <p:clrMapOvr>
     <a:masterClrMapping/>
@@ -7375,7 +7584,7 @@
                   <a:srgbClr val="FF0000"/>
                 </a:solidFill>
               </a:rPr>
-              <a:t> 3</a:t>
+              <a:t> 2</a:t>
             </a:r>
           </a:p>
         </p:txBody>
@@ -7429,6 +7638,689 @@
               <a:rPr lang="de-DE" smtClean="0"/>
               <a:pPr/>
               <a:t>16</a:t>
+            </a:fld>
+            <a:endParaRPr lang="de-DE"/>
+          </a:p>
+        </p:txBody>
+      </p:sp>
+      <p:graphicFrame>
+        <p:nvGraphicFramePr>
+          <p:cNvPr id="8" name="Tabelle 7"/>
+          <p:cNvGraphicFramePr>
+            <a:graphicFrameLocks noGrp="1"/>
+          </p:cNvGraphicFramePr>
+          <p:nvPr>
+            <p:extLst>
+              <p:ext uri="{D42A27DB-BD31-4B8C-83A1-F6EECF244321}">
+                <p14:modId xmlns:p14="http://schemas.microsoft.com/office/powerpoint/2010/main" xmlns="" val="3528518649"/>
+              </p:ext>
+            </p:extLst>
+          </p:nvPr>
+        </p:nvGraphicFramePr>
+        <p:xfrm>
+          <a:off x="539552" y="1849388"/>
+          <a:ext cx="8064897" cy="2026920"/>
+        </p:xfrm>
+        <a:graphic>
+          <a:graphicData uri="http://schemas.openxmlformats.org/drawingml/2006/table">
+            <a:tbl>
+              <a:tblPr firstRow="1" bandRow="1">
+                <a:tableStyleId>{5C22544A-7EE6-4342-B048-85BDC9FD1C3A}</a:tableStyleId>
+              </a:tblPr>
+              <a:tblGrid>
+                <a:gridCol w="1584176">
+                  <a:extLst>
+                    <a:ext uri="{9D8B030D-6E8A-4147-A177-3AD203B41FA5}">
+                      <a16:colId xmlns:a16="http://schemas.microsoft.com/office/drawing/2014/main" xmlns="" val="20000"/>
+                    </a:ext>
+                  </a:extLst>
+                </a:gridCol>
+                <a:gridCol w="6480721">
+                  <a:extLst>
+                    <a:ext uri="{9D8B030D-6E8A-4147-A177-3AD203B41FA5}">
+                      <a16:colId xmlns:a16="http://schemas.microsoft.com/office/drawing/2014/main" xmlns="" val="20001"/>
+                    </a:ext>
+                  </a:extLst>
+                </a:gridCol>
+              </a:tblGrid>
+              <a:tr h="370840">
+                <a:tc>
+                  <a:txBody>
+                    <a:bodyPr/>
+                    <a:lstStyle/>
+                    <a:p>
+                      <a:pPr algn="ctr"/>
+                      <a:r>
+                        <a:rPr lang="de-DE" sz="1800" dirty="0" err="1"/>
+                        <a:t>Week</a:t>
+                      </a:r>
+                      <a:endParaRPr lang="de-DE" sz="1800" dirty="0"/>
+                    </a:p>
+                  </a:txBody>
+                  <a:tcPr/>
+                </a:tc>
+                <a:tc>
+                  <a:txBody>
+                    <a:bodyPr/>
+                    <a:lstStyle/>
+                    <a:p>
+                      <a:pPr algn="ctr"/>
+                      <a:r>
+                        <a:rPr lang="de-DE" sz="1800" dirty="0" smtClean="0"/>
+                        <a:t>Manuel Schmitt</a:t>
+                      </a:r>
+                      <a:endParaRPr lang="de-DE" sz="1800" dirty="0"/>
+                    </a:p>
+                  </a:txBody>
+                  <a:tcPr/>
+                </a:tc>
+                <a:extLst>
+                  <a:ext uri="{0D108BD9-81ED-4DB2-BD59-A6C34878D82A}">
+                    <a16:rowId xmlns:a16="http://schemas.microsoft.com/office/drawing/2014/main" xmlns="" val="10000"/>
+                  </a:ext>
+                </a:extLst>
+              </a:tr>
+              <a:tr h="370840">
+                <a:tc>
+                  <a:txBody>
+                    <a:bodyPr/>
+                    <a:lstStyle/>
+                    <a:p>
+                      <a:pPr marL="0" marR="0" indent="0" algn="l" defTabSz="914400" rtl="0" eaLnBrk="1" fontAlgn="auto" latinLnBrk="0" hangingPunct="1">
+                        <a:lnSpc>
+                          <a:spcPct val="100000"/>
+                        </a:lnSpc>
+                        <a:spcBef>
+                          <a:spcPts val="0"/>
+                        </a:spcBef>
+                        <a:spcAft>
+                          <a:spcPts val="0"/>
+                        </a:spcAft>
+                        <a:buClrTx/>
+                        <a:buSzTx/>
+                        <a:buFontTx/>
+                        <a:buNone/>
+                        <a:tabLst/>
+                        <a:defRPr/>
+                      </a:pPr>
+                      <a:r>
+                        <a:rPr lang="de-DE" sz="1800" dirty="0"/>
+                        <a:t>06.02 – 06.09</a:t>
+                      </a:r>
+                    </a:p>
+                  </a:txBody>
+                  <a:tcPr/>
+                </a:tc>
+                <a:tc>
+                  <a:txBody>
+                    <a:bodyPr/>
+                    <a:lstStyle/>
+                    <a:p>
+                      <a:pPr lvl="0">
+                        <a:buFont typeface="Arial" pitchFamily="34" charset="0"/>
+                        <a:buChar char="•"/>
+                      </a:pPr>
+                      <a:r>
+                        <a:rPr lang="de-DE" sz="1800" baseline="0" dirty="0"/>
+                        <a:t> </a:t>
+                      </a:r>
+                      <a:r>
+                        <a:rPr lang="de-DE" sz="1800" baseline="0" dirty="0" err="1" smtClean="0"/>
+                        <a:t>Buffer</a:t>
+                      </a:r>
+                      <a:r>
+                        <a:rPr lang="de-DE" sz="1800" baseline="0" dirty="0" smtClean="0"/>
+                        <a:t> </a:t>
+                      </a:r>
+                      <a:r>
+                        <a:rPr lang="de-DE" sz="1800" baseline="0" dirty="0" err="1" smtClean="0"/>
+                        <a:t>for</a:t>
+                      </a:r>
+                      <a:r>
+                        <a:rPr lang="de-DE" sz="1800" baseline="0" dirty="0" smtClean="0"/>
+                        <a:t> </a:t>
+                      </a:r>
+                      <a:r>
+                        <a:rPr lang="de-DE" sz="1800" baseline="0" dirty="0" err="1" smtClean="0"/>
+                        <a:t>ambient-occlusion</a:t>
+                      </a:r>
+                      <a:endParaRPr lang="de-DE" sz="1800" baseline="0" dirty="0"/>
+                    </a:p>
+                    <a:p>
+                      <a:pPr lvl="0">
+                        <a:buFont typeface="Arial" pitchFamily="34" charset="0"/>
+                        <a:buChar char="•"/>
+                      </a:pPr>
+                      <a:r>
+                        <a:rPr lang="de-DE" sz="1800" baseline="0" dirty="0" smtClean="0"/>
+                        <a:t> Alternative:  </a:t>
+                      </a:r>
+                      <a:r>
+                        <a:rPr lang="de-DE" sz="1800" baseline="0" dirty="0" err="1" smtClean="0"/>
+                        <a:t>Implementation</a:t>
+                      </a:r>
+                      <a:r>
+                        <a:rPr lang="de-DE" sz="1800" baseline="0" dirty="0" smtClean="0"/>
+                        <a:t> </a:t>
+                      </a:r>
+                      <a:r>
+                        <a:rPr lang="de-DE" sz="1800" baseline="0" dirty="0" err="1" smtClean="0"/>
+                        <a:t>of</a:t>
+                      </a:r>
+                      <a:r>
+                        <a:rPr lang="de-DE" sz="1800" baseline="0" dirty="0" smtClean="0"/>
+                        <a:t> </a:t>
+                      </a:r>
+                      <a:r>
+                        <a:rPr lang="de-DE" sz="1800" baseline="0" dirty="0" err="1" smtClean="0"/>
+                        <a:t>light</a:t>
+                      </a:r>
+                      <a:r>
+                        <a:rPr lang="de-DE" sz="1800" baseline="0" dirty="0" smtClean="0"/>
+                        <a:t> </a:t>
+                      </a:r>
+                      <a:r>
+                        <a:rPr lang="de-DE" sz="1800" baseline="0" dirty="0" err="1" smtClean="0"/>
+                        <a:t>effects</a:t>
+                      </a:r>
+                      <a:r>
+                        <a:rPr lang="de-DE" sz="1800" baseline="0" dirty="0" smtClean="0"/>
+                        <a:t> </a:t>
+                      </a:r>
+                      <a:r>
+                        <a:rPr lang="de-DE" sz="1800" baseline="0" dirty="0" err="1" smtClean="0"/>
+                        <a:t>like</a:t>
+                      </a:r>
+                      <a:r>
+                        <a:rPr lang="de-DE" sz="1800" baseline="0" dirty="0" smtClean="0"/>
+                        <a:t> </a:t>
+                      </a:r>
+                      <a:r>
+                        <a:rPr lang="de-DE" sz="1800" baseline="0" dirty="0" err="1" smtClean="0"/>
+                        <a:t>god-rays</a:t>
+                      </a:r>
+                      <a:r>
+                        <a:rPr lang="de-DE" sz="1800" baseline="0" dirty="0" smtClean="0"/>
+                        <a:t> </a:t>
+                      </a:r>
+                      <a:r>
+                        <a:rPr lang="de-DE" sz="1800" baseline="0" dirty="0" err="1" smtClean="0"/>
+                        <a:t>or</a:t>
+                      </a:r>
+                      <a:r>
+                        <a:rPr lang="de-DE" sz="1800" baseline="0" dirty="0" smtClean="0"/>
+                        <a:t>   </a:t>
+                      </a:r>
+                      <a:r>
+                        <a:rPr lang="de-DE" sz="1800" baseline="0" dirty="0" err="1" smtClean="0"/>
+                        <a:t>atmospheric</a:t>
+                      </a:r>
+                      <a:r>
+                        <a:rPr lang="de-DE" sz="1800" baseline="0" dirty="0" smtClean="0"/>
+                        <a:t> </a:t>
+                      </a:r>
+                      <a:r>
+                        <a:rPr lang="de-DE" sz="1800" baseline="0" dirty="0" err="1" smtClean="0"/>
+                        <a:t>scattering</a:t>
+                      </a:r>
+                      <a:endParaRPr lang="de-DE" sz="1800" baseline="0" dirty="0" smtClean="0"/>
+                    </a:p>
+                  </a:txBody>
+                  <a:tcPr/>
+                </a:tc>
+                <a:extLst>
+                  <a:ext uri="{0D108BD9-81ED-4DB2-BD59-A6C34878D82A}">
+                    <a16:rowId xmlns:a16="http://schemas.microsoft.com/office/drawing/2014/main" xmlns="" val="10001"/>
+                  </a:ext>
+                </a:extLst>
+              </a:tr>
+              <a:tr h="370840">
+                <a:tc>
+                  <a:txBody>
+                    <a:bodyPr/>
+                    <a:lstStyle/>
+                    <a:p>
+                      <a:pPr marL="0" marR="0" indent="0" algn="l" defTabSz="914400" rtl="0" eaLnBrk="1" fontAlgn="auto" latinLnBrk="0" hangingPunct="1">
+                        <a:lnSpc>
+                          <a:spcPct val="100000"/>
+                        </a:lnSpc>
+                        <a:spcBef>
+                          <a:spcPts val="0"/>
+                        </a:spcBef>
+                        <a:spcAft>
+                          <a:spcPts val="0"/>
+                        </a:spcAft>
+                        <a:buClrTx/>
+                        <a:buSzTx/>
+                        <a:buFontTx/>
+                        <a:buNone/>
+                        <a:tabLst/>
+                        <a:defRPr/>
+                      </a:pPr>
+                      <a:r>
+                        <a:rPr lang="de-DE" sz="1800" dirty="0"/>
+                        <a:t>06.09 – 06.16</a:t>
+                      </a:r>
+                    </a:p>
+                  </a:txBody>
+                  <a:tcPr/>
+                </a:tc>
+                <a:tc>
+                  <a:txBody>
+                    <a:bodyPr/>
+                    <a:lstStyle/>
+                    <a:p>
+                      <a:pPr lvl="0">
+                        <a:buFont typeface="Arial" pitchFamily="34" charset="0"/>
+                        <a:buChar char="•"/>
+                      </a:pPr>
+                      <a:r>
+                        <a:rPr lang="de-DE" sz="1800" baseline="0" dirty="0"/>
+                        <a:t> </a:t>
+                      </a:r>
+                      <a:r>
+                        <a:rPr lang="de-DE" sz="1800" baseline="0" dirty="0" err="1" smtClean="0"/>
+                        <a:t>Implementation</a:t>
+                      </a:r>
+                      <a:r>
+                        <a:rPr lang="de-DE" sz="1800" baseline="0" dirty="0" smtClean="0"/>
+                        <a:t> </a:t>
+                      </a:r>
+                      <a:r>
+                        <a:rPr lang="de-DE" sz="1800" baseline="0" dirty="0" err="1" smtClean="0"/>
+                        <a:t>of</a:t>
+                      </a:r>
+                      <a:r>
+                        <a:rPr lang="de-DE" sz="1800" baseline="0" dirty="0" smtClean="0"/>
+                        <a:t> </a:t>
+                      </a:r>
+                      <a:r>
+                        <a:rPr lang="de-DE" sz="1800" baseline="0" dirty="0" err="1" smtClean="0"/>
+                        <a:t>client-menu-structure</a:t>
+                      </a:r>
+                      <a:endParaRPr lang="de-DE" sz="1800" baseline="0" dirty="0" smtClean="0"/>
+                    </a:p>
+                  </a:txBody>
+                  <a:tcPr/>
+                </a:tc>
+                <a:extLst>
+                  <a:ext uri="{0D108BD9-81ED-4DB2-BD59-A6C34878D82A}">
+                    <a16:rowId xmlns:a16="http://schemas.microsoft.com/office/drawing/2014/main" xmlns="" val="10002"/>
+                  </a:ext>
+                </a:extLst>
+              </a:tr>
+              <a:tr h="370840">
+                <a:tc>
+                  <a:txBody>
+                    <a:bodyPr/>
+                    <a:lstStyle/>
+                    <a:p>
+                      <a:pPr marL="0" marR="0" indent="0" algn="l" defTabSz="914400" rtl="0" eaLnBrk="1" fontAlgn="auto" latinLnBrk="0" hangingPunct="1">
+                        <a:lnSpc>
+                          <a:spcPct val="100000"/>
+                        </a:lnSpc>
+                        <a:spcBef>
+                          <a:spcPts val="0"/>
+                        </a:spcBef>
+                        <a:spcAft>
+                          <a:spcPts val="0"/>
+                        </a:spcAft>
+                        <a:buClrTx/>
+                        <a:buSzTx/>
+                        <a:buFontTx/>
+                        <a:buNone/>
+                        <a:tabLst/>
+                        <a:defRPr/>
+                      </a:pPr>
+                      <a:r>
+                        <a:rPr lang="de-DE" sz="1800" dirty="0"/>
+                        <a:t>06.16</a:t>
+                      </a:r>
+                      <a:r>
+                        <a:rPr lang="de-DE" sz="1800" baseline="0" dirty="0"/>
+                        <a:t> – 06.23</a:t>
+                      </a:r>
+                      <a:endParaRPr lang="de-DE" sz="1800" dirty="0"/>
+                    </a:p>
+                  </a:txBody>
+                  <a:tcPr/>
+                </a:tc>
+                <a:tc>
+                  <a:txBody>
+                    <a:bodyPr/>
+                    <a:lstStyle/>
+                    <a:p>
+                      <a:pPr lvl="0">
+                        <a:buFont typeface="Arial" pitchFamily="34" charset="0"/>
+                        <a:buChar char="•"/>
+                      </a:pPr>
+                      <a:r>
+                        <a:rPr lang="de-DE" sz="1800" dirty="0"/>
+                        <a:t> </a:t>
+                      </a:r>
+                      <a:r>
+                        <a:rPr lang="en-US" sz="1800" dirty="0" smtClean="0"/>
+                        <a:t>Implementation</a:t>
+                      </a:r>
+                      <a:r>
+                        <a:rPr lang="en-US" sz="1800" baseline="0" dirty="0" smtClean="0"/>
+                        <a:t> of spectator-client-menu</a:t>
+                      </a:r>
+                      <a:endParaRPr lang="de-DE" sz="1800" dirty="0"/>
+                    </a:p>
+                  </a:txBody>
+                  <a:tcPr/>
+                </a:tc>
+                <a:extLst>
+                  <a:ext uri="{0D108BD9-81ED-4DB2-BD59-A6C34878D82A}">
+                    <a16:rowId xmlns:a16="http://schemas.microsoft.com/office/drawing/2014/main" xmlns="" val="10003"/>
+                  </a:ext>
+                </a:extLst>
+              </a:tr>
+            </a:tbl>
+          </a:graphicData>
+        </a:graphic>
+      </p:graphicFrame>
+    </p:spTree>
+    <p:extLst>
+      <p:ext uri="{BB962C8B-B14F-4D97-AF65-F5344CB8AC3E}">
+        <p14:creationId xmlns:p14="http://schemas.microsoft.com/office/powerpoint/2010/main" xmlns="" val="4058254611"/>
+      </p:ext>
+    </p:extLst>
+  </p:cSld>
+  <p:clrMapOvr>
+    <a:masterClrMapping/>
+  </p:clrMapOvr>
+</p:sld>
+</file>
+
+<file path=ppt/slides/slide17.xml><?xml version="1.0" encoding="utf-8"?>
+<p:sld xmlns:a="http://schemas.openxmlformats.org/drawingml/2006/main" xmlns:r="http://schemas.openxmlformats.org/officeDocument/2006/relationships" xmlns:p="http://schemas.openxmlformats.org/presentationml/2006/main">
+  <p:cSld>
+    <p:spTree>
+      <p:nvGrpSpPr>
+        <p:cNvPr id="1" name=""/>
+        <p:cNvGrpSpPr/>
+        <p:nvPr/>
+      </p:nvGrpSpPr>
+      <p:grpSpPr>
+        <a:xfrm>
+          <a:off x="0" y="0"/>
+          <a:ext cx="0" cy="0"/>
+          <a:chOff x="0" y="0"/>
+          <a:chExt cx="0" cy="0"/>
+        </a:xfrm>
+      </p:grpSpPr>
+      <p:sp>
+        <p:nvSpPr>
+          <p:cNvPr id="2" name="Titel 1"/>
+          <p:cNvSpPr>
+            <a:spLocks noGrp="1"/>
+          </p:cNvSpPr>
+          <p:nvPr>
+            <p:ph type="title"/>
+          </p:nvPr>
+        </p:nvSpPr>
+        <p:spPr/>
+        <p:txBody>
+          <a:bodyPr/>
+          <a:lstStyle/>
+          <a:p>
+            <a:pPr algn="ctr"/>
+            <a:r>
+              <a:rPr lang="de-DE" dirty="0" err="1">
+                <a:solidFill>
+                  <a:srgbClr val="FF0000"/>
+                </a:solidFill>
+              </a:rPr>
+              <a:t>Exams</a:t>
+            </a:r>
+            <a:endParaRPr lang="de-DE" dirty="0"/>
+          </a:p>
+        </p:txBody>
+      </p:sp>
+      <p:sp>
+        <p:nvSpPr>
+          <p:cNvPr id="3" name="Inhaltsplatzhalter 2"/>
+          <p:cNvSpPr>
+            <a:spLocks noGrp="1"/>
+          </p:cNvSpPr>
+          <p:nvPr>
+            <p:ph idx="1"/>
+          </p:nvPr>
+        </p:nvSpPr>
+        <p:spPr/>
+        <p:txBody>
+          <a:bodyPr>
+            <a:normAutofit/>
+          </a:bodyPr>
+          <a:lstStyle/>
+          <a:p>
+            <a:r>
+              <a:rPr lang="de-DE" sz="2400" dirty="0"/>
+              <a:t>16.07.2016 - 30.07.2016 </a:t>
+            </a:r>
+            <a:r>
+              <a:rPr lang="de-DE" sz="2400" dirty="0" err="1"/>
+              <a:t>and</a:t>
+            </a:r>
+            <a:r>
+              <a:rPr lang="de-DE" sz="2400" dirty="0"/>
+              <a:t> 12.09.2016 - 24.09.2016</a:t>
+            </a:r>
+          </a:p>
+          <a:p>
+            <a:pPr lvl="1"/>
+            <a:r>
+              <a:rPr lang="de-DE" dirty="0" err="1"/>
+              <a:t>Exam</a:t>
+            </a:r>
+            <a:r>
+              <a:rPr lang="de-DE" dirty="0"/>
+              <a:t> </a:t>
+            </a:r>
+            <a:r>
+              <a:rPr lang="de-DE" dirty="0" err="1"/>
+              <a:t>and</a:t>
+            </a:r>
+            <a:r>
+              <a:rPr lang="de-DE" dirty="0"/>
+              <a:t> </a:t>
+            </a:r>
+            <a:r>
+              <a:rPr lang="de-DE" dirty="0" err="1"/>
+              <a:t>preperation</a:t>
+            </a:r>
+            <a:r>
+              <a:rPr lang="de-DE" dirty="0"/>
+              <a:t> 23.06 - 30.07 </a:t>
+            </a:r>
+          </a:p>
+          <a:p>
+            <a:pPr lvl="1"/>
+            <a:r>
+              <a:rPr lang="de-DE" dirty="0"/>
+              <a:t>Sec. </a:t>
+            </a:r>
+            <a:r>
+              <a:rPr lang="de-DE" dirty="0" err="1"/>
+              <a:t>exam</a:t>
+            </a:r>
+            <a:r>
+              <a:rPr lang="de-DE" dirty="0"/>
+              <a:t> </a:t>
+            </a:r>
+            <a:r>
+              <a:rPr lang="de-DE" dirty="0" err="1"/>
+              <a:t>phase</a:t>
+            </a:r>
+            <a:r>
+              <a:rPr lang="de-DE" dirty="0"/>
+              <a:t> -&gt; individual </a:t>
+            </a:r>
+            <a:r>
+              <a:rPr lang="de-DE" dirty="0" err="1"/>
+              <a:t>schedule</a:t>
+            </a:r>
+            <a:endParaRPr lang="de-DE" dirty="0"/>
+          </a:p>
+          <a:p>
+            <a:endParaRPr lang="de-DE" dirty="0"/>
+          </a:p>
+          <a:p>
+            <a:pPr lvl="1"/>
+            <a:endParaRPr lang="de-DE" dirty="0"/>
+          </a:p>
+          <a:p>
+            <a:pPr lvl="1"/>
+            <a:endParaRPr lang="de-DE" sz="2200" dirty="0"/>
+          </a:p>
+          <a:p>
+            <a:endParaRPr lang="de-DE" sz="2400" dirty="0"/>
+          </a:p>
+          <a:p>
+            <a:endParaRPr lang="de-DE" sz="2400" dirty="0"/>
+          </a:p>
+          <a:p>
+            <a:endParaRPr lang="de-DE" dirty="0"/>
+          </a:p>
+        </p:txBody>
+      </p:sp>
+      <p:sp>
+        <p:nvSpPr>
+          <p:cNvPr id="4" name="Foliennummernplatzhalter 3"/>
+          <p:cNvSpPr>
+            <a:spLocks noGrp="1"/>
+          </p:cNvSpPr>
+          <p:nvPr>
+            <p:ph type="sldNum" sz="quarter" idx="12"/>
+          </p:nvPr>
+        </p:nvSpPr>
+        <p:spPr/>
+        <p:txBody>
+          <a:bodyPr/>
+          <a:lstStyle/>
+          <a:p>
+            <a:fld id="{6C6AE60A-B69C-4790-82F7-3882EDF23186}" type="slidenum">
+              <a:rPr lang="de-DE" smtClean="0"/>
+              <a:pPr/>
+              <a:t>17</a:t>
+            </a:fld>
+            <a:endParaRPr lang="de-DE"/>
+          </a:p>
+        </p:txBody>
+      </p:sp>
+    </p:spTree>
+  </p:cSld>
+  <p:clrMapOvr>
+    <a:masterClrMapping/>
+  </p:clrMapOvr>
+</p:sld>
+</file>
+
+<file path=ppt/slides/slide18.xml><?xml version="1.0" encoding="utf-8"?>
+<p:sld xmlns:a="http://schemas.openxmlformats.org/drawingml/2006/main" xmlns:r="http://schemas.openxmlformats.org/officeDocument/2006/relationships" xmlns:p="http://schemas.openxmlformats.org/presentationml/2006/main">
+  <p:cSld>
+    <p:spTree>
+      <p:nvGrpSpPr>
+        <p:cNvPr id="1" name=""/>
+        <p:cNvGrpSpPr/>
+        <p:nvPr/>
+      </p:nvGrpSpPr>
+      <p:grpSpPr>
+        <a:xfrm>
+          <a:off x="0" y="0"/>
+          <a:ext cx="0" cy="0"/>
+          <a:chOff x="0" y="0"/>
+          <a:chExt cx="0" cy="0"/>
+        </a:xfrm>
+      </p:grpSpPr>
+      <p:sp>
+        <p:nvSpPr>
+          <p:cNvPr id="2" name="Titel 1"/>
+          <p:cNvSpPr>
+            <a:spLocks noGrp="1"/>
+          </p:cNvSpPr>
+          <p:nvPr>
+            <p:ph type="title"/>
+          </p:nvPr>
+        </p:nvSpPr>
+        <p:spPr/>
+        <p:txBody>
+          <a:bodyPr>
+            <a:normAutofit/>
+          </a:bodyPr>
+          <a:lstStyle/>
+          <a:p>
+            <a:pPr algn="ctr"/>
+            <a:r>
+              <a:rPr lang="de-DE" dirty="0" err="1">
+                <a:solidFill>
+                  <a:srgbClr val="FF0000"/>
+                </a:solidFill>
+              </a:rPr>
+              <a:t>Milestone</a:t>
+            </a:r>
+            <a:r>
+              <a:rPr lang="de-DE" dirty="0">
+                <a:solidFill>
+                  <a:srgbClr val="FF0000"/>
+                </a:solidFill>
+              </a:rPr>
+              <a:t> 3</a:t>
+            </a:r>
+          </a:p>
+        </p:txBody>
+      </p:sp>
+      <p:sp>
+        <p:nvSpPr>
+          <p:cNvPr id="9" name="Inhaltsplatzhalter 8"/>
+          <p:cNvSpPr>
+            <a:spLocks noGrp="1"/>
+          </p:cNvSpPr>
+          <p:nvPr>
+            <p:ph idx="1"/>
+          </p:nvPr>
+        </p:nvSpPr>
+        <p:spPr/>
+        <p:txBody>
+          <a:bodyPr>
+            <a:normAutofit/>
+          </a:bodyPr>
+          <a:lstStyle/>
+          <a:p>
+            <a:endParaRPr lang="de-DE" dirty="0"/>
+          </a:p>
+          <a:p>
+            <a:pPr>
+              <a:buNone/>
+            </a:pPr>
+            <a:endParaRPr lang="de-DE" dirty="0"/>
+          </a:p>
+          <a:p>
+            <a:endParaRPr lang="de-DE" dirty="0"/>
+          </a:p>
+        </p:txBody>
+      </p:sp>
+      <p:sp>
+        <p:nvSpPr>
+          <p:cNvPr id="11" name="Foliennummernplatzhalter 10"/>
+          <p:cNvSpPr>
+            <a:spLocks noGrp="1"/>
+          </p:cNvSpPr>
+          <p:nvPr>
+            <p:ph type="sldNum" sz="quarter" idx="12"/>
+          </p:nvPr>
+        </p:nvSpPr>
+        <p:spPr/>
+        <p:txBody>
+          <a:bodyPr/>
+          <a:lstStyle/>
+          <a:p>
+            <a:fld id="{6C6AE60A-B69C-4790-82F7-3882EDF23186}" type="slidenum">
+              <a:rPr lang="de-DE" smtClean="0"/>
+              <a:pPr/>
+              <a:t>18</a:t>
             </a:fld>
             <a:endParaRPr lang="de-DE"/>
           </a:p>
@@ -7456,14 +8348,14 @@
                 <a:gridCol w="1584176">
                   <a:extLst>
                     <a:ext uri="{9D8B030D-6E8A-4147-A177-3AD203B41FA5}">
-                      <a16:colId xmlns:a16="http://schemas.microsoft.com/office/drawing/2014/main" val="20000"/>
+                      <a16:colId xmlns:a16="http://schemas.microsoft.com/office/drawing/2014/main" xmlns="" val="20000"/>
                     </a:ext>
                   </a:extLst>
                 </a:gridCol>
                 <a:gridCol w="6480721">
                   <a:extLst>
                     <a:ext uri="{9D8B030D-6E8A-4147-A177-3AD203B41FA5}">
-                      <a16:colId xmlns:a16="http://schemas.microsoft.com/office/drawing/2014/main" val="20001"/>
+                      <a16:colId xmlns:a16="http://schemas.microsoft.com/office/drawing/2014/main" xmlns="" val="20001"/>
                     </a:ext>
                   </a:extLst>
                 </a:gridCol>
@@ -7505,7 +8397,7 @@
                 </a:tc>
                 <a:extLst>
                   <a:ext uri="{0D108BD9-81ED-4DB2-BD59-A6C34878D82A}">
-                    <a16:rowId xmlns:a16="http://schemas.microsoft.com/office/drawing/2014/main" val="10000"/>
+                    <a16:rowId xmlns:a16="http://schemas.microsoft.com/office/drawing/2014/main" xmlns="" val="10000"/>
                   </a:ext>
                 </a:extLst>
               </a:tr>
@@ -7563,7 +8455,7 @@
                 </a:tc>
                 <a:extLst>
                   <a:ext uri="{0D108BD9-81ED-4DB2-BD59-A6C34878D82A}">
-                    <a16:rowId xmlns:a16="http://schemas.microsoft.com/office/drawing/2014/main" val="10001"/>
+                    <a16:rowId xmlns:a16="http://schemas.microsoft.com/office/drawing/2014/main" xmlns="" val="10001"/>
                   </a:ext>
                 </a:extLst>
               </a:tr>
@@ -7710,7 +8602,7 @@
                 </a:tc>
                 <a:extLst>
                   <a:ext uri="{0D108BD9-81ED-4DB2-BD59-A6C34878D82A}">
-                    <a16:rowId xmlns:a16="http://schemas.microsoft.com/office/drawing/2014/main" val="10002"/>
+                    <a16:rowId xmlns:a16="http://schemas.microsoft.com/office/drawing/2014/main" xmlns="" val="10002"/>
                   </a:ext>
                 </a:extLst>
               </a:tr>
@@ -7761,7 +8653,7 @@
                 </a:tc>
                 <a:extLst>
                   <a:ext uri="{0D108BD9-81ED-4DB2-BD59-A6C34878D82A}">
-                    <a16:rowId xmlns:a16="http://schemas.microsoft.com/office/drawing/2014/main" val="10003"/>
+                    <a16:rowId xmlns:a16="http://schemas.microsoft.com/office/drawing/2014/main" xmlns="" val="10003"/>
                   </a:ext>
                 </a:extLst>
               </a:tr>
@@ -7856,7 +8748,7 @@
                 </a:tc>
                 <a:extLst>
                   <a:ext uri="{0D108BD9-81ED-4DB2-BD59-A6C34878D82A}">
-                    <a16:rowId xmlns:a16="http://schemas.microsoft.com/office/drawing/2014/main" val="10004"/>
+                    <a16:rowId xmlns:a16="http://schemas.microsoft.com/office/drawing/2014/main" xmlns="" val="10004"/>
                   </a:ext>
                 </a:extLst>
               </a:tr>
@@ -7872,7 +8764,7 @@
 </p:sld>
 </file>
 
-<file path=ppt/slides/slide17.xml><?xml version="1.0" encoding="utf-8"?>
+<file path=ppt/slides/slide19.xml><?xml version="1.0" encoding="utf-8"?>
 <p:sld xmlns:a="http://schemas.openxmlformats.org/drawingml/2006/main" xmlns:r="http://schemas.openxmlformats.org/officeDocument/2006/relationships" xmlns:p="http://schemas.openxmlformats.org/presentationml/2006/main">
   <p:cSld>
     <p:spTree>
@@ -7974,7 +8866,7 @@
             <a:fld id="{6C6AE60A-B69C-4790-82F7-3882EDF23186}" type="slidenum">
               <a:rPr lang="de-DE" smtClean="0"/>
               <a:pPr/>
-              <a:t>17</a:t>
+              <a:t>19</a:t>
             </a:fld>
             <a:endParaRPr lang="de-DE"/>
           </a:p>
@@ -7989,7 +8881,7 @@
           <p:nvPr>
             <p:extLst>
               <p:ext uri="{D42A27DB-BD31-4B8C-83A1-F6EECF244321}">
-                <p14:modId xmlns:p14="http://schemas.microsoft.com/office/powerpoint/2010/main" val="1031210796"/>
+                <p14:modId xmlns:p14="http://schemas.microsoft.com/office/powerpoint/2010/main" xmlns="" val="1031210796"/>
               </p:ext>
             </p:extLst>
           </p:nvPr>
@@ -8008,14 +8900,14 @@
                 <a:gridCol w="1584176">
                   <a:extLst>
                     <a:ext uri="{9D8B030D-6E8A-4147-A177-3AD203B41FA5}">
-                      <a16:colId xmlns:a16="http://schemas.microsoft.com/office/drawing/2014/main" val="20000"/>
+                      <a16:colId xmlns:a16="http://schemas.microsoft.com/office/drawing/2014/main" xmlns="" val="20000"/>
                     </a:ext>
                   </a:extLst>
                 </a:gridCol>
                 <a:gridCol w="6480721">
                   <a:extLst>
                     <a:ext uri="{9D8B030D-6E8A-4147-A177-3AD203B41FA5}">
-                      <a16:colId xmlns:a16="http://schemas.microsoft.com/office/drawing/2014/main" val="20001"/>
+                      <a16:colId xmlns:a16="http://schemas.microsoft.com/office/drawing/2014/main" xmlns="" val="20001"/>
                     </a:ext>
                   </a:extLst>
                 </a:gridCol>
@@ -8052,7 +8944,7 @@
                 </a:tc>
                 <a:extLst>
                   <a:ext uri="{0D108BD9-81ED-4DB2-BD59-A6C34878D82A}">
-                    <a16:rowId xmlns:a16="http://schemas.microsoft.com/office/drawing/2014/main" val="10000"/>
+                    <a16:rowId xmlns:a16="http://schemas.microsoft.com/office/drawing/2014/main" xmlns="" val="10000"/>
                   </a:ext>
                 </a:extLst>
               </a:tr>
@@ -8100,7 +8992,7 @@
                 </a:tc>
                 <a:extLst>
                   <a:ext uri="{0D108BD9-81ED-4DB2-BD59-A6C34878D82A}">
-                    <a16:rowId xmlns:a16="http://schemas.microsoft.com/office/drawing/2014/main" val="10001"/>
+                    <a16:rowId xmlns:a16="http://schemas.microsoft.com/office/drawing/2014/main" xmlns="" val="10001"/>
                   </a:ext>
                 </a:extLst>
               </a:tr>
@@ -8156,7 +9048,7 @@
                 </a:tc>
                 <a:extLst>
                   <a:ext uri="{0D108BD9-81ED-4DB2-BD59-A6C34878D82A}">
-                    <a16:rowId xmlns:a16="http://schemas.microsoft.com/office/drawing/2014/main" val="10002"/>
+                    <a16:rowId xmlns:a16="http://schemas.microsoft.com/office/drawing/2014/main" xmlns="" val="10002"/>
                   </a:ext>
                 </a:extLst>
               </a:tr>
@@ -8215,7 +9107,7 @@
                 </a:tc>
                 <a:extLst>
                   <a:ext uri="{0D108BD9-81ED-4DB2-BD59-A6C34878D82A}">
-                    <a16:rowId xmlns:a16="http://schemas.microsoft.com/office/drawing/2014/main" val="10003"/>
+                    <a16:rowId xmlns:a16="http://schemas.microsoft.com/office/drawing/2014/main" xmlns="" val="10003"/>
                   </a:ext>
                 </a:extLst>
               </a:tr>
@@ -8310,7 +9202,7 @@
                 </a:tc>
                 <a:extLst>
                   <a:ext uri="{0D108BD9-81ED-4DB2-BD59-A6C34878D82A}">
-                    <a16:rowId xmlns:a16="http://schemas.microsoft.com/office/drawing/2014/main" val="10004"/>
+                    <a16:rowId xmlns:a16="http://schemas.microsoft.com/office/drawing/2014/main" xmlns="" val="10004"/>
                   </a:ext>
                 </a:extLst>
               </a:tr>
@@ -8321,632 +9213,9 @@
     </p:spTree>
     <p:extLst>
       <p:ext uri="{BB962C8B-B14F-4D97-AF65-F5344CB8AC3E}">
-        <p14:creationId xmlns:p14="http://schemas.microsoft.com/office/powerpoint/2010/main" val="3532623066"/>
+        <p14:creationId xmlns:p14="http://schemas.microsoft.com/office/powerpoint/2010/main" xmlns="" val="3532623066"/>
       </p:ext>
     </p:extLst>
-  </p:cSld>
-  <p:clrMapOvr>
-    <a:masterClrMapping/>
-  </p:clrMapOvr>
-</p:sld>
-</file>
-
-<file path=ppt/slides/slide18.xml><?xml version="1.0" encoding="utf-8"?>
-<p:sld xmlns:a="http://schemas.openxmlformats.org/drawingml/2006/main" xmlns:r="http://schemas.openxmlformats.org/officeDocument/2006/relationships" xmlns:p="http://schemas.openxmlformats.org/presentationml/2006/main">
-  <p:cSld>
-    <p:spTree>
-      <p:nvGrpSpPr>
-        <p:cNvPr id="1" name=""/>
-        <p:cNvGrpSpPr/>
-        <p:nvPr/>
-      </p:nvGrpSpPr>
-      <p:grpSpPr>
-        <a:xfrm>
-          <a:off x="0" y="0"/>
-          <a:ext cx="0" cy="0"/>
-          <a:chOff x="0" y="0"/>
-          <a:chExt cx="0" cy="0"/>
-        </a:xfrm>
-      </p:grpSpPr>
-      <p:sp>
-        <p:nvSpPr>
-          <p:cNvPr id="2" name="Titel 1"/>
-          <p:cNvSpPr>
-            <a:spLocks noGrp="1"/>
-          </p:cNvSpPr>
-          <p:nvPr>
-            <p:ph type="title"/>
-          </p:nvPr>
-        </p:nvSpPr>
-        <p:spPr/>
-        <p:txBody>
-          <a:bodyPr>
-            <a:normAutofit/>
-          </a:bodyPr>
-          <a:lstStyle/>
-          <a:p>
-            <a:pPr algn="ctr"/>
-            <a:r>
-              <a:rPr lang="de-DE" dirty="0" err="1"/>
-              <a:t>Risks</a:t>
-            </a:r>
-            <a:endParaRPr lang="de-DE" dirty="0"/>
-          </a:p>
-        </p:txBody>
-      </p:sp>
-      <p:sp>
-        <p:nvSpPr>
-          <p:cNvPr id="9" name="Inhaltsplatzhalter 8"/>
-          <p:cNvSpPr>
-            <a:spLocks noGrp="1"/>
-          </p:cNvSpPr>
-          <p:nvPr>
-            <p:ph sz="half" idx="1"/>
-          </p:nvPr>
-        </p:nvSpPr>
-        <p:spPr/>
-        <p:txBody>
-          <a:bodyPr>
-            <a:normAutofit lnSpcReduction="10000"/>
-          </a:bodyPr>
-          <a:lstStyle/>
-          <a:p>
-            <a:r>
-              <a:rPr lang="de-DE" sz="2400" dirty="0"/>
-              <a:t>Fly </a:t>
-            </a:r>
-            <a:r>
-              <a:rPr lang="de-DE" sz="2400" dirty="0" err="1"/>
-              <a:t>physics</a:t>
-            </a:r>
-            <a:r>
-              <a:rPr lang="de-DE" sz="2400" dirty="0"/>
-              <a:t> - </a:t>
-            </a:r>
-            <a:r>
-              <a:rPr lang="de-DE" sz="2400" dirty="0" err="1"/>
-              <a:t>maths</a:t>
-            </a:r>
-            <a:r>
-              <a:rPr lang="de-DE" sz="2400" dirty="0"/>
-              <a:t> </a:t>
-            </a:r>
-            <a:r>
-              <a:rPr lang="de-DE" sz="2400" dirty="0" err="1"/>
-              <a:t>too</a:t>
-            </a:r>
-            <a:r>
-              <a:rPr lang="de-DE" sz="2400" dirty="0"/>
-              <a:t> </a:t>
-            </a:r>
-            <a:r>
-              <a:rPr lang="de-DE" sz="2400" dirty="0" err="1"/>
-              <a:t>complicated</a:t>
-            </a:r>
-            <a:r>
-              <a:rPr lang="de-DE" sz="2400" dirty="0"/>
-              <a:t>?</a:t>
-            </a:r>
-            <a:endParaRPr lang="de-DE" dirty="0"/>
-          </a:p>
-          <a:p>
-            <a:r>
-              <a:rPr lang="de-DE" sz="2400" dirty="0"/>
-              <a:t>Arm </a:t>
-            </a:r>
-            <a:r>
-              <a:rPr lang="de-DE" sz="2400" dirty="0" err="1"/>
-              <a:t>network</a:t>
-            </a:r>
-            <a:r>
-              <a:rPr lang="de-DE" sz="2400" dirty="0"/>
-              <a:t> </a:t>
-            </a:r>
-            <a:r>
-              <a:rPr lang="de-DE" sz="2400" dirty="0" err="1"/>
-              <a:t>transmission</a:t>
-            </a:r>
-            <a:endParaRPr lang="de-DE" sz="2400" dirty="0"/>
-          </a:p>
-          <a:p>
-            <a:r>
-              <a:rPr lang="de-DE" sz="2400" dirty="0"/>
-              <a:t>Post-</a:t>
-            </a:r>
-            <a:r>
-              <a:rPr lang="de-DE" sz="2400" dirty="0" err="1"/>
-              <a:t>effects</a:t>
-            </a:r>
-            <a:r>
-              <a:rPr lang="de-DE" sz="2400" dirty="0"/>
-              <a:t> (</a:t>
-            </a:r>
-            <a:r>
-              <a:rPr lang="de-DE" sz="2400" dirty="0" err="1"/>
-              <a:t>scattering</a:t>
-            </a:r>
-            <a:r>
-              <a:rPr lang="de-DE" sz="2400" dirty="0"/>
-              <a:t>, </a:t>
-            </a:r>
-            <a:r>
-              <a:rPr lang="de-DE" sz="2400" dirty="0" err="1"/>
-              <a:t>ambient</a:t>
-            </a:r>
-            <a:r>
-              <a:rPr lang="de-DE" sz="2400" dirty="0"/>
-              <a:t> </a:t>
-            </a:r>
-            <a:r>
-              <a:rPr lang="de-DE" sz="2400" dirty="0" err="1"/>
-              <a:t>occlusion</a:t>
-            </a:r>
-            <a:r>
-              <a:rPr lang="de-DE" sz="2400" dirty="0"/>
-              <a:t>)</a:t>
-            </a:r>
-          </a:p>
-          <a:p>
-            <a:r>
-              <a:rPr lang="de-DE" sz="2400" dirty="0"/>
-              <a:t>Realtime Performance </a:t>
-            </a:r>
-            <a:r>
-              <a:rPr lang="de-DE" sz="2400" dirty="0" err="1"/>
-              <a:t>Issues</a:t>
-            </a:r>
-            <a:r>
-              <a:rPr lang="de-DE" sz="2400" dirty="0"/>
-              <a:t> </a:t>
-            </a:r>
-            <a:r>
-              <a:rPr lang="de-DE" sz="2400" dirty="0" err="1"/>
-              <a:t>for</a:t>
-            </a:r>
-            <a:r>
-              <a:rPr lang="de-DE" sz="2400" dirty="0"/>
-              <a:t> </a:t>
-            </a:r>
-            <a:r>
-              <a:rPr lang="de-DE" sz="2400" dirty="0" err="1"/>
-              <a:t>slower</a:t>
-            </a:r>
-            <a:r>
-              <a:rPr lang="de-DE" sz="2400" dirty="0"/>
-              <a:t> PCs (Graphics Settings?)</a:t>
-            </a:r>
-          </a:p>
-          <a:p>
-            <a:r>
-              <a:rPr lang="de-DE" sz="2400" dirty="0"/>
-              <a:t>AR Performance Problems</a:t>
-            </a:r>
-            <a:endParaRPr lang="de-DE" dirty="0"/>
-          </a:p>
-          <a:p>
-            <a:pPr>
-              <a:buNone/>
-            </a:pPr>
-            <a:endParaRPr lang="de-DE" dirty="0"/>
-          </a:p>
-          <a:p>
-            <a:pPr>
-              <a:buNone/>
-            </a:pPr>
-            <a:endParaRPr lang="de-DE" dirty="0"/>
-          </a:p>
-          <a:p>
-            <a:pPr>
-              <a:buNone/>
-            </a:pPr>
-            <a:endParaRPr lang="de-DE" dirty="0"/>
-          </a:p>
-          <a:p>
-            <a:endParaRPr lang="de-DE" dirty="0"/>
-          </a:p>
-        </p:txBody>
-      </p:sp>
-      <p:sp>
-        <p:nvSpPr>
-          <p:cNvPr id="7" name="Inhaltsplatzhalter 6"/>
-          <p:cNvSpPr>
-            <a:spLocks noGrp="1"/>
-          </p:cNvSpPr>
-          <p:nvPr>
-            <p:ph sz="half" idx="2"/>
-          </p:nvPr>
-        </p:nvSpPr>
-        <p:spPr/>
-        <p:txBody>
-          <a:bodyPr>
-            <a:normAutofit lnSpcReduction="10000"/>
-          </a:bodyPr>
-          <a:lstStyle/>
-          <a:p>
-            <a:r>
-              <a:rPr lang="de-DE" sz="2400" dirty="0" err="1"/>
-              <a:t>Menues</a:t>
-            </a:r>
-            <a:r>
-              <a:rPr lang="de-DE" sz="2400" dirty="0"/>
-              <a:t> (</a:t>
-            </a:r>
-            <a:r>
-              <a:rPr lang="de-DE" sz="2400" dirty="0" err="1"/>
-              <a:t>Oculus</a:t>
-            </a:r>
-            <a:r>
-              <a:rPr lang="de-DE" sz="2400" dirty="0"/>
-              <a:t>)</a:t>
-            </a:r>
-          </a:p>
-          <a:p>
-            <a:r>
-              <a:rPr lang="de-DE" sz="2400" dirty="0" err="1"/>
-              <a:t>Guesture</a:t>
-            </a:r>
-            <a:r>
-              <a:rPr lang="de-DE" sz="2400" dirty="0"/>
-              <a:t> </a:t>
-            </a:r>
-            <a:r>
-              <a:rPr lang="de-DE" sz="2400" dirty="0" err="1"/>
-              <a:t>control</a:t>
-            </a:r>
-            <a:r>
-              <a:rPr lang="de-DE" sz="2400" dirty="0"/>
-              <a:t> </a:t>
-            </a:r>
-            <a:r>
-              <a:rPr lang="de-DE" sz="2400" dirty="0" err="1"/>
-              <a:t>problems</a:t>
-            </a:r>
-            <a:r>
-              <a:rPr lang="de-DE" sz="2400" dirty="0"/>
-              <a:t> (APIs </a:t>
-            </a:r>
-            <a:r>
-              <a:rPr lang="de-DE" sz="2400" dirty="0" err="1"/>
-              <a:t>for</a:t>
-            </a:r>
-            <a:r>
-              <a:rPr lang="de-DE" sz="2400" dirty="0"/>
-              <a:t> Vive not </a:t>
-            </a:r>
-            <a:r>
-              <a:rPr lang="de-DE" sz="2400" dirty="0" err="1"/>
-              <a:t>tested</a:t>
-            </a:r>
-            <a:r>
-              <a:rPr lang="de-DE" sz="2400" dirty="0"/>
-              <a:t> </a:t>
-            </a:r>
-            <a:r>
-              <a:rPr lang="de-DE" sz="2400" dirty="0" err="1"/>
-              <a:t>yet</a:t>
-            </a:r>
-            <a:r>
-              <a:rPr lang="de-DE" sz="2400" dirty="0"/>
-              <a:t>, </a:t>
-            </a:r>
-            <a:r>
-              <a:rPr lang="de-DE" sz="2400" dirty="0" err="1"/>
-              <a:t>currently</a:t>
-            </a:r>
-            <a:r>
-              <a:rPr lang="de-DE" sz="2400" dirty="0"/>
-              <a:t> </a:t>
-            </a:r>
-            <a:r>
-              <a:rPr lang="de-DE" sz="2400" dirty="0" err="1"/>
-              <a:t>unstable</a:t>
-            </a:r>
-            <a:r>
-              <a:rPr lang="de-DE" sz="2400" dirty="0"/>
-              <a:t> APIs </a:t>
-            </a:r>
-            <a:r>
-              <a:rPr lang="de-DE" sz="2400" dirty="0" err="1"/>
-              <a:t>for</a:t>
-            </a:r>
-            <a:r>
-              <a:rPr lang="de-DE" sz="2400" dirty="0"/>
-              <a:t> Kinect?)</a:t>
-            </a:r>
-          </a:p>
-          <a:p>
-            <a:r>
-              <a:rPr lang="de-DE" sz="2400" dirty="0" err="1"/>
-              <a:t>Suitable</a:t>
-            </a:r>
-            <a:r>
-              <a:rPr lang="de-DE" sz="2400" dirty="0"/>
-              <a:t> </a:t>
-            </a:r>
-            <a:r>
-              <a:rPr lang="de-DE" sz="2400" dirty="0" err="1"/>
-              <a:t>for</a:t>
-            </a:r>
-            <a:r>
-              <a:rPr lang="de-DE" sz="2400" dirty="0"/>
-              <a:t> HS-</a:t>
-            </a:r>
-            <a:r>
-              <a:rPr lang="de-DE" sz="2400" dirty="0" err="1"/>
-              <a:t>Lan</a:t>
-            </a:r>
-            <a:r>
-              <a:rPr lang="de-DE" sz="2400" dirty="0"/>
-              <a:t> </a:t>
-            </a:r>
-            <a:r>
-              <a:rPr lang="de-DE" sz="2400" dirty="0" err="1"/>
-              <a:t>and</a:t>
-            </a:r>
-            <a:r>
-              <a:rPr lang="de-DE" sz="2400" dirty="0"/>
-              <a:t> Open-Lab</a:t>
-            </a:r>
-          </a:p>
-          <a:p>
-            <a:r>
-              <a:rPr lang="de-DE" sz="2400" dirty="0" err="1"/>
-              <a:t>Ofc</a:t>
-            </a:r>
-            <a:r>
-              <a:rPr lang="de-DE" sz="2400" dirty="0"/>
-              <a:t>: </a:t>
-            </a:r>
-            <a:r>
-              <a:rPr lang="de-DE" sz="2400" dirty="0" err="1"/>
-              <a:t>Illness</a:t>
-            </a:r>
-            <a:r>
-              <a:rPr lang="de-DE" sz="2400" dirty="0"/>
-              <a:t> </a:t>
-            </a:r>
-            <a:r>
-              <a:rPr lang="de-DE" sz="2400" dirty="0" err="1"/>
-              <a:t>of</a:t>
-            </a:r>
-            <a:r>
-              <a:rPr lang="de-DE" sz="2400" dirty="0"/>
-              <a:t> Project Members (</a:t>
-            </a:r>
-            <a:r>
-              <a:rPr lang="de-DE" sz="2400" dirty="0" err="1"/>
-              <a:t>workload</a:t>
-            </a:r>
-            <a:r>
-              <a:rPr lang="de-DE" sz="2400" dirty="0"/>
-              <a:t> </a:t>
-            </a:r>
-            <a:r>
-              <a:rPr lang="de-DE" sz="2400" dirty="0" err="1"/>
-              <a:t>balancing</a:t>
-            </a:r>
-            <a:r>
-              <a:rPr lang="de-DE" sz="2400" dirty="0"/>
-              <a:t>)</a:t>
-            </a:r>
-          </a:p>
-          <a:p>
-            <a:pPr>
-              <a:buNone/>
-            </a:pPr>
-            <a:endParaRPr lang="de-DE" sz="2400" dirty="0"/>
-          </a:p>
-        </p:txBody>
-      </p:sp>
-      <p:sp>
-        <p:nvSpPr>
-          <p:cNvPr id="11" name="Foliennummernplatzhalter 10"/>
-          <p:cNvSpPr>
-            <a:spLocks noGrp="1"/>
-          </p:cNvSpPr>
-          <p:nvPr>
-            <p:ph type="sldNum" sz="quarter" idx="12"/>
-          </p:nvPr>
-        </p:nvSpPr>
-        <p:spPr/>
-        <p:txBody>
-          <a:bodyPr/>
-          <a:lstStyle/>
-          <a:p>
-            <a:fld id="{6C6AE60A-B69C-4790-82F7-3882EDF23186}" type="slidenum">
-              <a:rPr lang="de-DE" smtClean="0"/>
-              <a:pPr/>
-              <a:t>18</a:t>
-            </a:fld>
-            <a:endParaRPr lang="de-DE"/>
-          </a:p>
-        </p:txBody>
-      </p:sp>
-    </p:spTree>
-  </p:cSld>
-  <p:clrMapOvr>
-    <a:masterClrMapping/>
-  </p:clrMapOvr>
-</p:sld>
-</file>
-
-<file path=ppt/slides/slide19.xml><?xml version="1.0" encoding="utf-8"?>
-<p:sld xmlns:a="http://schemas.openxmlformats.org/drawingml/2006/main" xmlns:r="http://schemas.openxmlformats.org/officeDocument/2006/relationships" xmlns:p="http://schemas.openxmlformats.org/presentationml/2006/main">
-  <p:cSld>
-    <p:spTree>
-      <p:nvGrpSpPr>
-        <p:cNvPr id="1" name=""/>
-        <p:cNvGrpSpPr/>
-        <p:nvPr/>
-      </p:nvGrpSpPr>
-      <p:grpSpPr>
-        <a:xfrm>
-          <a:off x="0" y="0"/>
-          <a:ext cx="0" cy="0"/>
-          <a:chOff x="0" y="0"/>
-          <a:chExt cx="0" cy="0"/>
-        </a:xfrm>
-      </p:grpSpPr>
-      <p:sp>
-        <p:nvSpPr>
-          <p:cNvPr id="2" name="Titel 1"/>
-          <p:cNvSpPr>
-            <a:spLocks noGrp="1"/>
-          </p:cNvSpPr>
-          <p:nvPr>
-            <p:ph type="title"/>
-          </p:nvPr>
-        </p:nvSpPr>
-        <p:spPr/>
-        <p:txBody>
-          <a:bodyPr>
-            <a:normAutofit/>
-          </a:bodyPr>
-          <a:lstStyle/>
-          <a:p>
-            <a:pPr algn="ctr"/>
-            <a:r>
-              <a:rPr lang="de-DE" dirty="0" err="1"/>
-              <a:t>Github</a:t>
-            </a:r>
-            <a:r>
-              <a:rPr lang="de-DE" dirty="0"/>
-              <a:t> Version </a:t>
-            </a:r>
-            <a:r>
-              <a:rPr lang="de-DE" dirty="0" err="1"/>
-              <a:t>Control</a:t>
-            </a:r>
-            <a:endParaRPr lang="de-DE" dirty="0"/>
-          </a:p>
-        </p:txBody>
-      </p:sp>
-      <p:sp>
-        <p:nvSpPr>
-          <p:cNvPr id="9" name="Inhaltsplatzhalter 8"/>
-          <p:cNvSpPr>
-            <a:spLocks noGrp="1"/>
-          </p:cNvSpPr>
-          <p:nvPr>
-            <p:ph sz="half" idx="1"/>
-          </p:nvPr>
-        </p:nvSpPr>
-        <p:spPr>
-          <a:xfrm>
-            <a:off x="457200" y="1600071"/>
-            <a:ext cx="8219256" cy="3695700"/>
-          </a:xfrm>
-        </p:spPr>
-        <p:txBody>
-          <a:bodyPr>
-            <a:normAutofit/>
-          </a:bodyPr>
-          <a:lstStyle/>
-          <a:p>
-            <a:endParaRPr lang="de-DE" dirty="0">
-              <a:hlinkClick r:id="rId2"/>
-            </a:endParaRPr>
-          </a:p>
-          <a:p>
-            <a:r>
-              <a:rPr lang="de-DE" dirty="0"/>
-              <a:t>Old </a:t>
-            </a:r>
-            <a:r>
-              <a:rPr lang="de-DE" dirty="0" err="1"/>
-              <a:t>project</a:t>
-            </a:r>
-            <a:r>
-              <a:rPr lang="de-DE" dirty="0"/>
-              <a:t> </a:t>
-            </a:r>
-            <a:r>
-              <a:rPr lang="de-DE" dirty="0" err="1"/>
-              <a:t>source</a:t>
-            </a:r>
-            <a:endParaRPr lang="de-DE" dirty="0">
-              <a:hlinkClick r:id="rId2"/>
-            </a:endParaRPr>
-          </a:p>
-          <a:p>
-            <a:pPr algn="ctr">
-              <a:buNone/>
-            </a:pPr>
-            <a:r>
-              <a:rPr lang="de-DE" dirty="0">
-                <a:hlinkClick r:id="rId3"/>
-              </a:rPr>
-              <a:t>https://github.com/andreasdietze/Rift-Wingsuit.git</a:t>
-            </a:r>
-            <a:endParaRPr lang="de-DE" dirty="0"/>
-          </a:p>
-          <a:p>
-            <a:pPr algn="ctr">
-              <a:buNone/>
-            </a:pPr>
-            <a:endParaRPr lang="de-DE" dirty="0"/>
-          </a:p>
-          <a:p>
-            <a:r>
-              <a:rPr lang="de-DE" dirty="0"/>
-              <a:t>New </a:t>
-            </a:r>
-            <a:r>
-              <a:rPr lang="de-DE" dirty="0" err="1"/>
-              <a:t>project</a:t>
-            </a:r>
-            <a:r>
-              <a:rPr lang="de-DE" dirty="0"/>
-              <a:t> </a:t>
-            </a:r>
-            <a:r>
-              <a:rPr lang="de-DE" dirty="0" err="1"/>
-              <a:t>source</a:t>
-            </a:r>
-            <a:endParaRPr lang="de-DE" dirty="0"/>
-          </a:p>
-          <a:p>
-            <a:pPr algn="ctr">
-              <a:buNone/>
-            </a:pPr>
-            <a:r>
-              <a:rPr lang="de-DE" dirty="0">
-                <a:hlinkClick r:id="rId4"/>
-              </a:rPr>
-              <a:t>https://github.com/andreasdietze/Rift-WingsuitV2.git</a:t>
-            </a:r>
-            <a:endParaRPr lang="de-DE" dirty="0"/>
-          </a:p>
-          <a:p>
-            <a:endParaRPr lang="de-DE" dirty="0"/>
-          </a:p>
-        </p:txBody>
-      </p:sp>
-      <p:sp>
-        <p:nvSpPr>
-          <p:cNvPr id="11" name="Foliennummernplatzhalter 10"/>
-          <p:cNvSpPr>
-            <a:spLocks noGrp="1"/>
-          </p:cNvSpPr>
-          <p:nvPr>
-            <p:ph type="sldNum" sz="quarter" idx="12"/>
-          </p:nvPr>
-        </p:nvSpPr>
-        <p:spPr/>
-        <p:txBody>
-          <a:bodyPr/>
-          <a:lstStyle/>
-          <a:p>
-            <a:fld id="{6C6AE60A-B69C-4790-82F7-3882EDF23186}" type="slidenum">
-              <a:rPr lang="de-DE" smtClean="0"/>
-              <a:pPr/>
-              <a:t>19</a:t>
-            </a:fld>
-            <a:endParaRPr lang="de-DE"/>
-          </a:p>
-        </p:txBody>
-      </p:sp>
-    </p:spTree>
   </p:cSld>
   <p:clrMapOvr>
     <a:masterClrMapping/>
@@ -9132,6 +9401,1117 @@
       </p:grpSpPr>
       <p:sp>
         <p:nvSpPr>
+          <p:cNvPr id="2" name="Titel 1"/>
+          <p:cNvSpPr>
+            <a:spLocks noGrp="1"/>
+          </p:cNvSpPr>
+          <p:nvPr>
+            <p:ph type="title"/>
+          </p:nvPr>
+        </p:nvSpPr>
+        <p:spPr/>
+        <p:txBody>
+          <a:bodyPr>
+            <a:normAutofit/>
+          </a:bodyPr>
+          <a:lstStyle/>
+          <a:p>
+            <a:pPr algn="ctr"/>
+            <a:r>
+              <a:rPr lang="de-DE" dirty="0" err="1">
+                <a:solidFill>
+                  <a:srgbClr val="FF0000"/>
+                </a:solidFill>
+              </a:rPr>
+              <a:t>Milestone</a:t>
+            </a:r>
+            <a:r>
+              <a:rPr lang="de-DE" dirty="0">
+                <a:solidFill>
+                  <a:srgbClr val="FF0000"/>
+                </a:solidFill>
+              </a:rPr>
+              <a:t> 3</a:t>
+            </a:r>
+          </a:p>
+        </p:txBody>
+      </p:sp>
+      <p:sp>
+        <p:nvSpPr>
+          <p:cNvPr id="9" name="Inhaltsplatzhalter 8"/>
+          <p:cNvSpPr>
+            <a:spLocks noGrp="1"/>
+          </p:cNvSpPr>
+          <p:nvPr>
+            <p:ph idx="1"/>
+          </p:nvPr>
+        </p:nvSpPr>
+        <p:spPr/>
+        <p:txBody>
+          <a:bodyPr>
+            <a:normAutofit/>
+          </a:bodyPr>
+          <a:lstStyle/>
+          <a:p>
+            <a:endParaRPr lang="de-DE" dirty="0"/>
+          </a:p>
+          <a:p>
+            <a:pPr>
+              <a:buNone/>
+            </a:pPr>
+            <a:endParaRPr lang="de-DE" dirty="0"/>
+          </a:p>
+          <a:p>
+            <a:endParaRPr lang="de-DE" dirty="0"/>
+          </a:p>
+        </p:txBody>
+      </p:sp>
+      <p:sp>
+        <p:nvSpPr>
+          <p:cNvPr id="11" name="Foliennummernplatzhalter 10"/>
+          <p:cNvSpPr>
+            <a:spLocks noGrp="1"/>
+          </p:cNvSpPr>
+          <p:nvPr>
+            <p:ph type="sldNum" sz="quarter" idx="12"/>
+          </p:nvPr>
+        </p:nvSpPr>
+        <p:spPr/>
+        <p:txBody>
+          <a:bodyPr/>
+          <a:lstStyle/>
+          <a:p>
+            <a:fld id="{6C6AE60A-B69C-4790-82F7-3882EDF23186}" type="slidenum">
+              <a:rPr lang="de-DE" smtClean="0"/>
+              <a:pPr/>
+              <a:t>20</a:t>
+            </a:fld>
+            <a:endParaRPr lang="de-DE"/>
+          </a:p>
+        </p:txBody>
+      </p:sp>
+      <p:graphicFrame>
+        <p:nvGraphicFramePr>
+          <p:cNvPr id="8" name="Tabelle 7"/>
+          <p:cNvGraphicFramePr>
+            <a:graphicFrameLocks noGrp="1"/>
+          </p:cNvGraphicFramePr>
+          <p:nvPr>
+            <p:extLst>
+              <p:ext uri="{D42A27DB-BD31-4B8C-83A1-F6EECF244321}">
+                <p14:modId xmlns:p14="http://schemas.microsoft.com/office/powerpoint/2010/main" xmlns="" val="1031210796"/>
+              </p:ext>
+            </p:extLst>
+          </p:nvPr>
+        </p:nvGraphicFramePr>
+        <p:xfrm>
+          <a:off x="539552" y="1849388"/>
+          <a:ext cx="8064897" cy="1854200"/>
+        </p:xfrm>
+        <a:graphic>
+          <a:graphicData uri="http://schemas.openxmlformats.org/drawingml/2006/table">
+            <a:tbl>
+              <a:tblPr firstRow="1" bandRow="1">
+                <a:tableStyleId>{5C22544A-7EE6-4342-B048-85BDC9FD1C3A}</a:tableStyleId>
+              </a:tblPr>
+              <a:tblGrid>
+                <a:gridCol w="1584176">
+                  <a:extLst>
+                    <a:ext uri="{9D8B030D-6E8A-4147-A177-3AD203B41FA5}">
+                      <a16:colId xmlns:a16="http://schemas.microsoft.com/office/drawing/2014/main" xmlns="" val="20000"/>
+                    </a:ext>
+                  </a:extLst>
+                </a:gridCol>
+                <a:gridCol w="6480721">
+                  <a:extLst>
+                    <a:ext uri="{9D8B030D-6E8A-4147-A177-3AD203B41FA5}">
+                      <a16:colId xmlns:a16="http://schemas.microsoft.com/office/drawing/2014/main" xmlns="" val="20001"/>
+                    </a:ext>
+                  </a:extLst>
+                </a:gridCol>
+              </a:tblGrid>
+              <a:tr h="370840">
+                <a:tc>
+                  <a:txBody>
+                    <a:bodyPr/>
+                    <a:lstStyle/>
+                    <a:p>
+                      <a:pPr algn="ctr"/>
+                      <a:r>
+                        <a:rPr lang="de-DE" sz="1800" dirty="0" err="1"/>
+                        <a:t>Week</a:t>
+                      </a:r>
+                      <a:endParaRPr lang="de-DE" sz="1800" dirty="0"/>
+                    </a:p>
+                  </a:txBody>
+                  <a:tcPr/>
+                </a:tc>
+                <a:tc>
+                  <a:txBody>
+                    <a:bodyPr/>
+                    <a:lstStyle/>
+                    <a:p>
+                      <a:pPr algn="ctr"/>
+                      <a:r>
+                        <a:rPr lang="de-DE" sz="1800" dirty="0" smtClean="0"/>
+                        <a:t>Manuel Schmitt</a:t>
+                      </a:r>
+                      <a:endParaRPr lang="de-DE" sz="1800" dirty="0"/>
+                    </a:p>
+                  </a:txBody>
+                  <a:tcPr/>
+                </a:tc>
+                <a:extLst>
+                  <a:ext uri="{0D108BD9-81ED-4DB2-BD59-A6C34878D82A}">
+                    <a16:rowId xmlns:a16="http://schemas.microsoft.com/office/drawing/2014/main" xmlns="" val="10000"/>
+                  </a:ext>
+                </a:extLst>
+              </a:tr>
+              <a:tr h="370840">
+                <a:tc>
+                  <a:txBody>
+                    <a:bodyPr/>
+                    <a:lstStyle/>
+                    <a:p>
+                      <a:pPr algn="l"/>
+                      <a:r>
+                        <a:rPr lang="de-DE" sz="1800" dirty="0"/>
+                        <a:t>08.01</a:t>
+                      </a:r>
+                      <a:r>
+                        <a:rPr lang="de-DE" sz="1800" baseline="0" dirty="0"/>
+                        <a:t> – 08.08</a:t>
+                      </a:r>
+                      <a:endParaRPr lang="de-DE" sz="1800" dirty="0"/>
+                    </a:p>
+                  </a:txBody>
+                  <a:tcPr/>
+                </a:tc>
+                <a:tc>
+                  <a:txBody>
+                    <a:bodyPr/>
+                    <a:lstStyle/>
+                    <a:p>
+                      <a:pPr lvl="0">
+                        <a:buFont typeface="Arial" pitchFamily="34" charset="0"/>
+                        <a:buChar char="•"/>
+                      </a:pPr>
+                      <a:r>
+                        <a:rPr lang="de-DE" sz="1800" dirty="0"/>
+                        <a:t> </a:t>
+                      </a:r>
+                      <a:r>
+                        <a:rPr lang="de-DE" sz="1800" dirty="0" err="1" smtClean="0"/>
+                        <a:t>Creation</a:t>
+                      </a:r>
+                      <a:r>
+                        <a:rPr lang="de-DE" sz="1800" dirty="0" smtClean="0"/>
+                        <a:t> </a:t>
+                      </a:r>
+                      <a:r>
+                        <a:rPr lang="de-DE" sz="1800" dirty="0" err="1" smtClean="0"/>
+                        <a:t>of</a:t>
+                      </a:r>
+                      <a:r>
+                        <a:rPr lang="de-DE" sz="1800" dirty="0" smtClean="0"/>
+                        <a:t> a </a:t>
+                      </a:r>
+                      <a:r>
+                        <a:rPr lang="de-DE" sz="1800" dirty="0" err="1" smtClean="0"/>
+                        <a:t>users</a:t>
+                      </a:r>
+                      <a:r>
+                        <a:rPr lang="de-DE" sz="1800" baseline="0" dirty="0" smtClean="0"/>
+                        <a:t> </a:t>
+                      </a:r>
+                      <a:r>
+                        <a:rPr lang="de-DE" sz="1800" baseline="0" dirty="0" err="1" smtClean="0"/>
+                        <a:t>guide</a:t>
+                      </a:r>
+                      <a:r>
+                        <a:rPr lang="de-DE" sz="1800" baseline="0" dirty="0" smtClean="0"/>
+                        <a:t> </a:t>
+                      </a:r>
+                      <a:r>
+                        <a:rPr lang="de-DE" sz="1800" baseline="0" dirty="0" err="1" smtClean="0"/>
+                        <a:t>for</a:t>
+                      </a:r>
+                      <a:r>
+                        <a:rPr lang="de-DE" sz="1800" baseline="0" dirty="0" smtClean="0"/>
+                        <a:t> </a:t>
+                      </a:r>
+                      <a:r>
+                        <a:rPr lang="de-DE" sz="1800" baseline="0" dirty="0" err="1" smtClean="0"/>
+                        <a:t>the</a:t>
+                      </a:r>
+                      <a:r>
+                        <a:rPr lang="de-DE" sz="1800" baseline="0" dirty="0" smtClean="0"/>
+                        <a:t> </a:t>
+                      </a:r>
+                      <a:r>
+                        <a:rPr lang="de-DE" sz="1800" baseline="0" dirty="0" err="1" smtClean="0"/>
+                        <a:t>project</a:t>
+                      </a:r>
+                      <a:endParaRPr lang="de-DE" sz="1800" dirty="0"/>
+                    </a:p>
+                  </a:txBody>
+                  <a:tcPr/>
+                </a:tc>
+                <a:extLst>
+                  <a:ext uri="{0D108BD9-81ED-4DB2-BD59-A6C34878D82A}">
+                    <a16:rowId xmlns:a16="http://schemas.microsoft.com/office/drawing/2014/main" xmlns="" val="10001"/>
+                  </a:ext>
+                </a:extLst>
+              </a:tr>
+              <a:tr h="370840">
+                <a:tc>
+                  <a:txBody>
+                    <a:bodyPr/>
+                    <a:lstStyle/>
+                    <a:p>
+                      <a:pPr algn="l"/>
+                      <a:r>
+                        <a:rPr lang="de-DE" sz="1800" dirty="0"/>
+                        <a:t>08.08 – 08.16</a:t>
+                      </a:r>
+                    </a:p>
+                  </a:txBody>
+                  <a:tcPr/>
+                </a:tc>
+                <a:tc>
+                  <a:txBody>
+                    <a:bodyPr/>
+                    <a:lstStyle/>
+                    <a:p>
+                      <a:pPr marL="0" marR="0" lvl="1" indent="0" algn="l" defTabSz="914400" rtl="0" eaLnBrk="1" fontAlgn="auto" latinLnBrk="0" hangingPunct="1">
+                        <a:lnSpc>
+                          <a:spcPct val="100000"/>
+                        </a:lnSpc>
+                        <a:spcBef>
+                          <a:spcPts val="0"/>
+                        </a:spcBef>
+                        <a:spcAft>
+                          <a:spcPts val="0"/>
+                        </a:spcAft>
+                        <a:buClrTx/>
+                        <a:buSzTx/>
+                        <a:buFont typeface="Arial" pitchFamily="34" charset="0"/>
+                        <a:buChar char="•"/>
+                        <a:tabLst/>
+                        <a:defRPr/>
+                      </a:pPr>
+                      <a:r>
+                        <a:rPr lang="de-DE" sz="1800" dirty="0"/>
+                        <a:t> </a:t>
+                      </a:r>
+                      <a:r>
+                        <a:rPr lang="en-US" sz="1800" dirty="0" smtClean="0"/>
+                        <a:t>Creation of a project documentation</a:t>
+                      </a:r>
+                      <a:endParaRPr lang="de-DE" sz="1800" baseline="0" dirty="0"/>
+                    </a:p>
+                  </a:txBody>
+                  <a:tcPr/>
+                </a:tc>
+                <a:extLst>
+                  <a:ext uri="{0D108BD9-81ED-4DB2-BD59-A6C34878D82A}">
+                    <a16:rowId xmlns:a16="http://schemas.microsoft.com/office/drawing/2014/main" xmlns="" val="10002"/>
+                  </a:ext>
+                </a:extLst>
+              </a:tr>
+              <a:tr h="370840">
+                <a:tc>
+                  <a:txBody>
+                    <a:bodyPr/>
+                    <a:lstStyle/>
+                    <a:p>
+                      <a:pPr algn="l"/>
+                      <a:r>
+                        <a:rPr lang="de-DE" sz="1800" dirty="0"/>
+                        <a:t>08.16 – 24.08</a:t>
+                      </a:r>
+                    </a:p>
+                  </a:txBody>
+                  <a:tcPr/>
+                </a:tc>
+                <a:tc>
+                  <a:txBody>
+                    <a:bodyPr/>
+                    <a:lstStyle/>
+                    <a:p>
+                      <a:pPr>
+                        <a:buFont typeface="Arial" pitchFamily="34" charset="0"/>
+                        <a:buChar char="•"/>
+                      </a:pPr>
+                      <a:r>
+                        <a:rPr lang="de-DE" sz="1800" dirty="0"/>
+                        <a:t> </a:t>
+                      </a:r>
+                      <a:r>
+                        <a:rPr lang="de-DE" sz="1800" dirty="0" err="1" smtClean="0"/>
+                        <a:t>Buffer</a:t>
+                      </a:r>
+                      <a:r>
+                        <a:rPr lang="de-DE" sz="1800" baseline="0" dirty="0" smtClean="0"/>
+                        <a:t> </a:t>
+                      </a:r>
+                      <a:r>
+                        <a:rPr lang="de-DE" sz="1800" baseline="0" dirty="0" err="1" smtClean="0"/>
+                        <a:t>for</a:t>
+                      </a:r>
+                      <a:r>
+                        <a:rPr lang="de-DE" sz="1800" baseline="0" dirty="0" smtClean="0"/>
+                        <a:t> </a:t>
+                      </a:r>
+                      <a:r>
+                        <a:rPr lang="de-DE" sz="1800" baseline="0" dirty="0" err="1" smtClean="0"/>
+                        <a:t>any</a:t>
+                      </a:r>
+                      <a:r>
+                        <a:rPr lang="de-DE" sz="1800" baseline="0" dirty="0" smtClean="0"/>
+                        <a:t> relevant </a:t>
+                      </a:r>
+                      <a:r>
+                        <a:rPr lang="de-DE" sz="1800" baseline="0" dirty="0" err="1" smtClean="0"/>
+                        <a:t>work</a:t>
+                      </a:r>
+                      <a:endParaRPr lang="de-DE" sz="1800" dirty="0"/>
+                    </a:p>
+                  </a:txBody>
+                  <a:tcPr/>
+                </a:tc>
+                <a:extLst>
+                  <a:ext uri="{0D108BD9-81ED-4DB2-BD59-A6C34878D82A}">
+                    <a16:rowId xmlns:a16="http://schemas.microsoft.com/office/drawing/2014/main" xmlns="" val="10003"/>
+                  </a:ext>
+                </a:extLst>
+              </a:tr>
+              <a:tr h="370840">
+                <a:tc>
+                  <a:txBody>
+                    <a:bodyPr/>
+                    <a:lstStyle/>
+                    <a:p>
+                      <a:pPr algn="l"/>
+                      <a:r>
+                        <a:rPr lang="de-DE" sz="1800" dirty="0"/>
+                        <a:t>08.24 – 09.14</a:t>
+                      </a:r>
+                    </a:p>
+                  </a:txBody>
+                  <a:tcPr/>
+                </a:tc>
+                <a:tc>
+                  <a:txBody>
+                    <a:bodyPr/>
+                    <a:lstStyle/>
+                    <a:p>
+                      <a:pPr>
+                        <a:buFont typeface="Arial" pitchFamily="34" charset="0"/>
+                        <a:buChar char="•"/>
+                      </a:pPr>
+                      <a:r>
+                        <a:rPr lang="de-DE" sz="1800" dirty="0"/>
+                        <a:t> </a:t>
+                      </a:r>
+                      <a:r>
+                        <a:rPr lang="de-DE" sz="1800" dirty="0" err="1" smtClean="0"/>
+                        <a:t>Buffer</a:t>
+                      </a:r>
+                      <a:r>
+                        <a:rPr lang="de-DE" sz="1800" dirty="0" smtClean="0"/>
+                        <a:t> </a:t>
+                      </a:r>
+                      <a:r>
+                        <a:rPr lang="de-DE" sz="1800" dirty="0" err="1" smtClean="0"/>
+                        <a:t>for</a:t>
+                      </a:r>
+                      <a:r>
+                        <a:rPr lang="de-DE" sz="1800" dirty="0" smtClean="0"/>
+                        <a:t> </a:t>
+                      </a:r>
+                      <a:r>
+                        <a:rPr lang="de-DE" sz="1800" dirty="0" err="1" smtClean="0"/>
+                        <a:t>any</a:t>
+                      </a:r>
+                      <a:r>
+                        <a:rPr lang="de-DE" sz="1800" dirty="0" smtClean="0"/>
+                        <a:t> relevant </a:t>
+                      </a:r>
+                      <a:r>
+                        <a:rPr lang="de-DE" sz="1800" dirty="0" err="1" smtClean="0"/>
+                        <a:t>work</a:t>
+                      </a:r>
+                      <a:endParaRPr lang="de-DE" sz="1800" dirty="0"/>
+                    </a:p>
+                  </a:txBody>
+                  <a:tcPr/>
+                </a:tc>
+                <a:extLst>
+                  <a:ext uri="{0D108BD9-81ED-4DB2-BD59-A6C34878D82A}">
+                    <a16:rowId xmlns:a16="http://schemas.microsoft.com/office/drawing/2014/main" xmlns="" val="10004"/>
+                  </a:ext>
+                </a:extLst>
+              </a:tr>
+            </a:tbl>
+          </a:graphicData>
+        </a:graphic>
+      </p:graphicFrame>
+    </p:spTree>
+    <p:extLst>
+      <p:ext uri="{BB962C8B-B14F-4D97-AF65-F5344CB8AC3E}">
+        <p14:creationId xmlns:p14="http://schemas.microsoft.com/office/powerpoint/2010/main" xmlns="" val="3532623066"/>
+      </p:ext>
+    </p:extLst>
+  </p:cSld>
+  <p:clrMapOvr>
+    <a:masterClrMapping/>
+  </p:clrMapOvr>
+</p:sld>
+</file>
+
+<file path=ppt/slides/slide21.xml><?xml version="1.0" encoding="utf-8"?>
+<p:sld xmlns:a="http://schemas.openxmlformats.org/drawingml/2006/main" xmlns:r="http://schemas.openxmlformats.org/officeDocument/2006/relationships" xmlns:p="http://schemas.openxmlformats.org/presentationml/2006/main">
+  <p:cSld>
+    <p:spTree>
+      <p:nvGrpSpPr>
+        <p:cNvPr id="1" name=""/>
+        <p:cNvGrpSpPr/>
+        <p:nvPr/>
+      </p:nvGrpSpPr>
+      <p:grpSpPr>
+        <a:xfrm>
+          <a:off x="0" y="0"/>
+          <a:ext cx="0" cy="0"/>
+          <a:chOff x="0" y="0"/>
+          <a:chExt cx="0" cy="0"/>
+        </a:xfrm>
+      </p:grpSpPr>
+      <p:sp>
+        <p:nvSpPr>
+          <p:cNvPr id="2" name="Titel 1"/>
+          <p:cNvSpPr>
+            <a:spLocks noGrp="1"/>
+          </p:cNvSpPr>
+          <p:nvPr>
+            <p:ph type="title"/>
+          </p:nvPr>
+        </p:nvSpPr>
+        <p:spPr/>
+        <p:txBody>
+          <a:bodyPr>
+            <a:normAutofit/>
+          </a:bodyPr>
+          <a:lstStyle/>
+          <a:p>
+            <a:pPr algn="ctr"/>
+            <a:r>
+              <a:rPr lang="de-DE" dirty="0" err="1"/>
+              <a:t>Risks</a:t>
+            </a:r>
+            <a:endParaRPr lang="de-DE" dirty="0"/>
+          </a:p>
+        </p:txBody>
+      </p:sp>
+      <p:sp>
+        <p:nvSpPr>
+          <p:cNvPr id="9" name="Inhaltsplatzhalter 8"/>
+          <p:cNvSpPr>
+            <a:spLocks noGrp="1"/>
+          </p:cNvSpPr>
+          <p:nvPr>
+            <p:ph sz="half" idx="1"/>
+          </p:nvPr>
+        </p:nvSpPr>
+        <p:spPr/>
+        <p:txBody>
+          <a:bodyPr>
+            <a:normAutofit lnSpcReduction="10000"/>
+          </a:bodyPr>
+          <a:lstStyle/>
+          <a:p>
+            <a:r>
+              <a:rPr lang="de-DE" sz="2400" dirty="0"/>
+              <a:t>Fly </a:t>
+            </a:r>
+            <a:r>
+              <a:rPr lang="de-DE" sz="2400" dirty="0" err="1"/>
+              <a:t>physics</a:t>
+            </a:r>
+            <a:r>
+              <a:rPr lang="de-DE" sz="2400" dirty="0"/>
+              <a:t> - </a:t>
+            </a:r>
+            <a:r>
+              <a:rPr lang="de-DE" sz="2400" dirty="0" err="1"/>
+              <a:t>maths</a:t>
+            </a:r>
+            <a:r>
+              <a:rPr lang="de-DE" sz="2400" dirty="0"/>
+              <a:t> </a:t>
+            </a:r>
+            <a:r>
+              <a:rPr lang="de-DE" sz="2400" dirty="0" err="1"/>
+              <a:t>too</a:t>
+            </a:r>
+            <a:r>
+              <a:rPr lang="de-DE" sz="2400" dirty="0"/>
+              <a:t> </a:t>
+            </a:r>
+            <a:r>
+              <a:rPr lang="de-DE" sz="2400" dirty="0" err="1"/>
+              <a:t>complicated</a:t>
+            </a:r>
+            <a:r>
+              <a:rPr lang="de-DE" sz="2400" dirty="0"/>
+              <a:t>?</a:t>
+            </a:r>
+            <a:endParaRPr lang="de-DE" dirty="0"/>
+          </a:p>
+          <a:p>
+            <a:r>
+              <a:rPr lang="de-DE" sz="2400" dirty="0"/>
+              <a:t>Arm </a:t>
+            </a:r>
+            <a:r>
+              <a:rPr lang="de-DE" sz="2400" dirty="0" err="1"/>
+              <a:t>network</a:t>
+            </a:r>
+            <a:r>
+              <a:rPr lang="de-DE" sz="2400" dirty="0"/>
+              <a:t> </a:t>
+            </a:r>
+            <a:r>
+              <a:rPr lang="de-DE" sz="2400" dirty="0" err="1"/>
+              <a:t>transmission</a:t>
+            </a:r>
+            <a:endParaRPr lang="de-DE" sz="2400" dirty="0"/>
+          </a:p>
+          <a:p>
+            <a:r>
+              <a:rPr lang="de-DE" sz="2400" dirty="0"/>
+              <a:t>Post-</a:t>
+            </a:r>
+            <a:r>
+              <a:rPr lang="de-DE" sz="2400" dirty="0" err="1"/>
+              <a:t>effects</a:t>
+            </a:r>
+            <a:r>
+              <a:rPr lang="de-DE" sz="2400" dirty="0"/>
+              <a:t> (</a:t>
+            </a:r>
+            <a:r>
+              <a:rPr lang="de-DE" sz="2400" dirty="0" err="1"/>
+              <a:t>scattering</a:t>
+            </a:r>
+            <a:r>
+              <a:rPr lang="de-DE" sz="2400" dirty="0"/>
+              <a:t>, </a:t>
+            </a:r>
+            <a:r>
+              <a:rPr lang="de-DE" sz="2400" dirty="0" err="1"/>
+              <a:t>ambient</a:t>
+            </a:r>
+            <a:r>
+              <a:rPr lang="de-DE" sz="2400" dirty="0"/>
+              <a:t> </a:t>
+            </a:r>
+            <a:r>
+              <a:rPr lang="de-DE" sz="2400" dirty="0" err="1"/>
+              <a:t>occlusion</a:t>
+            </a:r>
+            <a:r>
+              <a:rPr lang="de-DE" sz="2400" dirty="0"/>
+              <a:t>)</a:t>
+            </a:r>
+          </a:p>
+          <a:p>
+            <a:r>
+              <a:rPr lang="de-DE" sz="2400" dirty="0"/>
+              <a:t>Realtime Performance </a:t>
+            </a:r>
+            <a:r>
+              <a:rPr lang="de-DE" sz="2400" dirty="0" err="1"/>
+              <a:t>Issues</a:t>
+            </a:r>
+            <a:r>
+              <a:rPr lang="de-DE" sz="2400" dirty="0"/>
+              <a:t> </a:t>
+            </a:r>
+            <a:r>
+              <a:rPr lang="de-DE" sz="2400" dirty="0" err="1"/>
+              <a:t>for</a:t>
+            </a:r>
+            <a:r>
+              <a:rPr lang="de-DE" sz="2400" dirty="0"/>
+              <a:t> </a:t>
+            </a:r>
+            <a:r>
+              <a:rPr lang="de-DE" sz="2400" dirty="0" err="1"/>
+              <a:t>slower</a:t>
+            </a:r>
+            <a:r>
+              <a:rPr lang="de-DE" sz="2400" dirty="0"/>
+              <a:t> PCs (Graphics Settings?)</a:t>
+            </a:r>
+          </a:p>
+          <a:p>
+            <a:r>
+              <a:rPr lang="de-DE" sz="2400" dirty="0"/>
+              <a:t>AR Performance Problems</a:t>
+            </a:r>
+            <a:endParaRPr lang="de-DE" dirty="0"/>
+          </a:p>
+          <a:p>
+            <a:pPr>
+              <a:buNone/>
+            </a:pPr>
+            <a:endParaRPr lang="de-DE" dirty="0"/>
+          </a:p>
+          <a:p>
+            <a:pPr>
+              <a:buNone/>
+            </a:pPr>
+            <a:endParaRPr lang="de-DE" dirty="0"/>
+          </a:p>
+          <a:p>
+            <a:pPr>
+              <a:buNone/>
+            </a:pPr>
+            <a:endParaRPr lang="de-DE" dirty="0"/>
+          </a:p>
+          <a:p>
+            <a:endParaRPr lang="de-DE" dirty="0"/>
+          </a:p>
+        </p:txBody>
+      </p:sp>
+      <p:sp>
+        <p:nvSpPr>
+          <p:cNvPr id="7" name="Inhaltsplatzhalter 6"/>
+          <p:cNvSpPr>
+            <a:spLocks noGrp="1"/>
+          </p:cNvSpPr>
+          <p:nvPr>
+            <p:ph sz="half" idx="2"/>
+          </p:nvPr>
+        </p:nvSpPr>
+        <p:spPr/>
+        <p:txBody>
+          <a:bodyPr>
+            <a:normAutofit lnSpcReduction="10000"/>
+          </a:bodyPr>
+          <a:lstStyle/>
+          <a:p>
+            <a:r>
+              <a:rPr lang="de-DE" sz="2400" dirty="0" err="1"/>
+              <a:t>Menues</a:t>
+            </a:r>
+            <a:r>
+              <a:rPr lang="de-DE" sz="2400" dirty="0"/>
+              <a:t> (</a:t>
+            </a:r>
+            <a:r>
+              <a:rPr lang="de-DE" sz="2400" dirty="0" err="1"/>
+              <a:t>Oculus</a:t>
+            </a:r>
+            <a:r>
+              <a:rPr lang="de-DE" sz="2400" dirty="0"/>
+              <a:t>)</a:t>
+            </a:r>
+          </a:p>
+          <a:p>
+            <a:r>
+              <a:rPr lang="de-DE" sz="2400" dirty="0" err="1"/>
+              <a:t>Guesture</a:t>
+            </a:r>
+            <a:r>
+              <a:rPr lang="de-DE" sz="2400" dirty="0"/>
+              <a:t> </a:t>
+            </a:r>
+            <a:r>
+              <a:rPr lang="de-DE" sz="2400" dirty="0" err="1"/>
+              <a:t>control</a:t>
+            </a:r>
+            <a:r>
+              <a:rPr lang="de-DE" sz="2400" dirty="0"/>
+              <a:t> </a:t>
+            </a:r>
+            <a:r>
+              <a:rPr lang="de-DE" sz="2400" dirty="0" err="1"/>
+              <a:t>problems</a:t>
+            </a:r>
+            <a:r>
+              <a:rPr lang="de-DE" sz="2400" dirty="0"/>
+              <a:t> (APIs </a:t>
+            </a:r>
+            <a:r>
+              <a:rPr lang="de-DE" sz="2400" dirty="0" err="1"/>
+              <a:t>for</a:t>
+            </a:r>
+            <a:r>
+              <a:rPr lang="de-DE" sz="2400" dirty="0"/>
+              <a:t> Vive not </a:t>
+            </a:r>
+            <a:r>
+              <a:rPr lang="de-DE" sz="2400" dirty="0" err="1"/>
+              <a:t>tested</a:t>
+            </a:r>
+            <a:r>
+              <a:rPr lang="de-DE" sz="2400" dirty="0"/>
+              <a:t> </a:t>
+            </a:r>
+            <a:r>
+              <a:rPr lang="de-DE" sz="2400" dirty="0" err="1"/>
+              <a:t>yet</a:t>
+            </a:r>
+            <a:r>
+              <a:rPr lang="de-DE" sz="2400" dirty="0"/>
+              <a:t>, </a:t>
+            </a:r>
+            <a:r>
+              <a:rPr lang="de-DE" sz="2400" dirty="0" err="1"/>
+              <a:t>currently</a:t>
+            </a:r>
+            <a:r>
+              <a:rPr lang="de-DE" sz="2400" dirty="0"/>
+              <a:t> </a:t>
+            </a:r>
+            <a:r>
+              <a:rPr lang="de-DE" sz="2400" dirty="0" err="1"/>
+              <a:t>unstable</a:t>
+            </a:r>
+            <a:r>
+              <a:rPr lang="de-DE" sz="2400" dirty="0"/>
+              <a:t> APIs </a:t>
+            </a:r>
+            <a:r>
+              <a:rPr lang="de-DE" sz="2400" dirty="0" err="1"/>
+              <a:t>for</a:t>
+            </a:r>
+            <a:r>
+              <a:rPr lang="de-DE" sz="2400" dirty="0"/>
+              <a:t> Kinect?)</a:t>
+            </a:r>
+          </a:p>
+          <a:p>
+            <a:r>
+              <a:rPr lang="de-DE" sz="2400" dirty="0" err="1"/>
+              <a:t>Suitable</a:t>
+            </a:r>
+            <a:r>
+              <a:rPr lang="de-DE" sz="2400" dirty="0"/>
+              <a:t> </a:t>
+            </a:r>
+            <a:r>
+              <a:rPr lang="de-DE" sz="2400" dirty="0" err="1"/>
+              <a:t>for</a:t>
+            </a:r>
+            <a:r>
+              <a:rPr lang="de-DE" sz="2400" dirty="0"/>
+              <a:t> HS-</a:t>
+            </a:r>
+            <a:r>
+              <a:rPr lang="de-DE" sz="2400" dirty="0" err="1"/>
+              <a:t>Lan</a:t>
+            </a:r>
+            <a:r>
+              <a:rPr lang="de-DE" sz="2400" dirty="0"/>
+              <a:t> </a:t>
+            </a:r>
+            <a:r>
+              <a:rPr lang="de-DE" sz="2400" dirty="0" err="1"/>
+              <a:t>and</a:t>
+            </a:r>
+            <a:r>
+              <a:rPr lang="de-DE" sz="2400" dirty="0"/>
+              <a:t> Open-Lab</a:t>
+            </a:r>
+          </a:p>
+          <a:p>
+            <a:r>
+              <a:rPr lang="de-DE" sz="2400" dirty="0" err="1"/>
+              <a:t>Ofc</a:t>
+            </a:r>
+            <a:r>
+              <a:rPr lang="de-DE" sz="2400" dirty="0"/>
+              <a:t>: </a:t>
+            </a:r>
+            <a:r>
+              <a:rPr lang="de-DE" sz="2400" dirty="0" err="1"/>
+              <a:t>Illness</a:t>
+            </a:r>
+            <a:r>
+              <a:rPr lang="de-DE" sz="2400" dirty="0"/>
+              <a:t> </a:t>
+            </a:r>
+            <a:r>
+              <a:rPr lang="de-DE" sz="2400" dirty="0" err="1"/>
+              <a:t>of</a:t>
+            </a:r>
+            <a:r>
+              <a:rPr lang="de-DE" sz="2400" dirty="0"/>
+              <a:t> Project Members (</a:t>
+            </a:r>
+            <a:r>
+              <a:rPr lang="de-DE" sz="2400" dirty="0" err="1"/>
+              <a:t>workload</a:t>
+            </a:r>
+            <a:r>
+              <a:rPr lang="de-DE" sz="2400" dirty="0"/>
+              <a:t> </a:t>
+            </a:r>
+            <a:r>
+              <a:rPr lang="de-DE" sz="2400" dirty="0" err="1"/>
+              <a:t>balancing</a:t>
+            </a:r>
+            <a:r>
+              <a:rPr lang="de-DE" sz="2400" dirty="0"/>
+              <a:t>)</a:t>
+            </a:r>
+          </a:p>
+          <a:p>
+            <a:pPr>
+              <a:buNone/>
+            </a:pPr>
+            <a:endParaRPr lang="de-DE" sz="2400" dirty="0"/>
+          </a:p>
+        </p:txBody>
+      </p:sp>
+      <p:sp>
+        <p:nvSpPr>
+          <p:cNvPr id="11" name="Foliennummernplatzhalter 10"/>
+          <p:cNvSpPr>
+            <a:spLocks noGrp="1"/>
+          </p:cNvSpPr>
+          <p:nvPr>
+            <p:ph type="sldNum" sz="quarter" idx="12"/>
+          </p:nvPr>
+        </p:nvSpPr>
+        <p:spPr/>
+        <p:txBody>
+          <a:bodyPr/>
+          <a:lstStyle/>
+          <a:p>
+            <a:fld id="{6C6AE60A-B69C-4790-82F7-3882EDF23186}" type="slidenum">
+              <a:rPr lang="de-DE" smtClean="0"/>
+              <a:pPr/>
+              <a:t>21</a:t>
+            </a:fld>
+            <a:endParaRPr lang="de-DE"/>
+          </a:p>
+        </p:txBody>
+      </p:sp>
+    </p:spTree>
+  </p:cSld>
+  <p:clrMapOvr>
+    <a:masterClrMapping/>
+  </p:clrMapOvr>
+</p:sld>
+</file>
+
+<file path=ppt/slides/slide22.xml><?xml version="1.0" encoding="utf-8"?>
+<p:sld xmlns:a="http://schemas.openxmlformats.org/drawingml/2006/main" xmlns:r="http://schemas.openxmlformats.org/officeDocument/2006/relationships" xmlns:p="http://schemas.openxmlformats.org/presentationml/2006/main">
+  <p:cSld>
+    <p:spTree>
+      <p:nvGrpSpPr>
+        <p:cNvPr id="1" name=""/>
+        <p:cNvGrpSpPr/>
+        <p:nvPr/>
+      </p:nvGrpSpPr>
+      <p:grpSpPr>
+        <a:xfrm>
+          <a:off x="0" y="0"/>
+          <a:ext cx="0" cy="0"/>
+          <a:chOff x="0" y="0"/>
+          <a:chExt cx="0" cy="0"/>
+        </a:xfrm>
+      </p:grpSpPr>
+      <p:sp>
+        <p:nvSpPr>
+          <p:cNvPr id="2" name="Titel 1"/>
+          <p:cNvSpPr>
+            <a:spLocks noGrp="1"/>
+          </p:cNvSpPr>
+          <p:nvPr>
+            <p:ph type="title"/>
+          </p:nvPr>
+        </p:nvSpPr>
+        <p:spPr/>
+        <p:txBody>
+          <a:bodyPr>
+            <a:normAutofit/>
+          </a:bodyPr>
+          <a:lstStyle/>
+          <a:p>
+            <a:pPr algn="ctr"/>
+            <a:r>
+              <a:rPr lang="de-DE" dirty="0" err="1"/>
+              <a:t>Github</a:t>
+            </a:r>
+            <a:r>
+              <a:rPr lang="de-DE" dirty="0"/>
+              <a:t> Version </a:t>
+            </a:r>
+            <a:r>
+              <a:rPr lang="de-DE" dirty="0" err="1"/>
+              <a:t>Control</a:t>
+            </a:r>
+            <a:endParaRPr lang="de-DE" dirty="0"/>
+          </a:p>
+        </p:txBody>
+      </p:sp>
+      <p:sp>
+        <p:nvSpPr>
+          <p:cNvPr id="9" name="Inhaltsplatzhalter 8"/>
+          <p:cNvSpPr>
+            <a:spLocks noGrp="1"/>
+          </p:cNvSpPr>
+          <p:nvPr>
+            <p:ph sz="half" idx="1"/>
+          </p:nvPr>
+        </p:nvSpPr>
+        <p:spPr>
+          <a:xfrm>
+            <a:off x="457200" y="1600071"/>
+            <a:ext cx="8219256" cy="3695700"/>
+          </a:xfrm>
+        </p:spPr>
+        <p:txBody>
+          <a:bodyPr>
+            <a:normAutofit/>
+          </a:bodyPr>
+          <a:lstStyle/>
+          <a:p>
+            <a:endParaRPr lang="de-DE" dirty="0">
+              <a:hlinkClick r:id="rId2"/>
+            </a:endParaRPr>
+          </a:p>
+          <a:p>
+            <a:r>
+              <a:rPr lang="de-DE" dirty="0"/>
+              <a:t>Old </a:t>
+            </a:r>
+            <a:r>
+              <a:rPr lang="de-DE" dirty="0" err="1"/>
+              <a:t>project</a:t>
+            </a:r>
+            <a:r>
+              <a:rPr lang="de-DE" dirty="0"/>
+              <a:t> </a:t>
+            </a:r>
+            <a:r>
+              <a:rPr lang="de-DE" dirty="0" err="1"/>
+              <a:t>source</a:t>
+            </a:r>
+            <a:endParaRPr lang="de-DE" dirty="0">
+              <a:hlinkClick r:id="rId2"/>
+            </a:endParaRPr>
+          </a:p>
+          <a:p>
+            <a:pPr algn="ctr">
+              <a:buNone/>
+            </a:pPr>
+            <a:r>
+              <a:rPr lang="de-DE" dirty="0">
+                <a:hlinkClick r:id="rId3"/>
+              </a:rPr>
+              <a:t>https://github.com/andreasdietze/Rift-Wingsuit.git</a:t>
+            </a:r>
+            <a:endParaRPr lang="de-DE" dirty="0"/>
+          </a:p>
+          <a:p>
+            <a:pPr algn="ctr">
+              <a:buNone/>
+            </a:pPr>
+            <a:endParaRPr lang="de-DE" dirty="0"/>
+          </a:p>
+          <a:p>
+            <a:r>
+              <a:rPr lang="de-DE" dirty="0"/>
+              <a:t>New </a:t>
+            </a:r>
+            <a:r>
+              <a:rPr lang="de-DE" dirty="0" err="1"/>
+              <a:t>project</a:t>
+            </a:r>
+            <a:r>
+              <a:rPr lang="de-DE" dirty="0"/>
+              <a:t> </a:t>
+            </a:r>
+            <a:r>
+              <a:rPr lang="de-DE" dirty="0" err="1"/>
+              <a:t>source</a:t>
+            </a:r>
+            <a:endParaRPr lang="de-DE" dirty="0"/>
+          </a:p>
+          <a:p>
+            <a:pPr algn="ctr">
+              <a:buNone/>
+            </a:pPr>
+            <a:r>
+              <a:rPr lang="de-DE" dirty="0">
+                <a:hlinkClick r:id="rId4"/>
+              </a:rPr>
+              <a:t>https://github.com/andreasdietze/Rift-WingsuitV2.git</a:t>
+            </a:r>
+            <a:endParaRPr lang="de-DE" dirty="0"/>
+          </a:p>
+          <a:p>
+            <a:endParaRPr lang="de-DE" dirty="0"/>
+          </a:p>
+        </p:txBody>
+      </p:sp>
+      <p:sp>
+        <p:nvSpPr>
+          <p:cNvPr id="11" name="Foliennummernplatzhalter 10"/>
+          <p:cNvSpPr>
+            <a:spLocks noGrp="1"/>
+          </p:cNvSpPr>
+          <p:nvPr>
+            <p:ph type="sldNum" sz="quarter" idx="12"/>
+          </p:nvPr>
+        </p:nvSpPr>
+        <p:spPr/>
+        <p:txBody>
+          <a:bodyPr/>
+          <a:lstStyle/>
+          <a:p>
+            <a:fld id="{6C6AE60A-B69C-4790-82F7-3882EDF23186}" type="slidenum">
+              <a:rPr lang="de-DE" smtClean="0"/>
+              <a:pPr/>
+              <a:t>22</a:t>
+            </a:fld>
+            <a:endParaRPr lang="de-DE"/>
+          </a:p>
+        </p:txBody>
+      </p:sp>
+    </p:spTree>
+  </p:cSld>
+  <p:clrMapOvr>
+    <a:masterClrMapping/>
+  </p:clrMapOvr>
+</p:sld>
+</file>
+
+<file path=ppt/slides/slide23.xml><?xml version="1.0" encoding="utf-8"?>
+<p:sld xmlns:a="http://schemas.openxmlformats.org/drawingml/2006/main" xmlns:r="http://schemas.openxmlformats.org/officeDocument/2006/relationships" xmlns:p="http://schemas.openxmlformats.org/presentationml/2006/main">
+  <p:cSld>
+    <p:spTree>
+      <p:nvGrpSpPr>
+        <p:cNvPr id="1" name=""/>
+        <p:cNvGrpSpPr/>
+        <p:nvPr/>
+      </p:nvGrpSpPr>
+      <p:grpSpPr>
+        <a:xfrm>
+          <a:off x="0" y="0"/>
+          <a:ext cx="0" cy="0"/>
+          <a:chOff x="0" y="0"/>
+          <a:chExt cx="0" cy="0"/>
+        </a:xfrm>
+      </p:grpSpPr>
+      <p:sp>
+        <p:nvSpPr>
           <p:cNvPr id="6" name="Titel 5"/>
           <p:cNvSpPr>
             <a:spLocks noGrp="1"/>
@@ -9213,7 +10593,7 @@
             <a:fld id="{6C6AE60A-B69C-4790-82F7-3882EDF23186}" type="slidenum">
               <a:rPr lang="de-DE" smtClean="0"/>
               <a:pPr/>
-              <a:t>20</a:t>
+              <a:t>23</a:t>
             </a:fld>
             <a:endParaRPr lang="de-DE"/>
           </a:p>
@@ -9832,7 +11212,7 @@
           <a:blip r:embed="rId2" cstate="print">
             <a:extLst>
               <a:ext uri="{28A0092B-C50C-407E-A947-70E740481C1C}">
-                <a14:useLocalDpi xmlns:a14="http://schemas.microsoft.com/office/drawing/2010/main" val="0"/>
+                <a14:useLocalDpi xmlns:a14="http://schemas.microsoft.com/office/drawing/2010/main" xmlns="" val="0"/>
               </a:ext>
             </a:extLst>
           </a:blip>
@@ -9850,7 +11230,7 @@
     </p:spTree>
     <p:extLst>
       <p:ext uri="{BB962C8B-B14F-4D97-AF65-F5344CB8AC3E}">
-        <p14:creationId xmlns:p14="http://schemas.microsoft.com/office/powerpoint/2010/main" val="3486165658"/>
+        <p14:creationId xmlns:p14="http://schemas.microsoft.com/office/powerpoint/2010/main" xmlns="" val="3486165658"/>
       </p:ext>
     </p:extLst>
   </p:cSld>

--- a/Präsentationen/Projektpräsentation/Project proposal Rift Wingsuit V2.pptx
+++ b/Präsentationen/Projektpräsentation/Project proposal Rift Wingsuit V2.pptx
@@ -5,7 +5,7 @@
     <p:sldMasterId id="2147483660" r:id="rId1"/>
   </p:sldMasterIdLst>
   <p:notesMasterIdLst>
-    <p:notesMasterId r:id="rId25"/>
+    <p:notesMasterId r:id="rId28"/>
   </p:notesMasterIdLst>
   <p:sldIdLst>
     <p:sldId id="272" r:id="rId2"/>
@@ -21,16 +21,19 @@
     <p:sldId id="286" r:id="rId12"/>
     <p:sldId id="317" r:id="rId13"/>
     <p:sldId id="321" r:id="rId14"/>
-    <p:sldId id="314" r:id="rId15"/>
-    <p:sldId id="318" r:id="rId16"/>
-    <p:sldId id="322" r:id="rId17"/>
-    <p:sldId id="310" r:id="rId18"/>
-    <p:sldId id="315" r:id="rId19"/>
-    <p:sldId id="319" r:id="rId20"/>
-    <p:sldId id="320" r:id="rId21"/>
-    <p:sldId id="270" r:id="rId22"/>
-    <p:sldId id="280" r:id="rId23"/>
-    <p:sldId id="279" r:id="rId24"/>
+    <p:sldId id="323" r:id="rId15"/>
+    <p:sldId id="314" r:id="rId16"/>
+    <p:sldId id="318" r:id="rId17"/>
+    <p:sldId id="322" r:id="rId18"/>
+    <p:sldId id="324" r:id="rId19"/>
+    <p:sldId id="310" r:id="rId20"/>
+    <p:sldId id="315" r:id="rId21"/>
+    <p:sldId id="319" r:id="rId22"/>
+    <p:sldId id="320" r:id="rId23"/>
+    <p:sldId id="325" r:id="rId24"/>
+    <p:sldId id="270" r:id="rId25"/>
+    <p:sldId id="280" r:id="rId26"/>
+    <p:sldId id="279" r:id="rId27"/>
   </p:sldIdLst>
   <p:sldSz cx="9144000" cy="5715000" type="screen16x10"/>
   <p:notesSz cx="6858000" cy="9144000"/>
@@ -131,7 +134,7 @@
   </p:defaultTextStyle>
   <p:extLst>
     <p:ext uri="{EFAFB233-063F-42B5-8137-9DF3F51BA10A}">
-      <p15:sldGuideLst xmlns:p15="http://schemas.microsoft.com/office/powerpoint/2012/main" xmlns="">
+      <p15:sldGuideLst xmlns:p15="http://schemas.microsoft.com/office/powerpoint/2012/main">
         <p15:guide id="1" orient="horz" pos="1800">
           <p15:clr>
             <a:srgbClr val="A4A3A4"/>
@@ -399,6 +402,11 @@
         </p:txBody>
       </p:sp>
     </p:spTree>
+    <p:extLst>
+      <p:ext uri="{BB962C8B-B14F-4D97-AF65-F5344CB8AC3E}">
+        <p14:creationId xmlns:p14="http://schemas.microsoft.com/office/powerpoint/2010/main" val="1727503161"/>
+      </p:ext>
+    </p:extLst>
   </p:cSld>
   <p:clrMap bg1="lt1" tx1="dk1" bg2="lt2" tx2="dk2" accent1="accent1" accent2="accent2" accent3="accent3" accent4="accent4" accent5="accent5" accent6="accent6" hlink="hlink" folHlink="folHlink"/>
   <p:notesStyle>
@@ -579,6 +587,96 @@
         </p:txBody>
       </p:sp>
     </p:spTree>
+    <p:extLst>
+      <p:ext uri="{BB962C8B-B14F-4D97-AF65-F5344CB8AC3E}">
+        <p14:creationId xmlns:p14="http://schemas.microsoft.com/office/powerpoint/2010/main" val="592270510"/>
+      </p:ext>
+    </p:extLst>
+  </p:cSld>
+  <p:clrMapOvr>
+    <a:masterClrMapping/>
+  </p:clrMapOvr>
+</p:notes>
+</file>
+
+<file path=ppt/notesSlides/notesSlide2.xml><?xml version="1.0" encoding="utf-8"?>
+<p:notes xmlns:a="http://schemas.openxmlformats.org/drawingml/2006/main" xmlns:r="http://schemas.openxmlformats.org/officeDocument/2006/relationships" xmlns:p="http://schemas.openxmlformats.org/presentationml/2006/main">
+  <p:cSld>
+    <p:spTree>
+      <p:nvGrpSpPr>
+        <p:cNvPr id="1" name=""/>
+        <p:cNvGrpSpPr/>
+        <p:nvPr/>
+      </p:nvGrpSpPr>
+      <p:grpSpPr>
+        <a:xfrm>
+          <a:off x="0" y="0"/>
+          <a:ext cx="0" cy="0"/>
+          <a:chOff x="0" y="0"/>
+          <a:chExt cx="0" cy="0"/>
+        </a:xfrm>
+      </p:grpSpPr>
+      <p:sp>
+        <p:nvSpPr>
+          <p:cNvPr id="2" name="Folienbildplatzhalter 1"/>
+          <p:cNvSpPr>
+            <a:spLocks noGrp="1" noRot="1" noChangeAspect="1"/>
+          </p:cNvSpPr>
+          <p:nvPr>
+            <p:ph type="sldImg"/>
+          </p:nvPr>
+        </p:nvSpPr>
+        <p:spPr/>
+      </p:sp>
+      <p:sp>
+        <p:nvSpPr>
+          <p:cNvPr id="3" name="Notizenplatzhalter 2"/>
+          <p:cNvSpPr>
+            <a:spLocks noGrp="1"/>
+          </p:cNvSpPr>
+          <p:nvPr>
+            <p:ph type="body" idx="1"/>
+          </p:nvPr>
+        </p:nvSpPr>
+        <p:spPr/>
+        <p:txBody>
+          <a:bodyPr/>
+          <a:lstStyle/>
+          <a:p>
+            <a:endParaRPr lang="de-DE" dirty="0"/>
+          </a:p>
+        </p:txBody>
+      </p:sp>
+      <p:sp>
+        <p:nvSpPr>
+          <p:cNvPr id="4" name="Foliennummernplatzhalter 3"/>
+          <p:cNvSpPr>
+            <a:spLocks noGrp="1"/>
+          </p:cNvSpPr>
+          <p:nvPr>
+            <p:ph type="sldNum" sz="quarter" idx="10"/>
+          </p:nvPr>
+        </p:nvSpPr>
+        <p:spPr/>
+        <p:txBody>
+          <a:bodyPr/>
+          <a:lstStyle/>
+          <a:p>
+            <a:fld id="{4908E361-B94C-4A25-AE9E-7E0532BAF813}" type="slidenum">
+              <a:rPr lang="de-DE" smtClean="0"/>
+              <a:pPr/>
+              <a:t>23</a:t>
+            </a:fld>
+            <a:endParaRPr lang="de-DE"/>
+          </a:p>
+        </p:txBody>
+      </p:sp>
+    </p:spTree>
+    <p:extLst>
+      <p:ext uri="{BB962C8B-B14F-4D97-AF65-F5344CB8AC3E}">
+        <p14:creationId xmlns:p14="http://schemas.microsoft.com/office/powerpoint/2010/main" val="2156963838"/>
+      </p:ext>
+    </p:extLst>
   </p:cSld>
   <p:clrMapOvr>
     <a:masterClrMapping/>
@@ -4833,8 +4931,13 @@
             <a:pPr lvl="1"/>
             <a:r>
               <a:rPr lang="de-DE" dirty="0"/>
-              <a:t>Andreas Dietze (wer?)</a:t>
-            </a:r>
+              <a:t>Andreas Dietze </a:t>
+            </a:r>
+            <a:r>
+              <a:rPr lang="de-DE" dirty="0" smtClean="0"/>
+              <a:t>(S. Nickel)</a:t>
+            </a:r>
+            <a:endParaRPr lang="de-DE" dirty="0"/>
           </a:p>
           <a:p>
             <a:r>
@@ -4846,9 +4949,10 @@
           <a:p>
             <a:pPr lvl="1"/>
             <a:r>
-              <a:rPr lang="de-DE" dirty="0"/>
-              <a:t>Andreas Dietze (S. Nickel)</a:t>
-            </a:r>
+              <a:rPr lang="de-DE" dirty="0" smtClean="0"/>
+              <a:t>Sebastian Nickel (A. Dietze)</a:t>
+            </a:r>
+            <a:endParaRPr lang="de-DE" dirty="0"/>
           </a:p>
           <a:p>
             <a:r>
@@ -4903,9 +5007,10 @@
           <a:p>
             <a:pPr lvl="1"/>
             <a:r>
-              <a:rPr lang="de-DE" dirty="0"/>
-              <a:t>Sebastian Nickel (J.K. ; M.S.)</a:t>
-            </a:r>
+              <a:rPr lang="de-DE" dirty="0" smtClean="0"/>
+              <a:t>Manuel Schmitt (J.K., S.N)</a:t>
+            </a:r>
+            <a:endParaRPr lang="de-DE" dirty="0"/>
           </a:p>
           <a:p>
             <a:pPr>
@@ -4978,8 +5083,13 @@
             <a:pPr lvl="1"/>
             <a:r>
               <a:rPr lang="de-DE" dirty="0"/>
-              <a:t>Manuel Schmitt (wer?)</a:t>
-            </a:r>
+              <a:t>Manuel Schmitt </a:t>
+            </a:r>
+            <a:r>
+              <a:rPr lang="de-DE" dirty="0" smtClean="0"/>
+              <a:t>(S. Nickel)</a:t>
+            </a:r>
+            <a:endParaRPr lang="de-DE" dirty="0"/>
           </a:p>
           <a:p>
             <a:r>
@@ -5229,14 +5339,14 @@
                 <a:gridCol w="1584176">
                   <a:extLst>
                     <a:ext uri="{9D8B030D-6E8A-4147-A177-3AD203B41FA5}">
-                      <a16:colId xmlns:a16="http://schemas.microsoft.com/office/drawing/2014/main" xmlns="" val="20000"/>
+                      <a16:colId xmlns="" xmlns:a16="http://schemas.microsoft.com/office/drawing/2014/main" val="20000"/>
                     </a:ext>
                   </a:extLst>
                 </a:gridCol>
                 <a:gridCol w="6480721">
                   <a:extLst>
                     <a:ext uri="{9D8B030D-6E8A-4147-A177-3AD203B41FA5}">
-                      <a16:colId xmlns:a16="http://schemas.microsoft.com/office/drawing/2014/main" xmlns="" val="20001"/>
+                      <a16:colId xmlns="" xmlns:a16="http://schemas.microsoft.com/office/drawing/2014/main" val="20001"/>
                     </a:ext>
                   </a:extLst>
                 </a:gridCol>
@@ -5278,7 +5388,7 @@
                 </a:tc>
                 <a:extLst>
                   <a:ext uri="{0D108BD9-81ED-4DB2-BD59-A6C34878D82A}">
-                    <a16:rowId xmlns:a16="http://schemas.microsoft.com/office/drawing/2014/main" xmlns="" val="10000"/>
+                    <a16:rowId xmlns="" xmlns:a16="http://schemas.microsoft.com/office/drawing/2014/main" val="10000"/>
                   </a:ext>
                 </a:extLst>
               </a:tr>
@@ -5458,7 +5568,7 @@
                 </a:tc>
                 <a:extLst>
                   <a:ext uri="{0D108BD9-81ED-4DB2-BD59-A6C34878D82A}">
-                    <a16:rowId xmlns:a16="http://schemas.microsoft.com/office/drawing/2014/main" xmlns="" val="10001"/>
+                    <a16:rowId xmlns="" xmlns:a16="http://schemas.microsoft.com/office/drawing/2014/main" val="10001"/>
                   </a:ext>
                 </a:extLst>
               </a:tr>
@@ -5598,7 +5708,7 @@
                 </a:tc>
                 <a:extLst>
                   <a:ext uri="{0D108BD9-81ED-4DB2-BD59-A6C34878D82A}">
-                    <a16:rowId xmlns:a16="http://schemas.microsoft.com/office/drawing/2014/main" xmlns="" val="10002"/>
+                    <a16:rowId xmlns="" xmlns:a16="http://schemas.microsoft.com/office/drawing/2014/main" val="10002"/>
                   </a:ext>
                 </a:extLst>
               </a:tr>
@@ -5718,7 +5828,7 @@
                 </a:tc>
                 <a:extLst>
                   <a:ext uri="{0D108BD9-81ED-4DB2-BD59-A6C34878D82A}">
-                    <a16:rowId xmlns:a16="http://schemas.microsoft.com/office/drawing/2014/main" xmlns="" val="10003"/>
+                    <a16:rowId xmlns="" xmlns:a16="http://schemas.microsoft.com/office/drawing/2014/main" val="10003"/>
                   </a:ext>
                 </a:extLst>
               </a:tr>
@@ -5851,7 +5961,7 @@
           <p:nvPr>
             <p:extLst>
               <p:ext uri="{D42A27DB-BD31-4B8C-83A1-F6EECF244321}">
-                <p14:modId xmlns:p14="http://schemas.microsoft.com/office/powerpoint/2010/main" xmlns="" val="62862726"/>
+                <p14:modId xmlns:p14="http://schemas.microsoft.com/office/powerpoint/2010/main" val="62862726"/>
               </p:ext>
             </p:extLst>
           </p:nvPr>
@@ -5870,14 +5980,14 @@
                 <a:gridCol w="1584176">
                   <a:extLst>
                     <a:ext uri="{9D8B030D-6E8A-4147-A177-3AD203B41FA5}">
-                      <a16:colId xmlns:a16="http://schemas.microsoft.com/office/drawing/2014/main" xmlns="" val="20000"/>
+                      <a16:colId xmlns="" xmlns:a16="http://schemas.microsoft.com/office/drawing/2014/main" val="20000"/>
                     </a:ext>
                   </a:extLst>
                 </a:gridCol>
                 <a:gridCol w="6480721">
                   <a:extLst>
                     <a:ext uri="{9D8B030D-6E8A-4147-A177-3AD203B41FA5}">
-                      <a16:colId xmlns:a16="http://schemas.microsoft.com/office/drawing/2014/main" xmlns="" val="20001"/>
+                      <a16:colId xmlns="" xmlns:a16="http://schemas.microsoft.com/office/drawing/2014/main" val="20001"/>
                     </a:ext>
                   </a:extLst>
                 </a:gridCol>
@@ -5914,7 +6024,7 @@
                 </a:tc>
                 <a:extLst>
                   <a:ext uri="{0D108BD9-81ED-4DB2-BD59-A6C34878D82A}">
-                    <a16:rowId xmlns:a16="http://schemas.microsoft.com/office/drawing/2014/main" xmlns="" val="10000"/>
+                    <a16:rowId xmlns="" xmlns:a16="http://schemas.microsoft.com/office/drawing/2014/main" val="10000"/>
                   </a:ext>
                 </a:extLst>
               </a:tr>
@@ -5967,7 +6077,7 @@
                 </a:tc>
                 <a:extLst>
                   <a:ext uri="{0D108BD9-81ED-4DB2-BD59-A6C34878D82A}">
-                    <a16:rowId xmlns:a16="http://schemas.microsoft.com/office/drawing/2014/main" xmlns="" val="10001"/>
+                    <a16:rowId xmlns="" xmlns:a16="http://schemas.microsoft.com/office/drawing/2014/main" val="10001"/>
                   </a:ext>
                 </a:extLst>
               </a:tr>
@@ -6044,7 +6154,7 @@
                 </a:tc>
                 <a:extLst>
                   <a:ext uri="{0D108BD9-81ED-4DB2-BD59-A6C34878D82A}">
-                    <a16:rowId xmlns:a16="http://schemas.microsoft.com/office/drawing/2014/main" xmlns="" val="10002"/>
+                    <a16:rowId xmlns="" xmlns:a16="http://schemas.microsoft.com/office/drawing/2014/main" val="10002"/>
                   </a:ext>
                 </a:extLst>
               </a:tr>
@@ -6087,7 +6197,7 @@
                 </a:tc>
                 <a:extLst>
                   <a:ext uri="{0D108BD9-81ED-4DB2-BD59-A6C34878D82A}">
-                    <a16:rowId xmlns:a16="http://schemas.microsoft.com/office/drawing/2014/main" xmlns="" val="10003"/>
+                    <a16:rowId xmlns="" xmlns:a16="http://schemas.microsoft.com/office/drawing/2014/main" val="10003"/>
                   </a:ext>
                 </a:extLst>
               </a:tr>
@@ -6098,7 +6208,7 @@
     </p:spTree>
     <p:extLst>
       <p:ext uri="{BB962C8B-B14F-4D97-AF65-F5344CB8AC3E}">
-        <p14:creationId xmlns:p14="http://schemas.microsoft.com/office/powerpoint/2010/main" xmlns="" val="401768939"/>
+        <p14:creationId xmlns:p14="http://schemas.microsoft.com/office/powerpoint/2010/main" val="401768939"/>
       </p:ext>
     </p:extLst>
   </p:cSld>
@@ -6225,7 +6335,7 @@
           <p:nvPr>
             <p:extLst>
               <p:ext uri="{D42A27DB-BD31-4B8C-83A1-F6EECF244321}">
-                <p14:modId xmlns:p14="http://schemas.microsoft.com/office/powerpoint/2010/main" xmlns="" val="62862726"/>
+                <p14:modId xmlns:p14="http://schemas.microsoft.com/office/powerpoint/2010/main" val="62862726"/>
               </p:ext>
             </p:extLst>
           </p:nvPr>
@@ -6244,14 +6354,14 @@
                 <a:gridCol w="1584176">
                   <a:extLst>
                     <a:ext uri="{9D8B030D-6E8A-4147-A177-3AD203B41FA5}">
-                      <a16:colId xmlns:a16="http://schemas.microsoft.com/office/drawing/2014/main" xmlns="" val="20000"/>
+                      <a16:colId xmlns="" xmlns:a16="http://schemas.microsoft.com/office/drawing/2014/main" val="20000"/>
                     </a:ext>
                   </a:extLst>
                 </a:gridCol>
                 <a:gridCol w="6480721">
                   <a:extLst>
                     <a:ext uri="{9D8B030D-6E8A-4147-A177-3AD203B41FA5}">
-                      <a16:colId xmlns:a16="http://schemas.microsoft.com/office/drawing/2014/main" xmlns="" val="20001"/>
+                      <a16:colId xmlns="" xmlns:a16="http://schemas.microsoft.com/office/drawing/2014/main" val="20001"/>
                     </a:ext>
                   </a:extLst>
                 </a:gridCol>
@@ -6288,7 +6398,7 @@
                 </a:tc>
                 <a:extLst>
                   <a:ext uri="{0D108BD9-81ED-4DB2-BD59-A6C34878D82A}">
-                    <a16:rowId xmlns:a16="http://schemas.microsoft.com/office/drawing/2014/main" xmlns="" val="10000"/>
+                    <a16:rowId xmlns="" xmlns:a16="http://schemas.microsoft.com/office/drawing/2014/main" val="10000"/>
                   </a:ext>
                 </a:extLst>
               </a:tr>
@@ -6331,7 +6441,7 @@
                 </a:tc>
                 <a:extLst>
                   <a:ext uri="{0D108BD9-81ED-4DB2-BD59-A6C34878D82A}">
-                    <a16:rowId xmlns:a16="http://schemas.microsoft.com/office/drawing/2014/main" xmlns="" val="10001"/>
+                    <a16:rowId xmlns="" xmlns:a16="http://schemas.microsoft.com/office/drawing/2014/main" val="10001"/>
                   </a:ext>
                 </a:extLst>
               </a:tr>
@@ -6430,7 +6540,7 @@
                 </a:tc>
                 <a:extLst>
                   <a:ext uri="{0D108BD9-81ED-4DB2-BD59-A6C34878D82A}">
-                    <a16:rowId xmlns:a16="http://schemas.microsoft.com/office/drawing/2014/main" xmlns="" val="10002"/>
+                    <a16:rowId xmlns="" xmlns:a16="http://schemas.microsoft.com/office/drawing/2014/main" val="10002"/>
                   </a:ext>
                 </a:extLst>
               </a:tr>
@@ -6477,7 +6587,7 @@
                 </a:tc>
                 <a:extLst>
                   <a:ext uri="{0D108BD9-81ED-4DB2-BD59-A6C34878D82A}">
-                    <a16:rowId xmlns:a16="http://schemas.microsoft.com/office/drawing/2014/main" xmlns="" val="10003"/>
+                    <a16:rowId xmlns="" xmlns:a16="http://schemas.microsoft.com/office/drawing/2014/main" val="10003"/>
                   </a:ext>
                 </a:extLst>
               </a:tr>
@@ -6488,7 +6598,7 @@
     </p:spTree>
     <p:extLst>
       <p:ext uri="{BB962C8B-B14F-4D97-AF65-F5344CB8AC3E}">
-        <p14:creationId xmlns:p14="http://schemas.microsoft.com/office/powerpoint/2010/main" xmlns="" val="401768939"/>
+        <p14:creationId xmlns:p14="http://schemas.microsoft.com/office/powerpoint/2010/main" val="401768939"/>
       </p:ext>
     </p:extLst>
   </p:cSld>
@@ -6547,7 +6657,7 @@
                   <a:srgbClr val="FF0000"/>
                 </a:solidFill>
               </a:rPr>
-              <a:t> 2</a:t>
+              <a:t> 1</a:t>
             </a:r>
           </a:p>
         </p:txBody>
@@ -6601,6 +6711,457 @@
               <a:rPr lang="de-DE" smtClean="0"/>
               <a:pPr/>
               <a:t>14</a:t>
+            </a:fld>
+            <a:endParaRPr lang="de-DE"/>
+          </a:p>
+        </p:txBody>
+      </p:sp>
+      <p:graphicFrame>
+        <p:nvGraphicFramePr>
+          <p:cNvPr id="8" name="Tabelle 7"/>
+          <p:cNvGraphicFramePr>
+            <a:graphicFrameLocks noGrp="1"/>
+          </p:cNvGraphicFramePr>
+          <p:nvPr>
+            <p:extLst>
+              <p:ext uri="{D42A27DB-BD31-4B8C-83A1-F6EECF244321}">
+                <p14:modId xmlns:p14="http://schemas.microsoft.com/office/powerpoint/2010/main" val="2500517179"/>
+              </p:ext>
+            </p:extLst>
+          </p:nvPr>
+        </p:nvGraphicFramePr>
+        <p:xfrm>
+          <a:off x="539552" y="1849388"/>
+          <a:ext cx="8064897" cy="1483360"/>
+        </p:xfrm>
+        <a:graphic>
+          <a:graphicData uri="http://schemas.openxmlformats.org/drawingml/2006/table">
+            <a:tbl>
+              <a:tblPr firstRow="1" bandRow="1">
+                <a:tableStyleId>{5C22544A-7EE6-4342-B048-85BDC9FD1C3A}</a:tableStyleId>
+              </a:tblPr>
+              <a:tblGrid>
+                <a:gridCol w="1584176">
+                  <a:extLst>
+                    <a:ext uri="{9D8B030D-6E8A-4147-A177-3AD203B41FA5}">
+                      <a16:colId xmlns="" xmlns:a16="http://schemas.microsoft.com/office/drawing/2014/main" val="20000"/>
+                    </a:ext>
+                  </a:extLst>
+                </a:gridCol>
+                <a:gridCol w="6480721">
+                  <a:extLst>
+                    <a:ext uri="{9D8B030D-6E8A-4147-A177-3AD203B41FA5}">
+                      <a16:colId xmlns="" xmlns:a16="http://schemas.microsoft.com/office/drawing/2014/main" val="20001"/>
+                    </a:ext>
+                  </a:extLst>
+                </a:gridCol>
+              </a:tblGrid>
+              <a:tr h="370840">
+                <a:tc>
+                  <a:txBody>
+                    <a:bodyPr/>
+                    <a:lstStyle/>
+                    <a:p>
+                      <a:pPr algn="ctr"/>
+                      <a:r>
+                        <a:rPr lang="de-DE" sz="1800" dirty="0" err="1"/>
+                        <a:t>Week</a:t>
+                      </a:r>
+                      <a:endParaRPr lang="de-DE" sz="1800" dirty="0"/>
+                    </a:p>
+                  </a:txBody>
+                  <a:tcPr/>
+                </a:tc>
+                <a:tc>
+                  <a:txBody>
+                    <a:bodyPr/>
+                    <a:lstStyle/>
+                    <a:p>
+                      <a:pPr algn="ctr"/>
+                      <a:r>
+                        <a:rPr lang="de-DE" sz="1800" dirty="0" smtClean="0"/>
+                        <a:t>Sebastian Nickel</a:t>
+                      </a:r>
+                      <a:endParaRPr lang="de-DE" sz="1800" dirty="0" smtClean="0"/>
+                    </a:p>
+                  </a:txBody>
+                  <a:tcPr/>
+                </a:tc>
+                <a:extLst>
+                  <a:ext uri="{0D108BD9-81ED-4DB2-BD59-A6C34878D82A}">
+                    <a16:rowId xmlns="" xmlns:a16="http://schemas.microsoft.com/office/drawing/2014/main" val="10000"/>
+                  </a:ext>
+                </a:extLst>
+              </a:tr>
+              <a:tr h="370840">
+                <a:tc>
+                  <a:txBody>
+                    <a:bodyPr/>
+                    <a:lstStyle/>
+                    <a:p>
+                      <a:pPr algn="l"/>
+                      <a:r>
+                        <a:rPr lang="de-DE" sz="1800" dirty="0"/>
+                        <a:t>05.12 – 05.19</a:t>
+                      </a:r>
+                    </a:p>
+                  </a:txBody>
+                  <a:tcPr/>
+                </a:tc>
+                <a:tc>
+                  <a:txBody>
+                    <a:bodyPr/>
+                    <a:lstStyle/>
+                    <a:p>
+                      <a:pPr lvl="0">
+                        <a:buFont typeface="Arial" pitchFamily="34" charset="0"/>
+                        <a:buChar char="•"/>
+                      </a:pPr>
+                      <a:r>
+                        <a:rPr lang="de-DE" sz="1800" dirty="0"/>
+                        <a:t> </a:t>
+                      </a:r>
+                      <a:r>
+                        <a:rPr lang="de-DE" sz="1800" dirty="0" err="1" smtClean="0"/>
+                        <a:t>Raw</a:t>
+                      </a:r>
+                      <a:r>
+                        <a:rPr lang="de-DE" sz="1800" dirty="0" smtClean="0"/>
+                        <a:t> </a:t>
+                      </a:r>
+                      <a:r>
+                        <a:rPr lang="de-DE" sz="1800" dirty="0" err="1" smtClean="0"/>
+                        <a:t>comprehension</a:t>
+                      </a:r>
+                      <a:r>
+                        <a:rPr lang="de-DE" sz="1800" baseline="0" dirty="0" smtClean="0"/>
+                        <a:t> </a:t>
+                      </a:r>
+                      <a:r>
+                        <a:rPr lang="de-DE" sz="1800" baseline="0" dirty="0" err="1" smtClean="0"/>
+                        <a:t>of</a:t>
+                      </a:r>
+                      <a:r>
+                        <a:rPr lang="de-DE" sz="1800" baseline="0" dirty="0" smtClean="0"/>
+                        <a:t> </a:t>
+                      </a:r>
+                      <a:r>
+                        <a:rPr lang="de-DE" sz="1800" baseline="0" dirty="0" err="1" smtClean="0"/>
+                        <a:t>the</a:t>
+                      </a:r>
+                      <a:r>
+                        <a:rPr lang="de-DE" sz="1800" baseline="0" dirty="0" smtClean="0"/>
+                        <a:t> </a:t>
+                      </a:r>
+                      <a:r>
+                        <a:rPr lang="de-DE" sz="1800" baseline="0" dirty="0" err="1" smtClean="0"/>
+                        <a:t>laws</a:t>
+                      </a:r>
+                      <a:r>
+                        <a:rPr lang="de-DE" sz="1800" baseline="0" dirty="0" smtClean="0"/>
+                        <a:t> </a:t>
+                      </a:r>
+                      <a:r>
+                        <a:rPr lang="de-DE" sz="1800" baseline="0" dirty="0" err="1" smtClean="0"/>
+                        <a:t>of</a:t>
+                      </a:r>
+                      <a:r>
+                        <a:rPr lang="de-DE" sz="1800" baseline="0" dirty="0" smtClean="0"/>
+                        <a:t> </a:t>
+                      </a:r>
+                      <a:r>
+                        <a:rPr lang="de-DE" sz="1800" baseline="0" dirty="0" err="1" smtClean="0"/>
+                        <a:t>aerodynamics</a:t>
+                      </a:r>
+                      <a:endParaRPr lang="en-US" sz="1800" dirty="0"/>
+                    </a:p>
+                  </a:txBody>
+                  <a:tcPr/>
+                </a:tc>
+                <a:extLst>
+                  <a:ext uri="{0D108BD9-81ED-4DB2-BD59-A6C34878D82A}">
+                    <a16:rowId xmlns="" xmlns:a16="http://schemas.microsoft.com/office/drawing/2014/main" val="10001"/>
+                  </a:ext>
+                </a:extLst>
+              </a:tr>
+              <a:tr h="370840">
+                <a:tc>
+                  <a:txBody>
+                    <a:bodyPr/>
+                    <a:lstStyle/>
+                    <a:p>
+                      <a:pPr algn="l"/>
+                      <a:r>
+                        <a:rPr lang="de-DE" sz="1800" dirty="0"/>
+                        <a:t>05.19 – 05.26</a:t>
+                      </a:r>
+                    </a:p>
+                  </a:txBody>
+                  <a:tcPr/>
+                </a:tc>
+                <a:tc>
+                  <a:txBody>
+                    <a:bodyPr/>
+                    <a:lstStyle/>
+                    <a:p>
+                      <a:pPr lvl="0">
+                        <a:buFont typeface="Arial" pitchFamily="34" charset="0"/>
+                        <a:buChar char="•"/>
+                      </a:pPr>
+                      <a:r>
+                        <a:rPr lang="de-DE" sz="1800" dirty="0"/>
+                        <a:t> </a:t>
+                      </a:r>
+                      <a:r>
+                        <a:rPr lang="de-DE" sz="1800" dirty="0" err="1" smtClean="0"/>
+                        <a:t>Prototyping</a:t>
+                      </a:r>
+                      <a:r>
+                        <a:rPr lang="de-DE" sz="1800" baseline="0" dirty="0" smtClean="0"/>
+                        <a:t> </a:t>
+                      </a:r>
+                      <a:r>
+                        <a:rPr lang="de-DE" sz="1800" baseline="0" dirty="0" err="1" smtClean="0"/>
+                        <a:t>first</a:t>
+                      </a:r>
+                      <a:r>
+                        <a:rPr lang="de-DE" sz="1800" baseline="0" dirty="0" smtClean="0"/>
+                        <a:t> </a:t>
+                      </a:r>
+                      <a:r>
+                        <a:rPr lang="de-DE" sz="1800" baseline="0" dirty="0" err="1" smtClean="0"/>
+                        <a:t>aerodynamic</a:t>
+                      </a:r>
+                      <a:r>
+                        <a:rPr lang="de-DE" sz="1800" baseline="0" dirty="0" smtClean="0"/>
+                        <a:t> </a:t>
+                      </a:r>
+                      <a:r>
+                        <a:rPr lang="de-DE" sz="1800" baseline="0" dirty="0" err="1" smtClean="0"/>
+                        <a:t>model</a:t>
+                      </a:r>
+                      <a:r>
+                        <a:rPr lang="de-DE" sz="1800" baseline="0" dirty="0" smtClean="0"/>
+                        <a:t> </a:t>
+                      </a:r>
+                      <a:r>
+                        <a:rPr lang="de-DE" sz="1800" baseline="0" dirty="0" err="1" smtClean="0"/>
+                        <a:t>for</a:t>
+                      </a:r>
+                      <a:r>
+                        <a:rPr lang="de-DE" sz="1800" baseline="0" dirty="0" smtClean="0"/>
+                        <a:t> </a:t>
+                      </a:r>
+                      <a:r>
+                        <a:rPr lang="de-DE" sz="1800" baseline="0" dirty="0" err="1" smtClean="0"/>
+                        <a:t>the</a:t>
+                      </a:r>
+                      <a:r>
+                        <a:rPr lang="de-DE" sz="1800" baseline="0" dirty="0" smtClean="0"/>
+                        <a:t> </a:t>
+                      </a:r>
+                      <a:r>
+                        <a:rPr lang="de-DE" sz="1800" baseline="0" dirty="0" err="1" smtClean="0"/>
+                        <a:t>game</a:t>
+                      </a:r>
+                      <a:endParaRPr lang="de-DE" sz="1800" baseline="0" dirty="0" smtClean="0"/>
+                    </a:p>
+                  </a:txBody>
+                  <a:tcPr/>
+                </a:tc>
+                <a:extLst>
+                  <a:ext uri="{0D108BD9-81ED-4DB2-BD59-A6C34878D82A}">
+                    <a16:rowId xmlns="" xmlns:a16="http://schemas.microsoft.com/office/drawing/2014/main" val="10002"/>
+                  </a:ext>
+                </a:extLst>
+              </a:tr>
+              <a:tr h="370840">
+                <a:tc>
+                  <a:txBody>
+                    <a:bodyPr/>
+                    <a:lstStyle/>
+                    <a:p>
+                      <a:pPr algn="l"/>
+                      <a:r>
+                        <a:rPr lang="de-DE" sz="1800" dirty="0"/>
+                        <a:t>05.26 – 06.02</a:t>
+                      </a:r>
+                    </a:p>
+                  </a:txBody>
+                  <a:tcPr/>
+                </a:tc>
+                <a:tc>
+                  <a:txBody>
+                    <a:bodyPr/>
+                    <a:lstStyle/>
+                    <a:p>
+                      <a:pPr lvl="0">
+                        <a:buFont typeface="Arial" pitchFamily="34" charset="0"/>
+                        <a:buChar char="•"/>
+                      </a:pPr>
+                      <a:r>
+                        <a:rPr lang="de-DE" sz="1800" dirty="0"/>
+                        <a:t> </a:t>
+                      </a:r>
+                      <a:r>
+                        <a:rPr lang="de-DE" sz="1800" dirty="0" err="1" smtClean="0"/>
+                        <a:t>Continue</a:t>
+                      </a:r>
+                      <a:r>
+                        <a:rPr lang="de-DE" sz="1800" dirty="0" smtClean="0"/>
+                        <a:t> </a:t>
+                      </a:r>
+                      <a:r>
+                        <a:rPr lang="de-DE" sz="1800" dirty="0" err="1" smtClean="0"/>
+                        <a:t>to</a:t>
+                      </a:r>
+                      <a:r>
+                        <a:rPr lang="de-DE" sz="1800" dirty="0" smtClean="0"/>
+                        <a:t> </a:t>
+                      </a:r>
+                      <a:r>
+                        <a:rPr lang="de-DE" sz="1800" dirty="0" err="1" smtClean="0"/>
+                        <a:t>work</a:t>
+                      </a:r>
+                      <a:r>
+                        <a:rPr lang="de-DE" sz="1800" dirty="0" smtClean="0"/>
+                        <a:t> on</a:t>
+                      </a:r>
+                      <a:r>
+                        <a:rPr lang="de-DE" sz="1800" baseline="0" dirty="0" smtClean="0"/>
+                        <a:t> prototype</a:t>
+                      </a:r>
+                      <a:endParaRPr lang="de-DE" sz="1800" dirty="0"/>
+                    </a:p>
+                  </a:txBody>
+                  <a:tcPr/>
+                </a:tc>
+                <a:extLst>
+                  <a:ext uri="{0D108BD9-81ED-4DB2-BD59-A6C34878D82A}">
+                    <a16:rowId xmlns="" xmlns:a16="http://schemas.microsoft.com/office/drawing/2014/main" val="10003"/>
+                  </a:ext>
+                </a:extLst>
+              </a:tr>
+            </a:tbl>
+          </a:graphicData>
+        </a:graphic>
+      </p:graphicFrame>
+    </p:spTree>
+    <p:extLst>
+      <p:ext uri="{BB962C8B-B14F-4D97-AF65-F5344CB8AC3E}">
+        <p14:creationId xmlns:p14="http://schemas.microsoft.com/office/powerpoint/2010/main" val="2898537935"/>
+      </p:ext>
+    </p:extLst>
+  </p:cSld>
+  <p:clrMapOvr>
+    <a:masterClrMapping/>
+  </p:clrMapOvr>
+</p:sld>
+</file>
+
+<file path=ppt/slides/slide15.xml><?xml version="1.0" encoding="utf-8"?>
+<p:sld xmlns:a="http://schemas.openxmlformats.org/drawingml/2006/main" xmlns:r="http://schemas.openxmlformats.org/officeDocument/2006/relationships" xmlns:p="http://schemas.openxmlformats.org/presentationml/2006/main">
+  <p:cSld>
+    <p:spTree>
+      <p:nvGrpSpPr>
+        <p:cNvPr id="1" name=""/>
+        <p:cNvGrpSpPr/>
+        <p:nvPr/>
+      </p:nvGrpSpPr>
+      <p:grpSpPr>
+        <a:xfrm>
+          <a:off x="0" y="0"/>
+          <a:ext cx="0" cy="0"/>
+          <a:chOff x="0" y="0"/>
+          <a:chExt cx="0" cy="0"/>
+        </a:xfrm>
+      </p:grpSpPr>
+      <p:sp>
+        <p:nvSpPr>
+          <p:cNvPr id="2" name="Titel 1"/>
+          <p:cNvSpPr>
+            <a:spLocks noGrp="1"/>
+          </p:cNvSpPr>
+          <p:nvPr>
+            <p:ph type="title"/>
+          </p:nvPr>
+        </p:nvSpPr>
+        <p:spPr/>
+        <p:txBody>
+          <a:bodyPr>
+            <a:normAutofit/>
+          </a:bodyPr>
+          <a:lstStyle/>
+          <a:p>
+            <a:pPr algn="ctr"/>
+            <a:r>
+              <a:rPr lang="de-DE" dirty="0" err="1">
+                <a:solidFill>
+                  <a:srgbClr val="FF0000"/>
+                </a:solidFill>
+              </a:rPr>
+              <a:t>Milestone</a:t>
+            </a:r>
+            <a:r>
+              <a:rPr lang="de-DE" dirty="0">
+                <a:solidFill>
+                  <a:srgbClr val="FF0000"/>
+                </a:solidFill>
+              </a:rPr>
+              <a:t> 2</a:t>
+            </a:r>
+          </a:p>
+        </p:txBody>
+      </p:sp>
+      <p:sp>
+        <p:nvSpPr>
+          <p:cNvPr id="9" name="Inhaltsplatzhalter 8"/>
+          <p:cNvSpPr>
+            <a:spLocks noGrp="1"/>
+          </p:cNvSpPr>
+          <p:nvPr>
+            <p:ph idx="1"/>
+          </p:nvPr>
+        </p:nvSpPr>
+        <p:spPr/>
+        <p:txBody>
+          <a:bodyPr>
+            <a:normAutofit/>
+          </a:bodyPr>
+          <a:lstStyle/>
+          <a:p>
+            <a:endParaRPr lang="de-DE" dirty="0"/>
+          </a:p>
+          <a:p>
+            <a:pPr>
+              <a:buNone/>
+            </a:pPr>
+            <a:endParaRPr lang="de-DE" dirty="0"/>
+          </a:p>
+          <a:p>
+            <a:endParaRPr lang="de-DE" dirty="0"/>
+          </a:p>
+        </p:txBody>
+      </p:sp>
+      <p:sp>
+        <p:nvSpPr>
+          <p:cNvPr id="11" name="Foliennummernplatzhalter 10"/>
+          <p:cNvSpPr>
+            <a:spLocks noGrp="1"/>
+          </p:cNvSpPr>
+          <p:nvPr>
+            <p:ph type="sldNum" sz="quarter" idx="12"/>
+          </p:nvPr>
+        </p:nvSpPr>
+        <p:spPr/>
+        <p:txBody>
+          <a:bodyPr/>
+          <a:lstStyle/>
+          <a:p>
+            <a:fld id="{6C6AE60A-B69C-4790-82F7-3882EDF23186}" type="slidenum">
+              <a:rPr lang="de-DE" smtClean="0"/>
+              <a:pPr/>
+              <a:t>15</a:t>
             </a:fld>
             <a:endParaRPr lang="de-DE"/>
           </a:p>
@@ -6628,14 +7189,14 @@
                 <a:gridCol w="1584176">
                   <a:extLst>
                     <a:ext uri="{9D8B030D-6E8A-4147-A177-3AD203B41FA5}">
-                      <a16:colId xmlns:a16="http://schemas.microsoft.com/office/drawing/2014/main" xmlns="" val="20000"/>
+                      <a16:colId xmlns="" xmlns:a16="http://schemas.microsoft.com/office/drawing/2014/main" val="20000"/>
                     </a:ext>
                   </a:extLst>
                 </a:gridCol>
                 <a:gridCol w="6480721">
                   <a:extLst>
                     <a:ext uri="{9D8B030D-6E8A-4147-A177-3AD203B41FA5}">
-                      <a16:colId xmlns:a16="http://schemas.microsoft.com/office/drawing/2014/main" xmlns="" val="20001"/>
+                      <a16:colId xmlns="" xmlns:a16="http://schemas.microsoft.com/office/drawing/2014/main" val="20001"/>
                     </a:ext>
                   </a:extLst>
                 </a:gridCol>
@@ -6677,7 +7238,7 @@
                 </a:tc>
                 <a:extLst>
                   <a:ext uri="{0D108BD9-81ED-4DB2-BD59-A6C34878D82A}">
-                    <a16:rowId xmlns:a16="http://schemas.microsoft.com/office/drawing/2014/main" xmlns="" val="10000"/>
+                    <a16:rowId xmlns="" xmlns:a16="http://schemas.microsoft.com/office/drawing/2014/main" val="10000"/>
                   </a:ext>
                 </a:extLst>
               </a:tr>
@@ -6849,7 +7410,7 @@
                 </a:tc>
                 <a:extLst>
                   <a:ext uri="{0D108BD9-81ED-4DB2-BD59-A6C34878D82A}">
-                    <a16:rowId xmlns:a16="http://schemas.microsoft.com/office/drawing/2014/main" xmlns="" val="10001"/>
+                    <a16:rowId xmlns="" xmlns:a16="http://schemas.microsoft.com/office/drawing/2014/main" val="10001"/>
                   </a:ext>
                 </a:extLst>
               </a:tr>
@@ -6970,7 +7531,7 @@
                 </a:tc>
                 <a:extLst>
                   <a:ext uri="{0D108BD9-81ED-4DB2-BD59-A6C34878D82A}">
-                    <a16:rowId xmlns:a16="http://schemas.microsoft.com/office/drawing/2014/main" xmlns="" val="10002"/>
+                    <a16:rowId xmlns="" xmlns:a16="http://schemas.microsoft.com/office/drawing/2014/main" val="10002"/>
                   </a:ext>
                 </a:extLst>
               </a:tr>
@@ -7059,7 +7620,7 @@
                 </a:tc>
                 <a:extLst>
                   <a:ext uri="{0D108BD9-81ED-4DB2-BD59-A6C34878D82A}">
-                    <a16:rowId xmlns:a16="http://schemas.microsoft.com/office/drawing/2014/main" xmlns="" val="10003"/>
+                    <a16:rowId xmlns="" xmlns:a16="http://schemas.microsoft.com/office/drawing/2014/main" val="10003"/>
                   </a:ext>
                 </a:extLst>
               </a:tr>
@@ -7075,7 +7636,7 @@
 </p:sld>
 </file>
 
-<file path=ppt/slides/slide15.xml><?xml version="1.0" encoding="utf-8"?>
+<file path=ppt/slides/slide16.xml><?xml version="1.0" encoding="utf-8"?>
 <p:sld xmlns:a="http://schemas.openxmlformats.org/drawingml/2006/main" xmlns:r="http://schemas.openxmlformats.org/officeDocument/2006/relationships" xmlns:p="http://schemas.openxmlformats.org/presentationml/2006/main">
   <p:cSld>
     <p:spTree>
@@ -7177,7 +7738,7 @@
             <a:fld id="{6C6AE60A-B69C-4790-82F7-3882EDF23186}" type="slidenum">
               <a:rPr lang="de-DE" smtClean="0"/>
               <a:pPr/>
-              <a:t>15</a:t>
+              <a:t>16</a:t>
             </a:fld>
             <a:endParaRPr lang="de-DE"/>
           </a:p>
@@ -7192,7 +7753,7 @@
           <p:nvPr>
             <p:extLst>
               <p:ext uri="{D42A27DB-BD31-4B8C-83A1-F6EECF244321}">
-                <p14:modId xmlns:p14="http://schemas.microsoft.com/office/powerpoint/2010/main" xmlns="" val="3528518649"/>
+                <p14:modId xmlns:p14="http://schemas.microsoft.com/office/powerpoint/2010/main" val="3528518649"/>
               </p:ext>
             </p:extLst>
           </p:nvPr>
@@ -7211,14 +7772,14 @@
                 <a:gridCol w="1584176">
                   <a:extLst>
                     <a:ext uri="{9D8B030D-6E8A-4147-A177-3AD203B41FA5}">
-                      <a16:colId xmlns:a16="http://schemas.microsoft.com/office/drawing/2014/main" xmlns="" val="20000"/>
+                      <a16:colId xmlns="" xmlns:a16="http://schemas.microsoft.com/office/drawing/2014/main" val="20000"/>
                     </a:ext>
                   </a:extLst>
                 </a:gridCol>
                 <a:gridCol w="6480721">
                   <a:extLst>
                     <a:ext uri="{9D8B030D-6E8A-4147-A177-3AD203B41FA5}">
-                      <a16:colId xmlns:a16="http://schemas.microsoft.com/office/drawing/2014/main" xmlns="" val="20001"/>
+                      <a16:colId xmlns="" xmlns:a16="http://schemas.microsoft.com/office/drawing/2014/main" val="20001"/>
                     </a:ext>
                   </a:extLst>
                 </a:gridCol>
@@ -7255,7 +7816,7 @@
                 </a:tc>
                 <a:extLst>
                   <a:ext uri="{0D108BD9-81ED-4DB2-BD59-A6C34878D82A}">
-                    <a16:rowId xmlns:a16="http://schemas.microsoft.com/office/drawing/2014/main" xmlns="" val="10000"/>
+                    <a16:rowId xmlns="" xmlns:a16="http://schemas.microsoft.com/office/drawing/2014/main" val="10000"/>
                   </a:ext>
                 </a:extLst>
               </a:tr>
@@ -7335,7 +7896,7 @@
                 </a:tc>
                 <a:extLst>
                   <a:ext uri="{0D108BD9-81ED-4DB2-BD59-A6C34878D82A}">
-                    <a16:rowId xmlns:a16="http://schemas.microsoft.com/office/drawing/2014/main" xmlns="" val="10001"/>
+                    <a16:rowId xmlns="" xmlns:a16="http://schemas.microsoft.com/office/drawing/2014/main" val="10001"/>
                   </a:ext>
                 </a:extLst>
               </a:tr>
@@ -7450,7 +8011,7 @@
                 </a:tc>
                 <a:extLst>
                   <a:ext uri="{0D108BD9-81ED-4DB2-BD59-A6C34878D82A}">
-                    <a16:rowId xmlns:a16="http://schemas.microsoft.com/office/drawing/2014/main" xmlns="" val="10002"/>
+                    <a16:rowId xmlns="" xmlns:a16="http://schemas.microsoft.com/office/drawing/2014/main" val="10002"/>
                   </a:ext>
                 </a:extLst>
               </a:tr>
@@ -7514,7 +8075,7 @@
                 </a:tc>
                 <a:extLst>
                   <a:ext uri="{0D108BD9-81ED-4DB2-BD59-A6C34878D82A}">
-                    <a16:rowId xmlns:a16="http://schemas.microsoft.com/office/drawing/2014/main" xmlns="" val="10003"/>
+                    <a16:rowId xmlns="" xmlns:a16="http://schemas.microsoft.com/office/drawing/2014/main" val="10003"/>
                   </a:ext>
                 </a:extLst>
               </a:tr>
@@ -7525,7 +8086,7 @@
     </p:spTree>
     <p:extLst>
       <p:ext uri="{BB962C8B-B14F-4D97-AF65-F5344CB8AC3E}">
-        <p14:creationId xmlns:p14="http://schemas.microsoft.com/office/powerpoint/2010/main" xmlns="" val="4058254611"/>
+        <p14:creationId xmlns:p14="http://schemas.microsoft.com/office/powerpoint/2010/main" val="4058254611"/>
       </p:ext>
     </p:extLst>
   </p:cSld>
@@ -7535,7 +8096,7 @@
 </p:sld>
 </file>
 
-<file path=ppt/slides/slide16.xml><?xml version="1.0" encoding="utf-8"?>
+<file path=ppt/slides/slide17.xml><?xml version="1.0" encoding="utf-8"?>
 <p:sld xmlns:a="http://schemas.openxmlformats.org/drawingml/2006/main" xmlns:r="http://schemas.openxmlformats.org/officeDocument/2006/relationships" xmlns:p="http://schemas.openxmlformats.org/presentationml/2006/main">
   <p:cSld>
     <p:spTree>
@@ -7637,7 +8198,7 @@
             <a:fld id="{6C6AE60A-B69C-4790-82F7-3882EDF23186}" type="slidenum">
               <a:rPr lang="de-DE" smtClean="0"/>
               <a:pPr/>
-              <a:t>16</a:t>
+              <a:t>17</a:t>
             </a:fld>
             <a:endParaRPr lang="de-DE"/>
           </a:p>
@@ -7652,7 +8213,7 @@
           <p:nvPr>
             <p:extLst>
               <p:ext uri="{D42A27DB-BD31-4B8C-83A1-F6EECF244321}">
-                <p14:modId xmlns:p14="http://schemas.microsoft.com/office/powerpoint/2010/main" xmlns="" val="3528518649"/>
+                <p14:modId xmlns:p14="http://schemas.microsoft.com/office/powerpoint/2010/main" val="3528518649"/>
               </p:ext>
             </p:extLst>
           </p:nvPr>
@@ -7671,14 +8232,14 @@
                 <a:gridCol w="1584176">
                   <a:extLst>
                     <a:ext uri="{9D8B030D-6E8A-4147-A177-3AD203B41FA5}">
-                      <a16:colId xmlns:a16="http://schemas.microsoft.com/office/drawing/2014/main" xmlns="" val="20000"/>
+                      <a16:colId xmlns="" xmlns:a16="http://schemas.microsoft.com/office/drawing/2014/main" val="20000"/>
                     </a:ext>
                   </a:extLst>
                 </a:gridCol>
                 <a:gridCol w="6480721">
                   <a:extLst>
                     <a:ext uri="{9D8B030D-6E8A-4147-A177-3AD203B41FA5}">
-                      <a16:colId xmlns:a16="http://schemas.microsoft.com/office/drawing/2014/main" xmlns="" val="20001"/>
+                      <a16:colId xmlns="" xmlns:a16="http://schemas.microsoft.com/office/drawing/2014/main" val="20001"/>
                     </a:ext>
                   </a:extLst>
                 </a:gridCol>
@@ -7716,7 +8277,7 @@
                 </a:tc>
                 <a:extLst>
                   <a:ext uri="{0D108BD9-81ED-4DB2-BD59-A6C34878D82A}">
-                    <a16:rowId xmlns:a16="http://schemas.microsoft.com/office/drawing/2014/main" xmlns="" val="10000"/>
+                    <a16:rowId xmlns="" xmlns:a16="http://schemas.microsoft.com/office/drawing/2014/main" val="10000"/>
                   </a:ext>
                 </a:extLst>
               </a:tr>
@@ -7870,7 +8431,7 @@
                 </a:tc>
                 <a:extLst>
                   <a:ext uri="{0D108BD9-81ED-4DB2-BD59-A6C34878D82A}">
-                    <a16:rowId xmlns:a16="http://schemas.microsoft.com/office/drawing/2014/main" xmlns="" val="10001"/>
+                    <a16:rowId xmlns="" xmlns:a16="http://schemas.microsoft.com/office/drawing/2014/main" val="10001"/>
                   </a:ext>
                 </a:extLst>
               </a:tr>
@@ -7945,7 +8506,7 @@
                 </a:tc>
                 <a:extLst>
                   <a:ext uri="{0D108BD9-81ED-4DB2-BD59-A6C34878D82A}">
-                    <a16:rowId xmlns:a16="http://schemas.microsoft.com/office/drawing/2014/main" xmlns="" val="10002"/>
+                    <a16:rowId xmlns="" xmlns:a16="http://schemas.microsoft.com/office/drawing/2014/main" val="10002"/>
                   </a:ext>
                 </a:extLst>
               </a:tr>
@@ -8013,7 +8574,7 @@
                 </a:tc>
                 <a:extLst>
                   <a:ext uri="{0D108BD9-81ED-4DB2-BD59-A6C34878D82A}">
-                    <a16:rowId xmlns:a16="http://schemas.microsoft.com/office/drawing/2014/main" xmlns="" val="10003"/>
+                    <a16:rowId xmlns="" xmlns:a16="http://schemas.microsoft.com/office/drawing/2014/main" val="10003"/>
                   </a:ext>
                 </a:extLst>
               </a:tr>
@@ -8024,193 +8585,9 @@
     </p:spTree>
     <p:extLst>
       <p:ext uri="{BB962C8B-B14F-4D97-AF65-F5344CB8AC3E}">
-        <p14:creationId xmlns:p14="http://schemas.microsoft.com/office/powerpoint/2010/main" xmlns="" val="4058254611"/>
+        <p14:creationId xmlns:p14="http://schemas.microsoft.com/office/powerpoint/2010/main" val="4058254611"/>
       </p:ext>
     </p:extLst>
-  </p:cSld>
-  <p:clrMapOvr>
-    <a:masterClrMapping/>
-  </p:clrMapOvr>
-</p:sld>
-</file>
-
-<file path=ppt/slides/slide17.xml><?xml version="1.0" encoding="utf-8"?>
-<p:sld xmlns:a="http://schemas.openxmlformats.org/drawingml/2006/main" xmlns:r="http://schemas.openxmlformats.org/officeDocument/2006/relationships" xmlns:p="http://schemas.openxmlformats.org/presentationml/2006/main">
-  <p:cSld>
-    <p:spTree>
-      <p:nvGrpSpPr>
-        <p:cNvPr id="1" name=""/>
-        <p:cNvGrpSpPr/>
-        <p:nvPr/>
-      </p:nvGrpSpPr>
-      <p:grpSpPr>
-        <a:xfrm>
-          <a:off x="0" y="0"/>
-          <a:ext cx="0" cy="0"/>
-          <a:chOff x="0" y="0"/>
-          <a:chExt cx="0" cy="0"/>
-        </a:xfrm>
-      </p:grpSpPr>
-      <p:sp>
-        <p:nvSpPr>
-          <p:cNvPr id="2" name="Titel 1"/>
-          <p:cNvSpPr>
-            <a:spLocks noGrp="1"/>
-          </p:cNvSpPr>
-          <p:nvPr>
-            <p:ph type="title"/>
-          </p:nvPr>
-        </p:nvSpPr>
-        <p:spPr/>
-        <p:txBody>
-          <a:bodyPr/>
-          <a:lstStyle/>
-          <a:p>
-            <a:pPr algn="ctr"/>
-            <a:r>
-              <a:rPr lang="de-DE" dirty="0" err="1">
-                <a:solidFill>
-                  <a:srgbClr val="FF0000"/>
-                </a:solidFill>
-              </a:rPr>
-              <a:t>Exams</a:t>
-            </a:r>
-            <a:endParaRPr lang="de-DE" dirty="0"/>
-          </a:p>
-        </p:txBody>
-      </p:sp>
-      <p:sp>
-        <p:nvSpPr>
-          <p:cNvPr id="3" name="Inhaltsplatzhalter 2"/>
-          <p:cNvSpPr>
-            <a:spLocks noGrp="1"/>
-          </p:cNvSpPr>
-          <p:nvPr>
-            <p:ph idx="1"/>
-          </p:nvPr>
-        </p:nvSpPr>
-        <p:spPr/>
-        <p:txBody>
-          <a:bodyPr>
-            <a:normAutofit/>
-          </a:bodyPr>
-          <a:lstStyle/>
-          <a:p>
-            <a:r>
-              <a:rPr lang="de-DE" sz="2400" dirty="0"/>
-              <a:t>16.07.2016 - 30.07.2016 </a:t>
-            </a:r>
-            <a:r>
-              <a:rPr lang="de-DE" sz="2400" dirty="0" err="1"/>
-              <a:t>and</a:t>
-            </a:r>
-            <a:r>
-              <a:rPr lang="de-DE" sz="2400" dirty="0"/>
-              <a:t> 12.09.2016 - 24.09.2016</a:t>
-            </a:r>
-          </a:p>
-          <a:p>
-            <a:pPr lvl="1"/>
-            <a:r>
-              <a:rPr lang="de-DE" dirty="0" err="1"/>
-              <a:t>Exam</a:t>
-            </a:r>
-            <a:r>
-              <a:rPr lang="de-DE" dirty="0"/>
-              <a:t> </a:t>
-            </a:r>
-            <a:r>
-              <a:rPr lang="de-DE" dirty="0" err="1"/>
-              <a:t>and</a:t>
-            </a:r>
-            <a:r>
-              <a:rPr lang="de-DE" dirty="0"/>
-              <a:t> </a:t>
-            </a:r>
-            <a:r>
-              <a:rPr lang="de-DE" dirty="0" err="1"/>
-              <a:t>preperation</a:t>
-            </a:r>
-            <a:r>
-              <a:rPr lang="de-DE" dirty="0"/>
-              <a:t> 23.06 - 30.07 </a:t>
-            </a:r>
-          </a:p>
-          <a:p>
-            <a:pPr lvl="1"/>
-            <a:r>
-              <a:rPr lang="de-DE" dirty="0"/>
-              <a:t>Sec. </a:t>
-            </a:r>
-            <a:r>
-              <a:rPr lang="de-DE" dirty="0" err="1"/>
-              <a:t>exam</a:t>
-            </a:r>
-            <a:r>
-              <a:rPr lang="de-DE" dirty="0"/>
-              <a:t> </a:t>
-            </a:r>
-            <a:r>
-              <a:rPr lang="de-DE" dirty="0" err="1"/>
-              <a:t>phase</a:t>
-            </a:r>
-            <a:r>
-              <a:rPr lang="de-DE" dirty="0"/>
-              <a:t> -&gt; individual </a:t>
-            </a:r>
-            <a:r>
-              <a:rPr lang="de-DE" dirty="0" err="1"/>
-              <a:t>schedule</a:t>
-            </a:r>
-            <a:endParaRPr lang="de-DE" dirty="0"/>
-          </a:p>
-          <a:p>
-            <a:endParaRPr lang="de-DE" dirty="0"/>
-          </a:p>
-          <a:p>
-            <a:pPr lvl="1"/>
-            <a:endParaRPr lang="de-DE" dirty="0"/>
-          </a:p>
-          <a:p>
-            <a:pPr lvl="1"/>
-            <a:endParaRPr lang="de-DE" sz="2200" dirty="0"/>
-          </a:p>
-          <a:p>
-            <a:endParaRPr lang="de-DE" sz="2400" dirty="0"/>
-          </a:p>
-          <a:p>
-            <a:endParaRPr lang="de-DE" sz="2400" dirty="0"/>
-          </a:p>
-          <a:p>
-            <a:endParaRPr lang="de-DE" dirty="0"/>
-          </a:p>
-        </p:txBody>
-      </p:sp>
-      <p:sp>
-        <p:nvSpPr>
-          <p:cNvPr id="4" name="Foliennummernplatzhalter 3"/>
-          <p:cNvSpPr>
-            <a:spLocks noGrp="1"/>
-          </p:cNvSpPr>
-          <p:nvPr>
-            <p:ph type="sldNum" sz="quarter" idx="12"/>
-          </p:nvPr>
-        </p:nvSpPr>
-        <p:spPr/>
-        <p:txBody>
-          <a:bodyPr/>
-          <a:lstStyle/>
-          <a:p>
-            <a:fld id="{6C6AE60A-B69C-4790-82F7-3882EDF23186}" type="slidenum">
-              <a:rPr lang="de-DE" smtClean="0"/>
-              <a:pPr/>
-              <a:t>17</a:t>
-            </a:fld>
-            <a:endParaRPr lang="de-DE"/>
-          </a:p>
-        </p:txBody>
-      </p:sp>
-    </p:spTree>
   </p:cSld>
   <p:clrMapOvr>
     <a:masterClrMapping/>
@@ -8267,7 +8644,7 @@
                   <a:srgbClr val="FF0000"/>
                 </a:solidFill>
               </a:rPr>
-              <a:t> 3</a:t>
+              <a:t> 2</a:t>
             </a:r>
           </a:p>
         </p:txBody>
@@ -8321,6 +8698,909 @@
               <a:rPr lang="de-DE" smtClean="0"/>
               <a:pPr/>
               <a:t>18</a:t>
+            </a:fld>
+            <a:endParaRPr lang="de-DE"/>
+          </a:p>
+        </p:txBody>
+      </p:sp>
+      <p:graphicFrame>
+        <p:nvGraphicFramePr>
+          <p:cNvPr id="8" name="Tabelle 7"/>
+          <p:cNvGraphicFramePr>
+            <a:graphicFrameLocks noGrp="1"/>
+          </p:cNvGraphicFramePr>
+          <p:nvPr>
+            <p:extLst>
+              <p:ext uri="{D42A27DB-BD31-4B8C-83A1-F6EECF244321}">
+                <p14:modId xmlns:p14="http://schemas.microsoft.com/office/powerpoint/2010/main" val="3728952247"/>
+              </p:ext>
+            </p:extLst>
+          </p:nvPr>
+        </p:nvGraphicFramePr>
+        <p:xfrm>
+          <a:off x="539552" y="1849388"/>
+          <a:ext cx="8064897" cy="2296160"/>
+        </p:xfrm>
+        <a:graphic>
+          <a:graphicData uri="http://schemas.openxmlformats.org/drawingml/2006/table">
+            <a:tbl>
+              <a:tblPr firstRow="1" bandRow="1">
+                <a:tableStyleId>{5C22544A-7EE6-4342-B048-85BDC9FD1C3A}</a:tableStyleId>
+              </a:tblPr>
+              <a:tblGrid>
+                <a:gridCol w="1584176">
+                  <a:extLst>
+                    <a:ext uri="{9D8B030D-6E8A-4147-A177-3AD203B41FA5}">
+                      <a16:colId xmlns="" xmlns:a16="http://schemas.microsoft.com/office/drawing/2014/main" val="20000"/>
+                    </a:ext>
+                  </a:extLst>
+                </a:gridCol>
+                <a:gridCol w="6480721">
+                  <a:extLst>
+                    <a:ext uri="{9D8B030D-6E8A-4147-A177-3AD203B41FA5}">
+                      <a16:colId xmlns="" xmlns:a16="http://schemas.microsoft.com/office/drawing/2014/main" val="20001"/>
+                    </a:ext>
+                  </a:extLst>
+                </a:gridCol>
+              </a:tblGrid>
+              <a:tr h="370840">
+                <a:tc>
+                  <a:txBody>
+                    <a:bodyPr/>
+                    <a:lstStyle/>
+                    <a:p>
+                      <a:pPr algn="ctr"/>
+                      <a:r>
+                        <a:rPr lang="de-DE" sz="1800" dirty="0" err="1"/>
+                        <a:t>Week</a:t>
+                      </a:r>
+                      <a:endParaRPr lang="de-DE" sz="1800" dirty="0"/>
+                    </a:p>
+                  </a:txBody>
+                  <a:tcPr/>
+                </a:tc>
+                <a:tc>
+                  <a:txBody>
+                    <a:bodyPr/>
+                    <a:lstStyle/>
+                    <a:p>
+                      <a:pPr algn="ctr"/>
+                      <a:r>
+                        <a:rPr lang="de-DE" sz="1800" dirty="0" smtClean="0"/>
+                        <a:t>Sebastian Nickel</a:t>
+                      </a:r>
+                      <a:endParaRPr lang="de-DE" sz="1800" dirty="0"/>
+                    </a:p>
+                  </a:txBody>
+                  <a:tcPr/>
+                </a:tc>
+                <a:extLst>
+                  <a:ext uri="{0D108BD9-81ED-4DB2-BD59-A6C34878D82A}">
+                    <a16:rowId xmlns="" xmlns:a16="http://schemas.microsoft.com/office/drawing/2014/main" val="10000"/>
+                  </a:ext>
+                </a:extLst>
+              </a:tr>
+              <a:tr h="370840">
+                <a:tc>
+                  <a:txBody>
+                    <a:bodyPr/>
+                    <a:lstStyle/>
+                    <a:p>
+                      <a:pPr marL="0" marR="0" indent="0" algn="l" defTabSz="914400" rtl="0" eaLnBrk="1" fontAlgn="auto" latinLnBrk="0" hangingPunct="1">
+                        <a:lnSpc>
+                          <a:spcPct val="100000"/>
+                        </a:lnSpc>
+                        <a:spcBef>
+                          <a:spcPts val="0"/>
+                        </a:spcBef>
+                        <a:spcAft>
+                          <a:spcPts val="0"/>
+                        </a:spcAft>
+                        <a:buClrTx/>
+                        <a:buSzTx/>
+                        <a:buFontTx/>
+                        <a:buNone/>
+                        <a:tabLst/>
+                        <a:defRPr/>
+                      </a:pPr>
+                      <a:r>
+                        <a:rPr lang="de-DE" sz="1800" dirty="0"/>
+                        <a:t>06.02 – 06.09</a:t>
+                      </a:r>
+                    </a:p>
+                  </a:txBody>
+                  <a:tcPr/>
+                </a:tc>
+                <a:tc>
+                  <a:txBody>
+                    <a:bodyPr/>
+                    <a:lstStyle/>
+                    <a:p>
+                      <a:pPr lvl="0">
+                        <a:buFont typeface="Arial" pitchFamily="34" charset="0"/>
+                        <a:buChar char="•"/>
+                      </a:pPr>
+                      <a:r>
+                        <a:rPr lang="de-DE" sz="1800" baseline="0" dirty="0"/>
+                        <a:t> </a:t>
+                      </a:r>
+                      <a:r>
+                        <a:rPr lang="de-DE" sz="1800" baseline="0" dirty="0" err="1" smtClean="0"/>
+                        <a:t>Increase</a:t>
+                      </a:r>
+                      <a:r>
+                        <a:rPr lang="de-DE" sz="1800" baseline="0" dirty="0" smtClean="0"/>
+                        <a:t> </a:t>
+                      </a:r>
+                      <a:r>
+                        <a:rPr lang="de-DE" sz="1800" baseline="0" dirty="0" err="1" smtClean="0"/>
+                        <a:t>flexibility</a:t>
+                      </a:r>
+                      <a:r>
+                        <a:rPr lang="de-DE" sz="1800" baseline="0" dirty="0" smtClean="0"/>
+                        <a:t> </a:t>
+                      </a:r>
+                      <a:r>
+                        <a:rPr lang="de-DE" sz="1800" baseline="0" dirty="0" err="1" smtClean="0"/>
+                        <a:t>of</a:t>
+                      </a:r>
+                      <a:r>
+                        <a:rPr lang="de-DE" sz="1800" baseline="0" dirty="0" smtClean="0"/>
+                        <a:t> </a:t>
+                      </a:r>
+                      <a:r>
+                        <a:rPr lang="de-DE" sz="1800" baseline="0" dirty="0" err="1" smtClean="0"/>
+                        <a:t>established</a:t>
+                      </a:r>
+                      <a:r>
+                        <a:rPr lang="de-DE" sz="1800" baseline="0" dirty="0" smtClean="0"/>
+                        <a:t> </a:t>
+                      </a:r>
+                      <a:r>
+                        <a:rPr lang="de-DE" sz="1800" baseline="0" dirty="0" err="1" smtClean="0"/>
+                        <a:t>fly-physics</a:t>
+                      </a:r>
+                      <a:r>
+                        <a:rPr lang="de-DE" sz="1800" baseline="0" dirty="0" smtClean="0"/>
+                        <a:t> prototype</a:t>
+                      </a:r>
+                    </a:p>
+                    <a:p>
+                      <a:pPr lvl="1">
+                        <a:buFont typeface="Arial" pitchFamily="34" charset="0"/>
+                        <a:buChar char="•"/>
+                      </a:pPr>
+                      <a:r>
+                        <a:rPr lang="de-DE" sz="1800" baseline="0" dirty="0" smtClean="0"/>
+                        <a:t> Error </a:t>
+                      </a:r>
+                      <a:r>
+                        <a:rPr lang="de-DE" sz="1800" baseline="0" dirty="0" err="1" smtClean="0"/>
+                        <a:t>tolerence</a:t>
+                      </a:r>
+                      <a:r>
+                        <a:rPr lang="de-DE" sz="1800" baseline="0" dirty="0" smtClean="0"/>
+                        <a:t>, …</a:t>
+                      </a:r>
+                      <a:endParaRPr lang="de-DE" sz="1800" baseline="0" dirty="0" smtClean="0"/>
+                    </a:p>
+                  </a:txBody>
+                  <a:tcPr/>
+                </a:tc>
+                <a:extLst>
+                  <a:ext uri="{0D108BD9-81ED-4DB2-BD59-A6C34878D82A}">
+                    <a16:rowId xmlns="" xmlns:a16="http://schemas.microsoft.com/office/drawing/2014/main" val="10001"/>
+                  </a:ext>
+                </a:extLst>
+              </a:tr>
+              <a:tr h="370840">
+                <a:tc>
+                  <a:txBody>
+                    <a:bodyPr/>
+                    <a:lstStyle/>
+                    <a:p>
+                      <a:pPr marL="0" marR="0" indent="0" algn="l" defTabSz="914400" rtl="0" eaLnBrk="1" fontAlgn="auto" latinLnBrk="0" hangingPunct="1">
+                        <a:lnSpc>
+                          <a:spcPct val="100000"/>
+                        </a:lnSpc>
+                        <a:spcBef>
+                          <a:spcPts val="0"/>
+                        </a:spcBef>
+                        <a:spcAft>
+                          <a:spcPts val="0"/>
+                        </a:spcAft>
+                        <a:buClrTx/>
+                        <a:buSzTx/>
+                        <a:buFontTx/>
+                        <a:buNone/>
+                        <a:tabLst/>
+                        <a:defRPr/>
+                      </a:pPr>
+                      <a:r>
+                        <a:rPr lang="de-DE" sz="1800" dirty="0"/>
+                        <a:t>06.09 – 06.16</a:t>
+                      </a:r>
+                    </a:p>
+                  </a:txBody>
+                  <a:tcPr/>
+                </a:tc>
+                <a:tc>
+                  <a:txBody>
+                    <a:bodyPr/>
+                    <a:lstStyle/>
+                    <a:p>
+                      <a:pPr lvl="0">
+                        <a:buFont typeface="Arial" pitchFamily="34" charset="0"/>
+                        <a:buChar char="•"/>
+                      </a:pPr>
+                      <a:r>
+                        <a:rPr lang="de-DE" sz="1800" baseline="0" dirty="0"/>
+                        <a:t> </a:t>
+                      </a:r>
+                      <a:r>
+                        <a:rPr lang="de-DE" sz="1800" baseline="0" dirty="0" smtClean="0"/>
+                        <a:t>Add </a:t>
+                      </a:r>
+                      <a:r>
+                        <a:rPr lang="de-DE" sz="1800" baseline="0" dirty="0" err="1" smtClean="0"/>
+                        <a:t>configuratable</a:t>
+                      </a:r>
+                      <a:r>
+                        <a:rPr lang="de-DE" sz="1800" baseline="0" dirty="0" smtClean="0"/>
+                        <a:t> </a:t>
+                      </a:r>
+                      <a:r>
+                        <a:rPr lang="de-DE" sz="1800" baseline="0" dirty="0" err="1" smtClean="0"/>
+                        <a:t>properties</a:t>
+                      </a:r>
+                      <a:r>
+                        <a:rPr lang="de-DE" sz="1800" baseline="0" dirty="0" smtClean="0"/>
+                        <a:t> </a:t>
+                      </a:r>
+                      <a:r>
+                        <a:rPr lang="de-DE" sz="1800" baseline="0" dirty="0" err="1" smtClean="0"/>
+                        <a:t>to</a:t>
+                      </a:r>
+                      <a:r>
+                        <a:rPr lang="de-DE" sz="1800" baseline="0" dirty="0" smtClean="0"/>
+                        <a:t> </a:t>
+                      </a:r>
+                      <a:r>
+                        <a:rPr lang="de-DE" sz="1800" baseline="0" dirty="0" err="1" smtClean="0"/>
+                        <a:t>flying</a:t>
+                      </a:r>
+                      <a:r>
+                        <a:rPr lang="de-DE" sz="1800" baseline="0" dirty="0" smtClean="0"/>
+                        <a:t>-model </a:t>
+                      </a:r>
+                      <a:r>
+                        <a:rPr lang="de-DE" sz="1800" baseline="0" dirty="0" err="1" smtClean="0"/>
+                        <a:t>for</a:t>
+                      </a:r>
+                      <a:r>
+                        <a:rPr lang="de-DE" sz="1800" baseline="0" dirty="0" smtClean="0"/>
+                        <a:t> an </a:t>
+                      </a:r>
+                      <a:r>
+                        <a:rPr lang="de-DE" sz="1800" baseline="0" dirty="0" err="1" smtClean="0"/>
+                        <a:t>even</a:t>
+                      </a:r>
+                      <a:r>
+                        <a:rPr lang="de-DE" sz="1800" baseline="0" dirty="0" smtClean="0"/>
+                        <a:t> </a:t>
+                      </a:r>
+                      <a:r>
+                        <a:rPr lang="de-DE" sz="1800" baseline="0" dirty="0" err="1" smtClean="0"/>
+                        <a:t>more</a:t>
+                      </a:r>
+                      <a:r>
+                        <a:rPr lang="de-DE" sz="1800" baseline="0" dirty="0" smtClean="0"/>
+                        <a:t> </a:t>
+                      </a:r>
+                      <a:r>
+                        <a:rPr lang="de-DE" sz="1800" baseline="0" dirty="0" err="1" smtClean="0"/>
+                        <a:t>realistic</a:t>
+                      </a:r>
+                      <a:r>
+                        <a:rPr lang="de-DE" sz="1800" baseline="0" dirty="0" smtClean="0"/>
+                        <a:t> </a:t>
+                      </a:r>
+                      <a:r>
+                        <a:rPr lang="de-DE" sz="1800" baseline="0" dirty="0" err="1" smtClean="0"/>
+                        <a:t>experience</a:t>
+                      </a:r>
+                      <a:endParaRPr lang="de-DE" sz="1800" baseline="0" dirty="0" smtClean="0"/>
+                    </a:p>
+                    <a:p>
+                      <a:pPr lvl="1">
+                        <a:buFont typeface="Arial" pitchFamily="34" charset="0"/>
+                        <a:buChar char="•"/>
+                      </a:pPr>
+                      <a:r>
+                        <a:rPr lang="de-DE" sz="1800" baseline="0" dirty="0" smtClean="0"/>
+                        <a:t> </a:t>
+                      </a:r>
+                      <a:r>
+                        <a:rPr lang="de-DE" sz="1800" baseline="0" dirty="0" err="1" smtClean="0"/>
+                        <a:t>Actual</a:t>
+                      </a:r>
+                      <a:r>
+                        <a:rPr lang="de-DE" sz="1800" baseline="0" dirty="0" smtClean="0"/>
+                        <a:t> </a:t>
+                      </a:r>
+                      <a:r>
+                        <a:rPr lang="de-DE" sz="1800" baseline="0" dirty="0" err="1" smtClean="0"/>
+                        <a:t>height</a:t>
+                      </a:r>
+                      <a:r>
+                        <a:rPr lang="de-DE" sz="1800" baseline="0" dirty="0" smtClean="0"/>
+                        <a:t> </a:t>
+                      </a:r>
+                      <a:r>
+                        <a:rPr lang="de-DE" sz="1800" baseline="0" dirty="0" err="1" smtClean="0"/>
+                        <a:t>of</a:t>
+                      </a:r>
+                      <a:r>
+                        <a:rPr lang="de-DE" sz="1800" baseline="0" dirty="0" smtClean="0"/>
+                        <a:t> </a:t>
+                      </a:r>
+                      <a:r>
+                        <a:rPr lang="de-DE" sz="1800" baseline="0" dirty="0" err="1" smtClean="0"/>
+                        <a:t>player</a:t>
+                      </a:r>
+                      <a:r>
+                        <a:rPr lang="de-DE" sz="1800" baseline="0" dirty="0" smtClean="0"/>
+                        <a:t>, </a:t>
+                      </a:r>
+                      <a:r>
+                        <a:rPr lang="de-DE" sz="1800" baseline="0" dirty="0" err="1" smtClean="0"/>
+                        <a:t>weight</a:t>
+                      </a:r>
+                      <a:r>
+                        <a:rPr lang="de-DE" sz="1800" baseline="0" dirty="0" smtClean="0"/>
+                        <a:t>, …</a:t>
+                      </a:r>
+                      <a:endParaRPr lang="de-DE" sz="1800" baseline="0" dirty="0" smtClean="0"/>
+                    </a:p>
+                  </a:txBody>
+                  <a:tcPr/>
+                </a:tc>
+                <a:extLst>
+                  <a:ext uri="{0D108BD9-81ED-4DB2-BD59-A6C34878D82A}">
+                    <a16:rowId xmlns="" xmlns:a16="http://schemas.microsoft.com/office/drawing/2014/main" val="10002"/>
+                  </a:ext>
+                </a:extLst>
+              </a:tr>
+              <a:tr h="370840">
+                <a:tc>
+                  <a:txBody>
+                    <a:bodyPr/>
+                    <a:lstStyle/>
+                    <a:p>
+                      <a:pPr marL="0" marR="0" indent="0" algn="l" defTabSz="914400" rtl="0" eaLnBrk="1" fontAlgn="auto" latinLnBrk="0" hangingPunct="1">
+                        <a:lnSpc>
+                          <a:spcPct val="100000"/>
+                        </a:lnSpc>
+                        <a:spcBef>
+                          <a:spcPts val="0"/>
+                        </a:spcBef>
+                        <a:spcAft>
+                          <a:spcPts val="0"/>
+                        </a:spcAft>
+                        <a:buClrTx/>
+                        <a:buSzTx/>
+                        <a:buFontTx/>
+                        <a:buNone/>
+                        <a:tabLst/>
+                        <a:defRPr/>
+                      </a:pPr>
+                      <a:r>
+                        <a:rPr lang="de-DE" sz="1800" dirty="0" smtClean="0"/>
+                        <a:t>06.16</a:t>
+                      </a:r>
+                      <a:r>
+                        <a:rPr lang="de-DE" sz="1800" baseline="0" dirty="0" smtClean="0"/>
+                        <a:t> – 06.23</a:t>
+                      </a:r>
+                      <a:endParaRPr lang="de-DE" sz="1800" dirty="0"/>
+                    </a:p>
+                  </a:txBody>
+                  <a:tcPr/>
+                </a:tc>
+                <a:tc>
+                  <a:txBody>
+                    <a:bodyPr/>
+                    <a:lstStyle/>
+                    <a:p>
+                      <a:pPr lvl="0">
+                        <a:buFont typeface="Arial" pitchFamily="34" charset="0"/>
+                        <a:buChar char="•"/>
+                      </a:pPr>
+                      <a:r>
+                        <a:rPr lang="de-DE" sz="1800" dirty="0"/>
+                        <a:t> </a:t>
+                      </a:r>
+                      <a:r>
+                        <a:rPr lang="en-US" sz="1800" dirty="0" smtClean="0"/>
+                        <a:t>Thorough testing of the flying</a:t>
+                      </a:r>
+                      <a:r>
+                        <a:rPr lang="en-US" sz="1800" baseline="0" dirty="0" smtClean="0"/>
+                        <a:t> physics</a:t>
+                      </a:r>
+                    </a:p>
+                  </a:txBody>
+                  <a:tcPr/>
+                </a:tc>
+                <a:extLst>
+                  <a:ext uri="{0D108BD9-81ED-4DB2-BD59-A6C34878D82A}">
+                    <a16:rowId xmlns="" xmlns:a16="http://schemas.microsoft.com/office/drawing/2014/main" val="10003"/>
+                  </a:ext>
+                </a:extLst>
+              </a:tr>
+            </a:tbl>
+          </a:graphicData>
+        </a:graphic>
+      </p:graphicFrame>
+    </p:spTree>
+    <p:extLst>
+      <p:ext uri="{BB962C8B-B14F-4D97-AF65-F5344CB8AC3E}">
+        <p14:creationId xmlns:p14="http://schemas.microsoft.com/office/powerpoint/2010/main" val="2726051080"/>
+      </p:ext>
+    </p:extLst>
+  </p:cSld>
+  <p:clrMapOvr>
+    <a:masterClrMapping/>
+  </p:clrMapOvr>
+</p:sld>
+</file>
+
+<file path=ppt/slides/slide19.xml><?xml version="1.0" encoding="utf-8"?>
+<p:sld xmlns:a="http://schemas.openxmlformats.org/drawingml/2006/main" xmlns:r="http://schemas.openxmlformats.org/officeDocument/2006/relationships" xmlns:p="http://schemas.openxmlformats.org/presentationml/2006/main">
+  <p:cSld>
+    <p:spTree>
+      <p:nvGrpSpPr>
+        <p:cNvPr id="1" name=""/>
+        <p:cNvGrpSpPr/>
+        <p:nvPr/>
+      </p:nvGrpSpPr>
+      <p:grpSpPr>
+        <a:xfrm>
+          <a:off x="0" y="0"/>
+          <a:ext cx="0" cy="0"/>
+          <a:chOff x="0" y="0"/>
+          <a:chExt cx="0" cy="0"/>
+        </a:xfrm>
+      </p:grpSpPr>
+      <p:sp>
+        <p:nvSpPr>
+          <p:cNvPr id="2" name="Titel 1"/>
+          <p:cNvSpPr>
+            <a:spLocks noGrp="1"/>
+          </p:cNvSpPr>
+          <p:nvPr>
+            <p:ph type="title"/>
+          </p:nvPr>
+        </p:nvSpPr>
+        <p:spPr/>
+        <p:txBody>
+          <a:bodyPr/>
+          <a:lstStyle/>
+          <a:p>
+            <a:pPr algn="ctr"/>
+            <a:r>
+              <a:rPr lang="de-DE" dirty="0" err="1">
+                <a:solidFill>
+                  <a:srgbClr val="FF0000"/>
+                </a:solidFill>
+              </a:rPr>
+              <a:t>Exams</a:t>
+            </a:r>
+            <a:endParaRPr lang="de-DE" dirty="0"/>
+          </a:p>
+        </p:txBody>
+      </p:sp>
+      <p:sp>
+        <p:nvSpPr>
+          <p:cNvPr id="3" name="Inhaltsplatzhalter 2"/>
+          <p:cNvSpPr>
+            <a:spLocks noGrp="1"/>
+          </p:cNvSpPr>
+          <p:nvPr>
+            <p:ph idx="1"/>
+          </p:nvPr>
+        </p:nvSpPr>
+        <p:spPr/>
+        <p:txBody>
+          <a:bodyPr>
+            <a:normAutofit/>
+          </a:bodyPr>
+          <a:lstStyle/>
+          <a:p>
+            <a:r>
+              <a:rPr lang="de-DE" sz="2400" dirty="0"/>
+              <a:t>16.07.2016 - 30.07.2016 </a:t>
+            </a:r>
+            <a:r>
+              <a:rPr lang="de-DE" sz="2400" dirty="0" err="1"/>
+              <a:t>and</a:t>
+            </a:r>
+            <a:r>
+              <a:rPr lang="de-DE" sz="2400" dirty="0"/>
+              <a:t> 12.09.2016 - 24.09.2016</a:t>
+            </a:r>
+          </a:p>
+          <a:p>
+            <a:pPr lvl="1"/>
+            <a:r>
+              <a:rPr lang="de-DE" dirty="0" err="1"/>
+              <a:t>Exam</a:t>
+            </a:r>
+            <a:r>
+              <a:rPr lang="de-DE" dirty="0"/>
+              <a:t> </a:t>
+            </a:r>
+            <a:r>
+              <a:rPr lang="de-DE" dirty="0" err="1"/>
+              <a:t>and</a:t>
+            </a:r>
+            <a:r>
+              <a:rPr lang="de-DE" dirty="0"/>
+              <a:t> </a:t>
+            </a:r>
+            <a:r>
+              <a:rPr lang="de-DE" dirty="0" err="1"/>
+              <a:t>preperation</a:t>
+            </a:r>
+            <a:r>
+              <a:rPr lang="de-DE" dirty="0"/>
+              <a:t> 23.06 - 30.07 </a:t>
+            </a:r>
+          </a:p>
+          <a:p>
+            <a:pPr lvl="1"/>
+            <a:r>
+              <a:rPr lang="de-DE" dirty="0"/>
+              <a:t>Sec. </a:t>
+            </a:r>
+            <a:r>
+              <a:rPr lang="de-DE" dirty="0" err="1"/>
+              <a:t>exam</a:t>
+            </a:r>
+            <a:r>
+              <a:rPr lang="de-DE" dirty="0"/>
+              <a:t> </a:t>
+            </a:r>
+            <a:r>
+              <a:rPr lang="de-DE" dirty="0" err="1"/>
+              <a:t>phase</a:t>
+            </a:r>
+            <a:r>
+              <a:rPr lang="de-DE" dirty="0"/>
+              <a:t> -&gt; individual </a:t>
+            </a:r>
+            <a:r>
+              <a:rPr lang="de-DE" dirty="0" err="1"/>
+              <a:t>schedule</a:t>
+            </a:r>
+            <a:endParaRPr lang="de-DE" dirty="0"/>
+          </a:p>
+          <a:p>
+            <a:endParaRPr lang="de-DE" dirty="0"/>
+          </a:p>
+          <a:p>
+            <a:pPr lvl="1"/>
+            <a:endParaRPr lang="de-DE" dirty="0"/>
+          </a:p>
+          <a:p>
+            <a:pPr lvl="1"/>
+            <a:endParaRPr lang="de-DE" sz="2200" dirty="0"/>
+          </a:p>
+          <a:p>
+            <a:endParaRPr lang="de-DE" sz="2400" dirty="0"/>
+          </a:p>
+          <a:p>
+            <a:endParaRPr lang="de-DE" sz="2400" dirty="0"/>
+          </a:p>
+          <a:p>
+            <a:endParaRPr lang="de-DE" dirty="0"/>
+          </a:p>
+        </p:txBody>
+      </p:sp>
+      <p:sp>
+        <p:nvSpPr>
+          <p:cNvPr id="4" name="Foliennummernplatzhalter 3"/>
+          <p:cNvSpPr>
+            <a:spLocks noGrp="1"/>
+          </p:cNvSpPr>
+          <p:nvPr>
+            <p:ph type="sldNum" sz="quarter" idx="12"/>
+          </p:nvPr>
+        </p:nvSpPr>
+        <p:spPr/>
+        <p:txBody>
+          <a:bodyPr/>
+          <a:lstStyle/>
+          <a:p>
+            <a:fld id="{6C6AE60A-B69C-4790-82F7-3882EDF23186}" type="slidenum">
+              <a:rPr lang="de-DE" smtClean="0"/>
+              <a:pPr/>
+              <a:t>19</a:t>
+            </a:fld>
+            <a:endParaRPr lang="de-DE"/>
+          </a:p>
+        </p:txBody>
+      </p:sp>
+    </p:spTree>
+  </p:cSld>
+  <p:clrMapOvr>
+    <a:masterClrMapping/>
+  </p:clrMapOvr>
+</p:sld>
+</file>
+
+<file path=ppt/slides/slide2.xml><?xml version="1.0" encoding="utf-8"?>
+<p:sld xmlns:a="http://schemas.openxmlformats.org/drawingml/2006/main" xmlns:r="http://schemas.openxmlformats.org/officeDocument/2006/relationships" xmlns:p="http://schemas.openxmlformats.org/presentationml/2006/main">
+  <p:cSld>
+    <p:spTree>
+      <p:nvGrpSpPr>
+        <p:cNvPr id="1" name=""/>
+        <p:cNvGrpSpPr/>
+        <p:nvPr/>
+      </p:nvGrpSpPr>
+      <p:grpSpPr>
+        <a:xfrm>
+          <a:off x="0" y="0"/>
+          <a:ext cx="0" cy="0"/>
+          <a:chOff x="0" y="0"/>
+          <a:chExt cx="0" cy="0"/>
+        </a:xfrm>
+      </p:grpSpPr>
+      <p:sp>
+        <p:nvSpPr>
+          <p:cNvPr id="2" name="Titel 1"/>
+          <p:cNvSpPr>
+            <a:spLocks noGrp="1"/>
+          </p:cNvSpPr>
+          <p:nvPr>
+            <p:ph type="title"/>
+          </p:nvPr>
+        </p:nvSpPr>
+        <p:spPr/>
+        <p:txBody>
+          <a:bodyPr>
+            <a:normAutofit/>
+          </a:bodyPr>
+          <a:lstStyle/>
+          <a:p>
+            <a:pPr algn="ctr"/>
+            <a:r>
+              <a:rPr lang="de-DE" dirty="0"/>
+              <a:t>Content</a:t>
+            </a:r>
+          </a:p>
+        </p:txBody>
+      </p:sp>
+      <p:sp>
+        <p:nvSpPr>
+          <p:cNvPr id="9" name="Inhaltsplatzhalter 8"/>
+          <p:cNvSpPr>
+            <a:spLocks noGrp="1"/>
+          </p:cNvSpPr>
+          <p:nvPr>
+            <p:ph idx="1"/>
+          </p:nvPr>
+        </p:nvSpPr>
+        <p:spPr>
+          <a:xfrm>
+            <a:off x="2915816" y="1633364"/>
+            <a:ext cx="4464496" cy="3657600"/>
+          </a:xfrm>
+        </p:spPr>
+        <p:txBody>
+          <a:bodyPr>
+            <a:normAutofit/>
+          </a:bodyPr>
+          <a:lstStyle/>
+          <a:p>
+            <a:r>
+              <a:rPr lang="de-DE" dirty="0" err="1"/>
+              <a:t>Summary</a:t>
+            </a:r>
+            <a:endParaRPr lang="de-DE" dirty="0"/>
+          </a:p>
+          <a:p>
+            <a:r>
+              <a:rPr lang="de-DE" dirty="0"/>
+              <a:t>Project </a:t>
+            </a:r>
+            <a:r>
+              <a:rPr lang="de-DE" dirty="0" err="1"/>
+              <a:t>presentation</a:t>
+            </a:r>
+            <a:r>
+              <a:rPr lang="de-DE" dirty="0"/>
+              <a:t> (pp)</a:t>
+            </a:r>
+          </a:p>
+          <a:p>
+            <a:r>
+              <a:rPr lang="de-DE" dirty="0"/>
+              <a:t>Project </a:t>
+            </a:r>
+            <a:r>
+              <a:rPr lang="de-DE" dirty="0" err="1"/>
+              <a:t>extension</a:t>
+            </a:r>
+            <a:endParaRPr lang="de-DE" dirty="0"/>
+          </a:p>
+          <a:p>
+            <a:r>
+              <a:rPr lang="de-DE" dirty="0" err="1"/>
+              <a:t>Responsibilities</a:t>
+            </a:r>
+            <a:endParaRPr lang="de-DE" dirty="0"/>
+          </a:p>
+          <a:p>
+            <a:r>
+              <a:rPr lang="de-DE" dirty="0" err="1"/>
+              <a:t>Milestones</a:t>
+            </a:r>
+            <a:endParaRPr lang="de-DE" dirty="0"/>
+          </a:p>
+          <a:p>
+            <a:r>
+              <a:rPr lang="de-DE" dirty="0" err="1"/>
+              <a:t>Risks</a:t>
+            </a:r>
+            <a:endParaRPr lang="de-DE" dirty="0"/>
+          </a:p>
+          <a:p>
+            <a:pPr>
+              <a:buNone/>
+            </a:pPr>
+            <a:endParaRPr lang="de-DE" dirty="0"/>
+          </a:p>
+          <a:p>
+            <a:endParaRPr lang="de-DE" dirty="0"/>
+          </a:p>
+        </p:txBody>
+      </p:sp>
+      <p:sp>
+        <p:nvSpPr>
+          <p:cNvPr id="11" name="Foliennummernplatzhalter 10"/>
+          <p:cNvSpPr>
+            <a:spLocks noGrp="1"/>
+          </p:cNvSpPr>
+          <p:nvPr>
+            <p:ph type="sldNum" sz="quarter" idx="12"/>
+          </p:nvPr>
+        </p:nvSpPr>
+        <p:spPr/>
+        <p:txBody>
+          <a:bodyPr/>
+          <a:lstStyle/>
+          <a:p>
+            <a:fld id="{6C6AE60A-B69C-4790-82F7-3882EDF23186}" type="slidenum">
+              <a:rPr lang="de-DE" smtClean="0"/>
+              <a:pPr/>
+              <a:t>2</a:t>
+            </a:fld>
+            <a:endParaRPr lang="de-DE"/>
+          </a:p>
+        </p:txBody>
+      </p:sp>
+    </p:spTree>
+  </p:cSld>
+  <p:clrMapOvr>
+    <a:masterClrMapping/>
+  </p:clrMapOvr>
+</p:sld>
+</file>
+
+<file path=ppt/slides/slide20.xml><?xml version="1.0" encoding="utf-8"?>
+<p:sld xmlns:a="http://schemas.openxmlformats.org/drawingml/2006/main" xmlns:r="http://schemas.openxmlformats.org/officeDocument/2006/relationships" xmlns:p="http://schemas.openxmlformats.org/presentationml/2006/main">
+  <p:cSld>
+    <p:spTree>
+      <p:nvGrpSpPr>
+        <p:cNvPr id="1" name=""/>
+        <p:cNvGrpSpPr/>
+        <p:nvPr/>
+      </p:nvGrpSpPr>
+      <p:grpSpPr>
+        <a:xfrm>
+          <a:off x="0" y="0"/>
+          <a:ext cx="0" cy="0"/>
+          <a:chOff x="0" y="0"/>
+          <a:chExt cx="0" cy="0"/>
+        </a:xfrm>
+      </p:grpSpPr>
+      <p:sp>
+        <p:nvSpPr>
+          <p:cNvPr id="2" name="Titel 1"/>
+          <p:cNvSpPr>
+            <a:spLocks noGrp="1"/>
+          </p:cNvSpPr>
+          <p:nvPr>
+            <p:ph type="title"/>
+          </p:nvPr>
+        </p:nvSpPr>
+        <p:spPr/>
+        <p:txBody>
+          <a:bodyPr>
+            <a:normAutofit/>
+          </a:bodyPr>
+          <a:lstStyle/>
+          <a:p>
+            <a:pPr algn="ctr"/>
+            <a:r>
+              <a:rPr lang="de-DE" dirty="0" err="1">
+                <a:solidFill>
+                  <a:srgbClr val="FF0000"/>
+                </a:solidFill>
+              </a:rPr>
+              <a:t>Milestone</a:t>
+            </a:r>
+            <a:r>
+              <a:rPr lang="de-DE" dirty="0">
+                <a:solidFill>
+                  <a:srgbClr val="FF0000"/>
+                </a:solidFill>
+              </a:rPr>
+              <a:t> 3</a:t>
+            </a:r>
+          </a:p>
+        </p:txBody>
+      </p:sp>
+      <p:sp>
+        <p:nvSpPr>
+          <p:cNvPr id="9" name="Inhaltsplatzhalter 8"/>
+          <p:cNvSpPr>
+            <a:spLocks noGrp="1"/>
+          </p:cNvSpPr>
+          <p:nvPr>
+            <p:ph idx="1"/>
+          </p:nvPr>
+        </p:nvSpPr>
+        <p:spPr/>
+        <p:txBody>
+          <a:bodyPr>
+            <a:normAutofit/>
+          </a:bodyPr>
+          <a:lstStyle/>
+          <a:p>
+            <a:endParaRPr lang="de-DE" dirty="0"/>
+          </a:p>
+          <a:p>
+            <a:pPr>
+              <a:buNone/>
+            </a:pPr>
+            <a:endParaRPr lang="de-DE" dirty="0"/>
+          </a:p>
+          <a:p>
+            <a:endParaRPr lang="de-DE" dirty="0"/>
+          </a:p>
+        </p:txBody>
+      </p:sp>
+      <p:sp>
+        <p:nvSpPr>
+          <p:cNvPr id="11" name="Foliennummernplatzhalter 10"/>
+          <p:cNvSpPr>
+            <a:spLocks noGrp="1"/>
+          </p:cNvSpPr>
+          <p:nvPr>
+            <p:ph type="sldNum" sz="quarter" idx="12"/>
+          </p:nvPr>
+        </p:nvSpPr>
+        <p:spPr/>
+        <p:txBody>
+          <a:bodyPr/>
+          <a:lstStyle/>
+          <a:p>
+            <a:fld id="{6C6AE60A-B69C-4790-82F7-3882EDF23186}" type="slidenum">
+              <a:rPr lang="de-DE" smtClean="0"/>
+              <a:pPr/>
+              <a:t>20</a:t>
             </a:fld>
             <a:endParaRPr lang="de-DE"/>
           </a:p>
@@ -8348,14 +9628,14 @@
                 <a:gridCol w="1584176">
                   <a:extLst>
                     <a:ext uri="{9D8B030D-6E8A-4147-A177-3AD203B41FA5}">
-                      <a16:colId xmlns:a16="http://schemas.microsoft.com/office/drawing/2014/main" xmlns="" val="20000"/>
+                      <a16:colId xmlns="" xmlns:a16="http://schemas.microsoft.com/office/drawing/2014/main" val="20000"/>
                     </a:ext>
                   </a:extLst>
                 </a:gridCol>
                 <a:gridCol w="6480721">
                   <a:extLst>
                     <a:ext uri="{9D8B030D-6E8A-4147-A177-3AD203B41FA5}">
-                      <a16:colId xmlns:a16="http://schemas.microsoft.com/office/drawing/2014/main" xmlns="" val="20001"/>
+                      <a16:colId xmlns="" xmlns:a16="http://schemas.microsoft.com/office/drawing/2014/main" val="20001"/>
                     </a:ext>
                   </a:extLst>
                 </a:gridCol>
@@ -8397,7 +9677,7 @@
                 </a:tc>
                 <a:extLst>
                   <a:ext uri="{0D108BD9-81ED-4DB2-BD59-A6C34878D82A}">
-                    <a16:rowId xmlns:a16="http://schemas.microsoft.com/office/drawing/2014/main" xmlns="" val="10000"/>
+                    <a16:rowId xmlns="" xmlns:a16="http://schemas.microsoft.com/office/drawing/2014/main" val="10000"/>
                   </a:ext>
                 </a:extLst>
               </a:tr>
@@ -8455,7 +9735,7 @@
                 </a:tc>
                 <a:extLst>
                   <a:ext uri="{0D108BD9-81ED-4DB2-BD59-A6C34878D82A}">
-                    <a16:rowId xmlns:a16="http://schemas.microsoft.com/office/drawing/2014/main" xmlns="" val="10001"/>
+                    <a16:rowId xmlns="" xmlns:a16="http://schemas.microsoft.com/office/drawing/2014/main" val="10001"/>
                   </a:ext>
                 </a:extLst>
               </a:tr>
@@ -8602,7 +9882,7 @@
                 </a:tc>
                 <a:extLst>
                   <a:ext uri="{0D108BD9-81ED-4DB2-BD59-A6C34878D82A}">
-                    <a16:rowId xmlns:a16="http://schemas.microsoft.com/office/drawing/2014/main" xmlns="" val="10002"/>
+                    <a16:rowId xmlns="" xmlns:a16="http://schemas.microsoft.com/office/drawing/2014/main" val="10002"/>
                   </a:ext>
                 </a:extLst>
               </a:tr>
@@ -8653,7 +9933,7 @@
                 </a:tc>
                 <a:extLst>
                   <a:ext uri="{0D108BD9-81ED-4DB2-BD59-A6C34878D82A}">
-                    <a16:rowId xmlns:a16="http://schemas.microsoft.com/office/drawing/2014/main" xmlns="" val="10003"/>
+                    <a16:rowId xmlns="" xmlns:a16="http://schemas.microsoft.com/office/drawing/2014/main" val="10003"/>
                   </a:ext>
                 </a:extLst>
               </a:tr>
@@ -8682,63 +9962,63 @@
                         <a:buChar char="•"/>
                       </a:pPr>
                       <a:r>
-                        <a:rPr lang="de-DE" sz="1800" dirty="0"/>
+                        <a:rPr lang="de-DE" sz="1800" dirty="0" smtClean="0"/>
                         <a:t> </a:t>
                       </a:r>
                       <a:r>
-                        <a:rPr lang="de-DE" sz="1800" dirty="0" err="1"/>
+                        <a:rPr lang="de-DE" sz="1800" dirty="0" err="1" smtClean="0"/>
                         <a:t>Buffer</a:t>
                       </a:r>
                       <a:r>
-                        <a:rPr lang="de-DE" sz="1800" baseline="0" dirty="0"/>
+                        <a:rPr lang="de-DE" sz="1800" baseline="0" dirty="0" smtClean="0"/>
                         <a:t> </a:t>
                       </a:r>
                       <a:r>
-                        <a:rPr lang="de-DE" sz="1800" baseline="0" dirty="0" err="1"/>
+                        <a:rPr lang="de-DE" sz="1800" baseline="0" dirty="0" err="1" smtClean="0"/>
                         <a:t>until</a:t>
                       </a:r>
                       <a:r>
-                        <a:rPr lang="de-DE" sz="1800" baseline="0" dirty="0"/>
+                        <a:rPr lang="de-DE" sz="1800" baseline="0" dirty="0" smtClean="0"/>
                         <a:t> </a:t>
                       </a:r>
                       <a:r>
-                        <a:rPr lang="de-DE" sz="1800" baseline="0" dirty="0" err="1"/>
+                        <a:rPr lang="de-DE" sz="1800" baseline="0" dirty="0" err="1" smtClean="0"/>
                         <a:t>project</a:t>
                       </a:r>
                       <a:r>
-                        <a:rPr lang="de-DE" sz="1800" baseline="0" dirty="0"/>
+                        <a:rPr lang="de-DE" sz="1800" baseline="0" dirty="0" smtClean="0"/>
                         <a:t> end (Fly </a:t>
                       </a:r>
                       <a:r>
-                        <a:rPr lang="de-DE" sz="1800" baseline="0" dirty="0" err="1"/>
+                        <a:rPr lang="de-DE" sz="1800" baseline="0" dirty="0" err="1" smtClean="0"/>
                         <a:t>physics</a:t>
                       </a:r>
                       <a:r>
-                        <a:rPr lang="de-DE" sz="1800" baseline="0" dirty="0"/>
+                        <a:rPr lang="de-DE" sz="1800" baseline="0" dirty="0" smtClean="0"/>
                         <a:t>, </a:t>
                       </a:r>
                       <a:r>
-                        <a:rPr lang="de-DE" sz="1800" baseline="0" dirty="0" err="1"/>
+                        <a:rPr lang="de-DE" sz="1800" baseline="0" dirty="0" err="1" smtClean="0"/>
                         <a:t>game</a:t>
                       </a:r>
                       <a:r>
-                        <a:rPr lang="de-DE" sz="1800" baseline="0" dirty="0"/>
+                        <a:rPr lang="de-DE" sz="1800" baseline="0" dirty="0" smtClean="0"/>
                         <a:t> </a:t>
                       </a:r>
                       <a:r>
-                        <a:rPr lang="de-DE" sz="1800" baseline="0" dirty="0" err="1"/>
-                        <a:t>locigs</a:t>
-                      </a:r>
-                      <a:r>
-                        <a:rPr lang="de-DE" sz="1800" baseline="0" dirty="0"/>
+                        <a:rPr lang="de-DE" sz="1800" baseline="0" dirty="0" err="1" smtClean="0"/>
+                        <a:t>logics</a:t>
+                      </a:r>
+                      <a:r>
+                        <a:rPr lang="de-DE" sz="1800" baseline="0" dirty="0" smtClean="0"/>
                         <a:t>, </a:t>
                       </a:r>
                       <a:r>
-                        <a:rPr lang="de-DE" sz="1800" baseline="0" dirty="0" err="1"/>
+                        <a:rPr lang="de-DE" sz="1800" baseline="0" dirty="0" err="1" smtClean="0"/>
                         <a:t>assistant</a:t>
                       </a:r>
                       <a:r>
-                        <a:rPr lang="de-DE" sz="1800" baseline="0" dirty="0"/>
+                        <a:rPr lang="de-DE" sz="1800" baseline="0" dirty="0" smtClean="0"/>
                         <a:t>)</a:t>
                       </a:r>
                       <a:endParaRPr lang="de-DE" sz="1800" dirty="0"/>
@@ -8748,7 +10028,7 @@
                 </a:tc>
                 <a:extLst>
                   <a:ext uri="{0D108BD9-81ED-4DB2-BD59-A6C34878D82A}">
-                    <a16:rowId xmlns:a16="http://schemas.microsoft.com/office/drawing/2014/main" xmlns="" val="10004"/>
+                    <a16:rowId xmlns="" xmlns:a16="http://schemas.microsoft.com/office/drawing/2014/main" val="10004"/>
                   </a:ext>
                 </a:extLst>
               </a:tr>
@@ -8764,7 +10044,7 @@
 </p:sld>
 </file>
 
-<file path=ppt/slides/slide19.xml><?xml version="1.0" encoding="utf-8"?>
+<file path=ppt/slides/slide21.xml><?xml version="1.0" encoding="utf-8"?>
 <p:sld xmlns:a="http://schemas.openxmlformats.org/drawingml/2006/main" xmlns:r="http://schemas.openxmlformats.org/officeDocument/2006/relationships" xmlns:p="http://schemas.openxmlformats.org/presentationml/2006/main">
   <p:cSld>
     <p:spTree>
@@ -8866,7 +10146,7 @@
             <a:fld id="{6C6AE60A-B69C-4790-82F7-3882EDF23186}" type="slidenum">
               <a:rPr lang="de-DE" smtClean="0"/>
               <a:pPr/>
-              <a:t>19</a:t>
+              <a:t>21</a:t>
             </a:fld>
             <a:endParaRPr lang="de-DE"/>
           </a:p>
@@ -8881,7 +10161,7 @@
           <p:nvPr>
             <p:extLst>
               <p:ext uri="{D42A27DB-BD31-4B8C-83A1-F6EECF244321}">
-                <p14:modId xmlns:p14="http://schemas.microsoft.com/office/powerpoint/2010/main" xmlns="" val="1031210796"/>
+                <p14:modId xmlns:p14="http://schemas.microsoft.com/office/powerpoint/2010/main" val="1031210796"/>
               </p:ext>
             </p:extLst>
           </p:nvPr>
@@ -8900,14 +10180,14 @@
                 <a:gridCol w="1584176">
                   <a:extLst>
                     <a:ext uri="{9D8B030D-6E8A-4147-A177-3AD203B41FA5}">
-                      <a16:colId xmlns:a16="http://schemas.microsoft.com/office/drawing/2014/main" xmlns="" val="20000"/>
+                      <a16:colId xmlns="" xmlns:a16="http://schemas.microsoft.com/office/drawing/2014/main" val="20000"/>
                     </a:ext>
                   </a:extLst>
                 </a:gridCol>
                 <a:gridCol w="6480721">
                   <a:extLst>
                     <a:ext uri="{9D8B030D-6E8A-4147-A177-3AD203B41FA5}">
-                      <a16:colId xmlns:a16="http://schemas.microsoft.com/office/drawing/2014/main" xmlns="" val="20001"/>
+                      <a16:colId xmlns="" xmlns:a16="http://schemas.microsoft.com/office/drawing/2014/main" val="20001"/>
                     </a:ext>
                   </a:extLst>
                 </a:gridCol>
@@ -8944,7 +10224,7 @@
                 </a:tc>
                 <a:extLst>
                   <a:ext uri="{0D108BD9-81ED-4DB2-BD59-A6C34878D82A}">
-                    <a16:rowId xmlns:a16="http://schemas.microsoft.com/office/drawing/2014/main" xmlns="" val="10000"/>
+                    <a16:rowId xmlns="" xmlns:a16="http://schemas.microsoft.com/office/drawing/2014/main" val="10000"/>
                   </a:ext>
                 </a:extLst>
               </a:tr>
@@ -8992,7 +10272,7 @@
                 </a:tc>
                 <a:extLst>
                   <a:ext uri="{0D108BD9-81ED-4DB2-BD59-A6C34878D82A}">
-                    <a16:rowId xmlns:a16="http://schemas.microsoft.com/office/drawing/2014/main" xmlns="" val="10001"/>
+                    <a16:rowId xmlns="" xmlns:a16="http://schemas.microsoft.com/office/drawing/2014/main" val="10001"/>
                   </a:ext>
                 </a:extLst>
               </a:tr>
@@ -9048,7 +10328,7 @@
                 </a:tc>
                 <a:extLst>
                   <a:ext uri="{0D108BD9-81ED-4DB2-BD59-A6C34878D82A}">
-                    <a16:rowId xmlns:a16="http://schemas.microsoft.com/office/drawing/2014/main" xmlns="" val="10002"/>
+                    <a16:rowId xmlns="" xmlns:a16="http://schemas.microsoft.com/office/drawing/2014/main" val="10002"/>
                   </a:ext>
                 </a:extLst>
               </a:tr>
@@ -9107,7 +10387,7 @@
                 </a:tc>
                 <a:extLst>
                   <a:ext uri="{0D108BD9-81ED-4DB2-BD59-A6C34878D82A}">
-                    <a16:rowId xmlns:a16="http://schemas.microsoft.com/office/drawing/2014/main" xmlns="" val="10003"/>
+                    <a16:rowId xmlns="" xmlns:a16="http://schemas.microsoft.com/office/drawing/2014/main" val="10003"/>
                   </a:ext>
                 </a:extLst>
               </a:tr>
@@ -9136,63 +10416,63 @@
                         <a:buChar char="•"/>
                       </a:pPr>
                       <a:r>
-                        <a:rPr lang="de-DE" sz="1800" dirty="0"/>
+                        <a:rPr lang="de-DE" sz="1800" dirty="0" smtClean="0"/>
                         <a:t> </a:t>
                       </a:r>
                       <a:r>
-                        <a:rPr lang="de-DE" sz="1800" dirty="0" err="1"/>
+                        <a:rPr lang="de-DE" sz="1800" dirty="0" err="1" smtClean="0"/>
                         <a:t>Buffer</a:t>
                       </a:r>
                       <a:r>
-                        <a:rPr lang="de-DE" sz="1800" baseline="0" dirty="0"/>
+                        <a:rPr lang="de-DE" sz="1800" baseline="0" dirty="0" smtClean="0"/>
                         <a:t> </a:t>
                       </a:r>
                       <a:r>
-                        <a:rPr lang="de-DE" sz="1800" baseline="0" dirty="0" err="1"/>
+                        <a:rPr lang="de-DE" sz="1800" baseline="0" dirty="0" err="1" smtClean="0"/>
                         <a:t>until</a:t>
                       </a:r>
                       <a:r>
-                        <a:rPr lang="de-DE" sz="1800" baseline="0" dirty="0"/>
+                        <a:rPr lang="de-DE" sz="1800" baseline="0" dirty="0" smtClean="0"/>
                         <a:t> </a:t>
                       </a:r>
                       <a:r>
-                        <a:rPr lang="de-DE" sz="1800" baseline="0" dirty="0" err="1"/>
+                        <a:rPr lang="de-DE" sz="1800" baseline="0" dirty="0" err="1" smtClean="0"/>
                         <a:t>project</a:t>
                       </a:r>
                       <a:r>
-                        <a:rPr lang="de-DE" sz="1800" baseline="0" dirty="0"/>
+                        <a:rPr lang="de-DE" sz="1800" baseline="0" dirty="0" smtClean="0"/>
                         <a:t> end (Fly </a:t>
                       </a:r>
                       <a:r>
-                        <a:rPr lang="de-DE" sz="1800" baseline="0" dirty="0" err="1"/>
+                        <a:rPr lang="de-DE" sz="1800" baseline="0" dirty="0" err="1" smtClean="0"/>
                         <a:t>physics</a:t>
                       </a:r>
                       <a:r>
-                        <a:rPr lang="de-DE" sz="1800" baseline="0" dirty="0"/>
+                        <a:rPr lang="de-DE" sz="1800" baseline="0" dirty="0" smtClean="0"/>
                         <a:t>, </a:t>
                       </a:r>
                       <a:r>
-                        <a:rPr lang="de-DE" sz="1800" baseline="0" dirty="0" err="1"/>
+                        <a:rPr lang="de-DE" sz="1800" baseline="0" dirty="0" err="1" smtClean="0"/>
                         <a:t>game</a:t>
                       </a:r>
                       <a:r>
-                        <a:rPr lang="de-DE" sz="1800" baseline="0" dirty="0"/>
+                        <a:rPr lang="de-DE" sz="1800" baseline="0" dirty="0" smtClean="0"/>
                         <a:t> </a:t>
                       </a:r>
                       <a:r>
-                        <a:rPr lang="de-DE" sz="1800" baseline="0" dirty="0" err="1"/>
-                        <a:t>locigs</a:t>
-                      </a:r>
-                      <a:r>
-                        <a:rPr lang="de-DE" sz="1800" baseline="0" dirty="0"/>
+                        <a:rPr lang="de-DE" sz="1800" baseline="0" dirty="0" err="1" smtClean="0"/>
+                        <a:t>logics</a:t>
+                      </a:r>
+                      <a:r>
+                        <a:rPr lang="de-DE" sz="1800" baseline="0" dirty="0" smtClean="0"/>
                         <a:t>, </a:t>
                       </a:r>
                       <a:r>
-                        <a:rPr lang="de-DE" sz="1800" baseline="0" dirty="0" err="1"/>
+                        <a:rPr lang="de-DE" sz="1800" baseline="0" dirty="0" err="1" smtClean="0"/>
                         <a:t>assistant</a:t>
                       </a:r>
                       <a:r>
-                        <a:rPr lang="de-DE" sz="1800" baseline="0" dirty="0"/>
+                        <a:rPr lang="de-DE" sz="1800" baseline="0" dirty="0" smtClean="0"/>
                         <a:t>)</a:t>
                       </a:r>
                       <a:endParaRPr lang="de-DE" sz="1800" dirty="0"/>
@@ -9202,7 +10482,7 @@
                 </a:tc>
                 <a:extLst>
                   <a:ext uri="{0D108BD9-81ED-4DB2-BD59-A6C34878D82A}">
-                    <a16:rowId xmlns:a16="http://schemas.microsoft.com/office/drawing/2014/main" xmlns="" val="10004"/>
+                    <a16:rowId xmlns="" xmlns:a16="http://schemas.microsoft.com/office/drawing/2014/main" val="10004"/>
                   </a:ext>
                 </a:extLst>
               </a:tr>
@@ -9213,7 +10493,7 @@
     </p:spTree>
     <p:extLst>
       <p:ext uri="{BB962C8B-B14F-4D97-AF65-F5344CB8AC3E}">
-        <p14:creationId xmlns:p14="http://schemas.microsoft.com/office/powerpoint/2010/main" xmlns="" val="3532623066"/>
+        <p14:creationId xmlns:p14="http://schemas.microsoft.com/office/powerpoint/2010/main" val="3532623066"/>
       </p:ext>
     </p:extLst>
   </p:cSld>
@@ -9223,7 +10503,7 @@
 </p:sld>
 </file>
 
-<file path=ppt/slides/slide2.xml><?xml version="1.0" encoding="utf-8"?>
+<file path=ppt/slides/slide22.xml><?xml version="1.0" encoding="utf-8"?>
 <p:sld xmlns:a="http://schemas.openxmlformats.org/drawingml/2006/main" xmlns:r="http://schemas.openxmlformats.org/officeDocument/2006/relationships" xmlns:p="http://schemas.openxmlformats.org/presentationml/2006/main">
   <p:cSld>
     <p:spTree>
@@ -9259,165 +10539,6 @@
           <a:p>
             <a:pPr algn="ctr"/>
             <a:r>
-              <a:rPr lang="de-DE" dirty="0"/>
-              <a:t>Content</a:t>
-            </a:r>
-          </a:p>
-        </p:txBody>
-      </p:sp>
-      <p:sp>
-        <p:nvSpPr>
-          <p:cNvPr id="9" name="Inhaltsplatzhalter 8"/>
-          <p:cNvSpPr>
-            <a:spLocks noGrp="1"/>
-          </p:cNvSpPr>
-          <p:nvPr>
-            <p:ph idx="1"/>
-          </p:nvPr>
-        </p:nvSpPr>
-        <p:spPr>
-          <a:xfrm>
-            <a:off x="2915816" y="1633364"/>
-            <a:ext cx="4464496" cy="3657600"/>
-          </a:xfrm>
-        </p:spPr>
-        <p:txBody>
-          <a:bodyPr>
-            <a:normAutofit/>
-          </a:bodyPr>
-          <a:lstStyle/>
-          <a:p>
-            <a:r>
-              <a:rPr lang="de-DE" dirty="0" err="1"/>
-              <a:t>Summary</a:t>
-            </a:r>
-            <a:endParaRPr lang="de-DE" dirty="0"/>
-          </a:p>
-          <a:p>
-            <a:r>
-              <a:rPr lang="de-DE" dirty="0"/>
-              <a:t>Project </a:t>
-            </a:r>
-            <a:r>
-              <a:rPr lang="de-DE" dirty="0" err="1"/>
-              <a:t>presentation</a:t>
-            </a:r>
-            <a:r>
-              <a:rPr lang="de-DE" dirty="0"/>
-              <a:t> (pp)</a:t>
-            </a:r>
-          </a:p>
-          <a:p>
-            <a:r>
-              <a:rPr lang="de-DE" dirty="0"/>
-              <a:t>Project </a:t>
-            </a:r>
-            <a:r>
-              <a:rPr lang="de-DE" dirty="0" err="1"/>
-              <a:t>extension</a:t>
-            </a:r>
-            <a:endParaRPr lang="de-DE" dirty="0"/>
-          </a:p>
-          <a:p>
-            <a:r>
-              <a:rPr lang="de-DE" dirty="0" err="1"/>
-              <a:t>Responsibilities</a:t>
-            </a:r>
-            <a:endParaRPr lang="de-DE" dirty="0"/>
-          </a:p>
-          <a:p>
-            <a:r>
-              <a:rPr lang="de-DE" dirty="0" err="1"/>
-              <a:t>Milestones</a:t>
-            </a:r>
-            <a:endParaRPr lang="de-DE" dirty="0"/>
-          </a:p>
-          <a:p>
-            <a:r>
-              <a:rPr lang="de-DE" dirty="0" err="1"/>
-              <a:t>Risks</a:t>
-            </a:r>
-            <a:endParaRPr lang="de-DE" dirty="0"/>
-          </a:p>
-          <a:p>
-            <a:pPr>
-              <a:buNone/>
-            </a:pPr>
-            <a:endParaRPr lang="de-DE" dirty="0"/>
-          </a:p>
-          <a:p>
-            <a:endParaRPr lang="de-DE" dirty="0"/>
-          </a:p>
-        </p:txBody>
-      </p:sp>
-      <p:sp>
-        <p:nvSpPr>
-          <p:cNvPr id="11" name="Foliennummernplatzhalter 10"/>
-          <p:cNvSpPr>
-            <a:spLocks noGrp="1"/>
-          </p:cNvSpPr>
-          <p:nvPr>
-            <p:ph type="sldNum" sz="quarter" idx="12"/>
-          </p:nvPr>
-        </p:nvSpPr>
-        <p:spPr/>
-        <p:txBody>
-          <a:bodyPr/>
-          <a:lstStyle/>
-          <a:p>
-            <a:fld id="{6C6AE60A-B69C-4790-82F7-3882EDF23186}" type="slidenum">
-              <a:rPr lang="de-DE" smtClean="0"/>
-              <a:pPr/>
-              <a:t>2</a:t>
-            </a:fld>
-            <a:endParaRPr lang="de-DE"/>
-          </a:p>
-        </p:txBody>
-      </p:sp>
-    </p:spTree>
-  </p:cSld>
-  <p:clrMapOvr>
-    <a:masterClrMapping/>
-  </p:clrMapOvr>
-</p:sld>
-</file>
-
-<file path=ppt/slides/slide20.xml><?xml version="1.0" encoding="utf-8"?>
-<p:sld xmlns:a="http://schemas.openxmlformats.org/drawingml/2006/main" xmlns:r="http://schemas.openxmlformats.org/officeDocument/2006/relationships" xmlns:p="http://schemas.openxmlformats.org/presentationml/2006/main">
-  <p:cSld>
-    <p:spTree>
-      <p:nvGrpSpPr>
-        <p:cNvPr id="1" name=""/>
-        <p:cNvGrpSpPr/>
-        <p:nvPr/>
-      </p:nvGrpSpPr>
-      <p:grpSpPr>
-        <a:xfrm>
-          <a:off x="0" y="0"/>
-          <a:ext cx="0" cy="0"/>
-          <a:chOff x="0" y="0"/>
-          <a:chExt cx="0" cy="0"/>
-        </a:xfrm>
-      </p:grpSpPr>
-      <p:sp>
-        <p:nvSpPr>
-          <p:cNvPr id="2" name="Titel 1"/>
-          <p:cNvSpPr>
-            <a:spLocks noGrp="1"/>
-          </p:cNvSpPr>
-          <p:nvPr>
-            <p:ph type="title"/>
-          </p:nvPr>
-        </p:nvSpPr>
-        <p:spPr/>
-        <p:txBody>
-          <a:bodyPr>
-            <a:normAutofit/>
-          </a:bodyPr>
-          <a:lstStyle/>
-          <a:p>
-            <a:pPr algn="ctr"/>
-            <a:r>
               <a:rPr lang="de-DE" dirty="0" err="1">
                 <a:solidFill>
                   <a:srgbClr val="FF0000"/>
@@ -9484,7 +10605,7 @@
             <a:fld id="{6C6AE60A-B69C-4790-82F7-3882EDF23186}" type="slidenum">
               <a:rPr lang="de-DE" smtClean="0"/>
               <a:pPr/>
-              <a:t>20</a:t>
+              <a:t>22</a:t>
             </a:fld>
             <a:endParaRPr lang="de-DE"/>
           </a:p>
@@ -9499,7 +10620,7 @@
           <p:nvPr>
             <p:extLst>
               <p:ext uri="{D42A27DB-BD31-4B8C-83A1-F6EECF244321}">
-                <p14:modId xmlns:p14="http://schemas.microsoft.com/office/powerpoint/2010/main" xmlns="" val="1031210796"/>
+                <p14:modId xmlns:p14="http://schemas.microsoft.com/office/powerpoint/2010/main" val="1031210796"/>
               </p:ext>
             </p:extLst>
           </p:nvPr>
@@ -9518,14 +10639,14 @@
                 <a:gridCol w="1584176">
                   <a:extLst>
                     <a:ext uri="{9D8B030D-6E8A-4147-A177-3AD203B41FA5}">
-                      <a16:colId xmlns:a16="http://schemas.microsoft.com/office/drawing/2014/main" xmlns="" val="20000"/>
+                      <a16:colId xmlns="" xmlns:a16="http://schemas.microsoft.com/office/drawing/2014/main" val="20000"/>
                     </a:ext>
                   </a:extLst>
                 </a:gridCol>
                 <a:gridCol w="6480721">
                   <a:extLst>
                     <a:ext uri="{9D8B030D-6E8A-4147-A177-3AD203B41FA5}">
-                      <a16:colId xmlns:a16="http://schemas.microsoft.com/office/drawing/2014/main" xmlns="" val="20001"/>
+                      <a16:colId xmlns="" xmlns:a16="http://schemas.microsoft.com/office/drawing/2014/main" val="20001"/>
                     </a:ext>
                   </a:extLst>
                 </a:gridCol>
@@ -9563,7 +10684,7 @@
                 </a:tc>
                 <a:extLst>
                   <a:ext uri="{0D108BD9-81ED-4DB2-BD59-A6C34878D82A}">
-                    <a16:rowId xmlns:a16="http://schemas.microsoft.com/office/drawing/2014/main" xmlns="" val="10000"/>
+                    <a16:rowId xmlns="" xmlns:a16="http://schemas.microsoft.com/office/drawing/2014/main" val="10000"/>
                   </a:ext>
                 </a:extLst>
               </a:tr>
@@ -9659,7 +10780,7 @@
                 </a:tc>
                 <a:extLst>
                   <a:ext uri="{0D108BD9-81ED-4DB2-BD59-A6C34878D82A}">
-                    <a16:rowId xmlns:a16="http://schemas.microsoft.com/office/drawing/2014/main" xmlns="" val="10001"/>
+                    <a16:rowId xmlns="" xmlns:a16="http://schemas.microsoft.com/office/drawing/2014/main" val="10001"/>
                   </a:ext>
                 </a:extLst>
               </a:tr>
@@ -9715,7 +10836,7 @@
                 </a:tc>
                 <a:extLst>
                   <a:ext uri="{0D108BD9-81ED-4DB2-BD59-A6C34878D82A}">
-                    <a16:rowId xmlns:a16="http://schemas.microsoft.com/office/drawing/2014/main" xmlns="" val="10002"/>
+                    <a16:rowId xmlns="" xmlns:a16="http://schemas.microsoft.com/office/drawing/2014/main" val="10002"/>
                   </a:ext>
                 </a:extLst>
               </a:tr>
@@ -9782,7 +10903,7 @@
                 </a:tc>
                 <a:extLst>
                   <a:ext uri="{0D108BD9-81ED-4DB2-BD59-A6C34878D82A}">
-                    <a16:rowId xmlns:a16="http://schemas.microsoft.com/office/drawing/2014/main" xmlns="" val="10003"/>
+                    <a16:rowId xmlns="" xmlns:a16="http://schemas.microsoft.com/office/drawing/2014/main" val="10003"/>
                   </a:ext>
                 </a:extLst>
               </a:tr>
@@ -9849,7 +10970,7 @@
                 </a:tc>
                 <a:extLst>
                   <a:ext uri="{0D108BD9-81ED-4DB2-BD59-A6C34878D82A}">
-                    <a16:rowId xmlns:a16="http://schemas.microsoft.com/office/drawing/2014/main" xmlns="" val="10004"/>
+                    <a16:rowId xmlns="" xmlns:a16="http://schemas.microsoft.com/office/drawing/2014/main" val="10004"/>
                   </a:ext>
                 </a:extLst>
               </a:tr>
@@ -9860,632 +10981,9 @@
     </p:spTree>
     <p:extLst>
       <p:ext uri="{BB962C8B-B14F-4D97-AF65-F5344CB8AC3E}">
-        <p14:creationId xmlns:p14="http://schemas.microsoft.com/office/powerpoint/2010/main" xmlns="" val="3532623066"/>
+        <p14:creationId xmlns:p14="http://schemas.microsoft.com/office/powerpoint/2010/main" val="3532623066"/>
       </p:ext>
     </p:extLst>
-  </p:cSld>
-  <p:clrMapOvr>
-    <a:masterClrMapping/>
-  </p:clrMapOvr>
-</p:sld>
-</file>
-
-<file path=ppt/slides/slide21.xml><?xml version="1.0" encoding="utf-8"?>
-<p:sld xmlns:a="http://schemas.openxmlformats.org/drawingml/2006/main" xmlns:r="http://schemas.openxmlformats.org/officeDocument/2006/relationships" xmlns:p="http://schemas.openxmlformats.org/presentationml/2006/main">
-  <p:cSld>
-    <p:spTree>
-      <p:nvGrpSpPr>
-        <p:cNvPr id="1" name=""/>
-        <p:cNvGrpSpPr/>
-        <p:nvPr/>
-      </p:nvGrpSpPr>
-      <p:grpSpPr>
-        <a:xfrm>
-          <a:off x="0" y="0"/>
-          <a:ext cx="0" cy="0"/>
-          <a:chOff x="0" y="0"/>
-          <a:chExt cx="0" cy="0"/>
-        </a:xfrm>
-      </p:grpSpPr>
-      <p:sp>
-        <p:nvSpPr>
-          <p:cNvPr id="2" name="Titel 1"/>
-          <p:cNvSpPr>
-            <a:spLocks noGrp="1"/>
-          </p:cNvSpPr>
-          <p:nvPr>
-            <p:ph type="title"/>
-          </p:nvPr>
-        </p:nvSpPr>
-        <p:spPr/>
-        <p:txBody>
-          <a:bodyPr>
-            <a:normAutofit/>
-          </a:bodyPr>
-          <a:lstStyle/>
-          <a:p>
-            <a:pPr algn="ctr"/>
-            <a:r>
-              <a:rPr lang="de-DE" dirty="0" err="1"/>
-              <a:t>Risks</a:t>
-            </a:r>
-            <a:endParaRPr lang="de-DE" dirty="0"/>
-          </a:p>
-        </p:txBody>
-      </p:sp>
-      <p:sp>
-        <p:nvSpPr>
-          <p:cNvPr id="9" name="Inhaltsplatzhalter 8"/>
-          <p:cNvSpPr>
-            <a:spLocks noGrp="1"/>
-          </p:cNvSpPr>
-          <p:nvPr>
-            <p:ph sz="half" idx="1"/>
-          </p:nvPr>
-        </p:nvSpPr>
-        <p:spPr/>
-        <p:txBody>
-          <a:bodyPr>
-            <a:normAutofit lnSpcReduction="10000"/>
-          </a:bodyPr>
-          <a:lstStyle/>
-          <a:p>
-            <a:r>
-              <a:rPr lang="de-DE" sz="2400" dirty="0"/>
-              <a:t>Fly </a:t>
-            </a:r>
-            <a:r>
-              <a:rPr lang="de-DE" sz="2400" dirty="0" err="1"/>
-              <a:t>physics</a:t>
-            </a:r>
-            <a:r>
-              <a:rPr lang="de-DE" sz="2400" dirty="0"/>
-              <a:t> - </a:t>
-            </a:r>
-            <a:r>
-              <a:rPr lang="de-DE" sz="2400" dirty="0" err="1"/>
-              <a:t>maths</a:t>
-            </a:r>
-            <a:r>
-              <a:rPr lang="de-DE" sz="2400" dirty="0"/>
-              <a:t> </a:t>
-            </a:r>
-            <a:r>
-              <a:rPr lang="de-DE" sz="2400" dirty="0" err="1"/>
-              <a:t>too</a:t>
-            </a:r>
-            <a:r>
-              <a:rPr lang="de-DE" sz="2400" dirty="0"/>
-              <a:t> </a:t>
-            </a:r>
-            <a:r>
-              <a:rPr lang="de-DE" sz="2400" dirty="0" err="1"/>
-              <a:t>complicated</a:t>
-            </a:r>
-            <a:r>
-              <a:rPr lang="de-DE" sz="2400" dirty="0"/>
-              <a:t>?</a:t>
-            </a:r>
-            <a:endParaRPr lang="de-DE" dirty="0"/>
-          </a:p>
-          <a:p>
-            <a:r>
-              <a:rPr lang="de-DE" sz="2400" dirty="0"/>
-              <a:t>Arm </a:t>
-            </a:r>
-            <a:r>
-              <a:rPr lang="de-DE" sz="2400" dirty="0" err="1"/>
-              <a:t>network</a:t>
-            </a:r>
-            <a:r>
-              <a:rPr lang="de-DE" sz="2400" dirty="0"/>
-              <a:t> </a:t>
-            </a:r>
-            <a:r>
-              <a:rPr lang="de-DE" sz="2400" dirty="0" err="1"/>
-              <a:t>transmission</a:t>
-            </a:r>
-            <a:endParaRPr lang="de-DE" sz="2400" dirty="0"/>
-          </a:p>
-          <a:p>
-            <a:r>
-              <a:rPr lang="de-DE" sz="2400" dirty="0"/>
-              <a:t>Post-</a:t>
-            </a:r>
-            <a:r>
-              <a:rPr lang="de-DE" sz="2400" dirty="0" err="1"/>
-              <a:t>effects</a:t>
-            </a:r>
-            <a:r>
-              <a:rPr lang="de-DE" sz="2400" dirty="0"/>
-              <a:t> (</a:t>
-            </a:r>
-            <a:r>
-              <a:rPr lang="de-DE" sz="2400" dirty="0" err="1"/>
-              <a:t>scattering</a:t>
-            </a:r>
-            <a:r>
-              <a:rPr lang="de-DE" sz="2400" dirty="0"/>
-              <a:t>, </a:t>
-            </a:r>
-            <a:r>
-              <a:rPr lang="de-DE" sz="2400" dirty="0" err="1"/>
-              <a:t>ambient</a:t>
-            </a:r>
-            <a:r>
-              <a:rPr lang="de-DE" sz="2400" dirty="0"/>
-              <a:t> </a:t>
-            </a:r>
-            <a:r>
-              <a:rPr lang="de-DE" sz="2400" dirty="0" err="1"/>
-              <a:t>occlusion</a:t>
-            </a:r>
-            <a:r>
-              <a:rPr lang="de-DE" sz="2400" dirty="0"/>
-              <a:t>)</a:t>
-            </a:r>
-          </a:p>
-          <a:p>
-            <a:r>
-              <a:rPr lang="de-DE" sz="2400" dirty="0"/>
-              <a:t>Realtime Performance </a:t>
-            </a:r>
-            <a:r>
-              <a:rPr lang="de-DE" sz="2400" dirty="0" err="1"/>
-              <a:t>Issues</a:t>
-            </a:r>
-            <a:r>
-              <a:rPr lang="de-DE" sz="2400" dirty="0"/>
-              <a:t> </a:t>
-            </a:r>
-            <a:r>
-              <a:rPr lang="de-DE" sz="2400" dirty="0" err="1"/>
-              <a:t>for</a:t>
-            </a:r>
-            <a:r>
-              <a:rPr lang="de-DE" sz="2400" dirty="0"/>
-              <a:t> </a:t>
-            </a:r>
-            <a:r>
-              <a:rPr lang="de-DE" sz="2400" dirty="0" err="1"/>
-              <a:t>slower</a:t>
-            </a:r>
-            <a:r>
-              <a:rPr lang="de-DE" sz="2400" dirty="0"/>
-              <a:t> PCs (Graphics Settings?)</a:t>
-            </a:r>
-          </a:p>
-          <a:p>
-            <a:r>
-              <a:rPr lang="de-DE" sz="2400" dirty="0"/>
-              <a:t>AR Performance Problems</a:t>
-            </a:r>
-            <a:endParaRPr lang="de-DE" dirty="0"/>
-          </a:p>
-          <a:p>
-            <a:pPr>
-              <a:buNone/>
-            </a:pPr>
-            <a:endParaRPr lang="de-DE" dirty="0"/>
-          </a:p>
-          <a:p>
-            <a:pPr>
-              <a:buNone/>
-            </a:pPr>
-            <a:endParaRPr lang="de-DE" dirty="0"/>
-          </a:p>
-          <a:p>
-            <a:pPr>
-              <a:buNone/>
-            </a:pPr>
-            <a:endParaRPr lang="de-DE" dirty="0"/>
-          </a:p>
-          <a:p>
-            <a:endParaRPr lang="de-DE" dirty="0"/>
-          </a:p>
-        </p:txBody>
-      </p:sp>
-      <p:sp>
-        <p:nvSpPr>
-          <p:cNvPr id="7" name="Inhaltsplatzhalter 6"/>
-          <p:cNvSpPr>
-            <a:spLocks noGrp="1"/>
-          </p:cNvSpPr>
-          <p:nvPr>
-            <p:ph sz="half" idx="2"/>
-          </p:nvPr>
-        </p:nvSpPr>
-        <p:spPr/>
-        <p:txBody>
-          <a:bodyPr>
-            <a:normAutofit lnSpcReduction="10000"/>
-          </a:bodyPr>
-          <a:lstStyle/>
-          <a:p>
-            <a:r>
-              <a:rPr lang="de-DE" sz="2400" dirty="0" err="1"/>
-              <a:t>Menues</a:t>
-            </a:r>
-            <a:r>
-              <a:rPr lang="de-DE" sz="2400" dirty="0"/>
-              <a:t> (</a:t>
-            </a:r>
-            <a:r>
-              <a:rPr lang="de-DE" sz="2400" dirty="0" err="1"/>
-              <a:t>Oculus</a:t>
-            </a:r>
-            <a:r>
-              <a:rPr lang="de-DE" sz="2400" dirty="0"/>
-              <a:t>)</a:t>
-            </a:r>
-          </a:p>
-          <a:p>
-            <a:r>
-              <a:rPr lang="de-DE" sz="2400" dirty="0" err="1"/>
-              <a:t>Guesture</a:t>
-            </a:r>
-            <a:r>
-              <a:rPr lang="de-DE" sz="2400" dirty="0"/>
-              <a:t> </a:t>
-            </a:r>
-            <a:r>
-              <a:rPr lang="de-DE" sz="2400" dirty="0" err="1"/>
-              <a:t>control</a:t>
-            </a:r>
-            <a:r>
-              <a:rPr lang="de-DE" sz="2400" dirty="0"/>
-              <a:t> </a:t>
-            </a:r>
-            <a:r>
-              <a:rPr lang="de-DE" sz="2400" dirty="0" err="1"/>
-              <a:t>problems</a:t>
-            </a:r>
-            <a:r>
-              <a:rPr lang="de-DE" sz="2400" dirty="0"/>
-              <a:t> (APIs </a:t>
-            </a:r>
-            <a:r>
-              <a:rPr lang="de-DE" sz="2400" dirty="0" err="1"/>
-              <a:t>for</a:t>
-            </a:r>
-            <a:r>
-              <a:rPr lang="de-DE" sz="2400" dirty="0"/>
-              <a:t> Vive not </a:t>
-            </a:r>
-            <a:r>
-              <a:rPr lang="de-DE" sz="2400" dirty="0" err="1"/>
-              <a:t>tested</a:t>
-            </a:r>
-            <a:r>
-              <a:rPr lang="de-DE" sz="2400" dirty="0"/>
-              <a:t> </a:t>
-            </a:r>
-            <a:r>
-              <a:rPr lang="de-DE" sz="2400" dirty="0" err="1"/>
-              <a:t>yet</a:t>
-            </a:r>
-            <a:r>
-              <a:rPr lang="de-DE" sz="2400" dirty="0"/>
-              <a:t>, </a:t>
-            </a:r>
-            <a:r>
-              <a:rPr lang="de-DE" sz="2400" dirty="0" err="1"/>
-              <a:t>currently</a:t>
-            </a:r>
-            <a:r>
-              <a:rPr lang="de-DE" sz="2400" dirty="0"/>
-              <a:t> </a:t>
-            </a:r>
-            <a:r>
-              <a:rPr lang="de-DE" sz="2400" dirty="0" err="1"/>
-              <a:t>unstable</a:t>
-            </a:r>
-            <a:r>
-              <a:rPr lang="de-DE" sz="2400" dirty="0"/>
-              <a:t> APIs </a:t>
-            </a:r>
-            <a:r>
-              <a:rPr lang="de-DE" sz="2400" dirty="0" err="1"/>
-              <a:t>for</a:t>
-            </a:r>
-            <a:r>
-              <a:rPr lang="de-DE" sz="2400" dirty="0"/>
-              <a:t> Kinect?)</a:t>
-            </a:r>
-          </a:p>
-          <a:p>
-            <a:r>
-              <a:rPr lang="de-DE" sz="2400" dirty="0" err="1"/>
-              <a:t>Suitable</a:t>
-            </a:r>
-            <a:r>
-              <a:rPr lang="de-DE" sz="2400" dirty="0"/>
-              <a:t> </a:t>
-            </a:r>
-            <a:r>
-              <a:rPr lang="de-DE" sz="2400" dirty="0" err="1"/>
-              <a:t>for</a:t>
-            </a:r>
-            <a:r>
-              <a:rPr lang="de-DE" sz="2400" dirty="0"/>
-              <a:t> HS-</a:t>
-            </a:r>
-            <a:r>
-              <a:rPr lang="de-DE" sz="2400" dirty="0" err="1"/>
-              <a:t>Lan</a:t>
-            </a:r>
-            <a:r>
-              <a:rPr lang="de-DE" sz="2400" dirty="0"/>
-              <a:t> </a:t>
-            </a:r>
-            <a:r>
-              <a:rPr lang="de-DE" sz="2400" dirty="0" err="1"/>
-              <a:t>and</a:t>
-            </a:r>
-            <a:r>
-              <a:rPr lang="de-DE" sz="2400" dirty="0"/>
-              <a:t> Open-Lab</a:t>
-            </a:r>
-          </a:p>
-          <a:p>
-            <a:r>
-              <a:rPr lang="de-DE" sz="2400" dirty="0" err="1"/>
-              <a:t>Ofc</a:t>
-            </a:r>
-            <a:r>
-              <a:rPr lang="de-DE" sz="2400" dirty="0"/>
-              <a:t>: </a:t>
-            </a:r>
-            <a:r>
-              <a:rPr lang="de-DE" sz="2400" dirty="0" err="1"/>
-              <a:t>Illness</a:t>
-            </a:r>
-            <a:r>
-              <a:rPr lang="de-DE" sz="2400" dirty="0"/>
-              <a:t> </a:t>
-            </a:r>
-            <a:r>
-              <a:rPr lang="de-DE" sz="2400" dirty="0" err="1"/>
-              <a:t>of</a:t>
-            </a:r>
-            <a:r>
-              <a:rPr lang="de-DE" sz="2400" dirty="0"/>
-              <a:t> Project Members (</a:t>
-            </a:r>
-            <a:r>
-              <a:rPr lang="de-DE" sz="2400" dirty="0" err="1"/>
-              <a:t>workload</a:t>
-            </a:r>
-            <a:r>
-              <a:rPr lang="de-DE" sz="2400" dirty="0"/>
-              <a:t> </a:t>
-            </a:r>
-            <a:r>
-              <a:rPr lang="de-DE" sz="2400" dirty="0" err="1"/>
-              <a:t>balancing</a:t>
-            </a:r>
-            <a:r>
-              <a:rPr lang="de-DE" sz="2400" dirty="0"/>
-              <a:t>)</a:t>
-            </a:r>
-          </a:p>
-          <a:p>
-            <a:pPr>
-              <a:buNone/>
-            </a:pPr>
-            <a:endParaRPr lang="de-DE" sz="2400" dirty="0"/>
-          </a:p>
-        </p:txBody>
-      </p:sp>
-      <p:sp>
-        <p:nvSpPr>
-          <p:cNvPr id="11" name="Foliennummernplatzhalter 10"/>
-          <p:cNvSpPr>
-            <a:spLocks noGrp="1"/>
-          </p:cNvSpPr>
-          <p:nvPr>
-            <p:ph type="sldNum" sz="quarter" idx="12"/>
-          </p:nvPr>
-        </p:nvSpPr>
-        <p:spPr/>
-        <p:txBody>
-          <a:bodyPr/>
-          <a:lstStyle/>
-          <a:p>
-            <a:fld id="{6C6AE60A-B69C-4790-82F7-3882EDF23186}" type="slidenum">
-              <a:rPr lang="de-DE" smtClean="0"/>
-              <a:pPr/>
-              <a:t>21</a:t>
-            </a:fld>
-            <a:endParaRPr lang="de-DE"/>
-          </a:p>
-        </p:txBody>
-      </p:sp>
-    </p:spTree>
-  </p:cSld>
-  <p:clrMapOvr>
-    <a:masterClrMapping/>
-  </p:clrMapOvr>
-</p:sld>
-</file>
-
-<file path=ppt/slides/slide22.xml><?xml version="1.0" encoding="utf-8"?>
-<p:sld xmlns:a="http://schemas.openxmlformats.org/drawingml/2006/main" xmlns:r="http://schemas.openxmlformats.org/officeDocument/2006/relationships" xmlns:p="http://schemas.openxmlformats.org/presentationml/2006/main">
-  <p:cSld>
-    <p:spTree>
-      <p:nvGrpSpPr>
-        <p:cNvPr id="1" name=""/>
-        <p:cNvGrpSpPr/>
-        <p:nvPr/>
-      </p:nvGrpSpPr>
-      <p:grpSpPr>
-        <a:xfrm>
-          <a:off x="0" y="0"/>
-          <a:ext cx="0" cy="0"/>
-          <a:chOff x="0" y="0"/>
-          <a:chExt cx="0" cy="0"/>
-        </a:xfrm>
-      </p:grpSpPr>
-      <p:sp>
-        <p:nvSpPr>
-          <p:cNvPr id="2" name="Titel 1"/>
-          <p:cNvSpPr>
-            <a:spLocks noGrp="1"/>
-          </p:cNvSpPr>
-          <p:nvPr>
-            <p:ph type="title"/>
-          </p:nvPr>
-        </p:nvSpPr>
-        <p:spPr/>
-        <p:txBody>
-          <a:bodyPr>
-            <a:normAutofit/>
-          </a:bodyPr>
-          <a:lstStyle/>
-          <a:p>
-            <a:pPr algn="ctr"/>
-            <a:r>
-              <a:rPr lang="de-DE" dirty="0" err="1"/>
-              <a:t>Github</a:t>
-            </a:r>
-            <a:r>
-              <a:rPr lang="de-DE" dirty="0"/>
-              <a:t> Version </a:t>
-            </a:r>
-            <a:r>
-              <a:rPr lang="de-DE" dirty="0" err="1"/>
-              <a:t>Control</a:t>
-            </a:r>
-            <a:endParaRPr lang="de-DE" dirty="0"/>
-          </a:p>
-        </p:txBody>
-      </p:sp>
-      <p:sp>
-        <p:nvSpPr>
-          <p:cNvPr id="9" name="Inhaltsplatzhalter 8"/>
-          <p:cNvSpPr>
-            <a:spLocks noGrp="1"/>
-          </p:cNvSpPr>
-          <p:nvPr>
-            <p:ph sz="half" idx="1"/>
-          </p:nvPr>
-        </p:nvSpPr>
-        <p:spPr>
-          <a:xfrm>
-            <a:off x="457200" y="1600071"/>
-            <a:ext cx="8219256" cy="3695700"/>
-          </a:xfrm>
-        </p:spPr>
-        <p:txBody>
-          <a:bodyPr>
-            <a:normAutofit/>
-          </a:bodyPr>
-          <a:lstStyle/>
-          <a:p>
-            <a:endParaRPr lang="de-DE" dirty="0">
-              <a:hlinkClick r:id="rId2"/>
-            </a:endParaRPr>
-          </a:p>
-          <a:p>
-            <a:r>
-              <a:rPr lang="de-DE" dirty="0"/>
-              <a:t>Old </a:t>
-            </a:r>
-            <a:r>
-              <a:rPr lang="de-DE" dirty="0" err="1"/>
-              <a:t>project</a:t>
-            </a:r>
-            <a:r>
-              <a:rPr lang="de-DE" dirty="0"/>
-              <a:t> </a:t>
-            </a:r>
-            <a:r>
-              <a:rPr lang="de-DE" dirty="0" err="1"/>
-              <a:t>source</a:t>
-            </a:r>
-            <a:endParaRPr lang="de-DE" dirty="0">
-              <a:hlinkClick r:id="rId2"/>
-            </a:endParaRPr>
-          </a:p>
-          <a:p>
-            <a:pPr algn="ctr">
-              <a:buNone/>
-            </a:pPr>
-            <a:r>
-              <a:rPr lang="de-DE" dirty="0">
-                <a:hlinkClick r:id="rId3"/>
-              </a:rPr>
-              <a:t>https://github.com/andreasdietze/Rift-Wingsuit.git</a:t>
-            </a:r>
-            <a:endParaRPr lang="de-DE" dirty="0"/>
-          </a:p>
-          <a:p>
-            <a:pPr algn="ctr">
-              <a:buNone/>
-            </a:pPr>
-            <a:endParaRPr lang="de-DE" dirty="0"/>
-          </a:p>
-          <a:p>
-            <a:r>
-              <a:rPr lang="de-DE" dirty="0"/>
-              <a:t>New </a:t>
-            </a:r>
-            <a:r>
-              <a:rPr lang="de-DE" dirty="0" err="1"/>
-              <a:t>project</a:t>
-            </a:r>
-            <a:r>
-              <a:rPr lang="de-DE" dirty="0"/>
-              <a:t> </a:t>
-            </a:r>
-            <a:r>
-              <a:rPr lang="de-DE" dirty="0" err="1"/>
-              <a:t>source</a:t>
-            </a:r>
-            <a:endParaRPr lang="de-DE" dirty="0"/>
-          </a:p>
-          <a:p>
-            <a:pPr algn="ctr">
-              <a:buNone/>
-            </a:pPr>
-            <a:r>
-              <a:rPr lang="de-DE" dirty="0">
-                <a:hlinkClick r:id="rId4"/>
-              </a:rPr>
-              <a:t>https://github.com/andreasdietze/Rift-WingsuitV2.git</a:t>
-            </a:r>
-            <a:endParaRPr lang="de-DE" dirty="0"/>
-          </a:p>
-          <a:p>
-            <a:endParaRPr lang="de-DE" dirty="0"/>
-          </a:p>
-        </p:txBody>
-      </p:sp>
-      <p:sp>
-        <p:nvSpPr>
-          <p:cNvPr id="11" name="Foliennummernplatzhalter 10"/>
-          <p:cNvSpPr>
-            <a:spLocks noGrp="1"/>
-          </p:cNvSpPr>
-          <p:nvPr>
-            <p:ph type="sldNum" sz="quarter" idx="12"/>
-          </p:nvPr>
-        </p:nvSpPr>
-        <p:spPr/>
-        <p:txBody>
-          <a:bodyPr/>
-          <a:lstStyle/>
-          <a:p>
-            <a:fld id="{6C6AE60A-B69C-4790-82F7-3882EDF23186}" type="slidenum">
-              <a:rPr lang="de-DE" smtClean="0"/>
-              <a:pPr/>
-              <a:t>22</a:t>
-            </a:fld>
-            <a:endParaRPr lang="de-DE"/>
-          </a:p>
-        </p:txBody>
-      </p:sp>
-    </p:spTree>
   </p:cSld>
   <p:clrMapOvr>
     <a:masterClrMapping/>
@@ -10512,6 +11010,1262 @@
       </p:grpSpPr>
       <p:sp>
         <p:nvSpPr>
+          <p:cNvPr id="2" name="Titel 1"/>
+          <p:cNvSpPr>
+            <a:spLocks noGrp="1"/>
+          </p:cNvSpPr>
+          <p:nvPr>
+            <p:ph type="title"/>
+          </p:nvPr>
+        </p:nvSpPr>
+        <p:spPr/>
+        <p:txBody>
+          <a:bodyPr>
+            <a:normAutofit/>
+          </a:bodyPr>
+          <a:lstStyle/>
+          <a:p>
+            <a:pPr algn="ctr"/>
+            <a:r>
+              <a:rPr lang="de-DE" dirty="0" err="1">
+                <a:solidFill>
+                  <a:srgbClr val="FF0000"/>
+                </a:solidFill>
+              </a:rPr>
+              <a:t>Milestone</a:t>
+            </a:r>
+            <a:r>
+              <a:rPr lang="de-DE" dirty="0">
+                <a:solidFill>
+                  <a:srgbClr val="FF0000"/>
+                </a:solidFill>
+              </a:rPr>
+              <a:t> 3</a:t>
+            </a:r>
+          </a:p>
+        </p:txBody>
+      </p:sp>
+      <p:sp>
+        <p:nvSpPr>
+          <p:cNvPr id="9" name="Inhaltsplatzhalter 8"/>
+          <p:cNvSpPr>
+            <a:spLocks noGrp="1"/>
+          </p:cNvSpPr>
+          <p:nvPr>
+            <p:ph idx="1"/>
+          </p:nvPr>
+        </p:nvSpPr>
+        <p:spPr/>
+        <p:txBody>
+          <a:bodyPr>
+            <a:normAutofit/>
+          </a:bodyPr>
+          <a:lstStyle/>
+          <a:p>
+            <a:endParaRPr lang="de-DE" dirty="0"/>
+          </a:p>
+          <a:p>
+            <a:pPr>
+              <a:buNone/>
+            </a:pPr>
+            <a:endParaRPr lang="de-DE" dirty="0"/>
+          </a:p>
+          <a:p>
+            <a:endParaRPr lang="de-DE" dirty="0"/>
+          </a:p>
+        </p:txBody>
+      </p:sp>
+      <p:sp>
+        <p:nvSpPr>
+          <p:cNvPr id="11" name="Foliennummernplatzhalter 10"/>
+          <p:cNvSpPr>
+            <a:spLocks noGrp="1"/>
+          </p:cNvSpPr>
+          <p:nvPr>
+            <p:ph type="sldNum" sz="quarter" idx="12"/>
+          </p:nvPr>
+        </p:nvSpPr>
+        <p:spPr/>
+        <p:txBody>
+          <a:bodyPr/>
+          <a:lstStyle/>
+          <a:p>
+            <a:fld id="{6C6AE60A-B69C-4790-82F7-3882EDF23186}" type="slidenum">
+              <a:rPr lang="de-DE" smtClean="0"/>
+              <a:pPr/>
+              <a:t>23</a:t>
+            </a:fld>
+            <a:endParaRPr lang="de-DE"/>
+          </a:p>
+        </p:txBody>
+      </p:sp>
+      <p:graphicFrame>
+        <p:nvGraphicFramePr>
+          <p:cNvPr id="8" name="Tabelle 7"/>
+          <p:cNvGraphicFramePr>
+            <a:graphicFrameLocks noGrp="1"/>
+          </p:cNvGraphicFramePr>
+          <p:nvPr>
+            <p:extLst>
+              <p:ext uri="{D42A27DB-BD31-4B8C-83A1-F6EECF244321}">
+                <p14:modId xmlns:p14="http://schemas.microsoft.com/office/powerpoint/2010/main" val="3016841426"/>
+              </p:ext>
+            </p:extLst>
+          </p:nvPr>
+        </p:nvGraphicFramePr>
+        <p:xfrm>
+          <a:off x="539552" y="1849388"/>
+          <a:ext cx="8064897" cy="2123440"/>
+        </p:xfrm>
+        <a:graphic>
+          <a:graphicData uri="http://schemas.openxmlformats.org/drawingml/2006/table">
+            <a:tbl>
+              <a:tblPr firstRow="1" bandRow="1">
+                <a:tableStyleId>{5C22544A-7EE6-4342-B048-85BDC9FD1C3A}</a:tableStyleId>
+              </a:tblPr>
+              <a:tblGrid>
+                <a:gridCol w="1584176">
+                  <a:extLst>
+                    <a:ext uri="{9D8B030D-6E8A-4147-A177-3AD203B41FA5}">
+                      <a16:colId xmlns="" xmlns:a16="http://schemas.microsoft.com/office/drawing/2014/main" val="20000"/>
+                    </a:ext>
+                  </a:extLst>
+                </a:gridCol>
+                <a:gridCol w="6480721">
+                  <a:extLst>
+                    <a:ext uri="{9D8B030D-6E8A-4147-A177-3AD203B41FA5}">
+                      <a16:colId xmlns="" xmlns:a16="http://schemas.microsoft.com/office/drawing/2014/main" val="20001"/>
+                    </a:ext>
+                  </a:extLst>
+                </a:gridCol>
+              </a:tblGrid>
+              <a:tr h="370840">
+                <a:tc>
+                  <a:txBody>
+                    <a:bodyPr/>
+                    <a:lstStyle/>
+                    <a:p>
+                      <a:pPr algn="ctr"/>
+                      <a:r>
+                        <a:rPr lang="de-DE" sz="1800" dirty="0" err="1"/>
+                        <a:t>Week</a:t>
+                      </a:r>
+                      <a:endParaRPr lang="de-DE" sz="1800" dirty="0"/>
+                    </a:p>
+                  </a:txBody>
+                  <a:tcPr/>
+                </a:tc>
+                <a:tc>
+                  <a:txBody>
+                    <a:bodyPr/>
+                    <a:lstStyle/>
+                    <a:p>
+                      <a:pPr algn="ctr"/>
+                      <a:r>
+                        <a:rPr lang="de-DE" sz="1800" dirty="0" smtClean="0"/>
+                        <a:t>Sebastian</a:t>
+                      </a:r>
+                      <a:r>
+                        <a:rPr lang="de-DE" sz="1800" baseline="0" dirty="0" smtClean="0"/>
+                        <a:t> Nickel</a:t>
+                      </a:r>
+                      <a:endParaRPr lang="de-DE" sz="1800" dirty="0"/>
+                    </a:p>
+                  </a:txBody>
+                  <a:tcPr/>
+                </a:tc>
+                <a:extLst>
+                  <a:ext uri="{0D108BD9-81ED-4DB2-BD59-A6C34878D82A}">
+                    <a16:rowId xmlns="" xmlns:a16="http://schemas.microsoft.com/office/drawing/2014/main" val="10000"/>
+                  </a:ext>
+                </a:extLst>
+              </a:tr>
+              <a:tr h="370840">
+                <a:tc>
+                  <a:txBody>
+                    <a:bodyPr/>
+                    <a:lstStyle/>
+                    <a:p>
+                      <a:pPr algn="l"/>
+                      <a:r>
+                        <a:rPr lang="de-DE" sz="1800" dirty="0"/>
+                        <a:t>08.01</a:t>
+                      </a:r>
+                      <a:r>
+                        <a:rPr lang="de-DE" sz="1800" baseline="0" dirty="0"/>
+                        <a:t> – 08.08</a:t>
+                      </a:r>
+                      <a:endParaRPr lang="de-DE" sz="1800" dirty="0"/>
+                    </a:p>
+                  </a:txBody>
+                  <a:tcPr/>
+                </a:tc>
+                <a:tc>
+                  <a:txBody>
+                    <a:bodyPr/>
+                    <a:lstStyle/>
+                    <a:p>
+                      <a:pPr marL="0" marR="0" lvl="0" indent="0" algn="l" defTabSz="914400" rtl="0" eaLnBrk="1" fontAlgn="auto" latinLnBrk="0" hangingPunct="1">
+                        <a:lnSpc>
+                          <a:spcPct val="100000"/>
+                        </a:lnSpc>
+                        <a:spcBef>
+                          <a:spcPts val="0"/>
+                        </a:spcBef>
+                        <a:spcAft>
+                          <a:spcPts val="0"/>
+                        </a:spcAft>
+                        <a:buClrTx/>
+                        <a:buSzTx/>
+                        <a:buFont typeface="Arial" pitchFamily="34" charset="0"/>
+                        <a:buChar char="•"/>
+                        <a:tabLst/>
+                        <a:defRPr/>
+                      </a:pPr>
+                      <a:r>
+                        <a:rPr lang="de-DE" sz="1800" dirty="0"/>
+                        <a:t> </a:t>
+                      </a:r>
+                      <a:r>
+                        <a:rPr lang="en-US" sz="1800" dirty="0" smtClean="0"/>
+                        <a:t>Evaluation</a:t>
+                      </a:r>
+                      <a:r>
+                        <a:rPr lang="en-US" sz="1800" baseline="0" dirty="0" smtClean="0"/>
+                        <a:t> of </a:t>
+                      </a:r>
+                      <a:r>
+                        <a:rPr lang="en-US" sz="1800" dirty="0" smtClean="0"/>
+                        <a:t>“Freenect2”,</a:t>
+                      </a:r>
+                      <a:r>
+                        <a:rPr lang="en-US" sz="1800" baseline="0" dirty="0" smtClean="0"/>
+                        <a:t> an open-source KinectV2 driver</a:t>
+                      </a:r>
+                      <a:endParaRPr lang="de-DE" sz="1800" dirty="0" smtClean="0"/>
+                    </a:p>
+                  </a:txBody>
+                  <a:tcPr/>
+                </a:tc>
+                <a:extLst>
+                  <a:ext uri="{0D108BD9-81ED-4DB2-BD59-A6C34878D82A}">
+                    <a16:rowId xmlns="" xmlns:a16="http://schemas.microsoft.com/office/drawing/2014/main" val="10001"/>
+                  </a:ext>
+                </a:extLst>
+              </a:tr>
+              <a:tr h="370840">
+                <a:tc>
+                  <a:txBody>
+                    <a:bodyPr/>
+                    <a:lstStyle/>
+                    <a:p>
+                      <a:pPr algn="l"/>
+                      <a:r>
+                        <a:rPr lang="de-DE" sz="1800" dirty="0"/>
+                        <a:t>08.08 – 08.16</a:t>
+                      </a:r>
+                    </a:p>
+                  </a:txBody>
+                  <a:tcPr/>
+                </a:tc>
+                <a:tc>
+                  <a:txBody>
+                    <a:bodyPr/>
+                    <a:lstStyle/>
+                    <a:p>
+                      <a:pPr marL="0" marR="0" lvl="1" indent="0" algn="l" defTabSz="914400" rtl="0" eaLnBrk="1" fontAlgn="auto" latinLnBrk="0" hangingPunct="1">
+                        <a:lnSpc>
+                          <a:spcPct val="100000"/>
+                        </a:lnSpc>
+                        <a:spcBef>
+                          <a:spcPts val="0"/>
+                        </a:spcBef>
+                        <a:spcAft>
+                          <a:spcPts val="0"/>
+                        </a:spcAft>
+                        <a:buClrTx/>
+                        <a:buSzTx/>
+                        <a:buFont typeface="Arial" pitchFamily="34" charset="0"/>
+                        <a:buChar char="•"/>
+                        <a:tabLst/>
+                        <a:defRPr/>
+                      </a:pPr>
+                      <a:r>
+                        <a:rPr lang="de-DE" sz="1800" baseline="0" dirty="0"/>
+                        <a:t> </a:t>
+                      </a:r>
+                      <a:r>
+                        <a:rPr lang="de-DE" sz="1800" baseline="0" dirty="0" err="1" smtClean="0"/>
+                        <a:t>Assisting</a:t>
+                      </a:r>
+                      <a:r>
+                        <a:rPr lang="de-DE" sz="1800" baseline="0" dirty="0" smtClean="0"/>
+                        <a:t> </a:t>
+                      </a:r>
+                      <a:r>
+                        <a:rPr lang="de-DE" sz="1800" baseline="0" dirty="0" err="1" smtClean="0"/>
+                        <a:t>with</a:t>
+                      </a:r>
+                      <a:r>
+                        <a:rPr lang="de-DE" sz="1800" baseline="0" dirty="0" smtClean="0"/>
+                        <a:t> </a:t>
+                      </a:r>
+                      <a:r>
+                        <a:rPr lang="de-DE" sz="1800" baseline="0" dirty="0" err="1" smtClean="0"/>
+                        <a:t>the</a:t>
+                      </a:r>
+                      <a:r>
+                        <a:rPr lang="de-DE" sz="1800" baseline="0" dirty="0" smtClean="0"/>
+                        <a:t> </a:t>
+                      </a:r>
+                      <a:r>
+                        <a:rPr lang="de-DE" sz="1800" baseline="0" dirty="0" err="1" smtClean="0"/>
+                        <a:t>menu</a:t>
+                      </a:r>
+                      <a:r>
+                        <a:rPr lang="de-DE" sz="1800" baseline="0" dirty="0" smtClean="0"/>
+                        <a:t> </a:t>
+                      </a:r>
+                      <a:r>
+                        <a:rPr lang="de-DE" sz="1800" baseline="0" dirty="0" err="1" smtClean="0"/>
+                        <a:t>structure-related</a:t>
+                      </a:r>
+                      <a:r>
+                        <a:rPr lang="de-DE" sz="1800" baseline="0" dirty="0" smtClean="0"/>
+                        <a:t> </a:t>
+                      </a:r>
+                      <a:r>
+                        <a:rPr lang="de-DE" sz="1800" baseline="0" dirty="0" err="1" smtClean="0"/>
+                        <a:t>work</a:t>
+                      </a:r>
+                      <a:endParaRPr lang="de-DE" sz="1800" baseline="0" dirty="0" smtClean="0"/>
+                    </a:p>
+                    <a:p>
+                      <a:pPr marL="457200" marR="0" lvl="2" indent="0" algn="l" defTabSz="914400" rtl="0" eaLnBrk="1" fontAlgn="auto" latinLnBrk="0" hangingPunct="1">
+                        <a:lnSpc>
+                          <a:spcPct val="100000"/>
+                        </a:lnSpc>
+                        <a:spcBef>
+                          <a:spcPts val="0"/>
+                        </a:spcBef>
+                        <a:spcAft>
+                          <a:spcPts val="0"/>
+                        </a:spcAft>
+                        <a:buClrTx/>
+                        <a:buSzTx/>
+                        <a:buFont typeface="Arial" pitchFamily="34" charset="0"/>
+                        <a:buChar char="•"/>
+                        <a:tabLst/>
+                        <a:defRPr/>
+                      </a:pPr>
+                      <a:r>
+                        <a:rPr lang="de-DE" sz="1800" baseline="0" dirty="0" smtClean="0"/>
+                        <a:t> e.g.: </a:t>
+                      </a:r>
+                      <a:r>
+                        <a:rPr lang="de-DE" sz="1800" baseline="0" dirty="0" err="1" smtClean="0"/>
+                        <a:t>possible</a:t>
+                      </a:r>
+                      <a:r>
+                        <a:rPr lang="de-DE" sz="1800" baseline="0" dirty="0" smtClean="0"/>
+                        <a:t> </a:t>
+                      </a:r>
+                      <a:r>
+                        <a:rPr lang="de-DE" sz="1800" baseline="0" dirty="0" err="1" smtClean="0"/>
+                        <a:t>improvements</a:t>
+                      </a:r>
+                      <a:r>
+                        <a:rPr lang="de-DE" sz="1800" baseline="0" dirty="0" smtClean="0"/>
+                        <a:t>, </a:t>
+                      </a:r>
+                      <a:r>
+                        <a:rPr lang="de-DE" sz="1800" baseline="0" dirty="0" err="1" smtClean="0"/>
+                        <a:t>testing</a:t>
+                      </a:r>
+                      <a:r>
+                        <a:rPr lang="de-DE" sz="1800" baseline="0" dirty="0" smtClean="0"/>
+                        <a:t>, …</a:t>
+                      </a:r>
+                      <a:endParaRPr lang="de-DE" sz="1800" baseline="0" dirty="0"/>
+                    </a:p>
+                  </a:txBody>
+                  <a:tcPr/>
+                </a:tc>
+                <a:extLst>
+                  <a:ext uri="{0D108BD9-81ED-4DB2-BD59-A6C34878D82A}">
+                    <a16:rowId xmlns="" xmlns:a16="http://schemas.microsoft.com/office/drawing/2014/main" val="10002"/>
+                  </a:ext>
+                </a:extLst>
+              </a:tr>
+              <a:tr h="370840">
+                <a:tc>
+                  <a:txBody>
+                    <a:bodyPr/>
+                    <a:lstStyle/>
+                    <a:p>
+                      <a:pPr algn="l"/>
+                      <a:r>
+                        <a:rPr lang="de-DE" sz="1800" dirty="0"/>
+                        <a:t>08.16 – 24.08</a:t>
+                      </a:r>
+                    </a:p>
+                  </a:txBody>
+                  <a:tcPr/>
+                </a:tc>
+                <a:tc>
+                  <a:txBody>
+                    <a:bodyPr/>
+                    <a:lstStyle/>
+                    <a:p>
+                      <a:pPr>
+                        <a:buFont typeface="Arial" pitchFamily="34" charset="0"/>
+                        <a:buChar char="•"/>
+                      </a:pPr>
+                      <a:r>
+                        <a:rPr lang="de-DE" sz="1800" baseline="0" dirty="0" smtClean="0"/>
+                        <a:t> </a:t>
+                      </a:r>
+                      <a:r>
+                        <a:rPr lang="de-DE" sz="1800" baseline="0" dirty="0" err="1" smtClean="0"/>
+                        <a:t>Buffer</a:t>
+                      </a:r>
+                      <a:r>
+                        <a:rPr lang="de-DE" sz="1800" baseline="0" dirty="0" smtClean="0"/>
+                        <a:t> </a:t>
+                      </a:r>
+                      <a:r>
+                        <a:rPr lang="de-DE" sz="1800" baseline="0" dirty="0" err="1" smtClean="0"/>
+                        <a:t>for</a:t>
+                      </a:r>
+                      <a:r>
+                        <a:rPr lang="de-DE" sz="1800" baseline="0" dirty="0" smtClean="0"/>
+                        <a:t> </a:t>
+                      </a:r>
+                      <a:r>
+                        <a:rPr lang="de-DE" sz="1800" baseline="0" dirty="0" err="1" smtClean="0"/>
+                        <a:t>related</a:t>
+                      </a:r>
+                      <a:r>
+                        <a:rPr lang="de-DE" sz="1800" baseline="0" dirty="0" smtClean="0"/>
+                        <a:t> </a:t>
+                      </a:r>
+                      <a:r>
+                        <a:rPr lang="de-DE" sz="1800" baseline="0" dirty="0" err="1" smtClean="0"/>
+                        <a:t>work</a:t>
+                      </a:r>
+                      <a:r>
+                        <a:rPr lang="de-DE" sz="1800" baseline="0" dirty="0" smtClean="0"/>
+                        <a:t>; Overall </a:t>
+                      </a:r>
+                      <a:r>
+                        <a:rPr lang="de-DE" sz="1800" baseline="0" dirty="0" err="1" smtClean="0"/>
+                        <a:t>testing</a:t>
+                      </a:r>
+                      <a:r>
+                        <a:rPr lang="de-DE" sz="1800" baseline="0" dirty="0" smtClean="0"/>
+                        <a:t> („Bug </a:t>
+                      </a:r>
+                      <a:r>
+                        <a:rPr lang="de-DE" sz="1800" baseline="0" dirty="0" err="1" smtClean="0"/>
+                        <a:t>hunting</a:t>
+                      </a:r>
+                      <a:r>
+                        <a:rPr lang="de-DE" sz="1800" baseline="0" dirty="0" smtClean="0"/>
+                        <a:t>“)</a:t>
+                      </a:r>
+                      <a:endParaRPr lang="de-DE" sz="1800" dirty="0"/>
+                    </a:p>
+                  </a:txBody>
+                  <a:tcPr/>
+                </a:tc>
+                <a:extLst>
+                  <a:ext uri="{0D108BD9-81ED-4DB2-BD59-A6C34878D82A}">
+                    <a16:rowId xmlns="" xmlns:a16="http://schemas.microsoft.com/office/drawing/2014/main" val="10003"/>
+                  </a:ext>
+                </a:extLst>
+              </a:tr>
+              <a:tr h="370840">
+                <a:tc>
+                  <a:txBody>
+                    <a:bodyPr/>
+                    <a:lstStyle/>
+                    <a:p>
+                      <a:pPr algn="l"/>
+                      <a:r>
+                        <a:rPr lang="de-DE" sz="1800" dirty="0"/>
+                        <a:t>08.24 – 09.14</a:t>
+                      </a:r>
+                    </a:p>
+                  </a:txBody>
+                  <a:tcPr/>
+                </a:tc>
+                <a:tc>
+                  <a:txBody>
+                    <a:bodyPr/>
+                    <a:lstStyle/>
+                    <a:p>
+                      <a:pPr>
+                        <a:buFont typeface="Arial" pitchFamily="34" charset="0"/>
+                        <a:buChar char="•"/>
+                      </a:pPr>
+                      <a:r>
+                        <a:rPr lang="de-DE" sz="1800" dirty="0"/>
+                        <a:t> </a:t>
+                      </a:r>
+                      <a:r>
+                        <a:rPr lang="de-DE" sz="1800" dirty="0" err="1"/>
+                        <a:t>Buffer</a:t>
+                      </a:r>
+                      <a:r>
+                        <a:rPr lang="de-DE" sz="1800" baseline="0" dirty="0"/>
+                        <a:t> </a:t>
+                      </a:r>
+                      <a:r>
+                        <a:rPr lang="de-DE" sz="1800" baseline="0" dirty="0" err="1"/>
+                        <a:t>until</a:t>
+                      </a:r>
+                      <a:r>
+                        <a:rPr lang="de-DE" sz="1800" baseline="0" dirty="0"/>
+                        <a:t> </a:t>
+                      </a:r>
+                      <a:r>
+                        <a:rPr lang="de-DE" sz="1800" baseline="0" dirty="0" err="1"/>
+                        <a:t>project</a:t>
+                      </a:r>
+                      <a:r>
+                        <a:rPr lang="de-DE" sz="1800" baseline="0" dirty="0"/>
+                        <a:t> end (Fly </a:t>
+                      </a:r>
+                      <a:r>
+                        <a:rPr lang="de-DE" sz="1800" baseline="0" dirty="0" err="1"/>
+                        <a:t>physics</a:t>
+                      </a:r>
+                      <a:r>
+                        <a:rPr lang="de-DE" sz="1800" baseline="0" dirty="0"/>
+                        <a:t>, </a:t>
+                      </a:r>
+                      <a:r>
+                        <a:rPr lang="de-DE" sz="1800" baseline="0" dirty="0" err="1"/>
+                        <a:t>game</a:t>
+                      </a:r>
+                      <a:r>
+                        <a:rPr lang="de-DE" sz="1800" baseline="0" dirty="0"/>
+                        <a:t> </a:t>
+                      </a:r>
+                      <a:r>
+                        <a:rPr lang="de-DE" sz="1800" baseline="0" dirty="0" err="1" smtClean="0"/>
+                        <a:t>logics</a:t>
+                      </a:r>
+                      <a:r>
+                        <a:rPr lang="de-DE" sz="1800" baseline="0" dirty="0"/>
+                        <a:t>, </a:t>
+                      </a:r>
+                      <a:r>
+                        <a:rPr lang="de-DE" sz="1800" baseline="0" dirty="0" err="1"/>
+                        <a:t>assistant</a:t>
+                      </a:r>
+                      <a:r>
+                        <a:rPr lang="de-DE" sz="1800" baseline="0" dirty="0"/>
+                        <a:t>)</a:t>
+                      </a:r>
+                      <a:endParaRPr lang="de-DE" sz="1800" dirty="0"/>
+                    </a:p>
+                  </a:txBody>
+                  <a:tcPr/>
+                </a:tc>
+                <a:extLst>
+                  <a:ext uri="{0D108BD9-81ED-4DB2-BD59-A6C34878D82A}">
+                    <a16:rowId xmlns="" xmlns:a16="http://schemas.microsoft.com/office/drawing/2014/main" val="10004"/>
+                  </a:ext>
+                </a:extLst>
+              </a:tr>
+            </a:tbl>
+          </a:graphicData>
+        </a:graphic>
+      </p:graphicFrame>
+    </p:spTree>
+    <p:extLst>
+      <p:ext uri="{BB962C8B-B14F-4D97-AF65-F5344CB8AC3E}">
+        <p14:creationId xmlns:p14="http://schemas.microsoft.com/office/powerpoint/2010/main" val="2422853760"/>
+      </p:ext>
+    </p:extLst>
+  </p:cSld>
+  <p:clrMapOvr>
+    <a:masterClrMapping/>
+  </p:clrMapOvr>
+</p:sld>
+</file>
+
+<file path=ppt/slides/slide24.xml><?xml version="1.0" encoding="utf-8"?>
+<p:sld xmlns:a="http://schemas.openxmlformats.org/drawingml/2006/main" xmlns:r="http://schemas.openxmlformats.org/officeDocument/2006/relationships" xmlns:p="http://schemas.openxmlformats.org/presentationml/2006/main">
+  <p:cSld>
+    <p:spTree>
+      <p:nvGrpSpPr>
+        <p:cNvPr id="1" name=""/>
+        <p:cNvGrpSpPr/>
+        <p:nvPr/>
+      </p:nvGrpSpPr>
+      <p:grpSpPr>
+        <a:xfrm>
+          <a:off x="0" y="0"/>
+          <a:ext cx="0" cy="0"/>
+          <a:chOff x="0" y="0"/>
+          <a:chExt cx="0" cy="0"/>
+        </a:xfrm>
+      </p:grpSpPr>
+      <p:sp>
+        <p:nvSpPr>
+          <p:cNvPr id="2" name="Titel 1"/>
+          <p:cNvSpPr>
+            <a:spLocks noGrp="1"/>
+          </p:cNvSpPr>
+          <p:nvPr>
+            <p:ph type="title"/>
+          </p:nvPr>
+        </p:nvSpPr>
+        <p:spPr/>
+        <p:txBody>
+          <a:bodyPr>
+            <a:normAutofit/>
+          </a:bodyPr>
+          <a:lstStyle/>
+          <a:p>
+            <a:pPr algn="ctr"/>
+            <a:r>
+              <a:rPr lang="de-DE" dirty="0" err="1"/>
+              <a:t>Risks</a:t>
+            </a:r>
+            <a:endParaRPr lang="de-DE" dirty="0"/>
+          </a:p>
+        </p:txBody>
+      </p:sp>
+      <p:sp>
+        <p:nvSpPr>
+          <p:cNvPr id="9" name="Inhaltsplatzhalter 8"/>
+          <p:cNvSpPr>
+            <a:spLocks noGrp="1"/>
+          </p:cNvSpPr>
+          <p:nvPr>
+            <p:ph sz="half" idx="1"/>
+          </p:nvPr>
+        </p:nvSpPr>
+        <p:spPr/>
+        <p:txBody>
+          <a:bodyPr>
+            <a:normAutofit fontScale="92500" lnSpcReduction="10000"/>
+          </a:bodyPr>
+          <a:lstStyle/>
+          <a:p>
+            <a:r>
+              <a:rPr lang="de-DE" sz="2400" dirty="0"/>
+              <a:t>Fly </a:t>
+            </a:r>
+            <a:r>
+              <a:rPr lang="de-DE" sz="2400" dirty="0" err="1"/>
+              <a:t>physics</a:t>
+            </a:r>
+            <a:r>
+              <a:rPr lang="de-DE" sz="2400" dirty="0"/>
+              <a:t> - </a:t>
+            </a:r>
+            <a:r>
+              <a:rPr lang="de-DE" sz="2400" dirty="0" err="1" smtClean="0"/>
+              <a:t>math</a:t>
+            </a:r>
+            <a:r>
+              <a:rPr lang="de-DE" sz="2400" dirty="0" smtClean="0"/>
+              <a:t> </a:t>
+            </a:r>
+            <a:r>
+              <a:rPr lang="de-DE" sz="2400" dirty="0" err="1"/>
+              <a:t>too</a:t>
+            </a:r>
+            <a:r>
+              <a:rPr lang="de-DE" sz="2400" dirty="0"/>
+              <a:t> </a:t>
+            </a:r>
+            <a:r>
+              <a:rPr lang="de-DE" sz="2400" dirty="0" err="1" smtClean="0"/>
+              <a:t>complex</a:t>
+            </a:r>
+            <a:r>
+              <a:rPr lang="de-DE" sz="2400" dirty="0" smtClean="0"/>
+              <a:t>/</a:t>
+            </a:r>
+            <a:r>
+              <a:rPr lang="de-DE" sz="2400" dirty="0" err="1" smtClean="0"/>
+              <a:t>complicated</a:t>
+            </a:r>
+            <a:endParaRPr lang="de-DE" dirty="0"/>
+          </a:p>
+          <a:p>
+            <a:r>
+              <a:rPr lang="de-DE" sz="2400" dirty="0"/>
+              <a:t>Arm </a:t>
+            </a:r>
+            <a:r>
+              <a:rPr lang="de-DE" sz="2400" dirty="0" err="1"/>
+              <a:t>network</a:t>
+            </a:r>
+            <a:r>
+              <a:rPr lang="de-DE" sz="2400" dirty="0"/>
+              <a:t> </a:t>
+            </a:r>
+            <a:r>
+              <a:rPr lang="de-DE" sz="2400" dirty="0" err="1"/>
+              <a:t>transmission</a:t>
+            </a:r>
+            <a:endParaRPr lang="de-DE" sz="2400" dirty="0"/>
+          </a:p>
+          <a:p>
+            <a:r>
+              <a:rPr lang="de-DE" sz="2400" dirty="0"/>
+              <a:t>Post-</a:t>
+            </a:r>
+            <a:r>
+              <a:rPr lang="de-DE" sz="2400" dirty="0" err="1"/>
+              <a:t>effects</a:t>
+            </a:r>
+            <a:r>
+              <a:rPr lang="de-DE" sz="2400" dirty="0"/>
+              <a:t> </a:t>
+            </a:r>
+            <a:r>
+              <a:rPr lang="de-DE" sz="2400" dirty="0" err="1" smtClean="0"/>
+              <a:t>too</a:t>
+            </a:r>
+            <a:r>
+              <a:rPr lang="de-DE" sz="2400" dirty="0" smtClean="0"/>
+              <a:t> performance- </a:t>
+            </a:r>
+            <a:r>
+              <a:rPr lang="de-DE" sz="2400" dirty="0" err="1" smtClean="0"/>
+              <a:t>consuming</a:t>
+            </a:r>
+            <a:r>
+              <a:rPr lang="de-DE" sz="2400" dirty="0" smtClean="0"/>
+              <a:t> (</a:t>
+            </a:r>
+            <a:r>
+              <a:rPr lang="de-DE" sz="2400" dirty="0" err="1" smtClean="0"/>
+              <a:t>scattering</a:t>
+            </a:r>
+            <a:r>
+              <a:rPr lang="de-DE" sz="2400" dirty="0"/>
+              <a:t>, </a:t>
+            </a:r>
+            <a:r>
+              <a:rPr lang="de-DE" sz="2400" dirty="0" err="1"/>
+              <a:t>ambient</a:t>
+            </a:r>
+            <a:r>
+              <a:rPr lang="de-DE" sz="2400" dirty="0"/>
+              <a:t> </a:t>
+            </a:r>
+            <a:r>
+              <a:rPr lang="de-DE" sz="2400" dirty="0" err="1"/>
+              <a:t>occlusion</a:t>
+            </a:r>
+            <a:r>
+              <a:rPr lang="de-DE" sz="2400" dirty="0"/>
+              <a:t>)</a:t>
+            </a:r>
+          </a:p>
+          <a:p>
+            <a:r>
+              <a:rPr lang="de-DE" sz="2400" dirty="0"/>
+              <a:t>Realtime Performance </a:t>
+            </a:r>
+            <a:r>
+              <a:rPr lang="de-DE" sz="2400" dirty="0" err="1"/>
+              <a:t>Issues</a:t>
+            </a:r>
+            <a:r>
+              <a:rPr lang="de-DE" sz="2400" dirty="0"/>
+              <a:t> </a:t>
+            </a:r>
+            <a:r>
+              <a:rPr lang="de-DE" sz="2400" dirty="0" err="1"/>
+              <a:t>for</a:t>
+            </a:r>
+            <a:r>
+              <a:rPr lang="de-DE" sz="2400" dirty="0"/>
+              <a:t> </a:t>
+            </a:r>
+            <a:r>
+              <a:rPr lang="de-DE" sz="2400" dirty="0" err="1"/>
+              <a:t>slower</a:t>
+            </a:r>
+            <a:r>
+              <a:rPr lang="de-DE" sz="2400" dirty="0"/>
+              <a:t> PCs (Graphics Settings?)</a:t>
+            </a:r>
+          </a:p>
+          <a:p>
+            <a:r>
+              <a:rPr lang="de-DE" sz="2400" dirty="0"/>
+              <a:t>AR Performance Problems</a:t>
+            </a:r>
+            <a:endParaRPr lang="de-DE" dirty="0"/>
+          </a:p>
+          <a:p>
+            <a:pPr>
+              <a:buNone/>
+            </a:pPr>
+            <a:endParaRPr lang="de-DE" dirty="0"/>
+          </a:p>
+          <a:p>
+            <a:pPr>
+              <a:buNone/>
+            </a:pPr>
+            <a:endParaRPr lang="de-DE" dirty="0"/>
+          </a:p>
+          <a:p>
+            <a:pPr>
+              <a:buNone/>
+            </a:pPr>
+            <a:endParaRPr lang="de-DE" dirty="0"/>
+          </a:p>
+          <a:p>
+            <a:endParaRPr lang="de-DE" dirty="0"/>
+          </a:p>
+        </p:txBody>
+      </p:sp>
+      <p:sp>
+        <p:nvSpPr>
+          <p:cNvPr id="7" name="Inhaltsplatzhalter 6"/>
+          <p:cNvSpPr>
+            <a:spLocks noGrp="1"/>
+          </p:cNvSpPr>
+          <p:nvPr>
+            <p:ph sz="half" idx="2"/>
+          </p:nvPr>
+        </p:nvSpPr>
+        <p:spPr/>
+        <p:txBody>
+          <a:bodyPr>
+            <a:normAutofit fontScale="92500" lnSpcReduction="10000"/>
+          </a:bodyPr>
+          <a:lstStyle/>
+          <a:p>
+            <a:r>
+              <a:rPr lang="de-DE" sz="2400" dirty="0" err="1" smtClean="0"/>
+              <a:t>Menue</a:t>
+            </a:r>
+            <a:r>
+              <a:rPr lang="de-DE" sz="2400" dirty="0" smtClean="0"/>
+              <a:t> </a:t>
+            </a:r>
+            <a:r>
+              <a:rPr lang="de-DE" sz="2400" dirty="0" err="1" smtClean="0"/>
+              <a:t>handling</a:t>
+            </a:r>
+            <a:r>
+              <a:rPr lang="de-DE" sz="2400" dirty="0" smtClean="0"/>
+              <a:t> (</a:t>
+            </a:r>
+            <a:r>
+              <a:rPr lang="de-DE" sz="2400" dirty="0" err="1" smtClean="0"/>
+              <a:t>Oculus</a:t>
+            </a:r>
+            <a:r>
+              <a:rPr lang="de-DE" sz="2400" dirty="0"/>
+              <a:t>)</a:t>
+            </a:r>
+          </a:p>
+          <a:p>
+            <a:r>
+              <a:rPr lang="de-DE" sz="2400" dirty="0" err="1" smtClean="0"/>
+              <a:t>Gesture</a:t>
+            </a:r>
+            <a:r>
+              <a:rPr lang="de-DE" sz="2400" dirty="0" smtClean="0"/>
+              <a:t> </a:t>
+            </a:r>
+            <a:r>
+              <a:rPr lang="de-DE" sz="2400" dirty="0" err="1"/>
+              <a:t>control</a:t>
+            </a:r>
+            <a:r>
+              <a:rPr lang="de-DE" sz="2400" dirty="0"/>
+              <a:t> </a:t>
+            </a:r>
+            <a:r>
+              <a:rPr lang="de-DE" sz="2400" dirty="0" err="1"/>
+              <a:t>problems</a:t>
+            </a:r>
+            <a:r>
+              <a:rPr lang="de-DE" sz="2400" dirty="0"/>
+              <a:t> (APIs </a:t>
+            </a:r>
+            <a:r>
+              <a:rPr lang="de-DE" sz="2400" dirty="0" err="1"/>
+              <a:t>for</a:t>
+            </a:r>
+            <a:r>
+              <a:rPr lang="de-DE" sz="2400" dirty="0"/>
+              <a:t> Vive not </a:t>
+            </a:r>
+            <a:r>
+              <a:rPr lang="de-DE" sz="2400" dirty="0" err="1"/>
+              <a:t>tested</a:t>
+            </a:r>
+            <a:r>
+              <a:rPr lang="de-DE" sz="2400" dirty="0"/>
+              <a:t> </a:t>
+            </a:r>
+            <a:r>
+              <a:rPr lang="de-DE" sz="2400" dirty="0" err="1"/>
+              <a:t>yet</a:t>
+            </a:r>
+            <a:r>
+              <a:rPr lang="de-DE" sz="2400" dirty="0"/>
+              <a:t>, </a:t>
+            </a:r>
+            <a:r>
+              <a:rPr lang="de-DE" sz="2400" dirty="0" err="1"/>
+              <a:t>currently</a:t>
+            </a:r>
+            <a:r>
+              <a:rPr lang="de-DE" sz="2400" dirty="0"/>
+              <a:t> </a:t>
+            </a:r>
+            <a:r>
+              <a:rPr lang="de-DE" sz="2400" dirty="0" err="1"/>
+              <a:t>unstable</a:t>
+            </a:r>
+            <a:r>
+              <a:rPr lang="de-DE" sz="2400" dirty="0"/>
+              <a:t> APIs </a:t>
+            </a:r>
+            <a:r>
+              <a:rPr lang="de-DE" sz="2400" dirty="0" err="1"/>
+              <a:t>for</a:t>
+            </a:r>
+            <a:r>
+              <a:rPr lang="de-DE" sz="2400" dirty="0"/>
+              <a:t> Kinect?)</a:t>
+            </a:r>
+          </a:p>
+          <a:p>
+            <a:r>
+              <a:rPr lang="de-DE" sz="2400" dirty="0" err="1"/>
+              <a:t>Suitable</a:t>
+            </a:r>
+            <a:r>
+              <a:rPr lang="de-DE" sz="2400" dirty="0"/>
+              <a:t> </a:t>
+            </a:r>
+            <a:r>
+              <a:rPr lang="de-DE" sz="2400" dirty="0" err="1"/>
+              <a:t>for</a:t>
+            </a:r>
+            <a:r>
+              <a:rPr lang="de-DE" sz="2400" dirty="0"/>
+              <a:t> HS-</a:t>
+            </a:r>
+            <a:r>
+              <a:rPr lang="de-DE" sz="2400" dirty="0" err="1"/>
+              <a:t>Lan</a:t>
+            </a:r>
+            <a:r>
+              <a:rPr lang="de-DE" sz="2400" dirty="0"/>
+              <a:t> </a:t>
+            </a:r>
+            <a:r>
+              <a:rPr lang="de-DE" sz="2400" dirty="0" err="1"/>
+              <a:t>and</a:t>
+            </a:r>
+            <a:r>
+              <a:rPr lang="de-DE" sz="2400" dirty="0"/>
+              <a:t> Open-Lab</a:t>
+            </a:r>
+          </a:p>
+          <a:p>
+            <a:r>
+              <a:rPr lang="de-DE" sz="2400" dirty="0" err="1"/>
+              <a:t>Ofc</a:t>
+            </a:r>
+            <a:r>
+              <a:rPr lang="de-DE" sz="2400" dirty="0"/>
+              <a:t>: </a:t>
+            </a:r>
+            <a:r>
+              <a:rPr lang="de-DE" sz="2400" dirty="0" err="1"/>
+              <a:t>Illness</a:t>
+            </a:r>
+            <a:r>
+              <a:rPr lang="de-DE" sz="2400" dirty="0"/>
+              <a:t> </a:t>
+            </a:r>
+            <a:r>
+              <a:rPr lang="de-DE" sz="2400" dirty="0" err="1"/>
+              <a:t>of</a:t>
+            </a:r>
+            <a:r>
+              <a:rPr lang="de-DE" sz="2400" dirty="0"/>
+              <a:t> Project Members (</a:t>
+            </a:r>
+            <a:r>
+              <a:rPr lang="de-DE" sz="2400" dirty="0" err="1"/>
+              <a:t>workload</a:t>
+            </a:r>
+            <a:r>
+              <a:rPr lang="de-DE" sz="2400" dirty="0"/>
+              <a:t> </a:t>
+            </a:r>
+            <a:r>
+              <a:rPr lang="de-DE" sz="2400" dirty="0" err="1"/>
+              <a:t>balancing</a:t>
+            </a:r>
+            <a:r>
+              <a:rPr lang="de-DE" sz="2400" dirty="0"/>
+              <a:t>)</a:t>
+            </a:r>
+          </a:p>
+          <a:p>
+            <a:pPr>
+              <a:buNone/>
+            </a:pPr>
+            <a:endParaRPr lang="de-DE" sz="2400" dirty="0"/>
+          </a:p>
+        </p:txBody>
+      </p:sp>
+      <p:sp>
+        <p:nvSpPr>
+          <p:cNvPr id="11" name="Foliennummernplatzhalter 10"/>
+          <p:cNvSpPr>
+            <a:spLocks noGrp="1"/>
+          </p:cNvSpPr>
+          <p:nvPr>
+            <p:ph type="sldNum" sz="quarter" idx="12"/>
+          </p:nvPr>
+        </p:nvSpPr>
+        <p:spPr/>
+        <p:txBody>
+          <a:bodyPr/>
+          <a:lstStyle/>
+          <a:p>
+            <a:fld id="{6C6AE60A-B69C-4790-82F7-3882EDF23186}" type="slidenum">
+              <a:rPr lang="de-DE" smtClean="0"/>
+              <a:pPr/>
+              <a:t>24</a:t>
+            </a:fld>
+            <a:endParaRPr lang="de-DE"/>
+          </a:p>
+        </p:txBody>
+      </p:sp>
+    </p:spTree>
+  </p:cSld>
+  <p:clrMapOvr>
+    <a:masterClrMapping/>
+  </p:clrMapOvr>
+</p:sld>
+</file>
+
+<file path=ppt/slides/slide25.xml><?xml version="1.0" encoding="utf-8"?>
+<p:sld xmlns:a="http://schemas.openxmlformats.org/drawingml/2006/main" xmlns:r="http://schemas.openxmlformats.org/officeDocument/2006/relationships" xmlns:p="http://schemas.openxmlformats.org/presentationml/2006/main">
+  <p:cSld>
+    <p:spTree>
+      <p:nvGrpSpPr>
+        <p:cNvPr id="1" name=""/>
+        <p:cNvGrpSpPr/>
+        <p:nvPr/>
+      </p:nvGrpSpPr>
+      <p:grpSpPr>
+        <a:xfrm>
+          <a:off x="0" y="0"/>
+          <a:ext cx="0" cy="0"/>
+          <a:chOff x="0" y="0"/>
+          <a:chExt cx="0" cy="0"/>
+        </a:xfrm>
+      </p:grpSpPr>
+      <p:sp>
+        <p:nvSpPr>
+          <p:cNvPr id="2" name="Titel 1"/>
+          <p:cNvSpPr>
+            <a:spLocks noGrp="1"/>
+          </p:cNvSpPr>
+          <p:nvPr>
+            <p:ph type="title"/>
+          </p:nvPr>
+        </p:nvSpPr>
+        <p:spPr/>
+        <p:txBody>
+          <a:bodyPr>
+            <a:normAutofit/>
+          </a:bodyPr>
+          <a:lstStyle/>
+          <a:p>
+            <a:pPr algn="ctr"/>
+            <a:r>
+              <a:rPr lang="de-DE" dirty="0" err="1"/>
+              <a:t>Github</a:t>
+            </a:r>
+            <a:r>
+              <a:rPr lang="de-DE" dirty="0"/>
+              <a:t> Version </a:t>
+            </a:r>
+            <a:r>
+              <a:rPr lang="de-DE" dirty="0" err="1"/>
+              <a:t>Control</a:t>
+            </a:r>
+            <a:endParaRPr lang="de-DE" dirty="0"/>
+          </a:p>
+        </p:txBody>
+      </p:sp>
+      <p:sp>
+        <p:nvSpPr>
+          <p:cNvPr id="9" name="Inhaltsplatzhalter 8"/>
+          <p:cNvSpPr>
+            <a:spLocks noGrp="1"/>
+          </p:cNvSpPr>
+          <p:nvPr>
+            <p:ph sz="half" idx="1"/>
+          </p:nvPr>
+        </p:nvSpPr>
+        <p:spPr>
+          <a:xfrm>
+            <a:off x="457200" y="1600071"/>
+            <a:ext cx="8219256" cy="3695700"/>
+          </a:xfrm>
+        </p:spPr>
+        <p:txBody>
+          <a:bodyPr>
+            <a:normAutofit/>
+          </a:bodyPr>
+          <a:lstStyle/>
+          <a:p>
+            <a:endParaRPr lang="de-DE" dirty="0">
+              <a:hlinkClick r:id="rId2"/>
+            </a:endParaRPr>
+          </a:p>
+          <a:p>
+            <a:r>
+              <a:rPr lang="de-DE" dirty="0"/>
+              <a:t>Old </a:t>
+            </a:r>
+            <a:r>
+              <a:rPr lang="de-DE" dirty="0" err="1"/>
+              <a:t>project</a:t>
+            </a:r>
+            <a:r>
+              <a:rPr lang="de-DE" dirty="0"/>
+              <a:t> </a:t>
+            </a:r>
+            <a:r>
+              <a:rPr lang="de-DE" dirty="0" err="1"/>
+              <a:t>source</a:t>
+            </a:r>
+            <a:endParaRPr lang="de-DE" dirty="0">
+              <a:hlinkClick r:id="rId2"/>
+            </a:endParaRPr>
+          </a:p>
+          <a:p>
+            <a:pPr algn="ctr">
+              <a:buNone/>
+            </a:pPr>
+            <a:r>
+              <a:rPr lang="de-DE" dirty="0">
+                <a:hlinkClick r:id="rId3"/>
+              </a:rPr>
+              <a:t>https://github.com/andreasdietze/Rift-Wingsuit.git</a:t>
+            </a:r>
+            <a:endParaRPr lang="de-DE" dirty="0"/>
+          </a:p>
+          <a:p>
+            <a:pPr algn="ctr">
+              <a:buNone/>
+            </a:pPr>
+            <a:endParaRPr lang="de-DE" dirty="0"/>
+          </a:p>
+          <a:p>
+            <a:r>
+              <a:rPr lang="de-DE" dirty="0"/>
+              <a:t>New </a:t>
+            </a:r>
+            <a:r>
+              <a:rPr lang="de-DE" dirty="0" err="1"/>
+              <a:t>project</a:t>
+            </a:r>
+            <a:r>
+              <a:rPr lang="de-DE" dirty="0"/>
+              <a:t> </a:t>
+            </a:r>
+            <a:r>
+              <a:rPr lang="de-DE" dirty="0" err="1"/>
+              <a:t>source</a:t>
+            </a:r>
+            <a:endParaRPr lang="de-DE" dirty="0"/>
+          </a:p>
+          <a:p>
+            <a:pPr algn="ctr">
+              <a:buNone/>
+            </a:pPr>
+            <a:r>
+              <a:rPr lang="de-DE" dirty="0">
+                <a:hlinkClick r:id="rId4"/>
+              </a:rPr>
+              <a:t>https://github.com/andreasdietze/Rift-WingsuitV2.git</a:t>
+            </a:r>
+            <a:endParaRPr lang="de-DE" dirty="0"/>
+          </a:p>
+          <a:p>
+            <a:endParaRPr lang="de-DE" dirty="0"/>
+          </a:p>
+        </p:txBody>
+      </p:sp>
+      <p:sp>
+        <p:nvSpPr>
+          <p:cNvPr id="11" name="Foliennummernplatzhalter 10"/>
+          <p:cNvSpPr>
+            <a:spLocks noGrp="1"/>
+          </p:cNvSpPr>
+          <p:nvPr>
+            <p:ph type="sldNum" sz="quarter" idx="12"/>
+          </p:nvPr>
+        </p:nvSpPr>
+        <p:spPr/>
+        <p:txBody>
+          <a:bodyPr/>
+          <a:lstStyle/>
+          <a:p>
+            <a:fld id="{6C6AE60A-B69C-4790-82F7-3882EDF23186}" type="slidenum">
+              <a:rPr lang="de-DE" smtClean="0"/>
+              <a:pPr/>
+              <a:t>25</a:t>
+            </a:fld>
+            <a:endParaRPr lang="de-DE"/>
+          </a:p>
+        </p:txBody>
+      </p:sp>
+    </p:spTree>
+  </p:cSld>
+  <p:clrMapOvr>
+    <a:masterClrMapping/>
+  </p:clrMapOvr>
+</p:sld>
+</file>
+
+<file path=ppt/slides/slide26.xml><?xml version="1.0" encoding="utf-8"?>
+<p:sld xmlns:a="http://schemas.openxmlformats.org/drawingml/2006/main" xmlns:r="http://schemas.openxmlformats.org/officeDocument/2006/relationships" xmlns:p="http://schemas.openxmlformats.org/presentationml/2006/main">
+  <p:cSld>
+    <p:spTree>
+      <p:nvGrpSpPr>
+        <p:cNvPr id="1" name=""/>
+        <p:cNvGrpSpPr/>
+        <p:nvPr/>
+      </p:nvGrpSpPr>
+      <p:grpSpPr>
+        <a:xfrm>
+          <a:off x="0" y="0"/>
+          <a:ext cx="0" cy="0"/>
+          <a:chOff x="0" y="0"/>
+          <a:chExt cx="0" cy="0"/>
+        </a:xfrm>
+      </p:grpSpPr>
+      <p:sp>
+        <p:nvSpPr>
           <p:cNvPr id="6" name="Titel 5"/>
           <p:cNvSpPr>
             <a:spLocks noGrp="1"/>
@@ -10593,7 +12347,7 @@
             <a:fld id="{6C6AE60A-B69C-4790-82F7-3882EDF23186}" type="slidenum">
               <a:rPr lang="de-DE" smtClean="0"/>
               <a:pPr/>
-              <a:t>23</a:t>
+              <a:t>26</a:t>
             </a:fld>
             <a:endParaRPr lang="de-DE"/>
           </a:p>
@@ -11212,7 +12966,7 @@
           <a:blip r:embed="rId2" cstate="print">
             <a:extLst>
               <a:ext uri="{28A0092B-C50C-407E-A947-70E740481C1C}">
-                <a14:useLocalDpi xmlns:a14="http://schemas.microsoft.com/office/drawing/2010/main" xmlns="" val="0"/>
+                <a14:useLocalDpi xmlns:a14="http://schemas.microsoft.com/office/drawing/2010/main" val="0"/>
               </a:ext>
             </a:extLst>
           </a:blip>
@@ -11230,7 +12984,7 @@
     </p:spTree>
     <p:extLst>
       <p:ext uri="{BB962C8B-B14F-4D97-AF65-F5344CB8AC3E}">
-        <p14:creationId xmlns:p14="http://schemas.microsoft.com/office/powerpoint/2010/main" xmlns="" val="3486165658"/>
+        <p14:creationId xmlns:p14="http://schemas.microsoft.com/office/powerpoint/2010/main" val="3486165658"/>
       </p:ext>
     </p:extLst>
   </p:cSld>

--- a/Präsentationen/Projektpräsentation/Project proposal Rift Wingsuit V2.pptx
+++ b/Präsentationen/Projektpräsentation/Project proposal Rift Wingsuit V2.pptx
@@ -5,7 +5,7 @@
     <p:sldMasterId id="2147483660" r:id="rId1"/>
   </p:sldMasterIdLst>
   <p:notesMasterIdLst>
-    <p:notesMasterId r:id="rId28"/>
+    <p:notesMasterId r:id="rId31"/>
   </p:notesMasterIdLst>
   <p:sldIdLst>
     <p:sldId id="272" r:id="rId2"/>
@@ -22,18 +22,21 @@
     <p:sldId id="317" r:id="rId13"/>
     <p:sldId id="321" r:id="rId14"/>
     <p:sldId id="323" r:id="rId15"/>
-    <p:sldId id="314" r:id="rId16"/>
-    <p:sldId id="318" r:id="rId17"/>
-    <p:sldId id="322" r:id="rId18"/>
-    <p:sldId id="324" r:id="rId19"/>
-    <p:sldId id="310" r:id="rId20"/>
-    <p:sldId id="315" r:id="rId21"/>
-    <p:sldId id="319" r:id="rId22"/>
-    <p:sldId id="320" r:id="rId23"/>
-    <p:sldId id="325" r:id="rId24"/>
-    <p:sldId id="270" r:id="rId25"/>
-    <p:sldId id="280" r:id="rId26"/>
-    <p:sldId id="279" r:id="rId27"/>
+    <p:sldId id="326" r:id="rId16"/>
+    <p:sldId id="314" r:id="rId17"/>
+    <p:sldId id="318" r:id="rId18"/>
+    <p:sldId id="322" r:id="rId19"/>
+    <p:sldId id="324" r:id="rId20"/>
+    <p:sldId id="327" r:id="rId21"/>
+    <p:sldId id="310" r:id="rId22"/>
+    <p:sldId id="315" r:id="rId23"/>
+    <p:sldId id="319" r:id="rId24"/>
+    <p:sldId id="320" r:id="rId25"/>
+    <p:sldId id="325" r:id="rId26"/>
+    <p:sldId id="328" r:id="rId27"/>
+    <p:sldId id="270" r:id="rId28"/>
+    <p:sldId id="280" r:id="rId29"/>
+    <p:sldId id="279" r:id="rId30"/>
   </p:sldIdLst>
   <p:sldSz cx="9144000" cy="5715000" type="screen16x10"/>
   <p:notesSz cx="6858000" cy="9144000"/>
@@ -234,7 +237,7 @@
             <a:fld id="{243825A9-FBEC-4183-9E10-7EA49C7B85FB}" type="datetimeFigureOut">
               <a:rPr lang="de-DE" smtClean="0"/>
               <a:pPr/>
-              <a:t>17.05.2016</a:t>
+              <a:t>18.05.2016</a:t>
             </a:fld>
             <a:endParaRPr lang="de-DE"/>
           </a:p>
@@ -665,7 +668,7 @@
             <a:fld id="{4908E361-B94C-4A25-AE9E-7E0532BAF813}" type="slidenum">
               <a:rPr lang="de-DE" smtClean="0"/>
               <a:pPr/>
-              <a:t>23</a:t>
+              <a:t>25</a:t>
             </a:fld>
             <a:endParaRPr lang="de-DE"/>
           </a:p>
@@ -858,7 +861,7 @@
             <a:fld id="{E3D2E8C1-5FD7-4691-AB68-D6297B4D5F43}" type="datetime1">
               <a:rPr lang="de-DE" smtClean="0"/>
               <a:pPr/>
-              <a:t>17.05.2016</a:t>
+              <a:t>18.05.2016</a:t>
             </a:fld>
             <a:endParaRPr lang="de-DE"/>
           </a:p>
@@ -1025,7 +1028,7 @@
             <a:fld id="{6555916C-EC3E-4A59-A202-E3BDAC789789}" type="datetime1">
               <a:rPr lang="de-DE" smtClean="0"/>
               <a:pPr/>
-              <a:t>17.05.2016</a:t>
+              <a:t>18.05.2016</a:t>
             </a:fld>
             <a:endParaRPr lang="de-DE"/>
           </a:p>
@@ -1202,7 +1205,7 @@
             <a:fld id="{B0BAAC96-984A-4C42-A65C-1E30F77A26C5}" type="datetime1">
               <a:rPr lang="de-DE" smtClean="0"/>
               <a:pPr/>
-              <a:t>17.05.2016</a:t>
+              <a:t>18.05.2016</a:t>
             </a:fld>
             <a:endParaRPr lang="de-DE"/>
           </a:p>
@@ -1369,7 +1372,7 @@
             <a:fld id="{0AF80EA2-653E-48EB-A275-D811A53BA918}" type="datetime1">
               <a:rPr lang="de-DE" smtClean="0"/>
               <a:pPr/>
-              <a:t>17.05.2016</a:t>
+              <a:t>18.05.2016</a:t>
             </a:fld>
             <a:endParaRPr lang="de-DE"/>
           </a:p>
@@ -1613,7 +1616,7 @@
             <a:fld id="{E5BD76EC-8BFC-4DBC-81BC-788FF00AD01A}" type="datetime1">
               <a:rPr lang="de-DE" smtClean="0"/>
               <a:pPr/>
-              <a:t>17.05.2016</a:t>
+              <a:t>18.05.2016</a:t>
             </a:fld>
             <a:endParaRPr lang="de-DE"/>
           </a:p>
@@ -1879,7 +1882,7 @@
             <a:fld id="{42D10058-B0DA-4CAD-91DA-40F8A0FB6522}" type="datetime1">
               <a:rPr lang="de-DE" smtClean="0"/>
               <a:pPr/>
-              <a:t>17.05.2016</a:t>
+              <a:t>18.05.2016</a:t>
             </a:fld>
             <a:endParaRPr lang="de-DE"/>
           </a:p>
@@ -2259,7 +2262,7 @@
             <a:fld id="{30F2673F-3B0B-4E2B-A302-85F12C63CE58}" type="datetime1">
               <a:rPr lang="de-DE" smtClean="0"/>
               <a:pPr/>
-              <a:t>17.05.2016</a:t>
+              <a:t>18.05.2016</a:t>
             </a:fld>
             <a:endParaRPr lang="de-DE"/>
           </a:p>
@@ -2411,7 +2414,7 @@
             <a:fld id="{99C24A88-FE37-415B-BBD5-612EBB0081EA}" type="datetime1">
               <a:rPr lang="de-DE" smtClean="0"/>
               <a:pPr/>
-              <a:t>17.05.2016</a:t>
+              <a:t>18.05.2016</a:t>
             </a:fld>
             <a:endParaRPr lang="de-DE"/>
           </a:p>
@@ -2503,7 +2506,7 @@
             <a:fld id="{D4BBCC0C-5DC1-47B9-9437-A552677B599E}" type="datetime1">
               <a:rPr lang="de-DE" smtClean="0"/>
               <a:pPr/>
-              <a:t>17.05.2016</a:t>
+              <a:t>18.05.2016</a:t>
             </a:fld>
             <a:endParaRPr lang="de-DE"/>
           </a:p>
@@ -2766,7 +2769,7 @@
             <a:fld id="{5D8961AA-03AC-4A6B-AD4E-C8A3670A08F8}" type="datetime1">
               <a:rPr lang="de-DE" smtClean="0"/>
               <a:pPr/>
-              <a:t>17.05.2016</a:t>
+              <a:t>18.05.2016</a:t>
             </a:fld>
             <a:endParaRPr lang="de-DE"/>
           </a:p>
@@ -3056,7 +3059,7 @@
             <a:fld id="{9565BAF1-4771-44D7-80BB-E70855042F1C}" type="datetime1">
               <a:rPr lang="de-DE" smtClean="0"/>
               <a:pPr/>
-              <a:t>17.05.2016</a:t>
+              <a:t>18.05.2016</a:t>
             </a:fld>
             <a:endParaRPr lang="de-DE"/>
           </a:p>
@@ -3829,7 +3832,7 @@
             <a:fld id="{48B16CC1-F4AA-4BAA-A083-6C6353824805}" type="datetime1">
               <a:rPr lang="de-DE" smtClean="0"/>
               <a:pPr/>
-              <a:t>17.05.2016</a:t>
+              <a:t>18.05.2016</a:t>
             </a:fld>
             <a:endParaRPr lang="de-DE"/>
           </a:p>
@@ -4931,13 +4934,8 @@
             <a:pPr lvl="1"/>
             <a:r>
               <a:rPr lang="de-DE" dirty="0"/>
-              <a:t>Andreas Dietze </a:t>
-            </a:r>
-            <a:r>
-              <a:rPr lang="de-DE" dirty="0" smtClean="0"/>
-              <a:t>(S. Nickel)</a:t>
-            </a:r>
-            <a:endParaRPr lang="de-DE" dirty="0"/>
+              <a:t>Andreas Dietze (S. Nickel)</a:t>
+            </a:r>
           </a:p>
           <a:p>
             <a:r>
@@ -4949,10 +4947,9 @@
           <a:p>
             <a:pPr lvl="1"/>
             <a:r>
-              <a:rPr lang="de-DE" dirty="0" smtClean="0"/>
+              <a:rPr lang="de-DE" dirty="0"/>
               <a:t>Sebastian Nickel (A. Dietze)</a:t>
             </a:r>
-            <a:endParaRPr lang="de-DE" dirty="0"/>
           </a:p>
           <a:p>
             <a:r>
@@ -4964,8 +4961,17 @@
             <a:pPr lvl="1"/>
             <a:r>
               <a:rPr lang="de-DE" dirty="0"/>
-              <a:t>Jonas Kleinkauf (wer?)</a:t>
-            </a:r>
+              <a:t>Jonas Kleinkauf (S. </a:t>
+            </a:r>
+            <a:r>
+              <a:rPr lang="de-DE" dirty="0" err="1"/>
+              <a:t>Ibach</a:t>
+            </a:r>
+            <a:r>
+              <a:rPr lang="de-DE"/>
+              <a:t>)</a:t>
+            </a:r>
+            <a:endParaRPr lang="de-DE" dirty="0"/>
           </a:p>
           <a:p>
             <a:r>
@@ -5007,10 +5013,9 @@
           <a:p>
             <a:pPr lvl="1"/>
             <a:r>
-              <a:rPr lang="de-DE" dirty="0" smtClean="0"/>
+              <a:rPr lang="de-DE" dirty="0"/>
               <a:t>Manuel Schmitt (J.K., S.N)</a:t>
             </a:r>
-            <a:endParaRPr lang="de-DE" dirty="0"/>
           </a:p>
           <a:p>
             <a:pPr>
@@ -5083,13 +5088,8 @@
             <a:pPr lvl="1"/>
             <a:r>
               <a:rPr lang="de-DE" dirty="0"/>
-              <a:t>Manuel Schmitt </a:t>
-            </a:r>
-            <a:r>
-              <a:rPr lang="de-DE" dirty="0" smtClean="0"/>
-              <a:t>(S. Nickel)</a:t>
-            </a:r>
-            <a:endParaRPr lang="de-DE" dirty="0"/>
+              <a:t>Manuel Schmitt (S. Nickel)</a:t>
+            </a:r>
           </a:p>
           <a:p>
             <a:r>
@@ -5339,14 +5339,14 @@
                 <a:gridCol w="1584176">
                   <a:extLst>
                     <a:ext uri="{9D8B030D-6E8A-4147-A177-3AD203B41FA5}">
-                      <a16:colId xmlns="" xmlns:a16="http://schemas.microsoft.com/office/drawing/2014/main" val="20000"/>
+                      <a16:colId xmlns:a16="http://schemas.microsoft.com/office/drawing/2014/main" val="20000"/>
                     </a:ext>
                   </a:extLst>
                 </a:gridCol>
                 <a:gridCol w="6480721">
                   <a:extLst>
                     <a:ext uri="{9D8B030D-6E8A-4147-A177-3AD203B41FA5}">
-                      <a16:colId xmlns="" xmlns:a16="http://schemas.microsoft.com/office/drawing/2014/main" val="20001"/>
+                      <a16:colId xmlns:a16="http://schemas.microsoft.com/office/drawing/2014/main" val="20001"/>
                     </a:ext>
                   </a:extLst>
                 </a:gridCol>
@@ -5388,7 +5388,7 @@
                 </a:tc>
                 <a:extLst>
                   <a:ext uri="{0D108BD9-81ED-4DB2-BD59-A6C34878D82A}">
-                    <a16:rowId xmlns="" xmlns:a16="http://schemas.microsoft.com/office/drawing/2014/main" val="10000"/>
+                    <a16:rowId xmlns:a16="http://schemas.microsoft.com/office/drawing/2014/main" val="10000"/>
                   </a:ext>
                 </a:extLst>
               </a:tr>
@@ -5568,7 +5568,7 @@
                 </a:tc>
                 <a:extLst>
                   <a:ext uri="{0D108BD9-81ED-4DB2-BD59-A6C34878D82A}">
-                    <a16:rowId xmlns="" xmlns:a16="http://schemas.microsoft.com/office/drawing/2014/main" val="10001"/>
+                    <a16:rowId xmlns:a16="http://schemas.microsoft.com/office/drawing/2014/main" val="10001"/>
                   </a:ext>
                 </a:extLst>
               </a:tr>
@@ -5708,7 +5708,7 @@
                 </a:tc>
                 <a:extLst>
                   <a:ext uri="{0D108BD9-81ED-4DB2-BD59-A6C34878D82A}">
-                    <a16:rowId xmlns="" xmlns:a16="http://schemas.microsoft.com/office/drawing/2014/main" val="10002"/>
+                    <a16:rowId xmlns:a16="http://schemas.microsoft.com/office/drawing/2014/main" val="10002"/>
                   </a:ext>
                 </a:extLst>
               </a:tr>
@@ -5828,7 +5828,7 @@
                 </a:tc>
                 <a:extLst>
                   <a:ext uri="{0D108BD9-81ED-4DB2-BD59-A6C34878D82A}">
-                    <a16:rowId xmlns="" xmlns:a16="http://schemas.microsoft.com/office/drawing/2014/main" val="10003"/>
+                    <a16:rowId xmlns:a16="http://schemas.microsoft.com/office/drawing/2014/main" val="10003"/>
                   </a:ext>
                 </a:extLst>
               </a:tr>
@@ -5980,14 +5980,14 @@
                 <a:gridCol w="1584176">
                   <a:extLst>
                     <a:ext uri="{9D8B030D-6E8A-4147-A177-3AD203B41FA5}">
-                      <a16:colId xmlns="" xmlns:a16="http://schemas.microsoft.com/office/drawing/2014/main" val="20000"/>
+                      <a16:colId xmlns:a16="http://schemas.microsoft.com/office/drawing/2014/main" val="20000"/>
                     </a:ext>
                   </a:extLst>
                 </a:gridCol>
                 <a:gridCol w="6480721">
                   <a:extLst>
                     <a:ext uri="{9D8B030D-6E8A-4147-A177-3AD203B41FA5}">
-                      <a16:colId xmlns="" xmlns:a16="http://schemas.microsoft.com/office/drawing/2014/main" val="20001"/>
+                      <a16:colId xmlns:a16="http://schemas.microsoft.com/office/drawing/2014/main" val="20001"/>
                     </a:ext>
                   </a:extLst>
                 </a:gridCol>
@@ -6024,7 +6024,7 @@
                 </a:tc>
                 <a:extLst>
                   <a:ext uri="{0D108BD9-81ED-4DB2-BD59-A6C34878D82A}">
-                    <a16:rowId xmlns="" xmlns:a16="http://schemas.microsoft.com/office/drawing/2014/main" val="10000"/>
+                    <a16:rowId xmlns:a16="http://schemas.microsoft.com/office/drawing/2014/main" val="10000"/>
                   </a:ext>
                 </a:extLst>
               </a:tr>
@@ -6077,7 +6077,7 @@
                 </a:tc>
                 <a:extLst>
                   <a:ext uri="{0D108BD9-81ED-4DB2-BD59-A6C34878D82A}">
-                    <a16:rowId xmlns="" xmlns:a16="http://schemas.microsoft.com/office/drawing/2014/main" val="10001"/>
+                    <a16:rowId xmlns:a16="http://schemas.microsoft.com/office/drawing/2014/main" val="10001"/>
                   </a:ext>
                 </a:extLst>
               </a:tr>
@@ -6154,7 +6154,7 @@
                 </a:tc>
                 <a:extLst>
                   <a:ext uri="{0D108BD9-81ED-4DB2-BD59-A6C34878D82A}">
-                    <a16:rowId xmlns="" xmlns:a16="http://schemas.microsoft.com/office/drawing/2014/main" val="10002"/>
+                    <a16:rowId xmlns:a16="http://schemas.microsoft.com/office/drawing/2014/main" val="10002"/>
                   </a:ext>
                 </a:extLst>
               </a:tr>
@@ -6197,7 +6197,7 @@
                 </a:tc>
                 <a:extLst>
                   <a:ext uri="{0D108BD9-81ED-4DB2-BD59-A6C34878D82A}">
-                    <a16:rowId xmlns="" xmlns:a16="http://schemas.microsoft.com/office/drawing/2014/main" val="10003"/>
+                    <a16:rowId xmlns:a16="http://schemas.microsoft.com/office/drawing/2014/main" val="10003"/>
                   </a:ext>
                 </a:extLst>
               </a:tr>
@@ -6354,14 +6354,14 @@
                 <a:gridCol w="1584176">
                   <a:extLst>
                     <a:ext uri="{9D8B030D-6E8A-4147-A177-3AD203B41FA5}">
-                      <a16:colId xmlns="" xmlns:a16="http://schemas.microsoft.com/office/drawing/2014/main" val="20000"/>
+                      <a16:colId xmlns:a16="http://schemas.microsoft.com/office/drawing/2014/main" val="20000"/>
                     </a:ext>
                   </a:extLst>
                 </a:gridCol>
                 <a:gridCol w="6480721">
                   <a:extLst>
                     <a:ext uri="{9D8B030D-6E8A-4147-A177-3AD203B41FA5}">
-                      <a16:colId xmlns="" xmlns:a16="http://schemas.microsoft.com/office/drawing/2014/main" val="20001"/>
+                      <a16:colId xmlns:a16="http://schemas.microsoft.com/office/drawing/2014/main" val="20001"/>
                     </a:ext>
                   </a:extLst>
                 </a:gridCol>
@@ -6389,7 +6389,7 @@
                     <a:p>
                       <a:pPr algn="ctr"/>
                       <a:r>
-                        <a:rPr lang="de-DE" sz="1800" dirty="0" smtClean="0"/>
+                        <a:rPr lang="de-DE" sz="1800" dirty="0"/>
                         <a:t>Manuel Schmitt</a:t>
                       </a:r>
                     </a:p>
@@ -6398,7 +6398,7 @@
                 </a:tc>
                 <a:extLst>
                   <a:ext uri="{0D108BD9-81ED-4DB2-BD59-A6C34878D82A}">
-                    <a16:rowId xmlns="" xmlns:a16="http://schemas.microsoft.com/office/drawing/2014/main" val="10000"/>
+                    <a16:rowId xmlns:a16="http://schemas.microsoft.com/office/drawing/2014/main" val="10000"/>
                   </a:ext>
                 </a:extLst>
               </a:tr>
@@ -6431,17 +6431,16 @@
                         <a:t> </a:t>
                       </a:r>
                       <a:r>
-                        <a:rPr lang="en-US" sz="1800" dirty="0" smtClean="0"/>
+                        <a:rPr lang="en-US" sz="1800" dirty="0"/>
                         <a:t>Working into the project and Unity Engine</a:t>
                       </a:r>
-                      <a:endParaRPr lang="en-US" sz="1800" dirty="0"/>
                     </a:p>
                   </a:txBody>
                   <a:tcPr/>
                 </a:tc>
                 <a:extLst>
                   <a:ext uri="{0D108BD9-81ED-4DB2-BD59-A6C34878D82A}">
-                    <a16:rowId xmlns="" xmlns:a16="http://schemas.microsoft.com/office/drawing/2014/main" val="10001"/>
+                    <a16:rowId xmlns:a16="http://schemas.microsoft.com/office/drawing/2014/main" val="10001"/>
                   </a:ext>
                 </a:extLst>
               </a:tr>
@@ -6474,63 +6473,63 @@
                         <a:t> </a:t>
                       </a:r>
                       <a:r>
-                        <a:rPr lang="de-DE" sz="1800" dirty="0" err="1" smtClean="0"/>
+                        <a:rPr lang="de-DE" sz="1800" dirty="0" err="1"/>
                         <a:t>Creation</a:t>
                       </a:r>
                       <a:r>
-                        <a:rPr lang="de-DE" sz="1800" baseline="0" dirty="0" smtClean="0"/>
-                        <a:t> </a:t>
-                      </a:r>
-                      <a:r>
-                        <a:rPr lang="de-DE" sz="1800" baseline="0" dirty="0" err="1" smtClean="0"/>
+                        <a:rPr lang="de-DE" sz="1800" baseline="0" dirty="0"/>
+                        <a:t> </a:t>
+                      </a:r>
+                      <a:r>
+                        <a:rPr lang="de-DE" sz="1800" baseline="0" dirty="0" err="1"/>
                         <a:t>of</a:t>
                       </a:r>
                       <a:r>
-                        <a:rPr lang="de-DE" sz="1800" baseline="0" dirty="0" smtClean="0"/>
+                        <a:rPr lang="de-DE" sz="1800" baseline="0" dirty="0"/>
                         <a:t> post-</a:t>
                       </a:r>
                       <a:r>
-                        <a:rPr lang="de-DE" sz="1800" baseline="0" dirty="0" err="1" smtClean="0"/>
+                        <a:rPr lang="de-DE" sz="1800" baseline="0" dirty="0" err="1"/>
                         <a:t>processing</a:t>
                       </a:r>
                       <a:r>
-                        <a:rPr lang="de-DE" sz="1800" baseline="0" dirty="0" smtClean="0"/>
-                        <a:t> </a:t>
-                      </a:r>
-                      <a:r>
-                        <a:rPr lang="de-DE" sz="1800" baseline="0" dirty="0" err="1" smtClean="0"/>
+                        <a:rPr lang="de-DE" sz="1800" baseline="0" dirty="0"/>
+                        <a:t> </a:t>
+                      </a:r>
+                      <a:r>
+                        <a:rPr lang="de-DE" sz="1800" baseline="0" dirty="0" err="1"/>
                         <a:t>effects</a:t>
                       </a:r>
                       <a:r>
-                        <a:rPr lang="de-DE" sz="1800" baseline="0" dirty="0" smtClean="0"/>
-                        <a:t> </a:t>
-                      </a:r>
-                      <a:r>
-                        <a:rPr lang="de-DE" sz="1800" baseline="0" dirty="0" err="1" smtClean="0"/>
+                        <a:rPr lang="de-DE" sz="1800" baseline="0" dirty="0"/>
+                        <a:t> </a:t>
+                      </a:r>
+                      <a:r>
+                        <a:rPr lang="de-DE" sz="1800" baseline="0" dirty="0" err="1"/>
                         <a:t>like</a:t>
                       </a:r>
                       <a:r>
-                        <a:rPr lang="de-DE" sz="1800" baseline="0" dirty="0" smtClean="0"/>
-                        <a:t> </a:t>
-                      </a:r>
-                      <a:r>
-                        <a:rPr lang="de-DE" sz="1800" baseline="0" dirty="0" err="1" smtClean="0"/>
+                        <a:rPr lang="de-DE" sz="1800" baseline="0" dirty="0"/>
+                        <a:t> </a:t>
+                      </a:r>
+                      <a:r>
+                        <a:rPr lang="de-DE" sz="1800" baseline="0" dirty="0" err="1"/>
                         <a:t>bloom</a:t>
                       </a:r>
                       <a:r>
-                        <a:rPr lang="de-DE" sz="1800" baseline="0" dirty="0" smtClean="0"/>
-                        <a:t> </a:t>
-                      </a:r>
-                      <a:r>
-                        <a:rPr lang="de-DE" sz="1800" baseline="0" dirty="0" err="1" smtClean="0"/>
+                        <a:rPr lang="de-DE" sz="1800" baseline="0" dirty="0"/>
+                        <a:t> </a:t>
+                      </a:r>
+                      <a:r>
+                        <a:rPr lang="de-DE" sz="1800" baseline="0" dirty="0" err="1"/>
                         <a:t>and</a:t>
                       </a:r>
                       <a:r>
-                        <a:rPr lang="de-DE" sz="1800" baseline="0" dirty="0" smtClean="0"/>
-                        <a:t> </a:t>
-                      </a:r>
-                      <a:r>
-                        <a:rPr lang="de-DE" sz="1800" baseline="0" dirty="0" err="1" smtClean="0"/>
+                        <a:rPr lang="de-DE" sz="1800" baseline="0" dirty="0"/>
+                        <a:t> </a:t>
+                      </a:r>
+                      <a:r>
+                        <a:rPr lang="de-DE" sz="1800" baseline="0" dirty="0" err="1"/>
                         <a:t>blur</a:t>
                       </a:r>
                       <a:endParaRPr lang="de-DE" sz="1800" dirty="0"/>
@@ -6540,7 +6539,7 @@
                 </a:tc>
                 <a:extLst>
                   <a:ext uri="{0D108BD9-81ED-4DB2-BD59-A6C34878D82A}">
-                    <a16:rowId xmlns="" xmlns:a16="http://schemas.microsoft.com/office/drawing/2014/main" val="10002"/>
+                    <a16:rowId xmlns:a16="http://schemas.microsoft.com/office/drawing/2014/main" val="10002"/>
                   </a:ext>
                 </a:extLst>
               </a:tr>
@@ -6573,11 +6572,11 @@
                         <a:t> </a:t>
                       </a:r>
                       <a:r>
-                        <a:rPr lang="en-US" sz="1800" dirty="0" smtClean="0"/>
+                        <a:rPr lang="en-US" sz="1800" dirty="0"/>
                         <a:t>Creation of ambient-occlusion-light</a:t>
                       </a:r>
                       <a:r>
-                        <a:rPr lang="en-US" sz="1800" baseline="0" dirty="0" smtClean="0"/>
+                        <a:rPr lang="en-US" sz="1800" baseline="0" dirty="0"/>
                         <a:t> -map</a:t>
                       </a:r>
                       <a:endParaRPr lang="de-DE" sz="1800" dirty="0"/>
@@ -6587,7 +6586,7 @@
                 </a:tc>
                 <a:extLst>
                   <a:ext uri="{0D108BD9-81ED-4DB2-BD59-A6C34878D82A}">
-                    <a16:rowId xmlns="" xmlns:a16="http://schemas.microsoft.com/office/drawing/2014/main" val="10003"/>
+                    <a16:rowId xmlns:a16="http://schemas.microsoft.com/office/drawing/2014/main" val="10003"/>
                   </a:ext>
                 </a:extLst>
               </a:tr>
@@ -6744,14 +6743,14 @@
                 <a:gridCol w="1584176">
                   <a:extLst>
                     <a:ext uri="{9D8B030D-6E8A-4147-A177-3AD203B41FA5}">
-                      <a16:colId xmlns="" xmlns:a16="http://schemas.microsoft.com/office/drawing/2014/main" val="20000"/>
+                      <a16:colId xmlns:a16="http://schemas.microsoft.com/office/drawing/2014/main" val="20000"/>
                     </a:ext>
                   </a:extLst>
                 </a:gridCol>
                 <a:gridCol w="6480721">
                   <a:extLst>
                     <a:ext uri="{9D8B030D-6E8A-4147-A177-3AD203B41FA5}">
-                      <a16:colId xmlns="" xmlns:a16="http://schemas.microsoft.com/office/drawing/2014/main" val="20001"/>
+                      <a16:colId xmlns:a16="http://schemas.microsoft.com/office/drawing/2014/main" val="20001"/>
                     </a:ext>
                   </a:extLst>
                 </a:gridCol>
@@ -6779,17 +6778,16 @@
                     <a:p>
                       <a:pPr algn="ctr"/>
                       <a:r>
-                        <a:rPr lang="de-DE" sz="1800" dirty="0" smtClean="0"/>
+                        <a:rPr lang="de-DE" sz="1800" dirty="0"/>
                         <a:t>Sebastian Nickel</a:t>
                       </a:r>
-                      <a:endParaRPr lang="de-DE" sz="1800" dirty="0" smtClean="0"/>
                     </a:p>
                   </a:txBody>
                   <a:tcPr/>
                 </a:tc>
                 <a:extLst>
                   <a:ext uri="{0D108BD9-81ED-4DB2-BD59-A6C34878D82A}">
-                    <a16:rowId xmlns="" xmlns:a16="http://schemas.microsoft.com/office/drawing/2014/main" val="10000"/>
+                    <a16:rowId xmlns:a16="http://schemas.microsoft.com/office/drawing/2014/main" val="10000"/>
                   </a:ext>
                 </a:extLst>
               </a:tr>
@@ -6822,55 +6820,55 @@
                         <a:t> </a:t>
                       </a:r>
                       <a:r>
-                        <a:rPr lang="de-DE" sz="1800" dirty="0" err="1" smtClean="0"/>
+                        <a:rPr lang="de-DE" sz="1800" dirty="0" err="1"/>
                         <a:t>Raw</a:t>
                       </a:r>
                       <a:r>
-                        <a:rPr lang="de-DE" sz="1800" dirty="0" smtClean="0"/>
-                        <a:t> </a:t>
-                      </a:r>
-                      <a:r>
-                        <a:rPr lang="de-DE" sz="1800" dirty="0" err="1" smtClean="0"/>
+                        <a:rPr lang="de-DE" sz="1800" dirty="0"/>
+                        <a:t> </a:t>
+                      </a:r>
+                      <a:r>
+                        <a:rPr lang="de-DE" sz="1800" dirty="0" err="1"/>
                         <a:t>comprehension</a:t>
                       </a:r>
                       <a:r>
-                        <a:rPr lang="de-DE" sz="1800" baseline="0" dirty="0" smtClean="0"/>
-                        <a:t> </a:t>
-                      </a:r>
-                      <a:r>
-                        <a:rPr lang="de-DE" sz="1800" baseline="0" dirty="0" err="1" smtClean="0"/>
+                        <a:rPr lang="de-DE" sz="1800" baseline="0" dirty="0"/>
+                        <a:t> </a:t>
+                      </a:r>
+                      <a:r>
+                        <a:rPr lang="de-DE" sz="1800" baseline="0" dirty="0" err="1"/>
                         <a:t>of</a:t>
                       </a:r>
                       <a:r>
-                        <a:rPr lang="de-DE" sz="1800" baseline="0" dirty="0" smtClean="0"/>
-                        <a:t> </a:t>
-                      </a:r>
-                      <a:r>
-                        <a:rPr lang="de-DE" sz="1800" baseline="0" dirty="0" err="1" smtClean="0"/>
+                        <a:rPr lang="de-DE" sz="1800" baseline="0" dirty="0"/>
+                        <a:t> </a:t>
+                      </a:r>
+                      <a:r>
+                        <a:rPr lang="de-DE" sz="1800" baseline="0" dirty="0" err="1"/>
                         <a:t>the</a:t>
                       </a:r>
                       <a:r>
-                        <a:rPr lang="de-DE" sz="1800" baseline="0" dirty="0" smtClean="0"/>
-                        <a:t> </a:t>
-                      </a:r>
-                      <a:r>
-                        <a:rPr lang="de-DE" sz="1800" baseline="0" dirty="0" err="1" smtClean="0"/>
+                        <a:rPr lang="de-DE" sz="1800" baseline="0" dirty="0"/>
+                        <a:t> </a:t>
+                      </a:r>
+                      <a:r>
+                        <a:rPr lang="de-DE" sz="1800" baseline="0" dirty="0" err="1"/>
                         <a:t>laws</a:t>
                       </a:r>
                       <a:r>
-                        <a:rPr lang="de-DE" sz="1800" baseline="0" dirty="0" smtClean="0"/>
-                        <a:t> </a:t>
-                      </a:r>
-                      <a:r>
-                        <a:rPr lang="de-DE" sz="1800" baseline="0" dirty="0" err="1" smtClean="0"/>
+                        <a:rPr lang="de-DE" sz="1800" baseline="0" dirty="0"/>
+                        <a:t> </a:t>
+                      </a:r>
+                      <a:r>
+                        <a:rPr lang="de-DE" sz="1800" baseline="0" dirty="0" err="1"/>
                         <a:t>of</a:t>
                       </a:r>
                       <a:r>
-                        <a:rPr lang="de-DE" sz="1800" baseline="0" dirty="0" smtClean="0"/>
-                        <a:t> </a:t>
-                      </a:r>
-                      <a:r>
-                        <a:rPr lang="de-DE" sz="1800" baseline="0" dirty="0" err="1" smtClean="0"/>
+                        <a:rPr lang="de-DE" sz="1800" baseline="0" dirty="0"/>
+                        <a:t> </a:t>
+                      </a:r>
+                      <a:r>
+                        <a:rPr lang="de-DE" sz="1800" baseline="0" dirty="0" err="1"/>
                         <a:t>aerodynamics</a:t>
                       </a:r>
                       <a:endParaRPr lang="en-US" sz="1800" dirty="0"/>
@@ -6880,7 +6878,7 @@
                 </a:tc>
                 <a:extLst>
                   <a:ext uri="{0D108BD9-81ED-4DB2-BD59-A6C34878D82A}">
-                    <a16:rowId xmlns="" xmlns:a16="http://schemas.microsoft.com/office/drawing/2014/main" val="10001"/>
+                    <a16:rowId xmlns:a16="http://schemas.microsoft.com/office/drawing/2014/main" val="10001"/>
                   </a:ext>
                 </a:extLst>
               </a:tr>
@@ -6913,65 +6911,65 @@
                         <a:t> </a:t>
                       </a:r>
                       <a:r>
-                        <a:rPr lang="de-DE" sz="1800" dirty="0" err="1" smtClean="0"/>
+                        <a:rPr lang="de-DE" sz="1800" dirty="0" err="1"/>
                         <a:t>Prototyping</a:t>
                       </a:r>
                       <a:r>
-                        <a:rPr lang="de-DE" sz="1800" baseline="0" dirty="0" smtClean="0"/>
-                        <a:t> </a:t>
-                      </a:r>
-                      <a:r>
-                        <a:rPr lang="de-DE" sz="1800" baseline="0" dirty="0" err="1" smtClean="0"/>
+                        <a:rPr lang="de-DE" sz="1800" baseline="0" dirty="0"/>
+                        <a:t> </a:t>
+                      </a:r>
+                      <a:r>
+                        <a:rPr lang="de-DE" sz="1800" baseline="0" dirty="0" err="1"/>
                         <a:t>first</a:t>
                       </a:r>
                       <a:r>
-                        <a:rPr lang="de-DE" sz="1800" baseline="0" dirty="0" smtClean="0"/>
-                        <a:t> </a:t>
-                      </a:r>
-                      <a:r>
-                        <a:rPr lang="de-DE" sz="1800" baseline="0" dirty="0" err="1" smtClean="0"/>
+                        <a:rPr lang="de-DE" sz="1800" baseline="0" dirty="0"/>
+                        <a:t> </a:t>
+                      </a:r>
+                      <a:r>
+                        <a:rPr lang="de-DE" sz="1800" baseline="0" dirty="0" err="1"/>
                         <a:t>aerodynamic</a:t>
                       </a:r>
                       <a:r>
-                        <a:rPr lang="de-DE" sz="1800" baseline="0" dirty="0" smtClean="0"/>
-                        <a:t> </a:t>
-                      </a:r>
-                      <a:r>
-                        <a:rPr lang="de-DE" sz="1800" baseline="0" dirty="0" err="1" smtClean="0"/>
+                        <a:rPr lang="de-DE" sz="1800" baseline="0" dirty="0"/>
+                        <a:t> </a:t>
+                      </a:r>
+                      <a:r>
+                        <a:rPr lang="de-DE" sz="1800" baseline="0" dirty="0" err="1"/>
                         <a:t>model</a:t>
                       </a:r>
                       <a:r>
-                        <a:rPr lang="de-DE" sz="1800" baseline="0" dirty="0" smtClean="0"/>
-                        <a:t> </a:t>
-                      </a:r>
-                      <a:r>
-                        <a:rPr lang="de-DE" sz="1800" baseline="0" dirty="0" err="1" smtClean="0"/>
+                        <a:rPr lang="de-DE" sz="1800" baseline="0" dirty="0"/>
+                        <a:t> </a:t>
+                      </a:r>
+                      <a:r>
+                        <a:rPr lang="de-DE" sz="1800" baseline="0" dirty="0" err="1"/>
                         <a:t>for</a:t>
                       </a:r>
                       <a:r>
-                        <a:rPr lang="de-DE" sz="1800" baseline="0" dirty="0" smtClean="0"/>
-                        <a:t> </a:t>
-                      </a:r>
-                      <a:r>
-                        <a:rPr lang="de-DE" sz="1800" baseline="0" dirty="0" err="1" smtClean="0"/>
+                        <a:rPr lang="de-DE" sz="1800" baseline="0" dirty="0"/>
+                        <a:t> </a:t>
+                      </a:r>
+                      <a:r>
+                        <a:rPr lang="de-DE" sz="1800" baseline="0" dirty="0" err="1"/>
                         <a:t>the</a:t>
                       </a:r>
                       <a:r>
-                        <a:rPr lang="de-DE" sz="1800" baseline="0" dirty="0" smtClean="0"/>
-                        <a:t> </a:t>
-                      </a:r>
-                      <a:r>
-                        <a:rPr lang="de-DE" sz="1800" baseline="0" dirty="0" err="1" smtClean="0"/>
+                        <a:rPr lang="de-DE" sz="1800" baseline="0" dirty="0"/>
+                        <a:t> </a:t>
+                      </a:r>
+                      <a:r>
+                        <a:rPr lang="de-DE" sz="1800" baseline="0" dirty="0" err="1"/>
                         <a:t>game</a:t>
                       </a:r>
-                      <a:endParaRPr lang="de-DE" sz="1800" baseline="0" dirty="0" smtClean="0"/>
+                      <a:endParaRPr lang="de-DE" sz="1800" baseline="0" dirty="0"/>
                     </a:p>
                   </a:txBody>
                   <a:tcPr/>
                 </a:tc>
                 <a:extLst>
                   <a:ext uri="{0D108BD9-81ED-4DB2-BD59-A6C34878D82A}">
-                    <a16:rowId xmlns="" xmlns:a16="http://schemas.microsoft.com/office/drawing/2014/main" val="10002"/>
+                    <a16:rowId xmlns:a16="http://schemas.microsoft.com/office/drawing/2014/main" val="10002"/>
                   </a:ext>
                 </a:extLst>
               </a:tr>
@@ -7004,31 +7002,31 @@
                         <a:t> </a:t>
                       </a:r>
                       <a:r>
-                        <a:rPr lang="de-DE" sz="1800" dirty="0" err="1" smtClean="0"/>
+                        <a:rPr lang="de-DE" sz="1800" dirty="0" err="1"/>
                         <a:t>Continue</a:t>
                       </a:r>
                       <a:r>
-                        <a:rPr lang="de-DE" sz="1800" dirty="0" smtClean="0"/>
-                        <a:t> </a:t>
-                      </a:r>
-                      <a:r>
-                        <a:rPr lang="de-DE" sz="1800" dirty="0" err="1" smtClean="0"/>
+                        <a:rPr lang="de-DE" sz="1800" dirty="0"/>
+                        <a:t> </a:t>
+                      </a:r>
+                      <a:r>
+                        <a:rPr lang="de-DE" sz="1800" dirty="0" err="1"/>
                         <a:t>to</a:t>
                       </a:r>
                       <a:r>
-                        <a:rPr lang="de-DE" sz="1800" dirty="0" smtClean="0"/>
-                        <a:t> </a:t>
-                      </a:r>
-                      <a:r>
-                        <a:rPr lang="de-DE" sz="1800" dirty="0" err="1" smtClean="0"/>
+                        <a:rPr lang="de-DE" sz="1800" dirty="0"/>
+                        <a:t> </a:t>
+                      </a:r>
+                      <a:r>
+                        <a:rPr lang="de-DE" sz="1800" dirty="0" err="1"/>
                         <a:t>work</a:t>
                       </a:r>
                       <a:r>
-                        <a:rPr lang="de-DE" sz="1800" dirty="0" smtClean="0"/>
+                        <a:rPr lang="de-DE" sz="1800" dirty="0"/>
                         <a:t> on</a:t>
                       </a:r>
                       <a:r>
-                        <a:rPr lang="de-DE" sz="1800" baseline="0" dirty="0" smtClean="0"/>
+                        <a:rPr lang="de-DE" sz="1800" baseline="0" dirty="0"/>
                         <a:t> prototype</a:t>
                       </a:r>
                       <a:endParaRPr lang="de-DE" sz="1800" dirty="0"/>
@@ -7038,7 +7036,7 @@
                 </a:tc>
                 <a:extLst>
                   <a:ext uri="{0D108BD9-81ED-4DB2-BD59-A6C34878D82A}">
-                    <a16:rowId xmlns="" xmlns:a16="http://schemas.microsoft.com/office/drawing/2014/main" val="10003"/>
+                    <a16:rowId xmlns:a16="http://schemas.microsoft.com/office/drawing/2014/main" val="10003"/>
                   </a:ext>
                 </a:extLst>
               </a:tr>
@@ -7108,7 +7106,7 @@
                   <a:srgbClr val="FF0000"/>
                 </a:solidFill>
               </a:rPr>
-              <a:t> 2</a:t>
+              <a:t> 1</a:t>
             </a:r>
           </a:p>
         </p:txBody>
@@ -7162,6 +7160,384 @@
               <a:rPr lang="de-DE" smtClean="0"/>
               <a:pPr/>
               <a:t>15</a:t>
+            </a:fld>
+            <a:endParaRPr lang="de-DE"/>
+          </a:p>
+        </p:txBody>
+      </p:sp>
+      <p:graphicFrame>
+        <p:nvGraphicFramePr>
+          <p:cNvPr id="8" name="Tabelle 7"/>
+          <p:cNvGraphicFramePr>
+            <a:graphicFrameLocks noGrp="1"/>
+          </p:cNvGraphicFramePr>
+          <p:nvPr>
+            <p:extLst>
+              <p:ext uri="{D42A27DB-BD31-4B8C-83A1-F6EECF244321}">
+                <p14:modId xmlns:p14="http://schemas.microsoft.com/office/powerpoint/2010/main" val="4095723094"/>
+              </p:ext>
+            </p:extLst>
+          </p:nvPr>
+        </p:nvGraphicFramePr>
+        <p:xfrm>
+          <a:off x="539552" y="1849388"/>
+          <a:ext cx="8064897" cy="1483360"/>
+        </p:xfrm>
+        <a:graphic>
+          <a:graphicData uri="http://schemas.openxmlformats.org/drawingml/2006/table">
+            <a:tbl>
+              <a:tblPr firstRow="1" bandRow="1">
+                <a:tableStyleId>{5C22544A-7EE6-4342-B048-85BDC9FD1C3A}</a:tableStyleId>
+              </a:tblPr>
+              <a:tblGrid>
+                <a:gridCol w="1584176">
+                  <a:extLst>
+                    <a:ext uri="{9D8B030D-6E8A-4147-A177-3AD203B41FA5}">
+                      <a16:colId xmlns:a16="http://schemas.microsoft.com/office/drawing/2014/main" val="20000"/>
+                    </a:ext>
+                  </a:extLst>
+                </a:gridCol>
+                <a:gridCol w="6480721">
+                  <a:extLst>
+                    <a:ext uri="{9D8B030D-6E8A-4147-A177-3AD203B41FA5}">
+                      <a16:colId xmlns:a16="http://schemas.microsoft.com/office/drawing/2014/main" val="20001"/>
+                    </a:ext>
+                  </a:extLst>
+                </a:gridCol>
+              </a:tblGrid>
+              <a:tr h="370840">
+                <a:tc>
+                  <a:txBody>
+                    <a:bodyPr/>
+                    <a:lstStyle/>
+                    <a:p>
+                      <a:pPr algn="ctr"/>
+                      <a:r>
+                        <a:rPr lang="de-DE" sz="1800" dirty="0" err="1"/>
+                        <a:t>Week</a:t>
+                      </a:r>
+                      <a:endParaRPr lang="de-DE" sz="1800" dirty="0"/>
+                    </a:p>
+                  </a:txBody>
+                  <a:tcPr/>
+                </a:tc>
+                <a:tc>
+                  <a:txBody>
+                    <a:bodyPr/>
+                    <a:lstStyle/>
+                    <a:p>
+                      <a:pPr algn="ctr"/>
+                      <a:r>
+                        <a:rPr lang="de-DE" sz="1800" dirty="0"/>
+                        <a:t>Sascha </a:t>
+                      </a:r>
+                      <a:r>
+                        <a:rPr lang="de-DE" sz="1800" dirty="0" err="1"/>
+                        <a:t>Ibach</a:t>
+                      </a:r>
+                      <a:endParaRPr lang="de-DE" sz="1800" dirty="0"/>
+                    </a:p>
+                  </a:txBody>
+                  <a:tcPr/>
+                </a:tc>
+                <a:extLst>
+                  <a:ext uri="{0D108BD9-81ED-4DB2-BD59-A6C34878D82A}">
+                    <a16:rowId xmlns:a16="http://schemas.microsoft.com/office/drawing/2014/main" val="10000"/>
+                  </a:ext>
+                </a:extLst>
+              </a:tr>
+              <a:tr h="370840">
+                <a:tc>
+                  <a:txBody>
+                    <a:bodyPr/>
+                    <a:lstStyle/>
+                    <a:p>
+                      <a:pPr algn="l"/>
+                      <a:r>
+                        <a:rPr lang="de-DE" sz="1800" dirty="0"/>
+                        <a:t>05.12 – 05.19</a:t>
+                      </a:r>
+                    </a:p>
+                  </a:txBody>
+                  <a:tcPr/>
+                </a:tc>
+                <a:tc>
+                  <a:txBody>
+                    <a:bodyPr/>
+                    <a:lstStyle/>
+                    <a:p>
+                      <a:pPr lvl="0">
+                        <a:buFont typeface="Arial" pitchFamily="34" charset="0"/>
+                        <a:buChar char="•"/>
+                      </a:pPr>
+                      <a:r>
+                        <a:rPr lang="de-DE" sz="1800" dirty="0"/>
+                        <a:t> </a:t>
+                      </a:r>
+                      <a:r>
+                        <a:rPr lang="en-US" sz="1800" dirty="0"/>
+                        <a:t>Working into the project and Unity Engine</a:t>
+                      </a:r>
+                    </a:p>
+                  </a:txBody>
+                  <a:tcPr/>
+                </a:tc>
+                <a:extLst>
+                  <a:ext uri="{0D108BD9-81ED-4DB2-BD59-A6C34878D82A}">
+                    <a16:rowId xmlns:a16="http://schemas.microsoft.com/office/drawing/2014/main" val="10001"/>
+                  </a:ext>
+                </a:extLst>
+              </a:tr>
+              <a:tr h="370840">
+                <a:tc>
+                  <a:txBody>
+                    <a:bodyPr/>
+                    <a:lstStyle/>
+                    <a:p>
+                      <a:pPr algn="l"/>
+                      <a:r>
+                        <a:rPr lang="de-DE" sz="1800" dirty="0"/>
+                        <a:t>05.19 – 05.26</a:t>
+                      </a:r>
+                    </a:p>
+                  </a:txBody>
+                  <a:tcPr/>
+                </a:tc>
+                <a:tc>
+                  <a:txBody>
+                    <a:bodyPr/>
+                    <a:lstStyle/>
+                    <a:p>
+                      <a:pPr lvl="0">
+                        <a:buFont typeface="Arial" pitchFamily="34" charset="0"/>
+                        <a:buChar char="•"/>
+                      </a:pPr>
+                      <a:r>
+                        <a:rPr lang="de-DE" sz="1800" dirty="0"/>
+                        <a:t> Working </a:t>
+                      </a:r>
+                      <a:r>
+                        <a:rPr lang="de-DE" sz="1800" dirty="0" err="1"/>
+                        <a:t>into</a:t>
+                      </a:r>
+                      <a:r>
+                        <a:rPr lang="de-DE" sz="1800" dirty="0"/>
+                        <a:t> </a:t>
+                      </a:r>
+                      <a:r>
+                        <a:rPr lang="de-DE" sz="1800" dirty="0" err="1"/>
+                        <a:t>Oculus</a:t>
+                      </a:r>
+                      <a:r>
+                        <a:rPr lang="de-DE" sz="1800" baseline="0" dirty="0"/>
+                        <a:t> </a:t>
+                      </a:r>
+                      <a:r>
+                        <a:rPr lang="de-DE" sz="1800" baseline="0" dirty="0" err="1"/>
+                        <a:t>and</a:t>
+                      </a:r>
+                      <a:r>
+                        <a:rPr lang="de-DE" sz="1800" dirty="0"/>
+                        <a:t> </a:t>
+                      </a:r>
+                      <a:r>
+                        <a:rPr lang="de-DE" sz="1800" dirty="0" err="1"/>
+                        <a:t>possible</a:t>
+                      </a:r>
+                      <a:r>
+                        <a:rPr lang="de-DE" sz="1800" dirty="0"/>
+                        <a:t> </a:t>
+                      </a:r>
+                      <a:r>
+                        <a:rPr lang="de-DE" sz="1800" dirty="0" err="1"/>
+                        <a:t>improvements</a:t>
+                      </a:r>
+                      <a:endParaRPr lang="de-DE" sz="1800" dirty="0"/>
+                    </a:p>
+                  </a:txBody>
+                  <a:tcPr/>
+                </a:tc>
+                <a:extLst>
+                  <a:ext uri="{0D108BD9-81ED-4DB2-BD59-A6C34878D82A}">
+                    <a16:rowId xmlns:a16="http://schemas.microsoft.com/office/drawing/2014/main" val="10002"/>
+                  </a:ext>
+                </a:extLst>
+              </a:tr>
+              <a:tr h="370840">
+                <a:tc>
+                  <a:txBody>
+                    <a:bodyPr/>
+                    <a:lstStyle/>
+                    <a:p>
+                      <a:pPr algn="l"/>
+                      <a:r>
+                        <a:rPr lang="de-DE" sz="1800" dirty="0"/>
+                        <a:t>05.26 – 06.02</a:t>
+                      </a:r>
+                    </a:p>
+                  </a:txBody>
+                  <a:tcPr/>
+                </a:tc>
+                <a:tc>
+                  <a:txBody>
+                    <a:bodyPr/>
+                    <a:lstStyle/>
+                    <a:p>
+                      <a:pPr lvl="0">
+                        <a:buFont typeface="Arial" pitchFamily="34" charset="0"/>
+                        <a:buChar char="•"/>
+                      </a:pPr>
+                      <a:r>
+                        <a:rPr lang="de-DE" sz="1800" dirty="0"/>
+                        <a:t> </a:t>
+                      </a:r>
+                      <a:r>
+                        <a:rPr lang="de-DE" sz="1800" dirty="0" err="1"/>
+                        <a:t>Oculus</a:t>
+                      </a:r>
+                      <a:r>
+                        <a:rPr lang="de-DE" sz="1800" baseline="0" dirty="0"/>
+                        <a:t> </a:t>
+                      </a:r>
+                      <a:r>
+                        <a:rPr lang="de-DE" sz="1800" baseline="0" dirty="0" err="1"/>
+                        <a:t>improvements</a:t>
+                      </a:r>
+                      <a:r>
+                        <a:rPr lang="de-DE" sz="1800" baseline="0" dirty="0"/>
+                        <a:t> (Menu, …)</a:t>
+                      </a:r>
+                      <a:endParaRPr lang="de-DE" sz="1800" dirty="0"/>
+                    </a:p>
+                  </a:txBody>
+                  <a:tcPr/>
+                </a:tc>
+                <a:extLst>
+                  <a:ext uri="{0D108BD9-81ED-4DB2-BD59-A6C34878D82A}">
+                    <a16:rowId xmlns:a16="http://schemas.microsoft.com/office/drawing/2014/main" val="10003"/>
+                  </a:ext>
+                </a:extLst>
+              </a:tr>
+            </a:tbl>
+          </a:graphicData>
+        </a:graphic>
+      </p:graphicFrame>
+    </p:spTree>
+    <p:extLst>
+      <p:ext uri="{BB962C8B-B14F-4D97-AF65-F5344CB8AC3E}">
+        <p14:creationId xmlns:p14="http://schemas.microsoft.com/office/powerpoint/2010/main" val="3248075059"/>
+      </p:ext>
+    </p:extLst>
+  </p:cSld>
+  <p:clrMapOvr>
+    <a:masterClrMapping/>
+  </p:clrMapOvr>
+</p:sld>
+</file>
+
+<file path=ppt/slides/slide16.xml><?xml version="1.0" encoding="utf-8"?>
+<p:sld xmlns:a="http://schemas.openxmlformats.org/drawingml/2006/main" xmlns:r="http://schemas.openxmlformats.org/officeDocument/2006/relationships" xmlns:p="http://schemas.openxmlformats.org/presentationml/2006/main">
+  <p:cSld>
+    <p:spTree>
+      <p:nvGrpSpPr>
+        <p:cNvPr id="1" name=""/>
+        <p:cNvGrpSpPr/>
+        <p:nvPr/>
+      </p:nvGrpSpPr>
+      <p:grpSpPr>
+        <a:xfrm>
+          <a:off x="0" y="0"/>
+          <a:ext cx="0" cy="0"/>
+          <a:chOff x="0" y="0"/>
+          <a:chExt cx="0" cy="0"/>
+        </a:xfrm>
+      </p:grpSpPr>
+      <p:sp>
+        <p:nvSpPr>
+          <p:cNvPr id="2" name="Titel 1"/>
+          <p:cNvSpPr>
+            <a:spLocks noGrp="1"/>
+          </p:cNvSpPr>
+          <p:nvPr>
+            <p:ph type="title"/>
+          </p:nvPr>
+        </p:nvSpPr>
+        <p:spPr/>
+        <p:txBody>
+          <a:bodyPr>
+            <a:normAutofit/>
+          </a:bodyPr>
+          <a:lstStyle/>
+          <a:p>
+            <a:pPr algn="ctr"/>
+            <a:r>
+              <a:rPr lang="de-DE" dirty="0" err="1">
+                <a:solidFill>
+                  <a:srgbClr val="FF0000"/>
+                </a:solidFill>
+              </a:rPr>
+              <a:t>Milestone</a:t>
+            </a:r>
+            <a:r>
+              <a:rPr lang="de-DE" dirty="0">
+                <a:solidFill>
+                  <a:srgbClr val="FF0000"/>
+                </a:solidFill>
+              </a:rPr>
+              <a:t> 2</a:t>
+            </a:r>
+          </a:p>
+        </p:txBody>
+      </p:sp>
+      <p:sp>
+        <p:nvSpPr>
+          <p:cNvPr id="9" name="Inhaltsplatzhalter 8"/>
+          <p:cNvSpPr>
+            <a:spLocks noGrp="1"/>
+          </p:cNvSpPr>
+          <p:nvPr>
+            <p:ph idx="1"/>
+          </p:nvPr>
+        </p:nvSpPr>
+        <p:spPr/>
+        <p:txBody>
+          <a:bodyPr>
+            <a:normAutofit/>
+          </a:bodyPr>
+          <a:lstStyle/>
+          <a:p>
+            <a:endParaRPr lang="de-DE" dirty="0"/>
+          </a:p>
+          <a:p>
+            <a:pPr>
+              <a:buNone/>
+            </a:pPr>
+            <a:endParaRPr lang="de-DE" dirty="0"/>
+          </a:p>
+          <a:p>
+            <a:endParaRPr lang="de-DE" dirty="0"/>
+          </a:p>
+        </p:txBody>
+      </p:sp>
+      <p:sp>
+        <p:nvSpPr>
+          <p:cNvPr id="11" name="Foliennummernplatzhalter 10"/>
+          <p:cNvSpPr>
+            <a:spLocks noGrp="1"/>
+          </p:cNvSpPr>
+          <p:nvPr>
+            <p:ph type="sldNum" sz="quarter" idx="12"/>
+          </p:nvPr>
+        </p:nvSpPr>
+        <p:spPr/>
+        <p:txBody>
+          <a:bodyPr/>
+          <a:lstStyle/>
+          <a:p>
+            <a:fld id="{6C6AE60A-B69C-4790-82F7-3882EDF23186}" type="slidenum">
+              <a:rPr lang="de-DE" smtClean="0"/>
+              <a:pPr/>
+              <a:t>16</a:t>
             </a:fld>
             <a:endParaRPr lang="de-DE"/>
           </a:p>
@@ -7189,14 +7565,14 @@
                 <a:gridCol w="1584176">
                   <a:extLst>
                     <a:ext uri="{9D8B030D-6E8A-4147-A177-3AD203B41FA5}">
-                      <a16:colId xmlns="" xmlns:a16="http://schemas.microsoft.com/office/drawing/2014/main" val="20000"/>
+                      <a16:colId xmlns:a16="http://schemas.microsoft.com/office/drawing/2014/main" val="20000"/>
                     </a:ext>
                   </a:extLst>
                 </a:gridCol>
                 <a:gridCol w="6480721">
                   <a:extLst>
                     <a:ext uri="{9D8B030D-6E8A-4147-A177-3AD203B41FA5}">
-                      <a16:colId xmlns="" xmlns:a16="http://schemas.microsoft.com/office/drawing/2014/main" val="20001"/>
+                      <a16:colId xmlns:a16="http://schemas.microsoft.com/office/drawing/2014/main" val="20001"/>
                     </a:ext>
                   </a:extLst>
                 </a:gridCol>
@@ -7238,7 +7614,7 @@
                 </a:tc>
                 <a:extLst>
                   <a:ext uri="{0D108BD9-81ED-4DB2-BD59-A6C34878D82A}">
-                    <a16:rowId xmlns="" xmlns:a16="http://schemas.microsoft.com/office/drawing/2014/main" val="10000"/>
+                    <a16:rowId xmlns:a16="http://schemas.microsoft.com/office/drawing/2014/main" val="10000"/>
                   </a:ext>
                 </a:extLst>
               </a:tr>
@@ -7410,7 +7786,7 @@
                 </a:tc>
                 <a:extLst>
                   <a:ext uri="{0D108BD9-81ED-4DB2-BD59-A6C34878D82A}">
-                    <a16:rowId xmlns="" xmlns:a16="http://schemas.microsoft.com/office/drawing/2014/main" val="10001"/>
+                    <a16:rowId xmlns:a16="http://schemas.microsoft.com/office/drawing/2014/main" val="10001"/>
                   </a:ext>
                 </a:extLst>
               </a:tr>
@@ -7531,7 +7907,7 @@
                 </a:tc>
                 <a:extLst>
                   <a:ext uri="{0D108BD9-81ED-4DB2-BD59-A6C34878D82A}">
-                    <a16:rowId xmlns="" xmlns:a16="http://schemas.microsoft.com/office/drawing/2014/main" val="10002"/>
+                    <a16:rowId xmlns:a16="http://schemas.microsoft.com/office/drawing/2014/main" val="10002"/>
                   </a:ext>
                 </a:extLst>
               </a:tr>
@@ -7620,7 +7996,7 @@
                 </a:tc>
                 <a:extLst>
                   <a:ext uri="{0D108BD9-81ED-4DB2-BD59-A6C34878D82A}">
-                    <a16:rowId xmlns="" xmlns:a16="http://schemas.microsoft.com/office/drawing/2014/main" val="10003"/>
+                    <a16:rowId xmlns:a16="http://schemas.microsoft.com/office/drawing/2014/main" val="10003"/>
                   </a:ext>
                 </a:extLst>
               </a:tr>
@@ -7636,7 +8012,7 @@
 </p:sld>
 </file>
 
-<file path=ppt/slides/slide16.xml><?xml version="1.0" encoding="utf-8"?>
+<file path=ppt/slides/slide17.xml><?xml version="1.0" encoding="utf-8"?>
 <p:sld xmlns:a="http://schemas.openxmlformats.org/drawingml/2006/main" xmlns:r="http://schemas.openxmlformats.org/officeDocument/2006/relationships" xmlns:p="http://schemas.openxmlformats.org/presentationml/2006/main">
   <p:cSld>
     <p:spTree>
@@ -7738,7 +8114,7 @@
             <a:fld id="{6C6AE60A-B69C-4790-82F7-3882EDF23186}" type="slidenum">
               <a:rPr lang="de-DE" smtClean="0"/>
               <a:pPr/>
-              <a:t>16</a:t>
+              <a:t>17</a:t>
             </a:fld>
             <a:endParaRPr lang="de-DE"/>
           </a:p>
@@ -7772,14 +8148,14 @@
                 <a:gridCol w="1584176">
                   <a:extLst>
                     <a:ext uri="{9D8B030D-6E8A-4147-A177-3AD203B41FA5}">
-                      <a16:colId xmlns="" xmlns:a16="http://schemas.microsoft.com/office/drawing/2014/main" val="20000"/>
+                      <a16:colId xmlns:a16="http://schemas.microsoft.com/office/drawing/2014/main" val="20000"/>
                     </a:ext>
                   </a:extLst>
                 </a:gridCol>
                 <a:gridCol w="6480721">
                   <a:extLst>
                     <a:ext uri="{9D8B030D-6E8A-4147-A177-3AD203B41FA5}">
-                      <a16:colId xmlns="" xmlns:a16="http://schemas.microsoft.com/office/drawing/2014/main" val="20001"/>
+                      <a16:colId xmlns:a16="http://schemas.microsoft.com/office/drawing/2014/main" val="20001"/>
                     </a:ext>
                   </a:extLst>
                 </a:gridCol>
@@ -7816,7 +8192,7 @@
                 </a:tc>
                 <a:extLst>
                   <a:ext uri="{0D108BD9-81ED-4DB2-BD59-A6C34878D82A}">
-                    <a16:rowId xmlns="" xmlns:a16="http://schemas.microsoft.com/office/drawing/2014/main" val="10000"/>
+                    <a16:rowId xmlns:a16="http://schemas.microsoft.com/office/drawing/2014/main" val="10000"/>
                   </a:ext>
                 </a:extLst>
               </a:tr>
@@ -7896,7 +8272,7 @@
                 </a:tc>
                 <a:extLst>
                   <a:ext uri="{0D108BD9-81ED-4DB2-BD59-A6C34878D82A}">
-                    <a16:rowId xmlns="" xmlns:a16="http://schemas.microsoft.com/office/drawing/2014/main" val="10001"/>
+                    <a16:rowId xmlns:a16="http://schemas.microsoft.com/office/drawing/2014/main" val="10001"/>
                   </a:ext>
                 </a:extLst>
               </a:tr>
@@ -8011,7 +8387,7 @@
                 </a:tc>
                 <a:extLst>
                   <a:ext uri="{0D108BD9-81ED-4DB2-BD59-A6C34878D82A}">
-                    <a16:rowId xmlns="" xmlns:a16="http://schemas.microsoft.com/office/drawing/2014/main" val="10002"/>
+                    <a16:rowId xmlns:a16="http://schemas.microsoft.com/office/drawing/2014/main" val="10002"/>
                   </a:ext>
                 </a:extLst>
               </a:tr>
@@ -8075,506 +8451,7 @@
                 </a:tc>
                 <a:extLst>
                   <a:ext uri="{0D108BD9-81ED-4DB2-BD59-A6C34878D82A}">
-                    <a16:rowId xmlns="" xmlns:a16="http://schemas.microsoft.com/office/drawing/2014/main" val="10003"/>
-                  </a:ext>
-                </a:extLst>
-              </a:tr>
-            </a:tbl>
-          </a:graphicData>
-        </a:graphic>
-      </p:graphicFrame>
-    </p:spTree>
-    <p:extLst>
-      <p:ext uri="{BB962C8B-B14F-4D97-AF65-F5344CB8AC3E}">
-        <p14:creationId xmlns:p14="http://schemas.microsoft.com/office/powerpoint/2010/main" val="4058254611"/>
-      </p:ext>
-    </p:extLst>
-  </p:cSld>
-  <p:clrMapOvr>
-    <a:masterClrMapping/>
-  </p:clrMapOvr>
-</p:sld>
-</file>
-
-<file path=ppt/slides/slide17.xml><?xml version="1.0" encoding="utf-8"?>
-<p:sld xmlns:a="http://schemas.openxmlformats.org/drawingml/2006/main" xmlns:r="http://schemas.openxmlformats.org/officeDocument/2006/relationships" xmlns:p="http://schemas.openxmlformats.org/presentationml/2006/main">
-  <p:cSld>
-    <p:spTree>
-      <p:nvGrpSpPr>
-        <p:cNvPr id="1" name=""/>
-        <p:cNvGrpSpPr/>
-        <p:nvPr/>
-      </p:nvGrpSpPr>
-      <p:grpSpPr>
-        <a:xfrm>
-          <a:off x="0" y="0"/>
-          <a:ext cx="0" cy="0"/>
-          <a:chOff x="0" y="0"/>
-          <a:chExt cx="0" cy="0"/>
-        </a:xfrm>
-      </p:grpSpPr>
-      <p:sp>
-        <p:nvSpPr>
-          <p:cNvPr id="2" name="Titel 1"/>
-          <p:cNvSpPr>
-            <a:spLocks noGrp="1"/>
-          </p:cNvSpPr>
-          <p:nvPr>
-            <p:ph type="title"/>
-          </p:nvPr>
-        </p:nvSpPr>
-        <p:spPr/>
-        <p:txBody>
-          <a:bodyPr>
-            <a:normAutofit/>
-          </a:bodyPr>
-          <a:lstStyle/>
-          <a:p>
-            <a:pPr algn="ctr"/>
-            <a:r>
-              <a:rPr lang="de-DE" dirty="0" err="1">
-                <a:solidFill>
-                  <a:srgbClr val="FF0000"/>
-                </a:solidFill>
-              </a:rPr>
-              <a:t>Milestone</a:t>
-            </a:r>
-            <a:r>
-              <a:rPr lang="de-DE" dirty="0">
-                <a:solidFill>
-                  <a:srgbClr val="FF0000"/>
-                </a:solidFill>
-              </a:rPr>
-              <a:t> 2</a:t>
-            </a:r>
-          </a:p>
-        </p:txBody>
-      </p:sp>
-      <p:sp>
-        <p:nvSpPr>
-          <p:cNvPr id="9" name="Inhaltsplatzhalter 8"/>
-          <p:cNvSpPr>
-            <a:spLocks noGrp="1"/>
-          </p:cNvSpPr>
-          <p:nvPr>
-            <p:ph idx="1"/>
-          </p:nvPr>
-        </p:nvSpPr>
-        <p:spPr/>
-        <p:txBody>
-          <a:bodyPr>
-            <a:normAutofit/>
-          </a:bodyPr>
-          <a:lstStyle/>
-          <a:p>
-            <a:endParaRPr lang="de-DE" dirty="0"/>
-          </a:p>
-          <a:p>
-            <a:pPr>
-              <a:buNone/>
-            </a:pPr>
-            <a:endParaRPr lang="de-DE" dirty="0"/>
-          </a:p>
-          <a:p>
-            <a:endParaRPr lang="de-DE" dirty="0"/>
-          </a:p>
-        </p:txBody>
-      </p:sp>
-      <p:sp>
-        <p:nvSpPr>
-          <p:cNvPr id="11" name="Foliennummernplatzhalter 10"/>
-          <p:cNvSpPr>
-            <a:spLocks noGrp="1"/>
-          </p:cNvSpPr>
-          <p:nvPr>
-            <p:ph type="sldNum" sz="quarter" idx="12"/>
-          </p:nvPr>
-        </p:nvSpPr>
-        <p:spPr/>
-        <p:txBody>
-          <a:bodyPr/>
-          <a:lstStyle/>
-          <a:p>
-            <a:fld id="{6C6AE60A-B69C-4790-82F7-3882EDF23186}" type="slidenum">
-              <a:rPr lang="de-DE" smtClean="0"/>
-              <a:pPr/>
-              <a:t>17</a:t>
-            </a:fld>
-            <a:endParaRPr lang="de-DE"/>
-          </a:p>
-        </p:txBody>
-      </p:sp>
-      <p:graphicFrame>
-        <p:nvGraphicFramePr>
-          <p:cNvPr id="8" name="Tabelle 7"/>
-          <p:cNvGraphicFramePr>
-            <a:graphicFrameLocks noGrp="1"/>
-          </p:cNvGraphicFramePr>
-          <p:nvPr>
-            <p:extLst>
-              <p:ext uri="{D42A27DB-BD31-4B8C-83A1-F6EECF244321}">
-                <p14:modId xmlns:p14="http://schemas.microsoft.com/office/powerpoint/2010/main" val="3528518649"/>
-              </p:ext>
-            </p:extLst>
-          </p:nvPr>
-        </p:nvGraphicFramePr>
-        <p:xfrm>
-          <a:off x="539552" y="1849388"/>
-          <a:ext cx="8064897" cy="2026920"/>
-        </p:xfrm>
-        <a:graphic>
-          <a:graphicData uri="http://schemas.openxmlformats.org/drawingml/2006/table">
-            <a:tbl>
-              <a:tblPr firstRow="1" bandRow="1">
-                <a:tableStyleId>{5C22544A-7EE6-4342-B048-85BDC9FD1C3A}</a:tableStyleId>
-              </a:tblPr>
-              <a:tblGrid>
-                <a:gridCol w="1584176">
-                  <a:extLst>
-                    <a:ext uri="{9D8B030D-6E8A-4147-A177-3AD203B41FA5}">
-                      <a16:colId xmlns="" xmlns:a16="http://schemas.microsoft.com/office/drawing/2014/main" val="20000"/>
-                    </a:ext>
-                  </a:extLst>
-                </a:gridCol>
-                <a:gridCol w="6480721">
-                  <a:extLst>
-                    <a:ext uri="{9D8B030D-6E8A-4147-A177-3AD203B41FA5}">
-                      <a16:colId xmlns="" xmlns:a16="http://schemas.microsoft.com/office/drawing/2014/main" val="20001"/>
-                    </a:ext>
-                  </a:extLst>
-                </a:gridCol>
-              </a:tblGrid>
-              <a:tr h="370840">
-                <a:tc>
-                  <a:txBody>
-                    <a:bodyPr/>
-                    <a:lstStyle/>
-                    <a:p>
-                      <a:pPr algn="ctr"/>
-                      <a:r>
-                        <a:rPr lang="de-DE" sz="1800" dirty="0" err="1"/>
-                        <a:t>Week</a:t>
-                      </a:r>
-                      <a:endParaRPr lang="de-DE" sz="1800" dirty="0"/>
-                    </a:p>
-                  </a:txBody>
-                  <a:tcPr/>
-                </a:tc>
-                <a:tc>
-                  <a:txBody>
-                    <a:bodyPr/>
-                    <a:lstStyle/>
-                    <a:p>
-                      <a:pPr algn="ctr"/>
-                      <a:r>
-                        <a:rPr lang="de-DE" sz="1800" dirty="0" smtClean="0"/>
-                        <a:t>Manuel Schmitt</a:t>
-                      </a:r>
-                      <a:endParaRPr lang="de-DE" sz="1800" dirty="0"/>
-                    </a:p>
-                  </a:txBody>
-                  <a:tcPr/>
-                </a:tc>
-                <a:extLst>
-                  <a:ext uri="{0D108BD9-81ED-4DB2-BD59-A6C34878D82A}">
-                    <a16:rowId xmlns="" xmlns:a16="http://schemas.microsoft.com/office/drawing/2014/main" val="10000"/>
-                  </a:ext>
-                </a:extLst>
-              </a:tr>
-              <a:tr h="370840">
-                <a:tc>
-                  <a:txBody>
-                    <a:bodyPr/>
-                    <a:lstStyle/>
-                    <a:p>
-                      <a:pPr marL="0" marR="0" indent="0" algn="l" defTabSz="914400" rtl="0" eaLnBrk="1" fontAlgn="auto" latinLnBrk="0" hangingPunct="1">
-                        <a:lnSpc>
-                          <a:spcPct val="100000"/>
-                        </a:lnSpc>
-                        <a:spcBef>
-                          <a:spcPts val="0"/>
-                        </a:spcBef>
-                        <a:spcAft>
-                          <a:spcPts val="0"/>
-                        </a:spcAft>
-                        <a:buClrTx/>
-                        <a:buSzTx/>
-                        <a:buFontTx/>
-                        <a:buNone/>
-                        <a:tabLst/>
-                        <a:defRPr/>
-                      </a:pPr>
-                      <a:r>
-                        <a:rPr lang="de-DE" sz="1800" dirty="0"/>
-                        <a:t>06.02 – 06.09</a:t>
-                      </a:r>
-                    </a:p>
-                  </a:txBody>
-                  <a:tcPr/>
-                </a:tc>
-                <a:tc>
-                  <a:txBody>
-                    <a:bodyPr/>
-                    <a:lstStyle/>
-                    <a:p>
-                      <a:pPr lvl="0">
-                        <a:buFont typeface="Arial" pitchFamily="34" charset="0"/>
-                        <a:buChar char="•"/>
-                      </a:pPr>
-                      <a:r>
-                        <a:rPr lang="de-DE" sz="1800" baseline="0" dirty="0"/>
-                        <a:t> </a:t>
-                      </a:r>
-                      <a:r>
-                        <a:rPr lang="de-DE" sz="1800" baseline="0" dirty="0" err="1" smtClean="0"/>
-                        <a:t>Buffer</a:t>
-                      </a:r>
-                      <a:r>
-                        <a:rPr lang="de-DE" sz="1800" baseline="0" dirty="0" smtClean="0"/>
-                        <a:t> </a:t>
-                      </a:r>
-                      <a:r>
-                        <a:rPr lang="de-DE" sz="1800" baseline="0" dirty="0" err="1" smtClean="0"/>
-                        <a:t>for</a:t>
-                      </a:r>
-                      <a:r>
-                        <a:rPr lang="de-DE" sz="1800" baseline="0" dirty="0" smtClean="0"/>
-                        <a:t> </a:t>
-                      </a:r>
-                      <a:r>
-                        <a:rPr lang="de-DE" sz="1800" baseline="0" dirty="0" err="1" smtClean="0"/>
-                        <a:t>ambient-occlusion</a:t>
-                      </a:r>
-                      <a:endParaRPr lang="de-DE" sz="1800" baseline="0" dirty="0"/>
-                    </a:p>
-                    <a:p>
-                      <a:pPr lvl="0">
-                        <a:buFont typeface="Arial" pitchFamily="34" charset="0"/>
-                        <a:buChar char="•"/>
-                      </a:pPr>
-                      <a:r>
-                        <a:rPr lang="de-DE" sz="1800" baseline="0" dirty="0" smtClean="0"/>
-                        <a:t> Alternative:  </a:t>
-                      </a:r>
-                      <a:r>
-                        <a:rPr lang="de-DE" sz="1800" baseline="0" dirty="0" err="1" smtClean="0"/>
-                        <a:t>Implementation</a:t>
-                      </a:r>
-                      <a:r>
-                        <a:rPr lang="de-DE" sz="1800" baseline="0" dirty="0" smtClean="0"/>
-                        <a:t> </a:t>
-                      </a:r>
-                      <a:r>
-                        <a:rPr lang="de-DE" sz="1800" baseline="0" dirty="0" err="1" smtClean="0"/>
-                        <a:t>of</a:t>
-                      </a:r>
-                      <a:r>
-                        <a:rPr lang="de-DE" sz="1800" baseline="0" dirty="0" smtClean="0"/>
-                        <a:t> </a:t>
-                      </a:r>
-                      <a:r>
-                        <a:rPr lang="de-DE" sz="1800" baseline="0" dirty="0" err="1" smtClean="0"/>
-                        <a:t>light</a:t>
-                      </a:r>
-                      <a:r>
-                        <a:rPr lang="de-DE" sz="1800" baseline="0" dirty="0" smtClean="0"/>
-                        <a:t> </a:t>
-                      </a:r>
-                      <a:r>
-                        <a:rPr lang="de-DE" sz="1800" baseline="0" dirty="0" err="1" smtClean="0"/>
-                        <a:t>effects</a:t>
-                      </a:r>
-                      <a:r>
-                        <a:rPr lang="de-DE" sz="1800" baseline="0" dirty="0" smtClean="0"/>
-                        <a:t> </a:t>
-                      </a:r>
-                      <a:r>
-                        <a:rPr lang="de-DE" sz="1800" baseline="0" dirty="0" err="1" smtClean="0"/>
-                        <a:t>like</a:t>
-                      </a:r>
-                      <a:r>
-                        <a:rPr lang="de-DE" sz="1800" baseline="0" dirty="0" smtClean="0"/>
-                        <a:t> </a:t>
-                      </a:r>
-                      <a:r>
-                        <a:rPr lang="de-DE" sz="1800" baseline="0" dirty="0" err="1" smtClean="0"/>
-                        <a:t>god-rays</a:t>
-                      </a:r>
-                      <a:r>
-                        <a:rPr lang="de-DE" sz="1800" baseline="0" dirty="0" smtClean="0"/>
-                        <a:t> </a:t>
-                      </a:r>
-                      <a:r>
-                        <a:rPr lang="de-DE" sz="1800" baseline="0" dirty="0" err="1" smtClean="0"/>
-                        <a:t>or</a:t>
-                      </a:r>
-                      <a:r>
-                        <a:rPr lang="de-DE" sz="1800" baseline="0" dirty="0" smtClean="0"/>
-                        <a:t>   </a:t>
-                      </a:r>
-                      <a:r>
-                        <a:rPr lang="de-DE" sz="1800" baseline="0" dirty="0" err="1" smtClean="0"/>
-                        <a:t>atmospheric</a:t>
-                      </a:r>
-                      <a:r>
-                        <a:rPr lang="de-DE" sz="1800" baseline="0" dirty="0" smtClean="0"/>
-                        <a:t> </a:t>
-                      </a:r>
-                      <a:r>
-                        <a:rPr lang="de-DE" sz="1800" baseline="0" dirty="0" err="1" smtClean="0"/>
-                        <a:t>scattering</a:t>
-                      </a:r>
-                      <a:endParaRPr lang="de-DE" sz="1800" baseline="0" dirty="0" smtClean="0"/>
-                    </a:p>
-                  </a:txBody>
-                  <a:tcPr/>
-                </a:tc>
-                <a:extLst>
-                  <a:ext uri="{0D108BD9-81ED-4DB2-BD59-A6C34878D82A}">
-                    <a16:rowId xmlns="" xmlns:a16="http://schemas.microsoft.com/office/drawing/2014/main" val="10001"/>
-                  </a:ext>
-                </a:extLst>
-              </a:tr>
-              <a:tr h="370840">
-                <a:tc>
-                  <a:txBody>
-                    <a:bodyPr/>
-                    <a:lstStyle/>
-                    <a:p>
-                      <a:pPr marL="0" marR="0" indent="0" algn="l" defTabSz="914400" rtl="0" eaLnBrk="1" fontAlgn="auto" latinLnBrk="0" hangingPunct="1">
-                        <a:lnSpc>
-                          <a:spcPct val="100000"/>
-                        </a:lnSpc>
-                        <a:spcBef>
-                          <a:spcPts val="0"/>
-                        </a:spcBef>
-                        <a:spcAft>
-                          <a:spcPts val="0"/>
-                        </a:spcAft>
-                        <a:buClrTx/>
-                        <a:buSzTx/>
-                        <a:buFontTx/>
-                        <a:buNone/>
-                        <a:tabLst/>
-                        <a:defRPr/>
-                      </a:pPr>
-                      <a:r>
-                        <a:rPr lang="de-DE" sz="1800" dirty="0"/>
-                        <a:t>06.09 – 06.16</a:t>
-                      </a:r>
-                    </a:p>
-                  </a:txBody>
-                  <a:tcPr/>
-                </a:tc>
-                <a:tc>
-                  <a:txBody>
-                    <a:bodyPr/>
-                    <a:lstStyle/>
-                    <a:p>
-                      <a:pPr lvl="0">
-                        <a:buFont typeface="Arial" pitchFamily="34" charset="0"/>
-                        <a:buChar char="•"/>
-                      </a:pPr>
-                      <a:r>
-                        <a:rPr lang="de-DE" sz="1800" baseline="0" dirty="0"/>
-                        <a:t> </a:t>
-                      </a:r>
-                      <a:r>
-                        <a:rPr lang="de-DE" sz="1800" baseline="0" dirty="0" err="1" smtClean="0"/>
-                        <a:t>Implementation</a:t>
-                      </a:r>
-                      <a:r>
-                        <a:rPr lang="de-DE" sz="1800" baseline="0" dirty="0" smtClean="0"/>
-                        <a:t> </a:t>
-                      </a:r>
-                      <a:r>
-                        <a:rPr lang="de-DE" sz="1800" baseline="0" dirty="0" err="1" smtClean="0"/>
-                        <a:t>of</a:t>
-                      </a:r>
-                      <a:r>
-                        <a:rPr lang="de-DE" sz="1800" baseline="0" dirty="0" smtClean="0"/>
-                        <a:t> </a:t>
-                      </a:r>
-                      <a:r>
-                        <a:rPr lang="de-DE" sz="1800" baseline="0" dirty="0" err="1" smtClean="0"/>
-                        <a:t>client-menu-structure</a:t>
-                      </a:r>
-                      <a:endParaRPr lang="de-DE" sz="1800" baseline="0" dirty="0" smtClean="0"/>
-                    </a:p>
-                  </a:txBody>
-                  <a:tcPr/>
-                </a:tc>
-                <a:extLst>
-                  <a:ext uri="{0D108BD9-81ED-4DB2-BD59-A6C34878D82A}">
-                    <a16:rowId xmlns="" xmlns:a16="http://schemas.microsoft.com/office/drawing/2014/main" val="10002"/>
-                  </a:ext>
-                </a:extLst>
-              </a:tr>
-              <a:tr h="370840">
-                <a:tc>
-                  <a:txBody>
-                    <a:bodyPr/>
-                    <a:lstStyle/>
-                    <a:p>
-                      <a:pPr marL="0" marR="0" indent="0" algn="l" defTabSz="914400" rtl="0" eaLnBrk="1" fontAlgn="auto" latinLnBrk="0" hangingPunct="1">
-                        <a:lnSpc>
-                          <a:spcPct val="100000"/>
-                        </a:lnSpc>
-                        <a:spcBef>
-                          <a:spcPts val="0"/>
-                        </a:spcBef>
-                        <a:spcAft>
-                          <a:spcPts val="0"/>
-                        </a:spcAft>
-                        <a:buClrTx/>
-                        <a:buSzTx/>
-                        <a:buFontTx/>
-                        <a:buNone/>
-                        <a:tabLst/>
-                        <a:defRPr/>
-                      </a:pPr>
-                      <a:r>
-                        <a:rPr lang="de-DE" sz="1800" dirty="0"/>
-                        <a:t>06.16</a:t>
-                      </a:r>
-                      <a:r>
-                        <a:rPr lang="de-DE" sz="1800" baseline="0" dirty="0"/>
-                        <a:t> – 06.23</a:t>
-                      </a:r>
-                      <a:endParaRPr lang="de-DE" sz="1800" dirty="0"/>
-                    </a:p>
-                  </a:txBody>
-                  <a:tcPr/>
-                </a:tc>
-                <a:tc>
-                  <a:txBody>
-                    <a:bodyPr/>
-                    <a:lstStyle/>
-                    <a:p>
-                      <a:pPr lvl="0">
-                        <a:buFont typeface="Arial" pitchFamily="34" charset="0"/>
-                        <a:buChar char="•"/>
-                      </a:pPr>
-                      <a:r>
-                        <a:rPr lang="de-DE" sz="1800" dirty="0"/>
-                        <a:t> </a:t>
-                      </a:r>
-                      <a:r>
-                        <a:rPr lang="en-US" sz="1800" dirty="0" smtClean="0"/>
-                        <a:t>Implementation</a:t>
-                      </a:r>
-                      <a:r>
-                        <a:rPr lang="en-US" sz="1800" baseline="0" dirty="0" smtClean="0"/>
-                        <a:t> of spectator-client-menu</a:t>
-                      </a:r>
-                      <a:endParaRPr lang="de-DE" sz="1800" dirty="0"/>
-                    </a:p>
-                  </a:txBody>
-                  <a:tcPr/>
-                </a:tc>
-                <a:extLst>
-                  <a:ext uri="{0D108BD9-81ED-4DB2-BD59-A6C34878D82A}">
-                    <a16:rowId xmlns="" xmlns:a16="http://schemas.microsoft.com/office/drawing/2014/main" val="10003"/>
+                    <a16:rowId xmlns:a16="http://schemas.microsoft.com/office/drawing/2014/main" val="10003"/>
                   </a:ext>
                 </a:extLst>
               </a:tr>
@@ -8712,14 +8589,14 @@
           <p:nvPr>
             <p:extLst>
               <p:ext uri="{D42A27DB-BD31-4B8C-83A1-F6EECF244321}">
-                <p14:modId xmlns:p14="http://schemas.microsoft.com/office/powerpoint/2010/main" val="3728952247"/>
+                <p14:modId xmlns:p14="http://schemas.microsoft.com/office/powerpoint/2010/main" val="3528518649"/>
               </p:ext>
             </p:extLst>
           </p:nvPr>
         </p:nvGraphicFramePr>
         <p:xfrm>
           <a:off x="539552" y="1849388"/>
-          <a:ext cx="8064897" cy="2296160"/>
+          <a:ext cx="8064897" cy="2026920"/>
         </p:xfrm>
         <a:graphic>
           <a:graphicData uri="http://schemas.openxmlformats.org/drawingml/2006/table">
@@ -8731,14 +8608,14 @@
                 <a:gridCol w="1584176">
                   <a:extLst>
                     <a:ext uri="{9D8B030D-6E8A-4147-A177-3AD203B41FA5}">
-                      <a16:colId xmlns="" xmlns:a16="http://schemas.microsoft.com/office/drawing/2014/main" val="20000"/>
+                      <a16:colId xmlns:a16="http://schemas.microsoft.com/office/drawing/2014/main" val="20000"/>
                     </a:ext>
                   </a:extLst>
                 </a:gridCol>
                 <a:gridCol w="6480721">
                   <a:extLst>
                     <a:ext uri="{9D8B030D-6E8A-4147-A177-3AD203B41FA5}">
-                      <a16:colId xmlns="" xmlns:a16="http://schemas.microsoft.com/office/drawing/2014/main" val="20001"/>
+                      <a16:colId xmlns:a16="http://schemas.microsoft.com/office/drawing/2014/main" val="20001"/>
                     </a:ext>
                   </a:extLst>
                 </a:gridCol>
@@ -8766,17 +8643,16 @@
                     <a:p>
                       <a:pPr algn="ctr"/>
                       <a:r>
-                        <a:rPr lang="de-DE" sz="1800" dirty="0" smtClean="0"/>
-                        <a:t>Sebastian Nickel</a:t>
-                      </a:r>
-                      <a:endParaRPr lang="de-DE" sz="1800" dirty="0"/>
+                        <a:rPr lang="de-DE" sz="1800" dirty="0"/>
+                        <a:t>Manuel Schmitt</a:t>
+                      </a:r>
                     </a:p>
                   </a:txBody>
                   <a:tcPr/>
                 </a:tc>
                 <a:extLst>
                   <a:ext uri="{0D108BD9-81ED-4DB2-BD59-A6C34878D82A}">
-                    <a16:rowId xmlns="" xmlns:a16="http://schemas.microsoft.com/office/drawing/2014/main" val="10000"/>
+                    <a16:rowId xmlns:a16="http://schemas.microsoft.com/office/drawing/2014/main" val="10000"/>
                   </a:ext>
                 </a:extLst>
               </a:tr>
@@ -8825,71 +8701,112 @@
                         <a:t> </a:t>
                       </a:r>
                       <a:r>
-                        <a:rPr lang="de-DE" sz="1800" baseline="0" dirty="0" err="1" smtClean="0"/>
-                        <a:t>Increase</a:t>
-                      </a:r>
-                      <a:r>
-                        <a:rPr lang="de-DE" sz="1800" baseline="0" dirty="0" smtClean="0"/>
-                        <a:t> </a:t>
-                      </a:r>
-                      <a:r>
-                        <a:rPr lang="de-DE" sz="1800" baseline="0" dirty="0" err="1" smtClean="0"/>
-                        <a:t>flexibility</a:t>
-                      </a:r>
-                      <a:r>
-                        <a:rPr lang="de-DE" sz="1800" baseline="0" dirty="0" smtClean="0"/>
-                        <a:t> </a:t>
-                      </a:r>
-                      <a:r>
-                        <a:rPr lang="de-DE" sz="1800" baseline="0" dirty="0" err="1" smtClean="0"/>
-                        <a:t>of</a:t>
-                      </a:r>
-                      <a:r>
-                        <a:rPr lang="de-DE" sz="1800" baseline="0" dirty="0" smtClean="0"/>
-                        <a:t> </a:t>
-                      </a:r>
-                      <a:r>
-                        <a:rPr lang="de-DE" sz="1800" baseline="0" dirty="0" err="1" smtClean="0"/>
-                        <a:t>established</a:t>
-                      </a:r>
-                      <a:r>
-                        <a:rPr lang="de-DE" sz="1800" baseline="0" dirty="0" smtClean="0"/>
-                        <a:t> </a:t>
-                      </a:r>
-                      <a:r>
-                        <a:rPr lang="de-DE" sz="1800" baseline="0" dirty="0" err="1" smtClean="0"/>
-                        <a:t>fly-physics</a:t>
-                      </a:r>
-                      <a:r>
-                        <a:rPr lang="de-DE" sz="1800" baseline="0" dirty="0" smtClean="0"/>
-                        <a:t> prototype</a:t>
-                      </a:r>
+                        <a:rPr lang="de-DE" sz="1800" baseline="0" dirty="0" err="1"/>
+                        <a:t>Buffer</a:t>
+                      </a:r>
+                      <a:r>
+                        <a:rPr lang="de-DE" sz="1800" baseline="0" dirty="0"/>
+                        <a:t> </a:t>
+                      </a:r>
+                      <a:r>
+                        <a:rPr lang="de-DE" sz="1800" baseline="0" dirty="0" err="1"/>
+                        <a:t>for</a:t>
+                      </a:r>
+                      <a:r>
+                        <a:rPr lang="de-DE" sz="1800" baseline="0" dirty="0"/>
+                        <a:t> </a:t>
+                      </a:r>
+                      <a:r>
+                        <a:rPr lang="de-DE" sz="1800" baseline="0" dirty="0" err="1"/>
+                        <a:t>ambient-occlusion</a:t>
+                      </a:r>
+                      <a:endParaRPr lang="de-DE" sz="1800" baseline="0" dirty="0"/>
                     </a:p>
                     <a:p>
-                      <a:pPr lvl="1">
+                      <a:pPr lvl="0">
                         <a:buFont typeface="Arial" pitchFamily="34" charset="0"/>
                         <a:buChar char="•"/>
                       </a:pPr>
                       <a:r>
-                        <a:rPr lang="de-DE" sz="1800" baseline="0" dirty="0" smtClean="0"/>
-                        <a:t> Error </a:t>
-                      </a:r>
-                      <a:r>
-                        <a:rPr lang="de-DE" sz="1800" baseline="0" dirty="0" err="1" smtClean="0"/>
-                        <a:t>tolerence</a:t>
-                      </a:r>
-                      <a:r>
-                        <a:rPr lang="de-DE" sz="1800" baseline="0" dirty="0" smtClean="0"/>
-                        <a:t>, …</a:t>
-                      </a:r>
-                      <a:endParaRPr lang="de-DE" sz="1800" baseline="0" dirty="0" smtClean="0"/>
+                        <a:rPr lang="de-DE" sz="1800" baseline="0" dirty="0"/>
+                        <a:t> Alternative:  </a:t>
+                      </a:r>
+                      <a:r>
+                        <a:rPr lang="de-DE" sz="1800" baseline="0" dirty="0" err="1"/>
+                        <a:t>Implementation</a:t>
+                      </a:r>
+                      <a:r>
+                        <a:rPr lang="de-DE" sz="1800" baseline="0" dirty="0"/>
+                        <a:t> </a:t>
+                      </a:r>
+                      <a:r>
+                        <a:rPr lang="de-DE" sz="1800" baseline="0" dirty="0" err="1"/>
+                        <a:t>of</a:t>
+                      </a:r>
+                      <a:r>
+                        <a:rPr lang="de-DE" sz="1800" baseline="0" dirty="0"/>
+                        <a:t> </a:t>
+                      </a:r>
+                      <a:r>
+                        <a:rPr lang="de-DE" sz="1800" baseline="0" dirty="0" err="1"/>
+                        <a:t>light</a:t>
+                      </a:r>
+                      <a:r>
+                        <a:rPr lang="de-DE" sz="1800" baseline="0" dirty="0"/>
+                        <a:t> </a:t>
+                      </a:r>
+                      <a:r>
+                        <a:rPr lang="de-DE" sz="1800" baseline="0" dirty="0" err="1"/>
+                        <a:t>effects</a:t>
+                      </a:r>
+                      <a:r>
+                        <a:rPr lang="de-DE" sz="1800" baseline="0" dirty="0"/>
+                        <a:t> </a:t>
+                      </a:r>
+                      <a:r>
+                        <a:rPr lang="de-DE" sz="1800" baseline="0" dirty="0" err="1"/>
+                        <a:t>like</a:t>
+                      </a:r>
+                      <a:r>
+                        <a:rPr lang="de-DE" sz="1800" baseline="0" dirty="0"/>
+                        <a:t> </a:t>
+                      </a:r>
+                      <a:r>
+                        <a:rPr lang="de-DE" sz="1800" baseline="0" dirty="0" err="1"/>
+                        <a:t>god-rays</a:t>
+                      </a:r>
+                      <a:r>
+                        <a:rPr lang="de-DE" sz="1800" baseline="0" dirty="0"/>
+                        <a:t> </a:t>
+                      </a:r>
+                      <a:r>
+                        <a:rPr lang="de-DE" sz="1800" baseline="0" dirty="0" err="1"/>
+                        <a:t>or</a:t>
+                      </a:r>
+                      <a:r>
+                        <a:rPr lang="de-DE" sz="1800" baseline="0" dirty="0"/>
+                        <a:t>   </a:t>
+                      </a:r>
+                      <a:r>
+                        <a:rPr lang="de-DE" sz="1800" baseline="0" dirty="0" err="1"/>
+                        <a:t>atmospheric</a:t>
+                      </a:r>
+                      <a:r>
+                        <a:rPr lang="de-DE" sz="1800" baseline="0" dirty="0"/>
+                        <a:t> </a:t>
+                      </a:r>
+                      <a:r>
+                        <a:rPr lang="de-DE" sz="1800" baseline="0" dirty="0" err="1"/>
+                        <a:t>scattering</a:t>
+                      </a:r>
+                      <a:endParaRPr lang="de-DE" sz="1800" baseline="0" dirty="0"/>
                     </a:p>
                   </a:txBody>
                   <a:tcPr/>
                 </a:tc>
                 <a:extLst>
                   <a:ext uri="{0D108BD9-81ED-4DB2-BD59-A6C34878D82A}">
-                    <a16:rowId xmlns="" xmlns:a16="http://schemas.microsoft.com/office/drawing/2014/main" val="10001"/>
+                    <a16:rowId xmlns:a16="http://schemas.microsoft.com/office/drawing/2014/main" val="10001"/>
                   </a:ext>
                 </a:extLst>
               </a:tr>
@@ -8938,136 +8855,33 @@
                         <a:t> </a:t>
                       </a:r>
                       <a:r>
-                        <a:rPr lang="de-DE" sz="1800" baseline="0" dirty="0" smtClean="0"/>
-                        <a:t>Add </a:t>
-                      </a:r>
-                      <a:r>
-                        <a:rPr lang="de-DE" sz="1800" baseline="0" dirty="0" err="1" smtClean="0"/>
-                        <a:t>configuratable</a:t>
-                      </a:r>
-                      <a:r>
-                        <a:rPr lang="de-DE" sz="1800" baseline="0" dirty="0" smtClean="0"/>
-                        <a:t> </a:t>
-                      </a:r>
-                      <a:r>
-                        <a:rPr lang="de-DE" sz="1800" baseline="0" dirty="0" err="1" smtClean="0"/>
-                        <a:t>properties</a:t>
-                      </a:r>
-                      <a:r>
-                        <a:rPr lang="de-DE" sz="1800" baseline="0" dirty="0" smtClean="0"/>
-                        <a:t> </a:t>
-                      </a:r>
-                      <a:r>
-                        <a:rPr lang="de-DE" sz="1800" baseline="0" dirty="0" err="1" smtClean="0"/>
-                        <a:t>to</a:t>
-                      </a:r>
-                      <a:r>
-                        <a:rPr lang="de-DE" sz="1800" baseline="0" dirty="0" smtClean="0"/>
-                        <a:t> </a:t>
-                      </a:r>
-                      <a:r>
-                        <a:rPr lang="de-DE" sz="1800" baseline="0" dirty="0" err="1" smtClean="0"/>
-                        <a:t>flying</a:t>
-                      </a:r>
-                      <a:r>
-                        <a:rPr lang="de-DE" sz="1800" baseline="0" dirty="0" smtClean="0"/>
-                        <a:t>-model </a:t>
-                      </a:r>
-                      <a:r>
-                        <a:rPr lang="de-DE" sz="1800" baseline="0" dirty="0" err="1" smtClean="0"/>
-                        <a:t>for</a:t>
-                      </a:r>
-                      <a:r>
-                        <a:rPr lang="de-DE" sz="1800" baseline="0" dirty="0" smtClean="0"/>
-                        <a:t> an </a:t>
-                      </a:r>
-                      <a:r>
-                        <a:rPr lang="de-DE" sz="1800" baseline="0" dirty="0" err="1" smtClean="0"/>
-                        <a:t>even</a:t>
-                      </a:r>
-                      <a:r>
-                        <a:rPr lang="de-DE" sz="1800" baseline="0" dirty="0" smtClean="0"/>
-                        <a:t> </a:t>
-                      </a:r>
-                      <a:r>
-                        <a:rPr lang="de-DE" sz="1800" baseline="0" dirty="0" err="1" smtClean="0"/>
-                        <a:t>more</a:t>
-                      </a:r>
-                      <a:r>
-                        <a:rPr lang="de-DE" sz="1800" baseline="0" dirty="0" smtClean="0"/>
-                        <a:t> </a:t>
-                      </a:r>
-                      <a:r>
-                        <a:rPr lang="de-DE" sz="1800" baseline="0" dirty="0" err="1" smtClean="0"/>
-                        <a:t>realistic</a:t>
-                      </a:r>
-                      <a:r>
-                        <a:rPr lang="de-DE" sz="1800" baseline="0" dirty="0" smtClean="0"/>
-                        <a:t> </a:t>
-                      </a:r>
-                      <a:r>
-                        <a:rPr lang="de-DE" sz="1800" baseline="0" dirty="0" err="1" smtClean="0"/>
-                        <a:t>experience</a:t>
-                      </a:r>
-                      <a:endParaRPr lang="de-DE" sz="1800" baseline="0" dirty="0" smtClean="0"/>
-                    </a:p>
-                    <a:p>
-                      <a:pPr lvl="1">
-                        <a:buFont typeface="Arial" pitchFamily="34" charset="0"/>
-                        <a:buChar char="•"/>
-                      </a:pPr>
-                      <a:r>
-                        <a:rPr lang="de-DE" sz="1800" baseline="0" dirty="0" smtClean="0"/>
-                        <a:t> </a:t>
-                      </a:r>
-                      <a:r>
-                        <a:rPr lang="de-DE" sz="1800" baseline="0" dirty="0" err="1" smtClean="0"/>
-                        <a:t>Actual</a:t>
-                      </a:r>
-                      <a:r>
-                        <a:rPr lang="de-DE" sz="1800" baseline="0" dirty="0" smtClean="0"/>
-                        <a:t> </a:t>
-                      </a:r>
-                      <a:r>
-                        <a:rPr lang="de-DE" sz="1800" baseline="0" dirty="0" err="1" smtClean="0"/>
-                        <a:t>height</a:t>
-                      </a:r>
-                      <a:r>
-                        <a:rPr lang="de-DE" sz="1800" baseline="0" dirty="0" smtClean="0"/>
-                        <a:t> </a:t>
-                      </a:r>
-                      <a:r>
-                        <a:rPr lang="de-DE" sz="1800" baseline="0" dirty="0" err="1" smtClean="0"/>
+                        <a:rPr lang="de-DE" sz="1800" baseline="0" dirty="0" err="1"/>
+                        <a:t>Implementation</a:t>
+                      </a:r>
+                      <a:r>
+                        <a:rPr lang="de-DE" sz="1800" baseline="0" dirty="0"/>
+                        <a:t> </a:t>
+                      </a:r>
+                      <a:r>
+                        <a:rPr lang="de-DE" sz="1800" baseline="0" dirty="0" err="1"/>
                         <a:t>of</a:t>
                       </a:r>
                       <a:r>
-                        <a:rPr lang="de-DE" sz="1800" baseline="0" dirty="0" smtClean="0"/>
-                        <a:t> </a:t>
-                      </a:r>
-                      <a:r>
-                        <a:rPr lang="de-DE" sz="1800" baseline="0" dirty="0" err="1" smtClean="0"/>
-                        <a:t>player</a:t>
-                      </a:r>
-                      <a:r>
-                        <a:rPr lang="de-DE" sz="1800" baseline="0" dirty="0" smtClean="0"/>
-                        <a:t>, </a:t>
-                      </a:r>
-                      <a:r>
-                        <a:rPr lang="de-DE" sz="1800" baseline="0" dirty="0" err="1" smtClean="0"/>
-                        <a:t>weight</a:t>
-                      </a:r>
-                      <a:r>
-                        <a:rPr lang="de-DE" sz="1800" baseline="0" dirty="0" smtClean="0"/>
-                        <a:t>, …</a:t>
-                      </a:r>
-                      <a:endParaRPr lang="de-DE" sz="1800" baseline="0" dirty="0" smtClean="0"/>
+                        <a:rPr lang="de-DE" sz="1800" baseline="0" dirty="0"/>
+                        <a:t> </a:t>
+                      </a:r>
+                      <a:r>
+                        <a:rPr lang="de-DE" sz="1800" baseline="0" dirty="0" err="1"/>
+                        <a:t>client-menu-structure</a:t>
+                      </a:r>
+                      <a:endParaRPr lang="de-DE" sz="1800" baseline="0" dirty="0"/>
                     </a:p>
                   </a:txBody>
                   <a:tcPr/>
                 </a:tc>
                 <a:extLst>
                   <a:ext uri="{0D108BD9-81ED-4DB2-BD59-A6C34878D82A}">
-                    <a16:rowId xmlns="" xmlns:a16="http://schemas.microsoft.com/office/drawing/2014/main" val="10002"/>
+                    <a16:rowId xmlns:a16="http://schemas.microsoft.com/office/drawing/2014/main" val="10002"/>
                   </a:ext>
                 </a:extLst>
               </a:tr>
@@ -9095,11 +8909,11 @@
                         <a:defRPr/>
                       </a:pPr>
                       <a:r>
-                        <a:rPr lang="de-DE" sz="1800" dirty="0" smtClean="0"/>
+                        <a:rPr lang="de-DE" sz="1800" dirty="0"/>
                         <a:t>06.16</a:t>
                       </a:r>
                       <a:r>
-                        <a:rPr lang="de-DE" sz="1800" baseline="0" dirty="0" smtClean="0"/>
+                        <a:rPr lang="de-DE" sz="1800" baseline="0" dirty="0"/>
                         <a:t> – 06.23</a:t>
                       </a:r>
                       <a:endParaRPr lang="de-DE" sz="1800" dirty="0"/>
@@ -9121,20 +8935,21 @@
                         <a:t> </a:t>
                       </a:r>
                       <a:r>
-                        <a:rPr lang="en-US" sz="1800" dirty="0" smtClean="0"/>
-                        <a:t>Thorough testing of the flying</a:t>
-                      </a:r>
-                      <a:r>
-                        <a:rPr lang="en-US" sz="1800" baseline="0" dirty="0" smtClean="0"/>
-                        <a:t> physics</a:t>
-                      </a:r>
+                        <a:rPr lang="en-US" sz="1800" dirty="0"/>
+                        <a:t>Implementation</a:t>
+                      </a:r>
+                      <a:r>
+                        <a:rPr lang="en-US" sz="1800" baseline="0" dirty="0"/>
+                        <a:t> of spectator-client-menu</a:t>
+                      </a:r>
+                      <a:endParaRPr lang="de-DE" sz="1800" dirty="0"/>
                     </a:p>
                   </a:txBody>
                   <a:tcPr/>
                 </a:tc>
                 <a:extLst>
                   <a:ext uri="{0D108BD9-81ED-4DB2-BD59-A6C34878D82A}">
-                    <a16:rowId xmlns="" xmlns:a16="http://schemas.microsoft.com/office/drawing/2014/main" val="10003"/>
+                    <a16:rowId xmlns:a16="http://schemas.microsoft.com/office/drawing/2014/main" val="10003"/>
                   </a:ext>
                 </a:extLst>
               </a:tr>
@@ -9145,7 +8960,7 @@
     </p:spTree>
     <p:extLst>
       <p:ext uri="{BB962C8B-B14F-4D97-AF65-F5344CB8AC3E}">
-        <p14:creationId xmlns:p14="http://schemas.microsoft.com/office/powerpoint/2010/main" val="2726051080"/>
+        <p14:creationId xmlns:p14="http://schemas.microsoft.com/office/powerpoint/2010/main" val="4058254611"/>
       </p:ext>
     </p:extLst>
   </p:cSld>
@@ -9184,7 +8999,9 @@
         </p:nvSpPr>
         <p:spPr/>
         <p:txBody>
-          <a:bodyPr/>
+          <a:bodyPr>
+            <a:normAutofit/>
+          </a:bodyPr>
           <a:lstStyle/>
           <a:p>
             <a:pPr algn="ctr"/>
@@ -9194,15 +9011,22 @@
                   <a:srgbClr val="FF0000"/>
                 </a:solidFill>
               </a:rPr>
-              <a:t>Exams</a:t>
-            </a:r>
-            <a:endParaRPr lang="de-DE" dirty="0"/>
-          </a:p>
-        </p:txBody>
-      </p:sp>
-      <p:sp>
-        <p:nvSpPr>
-          <p:cNvPr id="3" name="Inhaltsplatzhalter 2"/>
+              <a:t>Milestone</a:t>
+            </a:r>
+            <a:r>
+              <a:rPr lang="de-DE" dirty="0">
+                <a:solidFill>
+                  <a:srgbClr val="FF0000"/>
+                </a:solidFill>
+              </a:rPr>
+              <a:t> 2</a:t>
+            </a:r>
+          </a:p>
+        </p:txBody>
+      </p:sp>
+      <p:sp>
+        <p:nvSpPr>
+          <p:cNvPr id="9" name="Inhaltsplatzhalter 8"/>
           <p:cNvSpPr>
             <a:spLocks noGrp="1"/>
           </p:cNvSpPr>
@@ -9217,99 +9041,22 @@
           </a:bodyPr>
           <a:lstStyle/>
           <a:p>
-            <a:r>
-              <a:rPr lang="de-DE" sz="2400" dirty="0"/>
-              <a:t>16.07.2016 - 30.07.2016 </a:t>
-            </a:r>
-            <a:r>
-              <a:rPr lang="de-DE" sz="2400" dirty="0" err="1"/>
-              <a:t>and</a:t>
-            </a:r>
-            <a:r>
-              <a:rPr lang="de-DE" sz="2400" dirty="0"/>
-              <a:t> 12.09.2016 - 24.09.2016</a:t>
-            </a:r>
-          </a:p>
-          <a:p>
-            <a:pPr lvl="1"/>
-            <a:r>
-              <a:rPr lang="de-DE" dirty="0" err="1"/>
-              <a:t>Exam</a:t>
-            </a:r>
-            <a:r>
-              <a:rPr lang="de-DE" dirty="0"/>
-              <a:t> </a:t>
-            </a:r>
-            <a:r>
-              <a:rPr lang="de-DE" dirty="0" err="1"/>
-              <a:t>and</a:t>
-            </a:r>
-            <a:r>
-              <a:rPr lang="de-DE" dirty="0"/>
-              <a:t> </a:t>
-            </a:r>
-            <a:r>
-              <a:rPr lang="de-DE" dirty="0" err="1"/>
-              <a:t>preperation</a:t>
-            </a:r>
-            <a:r>
-              <a:rPr lang="de-DE" dirty="0"/>
-              <a:t> 23.06 - 30.07 </a:t>
-            </a:r>
-          </a:p>
-          <a:p>
-            <a:pPr lvl="1"/>
-            <a:r>
-              <a:rPr lang="de-DE" dirty="0"/>
-              <a:t>Sec. </a:t>
-            </a:r>
-            <a:r>
-              <a:rPr lang="de-DE" dirty="0" err="1"/>
-              <a:t>exam</a:t>
-            </a:r>
-            <a:r>
-              <a:rPr lang="de-DE" dirty="0"/>
-              <a:t> </a:t>
-            </a:r>
-            <a:r>
-              <a:rPr lang="de-DE" dirty="0" err="1"/>
-              <a:t>phase</a:t>
-            </a:r>
-            <a:r>
-              <a:rPr lang="de-DE" dirty="0"/>
-              <a:t> -&gt; individual </a:t>
-            </a:r>
-            <a:r>
-              <a:rPr lang="de-DE" dirty="0" err="1"/>
-              <a:t>schedule</a:t>
-            </a:r>
             <a:endParaRPr lang="de-DE" dirty="0"/>
           </a:p>
           <a:p>
+            <a:pPr>
+              <a:buNone/>
+            </a:pPr>
             <a:endParaRPr lang="de-DE" dirty="0"/>
           </a:p>
           <a:p>
-            <a:pPr lvl="1"/>
             <a:endParaRPr lang="de-DE" dirty="0"/>
           </a:p>
-          <a:p>
-            <a:pPr lvl="1"/>
-            <a:endParaRPr lang="de-DE" sz="2200" dirty="0"/>
-          </a:p>
-          <a:p>
-            <a:endParaRPr lang="de-DE" sz="2400" dirty="0"/>
-          </a:p>
-          <a:p>
-            <a:endParaRPr lang="de-DE" sz="2400" dirty="0"/>
-          </a:p>
-          <a:p>
-            <a:endParaRPr lang="de-DE" dirty="0"/>
-          </a:p>
-        </p:txBody>
-      </p:sp>
-      <p:sp>
-        <p:nvSpPr>
-          <p:cNvPr id="4" name="Foliennummernplatzhalter 3"/>
+        </p:txBody>
+      </p:sp>
+      <p:sp>
+        <p:nvSpPr>
+          <p:cNvPr id="11" name="Foliennummernplatzhalter 10"/>
           <p:cNvSpPr>
             <a:spLocks noGrp="1"/>
           </p:cNvSpPr>
@@ -9331,7 +9078,444 @@
           </a:p>
         </p:txBody>
       </p:sp>
+      <p:graphicFrame>
+        <p:nvGraphicFramePr>
+          <p:cNvPr id="8" name="Tabelle 7"/>
+          <p:cNvGraphicFramePr>
+            <a:graphicFrameLocks noGrp="1"/>
+          </p:cNvGraphicFramePr>
+          <p:nvPr>
+            <p:extLst>
+              <p:ext uri="{D42A27DB-BD31-4B8C-83A1-F6EECF244321}">
+                <p14:modId xmlns:p14="http://schemas.microsoft.com/office/powerpoint/2010/main" val="3728952247"/>
+              </p:ext>
+            </p:extLst>
+          </p:nvPr>
+        </p:nvGraphicFramePr>
+        <p:xfrm>
+          <a:off x="539552" y="1849388"/>
+          <a:ext cx="8064897" cy="2296160"/>
+        </p:xfrm>
+        <a:graphic>
+          <a:graphicData uri="http://schemas.openxmlformats.org/drawingml/2006/table">
+            <a:tbl>
+              <a:tblPr firstRow="1" bandRow="1">
+                <a:tableStyleId>{5C22544A-7EE6-4342-B048-85BDC9FD1C3A}</a:tableStyleId>
+              </a:tblPr>
+              <a:tblGrid>
+                <a:gridCol w="1584176">
+                  <a:extLst>
+                    <a:ext uri="{9D8B030D-6E8A-4147-A177-3AD203B41FA5}">
+                      <a16:colId xmlns:a16="http://schemas.microsoft.com/office/drawing/2014/main" val="20000"/>
+                    </a:ext>
+                  </a:extLst>
+                </a:gridCol>
+                <a:gridCol w="6480721">
+                  <a:extLst>
+                    <a:ext uri="{9D8B030D-6E8A-4147-A177-3AD203B41FA5}">
+                      <a16:colId xmlns:a16="http://schemas.microsoft.com/office/drawing/2014/main" val="20001"/>
+                    </a:ext>
+                  </a:extLst>
+                </a:gridCol>
+              </a:tblGrid>
+              <a:tr h="370840">
+                <a:tc>
+                  <a:txBody>
+                    <a:bodyPr/>
+                    <a:lstStyle/>
+                    <a:p>
+                      <a:pPr algn="ctr"/>
+                      <a:r>
+                        <a:rPr lang="de-DE" sz="1800" dirty="0" err="1"/>
+                        <a:t>Week</a:t>
+                      </a:r>
+                      <a:endParaRPr lang="de-DE" sz="1800" dirty="0"/>
+                    </a:p>
+                  </a:txBody>
+                  <a:tcPr/>
+                </a:tc>
+                <a:tc>
+                  <a:txBody>
+                    <a:bodyPr/>
+                    <a:lstStyle/>
+                    <a:p>
+                      <a:pPr algn="ctr"/>
+                      <a:r>
+                        <a:rPr lang="de-DE" sz="1800" dirty="0"/>
+                        <a:t>Sebastian Nickel</a:t>
+                      </a:r>
+                    </a:p>
+                  </a:txBody>
+                  <a:tcPr/>
+                </a:tc>
+                <a:extLst>
+                  <a:ext uri="{0D108BD9-81ED-4DB2-BD59-A6C34878D82A}">
+                    <a16:rowId xmlns:a16="http://schemas.microsoft.com/office/drawing/2014/main" val="10000"/>
+                  </a:ext>
+                </a:extLst>
+              </a:tr>
+              <a:tr h="370840">
+                <a:tc>
+                  <a:txBody>
+                    <a:bodyPr/>
+                    <a:lstStyle/>
+                    <a:p>
+                      <a:pPr marL="0" marR="0" indent="0" algn="l" defTabSz="914400" rtl="0" eaLnBrk="1" fontAlgn="auto" latinLnBrk="0" hangingPunct="1">
+                        <a:lnSpc>
+                          <a:spcPct val="100000"/>
+                        </a:lnSpc>
+                        <a:spcBef>
+                          <a:spcPts val="0"/>
+                        </a:spcBef>
+                        <a:spcAft>
+                          <a:spcPts val="0"/>
+                        </a:spcAft>
+                        <a:buClrTx/>
+                        <a:buSzTx/>
+                        <a:buFontTx/>
+                        <a:buNone/>
+                        <a:tabLst/>
+                        <a:defRPr/>
+                      </a:pPr>
+                      <a:r>
+                        <a:rPr lang="de-DE" sz="1800" dirty="0"/>
+                        <a:t>06.02 – 06.09</a:t>
+                      </a:r>
+                    </a:p>
+                  </a:txBody>
+                  <a:tcPr/>
+                </a:tc>
+                <a:tc>
+                  <a:txBody>
+                    <a:bodyPr/>
+                    <a:lstStyle/>
+                    <a:p>
+                      <a:pPr lvl="0">
+                        <a:buFont typeface="Arial" pitchFamily="34" charset="0"/>
+                        <a:buChar char="•"/>
+                      </a:pPr>
+                      <a:r>
+                        <a:rPr lang="de-DE" sz="1800" baseline="0" dirty="0"/>
+                        <a:t> </a:t>
+                      </a:r>
+                      <a:r>
+                        <a:rPr lang="de-DE" sz="1800" baseline="0" dirty="0" err="1"/>
+                        <a:t>Increase</a:t>
+                      </a:r>
+                      <a:r>
+                        <a:rPr lang="de-DE" sz="1800" baseline="0" dirty="0"/>
+                        <a:t> </a:t>
+                      </a:r>
+                      <a:r>
+                        <a:rPr lang="de-DE" sz="1800" baseline="0" dirty="0" err="1"/>
+                        <a:t>flexibility</a:t>
+                      </a:r>
+                      <a:r>
+                        <a:rPr lang="de-DE" sz="1800" baseline="0" dirty="0"/>
+                        <a:t> </a:t>
+                      </a:r>
+                      <a:r>
+                        <a:rPr lang="de-DE" sz="1800" baseline="0" dirty="0" err="1"/>
+                        <a:t>of</a:t>
+                      </a:r>
+                      <a:r>
+                        <a:rPr lang="de-DE" sz="1800" baseline="0" dirty="0"/>
+                        <a:t> </a:t>
+                      </a:r>
+                      <a:r>
+                        <a:rPr lang="de-DE" sz="1800" baseline="0" dirty="0" err="1"/>
+                        <a:t>established</a:t>
+                      </a:r>
+                      <a:r>
+                        <a:rPr lang="de-DE" sz="1800" baseline="0" dirty="0"/>
+                        <a:t> </a:t>
+                      </a:r>
+                      <a:r>
+                        <a:rPr lang="de-DE" sz="1800" baseline="0" dirty="0" err="1"/>
+                        <a:t>fly-physics</a:t>
+                      </a:r>
+                      <a:r>
+                        <a:rPr lang="de-DE" sz="1800" baseline="0" dirty="0"/>
+                        <a:t> prototype</a:t>
+                      </a:r>
+                    </a:p>
+                    <a:p>
+                      <a:pPr lvl="1">
+                        <a:buFont typeface="Arial" pitchFamily="34" charset="0"/>
+                        <a:buChar char="•"/>
+                      </a:pPr>
+                      <a:r>
+                        <a:rPr lang="de-DE" sz="1800" baseline="0" dirty="0"/>
+                        <a:t> Error </a:t>
+                      </a:r>
+                      <a:r>
+                        <a:rPr lang="de-DE" sz="1800" baseline="0" dirty="0" err="1"/>
+                        <a:t>tolerence</a:t>
+                      </a:r>
+                      <a:r>
+                        <a:rPr lang="de-DE" sz="1800" baseline="0" dirty="0"/>
+                        <a:t>, …</a:t>
+                      </a:r>
+                    </a:p>
+                  </a:txBody>
+                  <a:tcPr/>
+                </a:tc>
+                <a:extLst>
+                  <a:ext uri="{0D108BD9-81ED-4DB2-BD59-A6C34878D82A}">
+                    <a16:rowId xmlns:a16="http://schemas.microsoft.com/office/drawing/2014/main" val="10001"/>
+                  </a:ext>
+                </a:extLst>
+              </a:tr>
+              <a:tr h="370840">
+                <a:tc>
+                  <a:txBody>
+                    <a:bodyPr/>
+                    <a:lstStyle/>
+                    <a:p>
+                      <a:pPr marL="0" marR="0" indent="0" algn="l" defTabSz="914400" rtl="0" eaLnBrk="1" fontAlgn="auto" latinLnBrk="0" hangingPunct="1">
+                        <a:lnSpc>
+                          <a:spcPct val="100000"/>
+                        </a:lnSpc>
+                        <a:spcBef>
+                          <a:spcPts val="0"/>
+                        </a:spcBef>
+                        <a:spcAft>
+                          <a:spcPts val="0"/>
+                        </a:spcAft>
+                        <a:buClrTx/>
+                        <a:buSzTx/>
+                        <a:buFontTx/>
+                        <a:buNone/>
+                        <a:tabLst/>
+                        <a:defRPr/>
+                      </a:pPr>
+                      <a:r>
+                        <a:rPr lang="de-DE" sz="1800" dirty="0"/>
+                        <a:t>06.09 – 06.16</a:t>
+                      </a:r>
+                    </a:p>
+                  </a:txBody>
+                  <a:tcPr/>
+                </a:tc>
+                <a:tc>
+                  <a:txBody>
+                    <a:bodyPr/>
+                    <a:lstStyle/>
+                    <a:p>
+                      <a:pPr lvl="0">
+                        <a:buFont typeface="Arial" pitchFamily="34" charset="0"/>
+                        <a:buChar char="•"/>
+                      </a:pPr>
+                      <a:r>
+                        <a:rPr lang="de-DE" sz="1800" baseline="0" dirty="0"/>
+                        <a:t> Add </a:t>
+                      </a:r>
+                      <a:r>
+                        <a:rPr lang="de-DE" sz="1800" baseline="0" dirty="0" err="1"/>
+                        <a:t>configuratable</a:t>
+                      </a:r>
+                      <a:r>
+                        <a:rPr lang="de-DE" sz="1800" baseline="0" dirty="0"/>
+                        <a:t> </a:t>
+                      </a:r>
+                      <a:r>
+                        <a:rPr lang="de-DE" sz="1800" baseline="0" dirty="0" err="1"/>
+                        <a:t>properties</a:t>
+                      </a:r>
+                      <a:r>
+                        <a:rPr lang="de-DE" sz="1800" baseline="0" dirty="0"/>
+                        <a:t> </a:t>
+                      </a:r>
+                      <a:r>
+                        <a:rPr lang="de-DE" sz="1800" baseline="0" dirty="0" err="1"/>
+                        <a:t>to</a:t>
+                      </a:r>
+                      <a:r>
+                        <a:rPr lang="de-DE" sz="1800" baseline="0" dirty="0"/>
+                        <a:t> </a:t>
+                      </a:r>
+                      <a:r>
+                        <a:rPr lang="de-DE" sz="1800" baseline="0" dirty="0" err="1"/>
+                        <a:t>flying</a:t>
+                      </a:r>
+                      <a:r>
+                        <a:rPr lang="de-DE" sz="1800" baseline="0" dirty="0"/>
+                        <a:t>-model </a:t>
+                      </a:r>
+                      <a:r>
+                        <a:rPr lang="de-DE" sz="1800" baseline="0" dirty="0" err="1"/>
+                        <a:t>for</a:t>
+                      </a:r>
+                      <a:r>
+                        <a:rPr lang="de-DE" sz="1800" baseline="0" dirty="0"/>
+                        <a:t> an </a:t>
+                      </a:r>
+                      <a:r>
+                        <a:rPr lang="de-DE" sz="1800" baseline="0" dirty="0" err="1"/>
+                        <a:t>even</a:t>
+                      </a:r>
+                      <a:r>
+                        <a:rPr lang="de-DE" sz="1800" baseline="0" dirty="0"/>
+                        <a:t> </a:t>
+                      </a:r>
+                      <a:r>
+                        <a:rPr lang="de-DE" sz="1800" baseline="0" dirty="0" err="1"/>
+                        <a:t>more</a:t>
+                      </a:r>
+                      <a:r>
+                        <a:rPr lang="de-DE" sz="1800" baseline="0" dirty="0"/>
+                        <a:t> </a:t>
+                      </a:r>
+                      <a:r>
+                        <a:rPr lang="de-DE" sz="1800" baseline="0" dirty="0" err="1"/>
+                        <a:t>realistic</a:t>
+                      </a:r>
+                      <a:r>
+                        <a:rPr lang="de-DE" sz="1800" baseline="0" dirty="0"/>
+                        <a:t> </a:t>
+                      </a:r>
+                      <a:r>
+                        <a:rPr lang="de-DE" sz="1800" baseline="0" dirty="0" err="1"/>
+                        <a:t>experience</a:t>
+                      </a:r>
+                      <a:endParaRPr lang="de-DE" sz="1800" baseline="0" dirty="0"/>
+                    </a:p>
+                    <a:p>
+                      <a:pPr lvl="1">
+                        <a:buFont typeface="Arial" pitchFamily="34" charset="0"/>
+                        <a:buChar char="•"/>
+                      </a:pPr>
+                      <a:r>
+                        <a:rPr lang="de-DE" sz="1800" baseline="0" dirty="0"/>
+                        <a:t> </a:t>
+                      </a:r>
+                      <a:r>
+                        <a:rPr lang="de-DE" sz="1800" baseline="0" dirty="0" err="1"/>
+                        <a:t>Actual</a:t>
+                      </a:r>
+                      <a:r>
+                        <a:rPr lang="de-DE" sz="1800" baseline="0" dirty="0"/>
+                        <a:t> </a:t>
+                      </a:r>
+                      <a:r>
+                        <a:rPr lang="de-DE" sz="1800" baseline="0" dirty="0" err="1"/>
+                        <a:t>height</a:t>
+                      </a:r>
+                      <a:r>
+                        <a:rPr lang="de-DE" sz="1800" baseline="0" dirty="0"/>
+                        <a:t> </a:t>
+                      </a:r>
+                      <a:r>
+                        <a:rPr lang="de-DE" sz="1800" baseline="0" dirty="0" err="1"/>
+                        <a:t>of</a:t>
+                      </a:r>
+                      <a:r>
+                        <a:rPr lang="de-DE" sz="1800" baseline="0" dirty="0"/>
+                        <a:t> </a:t>
+                      </a:r>
+                      <a:r>
+                        <a:rPr lang="de-DE" sz="1800" baseline="0" dirty="0" err="1"/>
+                        <a:t>player</a:t>
+                      </a:r>
+                      <a:r>
+                        <a:rPr lang="de-DE" sz="1800" baseline="0" dirty="0"/>
+                        <a:t>, </a:t>
+                      </a:r>
+                      <a:r>
+                        <a:rPr lang="de-DE" sz="1800" baseline="0" dirty="0" err="1"/>
+                        <a:t>weight</a:t>
+                      </a:r>
+                      <a:r>
+                        <a:rPr lang="de-DE" sz="1800" baseline="0" dirty="0"/>
+                        <a:t>, …</a:t>
+                      </a:r>
+                    </a:p>
+                  </a:txBody>
+                  <a:tcPr/>
+                </a:tc>
+                <a:extLst>
+                  <a:ext uri="{0D108BD9-81ED-4DB2-BD59-A6C34878D82A}">
+                    <a16:rowId xmlns:a16="http://schemas.microsoft.com/office/drawing/2014/main" val="10002"/>
+                  </a:ext>
+                </a:extLst>
+              </a:tr>
+              <a:tr h="370840">
+                <a:tc>
+                  <a:txBody>
+                    <a:bodyPr/>
+                    <a:lstStyle/>
+                    <a:p>
+                      <a:pPr marL="0" marR="0" indent="0" algn="l" defTabSz="914400" rtl="0" eaLnBrk="1" fontAlgn="auto" latinLnBrk="0" hangingPunct="1">
+                        <a:lnSpc>
+                          <a:spcPct val="100000"/>
+                        </a:lnSpc>
+                        <a:spcBef>
+                          <a:spcPts val="0"/>
+                        </a:spcBef>
+                        <a:spcAft>
+                          <a:spcPts val="0"/>
+                        </a:spcAft>
+                        <a:buClrTx/>
+                        <a:buSzTx/>
+                        <a:buFontTx/>
+                        <a:buNone/>
+                        <a:tabLst/>
+                        <a:defRPr/>
+                      </a:pPr>
+                      <a:r>
+                        <a:rPr lang="de-DE" sz="1800" dirty="0"/>
+                        <a:t>06.16</a:t>
+                      </a:r>
+                      <a:r>
+                        <a:rPr lang="de-DE" sz="1800" baseline="0" dirty="0"/>
+                        <a:t> – 06.23</a:t>
+                      </a:r>
+                      <a:endParaRPr lang="de-DE" sz="1800" dirty="0"/>
+                    </a:p>
+                  </a:txBody>
+                  <a:tcPr/>
+                </a:tc>
+                <a:tc>
+                  <a:txBody>
+                    <a:bodyPr/>
+                    <a:lstStyle/>
+                    <a:p>
+                      <a:pPr lvl="0">
+                        <a:buFont typeface="Arial" pitchFamily="34" charset="0"/>
+                        <a:buChar char="•"/>
+                      </a:pPr>
+                      <a:r>
+                        <a:rPr lang="de-DE" sz="1800" dirty="0"/>
+                        <a:t> </a:t>
+                      </a:r>
+                      <a:r>
+                        <a:rPr lang="en-US" sz="1800" dirty="0"/>
+                        <a:t>Thorough testing of the flying</a:t>
+                      </a:r>
+                      <a:r>
+                        <a:rPr lang="en-US" sz="1800" baseline="0" dirty="0"/>
+                        <a:t> physics</a:t>
+                      </a:r>
+                    </a:p>
+                  </a:txBody>
+                  <a:tcPr/>
+                </a:tc>
+                <a:extLst>
+                  <a:ext uri="{0D108BD9-81ED-4DB2-BD59-A6C34878D82A}">
+                    <a16:rowId xmlns:a16="http://schemas.microsoft.com/office/drawing/2014/main" val="10003"/>
+                  </a:ext>
+                </a:extLst>
+              </a:tr>
+            </a:tbl>
+          </a:graphicData>
+        </a:graphic>
+      </p:graphicFrame>
     </p:spTree>
+    <p:extLst>
+      <p:ext uri="{BB962C8B-B14F-4D97-AF65-F5344CB8AC3E}">
+        <p14:creationId xmlns:p14="http://schemas.microsoft.com/office/powerpoint/2010/main" val="2726051080"/>
+      </p:ext>
+    </p:extLst>
   </p:cSld>
   <p:clrMapOvr>
     <a:masterClrMapping/>
@@ -9547,7 +9731,7 @@
                   <a:srgbClr val="FF0000"/>
                 </a:solidFill>
               </a:rPr>
-              <a:t> 3</a:t>
+              <a:t> 2</a:t>
             </a:r>
           </a:p>
         </p:txBody>
@@ -9601,6 +9785,647 @@
               <a:rPr lang="de-DE" smtClean="0"/>
               <a:pPr/>
               <a:t>20</a:t>
+            </a:fld>
+            <a:endParaRPr lang="de-DE"/>
+          </a:p>
+        </p:txBody>
+      </p:sp>
+      <p:graphicFrame>
+        <p:nvGraphicFramePr>
+          <p:cNvPr id="8" name="Tabelle 7"/>
+          <p:cNvGraphicFramePr>
+            <a:graphicFrameLocks noGrp="1"/>
+          </p:cNvGraphicFramePr>
+          <p:nvPr>
+            <p:extLst>
+              <p:ext uri="{D42A27DB-BD31-4B8C-83A1-F6EECF244321}">
+                <p14:modId xmlns:p14="http://schemas.microsoft.com/office/powerpoint/2010/main" val="2739947338"/>
+              </p:ext>
+            </p:extLst>
+          </p:nvPr>
+        </p:nvGraphicFramePr>
+        <p:xfrm>
+          <a:off x="539552" y="1849388"/>
+          <a:ext cx="8064897" cy="1752600"/>
+        </p:xfrm>
+        <a:graphic>
+          <a:graphicData uri="http://schemas.openxmlformats.org/drawingml/2006/table">
+            <a:tbl>
+              <a:tblPr firstRow="1" bandRow="1">
+                <a:tableStyleId>{5C22544A-7EE6-4342-B048-85BDC9FD1C3A}</a:tableStyleId>
+              </a:tblPr>
+              <a:tblGrid>
+                <a:gridCol w="1584176">
+                  <a:extLst>
+                    <a:ext uri="{9D8B030D-6E8A-4147-A177-3AD203B41FA5}">
+                      <a16:colId xmlns:a16="http://schemas.microsoft.com/office/drawing/2014/main" val="20000"/>
+                    </a:ext>
+                  </a:extLst>
+                </a:gridCol>
+                <a:gridCol w="6480721">
+                  <a:extLst>
+                    <a:ext uri="{9D8B030D-6E8A-4147-A177-3AD203B41FA5}">
+                      <a16:colId xmlns:a16="http://schemas.microsoft.com/office/drawing/2014/main" val="20001"/>
+                    </a:ext>
+                  </a:extLst>
+                </a:gridCol>
+              </a:tblGrid>
+              <a:tr h="370840">
+                <a:tc>
+                  <a:txBody>
+                    <a:bodyPr/>
+                    <a:lstStyle/>
+                    <a:p>
+                      <a:pPr algn="ctr"/>
+                      <a:r>
+                        <a:rPr lang="de-DE" sz="1800" dirty="0" err="1"/>
+                        <a:t>Week</a:t>
+                      </a:r>
+                      <a:endParaRPr lang="de-DE" sz="1800" dirty="0"/>
+                    </a:p>
+                  </a:txBody>
+                  <a:tcPr/>
+                </a:tc>
+                <a:tc>
+                  <a:txBody>
+                    <a:bodyPr/>
+                    <a:lstStyle/>
+                    <a:p>
+                      <a:pPr algn="ctr"/>
+                      <a:r>
+                        <a:rPr lang="de-DE" sz="1800" dirty="0"/>
+                        <a:t>Sascha </a:t>
+                      </a:r>
+                      <a:r>
+                        <a:rPr lang="de-DE" sz="1800" dirty="0" err="1"/>
+                        <a:t>Ibach</a:t>
+                      </a:r>
+                      <a:endParaRPr lang="de-DE" sz="1800" dirty="0"/>
+                    </a:p>
+                  </a:txBody>
+                  <a:tcPr/>
+                </a:tc>
+                <a:extLst>
+                  <a:ext uri="{0D108BD9-81ED-4DB2-BD59-A6C34878D82A}">
+                    <a16:rowId xmlns:a16="http://schemas.microsoft.com/office/drawing/2014/main" val="10000"/>
+                  </a:ext>
+                </a:extLst>
+              </a:tr>
+              <a:tr h="370840">
+                <a:tc>
+                  <a:txBody>
+                    <a:bodyPr/>
+                    <a:lstStyle/>
+                    <a:p>
+                      <a:pPr marL="0" marR="0" indent="0" algn="l" defTabSz="914400" rtl="0" eaLnBrk="1" fontAlgn="auto" latinLnBrk="0" hangingPunct="1">
+                        <a:lnSpc>
+                          <a:spcPct val="100000"/>
+                        </a:lnSpc>
+                        <a:spcBef>
+                          <a:spcPts val="0"/>
+                        </a:spcBef>
+                        <a:spcAft>
+                          <a:spcPts val="0"/>
+                        </a:spcAft>
+                        <a:buClrTx/>
+                        <a:buSzTx/>
+                        <a:buFontTx/>
+                        <a:buNone/>
+                        <a:tabLst/>
+                        <a:defRPr/>
+                      </a:pPr>
+                      <a:r>
+                        <a:rPr lang="de-DE" sz="1800" dirty="0"/>
+                        <a:t>06.02 – 06.09</a:t>
+                      </a:r>
+                    </a:p>
+                  </a:txBody>
+                  <a:tcPr/>
+                </a:tc>
+                <a:tc>
+                  <a:txBody>
+                    <a:bodyPr/>
+                    <a:lstStyle/>
+                    <a:p>
+                      <a:pPr marL="0" marR="0" lvl="0" indent="0" algn="l" defTabSz="914400" rtl="0" eaLnBrk="1" fontAlgn="auto" latinLnBrk="0" hangingPunct="1">
+                        <a:lnSpc>
+                          <a:spcPct val="100000"/>
+                        </a:lnSpc>
+                        <a:spcBef>
+                          <a:spcPts val="0"/>
+                        </a:spcBef>
+                        <a:spcAft>
+                          <a:spcPts val="0"/>
+                        </a:spcAft>
+                        <a:buClrTx/>
+                        <a:buSzTx/>
+                        <a:buFont typeface="Arial" pitchFamily="34" charset="0"/>
+                        <a:buChar char="•"/>
+                        <a:tabLst/>
+                        <a:defRPr/>
+                      </a:pPr>
+                      <a:r>
+                        <a:rPr lang="de-DE" sz="1800" baseline="0" dirty="0"/>
+                        <a:t> Menus (Controls, </a:t>
+                      </a:r>
+                      <a:r>
+                        <a:rPr lang="de-DE" sz="1800" baseline="0" dirty="0" err="1"/>
+                        <a:t>Oculus</a:t>
+                      </a:r>
+                      <a:r>
+                        <a:rPr lang="de-DE" sz="1800" baseline="0" dirty="0"/>
+                        <a:t> (</a:t>
+                      </a:r>
+                      <a:r>
+                        <a:rPr lang="de-DE" sz="1800" baseline="0" dirty="0" err="1"/>
+                        <a:t>Shader</a:t>
+                      </a:r>
+                      <a:r>
+                        <a:rPr lang="de-DE" sz="1800" baseline="0" dirty="0"/>
+                        <a:t>))</a:t>
+                      </a:r>
+                    </a:p>
+                  </a:txBody>
+                  <a:tcPr/>
+                </a:tc>
+                <a:extLst>
+                  <a:ext uri="{0D108BD9-81ED-4DB2-BD59-A6C34878D82A}">
+                    <a16:rowId xmlns:a16="http://schemas.microsoft.com/office/drawing/2014/main" val="10001"/>
+                  </a:ext>
+                </a:extLst>
+              </a:tr>
+              <a:tr h="370840">
+                <a:tc>
+                  <a:txBody>
+                    <a:bodyPr/>
+                    <a:lstStyle/>
+                    <a:p>
+                      <a:pPr marL="0" marR="0" indent="0" algn="l" defTabSz="914400" rtl="0" eaLnBrk="1" fontAlgn="auto" latinLnBrk="0" hangingPunct="1">
+                        <a:lnSpc>
+                          <a:spcPct val="100000"/>
+                        </a:lnSpc>
+                        <a:spcBef>
+                          <a:spcPts val="0"/>
+                        </a:spcBef>
+                        <a:spcAft>
+                          <a:spcPts val="0"/>
+                        </a:spcAft>
+                        <a:buClrTx/>
+                        <a:buSzTx/>
+                        <a:buFontTx/>
+                        <a:buNone/>
+                        <a:tabLst/>
+                        <a:defRPr/>
+                      </a:pPr>
+                      <a:r>
+                        <a:rPr lang="de-DE" sz="1800" dirty="0"/>
+                        <a:t>06.09 – 06.16</a:t>
+                      </a:r>
+                    </a:p>
+                  </a:txBody>
+                  <a:tcPr/>
+                </a:tc>
+                <a:tc>
+                  <a:txBody>
+                    <a:bodyPr/>
+                    <a:lstStyle/>
+                    <a:p>
+                      <a:pPr lvl="0">
+                        <a:buFont typeface="Arial" pitchFamily="34" charset="0"/>
+                        <a:buChar char="•"/>
+                      </a:pPr>
+                      <a:r>
+                        <a:rPr lang="de-DE" sz="1800" baseline="0" dirty="0"/>
+                        <a:t> Game Interaction / - </a:t>
+                      </a:r>
+                      <a:r>
+                        <a:rPr lang="de-DE" sz="1800" baseline="0" dirty="0" err="1"/>
+                        <a:t>Logic</a:t>
+                      </a:r>
+                      <a:r>
+                        <a:rPr lang="de-DE" sz="1800" baseline="0" dirty="0"/>
+                        <a:t> / -Flow (</a:t>
+                      </a:r>
+                      <a:r>
+                        <a:rPr lang="de-DE" sz="1800" baseline="0" dirty="0" err="1"/>
+                        <a:t>Parachute</a:t>
+                      </a:r>
+                      <a:r>
+                        <a:rPr lang="de-DE" sz="1800" baseline="0" dirty="0"/>
+                        <a:t> </a:t>
+                      </a:r>
+                      <a:r>
+                        <a:rPr lang="de-DE" sz="1800" baseline="0" dirty="0" err="1"/>
+                        <a:t>landing</a:t>
+                      </a:r>
+                      <a:r>
+                        <a:rPr lang="de-DE" sz="1800" baseline="0" dirty="0"/>
+                        <a:t>, …)</a:t>
+                      </a:r>
+                    </a:p>
+                  </a:txBody>
+                  <a:tcPr/>
+                </a:tc>
+                <a:extLst>
+                  <a:ext uri="{0D108BD9-81ED-4DB2-BD59-A6C34878D82A}">
+                    <a16:rowId xmlns:a16="http://schemas.microsoft.com/office/drawing/2014/main" val="10002"/>
+                  </a:ext>
+                </a:extLst>
+              </a:tr>
+              <a:tr h="370840">
+                <a:tc>
+                  <a:txBody>
+                    <a:bodyPr/>
+                    <a:lstStyle/>
+                    <a:p>
+                      <a:pPr marL="0" marR="0" indent="0" algn="l" defTabSz="914400" rtl="0" eaLnBrk="1" fontAlgn="auto" latinLnBrk="0" hangingPunct="1">
+                        <a:lnSpc>
+                          <a:spcPct val="100000"/>
+                        </a:lnSpc>
+                        <a:spcBef>
+                          <a:spcPts val="0"/>
+                        </a:spcBef>
+                        <a:spcAft>
+                          <a:spcPts val="0"/>
+                        </a:spcAft>
+                        <a:buClrTx/>
+                        <a:buSzTx/>
+                        <a:buFontTx/>
+                        <a:buNone/>
+                        <a:tabLst/>
+                        <a:defRPr/>
+                      </a:pPr>
+                      <a:r>
+                        <a:rPr lang="de-DE" sz="1800" dirty="0"/>
+                        <a:t>06.16</a:t>
+                      </a:r>
+                      <a:r>
+                        <a:rPr lang="de-DE" sz="1800" baseline="0" dirty="0"/>
+                        <a:t> – 06.23</a:t>
+                      </a:r>
+                      <a:endParaRPr lang="de-DE" sz="1800" dirty="0"/>
+                    </a:p>
+                  </a:txBody>
+                  <a:tcPr/>
+                </a:tc>
+                <a:tc>
+                  <a:txBody>
+                    <a:bodyPr/>
+                    <a:lstStyle/>
+                    <a:p>
+                      <a:pPr lvl="0">
+                        <a:buFont typeface="Arial" pitchFamily="34" charset="0"/>
+                        <a:buChar char="•"/>
+                      </a:pPr>
+                      <a:r>
+                        <a:rPr lang="de-DE" sz="1800" dirty="0"/>
+                        <a:t> </a:t>
+                      </a:r>
+                      <a:r>
+                        <a:rPr lang="de-DE" sz="1800" dirty="0" err="1"/>
+                        <a:t>Buffer</a:t>
+                      </a:r>
+                      <a:r>
+                        <a:rPr lang="de-DE" sz="1800" dirty="0"/>
+                        <a:t> </a:t>
+                      </a:r>
+                      <a:r>
+                        <a:rPr lang="de-DE" sz="1800" dirty="0" err="1"/>
+                        <a:t>for</a:t>
+                      </a:r>
+                      <a:r>
+                        <a:rPr lang="de-DE" sz="1800" dirty="0"/>
+                        <a:t> </a:t>
+                      </a:r>
+                      <a:r>
+                        <a:rPr lang="de-DE" sz="1800" dirty="0" err="1"/>
+                        <a:t>GameLogic</a:t>
+                      </a:r>
+                      <a:endParaRPr lang="de-DE" sz="1800" dirty="0"/>
+                    </a:p>
+                    <a:p>
+                      <a:pPr lvl="0">
+                        <a:buFont typeface="Arial" pitchFamily="34" charset="0"/>
+                        <a:buChar char="•"/>
+                      </a:pPr>
+                      <a:r>
+                        <a:rPr lang="de-DE" sz="1800" dirty="0"/>
+                        <a:t> Playermodel</a:t>
+                      </a:r>
+                    </a:p>
+                  </a:txBody>
+                  <a:tcPr/>
+                </a:tc>
+                <a:extLst>
+                  <a:ext uri="{0D108BD9-81ED-4DB2-BD59-A6C34878D82A}">
+                    <a16:rowId xmlns:a16="http://schemas.microsoft.com/office/drawing/2014/main" val="10003"/>
+                  </a:ext>
+                </a:extLst>
+              </a:tr>
+            </a:tbl>
+          </a:graphicData>
+        </a:graphic>
+      </p:graphicFrame>
+    </p:spTree>
+    <p:extLst>
+      <p:ext uri="{BB962C8B-B14F-4D97-AF65-F5344CB8AC3E}">
+        <p14:creationId xmlns:p14="http://schemas.microsoft.com/office/powerpoint/2010/main" val="1493014693"/>
+      </p:ext>
+    </p:extLst>
+  </p:cSld>
+  <p:clrMapOvr>
+    <a:masterClrMapping/>
+  </p:clrMapOvr>
+</p:sld>
+</file>
+
+<file path=ppt/slides/slide21.xml><?xml version="1.0" encoding="utf-8"?>
+<p:sld xmlns:a="http://schemas.openxmlformats.org/drawingml/2006/main" xmlns:r="http://schemas.openxmlformats.org/officeDocument/2006/relationships" xmlns:p="http://schemas.openxmlformats.org/presentationml/2006/main">
+  <p:cSld>
+    <p:spTree>
+      <p:nvGrpSpPr>
+        <p:cNvPr id="1" name=""/>
+        <p:cNvGrpSpPr/>
+        <p:nvPr/>
+      </p:nvGrpSpPr>
+      <p:grpSpPr>
+        <a:xfrm>
+          <a:off x="0" y="0"/>
+          <a:ext cx="0" cy="0"/>
+          <a:chOff x="0" y="0"/>
+          <a:chExt cx="0" cy="0"/>
+        </a:xfrm>
+      </p:grpSpPr>
+      <p:sp>
+        <p:nvSpPr>
+          <p:cNvPr id="2" name="Titel 1"/>
+          <p:cNvSpPr>
+            <a:spLocks noGrp="1"/>
+          </p:cNvSpPr>
+          <p:nvPr>
+            <p:ph type="title"/>
+          </p:nvPr>
+        </p:nvSpPr>
+        <p:spPr/>
+        <p:txBody>
+          <a:bodyPr/>
+          <a:lstStyle/>
+          <a:p>
+            <a:pPr algn="ctr"/>
+            <a:r>
+              <a:rPr lang="de-DE" dirty="0" err="1">
+                <a:solidFill>
+                  <a:srgbClr val="FF0000"/>
+                </a:solidFill>
+              </a:rPr>
+              <a:t>Exams</a:t>
+            </a:r>
+            <a:endParaRPr lang="de-DE" dirty="0"/>
+          </a:p>
+        </p:txBody>
+      </p:sp>
+      <p:sp>
+        <p:nvSpPr>
+          <p:cNvPr id="3" name="Inhaltsplatzhalter 2"/>
+          <p:cNvSpPr>
+            <a:spLocks noGrp="1"/>
+          </p:cNvSpPr>
+          <p:nvPr>
+            <p:ph idx="1"/>
+          </p:nvPr>
+        </p:nvSpPr>
+        <p:spPr/>
+        <p:txBody>
+          <a:bodyPr>
+            <a:normAutofit/>
+          </a:bodyPr>
+          <a:lstStyle/>
+          <a:p>
+            <a:r>
+              <a:rPr lang="de-DE" sz="2400" dirty="0"/>
+              <a:t>16.07.2016 - 30.07.2016 </a:t>
+            </a:r>
+            <a:r>
+              <a:rPr lang="de-DE" sz="2400" dirty="0" err="1"/>
+              <a:t>and</a:t>
+            </a:r>
+            <a:r>
+              <a:rPr lang="de-DE" sz="2400" dirty="0"/>
+              <a:t> 12.09.2016 - 24.09.2016</a:t>
+            </a:r>
+          </a:p>
+          <a:p>
+            <a:pPr lvl="1"/>
+            <a:r>
+              <a:rPr lang="de-DE" dirty="0" err="1"/>
+              <a:t>Exam</a:t>
+            </a:r>
+            <a:r>
+              <a:rPr lang="de-DE" dirty="0"/>
+              <a:t> </a:t>
+            </a:r>
+            <a:r>
+              <a:rPr lang="de-DE" dirty="0" err="1"/>
+              <a:t>and</a:t>
+            </a:r>
+            <a:r>
+              <a:rPr lang="de-DE" dirty="0"/>
+              <a:t> </a:t>
+            </a:r>
+            <a:r>
+              <a:rPr lang="de-DE" dirty="0" err="1"/>
+              <a:t>preperation</a:t>
+            </a:r>
+            <a:r>
+              <a:rPr lang="de-DE" dirty="0"/>
+              <a:t> 23.06 - 30.07 </a:t>
+            </a:r>
+          </a:p>
+          <a:p>
+            <a:pPr lvl="1"/>
+            <a:r>
+              <a:rPr lang="de-DE" dirty="0"/>
+              <a:t>Sec. </a:t>
+            </a:r>
+            <a:r>
+              <a:rPr lang="de-DE" dirty="0" err="1"/>
+              <a:t>exam</a:t>
+            </a:r>
+            <a:r>
+              <a:rPr lang="de-DE" dirty="0"/>
+              <a:t> </a:t>
+            </a:r>
+            <a:r>
+              <a:rPr lang="de-DE" dirty="0" err="1"/>
+              <a:t>phase</a:t>
+            </a:r>
+            <a:r>
+              <a:rPr lang="de-DE" dirty="0"/>
+              <a:t> -&gt; individual </a:t>
+            </a:r>
+            <a:r>
+              <a:rPr lang="de-DE" dirty="0" err="1"/>
+              <a:t>schedule</a:t>
+            </a:r>
+            <a:endParaRPr lang="de-DE" dirty="0"/>
+          </a:p>
+          <a:p>
+            <a:endParaRPr lang="de-DE" dirty="0"/>
+          </a:p>
+          <a:p>
+            <a:pPr lvl="1"/>
+            <a:endParaRPr lang="de-DE" dirty="0"/>
+          </a:p>
+          <a:p>
+            <a:pPr lvl="1"/>
+            <a:endParaRPr lang="de-DE" sz="2200" dirty="0"/>
+          </a:p>
+          <a:p>
+            <a:endParaRPr lang="de-DE" sz="2400" dirty="0"/>
+          </a:p>
+          <a:p>
+            <a:endParaRPr lang="de-DE" sz="2400" dirty="0"/>
+          </a:p>
+          <a:p>
+            <a:endParaRPr lang="de-DE" dirty="0"/>
+          </a:p>
+        </p:txBody>
+      </p:sp>
+      <p:sp>
+        <p:nvSpPr>
+          <p:cNvPr id="4" name="Foliennummernplatzhalter 3"/>
+          <p:cNvSpPr>
+            <a:spLocks noGrp="1"/>
+          </p:cNvSpPr>
+          <p:nvPr>
+            <p:ph type="sldNum" sz="quarter" idx="12"/>
+          </p:nvPr>
+        </p:nvSpPr>
+        <p:spPr/>
+        <p:txBody>
+          <a:bodyPr/>
+          <a:lstStyle/>
+          <a:p>
+            <a:fld id="{6C6AE60A-B69C-4790-82F7-3882EDF23186}" type="slidenum">
+              <a:rPr lang="de-DE" smtClean="0"/>
+              <a:pPr/>
+              <a:t>21</a:t>
+            </a:fld>
+            <a:endParaRPr lang="de-DE"/>
+          </a:p>
+        </p:txBody>
+      </p:sp>
+    </p:spTree>
+  </p:cSld>
+  <p:clrMapOvr>
+    <a:masterClrMapping/>
+  </p:clrMapOvr>
+</p:sld>
+</file>
+
+<file path=ppt/slides/slide22.xml><?xml version="1.0" encoding="utf-8"?>
+<p:sld xmlns:a="http://schemas.openxmlformats.org/drawingml/2006/main" xmlns:r="http://schemas.openxmlformats.org/officeDocument/2006/relationships" xmlns:p="http://schemas.openxmlformats.org/presentationml/2006/main">
+  <p:cSld>
+    <p:spTree>
+      <p:nvGrpSpPr>
+        <p:cNvPr id="1" name=""/>
+        <p:cNvGrpSpPr/>
+        <p:nvPr/>
+      </p:nvGrpSpPr>
+      <p:grpSpPr>
+        <a:xfrm>
+          <a:off x="0" y="0"/>
+          <a:ext cx="0" cy="0"/>
+          <a:chOff x="0" y="0"/>
+          <a:chExt cx="0" cy="0"/>
+        </a:xfrm>
+      </p:grpSpPr>
+      <p:sp>
+        <p:nvSpPr>
+          <p:cNvPr id="2" name="Titel 1"/>
+          <p:cNvSpPr>
+            <a:spLocks noGrp="1"/>
+          </p:cNvSpPr>
+          <p:nvPr>
+            <p:ph type="title"/>
+          </p:nvPr>
+        </p:nvSpPr>
+        <p:spPr/>
+        <p:txBody>
+          <a:bodyPr>
+            <a:normAutofit/>
+          </a:bodyPr>
+          <a:lstStyle/>
+          <a:p>
+            <a:pPr algn="ctr"/>
+            <a:r>
+              <a:rPr lang="de-DE" dirty="0" err="1">
+                <a:solidFill>
+                  <a:srgbClr val="FF0000"/>
+                </a:solidFill>
+              </a:rPr>
+              <a:t>Milestone</a:t>
+            </a:r>
+            <a:r>
+              <a:rPr lang="de-DE" dirty="0">
+                <a:solidFill>
+                  <a:srgbClr val="FF0000"/>
+                </a:solidFill>
+              </a:rPr>
+              <a:t> 3</a:t>
+            </a:r>
+          </a:p>
+        </p:txBody>
+      </p:sp>
+      <p:sp>
+        <p:nvSpPr>
+          <p:cNvPr id="9" name="Inhaltsplatzhalter 8"/>
+          <p:cNvSpPr>
+            <a:spLocks noGrp="1"/>
+          </p:cNvSpPr>
+          <p:nvPr>
+            <p:ph idx="1"/>
+          </p:nvPr>
+        </p:nvSpPr>
+        <p:spPr/>
+        <p:txBody>
+          <a:bodyPr>
+            <a:normAutofit/>
+          </a:bodyPr>
+          <a:lstStyle/>
+          <a:p>
+            <a:endParaRPr lang="de-DE" dirty="0"/>
+          </a:p>
+          <a:p>
+            <a:pPr>
+              <a:buNone/>
+            </a:pPr>
+            <a:endParaRPr lang="de-DE" dirty="0"/>
+          </a:p>
+          <a:p>
+            <a:endParaRPr lang="de-DE" dirty="0"/>
+          </a:p>
+        </p:txBody>
+      </p:sp>
+      <p:sp>
+        <p:nvSpPr>
+          <p:cNvPr id="11" name="Foliennummernplatzhalter 10"/>
+          <p:cNvSpPr>
+            <a:spLocks noGrp="1"/>
+          </p:cNvSpPr>
+          <p:nvPr>
+            <p:ph type="sldNum" sz="quarter" idx="12"/>
+          </p:nvPr>
+        </p:nvSpPr>
+        <p:spPr/>
+        <p:txBody>
+          <a:bodyPr/>
+          <a:lstStyle/>
+          <a:p>
+            <a:fld id="{6C6AE60A-B69C-4790-82F7-3882EDF23186}" type="slidenum">
+              <a:rPr lang="de-DE" smtClean="0"/>
+              <a:pPr/>
+              <a:t>22</a:t>
             </a:fld>
             <a:endParaRPr lang="de-DE"/>
           </a:p>
@@ -9628,14 +10453,14 @@
                 <a:gridCol w="1584176">
                   <a:extLst>
                     <a:ext uri="{9D8B030D-6E8A-4147-A177-3AD203B41FA5}">
-                      <a16:colId xmlns="" xmlns:a16="http://schemas.microsoft.com/office/drawing/2014/main" val="20000"/>
+                      <a16:colId xmlns:a16="http://schemas.microsoft.com/office/drawing/2014/main" val="20000"/>
                     </a:ext>
                   </a:extLst>
                 </a:gridCol>
                 <a:gridCol w="6480721">
                   <a:extLst>
                     <a:ext uri="{9D8B030D-6E8A-4147-A177-3AD203B41FA5}">
-                      <a16:colId xmlns="" xmlns:a16="http://schemas.microsoft.com/office/drawing/2014/main" val="20001"/>
+                      <a16:colId xmlns:a16="http://schemas.microsoft.com/office/drawing/2014/main" val="20001"/>
                     </a:ext>
                   </a:extLst>
                 </a:gridCol>
@@ -9677,7 +10502,7 @@
                 </a:tc>
                 <a:extLst>
                   <a:ext uri="{0D108BD9-81ED-4DB2-BD59-A6C34878D82A}">
-                    <a16:rowId xmlns="" xmlns:a16="http://schemas.microsoft.com/office/drawing/2014/main" val="10000"/>
+                    <a16:rowId xmlns:a16="http://schemas.microsoft.com/office/drawing/2014/main" val="10000"/>
                   </a:ext>
                 </a:extLst>
               </a:tr>
@@ -9735,7 +10560,7 @@
                 </a:tc>
                 <a:extLst>
                   <a:ext uri="{0D108BD9-81ED-4DB2-BD59-A6C34878D82A}">
-                    <a16:rowId xmlns="" xmlns:a16="http://schemas.microsoft.com/office/drawing/2014/main" val="10001"/>
+                    <a16:rowId xmlns:a16="http://schemas.microsoft.com/office/drawing/2014/main" val="10001"/>
                   </a:ext>
                 </a:extLst>
               </a:tr>
@@ -9882,7 +10707,7 @@
                 </a:tc>
                 <a:extLst>
                   <a:ext uri="{0D108BD9-81ED-4DB2-BD59-A6C34878D82A}">
-                    <a16:rowId xmlns="" xmlns:a16="http://schemas.microsoft.com/office/drawing/2014/main" val="10002"/>
+                    <a16:rowId xmlns:a16="http://schemas.microsoft.com/office/drawing/2014/main" val="10002"/>
                   </a:ext>
                 </a:extLst>
               </a:tr>
@@ -9933,7 +10758,7 @@
                 </a:tc>
                 <a:extLst>
                   <a:ext uri="{0D108BD9-81ED-4DB2-BD59-A6C34878D82A}">
-                    <a16:rowId xmlns="" xmlns:a16="http://schemas.microsoft.com/office/drawing/2014/main" val="10003"/>
+                    <a16:rowId xmlns:a16="http://schemas.microsoft.com/office/drawing/2014/main" val="10003"/>
                   </a:ext>
                 </a:extLst>
               </a:tr>
@@ -9962,63 +10787,63 @@
                         <a:buChar char="•"/>
                       </a:pPr>
                       <a:r>
-                        <a:rPr lang="de-DE" sz="1800" dirty="0" smtClean="0"/>
-                        <a:t> </a:t>
-                      </a:r>
-                      <a:r>
-                        <a:rPr lang="de-DE" sz="1800" dirty="0" err="1" smtClean="0"/>
+                        <a:rPr lang="de-DE" sz="1800" dirty="0"/>
+                        <a:t> </a:t>
+                      </a:r>
+                      <a:r>
+                        <a:rPr lang="de-DE" sz="1800" dirty="0" err="1"/>
                         <a:t>Buffer</a:t>
                       </a:r>
                       <a:r>
-                        <a:rPr lang="de-DE" sz="1800" baseline="0" dirty="0" smtClean="0"/>
-                        <a:t> </a:t>
-                      </a:r>
-                      <a:r>
-                        <a:rPr lang="de-DE" sz="1800" baseline="0" dirty="0" err="1" smtClean="0"/>
+                        <a:rPr lang="de-DE" sz="1800" baseline="0" dirty="0"/>
+                        <a:t> </a:t>
+                      </a:r>
+                      <a:r>
+                        <a:rPr lang="de-DE" sz="1800" baseline="0" dirty="0" err="1"/>
                         <a:t>until</a:t>
                       </a:r>
                       <a:r>
-                        <a:rPr lang="de-DE" sz="1800" baseline="0" dirty="0" smtClean="0"/>
-                        <a:t> </a:t>
-                      </a:r>
-                      <a:r>
-                        <a:rPr lang="de-DE" sz="1800" baseline="0" dirty="0" err="1" smtClean="0"/>
+                        <a:rPr lang="de-DE" sz="1800" baseline="0" dirty="0"/>
+                        <a:t> </a:t>
+                      </a:r>
+                      <a:r>
+                        <a:rPr lang="de-DE" sz="1800" baseline="0" dirty="0" err="1"/>
                         <a:t>project</a:t>
                       </a:r>
                       <a:r>
-                        <a:rPr lang="de-DE" sz="1800" baseline="0" dirty="0" smtClean="0"/>
+                        <a:rPr lang="de-DE" sz="1800" baseline="0" dirty="0"/>
                         <a:t> end (Fly </a:t>
                       </a:r>
                       <a:r>
-                        <a:rPr lang="de-DE" sz="1800" baseline="0" dirty="0" err="1" smtClean="0"/>
+                        <a:rPr lang="de-DE" sz="1800" baseline="0" dirty="0" err="1"/>
                         <a:t>physics</a:t>
                       </a:r>
                       <a:r>
-                        <a:rPr lang="de-DE" sz="1800" baseline="0" dirty="0" smtClean="0"/>
+                        <a:rPr lang="de-DE" sz="1800" baseline="0" dirty="0"/>
                         <a:t>, </a:t>
                       </a:r>
                       <a:r>
-                        <a:rPr lang="de-DE" sz="1800" baseline="0" dirty="0" err="1" smtClean="0"/>
+                        <a:rPr lang="de-DE" sz="1800" baseline="0" dirty="0" err="1"/>
                         <a:t>game</a:t>
                       </a:r>
                       <a:r>
-                        <a:rPr lang="de-DE" sz="1800" baseline="0" dirty="0" smtClean="0"/>
-                        <a:t> </a:t>
-                      </a:r>
-                      <a:r>
-                        <a:rPr lang="de-DE" sz="1800" baseline="0" dirty="0" err="1" smtClean="0"/>
+                        <a:rPr lang="de-DE" sz="1800" baseline="0" dirty="0"/>
+                        <a:t> </a:t>
+                      </a:r>
+                      <a:r>
+                        <a:rPr lang="de-DE" sz="1800" baseline="0" dirty="0" err="1"/>
                         <a:t>logics</a:t>
                       </a:r>
                       <a:r>
-                        <a:rPr lang="de-DE" sz="1800" baseline="0" dirty="0" smtClean="0"/>
+                        <a:rPr lang="de-DE" sz="1800" baseline="0" dirty="0"/>
                         <a:t>, </a:t>
                       </a:r>
                       <a:r>
-                        <a:rPr lang="de-DE" sz="1800" baseline="0" dirty="0" err="1" smtClean="0"/>
+                        <a:rPr lang="de-DE" sz="1800" baseline="0" dirty="0" err="1"/>
                         <a:t>assistant</a:t>
                       </a:r>
                       <a:r>
-                        <a:rPr lang="de-DE" sz="1800" baseline="0" dirty="0" smtClean="0"/>
+                        <a:rPr lang="de-DE" sz="1800" baseline="0" dirty="0"/>
                         <a:t>)</a:t>
                       </a:r>
                       <a:endParaRPr lang="de-DE" sz="1800" dirty="0"/>
@@ -10028,7 +10853,7 @@
                 </a:tc>
                 <a:extLst>
                   <a:ext uri="{0D108BD9-81ED-4DB2-BD59-A6C34878D82A}">
-                    <a16:rowId xmlns="" xmlns:a16="http://schemas.microsoft.com/office/drawing/2014/main" val="10004"/>
+                    <a16:rowId xmlns:a16="http://schemas.microsoft.com/office/drawing/2014/main" val="10004"/>
                   </a:ext>
                 </a:extLst>
               </a:tr>
@@ -10044,7 +10869,7 @@
 </p:sld>
 </file>
 
-<file path=ppt/slides/slide21.xml><?xml version="1.0" encoding="utf-8"?>
+<file path=ppt/slides/slide23.xml><?xml version="1.0" encoding="utf-8"?>
 <p:sld xmlns:a="http://schemas.openxmlformats.org/drawingml/2006/main" xmlns:r="http://schemas.openxmlformats.org/officeDocument/2006/relationships" xmlns:p="http://schemas.openxmlformats.org/presentationml/2006/main">
   <p:cSld>
     <p:spTree>
@@ -10146,7 +10971,7 @@
             <a:fld id="{6C6AE60A-B69C-4790-82F7-3882EDF23186}" type="slidenum">
               <a:rPr lang="de-DE" smtClean="0"/>
               <a:pPr/>
-              <a:t>21</a:t>
+              <a:t>23</a:t>
             </a:fld>
             <a:endParaRPr lang="de-DE"/>
           </a:p>
@@ -10180,14 +11005,14 @@
                 <a:gridCol w="1584176">
                   <a:extLst>
                     <a:ext uri="{9D8B030D-6E8A-4147-A177-3AD203B41FA5}">
-                      <a16:colId xmlns="" xmlns:a16="http://schemas.microsoft.com/office/drawing/2014/main" val="20000"/>
+                      <a16:colId xmlns:a16="http://schemas.microsoft.com/office/drawing/2014/main" val="20000"/>
                     </a:ext>
                   </a:extLst>
                 </a:gridCol>
                 <a:gridCol w="6480721">
                   <a:extLst>
                     <a:ext uri="{9D8B030D-6E8A-4147-A177-3AD203B41FA5}">
-                      <a16:colId xmlns="" xmlns:a16="http://schemas.microsoft.com/office/drawing/2014/main" val="20001"/>
+                      <a16:colId xmlns:a16="http://schemas.microsoft.com/office/drawing/2014/main" val="20001"/>
                     </a:ext>
                   </a:extLst>
                 </a:gridCol>
@@ -10224,7 +11049,7 @@
                 </a:tc>
                 <a:extLst>
                   <a:ext uri="{0D108BD9-81ED-4DB2-BD59-A6C34878D82A}">
-                    <a16:rowId xmlns="" xmlns:a16="http://schemas.microsoft.com/office/drawing/2014/main" val="10000"/>
+                    <a16:rowId xmlns:a16="http://schemas.microsoft.com/office/drawing/2014/main" val="10000"/>
                   </a:ext>
                 </a:extLst>
               </a:tr>
@@ -10272,7 +11097,7 @@
                 </a:tc>
                 <a:extLst>
                   <a:ext uri="{0D108BD9-81ED-4DB2-BD59-A6C34878D82A}">
-                    <a16:rowId xmlns="" xmlns:a16="http://schemas.microsoft.com/office/drawing/2014/main" val="10001"/>
+                    <a16:rowId xmlns:a16="http://schemas.microsoft.com/office/drawing/2014/main" val="10001"/>
                   </a:ext>
                 </a:extLst>
               </a:tr>
@@ -10328,7 +11153,7 @@
                 </a:tc>
                 <a:extLst>
                   <a:ext uri="{0D108BD9-81ED-4DB2-BD59-A6C34878D82A}">
-                    <a16:rowId xmlns="" xmlns:a16="http://schemas.microsoft.com/office/drawing/2014/main" val="10002"/>
+                    <a16:rowId xmlns:a16="http://schemas.microsoft.com/office/drawing/2014/main" val="10002"/>
                   </a:ext>
                 </a:extLst>
               </a:tr>
@@ -10387,7 +11212,7 @@
                 </a:tc>
                 <a:extLst>
                   <a:ext uri="{0D108BD9-81ED-4DB2-BD59-A6C34878D82A}">
-                    <a16:rowId xmlns="" xmlns:a16="http://schemas.microsoft.com/office/drawing/2014/main" val="10003"/>
+                    <a16:rowId xmlns:a16="http://schemas.microsoft.com/office/drawing/2014/main" val="10003"/>
                   </a:ext>
                 </a:extLst>
               </a:tr>
@@ -10416,63 +11241,63 @@
                         <a:buChar char="•"/>
                       </a:pPr>
                       <a:r>
-                        <a:rPr lang="de-DE" sz="1800" dirty="0" smtClean="0"/>
-                        <a:t> </a:t>
-                      </a:r>
-                      <a:r>
-                        <a:rPr lang="de-DE" sz="1800" dirty="0" err="1" smtClean="0"/>
+                        <a:rPr lang="de-DE" sz="1800" dirty="0"/>
+                        <a:t> </a:t>
+                      </a:r>
+                      <a:r>
+                        <a:rPr lang="de-DE" sz="1800" dirty="0" err="1"/>
                         <a:t>Buffer</a:t>
                       </a:r>
                       <a:r>
-                        <a:rPr lang="de-DE" sz="1800" baseline="0" dirty="0" smtClean="0"/>
-                        <a:t> </a:t>
-                      </a:r>
-                      <a:r>
-                        <a:rPr lang="de-DE" sz="1800" baseline="0" dirty="0" err="1" smtClean="0"/>
+                        <a:rPr lang="de-DE" sz="1800" baseline="0" dirty="0"/>
+                        <a:t> </a:t>
+                      </a:r>
+                      <a:r>
+                        <a:rPr lang="de-DE" sz="1800" baseline="0" dirty="0" err="1"/>
                         <a:t>until</a:t>
                       </a:r>
                       <a:r>
-                        <a:rPr lang="de-DE" sz="1800" baseline="0" dirty="0" smtClean="0"/>
-                        <a:t> </a:t>
-                      </a:r>
-                      <a:r>
-                        <a:rPr lang="de-DE" sz="1800" baseline="0" dirty="0" err="1" smtClean="0"/>
+                        <a:rPr lang="de-DE" sz="1800" baseline="0" dirty="0"/>
+                        <a:t> </a:t>
+                      </a:r>
+                      <a:r>
+                        <a:rPr lang="de-DE" sz="1800" baseline="0" dirty="0" err="1"/>
                         <a:t>project</a:t>
                       </a:r>
                       <a:r>
-                        <a:rPr lang="de-DE" sz="1800" baseline="0" dirty="0" smtClean="0"/>
+                        <a:rPr lang="de-DE" sz="1800" baseline="0" dirty="0"/>
                         <a:t> end (Fly </a:t>
                       </a:r>
                       <a:r>
-                        <a:rPr lang="de-DE" sz="1800" baseline="0" dirty="0" err="1" smtClean="0"/>
+                        <a:rPr lang="de-DE" sz="1800" baseline="0" dirty="0" err="1"/>
                         <a:t>physics</a:t>
                       </a:r>
                       <a:r>
-                        <a:rPr lang="de-DE" sz="1800" baseline="0" dirty="0" smtClean="0"/>
+                        <a:rPr lang="de-DE" sz="1800" baseline="0" dirty="0"/>
                         <a:t>, </a:t>
                       </a:r>
                       <a:r>
-                        <a:rPr lang="de-DE" sz="1800" baseline="0" dirty="0" err="1" smtClean="0"/>
+                        <a:rPr lang="de-DE" sz="1800" baseline="0" dirty="0" err="1"/>
                         <a:t>game</a:t>
                       </a:r>
                       <a:r>
-                        <a:rPr lang="de-DE" sz="1800" baseline="0" dirty="0" smtClean="0"/>
-                        <a:t> </a:t>
-                      </a:r>
-                      <a:r>
-                        <a:rPr lang="de-DE" sz="1800" baseline="0" dirty="0" err="1" smtClean="0"/>
+                        <a:rPr lang="de-DE" sz="1800" baseline="0" dirty="0"/>
+                        <a:t> </a:t>
+                      </a:r>
+                      <a:r>
+                        <a:rPr lang="de-DE" sz="1800" baseline="0" dirty="0" err="1"/>
                         <a:t>logics</a:t>
                       </a:r>
                       <a:r>
-                        <a:rPr lang="de-DE" sz="1800" baseline="0" dirty="0" smtClean="0"/>
+                        <a:rPr lang="de-DE" sz="1800" baseline="0" dirty="0"/>
                         <a:t>, </a:t>
                       </a:r>
                       <a:r>
-                        <a:rPr lang="de-DE" sz="1800" baseline="0" dirty="0" err="1" smtClean="0"/>
+                        <a:rPr lang="de-DE" sz="1800" baseline="0" dirty="0" err="1"/>
                         <a:t>assistant</a:t>
                       </a:r>
                       <a:r>
-                        <a:rPr lang="de-DE" sz="1800" baseline="0" dirty="0" smtClean="0"/>
+                        <a:rPr lang="de-DE" sz="1800" baseline="0" dirty="0"/>
                         <a:t>)</a:t>
                       </a:r>
                       <a:endParaRPr lang="de-DE" sz="1800" dirty="0"/>
@@ -10482,7 +11307,7 @@
                 </a:tc>
                 <a:extLst>
                   <a:ext uri="{0D108BD9-81ED-4DB2-BD59-A6C34878D82A}">
-                    <a16:rowId xmlns="" xmlns:a16="http://schemas.microsoft.com/office/drawing/2014/main" val="10004"/>
+                    <a16:rowId xmlns:a16="http://schemas.microsoft.com/office/drawing/2014/main" val="10004"/>
                   </a:ext>
                 </a:extLst>
               </a:tr>
@@ -10503,7 +11328,7 @@
 </p:sld>
 </file>
 
-<file path=ppt/slides/slide22.xml><?xml version="1.0" encoding="utf-8"?>
+<file path=ppt/slides/slide24.xml><?xml version="1.0" encoding="utf-8"?>
 <p:sld xmlns:a="http://schemas.openxmlformats.org/drawingml/2006/main" xmlns:r="http://schemas.openxmlformats.org/officeDocument/2006/relationships" xmlns:p="http://schemas.openxmlformats.org/presentationml/2006/main">
   <p:cSld>
     <p:spTree>
@@ -10605,7 +11430,7 @@
             <a:fld id="{6C6AE60A-B69C-4790-82F7-3882EDF23186}" type="slidenum">
               <a:rPr lang="de-DE" smtClean="0"/>
               <a:pPr/>
-              <a:t>22</a:t>
+              <a:t>24</a:t>
             </a:fld>
             <a:endParaRPr lang="de-DE"/>
           </a:p>
@@ -10639,14 +11464,14 @@
                 <a:gridCol w="1584176">
                   <a:extLst>
                     <a:ext uri="{9D8B030D-6E8A-4147-A177-3AD203B41FA5}">
-                      <a16:colId xmlns="" xmlns:a16="http://schemas.microsoft.com/office/drawing/2014/main" val="20000"/>
+                      <a16:colId xmlns:a16="http://schemas.microsoft.com/office/drawing/2014/main" val="20000"/>
                     </a:ext>
                   </a:extLst>
                 </a:gridCol>
                 <a:gridCol w="6480721">
                   <a:extLst>
                     <a:ext uri="{9D8B030D-6E8A-4147-A177-3AD203B41FA5}">
-                      <a16:colId xmlns="" xmlns:a16="http://schemas.microsoft.com/office/drawing/2014/main" val="20001"/>
+                      <a16:colId xmlns:a16="http://schemas.microsoft.com/office/drawing/2014/main" val="20001"/>
                     </a:ext>
                   </a:extLst>
                 </a:gridCol>
@@ -10674,17 +11499,16 @@
                     <a:p>
                       <a:pPr algn="ctr"/>
                       <a:r>
-                        <a:rPr lang="de-DE" sz="1800" dirty="0" smtClean="0"/>
+                        <a:rPr lang="de-DE" sz="1800" dirty="0"/>
                         <a:t>Manuel Schmitt</a:t>
                       </a:r>
-                      <a:endParaRPr lang="de-DE" sz="1800" dirty="0"/>
                     </a:p>
                   </a:txBody>
                   <a:tcPr/>
                 </a:tc>
                 <a:extLst>
                   <a:ext uri="{0D108BD9-81ED-4DB2-BD59-A6C34878D82A}">
-                    <a16:rowId xmlns="" xmlns:a16="http://schemas.microsoft.com/office/drawing/2014/main" val="10000"/>
+                    <a16:rowId xmlns:a16="http://schemas.microsoft.com/office/drawing/2014/main" val="10000"/>
                   </a:ext>
                 </a:extLst>
               </a:tr>
@@ -10722,55 +11546,55 @@
                         <a:t> </a:t>
                       </a:r>
                       <a:r>
-                        <a:rPr lang="de-DE" sz="1800" dirty="0" err="1" smtClean="0"/>
+                        <a:rPr lang="de-DE" sz="1800" dirty="0" err="1"/>
                         <a:t>Creation</a:t>
                       </a:r>
                       <a:r>
-                        <a:rPr lang="de-DE" sz="1800" dirty="0" smtClean="0"/>
-                        <a:t> </a:t>
-                      </a:r>
-                      <a:r>
-                        <a:rPr lang="de-DE" sz="1800" dirty="0" err="1" smtClean="0"/>
+                        <a:rPr lang="de-DE" sz="1800" dirty="0"/>
+                        <a:t> </a:t>
+                      </a:r>
+                      <a:r>
+                        <a:rPr lang="de-DE" sz="1800" dirty="0" err="1"/>
                         <a:t>of</a:t>
                       </a:r>
                       <a:r>
-                        <a:rPr lang="de-DE" sz="1800" dirty="0" smtClean="0"/>
+                        <a:rPr lang="de-DE" sz="1800" dirty="0"/>
                         <a:t> a </a:t>
                       </a:r>
                       <a:r>
-                        <a:rPr lang="de-DE" sz="1800" dirty="0" err="1" smtClean="0"/>
+                        <a:rPr lang="de-DE" sz="1800" dirty="0" err="1"/>
                         <a:t>users</a:t>
                       </a:r>
                       <a:r>
-                        <a:rPr lang="de-DE" sz="1800" baseline="0" dirty="0" smtClean="0"/>
-                        <a:t> </a:t>
-                      </a:r>
-                      <a:r>
-                        <a:rPr lang="de-DE" sz="1800" baseline="0" dirty="0" err="1" smtClean="0"/>
+                        <a:rPr lang="de-DE" sz="1800" baseline="0" dirty="0"/>
+                        <a:t> </a:t>
+                      </a:r>
+                      <a:r>
+                        <a:rPr lang="de-DE" sz="1800" baseline="0" dirty="0" err="1"/>
                         <a:t>guide</a:t>
                       </a:r>
                       <a:r>
-                        <a:rPr lang="de-DE" sz="1800" baseline="0" dirty="0" smtClean="0"/>
-                        <a:t> </a:t>
-                      </a:r>
-                      <a:r>
-                        <a:rPr lang="de-DE" sz="1800" baseline="0" dirty="0" err="1" smtClean="0"/>
+                        <a:rPr lang="de-DE" sz="1800" baseline="0" dirty="0"/>
+                        <a:t> </a:t>
+                      </a:r>
+                      <a:r>
+                        <a:rPr lang="de-DE" sz="1800" baseline="0" dirty="0" err="1"/>
                         <a:t>for</a:t>
                       </a:r>
                       <a:r>
-                        <a:rPr lang="de-DE" sz="1800" baseline="0" dirty="0" smtClean="0"/>
-                        <a:t> </a:t>
-                      </a:r>
-                      <a:r>
-                        <a:rPr lang="de-DE" sz="1800" baseline="0" dirty="0" err="1" smtClean="0"/>
+                        <a:rPr lang="de-DE" sz="1800" baseline="0" dirty="0"/>
+                        <a:t> </a:t>
+                      </a:r>
+                      <a:r>
+                        <a:rPr lang="de-DE" sz="1800" baseline="0" dirty="0" err="1"/>
                         <a:t>the</a:t>
                       </a:r>
                       <a:r>
-                        <a:rPr lang="de-DE" sz="1800" baseline="0" dirty="0" smtClean="0"/>
-                        <a:t> </a:t>
-                      </a:r>
-                      <a:r>
-                        <a:rPr lang="de-DE" sz="1800" baseline="0" dirty="0" err="1" smtClean="0"/>
+                        <a:rPr lang="de-DE" sz="1800" baseline="0" dirty="0"/>
+                        <a:t> </a:t>
+                      </a:r>
+                      <a:r>
+                        <a:rPr lang="de-DE" sz="1800" baseline="0" dirty="0" err="1"/>
                         <a:t>project</a:t>
                       </a:r>
                       <a:endParaRPr lang="de-DE" sz="1800" dirty="0"/>
@@ -10780,7 +11604,7 @@
                 </a:tc>
                 <a:extLst>
                   <a:ext uri="{0D108BD9-81ED-4DB2-BD59-A6C34878D82A}">
-                    <a16:rowId xmlns="" xmlns:a16="http://schemas.microsoft.com/office/drawing/2014/main" val="10001"/>
+                    <a16:rowId xmlns:a16="http://schemas.microsoft.com/office/drawing/2014/main" val="10001"/>
                   </a:ext>
                 </a:extLst>
               </a:tr>
@@ -10826,7 +11650,7 @@
                         <a:t> </a:t>
                       </a:r>
                       <a:r>
-                        <a:rPr lang="en-US" sz="1800" dirty="0" smtClean="0"/>
+                        <a:rPr lang="en-US" sz="1800" dirty="0"/>
                         <a:t>Creation of a project documentation</a:t>
                       </a:r>
                       <a:endParaRPr lang="de-DE" sz="1800" baseline="0" dirty="0"/>
@@ -10836,7 +11660,7 @@
                 </a:tc>
                 <a:extLst>
                   <a:ext uri="{0D108BD9-81ED-4DB2-BD59-A6C34878D82A}">
-                    <a16:rowId xmlns="" xmlns:a16="http://schemas.microsoft.com/office/drawing/2014/main" val="10002"/>
+                    <a16:rowId xmlns:a16="http://schemas.microsoft.com/office/drawing/2014/main" val="10002"/>
                   </a:ext>
                 </a:extLst>
               </a:tr>
@@ -10869,31 +11693,31 @@
                         <a:t> </a:t>
                       </a:r>
                       <a:r>
-                        <a:rPr lang="de-DE" sz="1800" dirty="0" err="1" smtClean="0"/>
+                        <a:rPr lang="de-DE" sz="1800" dirty="0" err="1"/>
                         <a:t>Buffer</a:t>
                       </a:r>
                       <a:r>
-                        <a:rPr lang="de-DE" sz="1800" baseline="0" dirty="0" smtClean="0"/>
-                        <a:t> </a:t>
-                      </a:r>
-                      <a:r>
-                        <a:rPr lang="de-DE" sz="1800" baseline="0" dirty="0" err="1" smtClean="0"/>
+                        <a:rPr lang="de-DE" sz="1800" baseline="0" dirty="0"/>
+                        <a:t> </a:t>
+                      </a:r>
+                      <a:r>
+                        <a:rPr lang="de-DE" sz="1800" baseline="0" dirty="0" err="1"/>
                         <a:t>for</a:t>
                       </a:r>
                       <a:r>
-                        <a:rPr lang="de-DE" sz="1800" baseline="0" dirty="0" smtClean="0"/>
-                        <a:t> </a:t>
-                      </a:r>
-                      <a:r>
-                        <a:rPr lang="de-DE" sz="1800" baseline="0" dirty="0" err="1" smtClean="0"/>
+                        <a:rPr lang="de-DE" sz="1800" baseline="0" dirty="0"/>
+                        <a:t> </a:t>
+                      </a:r>
+                      <a:r>
+                        <a:rPr lang="de-DE" sz="1800" baseline="0" dirty="0" err="1"/>
                         <a:t>any</a:t>
                       </a:r>
                       <a:r>
-                        <a:rPr lang="de-DE" sz="1800" baseline="0" dirty="0" smtClean="0"/>
+                        <a:rPr lang="de-DE" sz="1800" baseline="0" dirty="0"/>
                         <a:t> relevant </a:t>
                       </a:r>
                       <a:r>
-                        <a:rPr lang="de-DE" sz="1800" baseline="0" dirty="0" err="1" smtClean="0"/>
+                        <a:rPr lang="de-DE" sz="1800" baseline="0" dirty="0" err="1"/>
                         <a:t>work</a:t>
                       </a:r>
                       <a:endParaRPr lang="de-DE" sz="1800" dirty="0"/>
@@ -10903,7 +11727,7 @@
                 </a:tc>
                 <a:extLst>
                   <a:ext uri="{0D108BD9-81ED-4DB2-BD59-A6C34878D82A}">
-                    <a16:rowId xmlns="" xmlns:a16="http://schemas.microsoft.com/office/drawing/2014/main" val="10003"/>
+                    <a16:rowId xmlns:a16="http://schemas.microsoft.com/office/drawing/2014/main" val="10003"/>
                   </a:ext>
                 </a:extLst>
               </a:tr>
@@ -10936,31 +11760,31 @@
                         <a:t> </a:t>
                       </a:r>
                       <a:r>
-                        <a:rPr lang="de-DE" sz="1800" dirty="0" err="1" smtClean="0"/>
+                        <a:rPr lang="de-DE" sz="1800" dirty="0" err="1"/>
                         <a:t>Buffer</a:t>
                       </a:r>
                       <a:r>
-                        <a:rPr lang="de-DE" sz="1800" dirty="0" smtClean="0"/>
-                        <a:t> </a:t>
-                      </a:r>
-                      <a:r>
-                        <a:rPr lang="de-DE" sz="1800" dirty="0" err="1" smtClean="0"/>
+                        <a:rPr lang="de-DE" sz="1800" dirty="0"/>
+                        <a:t> </a:t>
+                      </a:r>
+                      <a:r>
+                        <a:rPr lang="de-DE" sz="1800" dirty="0" err="1"/>
                         <a:t>for</a:t>
                       </a:r>
                       <a:r>
-                        <a:rPr lang="de-DE" sz="1800" dirty="0" smtClean="0"/>
-                        <a:t> </a:t>
-                      </a:r>
-                      <a:r>
-                        <a:rPr lang="de-DE" sz="1800" dirty="0" err="1" smtClean="0"/>
+                        <a:rPr lang="de-DE" sz="1800" dirty="0"/>
+                        <a:t> </a:t>
+                      </a:r>
+                      <a:r>
+                        <a:rPr lang="de-DE" sz="1800" dirty="0" err="1"/>
                         <a:t>any</a:t>
                       </a:r>
                       <a:r>
-                        <a:rPr lang="de-DE" sz="1800" dirty="0" smtClean="0"/>
+                        <a:rPr lang="de-DE" sz="1800" dirty="0"/>
                         <a:t> relevant </a:t>
                       </a:r>
                       <a:r>
-                        <a:rPr lang="de-DE" sz="1800" dirty="0" err="1" smtClean="0"/>
+                        <a:rPr lang="de-DE" sz="1800" dirty="0" err="1"/>
                         <a:t>work</a:t>
                       </a:r>
                       <a:endParaRPr lang="de-DE" sz="1800" dirty="0"/>
@@ -10970,7 +11794,7 @@
                 </a:tc>
                 <a:extLst>
                   <a:ext uri="{0D108BD9-81ED-4DB2-BD59-A6C34878D82A}">
-                    <a16:rowId xmlns="" xmlns:a16="http://schemas.microsoft.com/office/drawing/2014/main" val="10004"/>
+                    <a16:rowId xmlns:a16="http://schemas.microsoft.com/office/drawing/2014/main" val="10004"/>
                   </a:ext>
                 </a:extLst>
               </a:tr>
@@ -10991,7 +11815,7 @@
 </p:sld>
 </file>
 
-<file path=ppt/slides/slide23.xml><?xml version="1.0" encoding="utf-8"?>
+<file path=ppt/slides/slide25.xml><?xml version="1.0" encoding="utf-8"?>
 <p:sld xmlns:a="http://schemas.openxmlformats.org/drawingml/2006/main" xmlns:r="http://schemas.openxmlformats.org/officeDocument/2006/relationships" xmlns:p="http://schemas.openxmlformats.org/presentationml/2006/main">
   <p:cSld>
     <p:spTree>
@@ -11093,7 +11917,7 @@
             <a:fld id="{6C6AE60A-B69C-4790-82F7-3882EDF23186}" type="slidenum">
               <a:rPr lang="de-DE" smtClean="0"/>
               <a:pPr/>
-              <a:t>23</a:t>
+              <a:t>25</a:t>
             </a:fld>
             <a:endParaRPr lang="de-DE"/>
           </a:p>
@@ -11127,14 +11951,14 @@
                 <a:gridCol w="1584176">
                   <a:extLst>
                     <a:ext uri="{9D8B030D-6E8A-4147-A177-3AD203B41FA5}">
-                      <a16:colId xmlns="" xmlns:a16="http://schemas.microsoft.com/office/drawing/2014/main" val="20000"/>
+                      <a16:colId xmlns:a16="http://schemas.microsoft.com/office/drawing/2014/main" val="20000"/>
                     </a:ext>
                   </a:extLst>
                 </a:gridCol>
                 <a:gridCol w="6480721">
                   <a:extLst>
                     <a:ext uri="{9D8B030D-6E8A-4147-A177-3AD203B41FA5}">
-                      <a16:colId xmlns="" xmlns:a16="http://schemas.microsoft.com/office/drawing/2014/main" val="20001"/>
+                      <a16:colId xmlns:a16="http://schemas.microsoft.com/office/drawing/2014/main" val="20001"/>
                     </a:ext>
                   </a:extLst>
                 </a:gridCol>
@@ -11162,11 +11986,11 @@
                     <a:p>
                       <a:pPr algn="ctr"/>
                       <a:r>
-                        <a:rPr lang="de-DE" sz="1800" dirty="0" smtClean="0"/>
+                        <a:rPr lang="de-DE" sz="1800" dirty="0"/>
                         <a:t>Sebastian</a:t>
                       </a:r>
                       <a:r>
-                        <a:rPr lang="de-DE" sz="1800" baseline="0" dirty="0" smtClean="0"/>
+                        <a:rPr lang="de-DE" sz="1800" baseline="0" dirty="0"/>
                         <a:t> Nickel</a:t>
                       </a:r>
                       <a:endParaRPr lang="de-DE" sz="1800" dirty="0"/>
@@ -11176,7 +12000,7 @@
                 </a:tc>
                 <a:extLst>
                   <a:ext uri="{0D108BD9-81ED-4DB2-BD59-A6C34878D82A}">
-                    <a16:rowId xmlns="" xmlns:a16="http://schemas.microsoft.com/office/drawing/2014/main" val="10000"/>
+                    <a16:rowId xmlns:a16="http://schemas.microsoft.com/office/drawing/2014/main" val="10000"/>
                   </a:ext>
                 </a:extLst>
               </a:tr>
@@ -11227,29 +12051,29 @@
                         <a:t> </a:t>
                       </a:r>
                       <a:r>
-                        <a:rPr lang="en-US" sz="1800" dirty="0" smtClean="0"/>
+                        <a:rPr lang="en-US" sz="1800" dirty="0"/>
                         <a:t>Evaluation</a:t>
                       </a:r>
                       <a:r>
-                        <a:rPr lang="en-US" sz="1800" baseline="0" dirty="0" smtClean="0"/>
+                        <a:rPr lang="en-US" sz="1800" baseline="0" dirty="0"/>
                         <a:t> of </a:t>
                       </a:r>
                       <a:r>
-                        <a:rPr lang="en-US" sz="1800" dirty="0" smtClean="0"/>
+                        <a:rPr lang="en-US" sz="1800" dirty="0"/>
                         <a:t>“Freenect2”,</a:t>
                       </a:r>
                       <a:r>
-                        <a:rPr lang="en-US" sz="1800" baseline="0" dirty="0" smtClean="0"/>
+                        <a:rPr lang="en-US" sz="1800" baseline="0" dirty="0"/>
                         <a:t> an open-source KinectV2 driver</a:t>
                       </a:r>
-                      <a:endParaRPr lang="de-DE" sz="1800" dirty="0" smtClean="0"/>
+                      <a:endParaRPr lang="de-DE" sz="1800" dirty="0"/>
                     </a:p>
                   </a:txBody>
                   <a:tcPr/>
                 </a:tc>
                 <a:extLst>
                   <a:ext uri="{0D108BD9-81ED-4DB2-BD59-A6C34878D82A}">
-                    <a16:rowId xmlns="" xmlns:a16="http://schemas.microsoft.com/office/drawing/2014/main" val="10001"/>
+                    <a16:rowId xmlns:a16="http://schemas.microsoft.com/office/drawing/2014/main" val="10001"/>
                   </a:ext>
                 </a:extLst>
               </a:tr>
@@ -11295,50 +12119,50 @@
                         <a:t> </a:t>
                       </a:r>
                       <a:r>
-                        <a:rPr lang="de-DE" sz="1800" baseline="0" dirty="0" err="1" smtClean="0"/>
+                        <a:rPr lang="de-DE" sz="1800" baseline="0" dirty="0" err="1"/>
                         <a:t>Assisting</a:t>
                       </a:r>
                       <a:r>
-                        <a:rPr lang="de-DE" sz="1800" baseline="0" dirty="0" smtClean="0"/>
-                        <a:t> </a:t>
-                      </a:r>
-                      <a:r>
-                        <a:rPr lang="de-DE" sz="1800" baseline="0" dirty="0" err="1" smtClean="0"/>
+                        <a:rPr lang="de-DE" sz="1800" baseline="0" dirty="0"/>
+                        <a:t> </a:t>
+                      </a:r>
+                      <a:r>
+                        <a:rPr lang="de-DE" sz="1800" baseline="0" dirty="0" err="1"/>
                         <a:t>with</a:t>
                       </a:r>
                       <a:r>
-                        <a:rPr lang="de-DE" sz="1800" baseline="0" dirty="0" smtClean="0"/>
-                        <a:t> </a:t>
-                      </a:r>
-                      <a:r>
-                        <a:rPr lang="de-DE" sz="1800" baseline="0" dirty="0" err="1" smtClean="0"/>
+                        <a:rPr lang="de-DE" sz="1800" baseline="0" dirty="0"/>
+                        <a:t> </a:t>
+                      </a:r>
+                      <a:r>
+                        <a:rPr lang="de-DE" sz="1800" baseline="0" dirty="0" err="1"/>
                         <a:t>the</a:t>
                       </a:r>
                       <a:r>
-                        <a:rPr lang="de-DE" sz="1800" baseline="0" dirty="0" smtClean="0"/>
-                        <a:t> </a:t>
-                      </a:r>
-                      <a:r>
-                        <a:rPr lang="de-DE" sz="1800" baseline="0" dirty="0" err="1" smtClean="0"/>
+                        <a:rPr lang="de-DE" sz="1800" baseline="0" dirty="0"/>
+                        <a:t> </a:t>
+                      </a:r>
+                      <a:r>
+                        <a:rPr lang="de-DE" sz="1800" baseline="0" dirty="0" err="1"/>
                         <a:t>menu</a:t>
                       </a:r>
                       <a:r>
-                        <a:rPr lang="de-DE" sz="1800" baseline="0" dirty="0" smtClean="0"/>
-                        <a:t> </a:t>
-                      </a:r>
-                      <a:r>
-                        <a:rPr lang="de-DE" sz="1800" baseline="0" dirty="0" err="1" smtClean="0"/>
+                        <a:rPr lang="de-DE" sz="1800" baseline="0" dirty="0"/>
+                        <a:t> </a:t>
+                      </a:r>
+                      <a:r>
+                        <a:rPr lang="de-DE" sz="1800" baseline="0" dirty="0" err="1"/>
                         <a:t>structure-related</a:t>
                       </a:r>
                       <a:r>
-                        <a:rPr lang="de-DE" sz="1800" baseline="0" dirty="0" smtClean="0"/>
-                        <a:t> </a:t>
-                      </a:r>
-                      <a:r>
-                        <a:rPr lang="de-DE" sz="1800" baseline="0" dirty="0" err="1" smtClean="0"/>
+                        <a:rPr lang="de-DE" sz="1800" baseline="0" dirty="0"/>
+                        <a:t> </a:t>
+                      </a:r>
+                      <a:r>
+                        <a:rPr lang="de-DE" sz="1800" baseline="0" dirty="0" err="1"/>
                         <a:t>work</a:t>
                       </a:r>
-                      <a:endParaRPr lang="de-DE" sz="1800" baseline="0" dirty="0" smtClean="0"/>
+                      <a:endParaRPr lang="de-DE" sz="1800" baseline="0" dirty="0"/>
                     </a:p>
                     <a:p>
                       <a:pPr marL="457200" marR="0" lvl="2" indent="0" algn="l" defTabSz="914400" rtl="0" eaLnBrk="1" fontAlgn="auto" latinLnBrk="0" hangingPunct="1">
@@ -11359,41 +12183,40 @@
                         <a:defRPr/>
                       </a:pPr>
                       <a:r>
-                        <a:rPr lang="de-DE" sz="1800" baseline="0" dirty="0" smtClean="0"/>
+                        <a:rPr lang="de-DE" sz="1800" baseline="0" dirty="0"/>
                         <a:t> e.g.: </a:t>
                       </a:r>
                       <a:r>
-                        <a:rPr lang="de-DE" sz="1800" baseline="0" dirty="0" err="1" smtClean="0"/>
+                        <a:rPr lang="de-DE" sz="1800" baseline="0" dirty="0" err="1"/>
                         <a:t>possible</a:t>
                       </a:r>
                       <a:r>
-                        <a:rPr lang="de-DE" sz="1800" baseline="0" dirty="0" smtClean="0"/>
-                        <a:t> </a:t>
-                      </a:r>
-                      <a:r>
-                        <a:rPr lang="de-DE" sz="1800" baseline="0" dirty="0" err="1" smtClean="0"/>
+                        <a:rPr lang="de-DE" sz="1800" baseline="0" dirty="0"/>
+                        <a:t> </a:t>
+                      </a:r>
+                      <a:r>
+                        <a:rPr lang="de-DE" sz="1800" baseline="0" dirty="0" err="1"/>
                         <a:t>improvements</a:t>
                       </a:r>
                       <a:r>
-                        <a:rPr lang="de-DE" sz="1800" baseline="0" dirty="0" smtClean="0"/>
+                        <a:rPr lang="de-DE" sz="1800" baseline="0" dirty="0"/>
                         <a:t>, </a:t>
                       </a:r>
                       <a:r>
-                        <a:rPr lang="de-DE" sz="1800" baseline="0" dirty="0" err="1" smtClean="0"/>
+                        <a:rPr lang="de-DE" sz="1800" baseline="0" dirty="0" err="1"/>
                         <a:t>testing</a:t>
                       </a:r>
                       <a:r>
-                        <a:rPr lang="de-DE" sz="1800" baseline="0" dirty="0" smtClean="0"/>
+                        <a:rPr lang="de-DE" sz="1800" baseline="0" dirty="0"/>
                         <a:t>, …</a:t>
                       </a:r>
-                      <a:endParaRPr lang="de-DE" sz="1800" baseline="0" dirty="0"/>
                     </a:p>
                   </a:txBody>
                   <a:tcPr/>
                 </a:tc>
                 <a:extLst>
                   <a:ext uri="{0D108BD9-81ED-4DB2-BD59-A6C34878D82A}">
-                    <a16:rowId xmlns="" xmlns:a16="http://schemas.microsoft.com/office/drawing/2014/main" val="10002"/>
+                    <a16:rowId xmlns:a16="http://schemas.microsoft.com/office/drawing/2014/main" val="10002"/>
                   </a:ext>
                 </a:extLst>
               </a:tr>
@@ -11422,55 +12245,55 @@
                         <a:buChar char="•"/>
                       </a:pPr>
                       <a:r>
-                        <a:rPr lang="de-DE" sz="1800" baseline="0" dirty="0" smtClean="0"/>
-                        <a:t> </a:t>
-                      </a:r>
-                      <a:r>
-                        <a:rPr lang="de-DE" sz="1800" baseline="0" dirty="0" err="1" smtClean="0"/>
+                        <a:rPr lang="de-DE" sz="1800" baseline="0" dirty="0"/>
+                        <a:t> </a:t>
+                      </a:r>
+                      <a:r>
+                        <a:rPr lang="de-DE" sz="1800" baseline="0" dirty="0" err="1"/>
                         <a:t>Buffer</a:t>
                       </a:r>
                       <a:r>
-                        <a:rPr lang="de-DE" sz="1800" baseline="0" dirty="0" smtClean="0"/>
-                        <a:t> </a:t>
-                      </a:r>
-                      <a:r>
-                        <a:rPr lang="de-DE" sz="1800" baseline="0" dirty="0" err="1" smtClean="0"/>
+                        <a:rPr lang="de-DE" sz="1800" baseline="0" dirty="0"/>
+                        <a:t> </a:t>
+                      </a:r>
+                      <a:r>
+                        <a:rPr lang="de-DE" sz="1800" baseline="0" dirty="0" err="1"/>
                         <a:t>for</a:t>
                       </a:r>
                       <a:r>
-                        <a:rPr lang="de-DE" sz="1800" baseline="0" dirty="0" smtClean="0"/>
-                        <a:t> </a:t>
-                      </a:r>
-                      <a:r>
-                        <a:rPr lang="de-DE" sz="1800" baseline="0" dirty="0" err="1" smtClean="0"/>
+                        <a:rPr lang="de-DE" sz="1800" baseline="0" dirty="0"/>
+                        <a:t> </a:t>
+                      </a:r>
+                      <a:r>
+                        <a:rPr lang="de-DE" sz="1800" baseline="0" dirty="0" err="1"/>
                         <a:t>related</a:t>
                       </a:r>
                       <a:r>
-                        <a:rPr lang="de-DE" sz="1800" baseline="0" dirty="0" smtClean="0"/>
-                        <a:t> </a:t>
-                      </a:r>
-                      <a:r>
-                        <a:rPr lang="de-DE" sz="1800" baseline="0" dirty="0" err="1" smtClean="0"/>
+                        <a:rPr lang="de-DE" sz="1800" baseline="0" dirty="0"/>
+                        <a:t> </a:t>
+                      </a:r>
+                      <a:r>
+                        <a:rPr lang="de-DE" sz="1800" baseline="0" dirty="0" err="1"/>
                         <a:t>work</a:t>
                       </a:r>
                       <a:r>
-                        <a:rPr lang="de-DE" sz="1800" baseline="0" dirty="0" smtClean="0"/>
+                        <a:rPr lang="de-DE" sz="1800" baseline="0" dirty="0"/>
                         <a:t>; Overall </a:t>
                       </a:r>
                       <a:r>
-                        <a:rPr lang="de-DE" sz="1800" baseline="0" dirty="0" err="1" smtClean="0"/>
+                        <a:rPr lang="de-DE" sz="1800" baseline="0" dirty="0" err="1"/>
                         <a:t>testing</a:t>
                       </a:r>
                       <a:r>
-                        <a:rPr lang="de-DE" sz="1800" baseline="0" dirty="0" smtClean="0"/>
+                        <a:rPr lang="de-DE" sz="1800" baseline="0" dirty="0"/>
                         <a:t> („Bug </a:t>
                       </a:r>
                       <a:r>
-                        <a:rPr lang="de-DE" sz="1800" baseline="0" dirty="0" err="1" smtClean="0"/>
+                        <a:rPr lang="de-DE" sz="1800" baseline="0" dirty="0" err="1"/>
                         <a:t>hunting</a:t>
                       </a:r>
                       <a:r>
-                        <a:rPr lang="de-DE" sz="1800" baseline="0" dirty="0" smtClean="0"/>
+                        <a:rPr lang="de-DE" sz="1800" baseline="0" dirty="0"/>
                         <a:t>“)</a:t>
                       </a:r>
                       <a:endParaRPr lang="de-DE" sz="1800" dirty="0"/>
@@ -11480,7 +12303,7 @@
                 </a:tc>
                 <a:extLst>
                   <a:ext uri="{0D108BD9-81ED-4DB2-BD59-A6C34878D82A}">
-                    <a16:rowId xmlns="" xmlns:a16="http://schemas.microsoft.com/office/drawing/2014/main" val="10003"/>
+                    <a16:rowId xmlns:a16="http://schemas.microsoft.com/office/drawing/2014/main" val="10003"/>
                   </a:ext>
                 </a:extLst>
               </a:tr>
@@ -11553,7 +12376,7 @@
                         <a:t> </a:t>
                       </a:r>
                       <a:r>
-                        <a:rPr lang="de-DE" sz="1800" baseline="0" dirty="0" err="1" smtClean="0"/>
+                        <a:rPr lang="de-DE" sz="1800" baseline="0" dirty="0" err="1"/>
                         <a:t>logics</a:t>
                       </a:r>
                       <a:r>
@@ -11575,7 +12398,7 @@
                 </a:tc>
                 <a:extLst>
                   <a:ext uri="{0D108BD9-81ED-4DB2-BD59-A6C34878D82A}">
-                    <a16:rowId xmlns="" xmlns:a16="http://schemas.microsoft.com/office/drawing/2014/main" val="10004"/>
+                    <a16:rowId xmlns:a16="http://schemas.microsoft.com/office/drawing/2014/main" val="10004"/>
                   </a:ext>
                 </a:extLst>
               </a:tr>
@@ -11589,657 +12412,6 @@
         <p14:creationId xmlns:p14="http://schemas.microsoft.com/office/powerpoint/2010/main" val="2422853760"/>
       </p:ext>
     </p:extLst>
-  </p:cSld>
-  <p:clrMapOvr>
-    <a:masterClrMapping/>
-  </p:clrMapOvr>
-</p:sld>
-</file>
-
-<file path=ppt/slides/slide24.xml><?xml version="1.0" encoding="utf-8"?>
-<p:sld xmlns:a="http://schemas.openxmlformats.org/drawingml/2006/main" xmlns:r="http://schemas.openxmlformats.org/officeDocument/2006/relationships" xmlns:p="http://schemas.openxmlformats.org/presentationml/2006/main">
-  <p:cSld>
-    <p:spTree>
-      <p:nvGrpSpPr>
-        <p:cNvPr id="1" name=""/>
-        <p:cNvGrpSpPr/>
-        <p:nvPr/>
-      </p:nvGrpSpPr>
-      <p:grpSpPr>
-        <a:xfrm>
-          <a:off x="0" y="0"/>
-          <a:ext cx="0" cy="0"/>
-          <a:chOff x="0" y="0"/>
-          <a:chExt cx="0" cy="0"/>
-        </a:xfrm>
-      </p:grpSpPr>
-      <p:sp>
-        <p:nvSpPr>
-          <p:cNvPr id="2" name="Titel 1"/>
-          <p:cNvSpPr>
-            <a:spLocks noGrp="1"/>
-          </p:cNvSpPr>
-          <p:nvPr>
-            <p:ph type="title"/>
-          </p:nvPr>
-        </p:nvSpPr>
-        <p:spPr/>
-        <p:txBody>
-          <a:bodyPr>
-            <a:normAutofit/>
-          </a:bodyPr>
-          <a:lstStyle/>
-          <a:p>
-            <a:pPr algn="ctr"/>
-            <a:r>
-              <a:rPr lang="de-DE" dirty="0" err="1"/>
-              <a:t>Risks</a:t>
-            </a:r>
-            <a:endParaRPr lang="de-DE" dirty="0"/>
-          </a:p>
-        </p:txBody>
-      </p:sp>
-      <p:sp>
-        <p:nvSpPr>
-          <p:cNvPr id="9" name="Inhaltsplatzhalter 8"/>
-          <p:cNvSpPr>
-            <a:spLocks noGrp="1"/>
-          </p:cNvSpPr>
-          <p:nvPr>
-            <p:ph sz="half" idx="1"/>
-          </p:nvPr>
-        </p:nvSpPr>
-        <p:spPr/>
-        <p:txBody>
-          <a:bodyPr>
-            <a:normAutofit fontScale="92500" lnSpcReduction="10000"/>
-          </a:bodyPr>
-          <a:lstStyle/>
-          <a:p>
-            <a:r>
-              <a:rPr lang="de-DE" sz="2400" dirty="0"/>
-              <a:t>Fly </a:t>
-            </a:r>
-            <a:r>
-              <a:rPr lang="de-DE" sz="2400" dirty="0" err="1"/>
-              <a:t>physics</a:t>
-            </a:r>
-            <a:r>
-              <a:rPr lang="de-DE" sz="2400" dirty="0"/>
-              <a:t> - </a:t>
-            </a:r>
-            <a:r>
-              <a:rPr lang="de-DE" sz="2400" dirty="0" err="1" smtClean="0"/>
-              <a:t>math</a:t>
-            </a:r>
-            <a:r>
-              <a:rPr lang="de-DE" sz="2400" dirty="0" smtClean="0"/>
-              <a:t> </a:t>
-            </a:r>
-            <a:r>
-              <a:rPr lang="de-DE" sz="2400" dirty="0" err="1"/>
-              <a:t>too</a:t>
-            </a:r>
-            <a:r>
-              <a:rPr lang="de-DE" sz="2400" dirty="0"/>
-              <a:t> </a:t>
-            </a:r>
-            <a:r>
-              <a:rPr lang="de-DE" sz="2400" dirty="0" err="1" smtClean="0"/>
-              <a:t>complex</a:t>
-            </a:r>
-            <a:r>
-              <a:rPr lang="de-DE" sz="2400" dirty="0" smtClean="0"/>
-              <a:t>/</a:t>
-            </a:r>
-            <a:r>
-              <a:rPr lang="de-DE" sz="2400" dirty="0" err="1" smtClean="0"/>
-              <a:t>complicated</a:t>
-            </a:r>
-            <a:endParaRPr lang="de-DE" dirty="0"/>
-          </a:p>
-          <a:p>
-            <a:r>
-              <a:rPr lang="de-DE" sz="2400" dirty="0"/>
-              <a:t>Arm </a:t>
-            </a:r>
-            <a:r>
-              <a:rPr lang="de-DE" sz="2400" dirty="0" err="1"/>
-              <a:t>network</a:t>
-            </a:r>
-            <a:r>
-              <a:rPr lang="de-DE" sz="2400" dirty="0"/>
-              <a:t> </a:t>
-            </a:r>
-            <a:r>
-              <a:rPr lang="de-DE" sz="2400" dirty="0" err="1"/>
-              <a:t>transmission</a:t>
-            </a:r>
-            <a:endParaRPr lang="de-DE" sz="2400" dirty="0"/>
-          </a:p>
-          <a:p>
-            <a:r>
-              <a:rPr lang="de-DE" sz="2400" dirty="0"/>
-              <a:t>Post-</a:t>
-            </a:r>
-            <a:r>
-              <a:rPr lang="de-DE" sz="2400" dirty="0" err="1"/>
-              <a:t>effects</a:t>
-            </a:r>
-            <a:r>
-              <a:rPr lang="de-DE" sz="2400" dirty="0"/>
-              <a:t> </a:t>
-            </a:r>
-            <a:r>
-              <a:rPr lang="de-DE" sz="2400" dirty="0" err="1" smtClean="0"/>
-              <a:t>too</a:t>
-            </a:r>
-            <a:r>
-              <a:rPr lang="de-DE" sz="2400" dirty="0" smtClean="0"/>
-              <a:t> performance- </a:t>
-            </a:r>
-            <a:r>
-              <a:rPr lang="de-DE" sz="2400" dirty="0" err="1" smtClean="0"/>
-              <a:t>consuming</a:t>
-            </a:r>
-            <a:r>
-              <a:rPr lang="de-DE" sz="2400" dirty="0" smtClean="0"/>
-              <a:t> (</a:t>
-            </a:r>
-            <a:r>
-              <a:rPr lang="de-DE" sz="2400" dirty="0" err="1" smtClean="0"/>
-              <a:t>scattering</a:t>
-            </a:r>
-            <a:r>
-              <a:rPr lang="de-DE" sz="2400" dirty="0"/>
-              <a:t>, </a:t>
-            </a:r>
-            <a:r>
-              <a:rPr lang="de-DE" sz="2400" dirty="0" err="1"/>
-              <a:t>ambient</a:t>
-            </a:r>
-            <a:r>
-              <a:rPr lang="de-DE" sz="2400" dirty="0"/>
-              <a:t> </a:t>
-            </a:r>
-            <a:r>
-              <a:rPr lang="de-DE" sz="2400" dirty="0" err="1"/>
-              <a:t>occlusion</a:t>
-            </a:r>
-            <a:r>
-              <a:rPr lang="de-DE" sz="2400" dirty="0"/>
-              <a:t>)</a:t>
-            </a:r>
-          </a:p>
-          <a:p>
-            <a:r>
-              <a:rPr lang="de-DE" sz="2400" dirty="0"/>
-              <a:t>Realtime Performance </a:t>
-            </a:r>
-            <a:r>
-              <a:rPr lang="de-DE" sz="2400" dirty="0" err="1"/>
-              <a:t>Issues</a:t>
-            </a:r>
-            <a:r>
-              <a:rPr lang="de-DE" sz="2400" dirty="0"/>
-              <a:t> </a:t>
-            </a:r>
-            <a:r>
-              <a:rPr lang="de-DE" sz="2400" dirty="0" err="1"/>
-              <a:t>for</a:t>
-            </a:r>
-            <a:r>
-              <a:rPr lang="de-DE" sz="2400" dirty="0"/>
-              <a:t> </a:t>
-            </a:r>
-            <a:r>
-              <a:rPr lang="de-DE" sz="2400" dirty="0" err="1"/>
-              <a:t>slower</a:t>
-            </a:r>
-            <a:r>
-              <a:rPr lang="de-DE" sz="2400" dirty="0"/>
-              <a:t> PCs (Graphics Settings?)</a:t>
-            </a:r>
-          </a:p>
-          <a:p>
-            <a:r>
-              <a:rPr lang="de-DE" sz="2400" dirty="0"/>
-              <a:t>AR Performance Problems</a:t>
-            </a:r>
-            <a:endParaRPr lang="de-DE" dirty="0"/>
-          </a:p>
-          <a:p>
-            <a:pPr>
-              <a:buNone/>
-            </a:pPr>
-            <a:endParaRPr lang="de-DE" dirty="0"/>
-          </a:p>
-          <a:p>
-            <a:pPr>
-              <a:buNone/>
-            </a:pPr>
-            <a:endParaRPr lang="de-DE" dirty="0"/>
-          </a:p>
-          <a:p>
-            <a:pPr>
-              <a:buNone/>
-            </a:pPr>
-            <a:endParaRPr lang="de-DE" dirty="0"/>
-          </a:p>
-          <a:p>
-            <a:endParaRPr lang="de-DE" dirty="0"/>
-          </a:p>
-        </p:txBody>
-      </p:sp>
-      <p:sp>
-        <p:nvSpPr>
-          <p:cNvPr id="7" name="Inhaltsplatzhalter 6"/>
-          <p:cNvSpPr>
-            <a:spLocks noGrp="1"/>
-          </p:cNvSpPr>
-          <p:nvPr>
-            <p:ph sz="half" idx="2"/>
-          </p:nvPr>
-        </p:nvSpPr>
-        <p:spPr/>
-        <p:txBody>
-          <a:bodyPr>
-            <a:normAutofit fontScale="92500" lnSpcReduction="10000"/>
-          </a:bodyPr>
-          <a:lstStyle/>
-          <a:p>
-            <a:r>
-              <a:rPr lang="de-DE" sz="2400" dirty="0" err="1" smtClean="0"/>
-              <a:t>Menue</a:t>
-            </a:r>
-            <a:r>
-              <a:rPr lang="de-DE" sz="2400" dirty="0" smtClean="0"/>
-              <a:t> </a:t>
-            </a:r>
-            <a:r>
-              <a:rPr lang="de-DE" sz="2400" dirty="0" err="1" smtClean="0"/>
-              <a:t>handling</a:t>
-            </a:r>
-            <a:r>
-              <a:rPr lang="de-DE" sz="2400" dirty="0" smtClean="0"/>
-              <a:t> (</a:t>
-            </a:r>
-            <a:r>
-              <a:rPr lang="de-DE" sz="2400" dirty="0" err="1" smtClean="0"/>
-              <a:t>Oculus</a:t>
-            </a:r>
-            <a:r>
-              <a:rPr lang="de-DE" sz="2400" dirty="0"/>
-              <a:t>)</a:t>
-            </a:r>
-          </a:p>
-          <a:p>
-            <a:r>
-              <a:rPr lang="de-DE" sz="2400" dirty="0" err="1" smtClean="0"/>
-              <a:t>Gesture</a:t>
-            </a:r>
-            <a:r>
-              <a:rPr lang="de-DE" sz="2400" dirty="0" smtClean="0"/>
-              <a:t> </a:t>
-            </a:r>
-            <a:r>
-              <a:rPr lang="de-DE" sz="2400" dirty="0" err="1"/>
-              <a:t>control</a:t>
-            </a:r>
-            <a:r>
-              <a:rPr lang="de-DE" sz="2400" dirty="0"/>
-              <a:t> </a:t>
-            </a:r>
-            <a:r>
-              <a:rPr lang="de-DE" sz="2400" dirty="0" err="1"/>
-              <a:t>problems</a:t>
-            </a:r>
-            <a:r>
-              <a:rPr lang="de-DE" sz="2400" dirty="0"/>
-              <a:t> (APIs </a:t>
-            </a:r>
-            <a:r>
-              <a:rPr lang="de-DE" sz="2400" dirty="0" err="1"/>
-              <a:t>for</a:t>
-            </a:r>
-            <a:r>
-              <a:rPr lang="de-DE" sz="2400" dirty="0"/>
-              <a:t> Vive not </a:t>
-            </a:r>
-            <a:r>
-              <a:rPr lang="de-DE" sz="2400" dirty="0" err="1"/>
-              <a:t>tested</a:t>
-            </a:r>
-            <a:r>
-              <a:rPr lang="de-DE" sz="2400" dirty="0"/>
-              <a:t> </a:t>
-            </a:r>
-            <a:r>
-              <a:rPr lang="de-DE" sz="2400" dirty="0" err="1"/>
-              <a:t>yet</a:t>
-            </a:r>
-            <a:r>
-              <a:rPr lang="de-DE" sz="2400" dirty="0"/>
-              <a:t>, </a:t>
-            </a:r>
-            <a:r>
-              <a:rPr lang="de-DE" sz="2400" dirty="0" err="1"/>
-              <a:t>currently</a:t>
-            </a:r>
-            <a:r>
-              <a:rPr lang="de-DE" sz="2400" dirty="0"/>
-              <a:t> </a:t>
-            </a:r>
-            <a:r>
-              <a:rPr lang="de-DE" sz="2400" dirty="0" err="1"/>
-              <a:t>unstable</a:t>
-            </a:r>
-            <a:r>
-              <a:rPr lang="de-DE" sz="2400" dirty="0"/>
-              <a:t> APIs </a:t>
-            </a:r>
-            <a:r>
-              <a:rPr lang="de-DE" sz="2400" dirty="0" err="1"/>
-              <a:t>for</a:t>
-            </a:r>
-            <a:r>
-              <a:rPr lang="de-DE" sz="2400" dirty="0"/>
-              <a:t> Kinect?)</a:t>
-            </a:r>
-          </a:p>
-          <a:p>
-            <a:r>
-              <a:rPr lang="de-DE" sz="2400" dirty="0" err="1"/>
-              <a:t>Suitable</a:t>
-            </a:r>
-            <a:r>
-              <a:rPr lang="de-DE" sz="2400" dirty="0"/>
-              <a:t> </a:t>
-            </a:r>
-            <a:r>
-              <a:rPr lang="de-DE" sz="2400" dirty="0" err="1"/>
-              <a:t>for</a:t>
-            </a:r>
-            <a:r>
-              <a:rPr lang="de-DE" sz="2400" dirty="0"/>
-              <a:t> HS-</a:t>
-            </a:r>
-            <a:r>
-              <a:rPr lang="de-DE" sz="2400" dirty="0" err="1"/>
-              <a:t>Lan</a:t>
-            </a:r>
-            <a:r>
-              <a:rPr lang="de-DE" sz="2400" dirty="0"/>
-              <a:t> </a:t>
-            </a:r>
-            <a:r>
-              <a:rPr lang="de-DE" sz="2400" dirty="0" err="1"/>
-              <a:t>and</a:t>
-            </a:r>
-            <a:r>
-              <a:rPr lang="de-DE" sz="2400" dirty="0"/>
-              <a:t> Open-Lab</a:t>
-            </a:r>
-          </a:p>
-          <a:p>
-            <a:r>
-              <a:rPr lang="de-DE" sz="2400" dirty="0" err="1"/>
-              <a:t>Ofc</a:t>
-            </a:r>
-            <a:r>
-              <a:rPr lang="de-DE" sz="2400" dirty="0"/>
-              <a:t>: </a:t>
-            </a:r>
-            <a:r>
-              <a:rPr lang="de-DE" sz="2400" dirty="0" err="1"/>
-              <a:t>Illness</a:t>
-            </a:r>
-            <a:r>
-              <a:rPr lang="de-DE" sz="2400" dirty="0"/>
-              <a:t> </a:t>
-            </a:r>
-            <a:r>
-              <a:rPr lang="de-DE" sz="2400" dirty="0" err="1"/>
-              <a:t>of</a:t>
-            </a:r>
-            <a:r>
-              <a:rPr lang="de-DE" sz="2400" dirty="0"/>
-              <a:t> Project Members (</a:t>
-            </a:r>
-            <a:r>
-              <a:rPr lang="de-DE" sz="2400" dirty="0" err="1"/>
-              <a:t>workload</a:t>
-            </a:r>
-            <a:r>
-              <a:rPr lang="de-DE" sz="2400" dirty="0"/>
-              <a:t> </a:t>
-            </a:r>
-            <a:r>
-              <a:rPr lang="de-DE" sz="2400" dirty="0" err="1"/>
-              <a:t>balancing</a:t>
-            </a:r>
-            <a:r>
-              <a:rPr lang="de-DE" sz="2400" dirty="0"/>
-              <a:t>)</a:t>
-            </a:r>
-          </a:p>
-          <a:p>
-            <a:pPr>
-              <a:buNone/>
-            </a:pPr>
-            <a:endParaRPr lang="de-DE" sz="2400" dirty="0"/>
-          </a:p>
-        </p:txBody>
-      </p:sp>
-      <p:sp>
-        <p:nvSpPr>
-          <p:cNvPr id="11" name="Foliennummernplatzhalter 10"/>
-          <p:cNvSpPr>
-            <a:spLocks noGrp="1"/>
-          </p:cNvSpPr>
-          <p:nvPr>
-            <p:ph type="sldNum" sz="quarter" idx="12"/>
-          </p:nvPr>
-        </p:nvSpPr>
-        <p:spPr/>
-        <p:txBody>
-          <a:bodyPr/>
-          <a:lstStyle/>
-          <a:p>
-            <a:fld id="{6C6AE60A-B69C-4790-82F7-3882EDF23186}" type="slidenum">
-              <a:rPr lang="de-DE" smtClean="0"/>
-              <a:pPr/>
-              <a:t>24</a:t>
-            </a:fld>
-            <a:endParaRPr lang="de-DE"/>
-          </a:p>
-        </p:txBody>
-      </p:sp>
-    </p:spTree>
-  </p:cSld>
-  <p:clrMapOvr>
-    <a:masterClrMapping/>
-  </p:clrMapOvr>
-</p:sld>
-</file>
-
-<file path=ppt/slides/slide25.xml><?xml version="1.0" encoding="utf-8"?>
-<p:sld xmlns:a="http://schemas.openxmlformats.org/drawingml/2006/main" xmlns:r="http://schemas.openxmlformats.org/officeDocument/2006/relationships" xmlns:p="http://schemas.openxmlformats.org/presentationml/2006/main">
-  <p:cSld>
-    <p:spTree>
-      <p:nvGrpSpPr>
-        <p:cNvPr id="1" name=""/>
-        <p:cNvGrpSpPr/>
-        <p:nvPr/>
-      </p:nvGrpSpPr>
-      <p:grpSpPr>
-        <a:xfrm>
-          <a:off x="0" y="0"/>
-          <a:ext cx="0" cy="0"/>
-          <a:chOff x="0" y="0"/>
-          <a:chExt cx="0" cy="0"/>
-        </a:xfrm>
-      </p:grpSpPr>
-      <p:sp>
-        <p:nvSpPr>
-          <p:cNvPr id="2" name="Titel 1"/>
-          <p:cNvSpPr>
-            <a:spLocks noGrp="1"/>
-          </p:cNvSpPr>
-          <p:nvPr>
-            <p:ph type="title"/>
-          </p:nvPr>
-        </p:nvSpPr>
-        <p:spPr/>
-        <p:txBody>
-          <a:bodyPr>
-            <a:normAutofit/>
-          </a:bodyPr>
-          <a:lstStyle/>
-          <a:p>
-            <a:pPr algn="ctr"/>
-            <a:r>
-              <a:rPr lang="de-DE" dirty="0" err="1"/>
-              <a:t>Github</a:t>
-            </a:r>
-            <a:r>
-              <a:rPr lang="de-DE" dirty="0"/>
-              <a:t> Version </a:t>
-            </a:r>
-            <a:r>
-              <a:rPr lang="de-DE" dirty="0" err="1"/>
-              <a:t>Control</a:t>
-            </a:r>
-            <a:endParaRPr lang="de-DE" dirty="0"/>
-          </a:p>
-        </p:txBody>
-      </p:sp>
-      <p:sp>
-        <p:nvSpPr>
-          <p:cNvPr id="9" name="Inhaltsplatzhalter 8"/>
-          <p:cNvSpPr>
-            <a:spLocks noGrp="1"/>
-          </p:cNvSpPr>
-          <p:nvPr>
-            <p:ph sz="half" idx="1"/>
-          </p:nvPr>
-        </p:nvSpPr>
-        <p:spPr>
-          <a:xfrm>
-            <a:off x="457200" y="1600071"/>
-            <a:ext cx="8219256" cy="3695700"/>
-          </a:xfrm>
-        </p:spPr>
-        <p:txBody>
-          <a:bodyPr>
-            <a:normAutofit/>
-          </a:bodyPr>
-          <a:lstStyle/>
-          <a:p>
-            <a:endParaRPr lang="de-DE" dirty="0">
-              <a:hlinkClick r:id="rId2"/>
-            </a:endParaRPr>
-          </a:p>
-          <a:p>
-            <a:r>
-              <a:rPr lang="de-DE" dirty="0"/>
-              <a:t>Old </a:t>
-            </a:r>
-            <a:r>
-              <a:rPr lang="de-DE" dirty="0" err="1"/>
-              <a:t>project</a:t>
-            </a:r>
-            <a:r>
-              <a:rPr lang="de-DE" dirty="0"/>
-              <a:t> </a:t>
-            </a:r>
-            <a:r>
-              <a:rPr lang="de-DE" dirty="0" err="1"/>
-              <a:t>source</a:t>
-            </a:r>
-            <a:endParaRPr lang="de-DE" dirty="0">
-              <a:hlinkClick r:id="rId2"/>
-            </a:endParaRPr>
-          </a:p>
-          <a:p>
-            <a:pPr algn="ctr">
-              <a:buNone/>
-            </a:pPr>
-            <a:r>
-              <a:rPr lang="de-DE" dirty="0">
-                <a:hlinkClick r:id="rId3"/>
-              </a:rPr>
-              <a:t>https://github.com/andreasdietze/Rift-Wingsuit.git</a:t>
-            </a:r>
-            <a:endParaRPr lang="de-DE" dirty="0"/>
-          </a:p>
-          <a:p>
-            <a:pPr algn="ctr">
-              <a:buNone/>
-            </a:pPr>
-            <a:endParaRPr lang="de-DE" dirty="0"/>
-          </a:p>
-          <a:p>
-            <a:r>
-              <a:rPr lang="de-DE" dirty="0"/>
-              <a:t>New </a:t>
-            </a:r>
-            <a:r>
-              <a:rPr lang="de-DE" dirty="0" err="1"/>
-              <a:t>project</a:t>
-            </a:r>
-            <a:r>
-              <a:rPr lang="de-DE" dirty="0"/>
-              <a:t> </a:t>
-            </a:r>
-            <a:r>
-              <a:rPr lang="de-DE" dirty="0" err="1"/>
-              <a:t>source</a:t>
-            </a:r>
-            <a:endParaRPr lang="de-DE" dirty="0"/>
-          </a:p>
-          <a:p>
-            <a:pPr algn="ctr">
-              <a:buNone/>
-            </a:pPr>
-            <a:r>
-              <a:rPr lang="de-DE" dirty="0">
-                <a:hlinkClick r:id="rId4"/>
-              </a:rPr>
-              <a:t>https://github.com/andreasdietze/Rift-WingsuitV2.git</a:t>
-            </a:r>
-            <a:endParaRPr lang="de-DE" dirty="0"/>
-          </a:p>
-          <a:p>
-            <a:endParaRPr lang="de-DE" dirty="0"/>
-          </a:p>
-        </p:txBody>
-      </p:sp>
-      <p:sp>
-        <p:nvSpPr>
-          <p:cNvPr id="11" name="Foliennummernplatzhalter 10"/>
-          <p:cNvSpPr>
-            <a:spLocks noGrp="1"/>
-          </p:cNvSpPr>
-          <p:nvPr>
-            <p:ph type="sldNum" sz="quarter" idx="12"/>
-          </p:nvPr>
-        </p:nvSpPr>
-        <p:spPr/>
-        <p:txBody>
-          <a:bodyPr/>
-          <a:lstStyle/>
-          <a:p>
-            <a:fld id="{6C6AE60A-B69C-4790-82F7-3882EDF23186}" type="slidenum">
-              <a:rPr lang="de-DE" smtClean="0"/>
-              <a:pPr/>
-              <a:t>25</a:t>
-            </a:fld>
-            <a:endParaRPr lang="de-DE"/>
-          </a:p>
-        </p:txBody>
-      </p:sp>
-    </p:spTree>
   </p:cSld>
   <p:clrMapOvr>
     <a:masterClrMapping/>
@@ -12266,6 +12438,1149 @@
       </p:grpSpPr>
       <p:sp>
         <p:nvSpPr>
+          <p:cNvPr id="2" name="Titel 1"/>
+          <p:cNvSpPr>
+            <a:spLocks noGrp="1"/>
+          </p:cNvSpPr>
+          <p:nvPr>
+            <p:ph type="title"/>
+          </p:nvPr>
+        </p:nvSpPr>
+        <p:spPr/>
+        <p:txBody>
+          <a:bodyPr>
+            <a:normAutofit/>
+          </a:bodyPr>
+          <a:lstStyle/>
+          <a:p>
+            <a:pPr algn="ctr"/>
+            <a:r>
+              <a:rPr lang="de-DE" dirty="0" err="1">
+                <a:solidFill>
+                  <a:srgbClr val="FF0000"/>
+                </a:solidFill>
+              </a:rPr>
+              <a:t>Milestone</a:t>
+            </a:r>
+            <a:r>
+              <a:rPr lang="de-DE" dirty="0">
+                <a:solidFill>
+                  <a:srgbClr val="FF0000"/>
+                </a:solidFill>
+              </a:rPr>
+              <a:t> 3</a:t>
+            </a:r>
+          </a:p>
+        </p:txBody>
+      </p:sp>
+      <p:sp>
+        <p:nvSpPr>
+          <p:cNvPr id="9" name="Inhaltsplatzhalter 8"/>
+          <p:cNvSpPr>
+            <a:spLocks noGrp="1"/>
+          </p:cNvSpPr>
+          <p:nvPr>
+            <p:ph idx="1"/>
+          </p:nvPr>
+        </p:nvSpPr>
+        <p:spPr/>
+        <p:txBody>
+          <a:bodyPr>
+            <a:normAutofit/>
+          </a:bodyPr>
+          <a:lstStyle/>
+          <a:p>
+            <a:endParaRPr lang="de-DE" dirty="0"/>
+          </a:p>
+          <a:p>
+            <a:pPr>
+              <a:buNone/>
+            </a:pPr>
+            <a:endParaRPr lang="de-DE" dirty="0"/>
+          </a:p>
+          <a:p>
+            <a:endParaRPr lang="de-DE" dirty="0"/>
+          </a:p>
+        </p:txBody>
+      </p:sp>
+      <p:sp>
+        <p:nvSpPr>
+          <p:cNvPr id="11" name="Foliennummernplatzhalter 10"/>
+          <p:cNvSpPr>
+            <a:spLocks noGrp="1"/>
+          </p:cNvSpPr>
+          <p:nvPr>
+            <p:ph type="sldNum" sz="quarter" idx="12"/>
+          </p:nvPr>
+        </p:nvSpPr>
+        <p:spPr/>
+        <p:txBody>
+          <a:bodyPr/>
+          <a:lstStyle/>
+          <a:p>
+            <a:fld id="{6C6AE60A-B69C-4790-82F7-3882EDF23186}" type="slidenum">
+              <a:rPr lang="de-DE" smtClean="0"/>
+              <a:pPr/>
+              <a:t>26</a:t>
+            </a:fld>
+            <a:endParaRPr lang="de-DE"/>
+          </a:p>
+        </p:txBody>
+      </p:sp>
+      <p:graphicFrame>
+        <p:nvGraphicFramePr>
+          <p:cNvPr id="8" name="Tabelle 7"/>
+          <p:cNvGraphicFramePr>
+            <a:graphicFrameLocks noGrp="1"/>
+          </p:cNvGraphicFramePr>
+          <p:nvPr>
+            <p:extLst>
+              <p:ext uri="{D42A27DB-BD31-4B8C-83A1-F6EECF244321}">
+                <p14:modId xmlns:p14="http://schemas.microsoft.com/office/powerpoint/2010/main" val="2547152848"/>
+              </p:ext>
+            </p:extLst>
+          </p:nvPr>
+        </p:nvGraphicFramePr>
+        <p:xfrm>
+          <a:off x="539552" y="1849388"/>
+          <a:ext cx="8064897" cy="1854200"/>
+        </p:xfrm>
+        <a:graphic>
+          <a:graphicData uri="http://schemas.openxmlformats.org/drawingml/2006/table">
+            <a:tbl>
+              <a:tblPr firstRow="1" bandRow="1">
+                <a:tableStyleId>{5C22544A-7EE6-4342-B048-85BDC9FD1C3A}</a:tableStyleId>
+              </a:tblPr>
+              <a:tblGrid>
+                <a:gridCol w="1584176">
+                  <a:extLst>
+                    <a:ext uri="{9D8B030D-6E8A-4147-A177-3AD203B41FA5}">
+                      <a16:colId xmlns:a16="http://schemas.microsoft.com/office/drawing/2014/main" val="20000"/>
+                    </a:ext>
+                  </a:extLst>
+                </a:gridCol>
+                <a:gridCol w="6480721">
+                  <a:extLst>
+                    <a:ext uri="{9D8B030D-6E8A-4147-A177-3AD203B41FA5}">
+                      <a16:colId xmlns:a16="http://schemas.microsoft.com/office/drawing/2014/main" val="20001"/>
+                    </a:ext>
+                  </a:extLst>
+                </a:gridCol>
+              </a:tblGrid>
+              <a:tr h="370840">
+                <a:tc>
+                  <a:txBody>
+                    <a:bodyPr/>
+                    <a:lstStyle/>
+                    <a:p>
+                      <a:pPr algn="ctr"/>
+                      <a:r>
+                        <a:rPr lang="de-DE" sz="1800" dirty="0" err="1"/>
+                        <a:t>Week</a:t>
+                      </a:r>
+                      <a:endParaRPr lang="de-DE" sz="1800" dirty="0"/>
+                    </a:p>
+                  </a:txBody>
+                  <a:tcPr/>
+                </a:tc>
+                <a:tc>
+                  <a:txBody>
+                    <a:bodyPr/>
+                    <a:lstStyle/>
+                    <a:p>
+                      <a:pPr algn="ctr"/>
+                      <a:r>
+                        <a:rPr lang="de-DE" sz="1800" dirty="0"/>
+                        <a:t>Sascha </a:t>
+                      </a:r>
+                      <a:r>
+                        <a:rPr lang="de-DE" sz="1800" dirty="0" err="1"/>
+                        <a:t>Ibach</a:t>
+                      </a:r>
+                      <a:endParaRPr lang="de-DE" sz="1800" dirty="0"/>
+                    </a:p>
+                  </a:txBody>
+                  <a:tcPr/>
+                </a:tc>
+                <a:extLst>
+                  <a:ext uri="{0D108BD9-81ED-4DB2-BD59-A6C34878D82A}">
+                    <a16:rowId xmlns:a16="http://schemas.microsoft.com/office/drawing/2014/main" val="10000"/>
+                  </a:ext>
+                </a:extLst>
+              </a:tr>
+              <a:tr h="370840">
+                <a:tc>
+                  <a:txBody>
+                    <a:bodyPr/>
+                    <a:lstStyle/>
+                    <a:p>
+                      <a:pPr algn="l"/>
+                      <a:r>
+                        <a:rPr lang="de-DE" sz="1800" dirty="0"/>
+                        <a:t>08.01</a:t>
+                      </a:r>
+                      <a:r>
+                        <a:rPr lang="de-DE" sz="1800" baseline="0" dirty="0"/>
+                        <a:t> – 08.08</a:t>
+                      </a:r>
+                      <a:endParaRPr lang="de-DE" sz="1800" dirty="0"/>
+                    </a:p>
+                  </a:txBody>
+                  <a:tcPr/>
+                </a:tc>
+                <a:tc>
+                  <a:txBody>
+                    <a:bodyPr/>
+                    <a:lstStyle/>
+                    <a:p>
+                      <a:pPr lvl="0">
+                        <a:buFont typeface="Arial" pitchFamily="34" charset="0"/>
+                        <a:buChar char="•"/>
+                      </a:pPr>
+                      <a:r>
+                        <a:rPr lang="de-DE" sz="1800" dirty="0"/>
+                        <a:t> </a:t>
+                      </a:r>
+                      <a:r>
+                        <a:rPr lang="de-DE" sz="1800" dirty="0" err="1"/>
+                        <a:t>Creation</a:t>
+                      </a:r>
+                      <a:r>
+                        <a:rPr lang="de-DE" sz="1800" dirty="0"/>
+                        <a:t> </a:t>
+                      </a:r>
+                      <a:r>
+                        <a:rPr lang="de-DE" sz="1800" dirty="0" err="1"/>
+                        <a:t>of</a:t>
+                      </a:r>
+                      <a:r>
+                        <a:rPr lang="de-DE" sz="1800" dirty="0"/>
+                        <a:t> a </a:t>
+                      </a:r>
+                      <a:r>
+                        <a:rPr lang="de-DE" sz="1800" dirty="0" err="1"/>
+                        <a:t>users</a:t>
+                      </a:r>
+                      <a:r>
+                        <a:rPr lang="de-DE" sz="1800" baseline="0" dirty="0"/>
+                        <a:t> </a:t>
+                      </a:r>
+                      <a:r>
+                        <a:rPr lang="de-DE" sz="1800" baseline="0" dirty="0" err="1"/>
+                        <a:t>guide</a:t>
+                      </a:r>
+                      <a:r>
+                        <a:rPr lang="de-DE" sz="1800" baseline="0" dirty="0"/>
+                        <a:t> </a:t>
+                      </a:r>
+                      <a:r>
+                        <a:rPr lang="de-DE" sz="1800" baseline="0" dirty="0" err="1"/>
+                        <a:t>for</a:t>
+                      </a:r>
+                      <a:r>
+                        <a:rPr lang="de-DE" sz="1800" baseline="0" dirty="0"/>
+                        <a:t> </a:t>
+                      </a:r>
+                      <a:r>
+                        <a:rPr lang="de-DE" sz="1800" baseline="0" dirty="0" err="1"/>
+                        <a:t>the</a:t>
+                      </a:r>
+                      <a:r>
+                        <a:rPr lang="de-DE" sz="1800" baseline="0" dirty="0"/>
+                        <a:t> </a:t>
+                      </a:r>
+                      <a:r>
+                        <a:rPr lang="de-DE" sz="1800" baseline="0" dirty="0" err="1"/>
+                        <a:t>project</a:t>
+                      </a:r>
+                      <a:endParaRPr lang="de-DE" sz="1800" dirty="0"/>
+                    </a:p>
+                  </a:txBody>
+                  <a:tcPr/>
+                </a:tc>
+                <a:extLst>
+                  <a:ext uri="{0D108BD9-81ED-4DB2-BD59-A6C34878D82A}">
+                    <a16:rowId xmlns:a16="http://schemas.microsoft.com/office/drawing/2014/main" val="10001"/>
+                  </a:ext>
+                </a:extLst>
+              </a:tr>
+              <a:tr h="370840">
+                <a:tc>
+                  <a:txBody>
+                    <a:bodyPr/>
+                    <a:lstStyle/>
+                    <a:p>
+                      <a:pPr algn="l"/>
+                      <a:r>
+                        <a:rPr lang="de-DE" sz="1800" dirty="0"/>
+                        <a:t>08.08 – 08.16</a:t>
+                      </a:r>
+                    </a:p>
+                  </a:txBody>
+                  <a:tcPr/>
+                </a:tc>
+                <a:tc>
+                  <a:txBody>
+                    <a:bodyPr/>
+                    <a:lstStyle/>
+                    <a:p>
+                      <a:pPr marL="0" marR="0" lvl="1" indent="0" algn="l" defTabSz="914400" rtl="0" eaLnBrk="1" fontAlgn="auto" latinLnBrk="0" hangingPunct="1">
+                        <a:lnSpc>
+                          <a:spcPct val="100000"/>
+                        </a:lnSpc>
+                        <a:spcBef>
+                          <a:spcPts val="0"/>
+                        </a:spcBef>
+                        <a:spcAft>
+                          <a:spcPts val="0"/>
+                        </a:spcAft>
+                        <a:buClrTx/>
+                        <a:buSzTx/>
+                        <a:buFont typeface="Arial" pitchFamily="34" charset="0"/>
+                        <a:buChar char="•"/>
+                        <a:tabLst/>
+                        <a:defRPr/>
+                      </a:pPr>
+                      <a:r>
+                        <a:rPr lang="de-DE" sz="1800" dirty="0"/>
+                        <a:t> </a:t>
+                      </a:r>
+                      <a:r>
+                        <a:rPr lang="en-US" sz="1800" dirty="0"/>
+                        <a:t>Creation of a project documentation</a:t>
+                      </a:r>
+                      <a:endParaRPr lang="de-DE" sz="1800" baseline="0" dirty="0"/>
+                    </a:p>
+                  </a:txBody>
+                  <a:tcPr/>
+                </a:tc>
+                <a:extLst>
+                  <a:ext uri="{0D108BD9-81ED-4DB2-BD59-A6C34878D82A}">
+                    <a16:rowId xmlns:a16="http://schemas.microsoft.com/office/drawing/2014/main" val="10002"/>
+                  </a:ext>
+                </a:extLst>
+              </a:tr>
+              <a:tr h="370840">
+                <a:tc>
+                  <a:txBody>
+                    <a:bodyPr/>
+                    <a:lstStyle/>
+                    <a:p>
+                      <a:pPr algn="l"/>
+                      <a:r>
+                        <a:rPr lang="de-DE" sz="1800" dirty="0"/>
+                        <a:t>08.16 – 24.08</a:t>
+                      </a:r>
+                    </a:p>
+                  </a:txBody>
+                  <a:tcPr/>
+                </a:tc>
+                <a:tc>
+                  <a:txBody>
+                    <a:bodyPr/>
+                    <a:lstStyle/>
+                    <a:p>
+                      <a:pPr>
+                        <a:buFont typeface="Arial" pitchFamily="34" charset="0"/>
+                        <a:buChar char="•"/>
+                      </a:pPr>
+                      <a:r>
+                        <a:rPr lang="de-DE" sz="1800" dirty="0"/>
+                        <a:t> </a:t>
+                      </a:r>
+                      <a:r>
+                        <a:rPr lang="de-DE" sz="1800" dirty="0" err="1"/>
+                        <a:t>Buffer</a:t>
+                      </a:r>
+                      <a:r>
+                        <a:rPr lang="de-DE" sz="1800" baseline="0" dirty="0"/>
+                        <a:t> </a:t>
+                      </a:r>
+                      <a:r>
+                        <a:rPr lang="de-DE" sz="1800" baseline="0" dirty="0" err="1"/>
+                        <a:t>for</a:t>
+                      </a:r>
+                      <a:r>
+                        <a:rPr lang="de-DE" sz="1800" baseline="0" dirty="0"/>
+                        <a:t> </a:t>
+                      </a:r>
+                      <a:r>
+                        <a:rPr lang="de-DE" sz="1800" baseline="0" dirty="0" err="1"/>
+                        <a:t>related</a:t>
+                      </a:r>
+                      <a:r>
+                        <a:rPr lang="de-DE" sz="1800" baseline="0" dirty="0"/>
+                        <a:t> </a:t>
+                      </a:r>
+                      <a:r>
+                        <a:rPr lang="de-DE" sz="1800" baseline="0" dirty="0" err="1"/>
+                        <a:t>work</a:t>
+                      </a:r>
+                      <a:endParaRPr lang="de-DE" sz="1800" dirty="0"/>
+                    </a:p>
+                  </a:txBody>
+                  <a:tcPr/>
+                </a:tc>
+                <a:extLst>
+                  <a:ext uri="{0D108BD9-81ED-4DB2-BD59-A6C34878D82A}">
+                    <a16:rowId xmlns:a16="http://schemas.microsoft.com/office/drawing/2014/main" val="10003"/>
+                  </a:ext>
+                </a:extLst>
+              </a:tr>
+              <a:tr h="370840">
+                <a:tc>
+                  <a:txBody>
+                    <a:bodyPr/>
+                    <a:lstStyle/>
+                    <a:p>
+                      <a:pPr algn="l"/>
+                      <a:r>
+                        <a:rPr lang="de-DE" sz="1800" dirty="0"/>
+                        <a:t>08.24 – 09.14</a:t>
+                      </a:r>
+                    </a:p>
+                  </a:txBody>
+                  <a:tcPr/>
+                </a:tc>
+                <a:tc>
+                  <a:txBody>
+                    <a:bodyPr/>
+                    <a:lstStyle/>
+                    <a:p>
+                      <a:pPr>
+                        <a:buFont typeface="Arial" pitchFamily="34" charset="0"/>
+                        <a:buChar char="•"/>
+                      </a:pPr>
+                      <a:r>
+                        <a:rPr lang="de-DE" sz="1800" dirty="0"/>
+                        <a:t> </a:t>
+                      </a:r>
+                      <a:r>
+                        <a:rPr lang="de-DE" sz="1800" dirty="0" err="1"/>
+                        <a:t>Buffer</a:t>
+                      </a:r>
+                      <a:r>
+                        <a:rPr lang="de-DE" sz="1800" dirty="0"/>
+                        <a:t> </a:t>
+                      </a:r>
+                      <a:r>
+                        <a:rPr lang="de-DE" sz="1800" dirty="0" err="1"/>
+                        <a:t>for</a:t>
+                      </a:r>
+                      <a:r>
+                        <a:rPr lang="de-DE" sz="1800" dirty="0"/>
+                        <a:t> </a:t>
+                      </a:r>
+                      <a:r>
+                        <a:rPr lang="de-DE" sz="1800" dirty="0" err="1"/>
+                        <a:t>related</a:t>
+                      </a:r>
+                      <a:r>
+                        <a:rPr lang="de-DE" sz="1800" baseline="0"/>
+                        <a:t> </a:t>
+                      </a:r>
+                      <a:r>
+                        <a:rPr lang="de-DE" sz="1800"/>
+                        <a:t>work</a:t>
+                      </a:r>
+                      <a:endParaRPr lang="de-DE" sz="1800" dirty="0"/>
+                    </a:p>
+                  </a:txBody>
+                  <a:tcPr/>
+                </a:tc>
+                <a:extLst>
+                  <a:ext uri="{0D108BD9-81ED-4DB2-BD59-A6C34878D82A}">
+                    <a16:rowId xmlns:a16="http://schemas.microsoft.com/office/drawing/2014/main" val="10004"/>
+                  </a:ext>
+                </a:extLst>
+              </a:tr>
+            </a:tbl>
+          </a:graphicData>
+        </a:graphic>
+      </p:graphicFrame>
+    </p:spTree>
+    <p:extLst>
+      <p:ext uri="{BB962C8B-B14F-4D97-AF65-F5344CB8AC3E}">
+        <p14:creationId xmlns:p14="http://schemas.microsoft.com/office/powerpoint/2010/main" val="453573633"/>
+      </p:ext>
+    </p:extLst>
+  </p:cSld>
+  <p:clrMapOvr>
+    <a:masterClrMapping/>
+  </p:clrMapOvr>
+</p:sld>
+</file>
+
+<file path=ppt/slides/slide27.xml><?xml version="1.0" encoding="utf-8"?>
+<p:sld xmlns:a="http://schemas.openxmlformats.org/drawingml/2006/main" xmlns:r="http://schemas.openxmlformats.org/officeDocument/2006/relationships" xmlns:p="http://schemas.openxmlformats.org/presentationml/2006/main">
+  <p:cSld>
+    <p:spTree>
+      <p:nvGrpSpPr>
+        <p:cNvPr id="1" name=""/>
+        <p:cNvGrpSpPr/>
+        <p:nvPr/>
+      </p:nvGrpSpPr>
+      <p:grpSpPr>
+        <a:xfrm>
+          <a:off x="0" y="0"/>
+          <a:ext cx="0" cy="0"/>
+          <a:chOff x="0" y="0"/>
+          <a:chExt cx="0" cy="0"/>
+        </a:xfrm>
+      </p:grpSpPr>
+      <p:sp>
+        <p:nvSpPr>
+          <p:cNvPr id="2" name="Titel 1"/>
+          <p:cNvSpPr>
+            <a:spLocks noGrp="1"/>
+          </p:cNvSpPr>
+          <p:nvPr>
+            <p:ph type="title"/>
+          </p:nvPr>
+        </p:nvSpPr>
+        <p:spPr/>
+        <p:txBody>
+          <a:bodyPr>
+            <a:normAutofit/>
+          </a:bodyPr>
+          <a:lstStyle/>
+          <a:p>
+            <a:pPr algn="ctr"/>
+            <a:r>
+              <a:rPr lang="de-DE" dirty="0" err="1"/>
+              <a:t>Risks</a:t>
+            </a:r>
+            <a:endParaRPr lang="de-DE" dirty="0"/>
+          </a:p>
+        </p:txBody>
+      </p:sp>
+      <p:sp>
+        <p:nvSpPr>
+          <p:cNvPr id="9" name="Inhaltsplatzhalter 8"/>
+          <p:cNvSpPr>
+            <a:spLocks noGrp="1"/>
+          </p:cNvSpPr>
+          <p:nvPr>
+            <p:ph sz="half" idx="1"/>
+          </p:nvPr>
+        </p:nvSpPr>
+        <p:spPr/>
+        <p:txBody>
+          <a:bodyPr>
+            <a:normAutofit fontScale="92500" lnSpcReduction="10000"/>
+          </a:bodyPr>
+          <a:lstStyle/>
+          <a:p>
+            <a:r>
+              <a:rPr lang="de-DE" sz="2400" dirty="0"/>
+              <a:t>Fly </a:t>
+            </a:r>
+            <a:r>
+              <a:rPr lang="de-DE" sz="2400" dirty="0" err="1"/>
+              <a:t>physics</a:t>
+            </a:r>
+            <a:r>
+              <a:rPr lang="de-DE" sz="2400" dirty="0"/>
+              <a:t> - </a:t>
+            </a:r>
+            <a:r>
+              <a:rPr lang="de-DE" sz="2400" dirty="0" err="1"/>
+              <a:t>math</a:t>
+            </a:r>
+            <a:r>
+              <a:rPr lang="de-DE" sz="2400" dirty="0"/>
+              <a:t> </a:t>
+            </a:r>
+            <a:r>
+              <a:rPr lang="de-DE" sz="2400" dirty="0" err="1"/>
+              <a:t>too</a:t>
+            </a:r>
+            <a:r>
+              <a:rPr lang="de-DE" sz="2400" dirty="0"/>
+              <a:t> </a:t>
+            </a:r>
+            <a:r>
+              <a:rPr lang="de-DE" sz="2400" dirty="0" err="1"/>
+              <a:t>complex</a:t>
+            </a:r>
+            <a:r>
+              <a:rPr lang="de-DE" sz="2400" dirty="0"/>
+              <a:t>/</a:t>
+            </a:r>
+            <a:r>
+              <a:rPr lang="de-DE" sz="2400" dirty="0" err="1"/>
+              <a:t>complicated</a:t>
+            </a:r>
+            <a:endParaRPr lang="de-DE" dirty="0"/>
+          </a:p>
+          <a:p>
+            <a:r>
+              <a:rPr lang="de-DE" sz="2400" dirty="0"/>
+              <a:t>Arm </a:t>
+            </a:r>
+            <a:r>
+              <a:rPr lang="de-DE" sz="2400" dirty="0" err="1"/>
+              <a:t>network</a:t>
+            </a:r>
+            <a:r>
+              <a:rPr lang="de-DE" sz="2400" dirty="0"/>
+              <a:t> </a:t>
+            </a:r>
+            <a:r>
+              <a:rPr lang="de-DE" sz="2400" dirty="0" err="1"/>
+              <a:t>transmission</a:t>
+            </a:r>
+            <a:endParaRPr lang="de-DE" sz="2400" dirty="0"/>
+          </a:p>
+          <a:p>
+            <a:r>
+              <a:rPr lang="de-DE" sz="2400" dirty="0"/>
+              <a:t>Post-</a:t>
+            </a:r>
+            <a:r>
+              <a:rPr lang="de-DE" sz="2400" dirty="0" err="1"/>
+              <a:t>effects</a:t>
+            </a:r>
+            <a:r>
+              <a:rPr lang="de-DE" sz="2400" dirty="0"/>
+              <a:t> </a:t>
+            </a:r>
+            <a:r>
+              <a:rPr lang="de-DE" sz="2400" dirty="0" err="1"/>
+              <a:t>too</a:t>
+            </a:r>
+            <a:r>
+              <a:rPr lang="de-DE" sz="2400" dirty="0"/>
+              <a:t> performance- </a:t>
+            </a:r>
+            <a:r>
+              <a:rPr lang="de-DE" sz="2400" dirty="0" err="1"/>
+              <a:t>consuming</a:t>
+            </a:r>
+            <a:r>
+              <a:rPr lang="de-DE" sz="2400" dirty="0"/>
+              <a:t> (</a:t>
+            </a:r>
+            <a:r>
+              <a:rPr lang="de-DE" sz="2400" dirty="0" err="1"/>
+              <a:t>scattering</a:t>
+            </a:r>
+            <a:r>
+              <a:rPr lang="de-DE" sz="2400" dirty="0"/>
+              <a:t>, </a:t>
+            </a:r>
+            <a:r>
+              <a:rPr lang="de-DE" sz="2400" dirty="0" err="1"/>
+              <a:t>ambient</a:t>
+            </a:r>
+            <a:r>
+              <a:rPr lang="de-DE" sz="2400" dirty="0"/>
+              <a:t> </a:t>
+            </a:r>
+            <a:r>
+              <a:rPr lang="de-DE" sz="2400" dirty="0" err="1"/>
+              <a:t>occlusion</a:t>
+            </a:r>
+            <a:r>
+              <a:rPr lang="de-DE" sz="2400" dirty="0"/>
+              <a:t>)</a:t>
+            </a:r>
+          </a:p>
+          <a:p>
+            <a:r>
+              <a:rPr lang="de-DE" sz="2400" dirty="0"/>
+              <a:t>Realtime Performance </a:t>
+            </a:r>
+            <a:r>
+              <a:rPr lang="de-DE" sz="2400" dirty="0" err="1"/>
+              <a:t>Issues</a:t>
+            </a:r>
+            <a:r>
+              <a:rPr lang="de-DE" sz="2400" dirty="0"/>
+              <a:t> </a:t>
+            </a:r>
+            <a:r>
+              <a:rPr lang="de-DE" sz="2400" dirty="0" err="1"/>
+              <a:t>for</a:t>
+            </a:r>
+            <a:r>
+              <a:rPr lang="de-DE" sz="2400" dirty="0"/>
+              <a:t> </a:t>
+            </a:r>
+            <a:r>
+              <a:rPr lang="de-DE" sz="2400" dirty="0" err="1"/>
+              <a:t>slower</a:t>
+            </a:r>
+            <a:r>
+              <a:rPr lang="de-DE" sz="2400" dirty="0"/>
+              <a:t> PCs (Graphics Settings?)</a:t>
+            </a:r>
+          </a:p>
+          <a:p>
+            <a:r>
+              <a:rPr lang="de-DE" sz="2400" dirty="0"/>
+              <a:t>AR Performance Problems</a:t>
+            </a:r>
+            <a:endParaRPr lang="de-DE" dirty="0"/>
+          </a:p>
+          <a:p>
+            <a:pPr>
+              <a:buNone/>
+            </a:pPr>
+            <a:endParaRPr lang="de-DE" dirty="0"/>
+          </a:p>
+          <a:p>
+            <a:pPr>
+              <a:buNone/>
+            </a:pPr>
+            <a:endParaRPr lang="de-DE" dirty="0"/>
+          </a:p>
+          <a:p>
+            <a:pPr>
+              <a:buNone/>
+            </a:pPr>
+            <a:endParaRPr lang="de-DE" dirty="0"/>
+          </a:p>
+          <a:p>
+            <a:endParaRPr lang="de-DE" dirty="0"/>
+          </a:p>
+        </p:txBody>
+      </p:sp>
+      <p:sp>
+        <p:nvSpPr>
+          <p:cNvPr id="7" name="Inhaltsplatzhalter 6"/>
+          <p:cNvSpPr>
+            <a:spLocks noGrp="1"/>
+          </p:cNvSpPr>
+          <p:nvPr>
+            <p:ph sz="half" idx="2"/>
+          </p:nvPr>
+        </p:nvSpPr>
+        <p:spPr/>
+        <p:txBody>
+          <a:bodyPr>
+            <a:normAutofit fontScale="92500" lnSpcReduction="10000"/>
+          </a:bodyPr>
+          <a:lstStyle/>
+          <a:p>
+            <a:r>
+              <a:rPr lang="de-DE" sz="2400" dirty="0" err="1"/>
+              <a:t>Menue</a:t>
+            </a:r>
+            <a:r>
+              <a:rPr lang="de-DE" sz="2400" dirty="0"/>
+              <a:t> </a:t>
+            </a:r>
+            <a:r>
+              <a:rPr lang="de-DE" sz="2400" dirty="0" err="1"/>
+              <a:t>handling</a:t>
+            </a:r>
+            <a:r>
+              <a:rPr lang="de-DE" sz="2400" dirty="0"/>
+              <a:t> (</a:t>
+            </a:r>
+            <a:r>
+              <a:rPr lang="de-DE" sz="2400" dirty="0" err="1"/>
+              <a:t>Oculus</a:t>
+            </a:r>
+            <a:r>
+              <a:rPr lang="de-DE" sz="2400" dirty="0"/>
+              <a:t>)</a:t>
+            </a:r>
+          </a:p>
+          <a:p>
+            <a:r>
+              <a:rPr lang="de-DE" sz="2400" dirty="0" err="1"/>
+              <a:t>Gesture</a:t>
+            </a:r>
+            <a:r>
+              <a:rPr lang="de-DE" sz="2400" dirty="0"/>
+              <a:t> </a:t>
+            </a:r>
+            <a:r>
+              <a:rPr lang="de-DE" sz="2400" dirty="0" err="1"/>
+              <a:t>control</a:t>
+            </a:r>
+            <a:r>
+              <a:rPr lang="de-DE" sz="2400" dirty="0"/>
+              <a:t> </a:t>
+            </a:r>
+            <a:r>
+              <a:rPr lang="de-DE" sz="2400" dirty="0" err="1"/>
+              <a:t>problems</a:t>
+            </a:r>
+            <a:r>
+              <a:rPr lang="de-DE" sz="2400" dirty="0"/>
+              <a:t> (APIs </a:t>
+            </a:r>
+            <a:r>
+              <a:rPr lang="de-DE" sz="2400" dirty="0" err="1"/>
+              <a:t>for</a:t>
+            </a:r>
+            <a:r>
+              <a:rPr lang="de-DE" sz="2400" dirty="0"/>
+              <a:t> Vive not </a:t>
+            </a:r>
+            <a:r>
+              <a:rPr lang="de-DE" sz="2400" dirty="0" err="1"/>
+              <a:t>tested</a:t>
+            </a:r>
+            <a:r>
+              <a:rPr lang="de-DE" sz="2400" dirty="0"/>
+              <a:t> </a:t>
+            </a:r>
+            <a:r>
+              <a:rPr lang="de-DE" sz="2400" dirty="0" err="1"/>
+              <a:t>yet</a:t>
+            </a:r>
+            <a:r>
+              <a:rPr lang="de-DE" sz="2400" dirty="0"/>
+              <a:t>, </a:t>
+            </a:r>
+            <a:r>
+              <a:rPr lang="de-DE" sz="2400" dirty="0" err="1"/>
+              <a:t>currently</a:t>
+            </a:r>
+            <a:r>
+              <a:rPr lang="de-DE" sz="2400" dirty="0"/>
+              <a:t> </a:t>
+            </a:r>
+            <a:r>
+              <a:rPr lang="de-DE" sz="2400" dirty="0" err="1"/>
+              <a:t>unstable</a:t>
+            </a:r>
+            <a:r>
+              <a:rPr lang="de-DE" sz="2400" dirty="0"/>
+              <a:t> APIs </a:t>
+            </a:r>
+            <a:r>
+              <a:rPr lang="de-DE" sz="2400" dirty="0" err="1"/>
+              <a:t>for</a:t>
+            </a:r>
+            <a:r>
+              <a:rPr lang="de-DE" sz="2400" dirty="0"/>
+              <a:t> Kinect?)</a:t>
+            </a:r>
+          </a:p>
+          <a:p>
+            <a:r>
+              <a:rPr lang="de-DE" sz="2400" dirty="0" err="1"/>
+              <a:t>Suitable</a:t>
+            </a:r>
+            <a:r>
+              <a:rPr lang="de-DE" sz="2400" dirty="0"/>
+              <a:t> </a:t>
+            </a:r>
+            <a:r>
+              <a:rPr lang="de-DE" sz="2400" dirty="0" err="1"/>
+              <a:t>for</a:t>
+            </a:r>
+            <a:r>
+              <a:rPr lang="de-DE" sz="2400" dirty="0"/>
+              <a:t> HS-</a:t>
+            </a:r>
+            <a:r>
+              <a:rPr lang="de-DE" sz="2400" dirty="0" err="1"/>
+              <a:t>Lan</a:t>
+            </a:r>
+            <a:r>
+              <a:rPr lang="de-DE" sz="2400" dirty="0"/>
+              <a:t> </a:t>
+            </a:r>
+            <a:r>
+              <a:rPr lang="de-DE" sz="2400" dirty="0" err="1"/>
+              <a:t>and</a:t>
+            </a:r>
+            <a:r>
+              <a:rPr lang="de-DE" sz="2400" dirty="0"/>
+              <a:t> Open-Lab</a:t>
+            </a:r>
+          </a:p>
+          <a:p>
+            <a:r>
+              <a:rPr lang="de-DE" sz="2400" dirty="0" err="1"/>
+              <a:t>Ofc</a:t>
+            </a:r>
+            <a:r>
+              <a:rPr lang="de-DE" sz="2400" dirty="0"/>
+              <a:t>: </a:t>
+            </a:r>
+            <a:r>
+              <a:rPr lang="de-DE" sz="2400" dirty="0" err="1"/>
+              <a:t>Illness</a:t>
+            </a:r>
+            <a:r>
+              <a:rPr lang="de-DE" sz="2400" dirty="0"/>
+              <a:t> </a:t>
+            </a:r>
+            <a:r>
+              <a:rPr lang="de-DE" sz="2400" dirty="0" err="1"/>
+              <a:t>of</a:t>
+            </a:r>
+            <a:r>
+              <a:rPr lang="de-DE" sz="2400" dirty="0"/>
+              <a:t> Project Members (</a:t>
+            </a:r>
+            <a:r>
+              <a:rPr lang="de-DE" sz="2400" dirty="0" err="1"/>
+              <a:t>workload</a:t>
+            </a:r>
+            <a:r>
+              <a:rPr lang="de-DE" sz="2400" dirty="0"/>
+              <a:t> </a:t>
+            </a:r>
+            <a:r>
+              <a:rPr lang="de-DE" sz="2400" dirty="0" err="1"/>
+              <a:t>balancing</a:t>
+            </a:r>
+            <a:r>
+              <a:rPr lang="de-DE" sz="2400" dirty="0"/>
+              <a:t>)</a:t>
+            </a:r>
+          </a:p>
+          <a:p>
+            <a:pPr>
+              <a:buNone/>
+            </a:pPr>
+            <a:endParaRPr lang="de-DE" sz="2400" dirty="0"/>
+          </a:p>
+        </p:txBody>
+      </p:sp>
+      <p:sp>
+        <p:nvSpPr>
+          <p:cNvPr id="11" name="Foliennummernplatzhalter 10"/>
+          <p:cNvSpPr>
+            <a:spLocks noGrp="1"/>
+          </p:cNvSpPr>
+          <p:nvPr>
+            <p:ph type="sldNum" sz="quarter" idx="12"/>
+          </p:nvPr>
+        </p:nvSpPr>
+        <p:spPr/>
+        <p:txBody>
+          <a:bodyPr/>
+          <a:lstStyle/>
+          <a:p>
+            <a:fld id="{6C6AE60A-B69C-4790-82F7-3882EDF23186}" type="slidenum">
+              <a:rPr lang="de-DE" smtClean="0"/>
+              <a:pPr/>
+              <a:t>27</a:t>
+            </a:fld>
+            <a:endParaRPr lang="de-DE"/>
+          </a:p>
+        </p:txBody>
+      </p:sp>
+    </p:spTree>
+  </p:cSld>
+  <p:clrMapOvr>
+    <a:masterClrMapping/>
+  </p:clrMapOvr>
+</p:sld>
+</file>
+
+<file path=ppt/slides/slide28.xml><?xml version="1.0" encoding="utf-8"?>
+<p:sld xmlns:a="http://schemas.openxmlformats.org/drawingml/2006/main" xmlns:r="http://schemas.openxmlformats.org/officeDocument/2006/relationships" xmlns:p="http://schemas.openxmlformats.org/presentationml/2006/main">
+  <p:cSld>
+    <p:spTree>
+      <p:nvGrpSpPr>
+        <p:cNvPr id="1" name=""/>
+        <p:cNvGrpSpPr/>
+        <p:nvPr/>
+      </p:nvGrpSpPr>
+      <p:grpSpPr>
+        <a:xfrm>
+          <a:off x="0" y="0"/>
+          <a:ext cx="0" cy="0"/>
+          <a:chOff x="0" y="0"/>
+          <a:chExt cx="0" cy="0"/>
+        </a:xfrm>
+      </p:grpSpPr>
+      <p:sp>
+        <p:nvSpPr>
+          <p:cNvPr id="2" name="Titel 1"/>
+          <p:cNvSpPr>
+            <a:spLocks noGrp="1"/>
+          </p:cNvSpPr>
+          <p:nvPr>
+            <p:ph type="title"/>
+          </p:nvPr>
+        </p:nvSpPr>
+        <p:spPr/>
+        <p:txBody>
+          <a:bodyPr>
+            <a:normAutofit/>
+          </a:bodyPr>
+          <a:lstStyle/>
+          <a:p>
+            <a:pPr algn="ctr"/>
+            <a:r>
+              <a:rPr lang="de-DE" dirty="0" err="1"/>
+              <a:t>Github</a:t>
+            </a:r>
+            <a:r>
+              <a:rPr lang="de-DE" dirty="0"/>
+              <a:t> Version </a:t>
+            </a:r>
+            <a:r>
+              <a:rPr lang="de-DE" dirty="0" err="1"/>
+              <a:t>Control</a:t>
+            </a:r>
+            <a:endParaRPr lang="de-DE" dirty="0"/>
+          </a:p>
+        </p:txBody>
+      </p:sp>
+      <p:sp>
+        <p:nvSpPr>
+          <p:cNvPr id="9" name="Inhaltsplatzhalter 8"/>
+          <p:cNvSpPr>
+            <a:spLocks noGrp="1"/>
+          </p:cNvSpPr>
+          <p:nvPr>
+            <p:ph sz="half" idx="1"/>
+          </p:nvPr>
+        </p:nvSpPr>
+        <p:spPr>
+          <a:xfrm>
+            <a:off x="457200" y="1600071"/>
+            <a:ext cx="8219256" cy="3695700"/>
+          </a:xfrm>
+        </p:spPr>
+        <p:txBody>
+          <a:bodyPr>
+            <a:normAutofit/>
+          </a:bodyPr>
+          <a:lstStyle/>
+          <a:p>
+            <a:endParaRPr lang="de-DE" dirty="0">
+              <a:hlinkClick r:id="rId2"/>
+            </a:endParaRPr>
+          </a:p>
+          <a:p>
+            <a:r>
+              <a:rPr lang="de-DE" dirty="0"/>
+              <a:t>Old </a:t>
+            </a:r>
+            <a:r>
+              <a:rPr lang="de-DE" dirty="0" err="1"/>
+              <a:t>project</a:t>
+            </a:r>
+            <a:r>
+              <a:rPr lang="de-DE" dirty="0"/>
+              <a:t> </a:t>
+            </a:r>
+            <a:r>
+              <a:rPr lang="de-DE" dirty="0" err="1"/>
+              <a:t>source</a:t>
+            </a:r>
+            <a:endParaRPr lang="de-DE" dirty="0">
+              <a:hlinkClick r:id="rId2"/>
+            </a:endParaRPr>
+          </a:p>
+          <a:p>
+            <a:pPr algn="ctr">
+              <a:buNone/>
+            </a:pPr>
+            <a:r>
+              <a:rPr lang="de-DE" dirty="0">
+                <a:hlinkClick r:id="rId3"/>
+              </a:rPr>
+              <a:t>https://github.com/andreasdietze/Rift-Wingsuit.git</a:t>
+            </a:r>
+            <a:endParaRPr lang="de-DE" dirty="0"/>
+          </a:p>
+          <a:p>
+            <a:pPr algn="ctr">
+              <a:buNone/>
+            </a:pPr>
+            <a:endParaRPr lang="de-DE" dirty="0"/>
+          </a:p>
+          <a:p>
+            <a:r>
+              <a:rPr lang="de-DE" dirty="0"/>
+              <a:t>New </a:t>
+            </a:r>
+            <a:r>
+              <a:rPr lang="de-DE" dirty="0" err="1"/>
+              <a:t>project</a:t>
+            </a:r>
+            <a:r>
+              <a:rPr lang="de-DE" dirty="0"/>
+              <a:t> </a:t>
+            </a:r>
+            <a:r>
+              <a:rPr lang="de-DE" dirty="0" err="1"/>
+              <a:t>source</a:t>
+            </a:r>
+            <a:endParaRPr lang="de-DE" dirty="0"/>
+          </a:p>
+          <a:p>
+            <a:pPr algn="ctr">
+              <a:buNone/>
+            </a:pPr>
+            <a:r>
+              <a:rPr lang="de-DE" dirty="0">
+                <a:hlinkClick r:id="rId4"/>
+              </a:rPr>
+              <a:t>https://github.com/andreasdietze/Rift-WingsuitV2.git</a:t>
+            </a:r>
+            <a:endParaRPr lang="de-DE" dirty="0"/>
+          </a:p>
+          <a:p>
+            <a:endParaRPr lang="de-DE" dirty="0"/>
+          </a:p>
+        </p:txBody>
+      </p:sp>
+      <p:sp>
+        <p:nvSpPr>
+          <p:cNvPr id="11" name="Foliennummernplatzhalter 10"/>
+          <p:cNvSpPr>
+            <a:spLocks noGrp="1"/>
+          </p:cNvSpPr>
+          <p:nvPr>
+            <p:ph type="sldNum" sz="quarter" idx="12"/>
+          </p:nvPr>
+        </p:nvSpPr>
+        <p:spPr/>
+        <p:txBody>
+          <a:bodyPr/>
+          <a:lstStyle/>
+          <a:p>
+            <a:fld id="{6C6AE60A-B69C-4790-82F7-3882EDF23186}" type="slidenum">
+              <a:rPr lang="de-DE" smtClean="0"/>
+              <a:pPr/>
+              <a:t>28</a:t>
+            </a:fld>
+            <a:endParaRPr lang="de-DE"/>
+          </a:p>
+        </p:txBody>
+      </p:sp>
+    </p:spTree>
+  </p:cSld>
+  <p:clrMapOvr>
+    <a:masterClrMapping/>
+  </p:clrMapOvr>
+</p:sld>
+</file>
+
+<file path=ppt/slides/slide29.xml><?xml version="1.0" encoding="utf-8"?>
+<p:sld xmlns:a="http://schemas.openxmlformats.org/drawingml/2006/main" xmlns:r="http://schemas.openxmlformats.org/officeDocument/2006/relationships" xmlns:p="http://schemas.openxmlformats.org/presentationml/2006/main">
+  <p:cSld>
+    <p:spTree>
+      <p:nvGrpSpPr>
+        <p:cNvPr id="1" name=""/>
+        <p:cNvGrpSpPr/>
+        <p:nvPr/>
+      </p:nvGrpSpPr>
+      <p:grpSpPr>
+        <a:xfrm>
+          <a:off x="0" y="0"/>
+          <a:ext cx="0" cy="0"/>
+          <a:chOff x="0" y="0"/>
+          <a:chExt cx="0" cy="0"/>
+        </a:xfrm>
+      </p:grpSpPr>
+      <p:sp>
+        <p:nvSpPr>
           <p:cNvPr id="6" name="Titel 5"/>
           <p:cNvSpPr>
             <a:spLocks noGrp="1"/>
@@ -12347,7 +13662,7 @@
             <a:fld id="{6C6AE60A-B69C-4790-82F7-3882EDF23186}" type="slidenum">
               <a:rPr lang="de-DE" smtClean="0"/>
               <a:pPr/>
-              <a:t>26</a:t>
+              <a:t>29</a:t>
             </a:fld>
             <a:endParaRPr lang="de-DE"/>
           </a:p>

--- a/Präsentationen/Projektpräsentation/Project proposal Rift Wingsuit V2.pptx
+++ b/Präsentationen/Projektpräsentation/Project proposal Rift Wingsuit V2.pptx
@@ -137,7 +137,7 @@
   </p:defaultTextStyle>
   <p:extLst>
     <p:ext uri="{EFAFB233-063F-42B5-8137-9DF3F51BA10A}">
-      <p15:sldGuideLst xmlns:p15="http://schemas.microsoft.com/office/powerpoint/2012/main">
+      <p15:sldGuideLst xmlns:p15="http://schemas.microsoft.com/office/powerpoint/2012/main" xmlns="">
         <p15:guide id="1" orient="horz" pos="1800">
           <p15:clr>
             <a:srgbClr val="A4A3A4"/>
@@ -407,7 +407,7 @@
     </p:spTree>
     <p:extLst>
       <p:ext uri="{BB962C8B-B14F-4D97-AF65-F5344CB8AC3E}">
-        <p14:creationId xmlns:p14="http://schemas.microsoft.com/office/powerpoint/2010/main" val="1727503161"/>
+        <p14:creationId xmlns:p14="http://schemas.microsoft.com/office/powerpoint/2010/main" xmlns="" val="1727503161"/>
       </p:ext>
     </p:extLst>
   </p:cSld>
@@ -592,7 +592,7 @@
     </p:spTree>
     <p:extLst>
       <p:ext uri="{BB962C8B-B14F-4D97-AF65-F5344CB8AC3E}">
-        <p14:creationId xmlns:p14="http://schemas.microsoft.com/office/powerpoint/2010/main" val="592270510"/>
+        <p14:creationId xmlns:p14="http://schemas.microsoft.com/office/powerpoint/2010/main" xmlns="" val="592270510"/>
       </p:ext>
     </p:extLst>
   </p:cSld>
@@ -677,7 +677,7 @@
     </p:spTree>
     <p:extLst>
       <p:ext uri="{BB962C8B-B14F-4D97-AF65-F5344CB8AC3E}">
-        <p14:creationId xmlns:p14="http://schemas.microsoft.com/office/powerpoint/2010/main" val="2156963838"/>
+        <p14:creationId xmlns:p14="http://schemas.microsoft.com/office/powerpoint/2010/main" xmlns="" val="2156963838"/>
       </p:ext>
     </p:extLst>
   </p:cSld>
@@ -4968,10 +4968,9 @@
               <a:t>Ibach</a:t>
             </a:r>
             <a:r>
-              <a:rPr lang="de-DE"/>
+              <a:rPr lang="de-DE" dirty="0"/>
               <a:t>)</a:t>
             </a:r>
-            <a:endParaRPr lang="de-DE" dirty="0"/>
           </a:p>
           <a:p>
             <a:r>
@@ -5014,8 +5013,13 @@
             <a:pPr lvl="1"/>
             <a:r>
               <a:rPr lang="de-DE" dirty="0"/>
-              <a:t>Manuel Schmitt (J.K., S.N)</a:t>
-            </a:r>
+              <a:t>Manuel Schmitt (J.K., </a:t>
+            </a:r>
+            <a:r>
+              <a:rPr lang="de-DE" dirty="0" smtClean="0"/>
+              <a:t>S.N.)</a:t>
+            </a:r>
+            <a:endParaRPr lang="de-DE" dirty="0"/>
           </a:p>
           <a:p>
             <a:pPr>
@@ -5088,8 +5092,13 @@
             <a:pPr lvl="1"/>
             <a:r>
               <a:rPr lang="de-DE" dirty="0"/>
-              <a:t>Manuel Schmitt (S. Nickel)</a:t>
-            </a:r>
+              <a:t>Manuel Schmitt (</a:t>
+            </a:r>
+            <a:r>
+              <a:rPr lang="de-DE" dirty="0" smtClean="0"/>
+              <a:t>S.N., S.I.)</a:t>
+            </a:r>
+            <a:endParaRPr lang="de-DE" dirty="0"/>
           </a:p>
           <a:p>
             <a:r>
@@ -5135,8 +5144,13 @@
             <a:pPr lvl="1"/>
             <a:r>
               <a:rPr lang="de-DE" dirty="0"/>
-              <a:t>Andreas Dietze (M. Schmitt)</a:t>
-            </a:r>
+              <a:t>Andreas Dietze (</a:t>
+            </a:r>
+            <a:r>
+              <a:rPr lang="de-DE" dirty="0" smtClean="0"/>
+              <a:t>M.S., S.I.)</a:t>
+            </a:r>
+            <a:endParaRPr lang="de-DE" dirty="0"/>
           </a:p>
           <a:p>
             <a:r>
@@ -5165,8 +5179,13 @@
             </a:r>
             <a:r>
               <a:rPr lang="de-DE" dirty="0"/>
-              <a:t> (wer?)</a:t>
-            </a:r>
+              <a:t> </a:t>
+            </a:r>
+            <a:r>
+              <a:rPr lang="de-DE" dirty="0" smtClean="0"/>
+              <a:t>(A. Dietze)</a:t>
+            </a:r>
+            <a:endParaRPr lang="de-DE" dirty="0"/>
           </a:p>
           <a:p>
             <a:pPr lvl="1"/>
@@ -5339,14 +5358,14 @@
                 <a:gridCol w="1584176">
                   <a:extLst>
                     <a:ext uri="{9D8B030D-6E8A-4147-A177-3AD203B41FA5}">
-                      <a16:colId xmlns:a16="http://schemas.microsoft.com/office/drawing/2014/main" val="20000"/>
+                      <a16:colId xmlns:a16="http://schemas.microsoft.com/office/drawing/2014/main" xmlns="" val="20000"/>
                     </a:ext>
                   </a:extLst>
                 </a:gridCol>
                 <a:gridCol w="6480721">
                   <a:extLst>
                     <a:ext uri="{9D8B030D-6E8A-4147-A177-3AD203B41FA5}">
-                      <a16:colId xmlns:a16="http://schemas.microsoft.com/office/drawing/2014/main" val="20001"/>
+                      <a16:colId xmlns:a16="http://schemas.microsoft.com/office/drawing/2014/main" xmlns="" val="20001"/>
                     </a:ext>
                   </a:extLst>
                 </a:gridCol>
@@ -5388,7 +5407,7 @@
                 </a:tc>
                 <a:extLst>
                   <a:ext uri="{0D108BD9-81ED-4DB2-BD59-A6C34878D82A}">
-                    <a16:rowId xmlns:a16="http://schemas.microsoft.com/office/drawing/2014/main" val="10000"/>
+                    <a16:rowId xmlns:a16="http://schemas.microsoft.com/office/drawing/2014/main" xmlns="" val="10000"/>
                   </a:ext>
                 </a:extLst>
               </a:tr>
@@ -5568,7 +5587,7 @@
                 </a:tc>
                 <a:extLst>
                   <a:ext uri="{0D108BD9-81ED-4DB2-BD59-A6C34878D82A}">
-                    <a16:rowId xmlns:a16="http://schemas.microsoft.com/office/drawing/2014/main" val="10001"/>
+                    <a16:rowId xmlns:a16="http://schemas.microsoft.com/office/drawing/2014/main" xmlns="" val="10001"/>
                   </a:ext>
                 </a:extLst>
               </a:tr>
@@ -5708,7 +5727,7 @@
                 </a:tc>
                 <a:extLst>
                   <a:ext uri="{0D108BD9-81ED-4DB2-BD59-A6C34878D82A}">
-                    <a16:rowId xmlns:a16="http://schemas.microsoft.com/office/drawing/2014/main" val="10002"/>
+                    <a16:rowId xmlns:a16="http://schemas.microsoft.com/office/drawing/2014/main" xmlns="" val="10002"/>
                   </a:ext>
                 </a:extLst>
               </a:tr>
@@ -5828,7 +5847,7 @@
                 </a:tc>
                 <a:extLst>
                   <a:ext uri="{0D108BD9-81ED-4DB2-BD59-A6C34878D82A}">
-                    <a16:rowId xmlns:a16="http://schemas.microsoft.com/office/drawing/2014/main" val="10003"/>
+                    <a16:rowId xmlns:a16="http://schemas.microsoft.com/office/drawing/2014/main" xmlns="" val="10003"/>
                   </a:ext>
                 </a:extLst>
               </a:tr>
@@ -5961,7 +5980,7 @@
           <p:nvPr>
             <p:extLst>
               <p:ext uri="{D42A27DB-BD31-4B8C-83A1-F6EECF244321}">
-                <p14:modId xmlns:p14="http://schemas.microsoft.com/office/powerpoint/2010/main" val="62862726"/>
+                <p14:modId xmlns:p14="http://schemas.microsoft.com/office/powerpoint/2010/main" xmlns="" val="62862726"/>
               </p:ext>
             </p:extLst>
           </p:nvPr>
@@ -5980,14 +5999,14 @@
                 <a:gridCol w="1584176">
                   <a:extLst>
                     <a:ext uri="{9D8B030D-6E8A-4147-A177-3AD203B41FA5}">
-                      <a16:colId xmlns:a16="http://schemas.microsoft.com/office/drawing/2014/main" val="20000"/>
+                      <a16:colId xmlns:a16="http://schemas.microsoft.com/office/drawing/2014/main" xmlns="" val="20000"/>
                     </a:ext>
                   </a:extLst>
                 </a:gridCol>
                 <a:gridCol w="6480721">
                   <a:extLst>
                     <a:ext uri="{9D8B030D-6E8A-4147-A177-3AD203B41FA5}">
-                      <a16:colId xmlns:a16="http://schemas.microsoft.com/office/drawing/2014/main" val="20001"/>
+                      <a16:colId xmlns:a16="http://schemas.microsoft.com/office/drawing/2014/main" xmlns="" val="20001"/>
                     </a:ext>
                   </a:extLst>
                 </a:gridCol>
@@ -6024,7 +6043,7 @@
                 </a:tc>
                 <a:extLst>
                   <a:ext uri="{0D108BD9-81ED-4DB2-BD59-A6C34878D82A}">
-                    <a16:rowId xmlns:a16="http://schemas.microsoft.com/office/drawing/2014/main" val="10000"/>
+                    <a16:rowId xmlns:a16="http://schemas.microsoft.com/office/drawing/2014/main" xmlns="" val="10000"/>
                   </a:ext>
                 </a:extLst>
               </a:tr>
@@ -6077,7 +6096,7 @@
                 </a:tc>
                 <a:extLst>
                   <a:ext uri="{0D108BD9-81ED-4DB2-BD59-A6C34878D82A}">
-                    <a16:rowId xmlns:a16="http://schemas.microsoft.com/office/drawing/2014/main" val="10001"/>
+                    <a16:rowId xmlns:a16="http://schemas.microsoft.com/office/drawing/2014/main" xmlns="" val="10001"/>
                   </a:ext>
                 </a:extLst>
               </a:tr>
@@ -6154,7 +6173,7 @@
                 </a:tc>
                 <a:extLst>
                   <a:ext uri="{0D108BD9-81ED-4DB2-BD59-A6C34878D82A}">
-                    <a16:rowId xmlns:a16="http://schemas.microsoft.com/office/drawing/2014/main" val="10002"/>
+                    <a16:rowId xmlns:a16="http://schemas.microsoft.com/office/drawing/2014/main" xmlns="" val="10002"/>
                   </a:ext>
                 </a:extLst>
               </a:tr>
@@ -6197,7 +6216,7 @@
                 </a:tc>
                 <a:extLst>
                   <a:ext uri="{0D108BD9-81ED-4DB2-BD59-A6C34878D82A}">
-                    <a16:rowId xmlns:a16="http://schemas.microsoft.com/office/drawing/2014/main" val="10003"/>
+                    <a16:rowId xmlns:a16="http://schemas.microsoft.com/office/drawing/2014/main" xmlns="" val="10003"/>
                   </a:ext>
                 </a:extLst>
               </a:tr>
@@ -6208,7 +6227,7 @@
     </p:spTree>
     <p:extLst>
       <p:ext uri="{BB962C8B-B14F-4D97-AF65-F5344CB8AC3E}">
-        <p14:creationId xmlns:p14="http://schemas.microsoft.com/office/powerpoint/2010/main" val="401768939"/>
+        <p14:creationId xmlns:p14="http://schemas.microsoft.com/office/powerpoint/2010/main" xmlns="" val="401768939"/>
       </p:ext>
     </p:extLst>
   </p:cSld>
@@ -6335,7 +6354,7 @@
           <p:nvPr>
             <p:extLst>
               <p:ext uri="{D42A27DB-BD31-4B8C-83A1-F6EECF244321}">
-                <p14:modId xmlns:p14="http://schemas.microsoft.com/office/powerpoint/2010/main" val="62862726"/>
+                <p14:modId xmlns:p14="http://schemas.microsoft.com/office/powerpoint/2010/main" xmlns="" val="62862726"/>
               </p:ext>
             </p:extLst>
           </p:nvPr>
@@ -6354,14 +6373,14 @@
                 <a:gridCol w="1584176">
                   <a:extLst>
                     <a:ext uri="{9D8B030D-6E8A-4147-A177-3AD203B41FA5}">
-                      <a16:colId xmlns:a16="http://schemas.microsoft.com/office/drawing/2014/main" val="20000"/>
+                      <a16:colId xmlns:a16="http://schemas.microsoft.com/office/drawing/2014/main" xmlns="" val="20000"/>
                     </a:ext>
                   </a:extLst>
                 </a:gridCol>
                 <a:gridCol w="6480721">
                   <a:extLst>
                     <a:ext uri="{9D8B030D-6E8A-4147-A177-3AD203B41FA5}">
-                      <a16:colId xmlns:a16="http://schemas.microsoft.com/office/drawing/2014/main" val="20001"/>
+                      <a16:colId xmlns:a16="http://schemas.microsoft.com/office/drawing/2014/main" xmlns="" val="20001"/>
                     </a:ext>
                   </a:extLst>
                 </a:gridCol>
@@ -6398,7 +6417,7 @@
                 </a:tc>
                 <a:extLst>
                   <a:ext uri="{0D108BD9-81ED-4DB2-BD59-A6C34878D82A}">
-                    <a16:rowId xmlns:a16="http://schemas.microsoft.com/office/drawing/2014/main" val="10000"/>
+                    <a16:rowId xmlns:a16="http://schemas.microsoft.com/office/drawing/2014/main" xmlns="" val="10000"/>
                   </a:ext>
                 </a:extLst>
               </a:tr>
@@ -6440,7 +6459,7 @@
                 </a:tc>
                 <a:extLst>
                   <a:ext uri="{0D108BD9-81ED-4DB2-BD59-A6C34878D82A}">
-                    <a16:rowId xmlns:a16="http://schemas.microsoft.com/office/drawing/2014/main" val="10001"/>
+                    <a16:rowId xmlns:a16="http://schemas.microsoft.com/office/drawing/2014/main" xmlns="" val="10001"/>
                   </a:ext>
                 </a:extLst>
               </a:tr>
@@ -6539,7 +6558,7 @@
                 </a:tc>
                 <a:extLst>
                   <a:ext uri="{0D108BD9-81ED-4DB2-BD59-A6C34878D82A}">
-                    <a16:rowId xmlns:a16="http://schemas.microsoft.com/office/drawing/2014/main" val="10002"/>
+                    <a16:rowId xmlns:a16="http://schemas.microsoft.com/office/drawing/2014/main" xmlns="" val="10002"/>
                   </a:ext>
                 </a:extLst>
               </a:tr>
@@ -6586,7 +6605,7 @@
                 </a:tc>
                 <a:extLst>
                   <a:ext uri="{0D108BD9-81ED-4DB2-BD59-A6C34878D82A}">
-                    <a16:rowId xmlns:a16="http://schemas.microsoft.com/office/drawing/2014/main" val="10003"/>
+                    <a16:rowId xmlns:a16="http://schemas.microsoft.com/office/drawing/2014/main" xmlns="" val="10003"/>
                   </a:ext>
                 </a:extLst>
               </a:tr>
@@ -6597,7 +6616,7 @@
     </p:spTree>
     <p:extLst>
       <p:ext uri="{BB962C8B-B14F-4D97-AF65-F5344CB8AC3E}">
-        <p14:creationId xmlns:p14="http://schemas.microsoft.com/office/powerpoint/2010/main" val="401768939"/>
+        <p14:creationId xmlns:p14="http://schemas.microsoft.com/office/powerpoint/2010/main" xmlns="" val="401768939"/>
       </p:ext>
     </p:extLst>
   </p:cSld>
@@ -6724,7 +6743,7 @@
           <p:nvPr>
             <p:extLst>
               <p:ext uri="{D42A27DB-BD31-4B8C-83A1-F6EECF244321}">
-                <p14:modId xmlns:p14="http://schemas.microsoft.com/office/powerpoint/2010/main" val="2500517179"/>
+                <p14:modId xmlns:p14="http://schemas.microsoft.com/office/powerpoint/2010/main" xmlns="" val="2500517179"/>
               </p:ext>
             </p:extLst>
           </p:nvPr>
@@ -6743,14 +6762,14 @@
                 <a:gridCol w="1584176">
                   <a:extLst>
                     <a:ext uri="{9D8B030D-6E8A-4147-A177-3AD203B41FA5}">
-                      <a16:colId xmlns:a16="http://schemas.microsoft.com/office/drawing/2014/main" val="20000"/>
+                      <a16:colId xmlns:a16="http://schemas.microsoft.com/office/drawing/2014/main" xmlns="" val="20000"/>
                     </a:ext>
                   </a:extLst>
                 </a:gridCol>
                 <a:gridCol w="6480721">
                   <a:extLst>
                     <a:ext uri="{9D8B030D-6E8A-4147-A177-3AD203B41FA5}">
-                      <a16:colId xmlns:a16="http://schemas.microsoft.com/office/drawing/2014/main" val="20001"/>
+                      <a16:colId xmlns:a16="http://schemas.microsoft.com/office/drawing/2014/main" xmlns="" val="20001"/>
                     </a:ext>
                   </a:extLst>
                 </a:gridCol>
@@ -6787,7 +6806,7 @@
                 </a:tc>
                 <a:extLst>
                   <a:ext uri="{0D108BD9-81ED-4DB2-BD59-A6C34878D82A}">
-                    <a16:rowId xmlns:a16="http://schemas.microsoft.com/office/drawing/2014/main" val="10000"/>
+                    <a16:rowId xmlns:a16="http://schemas.microsoft.com/office/drawing/2014/main" xmlns="" val="10000"/>
                   </a:ext>
                 </a:extLst>
               </a:tr>
@@ -6878,7 +6897,7 @@
                 </a:tc>
                 <a:extLst>
                   <a:ext uri="{0D108BD9-81ED-4DB2-BD59-A6C34878D82A}">
-                    <a16:rowId xmlns:a16="http://schemas.microsoft.com/office/drawing/2014/main" val="10001"/>
+                    <a16:rowId xmlns:a16="http://schemas.microsoft.com/office/drawing/2014/main" xmlns="" val="10001"/>
                   </a:ext>
                 </a:extLst>
               </a:tr>
@@ -6969,7 +6988,7 @@
                 </a:tc>
                 <a:extLst>
                   <a:ext uri="{0D108BD9-81ED-4DB2-BD59-A6C34878D82A}">
-                    <a16:rowId xmlns:a16="http://schemas.microsoft.com/office/drawing/2014/main" val="10002"/>
+                    <a16:rowId xmlns:a16="http://schemas.microsoft.com/office/drawing/2014/main" xmlns="" val="10002"/>
                   </a:ext>
                 </a:extLst>
               </a:tr>
@@ -7036,7 +7055,7 @@
                 </a:tc>
                 <a:extLst>
                   <a:ext uri="{0D108BD9-81ED-4DB2-BD59-A6C34878D82A}">
-                    <a16:rowId xmlns:a16="http://schemas.microsoft.com/office/drawing/2014/main" val="10003"/>
+                    <a16:rowId xmlns:a16="http://schemas.microsoft.com/office/drawing/2014/main" xmlns="" val="10003"/>
                   </a:ext>
                 </a:extLst>
               </a:tr>
@@ -7047,7 +7066,7 @@
     </p:spTree>
     <p:extLst>
       <p:ext uri="{BB962C8B-B14F-4D97-AF65-F5344CB8AC3E}">
-        <p14:creationId xmlns:p14="http://schemas.microsoft.com/office/powerpoint/2010/main" val="2898537935"/>
+        <p14:creationId xmlns:p14="http://schemas.microsoft.com/office/powerpoint/2010/main" xmlns="" val="2898537935"/>
       </p:ext>
     </p:extLst>
   </p:cSld>
@@ -7174,7 +7193,7 @@
           <p:nvPr>
             <p:extLst>
               <p:ext uri="{D42A27DB-BD31-4B8C-83A1-F6EECF244321}">
-                <p14:modId xmlns:p14="http://schemas.microsoft.com/office/powerpoint/2010/main" val="4095723094"/>
+                <p14:modId xmlns:p14="http://schemas.microsoft.com/office/powerpoint/2010/main" xmlns="" val="4095723094"/>
               </p:ext>
             </p:extLst>
           </p:nvPr>
@@ -7193,14 +7212,14 @@
                 <a:gridCol w="1584176">
                   <a:extLst>
                     <a:ext uri="{9D8B030D-6E8A-4147-A177-3AD203B41FA5}">
-                      <a16:colId xmlns:a16="http://schemas.microsoft.com/office/drawing/2014/main" val="20000"/>
+                      <a16:colId xmlns:a16="http://schemas.microsoft.com/office/drawing/2014/main" xmlns="" val="20000"/>
                     </a:ext>
                   </a:extLst>
                 </a:gridCol>
                 <a:gridCol w="6480721">
                   <a:extLst>
                     <a:ext uri="{9D8B030D-6E8A-4147-A177-3AD203B41FA5}">
-                      <a16:colId xmlns:a16="http://schemas.microsoft.com/office/drawing/2014/main" val="20001"/>
+                      <a16:colId xmlns:a16="http://schemas.microsoft.com/office/drawing/2014/main" xmlns="" val="20001"/>
                     </a:ext>
                   </a:extLst>
                 </a:gridCol>
@@ -7242,7 +7261,7 @@
                 </a:tc>
                 <a:extLst>
                   <a:ext uri="{0D108BD9-81ED-4DB2-BD59-A6C34878D82A}">
-                    <a16:rowId xmlns:a16="http://schemas.microsoft.com/office/drawing/2014/main" val="10000"/>
+                    <a16:rowId xmlns:a16="http://schemas.microsoft.com/office/drawing/2014/main" xmlns="" val="10000"/>
                   </a:ext>
                 </a:extLst>
               </a:tr>
@@ -7284,7 +7303,7 @@
                 </a:tc>
                 <a:extLst>
                   <a:ext uri="{0D108BD9-81ED-4DB2-BD59-A6C34878D82A}">
-                    <a16:rowId xmlns:a16="http://schemas.microsoft.com/office/drawing/2014/main" val="10001"/>
+                    <a16:rowId xmlns:a16="http://schemas.microsoft.com/office/drawing/2014/main" xmlns="" val="10001"/>
                   </a:ext>
                 </a:extLst>
               </a:tr>
@@ -7359,7 +7378,7 @@
                 </a:tc>
                 <a:extLst>
                   <a:ext uri="{0D108BD9-81ED-4DB2-BD59-A6C34878D82A}">
-                    <a16:rowId xmlns:a16="http://schemas.microsoft.com/office/drawing/2014/main" val="10002"/>
+                    <a16:rowId xmlns:a16="http://schemas.microsoft.com/office/drawing/2014/main" xmlns="" val="10002"/>
                   </a:ext>
                 </a:extLst>
               </a:tr>
@@ -7414,7 +7433,7 @@
                 </a:tc>
                 <a:extLst>
                   <a:ext uri="{0D108BD9-81ED-4DB2-BD59-A6C34878D82A}">
-                    <a16:rowId xmlns:a16="http://schemas.microsoft.com/office/drawing/2014/main" val="10003"/>
+                    <a16:rowId xmlns:a16="http://schemas.microsoft.com/office/drawing/2014/main" xmlns="" val="10003"/>
                   </a:ext>
                 </a:extLst>
               </a:tr>
@@ -7425,7 +7444,7 @@
     </p:spTree>
     <p:extLst>
       <p:ext uri="{BB962C8B-B14F-4D97-AF65-F5344CB8AC3E}">
-        <p14:creationId xmlns:p14="http://schemas.microsoft.com/office/powerpoint/2010/main" val="3248075059"/>
+        <p14:creationId xmlns:p14="http://schemas.microsoft.com/office/powerpoint/2010/main" xmlns="" val="3248075059"/>
       </p:ext>
     </p:extLst>
   </p:cSld>
@@ -7565,14 +7584,14 @@
                 <a:gridCol w="1584176">
                   <a:extLst>
                     <a:ext uri="{9D8B030D-6E8A-4147-A177-3AD203B41FA5}">
-                      <a16:colId xmlns:a16="http://schemas.microsoft.com/office/drawing/2014/main" val="20000"/>
+                      <a16:colId xmlns:a16="http://schemas.microsoft.com/office/drawing/2014/main" xmlns="" val="20000"/>
                     </a:ext>
                   </a:extLst>
                 </a:gridCol>
                 <a:gridCol w="6480721">
                   <a:extLst>
                     <a:ext uri="{9D8B030D-6E8A-4147-A177-3AD203B41FA5}">
-                      <a16:colId xmlns:a16="http://schemas.microsoft.com/office/drawing/2014/main" val="20001"/>
+                      <a16:colId xmlns:a16="http://schemas.microsoft.com/office/drawing/2014/main" xmlns="" val="20001"/>
                     </a:ext>
                   </a:extLst>
                 </a:gridCol>
@@ -7614,7 +7633,7 @@
                 </a:tc>
                 <a:extLst>
                   <a:ext uri="{0D108BD9-81ED-4DB2-BD59-A6C34878D82A}">
-                    <a16:rowId xmlns:a16="http://schemas.microsoft.com/office/drawing/2014/main" val="10000"/>
+                    <a16:rowId xmlns:a16="http://schemas.microsoft.com/office/drawing/2014/main" xmlns="" val="10000"/>
                   </a:ext>
                 </a:extLst>
               </a:tr>
@@ -7786,7 +7805,7 @@
                 </a:tc>
                 <a:extLst>
                   <a:ext uri="{0D108BD9-81ED-4DB2-BD59-A6C34878D82A}">
-                    <a16:rowId xmlns:a16="http://schemas.microsoft.com/office/drawing/2014/main" val="10001"/>
+                    <a16:rowId xmlns:a16="http://schemas.microsoft.com/office/drawing/2014/main" xmlns="" val="10001"/>
                   </a:ext>
                 </a:extLst>
               </a:tr>
@@ -7907,7 +7926,7 @@
                 </a:tc>
                 <a:extLst>
                   <a:ext uri="{0D108BD9-81ED-4DB2-BD59-A6C34878D82A}">
-                    <a16:rowId xmlns:a16="http://schemas.microsoft.com/office/drawing/2014/main" val="10002"/>
+                    <a16:rowId xmlns:a16="http://schemas.microsoft.com/office/drawing/2014/main" xmlns="" val="10002"/>
                   </a:ext>
                 </a:extLst>
               </a:tr>
@@ -7996,7 +8015,7 @@
                 </a:tc>
                 <a:extLst>
                   <a:ext uri="{0D108BD9-81ED-4DB2-BD59-A6C34878D82A}">
-                    <a16:rowId xmlns:a16="http://schemas.microsoft.com/office/drawing/2014/main" val="10003"/>
+                    <a16:rowId xmlns:a16="http://schemas.microsoft.com/office/drawing/2014/main" xmlns="" val="10003"/>
                   </a:ext>
                 </a:extLst>
               </a:tr>
@@ -8129,7 +8148,7 @@
           <p:nvPr>
             <p:extLst>
               <p:ext uri="{D42A27DB-BD31-4B8C-83A1-F6EECF244321}">
-                <p14:modId xmlns:p14="http://schemas.microsoft.com/office/powerpoint/2010/main" val="3528518649"/>
+                <p14:modId xmlns:p14="http://schemas.microsoft.com/office/powerpoint/2010/main" xmlns="" val="3528518649"/>
               </p:ext>
             </p:extLst>
           </p:nvPr>
@@ -8148,14 +8167,14 @@
                 <a:gridCol w="1584176">
                   <a:extLst>
                     <a:ext uri="{9D8B030D-6E8A-4147-A177-3AD203B41FA5}">
-                      <a16:colId xmlns:a16="http://schemas.microsoft.com/office/drawing/2014/main" val="20000"/>
+                      <a16:colId xmlns:a16="http://schemas.microsoft.com/office/drawing/2014/main" xmlns="" val="20000"/>
                     </a:ext>
                   </a:extLst>
                 </a:gridCol>
                 <a:gridCol w="6480721">
                   <a:extLst>
                     <a:ext uri="{9D8B030D-6E8A-4147-A177-3AD203B41FA5}">
-                      <a16:colId xmlns:a16="http://schemas.microsoft.com/office/drawing/2014/main" val="20001"/>
+                      <a16:colId xmlns:a16="http://schemas.microsoft.com/office/drawing/2014/main" xmlns="" val="20001"/>
                     </a:ext>
                   </a:extLst>
                 </a:gridCol>
@@ -8192,7 +8211,7 @@
                 </a:tc>
                 <a:extLst>
                   <a:ext uri="{0D108BD9-81ED-4DB2-BD59-A6C34878D82A}">
-                    <a16:rowId xmlns:a16="http://schemas.microsoft.com/office/drawing/2014/main" val="10000"/>
+                    <a16:rowId xmlns:a16="http://schemas.microsoft.com/office/drawing/2014/main" xmlns="" val="10000"/>
                   </a:ext>
                 </a:extLst>
               </a:tr>
@@ -8272,7 +8291,7 @@
                 </a:tc>
                 <a:extLst>
                   <a:ext uri="{0D108BD9-81ED-4DB2-BD59-A6C34878D82A}">
-                    <a16:rowId xmlns:a16="http://schemas.microsoft.com/office/drawing/2014/main" val="10001"/>
+                    <a16:rowId xmlns:a16="http://schemas.microsoft.com/office/drawing/2014/main" xmlns="" val="10001"/>
                   </a:ext>
                 </a:extLst>
               </a:tr>
@@ -8387,7 +8406,7 @@
                 </a:tc>
                 <a:extLst>
                   <a:ext uri="{0D108BD9-81ED-4DB2-BD59-A6C34878D82A}">
-                    <a16:rowId xmlns:a16="http://schemas.microsoft.com/office/drawing/2014/main" val="10002"/>
+                    <a16:rowId xmlns:a16="http://schemas.microsoft.com/office/drawing/2014/main" xmlns="" val="10002"/>
                   </a:ext>
                 </a:extLst>
               </a:tr>
@@ -8451,7 +8470,7 @@
                 </a:tc>
                 <a:extLst>
                   <a:ext uri="{0D108BD9-81ED-4DB2-BD59-A6C34878D82A}">
-                    <a16:rowId xmlns:a16="http://schemas.microsoft.com/office/drawing/2014/main" val="10003"/>
+                    <a16:rowId xmlns:a16="http://schemas.microsoft.com/office/drawing/2014/main" xmlns="" val="10003"/>
                   </a:ext>
                 </a:extLst>
               </a:tr>
@@ -8462,7 +8481,7 @@
     </p:spTree>
     <p:extLst>
       <p:ext uri="{BB962C8B-B14F-4D97-AF65-F5344CB8AC3E}">
-        <p14:creationId xmlns:p14="http://schemas.microsoft.com/office/powerpoint/2010/main" val="4058254611"/>
+        <p14:creationId xmlns:p14="http://schemas.microsoft.com/office/powerpoint/2010/main" xmlns="" val="4058254611"/>
       </p:ext>
     </p:extLst>
   </p:cSld>
@@ -8589,7 +8608,7 @@
           <p:nvPr>
             <p:extLst>
               <p:ext uri="{D42A27DB-BD31-4B8C-83A1-F6EECF244321}">
-                <p14:modId xmlns:p14="http://schemas.microsoft.com/office/powerpoint/2010/main" val="3528518649"/>
+                <p14:modId xmlns:p14="http://schemas.microsoft.com/office/powerpoint/2010/main" xmlns="" val="3528518649"/>
               </p:ext>
             </p:extLst>
           </p:nvPr>
@@ -8608,14 +8627,14 @@
                 <a:gridCol w="1584176">
                   <a:extLst>
                     <a:ext uri="{9D8B030D-6E8A-4147-A177-3AD203B41FA5}">
-                      <a16:colId xmlns:a16="http://schemas.microsoft.com/office/drawing/2014/main" val="20000"/>
+                      <a16:colId xmlns:a16="http://schemas.microsoft.com/office/drawing/2014/main" xmlns="" val="20000"/>
                     </a:ext>
                   </a:extLst>
                 </a:gridCol>
                 <a:gridCol w="6480721">
                   <a:extLst>
                     <a:ext uri="{9D8B030D-6E8A-4147-A177-3AD203B41FA5}">
-                      <a16:colId xmlns:a16="http://schemas.microsoft.com/office/drawing/2014/main" val="20001"/>
+                      <a16:colId xmlns:a16="http://schemas.microsoft.com/office/drawing/2014/main" xmlns="" val="20001"/>
                     </a:ext>
                   </a:extLst>
                 </a:gridCol>
@@ -8652,7 +8671,7 @@
                 </a:tc>
                 <a:extLst>
                   <a:ext uri="{0D108BD9-81ED-4DB2-BD59-A6C34878D82A}">
-                    <a16:rowId xmlns:a16="http://schemas.microsoft.com/office/drawing/2014/main" val="10000"/>
+                    <a16:rowId xmlns:a16="http://schemas.microsoft.com/office/drawing/2014/main" xmlns="" val="10000"/>
                   </a:ext>
                 </a:extLst>
               </a:tr>
@@ -8806,7 +8825,7 @@
                 </a:tc>
                 <a:extLst>
                   <a:ext uri="{0D108BD9-81ED-4DB2-BD59-A6C34878D82A}">
-                    <a16:rowId xmlns:a16="http://schemas.microsoft.com/office/drawing/2014/main" val="10001"/>
+                    <a16:rowId xmlns:a16="http://schemas.microsoft.com/office/drawing/2014/main" xmlns="" val="10001"/>
                   </a:ext>
                 </a:extLst>
               </a:tr>
@@ -8881,7 +8900,7 @@
                 </a:tc>
                 <a:extLst>
                   <a:ext uri="{0D108BD9-81ED-4DB2-BD59-A6C34878D82A}">
-                    <a16:rowId xmlns:a16="http://schemas.microsoft.com/office/drawing/2014/main" val="10002"/>
+                    <a16:rowId xmlns:a16="http://schemas.microsoft.com/office/drawing/2014/main" xmlns="" val="10002"/>
                   </a:ext>
                 </a:extLst>
               </a:tr>
@@ -8949,7 +8968,7 @@
                 </a:tc>
                 <a:extLst>
                   <a:ext uri="{0D108BD9-81ED-4DB2-BD59-A6C34878D82A}">
-                    <a16:rowId xmlns:a16="http://schemas.microsoft.com/office/drawing/2014/main" val="10003"/>
+                    <a16:rowId xmlns:a16="http://schemas.microsoft.com/office/drawing/2014/main" xmlns="" val="10003"/>
                   </a:ext>
                 </a:extLst>
               </a:tr>
@@ -8960,7 +8979,7 @@
     </p:spTree>
     <p:extLst>
       <p:ext uri="{BB962C8B-B14F-4D97-AF65-F5344CB8AC3E}">
-        <p14:creationId xmlns:p14="http://schemas.microsoft.com/office/powerpoint/2010/main" val="4058254611"/>
+        <p14:creationId xmlns:p14="http://schemas.microsoft.com/office/powerpoint/2010/main" xmlns="" val="4058254611"/>
       </p:ext>
     </p:extLst>
   </p:cSld>
@@ -9087,7 +9106,7 @@
           <p:nvPr>
             <p:extLst>
               <p:ext uri="{D42A27DB-BD31-4B8C-83A1-F6EECF244321}">
-                <p14:modId xmlns:p14="http://schemas.microsoft.com/office/powerpoint/2010/main" val="3728952247"/>
+                <p14:modId xmlns:p14="http://schemas.microsoft.com/office/powerpoint/2010/main" xmlns="" val="3728952247"/>
               </p:ext>
             </p:extLst>
           </p:nvPr>
@@ -9106,14 +9125,14 @@
                 <a:gridCol w="1584176">
                   <a:extLst>
                     <a:ext uri="{9D8B030D-6E8A-4147-A177-3AD203B41FA5}">
-                      <a16:colId xmlns:a16="http://schemas.microsoft.com/office/drawing/2014/main" val="20000"/>
+                      <a16:colId xmlns:a16="http://schemas.microsoft.com/office/drawing/2014/main" xmlns="" val="20000"/>
                     </a:ext>
                   </a:extLst>
                 </a:gridCol>
                 <a:gridCol w="6480721">
                   <a:extLst>
                     <a:ext uri="{9D8B030D-6E8A-4147-A177-3AD203B41FA5}">
-                      <a16:colId xmlns:a16="http://schemas.microsoft.com/office/drawing/2014/main" val="20001"/>
+                      <a16:colId xmlns:a16="http://schemas.microsoft.com/office/drawing/2014/main" xmlns="" val="20001"/>
                     </a:ext>
                   </a:extLst>
                 </a:gridCol>
@@ -9150,7 +9169,7 @@
                 </a:tc>
                 <a:extLst>
                   <a:ext uri="{0D108BD9-81ED-4DB2-BD59-A6C34878D82A}">
-                    <a16:rowId xmlns:a16="http://schemas.microsoft.com/office/drawing/2014/main" val="10000"/>
+                    <a16:rowId xmlns:a16="http://schemas.microsoft.com/office/drawing/2014/main" xmlns="" val="10000"/>
                   </a:ext>
                 </a:extLst>
               </a:tr>
@@ -9262,7 +9281,7 @@
                 </a:tc>
                 <a:extLst>
                   <a:ext uri="{0D108BD9-81ED-4DB2-BD59-A6C34878D82A}">
-                    <a16:rowId xmlns:a16="http://schemas.microsoft.com/office/drawing/2014/main" val="10001"/>
+                    <a16:rowId xmlns:a16="http://schemas.microsoft.com/office/drawing/2014/main" xmlns="" val="10001"/>
                   </a:ext>
                 </a:extLst>
               </a:tr>
@@ -9435,7 +9454,7 @@
                 </a:tc>
                 <a:extLst>
                   <a:ext uri="{0D108BD9-81ED-4DB2-BD59-A6C34878D82A}">
-                    <a16:rowId xmlns:a16="http://schemas.microsoft.com/office/drawing/2014/main" val="10002"/>
+                    <a16:rowId xmlns:a16="http://schemas.microsoft.com/office/drawing/2014/main" xmlns="" val="10002"/>
                   </a:ext>
                 </a:extLst>
               </a:tr>
@@ -9502,7 +9521,7 @@
                 </a:tc>
                 <a:extLst>
                   <a:ext uri="{0D108BD9-81ED-4DB2-BD59-A6C34878D82A}">
-                    <a16:rowId xmlns:a16="http://schemas.microsoft.com/office/drawing/2014/main" val="10003"/>
+                    <a16:rowId xmlns:a16="http://schemas.microsoft.com/office/drawing/2014/main" xmlns="" val="10003"/>
                   </a:ext>
                 </a:extLst>
               </a:tr>
@@ -9513,7 +9532,7 @@
     </p:spTree>
     <p:extLst>
       <p:ext uri="{BB962C8B-B14F-4D97-AF65-F5344CB8AC3E}">
-        <p14:creationId xmlns:p14="http://schemas.microsoft.com/office/powerpoint/2010/main" val="2726051080"/>
+        <p14:creationId xmlns:p14="http://schemas.microsoft.com/office/powerpoint/2010/main" xmlns="" val="2726051080"/>
       </p:ext>
     </p:extLst>
   </p:cSld>
@@ -9799,7 +9818,7 @@
           <p:nvPr>
             <p:extLst>
               <p:ext uri="{D42A27DB-BD31-4B8C-83A1-F6EECF244321}">
-                <p14:modId xmlns:p14="http://schemas.microsoft.com/office/powerpoint/2010/main" val="2739947338"/>
+                <p14:modId xmlns:p14="http://schemas.microsoft.com/office/powerpoint/2010/main" xmlns="" val="2739947338"/>
               </p:ext>
             </p:extLst>
           </p:nvPr>
@@ -9818,14 +9837,14 @@
                 <a:gridCol w="1584176">
                   <a:extLst>
                     <a:ext uri="{9D8B030D-6E8A-4147-A177-3AD203B41FA5}">
-                      <a16:colId xmlns:a16="http://schemas.microsoft.com/office/drawing/2014/main" val="20000"/>
+                      <a16:colId xmlns:a16="http://schemas.microsoft.com/office/drawing/2014/main" xmlns="" val="20000"/>
                     </a:ext>
                   </a:extLst>
                 </a:gridCol>
                 <a:gridCol w="6480721">
                   <a:extLst>
                     <a:ext uri="{9D8B030D-6E8A-4147-A177-3AD203B41FA5}">
-                      <a16:colId xmlns:a16="http://schemas.microsoft.com/office/drawing/2014/main" val="20001"/>
+                      <a16:colId xmlns:a16="http://schemas.microsoft.com/office/drawing/2014/main" xmlns="" val="20001"/>
                     </a:ext>
                   </a:extLst>
                 </a:gridCol>
@@ -9867,7 +9886,7 @@
                 </a:tc>
                 <a:extLst>
                   <a:ext uri="{0D108BD9-81ED-4DB2-BD59-A6C34878D82A}">
-                    <a16:rowId xmlns:a16="http://schemas.microsoft.com/office/drawing/2014/main" val="10000"/>
+                    <a16:rowId xmlns:a16="http://schemas.microsoft.com/office/drawing/2014/main" xmlns="" val="10000"/>
                   </a:ext>
                 </a:extLst>
               </a:tr>
@@ -9950,7 +9969,7 @@
                 </a:tc>
                 <a:extLst>
                   <a:ext uri="{0D108BD9-81ED-4DB2-BD59-A6C34878D82A}">
-                    <a16:rowId xmlns:a16="http://schemas.microsoft.com/office/drawing/2014/main" val="10001"/>
+                    <a16:rowId xmlns:a16="http://schemas.microsoft.com/office/drawing/2014/main" xmlns="" val="10001"/>
                   </a:ext>
                 </a:extLst>
               </a:tr>
@@ -10028,7 +10047,7 @@
                 </a:tc>
                 <a:extLst>
                   <a:ext uri="{0D108BD9-81ED-4DB2-BD59-A6C34878D82A}">
-                    <a16:rowId xmlns:a16="http://schemas.microsoft.com/office/drawing/2014/main" val="10002"/>
+                    <a16:rowId xmlns:a16="http://schemas.microsoft.com/office/drawing/2014/main" xmlns="" val="10002"/>
                   </a:ext>
                 </a:extLst>
               </a:tr>
@@ -10118,7 +10137,7 @@
                 </a:tc>
                 <a:extLst>
                   <a:ext uri="{0D108BD9-81ED-4DB2-BD59-A6C34878D82A}">
-                    <a16:rowId xmlns:a16="http://schemas.microsoft.com/office/drawing/2014/main" val="10003"/>
+                    <a16:rowId xmlns:a16="http://schemas.microsoft.com/office/drawing/2014/main" xmlns="" val="10003"/>
                   </a:ext>
                 </a:extLst>
               </a:tr>
@@ -10129,7 +10148,7 @@
     </p:spTree>
     <p:extLst>
       <p:ext uri="{BB962C8B-B14F-4D97-AF65-F5344CB8AC3E}">
-        <p14:creationId xmlns:p14="http://schemas.microsoft.com/office/powerpoint/2010/main" val="1493014693"/>
+        <p14:creationId xmlns:p14="http://schemas.microsoft.com/office/powerpoint/2010/main" xmlns="" val="1493014693"/>
       </p:ext>
     </p:extLst>
   </p:cSld>
@@ -10453,14 +10472,14 @@
                 <a:gridCol w="1584176">
                   <a:extLst>
                     <a:ext uri="{9D8B030D-6E8A-4147-A177-3AD203B41FA5}">
-                      <a16:colId xmlns:a16="http://schemas.microsoft.com/office/drawing/2014/main" val="20000"/>
+                      <a16:colId xmlns:a16="http://schemas.microsoft.com/office/drawing/2014/main" xmlns="" val="20000"/>
                     </a:ext>
                   </a:extLst>
                 </a:gridCol>
                 <a:gridCol w="6480721">
                   <a:extLst>
                     <a:ext uri="{9D8B030D-6E8A-4147-A177-3AD203B41FA5}">
-                      <a16:colId xmlns:a16="http://schemas.microsoft.com/office/drawing/2014/main" val="20001"/>
+                      <a16:colId xmlns:a16="http://schemas.microsoft.com/office/drawing/2014/main" xmlns="" val="20001"/>
                     </a:ext>
                   </a:extLst>
                 </a:gridCol>
@@ -10502,7 +10521,7 @@
                 </a:tc>
                 <a:extLst>
                   <a:ext uri="{0D108BD9-81ED-4DB2-BD59-A6C34878D82A}">
-                    <a16:rowId xmlns:a16="http://schemas.microsoft.com/office/drawing/2014/main" val="10000"/>
+                    <a16:rowId xmlns:a16="http://schemas.microsoft.com/office/drawing/2014/main" xmlns="" val="10000"/>
                   </a:ext>
                 </a:extLst>
               </a:tr>
@@ -10560,7 +10579,7 @@
                 </a:tc>
                 <a:extLst>
                   <a:ext uri="{0D108BD9-81ED-4DB2-BD59-A6C34878D82A}">
-                    <a16:rowId xmlns:a16="http://schemas.microsoft.com/office/drawing/2014/main" val="10001"/>
+                    <a16:rowId xmlns:a16="http://schemas.microsoft.com/office/drawing/2014/main" xmlns="" val="10001"/>
                   </a:ext>
                 </a:extLst>
               </a:tr>
@@ -10707,7 +10726,7 @@
                 </a:tc>
                 <a:extLst>
                   <a:ext uri="{0D108BD9-81ED-4DB2-BD59-A6C34878D82A}">
-                    <a16:rowId xmlns:a16="http://schemas.microsoft.com/office/drawing/2014/main" val="10002"/>
+                    <a16:rowId xmlns:a16="http://schemas.microsoft.com/office/drawing/2014/main" xmlns="" val="10002"/>
                   </a:ext>
                 </a:extLst>
               </a:tr>
@@ -10758,7 +10777,7 @@
                 </a:tc>
                 <a:extLst>
                   <a:ext uri="{0D108BD9-81ED-4DB2-BD59-A6C34878D82A}">
-                    <a16:rowId xmlns:a16="http://schemas.microsoft.com/office/drawing/2014/main" val="10003"/>
+                    <a16:rowId xmlns:a16="http://schemas.microsoft.com/office/drawing/2014/main" xmlns="" val="10003"/>
                   </a:ext>
                 </a:extLst>
               </a:tr>
@@ -10853,7 +10872,7 @@
                 </a:tc>
                 <a:extLst>
                   <a:ext uri="{0D108BD9-81ED-4DB2-BD59-A6C34878D82A}">
-                    <a16:rowId xmlns:a16="http://schemas.microsoft.com/office/drawing/2014/main" val="10004"/>
+                    <a16:rowId xmlns:a16="http://schemas.microsoft.com/office/drawing/2014/main" xmlns="" val="10004"/>
                   </a:ext>
                 </a:extLst>
               </a:tr>
@@ -10986,7 +11005,7 @@
           <p:nvPr>
             <p:extLst>
               <p:ext uri="{D42A27DB-BD31-4B8C-83A1-F6EECF244321}">
-                <p14:modId xmlns:p14="http://schemas.microsoft.com/office/powerpoint/2010/main" val="1031210796"/>
+                <p14:modId xmlns:p14="http://schemas.microsoft.com/office/powerpoint/2010/main" xmlns="" val="1031210796"/>
               </p:ext>
             </p:extLst>
           </p:nvPr>
@@ -11005,14 +11024,14 @@
                 <a:gridCol w="1584176">
                   <a:extLst>
                     <a:ext uri="{9D8B030D-6E8A-4147-A177-3AD203B41FA5}">
-                      <a16:colId xmlns:a16="http://schemas.microsoft.com/office/drawing/2014/main" val="20000"/>
+                      <a16:colId xmlns:a16="http://schemas.microsoft.com/office/drawing/2014/main" xmlns="" val="20000"/>
                     </a:ext>
                   </a:extLst>
                 </a:gridCol>
                 <a:gridCol w="6480721">
                   <a:extLst>
                     <a:ext uri="{9D8B030D-6E8A-4147-A177-3AD203B41FA5}">
-                      <a16:colId xmlns:a16="http://schemas.microsoft.com/office/drawing/2014/main" val="20001"/>
+                      <a16:colId xmlns:a16="http://schemas.microsoft.com/office/drawing/2014/main" xmlns="" val="20001"/>
                     </a:ext>
                   </a:extLst>
                 </a:gridCol>
@@ -11049,7 +11068,7 @@
                 </a:tc>
                 <a:extLst>
                   <a:ext uri="{0D108BD9-81ED-4DB2-BD59-A6C34878D82A}">
-                    <a16:rowId xmlns:a16="http://schemas.microsoft.com/office/drawing/2014/main" val="10000"/>
+                    <a16:rowId xmlns:a16="http://schemas.microsoft.com/office/drawing/2014/main" xmlns="" val="10000"/>
                   </a:ext>
                 </a:extLst>
               </a:tr>
@@ -11097,7 +11116,7 @@
                 </a:tc>
                 <a:extLst>
                   <a:ext uri="{0D108BD9-81ED-4DB2-BD59-A6C34878D82A}">
-                    <a16:rowId xmlns:a16="http://schemas.microsoft.com/office/drawing/2014/main" val="10001"/>
+                    <a16:rowId xmlns:a16="http://schemas.microsoft.com/office/drawing/2014/main" xmlns="" val="10001"/>
                   </a:ext>
                 </a:extLst>
               </a:tr>
@@ -11153,7 +11172,7 @@
                 </a:tc>
                 <a:extLst>
                   <a:ext uri="{0D108BD9-81ED-4DB2-BD59-A6C34878D82A}">
-                    <a16:rowId xmlns:a16="http://schemas.microsoft.com/office/drawing/2014/main" val="10002"/>
+                    <a16:rowId xmlns:a16="http://schemas.microsoft.com/office/drawing/2014/main" xmlns="" val="10002"/>
                   </a:ext>
                 </a:extLst>
               </a:tr>
@@ -11212,7 +11231,7 @@
                 </a:tc>
                 <a:extLst>
                   <a:ext uri="{0D108BD9-81ED-4DB2-BD59-A6C34878D82A}">
-                    <a16:rowId xmlns:a16="http://schemas.microsoft.com/office/drawing/2014/main" val="10003"/>
+                    <a16:rowId xmlns:a16="http://schemas.microsoft.com/office/drawing/2014/main" xmlns="" val="10003"/>
                   </a:ext>
                 </a:extLst>
               </a:tr>
@@ -11307,7 +11326,7 @@
                 </a:tc>
                 <a:extLst>
                   <a:ext uri="{0D108BD9-81ED-4DB2-BD59-A6C34878D82A}">
-                    <a16:rowId xmlns:a16="http://schemas.microsoft.com/office/drawing/2014/main" val="10004"/>
+                    <a16:rowId xmlns:a16="http://schemas.microsoft.com/office/drawing/2014/main" xmlns="" val="10004"/>
                   </a:ext>
                 </a:extLst>
               </a:tr>
@@ -11318,7 +11337,7 @@
     </p:spTree>
     <p:extLst>
       <p:ext uri="{BB962C8B-B14F-4D97-AF65-F5344CB8AC3E}">
-        <p14:creationId xmlns:p14="http://schemas.microsoft.com/office/powerpoint/2010/main" val="3532623066"/>
+        <p14:creationId xmlns:p14="http://schemas.microsoft.com/office/powerpoint/2010/main" xmlns="" val="3532623066"/>
       </p:ext>
     </p:extLst>
   </p:cSld>
@@ -11445,7 +11464,7 @@
           <p:nvPr>
             <p:extLst>
               <p:ext uri="{D42A27DB-BD31-4B8C-83A1-F6EECF244321}">
-                <p14:modId xmlns:p14="http://schemas.microsoft.com/office/powerpoint/2010/main" val="1031210796"/>
+                <p14:modId xmlns:p14="http://schemas.microsoft.com/office/powerpoint/2010/main" xmlns="" val="1031210796"/>
               </p:ext>
             </p:extLst>
           </p:nvPr>
@@ -11464,14 +11483,14 @@
                 <a:gridCol w="1584176">
                   <a:extLst>
                     <a:ext uri="{9D8B030D-6E8A-4147-A177-3AD203B41FA5}">
-                      <a16:colId xmlns:a16="http://schemas.microsoft.com/office/drawing/2014/main" val="20000"/>
+                      <a16:colId xmlns:a16="http://schemas.microsoft.com/office/drawing/2014/main" xmlns="" val="20000"/>
                     </a:ext>
                   </a:extLst>
                 </a:gridCol>
                 <a:gridCol w="6480721">
                   <a:extLst>
                     <a:ext uri="{9D8B030D-6E8A-4147-A177-3AD203B41FA5}">
-                      <a16:colId xmlns:a16="http://schemas.microsoft.com/office/drawing/2014/main" val="20001"/>
+                      <a16:colId xmlns:a16="http://schemas.microsoft.com/office/drawing/2014/main" xmlns="" val="20001"/>
                     </a:ext>
                   </a:extLst>
                 </a:gridCol>
@@ -11508,7 +11527,7 @@
                 </a:tc>
                 <a:extLst>
                   <a:ext uri="{0D108BD9-81ED-4DB2-BD59-A6C34878D82A}">
-                    <a16:rowId xmlns:a16="http://schemas.microsoft.com/office/drawing/2014/main" val="10000"/>
+                    <a16:rowId xmlns:a16="http://schemas.microsoft.com/office/drawing/2014/main" xmlns="" val="10000"/>
                   </a:ext>
                 </a:extLst>
               </a:tr>
@@ -11604,7 +11623,7 @@
                 </a:tc>
                 <a:extLst>
                   <a:ext uri="{0D108BD9-81ED-4DB2-BD59-A6C34878D82A}">
-                    <a16:rowId xmlns:a16="http://schemas.microsoft.com/office/drawing/2014/main" val="10001"/>
+                    <a16:rowId xmlns:a16="http://schemas.microsoft.com/office/drawing/2014/main" xmlns="" val="10001"/>
                   </a:ext>
                 </a:extLst>
               </a:tr>
@@ -11660,7 +11679,7 @@
                 </a:tc>
                 <a:extLst>
                   <a:ext uri="{0D108BD9-81ED-4DB2-BD59-A6C34878D82A}">
-                    <a16:rowId xmlns:a16="http://schemas.microsoft.com/office/drawing/2014/main" val="10002"/>
+                    <a16:rowId xmlns:a16="http://schemas.microsoft.com/office/drawing/2014/main" xmlns="" val="10002"/>
                   </a:ext>
                 </a:extLst>
               </a:tr>
@@ -11727,7 +11746,7 @@
                 </a:tc>
                 <a:extLst>
                   <a:ext uri="{0D108BD9-81ED-4DB2-BD59-A6C34878D82A}">
-                    <a16:rowId xmlns:a16="http://schemas.microsoft.com/office/drawing/2014/main" val="10003"/>
+                    <a16:rowId xmlns:a16="http://schemas.microsoft.com/office/drawing/2014/main" xmlns="" val="10003"/>
                   </a:ext>
                 </a:extLst>
               </a:tr>
@@ -11794,7 +11813,7 @@
                 </a:tc>
                 <a:extLst>
                   <a:ext uri="{0D108BD9-81ED-4DB2-BD59-A6C34878D82A}">
-                    <a16:rowId xmlns:a16="http://schemas.microsoft.com/office/drawing/2014/main" val="10004"/>
+                    <a16:rowId xmlns:a16="http://schemas.microsoft.com/office/drawing/2014/main" xmlns="" val="10004"/>
                   </a:ext>
                 </a:extLst>
               </a:tr>
@@ -11805,7 +11824,7 @@
     </p:spTree>
     <p:extLst>
       <p:ext uri="{BB962C8B-B14F-4D97-AF65-F5344CB8AC3E}">
-        <p14:creationId xmlns:p14="http://schemas.microsoft.com/office/powerpoint/2010/main" val="3532623066"/>
+        <p14:creationId xmlns:p14="http://schemas.microsoft.com/office/powerpoint/2010/main" xmlns="" val="3532623066"/>
       </p:ext>
     </p:extLst>
   </p:cSld>
@@ -11932,7 +11951,7 @@
           <p:nvPr>
             <p:extLst>
               <p:ext uri="{D42A27DB-BD31-4B8C-83A1-F6EECF244321}">
-                <p14:modId xmlns:p14="http://schemas.microsoft.com/office/powerpoint/2010/main" val="3016841426"/>
+                <p14:modId xmlns:p14="http://schemas.microsoft.com/office/powerpoint/2010/main" xmlns="" val="3016841426"/>
               </p:ext>
             </p:extLst>
           </p:nvPr>
@@ -11951,14 +11970,14 @@
                 <a:gridCol w="1584176">
                   <a:extLst>
                     <a:ext uri="{9D8B030D-6E8A-4147-A177-3AD203B41FA5}">
-                      <a16:colId xmlns:a16="http://schemas.microsoft.com/office/drawing/2014/main" val="20000"/>
+                      <a16:colId xmlns:a16="http://schemas.microsoft.com/office/drawing/2014/main" xmlns="" val="20000"/>
                     </a:ext>
                   </a:extLst>
                 </a:gridCol>
                 <a:gridCol w="6480721">
                   <a:extLst>
                     <a:ext uri="{9D8B030D-6E8A-4147-A177-3AD203B41FA5}">
-                      <a16:colId xmlns:a16="http://schemas.microsoft.com/office/drawing/2014/main" val="20001"/>
+                      <a16:colId xmlns:a16="http://schemas.microsoft.com/office/drawing/2014/main" xmlns="" val="20001"/>
                     </a:ext>
                   </a:extLst>
                 </a:gridCol>
@@ -12000,7 +12019,7 @@
                 </a:tc>
                 <a:extLst>
                   <a:ext uri="{0D108BD9-81ED-4DB2-BD59-A6C34878D82A}">
-                    <a16:rowId xmlns:a16="http://schemas.microsoft.com/office/drawing/2014/main" val="10000"/>
+                    <a16:rowId xmlns:a16="http://schemas.microsoft.com/office/drawing/2014/main" xmlns="" val="10000"/>
                   </a:ext>
                 </a:extLst>
               </a:tr>
@@ -12073,7 +12092,7 @@
                 </a:tc>
                 <a:extLst>
                   <a:ext uri="{0D108BD9-81ED-4DB2-BD59-A6C34878D82A}">
-                    <a16:rowId xmlns:a16="http://schemas.microsoft.com/office/drawing/2014/main" val="10001"/>
+                    <a16:rowId xmlns:a16="http://schemas.microsoft.com/office/drawing/2014/main" xmlns="" val="10001"/>
                   </a:ext>
                 </a:extLst>
               </a:tr>
@@ -12216,7 +12235,7 @@
                 </a:tc>
                 <a:extLst>
                   <a:ext uri="{0D108BD9-81ED-4DB2-BD59-A6C34878D82A}">
-                    <a16:rowId xmlns:a16="http://schemas.microsoft.com/office/drawing/2014/main" val="10002"/>
+                    <a16:rowId xmlns:a16="http://schemas.microsoft.com/office/drawing/2014/main" xmlns="" val="10002"/>
                   </a:ext>
                 </a:extLst>
               </a:tr>
@@ -12303,7 +12322,7 @@
                 </a:tc>
                 <a:extLst>
                   <a:ext uri="{0D108BD9-81ED-4DB2-BD59-A6C34878D82A}">
-                    <a16:rowId xmlns:a16="http://schemas.microsoft.com/office/drawing/2014/main" val="10003"/>
+                    <a16:rowId xmlns:a16="http://schemas.microsoft.com/office/drawing/2014/main" xmlns="" val="10003"/>
                   </a:ext>
                 </a:extLst>
               </a:tr>
@@ -12398,7 +12417,7 @@
                 </a:tc>
                 <a:extLst>
                   <a:ext uri="{0D108BD9-81ED-4DB2-BD59-A6C34878D82A}">
-                    <a16:rowId xmlns:a16="http://schemas.microsoft.com/office/drawing/2014/main" val="10004"/>
+                    <a16:rowId xmlns:a16="http://schemas.microsoft.com/office/drawing/2014/main" xmlns="" val="10004"/>
                   </a:ext>
                 </a:extLst>
               </a:tr>
@@ -12409,7 +12428,7 @@
     </p:spTree>
     <p:extLst>
       <p:ext uri="{BB962C8B-B14F-4D97-AF65-F5344CB8AC3E}">
-        <p14:creationId xmlns:p14="http://schemas.microsoft.com/office/powerpoint/2010/main" val="2422853760"/>
+        <p14:creationId xmlns:p14="http://schemas.microsoft.com/office/powerpoint/2010/main" xmlns="" val="2422853760"/>
       </p:ext>
     </p:extLst>
   </p:cSld>
@@ -12536,7 +12555,7 @@
           <p:nvPr>
             <p:extLst>
               <p:ext uri="{D42A27DB-BD31-4B8C-83A1-F6EECF244321}">
-                <p14:modId xmlns:p14="http://schemas.microsoft.com/office/powerpoint/2010/main" val="2547152848"/>
+                <p14:modId xmlns:p14="http://schemas.microsoft.com/office/powerpoint/2010/main" xmlns="" val="2547152848"/>
               </p:ext>
             </p:extLst>
           </p:nvPr>
@@ -12555,14 +12574,14 @@
                 <a:gridCol w="1584176">
                   <a:extLst>
                     <a:ext uri="{9D8B030D-6E8A-4147-A177-3AD203B41FA5}">
-                      <a16:colId xmlns:a16="http://schemas.microsoft.com/office/drawing/2014/main" val="20000"/>
+                      <a16:colId xmlns:a16="http://schemas.microsoft.com/office/drawing/2014/main" xmlns="" val="20000"/>
                     </a:ext>
                   </a:extLst>
                 </a:gridCol>
                 <a:gridCol w="6480721">
                   <a:extLst>
                     <a:ext uri="{9D8B030D-6E8A-4147-A177-3AD203B41FA5}">
-                      <a16:colId xmlns:a16="http://schemas.microsoft.com/office/drawing/2014/main" val="20001"/>
+                      <a16:colId xmlns:a16="http://schemas.microsoft.com/office/drawing/2014/main" xmlns="" val="20001"/>
                     </a:ext>
                   </a:extLst>
                 </a:gridCol>
@@ -12604,7 +12623,7 @@
                 </a:tc>
                 <a:extLst>
                   <a:ext uri="{0D108BD9-81ED-4DB2-BD59-A6C34878D82A}">
-                    <a16:rowId xmlns:a16="http://schemas.microsoft.com/office/drawing/2014/main" val="10000"/>
+                    <a16:rowId xmlns:a16="http://schemas.microsoft.com/office/drawing/2014/main" xmlns="" val="10000"/>
                   </a:ext>
                 </a:extLst>
               </a:tr>
@@ -12690,8 +12709,12 @@
                         <a:t> </a:t>
                       </a:r>
                       <a:r>
-                        <a:rPr lang="de-DE" sz="1800" baseline="0" dirty="0" err="1"/>
+                        <a:rPr lang="de-DE" sz="1800" baseline="0" dirty="0" err="1" smtClean="0"/>
                         <a:t>project</a:t>
+                      </a:r>
+                      <a:r>
+                        <a:rPr lang="de-DE" sz="1800" baseline="0" dirty="0" smtClean="0"/>
+                        <a:t> (Client)</a:t>
                       </a:r>
                       <a:endParaRPr lang="de-DE" sz="1800" dirty="0"/>
                     </a:p>
@@ -12700,7 +12723,7 @@
                 </a:tc>
                 <a:extLst>
                   <a:ext uri="{0D108BD9-81ED-4DB2-BD59-A6C34878D82A}">
-                    <a16:rowId xmlns:a16="http://schemas.microsoft.com/office/drawing/2014/main" val="10001"/>
+                    <a16:rowId xmlns:a16="http://schemas.microsoft.com/office/drawing/2014/main" xmlns="" val="10001"/>
                   </a:ext>
                 </a:extLst>
               </a:tr>
@@ -12747,7 +12770,11 @@
                       </a:r>
                       <a:r>
                         <a:rPr lang="en-US" sz="1800" dirty="0"/>
-                        <a:t>Creation of a project documentation</a:t>
+                        <a:t>Creation of a project </a:t>
+                      </a:r>
+                      <a:r>
+                        <a:rPr lang="en-US" sz="1800" dirty="0" smtClean="0"/>
+                        <a:t>documentation (Client)</a:t>
                       </a:r>
                       <a:endParaRPr lang="de-DE" sz="1800" baseline="0" dirty="0"/>
                     </a:p>
@@ -12756,7 +12783,7 @@
                 </a:tc>
                 <a:extLst>
                   <a:ext uri="{0D108BD9-81ED-4DB2-BD59-A6C34878D82A}">
-                    <a16:rowId xmlns:a16="http://schemas.microsoft.com/office/drawing/2014/main" val="10002"/>
+                    <a16:rowId xmlns:a16="http://schemas.microsoft.com/office/drawing/2014/main" xmlns="" val="10002"/>
                   </a:ext>
                 </a:extLst>
               </a:tr>
@@ -12823,7 +12850,7 @@
                 </a:tc>
                 <a:extLst>
                   <a:ext uri="{0D108BD9-81ED-4DB2-BD59-A6C34878D82A}">
-                    <a16:rowId xmlns:a16="http://schemas.microsoft.com/office/drawing/2014/main" val="10003"/>
+                    <a16:rowId xmlns:a16="http://schemas.microsoft.com/office/drawing/2014/main" xmlns="" val="10003"/>
                   </a:ext>
                 </a:extLst>
               </a:tr>
@@ -12876,11 +12903,11 @@
                         <a:t>related</a:t>
                       </a:r>
                       <a:r>
-                        <a:rPr lang="de-DE" sz="1800" baseline="0"/>
-                        <a:t> </a:t>
-                      </a:r>
-                      <a:r>
-                        <a:rPr lang="de-DE" sz="1800"/>
+                        <a:rPr lang="de-DE" sz="1800" baseline="0" dirty="0"/>
+                        <a:t> </a:t>
+                      </a:r>
+                      <a:r>
+                        <a:rPr lang="de-DE" sz="1800" dirty="0" err="1"/>
                         <a:t>work</a:t>
                       </a:r>
                       <a:endParaRPr lang="de-DE" sz="1800" dirty="0"/>
@@ -12890,7 +12917,7 @@
                 </a:tc>
                 <a:extLst>
                   <a:ext uri="{0D108BD9-81ED-4DB2-BD59-A6C34878D82A}">
-                    <a16:rowId xmlns:a16="http://schemas.microsoft.com/office/drawing/2014/main" val="10004"/>
+                    <a16:rowId xmlns:a16="http://schemas.microsoft.com/office/drawing/2014/main" xmlns="" val="10004"/>
                   </a:ext>
                 </a:extLst>
               </a:tr>
@@ -12901,7 +12928,7 @@
     </p:spTree>
     <p:extLst>
       <p:ext uri="{BB962C8B-B14F-4D97-AF65-F5344CB8AC3E}">
-        <p14:creationId xmlns:p14="http://schemas.microsoft.com/office/powerpoint/2010/main" val="453573633"/>
+        <p14:creationId xmlns:p14="http://schemas.microsoft.com/office/powerpoint/2010/main" xmlns="" val="453573633"/>
       </p:ext>
     </p:extLst>
   </p:cSld>
@@ -14281,7 +14308,7 @@
           <a:blip r:embed="rId2" cstate="print">
             <a:extLst>
               <a:ext uri="{28A0092B-C50C-407E-A947-70E740481C1C}">
-                <a14:useLocalDpi xmlns:a14="http://schemas.microsoft.com/office/drawing/2010/main" val="0"/>
+                <a14:useLocalDpi xmlns:a14="http://schemas.microsoft.com/office/drawing/2010/main" xmlns="" val="0"/>
               </a:ext>
             </a:extLst>
           </a:blip>
@@ -14299,7 +14326,7 @@
     </p:spTree>
     <p:extLst>
       <p:ext uri="{BB962C8B-B14F-4D97-AF65-F5344CB8AC3E}">
-        <p14:creationId xmlns:p14="http://schemas.microsoft.com/office/powerpoint/2010/main" val="3486165658"/>
+        <p14:creationId xmlns:p14="http://schemas.microsoft.com/office/powerpoint/2010/main" xmlns="" val="3486165658"/>
       </p:ext>
     </p:extLst>
   </p:cSld>
